--- a/PPT 발표자료/이동석 발표자료/5월 26일 발표.pptx
+++ b/PPT 발표자료/이동석 발표자료/5월 26일 발표.pptx
@@ -110,6 +110,11 @@
       </a:defRPr>
     </a:lvl9pPr>
   </p:defaultTextStyle>
+  <p:extLst>
+    <p:ext uri="{EFAFB233-063F-42B5-8137-9DF3F51BA10A}">
+      <p15:sldGuideLst xmlns:p15="http://schemas.microsoft.com/office/powerpoint/2012/main"/>
+    </p:ext>
+  </p:extLst>
 </p:presentation>
 </file>
 
@@ -133,14 +138,14 @@
           <inkml:channelProperty channel="OE" name="resolution" value="1000" units="1/deg"/>
         </inkml:channelProperties>
       </inkml:inkSource>
-      <inkml:timestamp xml:id="ts0" timeString="2020-05-24T04:17:19.965"/>
+      <inkml:timestamp xml:id="ts0" timeString="2020-05-26T11:08:09.257"/>
     </inkml:context>
     <inkml:brush xml:id="br0">
       <inkml:brushProperty name="width" value="0.05" units="cm"/>
       <inkml:brushProperty name="height" value="0.05" units="cm"/>
     </inkml:brush>
   </inkml:definitions>
-  <inkml:trace contextRef="#ctx0" brushRef="#br0">66 727 8370 0 0,'1'-3'53'0'0,"-1"1"0"0"0,1-1 0 0 0,0 0 0 0 0,0 1 0 0 0,0-1 0 0 0,1 1 0 0 0,-1-1-1 0 0,1 1 1 0 0,-1-1 0 0 0,1 1 0 0 0,0 0 0 0 0,-1 0 0 0 0,1 0 0 0 0,1 0 0 0 0,-1 0 0 0 0,0 0 0 0 0,0 1 0 0 0,1-1 0 0 0,-1 1 0 0 0,1 0 0 0 0,0-1-53 0 0,-1 1 36 0 0,1 1 0 0 0,0-1-1 0 0,0 1 1 0 0,0 0 0 0 0,-1 0 0 0 0,1 0 0 0 0,0 0 0 0 0,0 1-1 0 0,0-1 1 0 0,-1 1 0 0 0,1-1 0 0 0,0 1 0 0 0,-1 0-1 0 0,1 0 1 0 0,0 0 0 0 0,-1 1 0 0 0,0-1 0 0 0,1 0 0 0 0,-1 1-1 0 0,0 0 1 0 0,2 1-36 0 0,0 0 30 0 0,-1 0 1 0 0,0 0-1 0 0,0 1 0 0 0,0 0 1 0 0,-1-1-1 0 0,1 1 0 0 0,-1 0 0 0 0,0 0 1 0 0,0 0-1 0 0,0 0 0 0 0,-1 1 1 0 0,1-1-1 0 0,-1 0 0 0 0,0 1 0 0 0,0-1 1 0 0,0 1-1 0 0,-1-1 0 0 0,0 4-30 0 0,1 13 308 0 0,-2-1-1 0 0,0 1 0 0 0,-3 11-307 0 0,2-17 126 0 0,-48 297 3078 0 0,11-80-2257 0 0,28-155 6 0 0,-44 302-4568 0 0,22-129 124 0 0,32-243 3504 0 0,0 2-4 0 0,0 0 0 0 0,0 1 0 0 0,1 0 0 0 0,0-1-1 0 0,1 7-8 0 0,0-14 10 0 0,-1-1 0 0 0,0 1-1 0 0,0 0 1 0 0,1-1 0 0 0,-1 1-1 0 0,1 0 1 0 0,0-1 0 0 0,-1 1-1 0 0,1-1 1 0 0,0 1-1 0 0,0-1 1 0 0,0 1 0 0 0,0-1-1 0 0,0 0 1 0 0,0 1 0 0 0,0-1-1 0 0,1 0 1 0 0,-1 0 0 0 0,0 0-1 0 0,1 0 1 0 0,-1 0 0 0 0,1 0-1 0 0,-1 0 1 0 0,1-1 0 0 0,-1 1-1 0 0,1 0 1 0 0,0-1 0 0 0,-1 1-1 0 0,1-1 1 0 0,0 0 0 0 0,-1 0-1 0 0,1 1 1 0 0,0-1-10 0 0,26-1 37 0 0,0-1 0 0 0,0-1-1 0 0,-1-2 1 0 0,1 0 0 0 0,-1-2-37 0 0,13-2 1 0 0,717-128 1514 0 0,-321 79 3524 0 0,625-55-5420 0 0,-723 79 49 0 0,1036-89-476 0 0,4 56 1182 0 0,-567 57-480 0 0,570-15-71 0 0,-170-17 476 0 0,129 16 97 0 0,-436-9-289 0 0,-497 13-125 0 0,-276 19 49 0 0,-39 2-671 0 0,59-11 640 0 0,-150 13-7 0 0,-1-1 1 0 0,1 0 0 0 0,0 0 0 0 0,0 0 0 0 0,-1 0-1 0 0,1-1 1 0 0,0 1 0 0 0,-1 0 0 0 0,1 0 0 0 0,0 0-1 0 0,-1-1 1 0 0,1 1 0 0 0,0 0 0 0 0,-1 0 0 0 0,1-1-1 0 0,0 1 1 0 0,-1-1 0 0 0,1 1 0 0 0,-1-1 0 0 0,1 1-1 0 0,-1-1 1 0 0,1 1 0 0 0,-1-1 0 0 0,1 1 0 0 0,-1-1-1 0 0,1 1 1 0 0,-1-1 0 0 0,0 0 0 0 0,1 0 6 0 0,-1 0-6 0 0,-1 0 1 0 0,1 0 0 0 0,0 0 0 0 0,0 0-1 0 0,-1 0 1 0 0,1 0 0 0 0,-1 0 0 0 0,1 0-1 0 0,-1 0 1 0 0,1 0 0 0 0,-1 0 0 0 0,0 0-1 0 0,1 0 1 0 0,-1 1 0 0 0,0-1 0 0 0,0 0-1 0 0,0 0 6 0 0,-7-6 0 0 0,-1 0 0 0 0,0 0 0 0 0,-6-3 0 0 0,13 9 7 0 0,-1-1 25 0 0,1 1-1 0 0,-1-1 1 0 0,1 0-1 0 0,0 1 1 0 0,-1-1 0 0 0,1 0-1 0 0,0 0 1 0 0,0 0 0 0 0,0 0-1 0 0,0-1-31 0 0,2 1 14 0 0,0 1 0 0 0,-1-1 0 0 0,1 1 0 0 0,0 0-1 0 0,0-1 1 0 0,0 1 0 0 0,0-1 0 0 0,0 1 0 0 0,0-1 0 0 0,0 1-1 0 0,0 0 1 0 0,1-1 0 0 0,-1 1 0 0 0,1-1 0 0 0,-1 1 0 0 0,1 0-1 0 0,-1 0 1 0 0,1-1 0 0 0,0 1 0 0 0,-1 0 0 0 0,2-1-14 0 0,6-10 5 0 0,0 1 1 0 0,1-1-1 0 0,1 1 0 0 0,0 1 1 0 0,0 0-1 0 0,8-5-5 0 0,14-15-27 0 0,34-34-154 0 0,-10 10-514 0 0,40-51 695 0 0,-79 85-57 0 0,-2-1 0 0 0,0-1 0 0 0,-2 0 0 0 0,0 0 0 0 0,-2-2 0 0 0,0 1 0 0 0,3-14 57 0 0,-3 2-15 0 0,-1 0 1 0 0,-2 0-1 0 0,3-35 15 0 0,-10 60 4 0 0,-2 0-1 0 0,0 1 0 0 0,0-1 1 0 0,-1 1-1 0 0,0 0 1 0 0,0-1-1 0 0,-3-6-3 0 0,-7-28 1 0 0,5-3 68 0 0,1-31-69 0 0,-4-32 68 0 0,6 80-85 0 0,-2 0 0 0 0,0 1 0 0 0,-2-1 0 0 0,-2 1 0 0 0,-7-16 17 0 0,13 37-81 0 0,0-1 0 0 0,0 1 0 0 0,-1 1 0 0 0,0-1 0 0 0,-1 1 1 0 0,1 0-1 0 0,-1 0 0 0 0,-1 0 0 0 0,1 1 0 0 0,-1 0 0 0 0,0 0 1 0 0,-1 1-1 0 0,1 0 0 0 0,-1 0 0 0 0,0 1 0 0 0,0 0 0 0 0,-1 0 1 0 0,1 1-1 0 0,-1 0 0 0 0,-8-2 81 0 0,-7 1-44 0 0,0 1 0 0 0,0 1 1 0 0,0 1-1 0 0,0 1 0 0 0,-11 2 44 0 0,-122 18 65 0 0,93-10-53 0 0,-213 25 347 0 0,-166-5-359 0 0,-506-10 217 0 0,150-4-164 0 0,-1431-8 68 0 0,1852-11-38 0 0,-1662 28 355 0 0,896 21 667 0 0,838-31-660 0 0,-884 78 846 0 0,401 11-3571 0 0,767-101 1680 0 0,-21 4-3202 0 0,0 1-1 0 0,-19 7 3803 0 0,22-1-6300 0 0</inkml:trace>
+  <inkml:trace contextRef="#ctx0" brushRef="#br0">175 449 3529 0 0,'4'12'274'0'0,"0"0"0"0"0,0 0 1 0 0,1 0-1 0 0,1-1 0 0 0,0 0 0 0 0,1 0 1 0 0,0-1-1 0 0,0 0 0 0 0,1 0 0 0 0,0-1 1 0 0,1 0-1 0 0,0 0 0 0 0,0-1 0 0 0,1 0 1 0 0,0 0-1 0 0,0-1 0 0 0,1-1 1 0 0,0 0-1 0 0,0 0 0 0 0,3 0-274 0 0,-1-1 186 0 0,1 0-1 0 0,-1-1 1 0 0,1-1-1 0 0,0 0 1 0 0,0-1-1 0 0,0 0 1 0 0,0-1-1 0 0,0-1 1 0 0,0 0-1 0 0,0-1 1 0 0,0 0-1 0 0,0-2 1 0 0,0 1-1 0 0,-1-1 1 0 0,1-1-1 0 0,-1-1 1 0 0,12-5-186 0 0,2-3 140 0 0,-2-2 0 0 0,1-1 0 0 0,-2 0 0 0 0,0-2 0 0 0,-2-1 0 0 0,15-14-140 0 0,-10 5 109 0 0,-1-1-1 0 0,-2 0 1 0 0,-1-2 0 0 0,17-29-109 0 0,-32 46 95 0 0,0 0 1 0 0,-1 0-1 0 0,-1 0 1 0 0,0-1-1 0 0,-1 0 1 0 0,-1 0 0 0 0,0 0-1 0 0,-1-1 1 0 0,0-6-96 0 0,-3 16 39 0 0,1 0 1 0 0,-1-1 0 0 0,0 1-1 0 0,-1 0 1 0 0,0 0 0 0 0,0-1-1 0 0,0 1 1 0 0,-1 0 0 0 0,1 0 0 0 0,-1 0-1 0 0,-1 1 1 0 0,1-1 0 0 0,-1 0-1 0 0,0 1 1 0 0,-1-1 0 0 0,1 1-1 0 0,-1 0 1 0 0,0 0 0 0 0,0 1-1 0 0,0-1 1 0 0,-1 1 0 0 0,0 0 0 0 0,0 0-1 0 0,-4-3-39 0 0,0 2 28 0 0,0 0-1 0 0,-1 0 0 0 0,1 1 1 0 0,-1 1-1 0 0,0-1 1 0 0,0 1-1 0 0,0 1 0 0 0,0 0 1 0 0,-8-1-28 0 0,2 2-3 0 0,-1 1 0 0 0,1 0 0 0 0,-1 1 0 0 0,1 1 0 0 0,-16 3 3 0 0,-2 3-4 0 0,0 2 1 0 0,1 2 0 0 0,0 1-1 0 0,0 1 1 0 0,-13 9 3 0 0,-13 10-89 0 0,1 2 0 0 0,2 3 0 0 0,1 2 0 0 0,3 2 0 0 0,1 3 0 0 0,-1 5 89 0 0,15-11-524 0 0,-5 10 524 0 0,37-43-36 0 0,3-4 24 0 0,0 0 1 0 0,0 0-1 0 0,0 0 0 0 0,1 1 1 0 0,-1-1-1 0 0,0 1 1 0 0,1-1-1 0 0,0 1 1 0 0,0-1-1 0 0,-1 1 12 0 0,12 0 138 0 0,15-2-68 0 0,-23-1-60 0 0,19 1 89 0 0,-1 2-1 0 0,0 0 1 0 0,0 1 0 0 0,0 1 0 0 0,16 7-99 0 0,-9-3 421 0 0,0-2 1 0 0,17 2-422 0 0,10-4 232 0 0,1-3 0 0 0,-1-2 0 0 0,1-3-1 0 0,48-9-230 0 0,-35 5 80 0 0,1 2 0 0 0,49 3-81 0 0,-59 5 95 0 0,1-2-1 0 0,-1-3 1 0 0,0-2 0 0 0,-1-3-1 0 0,27-8-94 0 0,-57 9 41 0 0,0 1-1 0 0,1 1 1 0 0,-1 2-1 0 0,6 0-40 0 0,-17 3-3 0 0,1 0 1 0 0,0 1-1 0 0,0 0 0 0 0,-1 2 1 0 0,0 0-1 0 0,0 1 0 0 0,6 2 3 0 0,1 2 6 0 0,0-1 0 0 0,0-1 0 0 0,11 1-6 0 0,-24-6 22 0 0,-1-1 0 0 0,1 0 0 0 0,0-1-1 0 0,-1 0 1 0 0,1-1 0 0 0,0 0 0 0 0,-1-1 0 0 0,1 0 0 0 0,4-2-22 0 0,26-9 140 0 0,-32 9-112 0 0,1 0 1 0 0,0 1-1 0 0,0 0 0 0 0,1 0 1 0 0,-1 1-1 0 0,0 1 0 0 0,1 0 1 0 0,-1 0-1 0 0,1 1 0 0 0,-1 0 1 0 0,1 1-1 0 0,0 0-28 0 0,43 13 308 0 0,-41-9-230 0 0,0-2 1 0 0,1 1-1 0 0,-1-2 1 0 0,1 0 0 0 0,0 0-1 0 0,0-1 1 0 0,0-1-1 0 0,0 0 1 0 0,0-1-1 0 0,0-1-78 0 0,-8 1 12 0 0,31-7 239 0 0,-35 7-244 0 0,0 1 0 0 0,0-1 0 0 0,0 0 0 0 0,0 0 0 0 0,0 0 0 0 0,-1 0 0 0 0,1 0 0 0 0,0 0 0 0 0,0 0 0 0 0,-1 0 0 0 0,1-1 0 0 0,-1 1 0 0 0,1 0 0 0 0,-1-1 1 0 0,1-1-8 0 0,-2 2-218 0 0,0 0 0 0 0,0 1 0 0 0,0-1 1 0 0,0 0-1 0 0,0 0 0 0 0,0 1 0 0 0,-1-1 1 0 0,1 0-1 0 0,0 1 0 0 0,0-1 0 0 0,-1 0 1 0 0,1 0-1 0 0,-1 1 0 0 0,1-1 0 0 0,-1 1 1 0 0,1-1-1 0 0,-1 0 0 0 0,1 1 0 0 0,-1-1 1 0 0,1 1 217 0 0,-8-14-7288 0 0,9 4 1998 0 0</inkml:trace>
 </inkml:ink>
 </file>
 
@@ -164,18 +169,1486 @@
           <inkml:channelProperty channel="OE" name="resolution" value="1000" units="1/deg"/>
         </inkml:channelProperties>
       </inkml:inkSource>
-      <inkml:timestamp xml:id="ts0" timeString="2020-05-24T04:17:40.287"/>
+      <inkml:timestamp xml:id="ts0" timeString="2020-05-26T11:08:32.970"/>
+    </inkml:context>
+    <inkml:brush xml:id="br0">
+      <inkml:brushProperty name="width" value="0.05" units="cm"/>
+      <inkml:brushProperty name="height" value="0.05" units="cm"/>
+      <inkml:brushProperty name="color" value="#E71224"/>
+    </inkml:brush>
+  </inkml:definitions>
+  <inkml:trace contextRef="#ctx0" brushRef="#br0">82 0 2152 0 0,'5'2'641'0'0,"-2"0"-185"0"0,-1 3-104 0 0,-2 2-176 0 0,-5 5 40 0 0,-2 1-168 0 0,-3 4-48 0 0,-1 1 0 0 0,1 0-16 0 0,-1 0 64 0 0,1-1-48 0 0,2-2-56 0 0,1 0-16 0 0,1-1-112 0 0,0-3-288 0 0,5-1-2809 0 0</inkml:trace>
+</inkml:ink>
+</file>
+
+<file path=ppt/ink/ink100.xml><?xml version="1.0" encoding="utf-8"?>
+<inkml:ink xmlns:inkml="http://www.w3.org/2003/InkML">
+  <inkml:definitions>
+    <inkml:context xml:id="ctx0">
+      <inkml:inkSource xml:id="inkSrc0">
+        <inkml:traceFormat>
+          <inkml:channel name="X" type="integer" min="-2.14748E9" max="2.14748E9" units="cm"/>
+          <inkml:channel name="Y" type="integer" min="-2.14748E9" max="2.14748E9" units="cm"/>
+          <inkml:channel name="F" type="integer" max="32767" units="dev"/>
+          <inkml:channel name="OA" type="integer" max="360" units="deg"/>
+          <inkml:channel name="OE" type="integer" max="90" units="deg"/>
+        </inkml:traceFormat>
+        <inkml:channelProperties>
+          <inkml:channelProperty channel="X" name="resolution" value="1000" units="1/cm"/>
+          <inkml:channelProperty channel="Y" name="resolution" value="1000" units="1/cm"/>
+          <inkml:channelProperty channel="F" name="resolution" value="0" units="1/dev"/>
+          <inkml:channelProperty channel="OA" name="resolution" value="1000" units="1/deg"/>
+          <inkml:channelProperty channel="OE" name="resolution" value="1000" units="1/deg"/>
+        </inkml:channelProperties>
+      </inkml:inkSource>
+      <inkml:timestamp xml:id="ts0" timeString="2020-05-24T04:14:43.922"/>
     </inkml:context>
     <inkml:brush xml:id="br0">
       <inkml:brushProperty name="width" value="0.05" units="cm"/>
       <inkml:brushProperty name="height" value="0.05" units="cm"/>
     </inkml:brush>
   </inkml:definitions>
-  <inkml:trace contextRef="#ctx0" brushRef="#br0">27 1 2793 0 0,'0'0'21'0'0,"0"0"0"0"0,0 0 1 0 0,-1 0-1 0 0,1 0 0 0 0,0 0 1 0 0,0 0-1 0 0,0 0 0 0 0,-1 0 1 0 0,1 0-1 0 0,0 0 1 0 0,0 1-1 0 0,-1-1 0 0 0,1 0 1 0 0,0 0-1 0 0,0 0 0 0 0,0 0 1 0 0,0 1-1 0 0,-1-1 0 0 0,1 0 1 0 0,0 0-1 0 0,0 0 1 0 0,0 1-1 0 0,0-1 0 0 0,0 0 1 0 0,0 0-1 0 0,0 0 0 0 0,-1 1 1 0 0,1-1-1 0 0,0 0 0 0 0,0 0 1 0 0,0 1-1 0 0,0-1 1 0 0,0 0-1 0 0,0 0 0 0 0,0 1 1 0 0,0-1-1 0 0,0 0 0 0 0,0 0-21 0 0,-1 14 259 0 0,1-12-197 0 0,-4 45 1389 0 0,-8 120 5966 0 0,7 8-7417 0 0,16 353 3453 0 0,-3-172-6496 0 0,0-226-5138 0 0,-5-100 3519 0 0</inkml:trace>
+  <inkml:trace contextRef="#ctx0" brushRef="#br0">487 3 9002 0 0,'3'-3'2088'0'0,"-2"11"-1352"0"0,-6 13-381 0 0,-18 29 3 0 0,-2 0-1 0 0,-3-2 0 0 0,-20 27-357 0 0,-30 51 638 0 0,-80 192 1207 0 0,65-100-563 0 0,86-201-1153 0 0,3-8-41 0 0,0 0 0 0 0,0 0 0 0 0,1 1 1 0 0,0-1-1 0 0,1 1 0 0 0,0-1 1 0 0,0 1-1 0 0,1 0 0 0 0,0 3-88 0 0,1-12 20 0 0,0-1-1 0 0,1 1 1 0 0,-1 0-1 0 0,0-1 1 0 0,0 1-1 0 0,0 0 1 0 0,0-1-1 0 0,1 1 0 0 0,-1-1 1 0 0,0 1-1 0 0,1 0 1 0 0,-1-1-1 0 0,0 1 1 0 0,1-1-1 0 0,-1 1 1 0 0,1-1-1 0 0,-1 1 1 0 0,1-1-1 0 0,-1 0 1 0 0,1 1-1 0 0,-1-1 1 0 0,1 1-1 0 0,-1-1 1 0 0,1 0-1 0 0,0 0 1 0 0,-1 1-1 0 0,1-1 1 0 0,0 0-1 0 0,-1 0 1 0 0,1 0-1 0 0,0 1 0 0 0,-1-1 1 0 0,1 0-1 0 0,0 0 1 0 0,-1 0-1 0 0,1 0 1 0 0,0 0-1 0 0,-1-1 1 0 0,1 1-1 0 0,0 0-19 0 0,30-9 480 0 0,-25 7-399 0 0,31-11 162 0 0,-6 1-157 0 0,0 1 1 0 0,1 1-1 0 0,1 2 1 0 0,-1 2-1 0 0,1 0 1 0 0,22 1-87 0 0,-3 5 20 0 0,52 8-20 0 0,127 29 197 0 0,-126-17-4362 0 0,93 4 4165 0 0,-169-23-2184 0 0,-1-2 0 0 0,0-1 0 0 0,16-3 2184 0 0,29-4-6918 0 0</inkml:trace>
 </inkml:ink>
 </file>
 
-<file path=ppt/ink/ink100.xml><?xml version="1.0" encoding="utf-8"?>
+<file path=ppt/ink/ink101.xml><?xml version="1.0" encoding="utf-8"?>
+<inkml:ink xmlns:inkml="http://www.w3.org/2003/InkML">
+  <inkml:definitions>
+    <inkml:context xml:id="ctx0">
+      <inkml:inkSource xml:id="inkSrc0">
+        <inkml:traceFormat>
+          <inkml:channel name="X" type="integer" min="-2.14748E9" max="2.14748E9" units="cm"/>
+          <inkml:channel name="Y" type="integer" min="-2.14748E9" max="2.14748E9" units="cm"/>
+          <inkml:channel name="F" type="integer" max="32767" units="dev"/>
+          <inkml:channel name="OA" type="integer" max="360" units="deg"/>
+          <inkml:channel name="OE" type="integer" max="90" units="deg"/>
+        </inkml:traceFormat>
+        <inkml:channelProperties>
+          <inkml:channelProperty channel="X" name="resolution" value="1000" units="1/cm"/>
+          <inkml:channelProperty channel="Y" name="resolution" value="1000" units="1/cm"/>
+          <inkml:channelProperty channel="F" name="resolution" value="0" units="1/dev"/>
+          <inkml:channelProperty channel="OA" name="resolution" value="1000" units="1/deg"/>
+          <inkml:channelProperty channel="OE" name="resolution" value="1000" units="1/deg"/>
+        </inkml:channelProperties>
+      </inkml:inkSource>
+      <inkml:timestamp xml:id="ts0" timeString="2020-05-24T04:14:44.672"/>
+    </inkml:context>
+    <inkml:brush xml:id="br0">
+      <inkml:brushProperty name="width" value="0.05" units="cm"/>
+      <inkml:brushProperty name="height" value="0.05" units="cm"/>
+    </inkml:brush>
+  </inkml:definitions>
+  <inkml:trace contextRef="#ctx0" brushRef="#br0">56 0 9210 0 0,'-3'2'159'0'0,"0"-1"1"0"0,-1 1-1 0 0,1-1 0 0 0,0 1 0 0 0,0 0 1 0 0,1 0-1 0 0,-1 0 0 0 0,0 1 1 0 0,1-1-1 0 0,-1 1 0 0 0,1-1 0 0 0,0 1 1 0 0,0 0-1 0 0,0 0 0 0 0,0 0 1 0 0,0 0-1 0 0,1 0 0 0 0,-1 0 0 0 0,1 1 1 0 0,0-1-1 0 0,0 0 0 0 0,0 1 0 0 0,0-1 1 0 0,1 4-160 0 0,-2 9 309 0 0,1 0 0 0 0,0 0-1 0 0,1 0 1 0 0,3 14-309 0 0,-3-30 8 0 0,6 58 322 0 0,2 0 0 0 0,3-1-1 0 0,3 0 1 0 0,2-1-1 0 0,16 36-329 0 0,-2-21 271 0 0,2-1 0 0 0,4-2-1 0 0,3-2 1 0 0,4 1-271 0 0,23 27 381 0 0,5-2 0 0 0,34 29-381 0 0,26 17 686 0 0,12-1-686 0 0,-3-15 474 0 0,5-7 0 0 0,9-3-474 0 0,315 198 1113 0 0,119 86-90 0 0,-381-235-520 0 0,41 53-503 0 0,-236-203 35 0 0,2 0 10 0 0,-2 0 1 0 0,1 2-1 0 0,-2-1 1 0 0,0 1 0 0 0,0 1-1 0 0,5 9-45 0 0,-16-23 19 0 0,0 1 0 0 0,0-1 0 0 0,1 0 0 0 0,-1 0 0 0 0,0 1 0 0 0,0-1 0 0 0,0 0 0 0 0,0 1 0 0 0,0-1 0 0 0,0 0 0 0 0,0 0 0 0 0,0 1 0 0 0,1-1 0 0 0,-1 0 0 0 0,0 1 0 0 0,0-1 0 0 0,0 0 0 0 0,-1 1 0 0 0,1-1 0 0 0,0 0 0 0 0,0 0 0 0 0,0 1 0 0 0,0-1 0 0 0,0 0 0 0 0,0 1 0 0 0,0-1 0 0 0,0 0 0 0 0,-1 0 0 0 0,1 1 0 0 0,0-1 0 0 0,0 0 0 0 0,0 0 0 0 0,0 0 0 0 0,-1 1 0 0 0,1-1 0 0 0,0 0 0 0 0,0 0 0 0 0,-1 0 0 0 0,1 1 0 0 0,0-1 0 0 0,0 0 0 0 0,-1 0-19 0 0,1 1 268 0 0,9 1-291 0 0,-4-1 47 0 0,0 0 0 0 0,0-1-1 0 0,0 0 1 0 0,0 0 0 0 0,0 0 0 0 0,0 0 0 0 0,0-1 0 0 0,0 0-1 0 0,0 0 1 0 0,0-1 0 0 0,-1 1 0 0 0,1-1 0 0 0,0 0 0 0 0,-1 0-1 0 0,3-1-23 0 0,-4-3-271 0 0,0 1-1 0 0,0 0 0 0 0,0-1 0 0 0,0 1 1 0 0,-1-1-1 0 0,0 0 0 0 0,0 1 0 0 0,-1-1 1 0 0,0 0-1 0 0,0 0 0 0 0,0-1 272 0 0,2-10-779 0 0,-2 15 691 0 0,11-54-3376 0 0,-2-1-4047 0 0,-7 33 1569 0 0</inkml:trace>
+</inkml:ink>
+</file>
+
+<file path=ppt/ink/ink102.xml><?xml version="1.0" encoding="utf-8"?>
+<inkml:ink xmlns:inkml="http://www.w3.org/2003/InkML">
+  <inkml:definitions>
+    <inkml:context xml:id="ctx0">
+      <inkml:inkSource xml:id="inkSrc0">
+        <inkml:traceFormat>
+          <inkml:channel name="X" type="integer" min="-2.14748E9" max="2.14748E9" units="cm"/>
+          <inkml:channel name="Y" type="integer" min="-2.14748E9" max="2.14748E9" units="cm"/>
+          <inkml:channel name="F" type="integer" max="32767" units="dev"/>
+          <inkml:channel name="OA" type="integer" max="360" units="deg"/>
+          <inkml:channel name="OE" type="integer" max="90" units="deg"/>
+        </inkml:traceFormat>
+        <inkml:channelProperties>
+          <inkml:channelProperty channel="X" name="resolution" value="1000" units="1/cm"/>
+          <inkml:channelProperty channel="Y" name="resolution" value="1000" units="1/cm"/>
+          <inkml:channelProperty channel="F" name="resolution" value="0" units="1/dev"/>
+          <inkml:channelProperty channel="OA" name="resolution" value="1000" units="1/deg"/>
+          <inkml:channelProperty channel="OE" name="resolution" value="1000" units="1/deg"/>
+        </inkml:channelProperties>
+      </inkml:inkSource>
+      <inkml:timestamp xml:id="ts0" timeString="2020-05-24T04:14:45.086"/>
+    </inkml:context>
+    <inkml:brush xml:id="br0">
+      <inkml:brushProperty name="width" value="0.05" units="cm"/>
+      <inkml:brushProperty name="height" value="0.05" units="cm"/>
+    </inkml:brush>
+  </inkml:definitions>
+  <inkml:trace contextRef="#ctx0" brushRef="#br0">274 0 7810 0 0,'-2'1'180'0'0,"0"-1"1"0"0,1 1 0 0 0,-1 0 0 0 0,0-1 0 0 0,1 1 0 0 0,-1 0-1 0 0,1 0 1 0 0,-1 0 0 0 0,1 0 0 0 0,0 0 0 0 0,-1 0-1 0 0,1 1 1 0 0,0-1 0 0 0,0 0 0 0 0,0 1 0 0 0,0-1-1 0 0,0 0 1 0 0,0 1 0 0 0,0 0 0 0 0,0-1 0 0 0,1 1 0 0 0,-1-1-1 0 0,0 1 1 0 0,1 0 0 0 0,0-1 0 0 0,-1 2-181 0 0,1 0 104 0 0,1-1-1 0 0,-1 1 1 0 0,1 0 0 0 0,0 0 0 0 0,-1 0-1 0 0,1-1 1 0 0,0 1 0 0 0,1 0 0 0 0,-1-1-1 0 0,0 1 1 0 0,1-1 0 0 0,-1 1 0 0 0,1-1-1 0 0,0 0 1 0 0,0 0 0 0 0,0 1-104 0 0,21 22 291 0 0,1-1-1 0 0,1-1 1 0 0,1-2 0 0 0,9 6-291 0 0,115 72 180 0 0,-2-3 702 0 0,-145-93-833 0 0,5 2 103 0 0,-1 1 1 0 0,0 0 0 0 0,0 0-1 0 0,2 3-152 0 0,-7-7 72 0 0,-1-1 0 0 0,0 1-1 0 0,1-1 1 0 0,-1 1 0 0 0,0 0-1 0 0,0 0 1 0 0,0 0 0 0 0,0-1-1 0 0,-1 1 1 0 0,1 0 0 0 0,0 0-1 0 0,-1 0 1 0 0,1 0 0 0 0,-1 0-1 0 0,0 0 1 0 0,0 0 0 0 0,0 1-1 0 0,0-1 1 0 0,0 0 0 0 0,0 0-1 0 0,0 0 1 0 0,-1 1-72 0 0,-5 12 223 0 0,0 1 0 0 0,-1-1 0 0 0,0 0 0 0 0,-2-1 0 0 0,1 0 1 0 0,-2 0-1 0 0,0-1 0 0 0,0 0 0 0 0,-8 6-223 0 0,-12 10 209 0 0,-1 0 0 0 0,-2-2 0 0 0,-7 3-209 0 0,-274 189-1207 0 0,210-146-1622 0 0,35-30-2725 0 0,33-21-1994 0 0</inkml:trace>
+</inkml:ink>
+</file>
+
+<file path=ppt/ink/ink103.xml><?xml version="1.0" encoding="utf-8"?>
+<inkml:ink xmlns:inkml="http://www.w3.org/2003/InkML">
+  <inkml:definitions>
+    <inkml:context xml:id="ctx0">
+      <inkml:inkSource xml:id="inkSrc0">
+        <inkml:traceFormat>
+          <inkml:channel name="X" type="integer" min="-2.14748E9" max="2.14748E9" units="cm"/>
+          <inkml:channel name="Y" type="integer" min="-2.14748E9" max="2.14748E9" units="cm"/>
+          <inkml:channel name="F" type="integer" max="32767" units="dev"/>
+          <inkml:channel name="OA" type="integer" max="360" units="deg"/>
+          <inkml:channel name="OE" type="integer" max="90" units="deg"/>
+        </inkml:traceFormat>
+        <inkml:channelProperties>
+          <inkml:channelProperty channel="X" name="resolution" value="1000" units="1/cm"/>
+          <inkml:channelProperty channel="Y" name="resolution" value="1000" units="1/cm"/>
+          <inkml:channelProperty channel="F" name="resolution" value="0" units="1/dev"/>
+          <inkml:channelProperty channel="OA" name="resolution" value="1000" units="1/deg"/>
+          <inkml:channelProperty channel="OE" name="resolution" value="1000" units="1/deg"/>
+        </inkml:channelProperties>
+      </inkml:inkSource>
+      <inkml:timestamp xml:id="ts0" timeString="2020-05-24T04:14:45.734"/>
+    </inkml:context>
+    <inkml:brush xml:id="br0">
+      <inkml:brushProperty name="width" value="0.05" units="cm"/>
+      <inkml:brushProperty name="height" value="0.05" units="cm"/>
+    </inkml:brush>
+  </inkml:definitions>
+  <inkml:trace contextRef="#ctx0" brushRef="#br0">3170 52 6737 0 0,'0'-5'409'0'0,"-1"1"-1"0"0,0-1 0 0 0,0 0 1 0 0,0 1-1 0 0,-1-1 0 0 0,0 1 0 0 0,1 0 1 0 0,-3-3-409 0 0,4 6 66 0 0,-1 1 1 0 0,1-1 0 0 0,-1 0 0 0 0,1 1 0 0 0,-1-1 0 0 0,1 1-1 0 0,-1-1 1 0 0,0 1 0 0 0,1-1 0 0 0,-1 1 0 0 0,1 0-1 0 0,-1-1 1 0 0,0 1 0 0 0,0 0 0 0 0,1-1 0 0 0,-1 1-1 0 0,0 0 1 0 0,0 0 0 0 0,1 0 0 0 0,-1 0 0 0 0,0 0 0 0 0,0 0-67 0 0,-1 0 79 0 0,1 0 1 0 0,-1 1 0 0 0,0-1-1 0 0,0 1 1 0 0,1-1 0 0 0,-1 1-1 0 0,0 0 1 0 0,1 0 0 0 0,-1 0-1 0 0,1 0 1 0 0,-1 0 0 0 0,1 0-1 0 0,-2 1-79 0 0,-14 15 158 0 0,0 1 1 0 0,1 1-1 0 0,1 0 0 0 0,1 1 0 0 0,-1 3-158 0 0,-18 25 107 0 0,-47 59 9 0 0,-571 795 2414 0 0,247-355-1384 0 0,-109 162-595 0 0,-80 224-149 0 0,555-873-390 0 0,-109 183 29 0 0,-148 223-22 0 0,221-366 44 0 0,32-44-4 0 0,2 1 0 0 0,3 2 0 0 0,-5 13-59 0 0,40-68-44 0 0,0 0-65 0 0,0 1-1 0 0,0-1 1 0 0,0 0 0 0 0,0 0 0 0 0,-1 0 0 0 0,0-1 0 0 0,-3 4 109 0 0,6-7-113 0 0,0 0 0 0 0,-1 1 1 0 0,1-1-1 0 0,0 0 0 0 0,-1 0 1 0 0,1 0-1 0 0,0 0 0 0 0,-1 0 1 0 0,1 0-1 0 0,0 0 0 0 0,0 0 1 0 0,-1 0-1 0 0,1 0 0 0 0,0 0 1 0 0,-1 0-1 0 0,1 0 0 0 0,0 0 1 0 0,-1 0-1 0 0,1 0 0 0 0,0-1 1 0 0,0 1-1 0 0,-1 0 0 0 0,1 0 1 0 0,0 0-1 0 0,-1 0 0 0 0,1 0 1 0 0,0-1-1 0 0,0 1 0 0 0,0 0 1 0 0,-1 0-1 0 0,1-1 0 0 0,0 1 1 0 0,0 0-1 0 0,0 0 0 0 0,-1-1 1 0 0,1 1-1 0 0,0 0 0 0 0,0 0 1 0 0,0-1-1 0 0,0 1 0 0 0,0 0 1 0 0,0-1-1 0 0,0 1 0 0 0,0 0 1 0 0,0-1-1 0 0,0 1 0 0 0,0 0 1 0 0,0 0-1 0 0,0-1 0 0 0,0 1 113 0 0,-1-18-3611 0 0,4 0 893 0 0,3-4-2223 0 0</inkml:trace>
+</inkml:ink>
+</file>
+
+<file path=ppt/ink/ink104.xml><?xml version="1.0" encoding="utf-8"?>
+<inkml:ink xmlns:inkml="http://www.w3.org/2003/InkML">
+  <inkml:definitions>
+    <inkml:context xml:id="ctx0">
+      <inkml:inkSource xml:id="inkSrc0">
+        <inkml:traceFormat>
+          <inkml:channel name="X" type="integer" min="-2.14748E9" max="2.14748E9" units="cm"/>
+          <inkml:channel name="Y" type="integer" min="-2.14748E9" max="2.14748E9" units="cm"/>
+          <inkml:channel name="F" type="integer" max="32767" units="dev"/>
+          <inkml:channel name="OA" type="integer" max="360" units="deg"/>
+          <inkml:channel name="OE" type="integer" max="90" units="deg"/>
+        </inkml:traceFormat>
+        <inkml:channelProperties>
+          <inkml:channelProperty channel="X" name="resolution" value="1000" units="1/cm"/>
+          <inkml:channelProperty channel="Y" name="resolution" value="1000" units="1/cm"/>
+          <inkml:channelProperty channel="F" name="resolution" value="0" units="1/dev"/>
+          <inkml:channelProperty channel="OA" name="resolution" value="1000" units="1/deg"/>
+          <inkml:channelProperty channel="OE" name="resolution" value="1000" units="1/deg"/>
+        </inkml:channelProperties>
+      </inkml:inkSource>
+      <inkml:timestamp xml:id="ts0" timeString="2020-05-24T04:14:46.087"/>
+    </inkml:context>
+    <inkml:brush xml:id="br0">
+      <inkml:brushProperty name="width" value="0.05" units="cm"/>
+      <inkml:brushProperty name="height" value="0.05" units="cm"/>
+    </inkml:brush>
+  </inkml:definitions>
+  <inkml:trace contextRef="#ctx0" brushRef="#br0">177 56 6209 0 0,'0'-4'391'0'0,"-1"-3"391"0"0,-1 1 0 0 0,1 0 0 0 0,-1 0 1 0 0,0-1-1 0 0,-1-2-782 0 0,2 8 106 0 0,1 1-1 0 0,0-1 1 0 0,-1 0 0 0 0,1 1-1 0 0,-1-1 1 0 0,1 1 0 0 0,-1-1-1 0 0,1 0 1 0 0,-1 1 0 0 0,1-1 0 0 0,-1 1-1 0 0,1 0 1 0 0,-1-1 0 0 0,0 1-1 0 0,1-1 1 0 0,-1 1 0 0 0,0 0 0 0 0,1-1-1 0 0,-1 1 1 0 0,0 0-106 0 0,0 0 78 0 0,0 0 0 0 0,0 0 0 0 0,0 0 0 0 0,0 0 0 0 0,0 1 0 0 0,0-1 0 0 0,1 0 0 0 0,-1 1 0 0 0,0-1 0 0 0,0 1 0 0 0,0-1 0 0 0,0 1 0 0 0,1-1 0 0 0,-1 1 0 0 0,0-1-1 0 0,0 1 1 0 0,1 0 0 0 0,-1-1 0 0 0,0 1 0 0 0,0 1-78 0 0,-4 5 140 0 0,-1 0 0 0 0,1 1 0 0 0,1-1 0 0 0,-1 1 0 0 0,2 0-1 0 0,-1 1 1 0 0,1-1 0 0 0,-3 9-140 0 0,-2 17 284 0 0,-4 24-284 0 0,6-26 123 0 0,-24 134 1740 0 0,-7 169-1863 0 0,36-319 128 0 0,0 1 0 0 0,1-1 0 0 0,1 1 0 0 0,1 0 0 0 0,0-1 0 0 0,2 0 0 0 0,0 4-128 0 0,-1-12 39 0 0,-1-1 0 0 0,1 1 0 0 0,1-1-1 0 0,-1 0 1 0 0,1 0 0 0 0,0 0 0 0 0,1-1 0 0 0,0 0 0 0 0,0 0 0 0 0,0 0-1 0 0,1 0 1 0 0,-1-1 0 0 0,1 0 0 0 0,1 0 0 0 0,-1 0 0 0 0,2 0-39 0 0,11 5 64 0 0,1-1 0 0 0,0 0 1 0 0,0-1-1 0 0,1-2 0 0 0,0 0 0 0 0,0-1 1 0 0,1-1-1 0 0,20 1-64 0 0,29-1 190 0 0,0-2-1 0 0,4-4-189 0 0,191-1-199 0 0,-89 10-2993 0 0,-147-7 412 0 0,1 0 0 0 0,0-2-1 0 0,17-3 2781 0 0,4-1-6612 0 0</inkml:trace>
+</inkml:ink>
+</file>
+
+<file path=ppt/ink/ink105.xml><?xml version="1.0" encoding="utf-8"?>
+<inkml:ink xmlns:inkml="http://www.w3.org/2003/InkML">
+  <inkml:definitions>
+    <inkml:context xml:id="ctx0">
+      <inkml:inkSource xml:id="inkSrc0">
+        <inkml:traceFormat>
+          <inkml:channel name="X" type="integer" min="-2.14748E9" max="2.14748E9" units="cm"/>
+          <inkml:channel name="Y" type="integer" min="-2.14748E9" max="2.14748E9" units="cm"/>
+          <inkml:channel name="F" type="integer" max="32767" units="dev"/>
+          <inkml:channel name="OA" type="integer" max="360" units="deg"/>
+          <inkml:channel name="OE" type="integer" max="90" units="deg"/>
+        </inkml:traceFormat>
+        <inkml:channelProperties>
+          <inkml:channelProperty channel="X" name="resolution" value="1000" units="1/cm"/>
+          <inkml:channelProperty channel="Y" name="resolution" value="1000" units="1/cm"/>
+          <inkml:channelProperty channel="F" name="resolution" value="0" units="1/dev"/>
+          <inkml:channelProperty channel="OA" name="resolution" value="1000" units="1/deg"/>
+          <inkml:channelProperty channel="OE" name="resolution" value="1000" units="1/deg"/>
+        </inkml:channelProperties>
+      </inkml:inkSource>
+      <inkml:timestamp xml:id="ts0" timeString="2020-05-24T04:14:46.890"/>
+    </inkml:context>
+    <inkml:brush xml:id="br0">
+      <inkml:brushProperty name="width" value="0.05" units="cm"/>
+      <inkml:brushProperty name="height" value="0.05" units="cm"/>
+    </inkml:brush>
+  </inkml:definitions>
+  <inkml:trace contextRef="#ctx0" brushRef="#br0">53 183 5865 0 0,'-28'-98'3520'0'0,"4"13"657"0"0,31 118-17 0 0,9 59-3382 0 0,-5-28-201 0 0,77 368 447 0 0,19-5 0 0 0,19-5 0 0 0,60 105-1024 0 0,217 534 370 0 0,-234-563-616 0 0,-126-344-570 0 0,-8 1 1 0 0,1 47 815 0 0,-34-192-54 0 0,1 11-290 0 0,0 1 1 0 0,-2-1 0 0 0,0 20 343 0 0,-1-40-40 0 0,0-1 1 0 0,0 0 0 0 0,0 1 0 0 0,0-1-1 0 0,0 0 1 0 0,0 1 0 0 0,-1-1 0 0 0,1 0-1 0 0,0 1 1 0 0,0-1 0 0 0,0 0 0 0 0,0 0 0 0 0,0 1-1 0 0,0-1 1 0 0,-1 0 0 0 0,1 1 0 0 0,0-1-1 0 0,0 0 1 0 0,0 0 0 0 0,-1 1 0 0 0,1-1-1 0 0,0 0 1 0 0,0 0 0 0 0,-1 0 0 0 0,1 1-1 0 0,0-1 1 0 0,0 0 0 0 0,-1 0 0 0 0,1 0 0 0 0,0 0-1 0 0,-1 0 1 0 0,1 0 0 0 0,0 1 0 0 0,-1-1-1 0 0,1 0 1 0 0,0 0 0 0 0,0 0 0 0 0,-1 0-1 0 0,1 0 1 0 0,0 0 0 0 0,-1 0 0 0 0,1 0 0 0 0,-1-1 39 0 0,-17-8-1183 0 0,-16-20-443 0 0,1-14 233 0 0,1-2-1 0 0,2-2 1 0 0,2 0-1 0 0,-11-30 1394 0 0,-35-58-1310 0 0,55 103 1111 0 0,-2 0 1 0 0,-1 2 0 0 0,-5-4 198 0 0,19 25 132 0 0,-1 0 0 0 0,0 0 0 0 0,0 1 0 0 0,-1 0 1 0 0,0 0-1 0 0,0 1 0 0 0,-1 1 0 0 0,0 0 0 0 0,0 0 0 0 0,-1 1 1 0 0,-3-1-133 0 0,10 4 230 0 0,0 1 1 0 0,0 0 0 0 0,0 0 0 0 0,0 1-1 0 0,0-1 1 0 0,0 1 0 0 0,0 0-1 0 0,-1 0 1 0 0,1 1 0 0 0,0 0 0 0 0,-1 0-231 0 0,4-1 95 0 0,1 1 0 0 0,-1-1 1 0 0,1 1-1 0 0,0-1 1 0 0,-1 1-1 0 0,1-1 1 0 0,0 1-1 0 0,-1 0 0 0 0,1 0 1 0 0,0 0-1 0 0,0 0 1 0 0,0-1-1 0 0,-1 2 0 0 0,1-1 1 0 0,0 0-1 0 0,1 0 1 0 0,-1 0-1 0 0,0 0 1 0 0,0 1-1 0 0,0-1 0 0 0,1 0 1 0 0,-1 1-1 0 0,1-1 1 0 0,-1 0-1 0 0,1 1 1 0 0,-1-1-1 0 0,1 1 0 0 0,0-1 1 0 0,0 1-1 0 0,0-1 1 0 0,0 1-1 0 0,0-1 0 0 0,0 1 1 0 0,0-1-1 0 0,0 1 1 0 0,0-1-1 0 0,1 0 1 0 0,-1 2-96 0 0,12 35 733 0 0,1 0 1 0 0,1-1 0 0 0,16 28-734 0 0,8 17 340 0 0,-5-5 162 0 0,11 14-502 0 0,-26-58 118 0 0,2 0 1 0 0,1-2 0 0 0,21 25-119 0 0,-38-50 58 0 0,1-1-1 0 0,0 0 1 0 0,1 0-1 0 0,-1 0 1 0 0,1 0 0 0 0,0-1-1 0 0,0 0 1 0 0,1 0-1 0 0,-1 0 1 0 0,1-1 0 0 0,0 0-1 0 0,0-1 1 0 0,0 1-1 0 0,0-1 1 0 0,0-1 0 0 0,0 1-1 0 0,0-1 1 0 0,1-1-1 0 0,-1 1 1 0 0,1-1 0 0 0,-1 0-1 0 0,0-1 1 0 0,1 0-1 0 0,-1 0 1 0 0,0 0 0 0 0,0-1-1 0 0,0 0 1 0 0,0-1-1 0 0,0 1 1 0 0,0-1 0 0 0,2-2-58 0 0,10-5 131 0 0,1-2 1 0 0,-2 0-1 0 0,1-1 0 0 0,-2-1 1 0 0,0-1-1 0 0,0 0 1 0 0,-2-1-1 0 0,0-1 1 0 0,-1 0-1 0 0,2-3-131 0 0,23-39-756 0 0,-3-1 0 0 0,17-38 756 0 0,-15 26-5091 0 0,29-39 5091 0 0,13-22-7503 0 0,-69 119 5230 0 0,1 1 1 0 0,0 0-1 0 0,7-5 2273 0 0</inkml:trace>
+</inkml:ink>
+</file>
+
+<file path=ppt/ink/ink106.xml><?xml version="1.0" encoding="utf-8"?>
+<inkml:ink xmlns:inkml="http://www.w3.org/2003/InkML">
+  <inkml:definitions>
+    <inkml:context xml:id="ctx0">
+      <inkml:inkSource xml:id="inkSrc0">
+        <inkml:traceFormat>
+          <inkml:channel name="X" type="integer" min="-2.14748E9" max="2.14748E9" units="cm"/>
+          <inkml:channel name="Y" type="integer" min="-2.14748E9" max="2.14748E9" units="cm"/>
+          <inkml:channel name="F" type="integer" max="32767" units="dev"/>
+          <inkml:channel name="OA" type="integer" max="360" units="deg"/>
+          <inkml:channel name="OE" type="integer" max="90" units="deg"/>
+        </inkml:traceFormat>
+        <inkml:channelProperties>
+          <inkml:channelProperty channel="X" name="resolution" value="1000" units="1/cm"/>
+          <inkml:channelProperty channel="Y" name="resolution" value="1000" units="1/cm"/>
+          <inkml:channelProperty channel="F" name="resolution" value="0" units="1/dev"/>
+          <inkml:channelProperty channel="OA" name="resolution" value="1000" units="1/deg"/>
+          <inkml:channelProperty channel="OE" name="resolution" value="1000" units="1/deg"/>
+        </inkml:channelProperties>
+      </inkml:inkSource>
+      <inkml:timestamp xml:id="ts0" timeString="2020-05-24T04:14:47.686"/>
+    </inkml:context>
+    <inkml:brush xml:id="br0">
+      <inkml:brushProperty name="width" value="0.05" units="cm"/>
+      <inkml:brushProperty name="height" value="0.05" units="cm"/>
+    </inkml:brush>
+  </inkml:definitions>
+  <inkml:trace contextRef="#ctx0" brushRef="#br0">8 11 12475 0 0,'-7'-9'569'0'0,"7"7"-181"0"0,18 10-2 0 0,28 20-46 0 0,6 11-108 0 0,-2 3 1 0 0,-1 2 0 0 0,39 46-233 0 0,119 158 200 0 0,-172-204-122 0 0,491 595 128 0 0,-297-383-125 0 0,113 89-81 0 0,84 33 489 0 0,164 93-489 0 0,-267-239-2003 0 0,112 49 2003 0 0,357 181-3236 0 0,-333-199 2378 0 0,427 254 4335 0 0,-503-262-2039 0 0,-351-233-1358 0 0,-23-16-75 0 0,-4-2-19 0 0,0 0-1 0 0,0-1 1 0 0,0 0 0 0 0,0 0-1 0 0,1 0 1 0 0,-1-1-1 0 0,2 0 15 0 0,-17-10-375 0 0,0-1 0 0 0,1-1 0 0 0,-6-8 375 0 0,11 14-193 0 0,-4-7-780 0 0,0 0 1 0 0,0 0 0 0 0,1-1 0 0 0,0 0 0 0 0,1 0 0 0 0,0-1 0 0 0,1 1 0 0 0,0-4 972 0 0,4-4-5329 0 0</inkml:trace>
+</inkml:ink>
+</file>
+
+<file path=ppt/ink/ink107.xml><?xml version="1.0" encoding="utf-8"?>
+<inkml:ink xmlns:inkml="http://www.w3.org/2003/InkML">
+  <inkml:definitions>
+    <inkml:context xml:id="ctx0">
+      <inkml:inkSource xml:id="inkSrc0">
+        <inkml:traceFormat>
+          <inkml:channel name="X" type="integer" min="-2.14748E9" max="2.14748E9" units="cm"/>
+          <inkml:channel name="Y" type="integer" min="-2.14748E9" max="2.14748E9" units="cm"/>
+          <inkml:channel name="F" type="integer" max="32767" units="dev"/>
+          <inkml:channel name="OA" type="integer" max="360" units="deg"/>
+          <inkml:channel name="OE" type="integer" max="90" units="deg"/>
+        </inkml:traceFormat>
+        <inkml:channelProperties>
+          <inkml:channelProperty channel="X" name="resolution" value="1000" units="1/cm"/>
+          <inkml:channelProperty channel="Y" name="resolution" value="1000" units="1/cm"/>
+          <inkml:channelProperty channel="F" name="resolution" value="0" units="1/dev"/>
+          <inkml:channelProperty channel="OA" name="resolution" value="1000" units="1/deg"/>
+          <inkml:channelProperty channel="OE" name="resolution" value="1000" units="1/deg"/>
+        </inkml:channelProperties>
+      </inkml:inkSource>
+      <inkml:timestamp xml:id="ts0" timeString="2020-05-24T04:14:48.022"/>
+    </inkml:context>
+    <inkml:brush xml:id="br0">
+      <inkml:brushProperty name="width" value="0.05" units="cm"/>
+      <inkml:brushProperty name="height" value="0.05" units="cm"/>
+    </inkml:brush>
+  </inkml:definitions>
+  <inkml:trace contextRef="#ctx0" brushRef="#br0">777 0 7994 0 0,'-10'5'255'0'0,"0"-1"0"0"0,1 2 1 0 0,-8 4-256 0 0,14-8 10 0 0,1 0-1 0 0,-1 0 1 0 0,0 0 0 0 0,1 1 0 0 0,-1-1 0 0 0,1 1-1 0 0,0-1 1 0 0,0 1 0 0 0,0 0 0 0 0,0 0 0 0 0,1 0-1 0 0,-1 0 1 0 0,0 2-10 0 0,2-4 0 0 0,-1 1-1 0 0,1-1 0 0 0,0 1 1 0 0,0-1-1 0 0,0 1 0 0 0,0-1 1 0 0,0 1-1 0 0,1-1 0 0 0,-1 1 0 0 0,0-1 1 0 0,1 1-1 0 0,-1-1 0 0 0,1 0 1 0 0,-1 1-1 0 0,1-1 0 0 0,0 0 1 0 0,-1 1-1 0 0,1-1 0 0 0,0 0 1 0 0,1 1 0 0 0,22 23-26 0 0,-16-17 27 0 0,28 24 902 0 0,1-2 0 0 0,2-1 0 0 0,41 22-903 0 0,-25-16 451 0 0,-17-10-96 0 0,7 4 1042 0 0,-1 2 1 0 0,26 24-1398 0 0,-69-54 100 0 0,0 0-1 0 0,0 0 0 0 0,-1 0 1 0 0,1 0-1 0 0,0 0 0 0 0,-1 0 1 0 0,1 0-1 0 0,0 0 0 0 0,-1 0 1 0 0,1 0-1 0 0,-1 0 0 0 0,0 1 1 0 0,1-1-1 0 0,-1 0 0 0 0,0 0 1 0 0,0 0-1 0 0,0 1 0 0 0,0-1 1 0 0,0 0-1 0 0,0 0 0 0 0,0 1 1 0 0,0-1-1 0 0,0 0 1 0 0,-1 0-1 0 0,1 0 0 0 0,0 1 1 0 0,-1-1-1 0 0,1 0 0 0 0,-1 0 1 0 0,1 0-1 0 0,-1 0 0 0 0,0 0-99 0 0,-3 6 203 0 0,-1 0-1 0 0,0-1 0 0 0,0 0 0 0 0,-6 6-202 0 0,2-2 174 0 0,-62 66 263 0 0,-4-4-1 0 0,-16 10-436 0 0,-172 123-12 0 0,165-138-1582 0 0,-2-5 0 0 0,-21 6 1594 0 0,-103 43-7467 0 0,118-62 140 0 0</inkml:trace>
+</inkml:ink>
+</file>
+
+<file path=ppt/ink/ink108.xml><?xml version="1.0" encoding="utf-8"?>
+<inkml:ink xmlns:inkml="http://www.w3.org/2003/InkML">
+  <inkml:definitions>
+    <inkml:context xml:id="ctx0">
+      <inkml:inkSource xml:id="inkSrc0">
+        <inkml:traceFormat>
+          <inkml:channel name="X" type="integer" min="-2.14748E9" max="2.14748E9" units="cm"/>
+          <inkml:channel name="Y" type="integer" min="-2.14748E9" max="2.14748E9" units="cm"/>
+          <inkml:channel name="F" type="integer" max="32767" units="dev"/>
+          <inkml:channel name="OA" type="integer" max="360" units="deg"/>
+          <inkml:channel name="OE" type="integer" max="90" units="deg"/>
+        </inkml:traceFormat>
+        <inkml:channelProperties>
+          <inkml:channelProperty channel="X" name="resolution" value="1000" units="1/cm"/>
+          <inkml:channelProperty channel="Y" name="resolution" value="1000" units="1/cm"/>
+          <inkml:channelProperty channel="F" name="resolution" value="0" units="1/dev"/>
+          <inkml:channelProperty channel="OA" name="resolution" value="1000" units="1/deg"/>
+          <inkml:channelProperty channel="OE" name="resolution" value="1000" units="1/deg"/>
+        </inkml:channelProperties>
+      </inkml:inkSource>
+      <inkml:timestamp xml:id="ts0" timeString="2020-05-24T04:14:51.601"/>
+    </inkml:context>
+    <inkml:brush xml:id="br0">
+      <inkml:brushProperty name="width" value="0.05" units="cm"/>
+      <inkml:brushProperty name="height" value="0.05" units="cm"/>
+    </inkml:brush>
+  </inkml:definitions>
+  <inkml:trace contextRef="#ctx0" brushRef="#br0">474 76 15059 0 0,'-7'-16'876'0'0,"-10"-19"98"0"0,16 33-893 0 0,0 0 0 0 0,-1 0 0 0 0,1 0 0 0 0,0 0 0 0 0,-1 0 0 0 0,1 0-1 0 0,-1 0 1 0 0,0 1 0 0 0,1-1 0 0 0,-1 1 0 0 0,0-1 0 0 0,-2 0-81 0 0,3 2 63 0 0,0 0 0 0 0,0 0-1 0 0,1 0 1 0 0,-1 0 0 0 0,0 0 0 0 0,0 0 0 0 0,0 0 0 0 0,0 0 0 0 0,0 0-1 0 0,0 0 1 0 0,0 1 0 0 0,1-1 0 0 0,-1 0 0 0 0,0 1 0 0 0,0-1 0 0 0,0 0-1 0 0,1 1 1 0 0,-1-1 0 0 0,0 1 0 0 0,0-1 0 0 0,1 1 0 0 0,-1 0 0 0 0,0-1-1 0 0,1 1 1 0 0,-1 0-63 0 0,-16 21 530 0 0,14-18-431 0 0,-25 40 173 0 0,3 2 0 0 0,1 1-1 0 0,-1 8-271 0 0,1-3 81 0 0,-66 164-195 0 0,-1 3-3780 0 0,48-133-1159 0 0,7 4-3093 0 0</inkml:trace>
+</inkml:ink>
+</file>
+
+<file path=ppt/ink/ink109.xml><?xml version="1.0" encoding="utf-8"?>
+<inkml:ink xmlns:inkml="http://www.w3.org/2003/InkML">
+  <inkml:definitions>
+    <inkml:context xml:id="ctx0">
+      <inkml:inkSource xml:id="inkSrc0">
+        <inkml:traceFormat>
+          <inkml:channel name="X" type="integer" min="-2.14748E9" max="2.14748E9" units="cm"/>
+          <inkml:channel name="Y" type="integer" min="-2.14748E9" max="2.14748E9" units="cm"/>
+          <inkml:channel name="F" type="integer" max="32767" units="dev"/>
+          <inkml:channel name="OA" type="integer" max="360" units="deg"/>
+          <inkml:channel name="OE" type="integer" max="90" units="deg"/>
+        </inkml:traceFormat>
+        <inkml:channelProperties>
+          <inkml:channelProperty channel="X" name="resolution" value="1000" units="1/cm"/>
+          <inkml:channelProperty channel="Y" name="resolution" value="1000" units="1/cm"/>
+          <inkml:channelProperty channel="F" name="resolution" value="0" units="1/dev"/>
+          <inkml:channelProperty channel="OA" name="resolution" value="1000" units="1/deg"/>
+          <inkml:channelProperty channel="OE" name="resolution" value="1000" units="1/deg"/>
+        </inkml:channelProperties>
+      </inkml:inkSource>
+      <inkml:timestamp xml:id="ts0" timeString="2020-05-24T04:14:52.094"/>
+    </inkml:context>
+    <inkml:brush xml:id="br0">
+      <inkml:brushProperty name="width" value="0.05" units="cm"/>
+      <inkml:brushProperty name="height" value="0.05" units="cm"/>
+    </inkml:brush>
+  </inkml:definitions>
+  <inkml:trace contextRef="#ctx0" brushRef="#br0">339 1 18332 0 0,'-67'30'-456'0'0,"9"3"-1049"0"0,-8 16-471 0 0,19-4 96 0 0,10 4-129 0 0,1-8-775 0 0,8 4-4018 0 0</inkml:trace>
+</inkml:ink>
+</file>
+
+<file path=ppt/ink/ink11.xml><?xml version="1.0" encoding="utf-8"?>
+<inkml:ink xmlns:inkml="http://www.w3.org/2003/InkML">
+  <inkml:definitions>
+    <inkml:context xml:id="ctx0">
+      <inkml:inkSource xml:id="inkSrc0">
+        <inkml:traceFormat>
+          <inkml:channel name="X" type="integer" min="-2.14748E9" max="2.14748E9" units="cm"/>
+          <inkml:channel name="Y" type="integer" min="-2.14748E9" max="2.14748E9" units="cm"/>
+          <inkml:channel name="F" type="integer" max="32767" units="dev"/>
+          <inkml:channel name="OA" type="integer" max="360" units="deg"/>
+          <inkml:channel name="OE" type="integer" max="90" units="deg"/>
+        </inkml:traceFormat>
+        <inkml:channelProperties>
+          <inkml:channelProperty channel="X" name="resolution" value="1000" units="1/cm"/>
+          <inkml:channelProperty channel="Y" name="resolution" value="1000" units="1/cm"/>
+          <inkml:channelProperty channel="F" name="resolution" value="0" units="1/dev"/>
+          <inkml:channelProperty channel="OA" name="resolution" value="1000" units="1/deg"/>
+          <inkml:channelProperty channel="OE" name="resolution" value="1000" units="1/deg"/>
+        </inkml:channelProperties>
+      </inkml:inkSource>
+      <inkml:timestamp xml:id="ts0" timeString="2020-05-26T11:08:33.297"/>
+    </inkml:context>
+    <inkml:brush xml:id="br0">
+      <inkml:brushProperty name="width" value="0.05" units="cm"/>
+      <inkml:brushProperty name="height" value="0.05" units="cm"/>
+      <inkml:brushProperty name="color" value="#E71224"/>
+    </inkml:brush>
+  </inkml:definitions>
+  <inkml:trace contextRef="#ctx0" brushRef="#br0">106 24 3665 0 0,'-5'0'840'0'0,"1"1"-8"0"0,-1 2-120 0 0,-1 2-144 0 0,1 2-224 0 0,-1 1-288 0 0,-1 0-23 0 0,0 1-33 0 0,0 1-41 0 0,-1 0-87 0 0,1 1-104 0 0,0-1-216 0 0,0-1-216 0 0,2 0-8 0 0,1-2-40 0 0,2 3-3433 0 0</inkml:trace>
+  <inkml:trace contextRef="#ctx0" brushRef="#br0" timeOffset="1">110 0 6249 0 0,'-9'8'833'0'0,"-2"5"-433"0"0,-1 5-200 0 0,-1 0-8 0 0,3 0-80 0 0,1-4-264 0 0,0 1-336 0 0,0 0-433 0 0,1-1-95 0 0,-5-7-440 0 0,6 6-2489 0 0</inkml:trace>
+</inkml:ink>
+</file>
+
+<file path=ppt/ink/ink110.xml><?xml version="1.0" encoding="utf-8"?>
+<inkml:ink xmlns:inkml="http://www.w3.org/2003/InkML">
+  <inkml:definitions>
+    <inkml:context xml:id="ctx0">
+      <inkml:inkSource xml:id="inkSrc0">
+        <inkml:traceFormat>
+          <inkml:channel name="X" type="integer" min="-2.14748E9" max="2.14748E9" units="cm"/>
+          <inkml:channel name="Y" type="integer" min="-2.14748E9" max="2.14748E9" units="cm"/>
+          <inkml:channel name="F" type="integer" max="32767" units="dev"/>
+          <inkml:channel name="OA" type="integer" max="360" units="deg"/>
+          <inkml:channel name="OE" type="integer" max="90" units="deg"/>
+        </inkml:traceFormat>
+        <inkml:channelProperties>
+          <inkml:channelProperty channel="X" name="resolution" value="1000" units="1/cm"/>
+          <inkml:channelProperty channel="Y" name="resolution" value="1000" units="1/cm"/>
+          <inkml:channelProperty channel="F" name="resolution" value="0" units="1/dev"/>
+          <inkml:channelProperty channel="OA" name="resolution" value="1000" units="1/deg"/>
+          <inkml:channelProperty channel="OE" name="resolution" value="1000" units="1/deg"/>
+        </inkml:channelProperties>
+      </inkml:inkSource>
+      <inkml:timestamp xml:id="ts0" timeString="2020-05-24T04:14:52.567"/>
+    </inkml:context>
+    <inkml:brush xml:id="br0">
+      <inkml:brushProperty name="width" value="0.05" units="cm"/>
+      <inkml:brushProperty name="height" value="0.05" units="cm"/>
+    </inkml:brush>
+  </inkml:definitions>
+  <inkml:trace contextRef="#ctx0" brushRef="#br0">747 0 13267 0 0,'-51'32'3489'0'0,"-5"7"-3545"0"0,-17 18-112 0 0,4 4-49 0 0,5-1 217 0 0,-3 0 48 0 0,-2 4-200 0 0,-1 3-616 0 0,-1 2-984 0 0,0 1-1497 0 0,-15-16-1512 0 0</inkml:trace>
+</inkml:ink>
+</file>
+
+<file path=ppt/ink/ink111.xml><?xml version="1.0" encoding="utf-8"?>
+<inkml:ink xmlns:inkml="http://www.w3.org/2003/InkML">
+  <inkml:definitions>
+    <inkml:context xml:id="ctx0">
+      <inkml:inkSource xml:id="inkSrc0">
+        <inkml:traceFormat>
+          <inkml:channel name="X" type="integer" min="-2.14748E9" max="2.14748E9" units="cm"/>
+          <inkml:channel name="Y" type="integer" min="-2.14748E9" max="2.14748E9" units="cm"/>
+          <inkml:channel name="F" type="integer" max="32767" units="dev"/>
+          <inkml:channel name="OA" type="integer" max="360" units="deg"/>
+          <inkml:channel name="OE" type="integer" max="90" units="deg"/>
+        </inkml:traceFormat>
+        <inkml:channelProperties>
+          <inkml:channelProperty channel="X" name="resolution" value="1000" units="1/cm"/>
+          <inkml:channelProperty channel="Y" name="resolution" value="1000" units="1/cm"/>
+          <inkml:channelProperty channel="F" name="resolution" value="0" units="1/dev"/>
+          <inkml:channelProperty channel="OA" name="resolution" value="1000" units="1/deg"/>
+          <inkml:channelProperty channel="OE" name="resolution" value="1000" units="1/deg"/>
+        </inkml:channelProperties>
+      </inkml:inkSource>
+      <inkml:timestamp xml:id="ts0" timeString="2020-05-24T04:14:54.361"/>
+    </inkml:context>
+    <inkml:brush xml:id="br0">
+      <inkml:brushProperty name="width" value="0.05" units="cm"/>
+      <inkml:brushProperty name="height" value="0.05" units="cm"/>
+    </inkml:brush>
+  </inkml:definitions>
+  <inkml:trace contextRef="#ctx0" brushRef="#br0">900 40 11018 0 0,'-8'-38'818'0'0,"8"38"-813"0"0,0 0 0 0 0,0 0 0 0 0,0 0-1 0 0,0-1 1 0 0,0 1 0 0 0,-1 0 0 0 0,1 0 0 0 0,0 0 0 0 0,0 0 0 0 0,0 0 0 0 0,0 0 0 0 0,0 0 0 0 0,0 0 0 0 0,0 0-1 0 0,0 0 1 0 0,0-1 0 0 0,0 1 0 0 0,0 0 0 0 0,-1 0 0 0 0,1 0 0 0 0,0 0 0 0 0,0 0 0 0 0,0 0 0 0 0,0 0-1 0 0,0 0 1 0 0,0 0 0 0 0,0 0 0 0 0,-1 0 0 0 0,1 0 0 0 0,0 0 0 0 0,0 0 0 0 0,0 0 0 0 0,0 0 0 0 0,0 0-1 0 0,0 0 1 0 0,0 0 0 0 0,-1 0 0 0 0,1 0 0 0 0,0 0 0 0 0,0 0 0 0 0,0 0 0 0 0,0 0 0 0 0,0 0 0 0 0,0 1 0 0 0,0-1-1 0 0,0 0 1 0 0,0 0 0 0 0,-1 0 0 0 0,1 0-5 0 0,-7 7 277 0 0,-10 16 245 0 0,13-17-385 0 0,-170 231 1902 0 0,-17 24 454 0 0,109-140-441 0 0,-11 32-2052 0 0,-14 51 591 0 0,-36 109-87 0 0,137-299-486 0 0,4-10-22 0 0,0 0 1 0 0,0 0 0 0 0,0 0-1 0 0,1 0 1 0 0,-1 0-1 0 0,1 1 1 0 0,0-1-1 0 0,1 0 1 0 0,-1 1 0 0 0,1-1-1 0 0,-1 1 4 0 0,1-5-1 0 0,0 1 0 0 0,1-1 0 0 0,-1 1-1 0 0,0 0 1 0 0,0-1 0 0 0,0 1 0 0 0,0 0 0 0 0,1-1 0 0 0,-1 1 0 0 0,0-1-1 0 0,1 1 1 0 0,-1 0 0 0 0,0-1 0 0 0,1 1 0 0 0,-1-1 0 0 0,1 1-1 0 0,-1-1 1 0 0,1 0 0 0 0,-1 1 0 0 0,1-1 0 0 0,-1 1 0 0 0,1-1-1 0 0,-1 0 1 0 0,1 1 0 0 0,0-1 0 0 0,-1 0 0 0 0,1 0 0 0 0,-1 0 0 0 0,1 1-1 0 0,0-1 1 0 0,-1 0 0 0 0,1 0 0 0 0,0 0 0 0 0,-1 0 0 0 0,1 0-1 0 0,0 0 1 0 0,-1 0 0 0 0,1 0 0 0 0,0 0 0 0 0,-1-1 0 0 0,1 1-1 0 0,-1 0 1 0 0,1 0 0 0 0,0 0 0 0 0,-1-1 0 0 0,1 1 0 0 0,-1 0-1 0 0,1-1 1 0 0,0 1 1 0 0,3-2 14 0 0,1-1 0 0 0,-1 1-1 0 0,0 0 1 0 0,1-1 0 0 0,-1 0-1 0 0,0-1-13 0 0,27-26 41 0 0,-2-3-1 0 0,-1 0 0 0 0,-1-2 1 0 0,5-12-41 0 0,12-14 17 0 0,152-195-64 0 0,37-51 59 0 0,-129 158 59 0 0,4-21-71 0 0,-97 154 15 0 0,-4 4 5 0 0,1 1 0 0 0,-1-1 0 0 0,-1 0 0 0 0,0-1 0 0 0,-1 0 0 0 0,-1 0 0 0 0,0 0 0 0 0,0 0 0 0 0,-1-3-20 0 0,-2 15 11 0 0,-1 0 1 0 0,0 0-1 0 0,0 0 1 0 0,0-1-1 0 0,0 1 1 0 0,0 0-1 0 0,0 0 1 0 0,0 0-1 0 0,0 0 1 0 0,-1 0-1 0 0,1 0 0 0 0,0 0 1 0 0,-1 0-1 0 0,1 0 1 0 0,0 0-1 0 0,-1 0 1 0 0,1 0-1 0 0,-1 0 1 0 0,0 1-1 0 0,1-1 1 0 0,-1 0-1 0 0,0 0 1 0 0,1 0-1 0 0,-1 1 1 0 0,0-1-1 0 0,0 0 0 0 0,0 1 1 0 0,0-1-1 0 0,1 1 1 0 0,-1-1-1 0 0,0 1 1 0 0,0-1-1 0 0,0 1 1 0 0,0 0-1 0 0,0-1 1 0 0,0 1-1 0 0,0 0 1 0 0,0 0-1 0 0,-1 0 1 0 0,0 0-12 0 0,-1 0 11 0 0,-1 0 1 0 0,0 0 0 0 0,1 1 0 0 0,-1-1 0 0 0,1 1 0 0 0,-1 0 0 0 0,0 0 0 0 0,1 1 0 0 0,0-1-1 0 0,-1 1 1 0 0,0 0-12 0 0,-20 15 5 0 0,2 0-1 0 0,-1 1 1 0 0,2 1-1 0 0,1 1 1 0 0,-6 8-5 0 0,-11 10 53 0 0,-322 333 946 0 0,220-215-528 0 0,-53 85-471 0 0,186-233 1 0 0,-4 5-6 0 0,0 0-1 0 0,0 1 1 0 0,2 1-1 0 0,0-1 1 0 0,0 1-1 0 0,0 5 6 0 0,8-20-6 0 0,0 1 0 0 0,-1 0 0 0 0,1-1 0 0 0,0 1 0 0 0,0 0 0 0 0,0-1 0 0 0,0 1 0 0 0,0 0 0 0 0,0 0 0 0 0,0-1 0 0 0,0 1 0 0 0,0 0 0 0 0,0-1 0 0 0,0 1 0 0 0,0 0 0 0 0,0-1 0 0 0,0 1 0 0 0,1 0 0 0 0,-1-1 0 0 0,0 1 0 0 0,1 0 0 0 0,-1-1 0 0 0,0 1 0 0 0,1 0 1 0 0,-1-1-1 0 0,1 1 0 0 0,-1-1 0 0 0,1 1 0 0 0,-1-1 0 0 0,1 1 0 0 0,-1-1 0 0 0,1 0 0 0 0,-1 1 0 0 0,1-1 0 0 0,0 0 0 0 0,-1 1 0 0 0,1-1 0 0 0,0 0 0 0 0,-1 1 0 0 0,1-1 0 0 0,0 0 0 0 0,-1 0 0 0 0,1 0 0 0 0,0 0 0 0 0,-1 0 0 0 0,1 0 0 0 0,0 0 0 0 0,0 0 0 0 0,-1 0 0 0 0,1 0 0 0 0,0 0 0 0 0,-1 0 0 0 0,1-1 0 0 0,0 1 6 0 0,3-1-18 0 0,0 1 0 0 0,0-1-1 0 0,0 0 1 0 0,0 0 0 0 0,0 0 0 0 0,0-1 0 0 0,0 0-1 0 0,-1 1 1 0 0,2-2 18 0 0,10-10-5 0 0,-1-1 0 0 0,0-1 0 0 0,0 0 0 0 0,-2-1 0 0 0,10-15 5 0 0,1-1-13 0 0,389-505-882 0 0,-215 311 601 0 0,-188 214 513 0 0,-17 19 33 0 0,-19 18-33 0 0,-31 56 210 0 0,-18 38-429 0 0,-15 22 303 0 0,-14 4 52 0 0,22-32 421 0 0,-48 91-776 0 0,127-198 10 0 0,1-1-7 0 0,0-1 1 0 0,1 1-1 0 0,0-1 0 0 0,0 1 0 0 0,0 0 0 0 0,0 2-3 0 0,5-9-5 0 0,-1 1 0 0 0,1-1 0 0 0,-1 1-1 0 0,0-1 1 0 0,0 0 0 0 0,0 0 0 0 0,0 0 0 0 0,1-1 5 0 0,91-130 123 0 0,-18 23-118 0 0,12-6 3 0 0,173-247 35 0 0,-242 327-23 0 0,-46 63 57 0 0,-21 49 20 0 0,-29 63-97 0 0,31-54 63 0 0,-70 131 454 0 0,1 23-517 0 0,109-225 13 0 0,-18 46 36 0 0,21-54-46 0 0,1 1-1 0 0,1-1 0 0 0,-1 1 0 0 0,1 0 0 0 0,1-1 0 0 0,-1 1 1 0 0,1 6-3 0 0,0-12-1 0 0,0 0 0 0 0,0 0 0 0 0,0-1 0 0 0,0 1 0 0 0,0 0 0 0 0,0-1 0 0 0,0 1 0 0 0,1 0 0 0 0,-1-1 0 0 0,0 1 0 0 0,0 0 0 0 0,0-1 0 0 0,1 1 0 0 0,-1-1 0 0 0,0 1 0 0 0,1 0 0 0 0,-1-1 0 0 0,1 1 0 0 0,-1-1 0 0 0,1 1 0 0 0,-1-1 0 0 0,1 1 0 0 0,-1-1 0 0 0,1 1 0 0 0,-1-1 0 0 0,1 0 0 0 0,0 1 0 0 0,-1-1 1 0 0,1 0 1 0 0,0 0 0 0 0,1 0 1 0 0,-1 0-1 0 0,0 0 0 0 0,0 0 1 0 0,0 0-1 0 0,0-1 0 0 0,0 1 0 0 0,0 0 1 0 0,0 0-1 0 0,0-1 0 0 0,0 1 1 0 0,0-1-1 0 0,0 1 0 0 0,0-1 0 0 0,0 0-1 0 0,6-3 25 0 0,-1-1-1 0 0,0 0 1 0 0,0 0-1 0 0,2-3-24 0 0,18-22 43 0 0,-1 0-1 0 0,-2-2 1 0 0,17-31-43 0 0,-4 9 10 0 0,135-212 8 0 0,107-153 30 0 0,-269 407-40 0 0,-4 7 1 0 0,0-1 0 0 0,-1-1-1 0 0,0 1 1 0 0,0-1 0 0 0,0 1-1 0 0,-1-1 1 0 0,0 0 0 0 0,1-4-9 0 0,-4 11 2 0 0,0 0-1 0 0,0-1 1 0 0,1 1 0 0 0,-1-1 0 0 0,0 1-1 0 0,0 0 1 0 0,0-1 0 0 0,0 1 0 0 0,0-1 0 0 0,0 1-1 0 0,0 0 1 0 0,0-1 0 0 0,0 1 0 0 0,0-1-1 0 0,0 1 1 0 0,0 0 0 0 0,-1-1 0 0 0,1 1 0 0 0,0 0-1 0 0,0-1 1 0 0,0 1 0 0 0,0-1 0 0 0,-1 1 0 0 0,1 0-1 0 0,0-1 1 0 0,0 1 0 0 0,-1 0 0 0 0,1 0-1 0 0,0-1 1 0 0,-1 1 0 0 0,1 0 0 0 0,0 0 0 0 0,-1-1-1 0 0,1 1-1 0 0,-15 2 12 0 0,-14 13-19 0 0,-7 13 31 0 0,2 2 1 0 0,1 1-1 0 0,-22 27-24 0 0,-83 112 86 0 0,94-114-72 0 0,-206 284 105 0 0,223-301-99 0 0,2 2 1 0 0,2 0-1 0 0,2 2 0 0 0,1 1 1 0 0,0 9-21 0 0,19-50-2 0 0,0 0 0 0 0,0 0 1 0 0,0 0-1 0 0,1 0 1 0 0,-1 0-1 0 0,1 0 1 0 0,0 0-1 0 0,0 4 2 0 0,0-7-1 0 0,0 0 0 0 0,0 0 0 0 0,0 1 0 0 0,0-1 0 0 0,0 0 0 0 0,0 0 0 0 0,0 1 0 0 0,0-1 0 0 0,1 0 0 0 0,-1 0 0 0 0,0 1 0 0 0,0-1 0 0 0,0 0 0 0 0,0 0 0 0 0,0 1 1 0 0,1-1-1 0 0,-1 0 0 0 0,0 0 0 0 0,0 0 0 0 0,0 0 0 0 0,1 1 0 0 0,-1-1 0 0 0,0 0 0 0 0,0 0 0 0 0,1 0 0 0 0,-1 0 0 0 0,0 0 0 0 0,0 0 0 0 0,1 1 0 0 0,-1-1 0 0 0,0 0 0 0 0,1 0 1 0 0,13-8-31 0 0,7-17-16 0 0,4-23-251 0 0,-14 26-117 0 0,15-30-1584 0 0,9-17-6339 0 0,-14 35-483 0 0</inkml:trace>
+</inkml:ink>
+</file>
+
+<file path=ppt/ink/ink112.xml><?xml version="1.0" encoding="utf-8"?>
+<inkml:ink xmlns:inkml="http://www.w3.org/2003/InkML">
+  <inkml:definitions>
+    <inkml:context xml:id="ctx0">
+      <inkml:inkSource xml:id="inkSrc0">
+        <inkml:traceFormat>
+          <inkml:channel name="X" type="integer" min="-2.14748E9" max="2.14748E9" units="cm"/>
+          <inkml:channel name="Y" type="integer" min="-2.14748E9" max="2.14748E9" units="cm"/>
+          <inkml:channel name="F" type="integer" max="32767" units="dev"/>
+          <inkml:channel name="OA" type="integer" max="360" units="deg"/>
+          <inkml:channel name="OE" type="integer" max="90" units="deg"/>
+        </inkml:traceFormat>
+        <inkml:channelProperties>
+          <inkml:channelProperty channel="X" name="resolution" value="1000" units="1/cm"/>
+          <inkml:channelProperty channel="Y" name="resolution" value="1000" units="1/cm"/>
+          <inkml:channelProperty channel="F" name="resolution" value="0" units="1/dev"/>
+          <inkml:channelProperty channel="OA" name="resolution" value="1000" units="1/deg"/>
+          <inkml:channelProperty channel="OE" name="resolution" value="1000" units="1/deg"/>
+        </inkml:channelProperties>
+      </inkml:inkSource>
+      <inkml:timestamp xml:id="ts0" timeString="2020-05-24T04:14:56.287"/>
+    </inkml:context>
+    <inkml:brush xml:id="br0">
+      <inkml:brushProperty name="width" value="0.05" units="cm"/>
+      <inkml:brushProperty name="height" value="0.05" units="cm"/>
+    </inkml:brush>
+  </inkml:definitions>
+  <inkml:trace contextRef="#ctx0" brushRef="#br0">0 268 9402 0 0,'12'-19'216'0'0,"0"1"0"0"0,2 0 1 0 0,0 1-1 0 0,0 1 0 0 0,2 0 0 0 0,0 1 1 0 0,1 0-1 0 0,0 2 0 0 0,1 0 0 0 0,1 1 1 0 0,8-4-217 0 0,-3 3 23 0 0,0 1 1 0 0,1 2 0 0 0,0 0-1 0 0,0 2 1 0 0,1 0-1 0 0,0 2 1 0 0,1 1 0 0 0,-1 1-1 0 0,5 1-23 0 0,-25 3 4 0 0,1-1-1 0 0,-1 1 1 0 0,1 1-1 0 0,-1-1 0 0 0,0 1 1 0 0,0 0-1 0 0,1 1 1 0 0,-1-1-1 0 0,0 1 1 0 0,0 0-1 0 0,0 1 1 0 0,-1-1-1 0 0,1 1 0 0 0,0 1 1 0 0,-1-1-1 0 0,0 1-3 0 0,1 1 84 0 0,0 0-1 0 0,-1 1 0 0 0,0 0 0 0 0,0 0 1 0 0,-1 0-1 0 0,0 0 0 0 0,0 1 0 0 0,0-1 1 0 0,-1 1-1 0 0,0 0 0 0 0,0 0 1 0 0,0 1-1 0 0,-1 0-83 0 0,3 8 106 0 0,-1 1 1 0 0,-1 0 0 0 0,0 0-1 0 0,-2 0 1 0 0,1 0-1 0 0,-2 0 1 0 0,0 0-1 0 0,-2 0 1 0 0,0 0 0 0 0,0 0-1 0 0,-2 0 1 0 0,-2 9-107 0 0,-2-2 91 0 0,-1-1 0 0 0,-1-1 1 0 0,-1 0-1 0 0,-1 0 1 0 0,-1-1-1 0 0,-1-1 0 0 0,0 0 1 0 0,-9 8-92 0 0,-20 20 354 0 0,-1-3 0 0 0,-2-1 0 0 0,-41 29-354 0 0,85-72 2 0 0,-10 10 118 0 0,12-7-44 0 0,8-3-39 0 0,11-5-5 0 0,1 0 0 0 0,-1-1 1 0 0,0 0-1 0 0,15-8-32 0 0,30-8-18 0 0,8 2-9 0 0,1 3 0 0 0,0 4 0 0 0,1 3 0 0 0,0 2 0 0 0,0 5 1 0 0,20 3 26 0 0,-71 0-39 0 0,0 2 0 0 0,0 0 1 0 0,-1 2-1 0 0,9 2 39 0 0,-25-5 19 0 0,0 0 0 0 0,0 0 0 0 0,0 0-1 0 0,0 1 1 0 0,0 0 0 0 0,-1 0 0 0 0,1 0 0 0 0,-1 1-1 0 0,0 0 1 0 0,0 0 0 0 0,0 0 0 0 0,-1 1 0 0 0,1-1-1 0 0,-1 1 1 0 0,0 0 0 0 0,-1 1 0 0 0,4 4-19 0 0,-6-7 54 0 0,0 0 0 0 0,0 0-1 0 0,0 0 1 0 0,0 0 0 0 0,0 0 0 0 0,-1 0 0 0 0,0 1 0 0 0,1-1 0 0 0,-1 0 0 0 0,0 0-1 0 0,-1 0 1 0 0,1 1 0 0 0,0-1 0 0 0,-1 0 0 0 0,0 1-54 0 0,-1 2 102 0 0,0 0 1 0 0,-1 0-1 0 0,1 0 1 0 0,-1 0-1 0 0,-1 0 1 0 0,1-1 0 0 0,-4 4-103 0 0,-5 6 243 0 0,-2 0 1 0 0,0-1 0 0 0,0-1-1 0 0,-12 8-243 0 0,-17 12 337 0 0,-2-3-1 0 0,-1-2 0 0 0,-30 13-336 0 0,-151 64 445 0 0,225-104-441 0 0,-77 31-777 0 0,-36 8 773 0 0,-17-4-3324 0 0,119-34 2483 0 0,1 0-1 0 0,-1-1 1 0 0,0-1 0 0 0,1 0-1 0 0,-1 0 1 0 0,0-2-1 0 0,-12-2 842 0 0,-5 1-2066 0 0,16 2-361 0 0,1 0-1 0 0,0 2 1 0 0,-11 1 2427 0 0</inkml:trace>
+</inkml:ink>
+</file>
+
+<file path=ppt/ink/ink113.xml><?xml version="1.0" encoding="utf-8"?>
+<inkml:ink xmlns:inkml="http://www.w3.org/2003/InkML">
+  <inkml:definitions>
+    <inkml:context xml:id="ctx0">
+      <inkml:inkSource xml:id="inkSrc0">
+        <inkml:traceFormat>
+          <inkml:channel name="X" type="integer" min="-2.14748E9" max="2.14748E9" units="cm"/>
+          <inkml:channel name="Y" type="integer" min="-2.14748E9" max="2.14748E9" units="cm"/>
+          <inkml:channel name="F" type="integer" max="32767" units="dev"/>
+          <inkml:channel name="OA" type="integer" max="360" units="deg"/>
+          <inkml:channel name="OE" type="integer" max="90" units="deg"/>
+        </inkml:traceFormat>
+        <inkml:channelProperties>
+          <inkml:channelProperty channel="X" name="resolution" value="1000" units="1/cm"/>
+          <inkml:channelProperty channel="Y" name="resolution" value="1000" units="1/cm"/>
+          <inkml:channelProperty channel="F" name="resolution" value="0" units="1/dev"/>
+          <inkml:channelProperty channel="OA" name="resolution" value="1000" units="1/deg"/>
+          <inkml:channelProperty channel="OE" name="resolution" value="1000" units="1/deg"/>
+        </inkml:channelProperties>
+      </inkml:inkSource>
+      <inkml:timestamp xml:id="ts0" timeString="2020-05-24T04:14:57.006"/>
+    </inkml:context>
+    <inkml:brush xml:id="br0">
+      <inkml:brushProperty name="width" value="0.05" units="cm"/>
+      <inkml:brushProperty name="height" value="0.05" units="cm"/>
+    </inkml:brush>
+  </inkml:definitions>
+  <inkml:trace contextRef="#ctx0" brushRef="#br0">658 3 14547 0 0,'-3'-1'82'0'0,"0"0"0"0"0,0 1 0 0 0,-1 0 0 0 0,1 0 0 0 0,0 0 0 0 0,0 0 0 0 0,0 0-1 0 0,-1 1 1 0 0,1-1 0 0 0,0 1 0 0 0,0 0 0 0 0,0 0 0 0 0,0 0 0 0 0,0 0 0 0 0,0 1 0 0 0,0-1 0 0 0,0 1 0 0 0,1 0 0 0 0,-1 0-1 0 0,1 0 1 0 0,-1 0 0 0 0,1 0 0 0 0,-1 0 0 0 0,1 1 0 0 0,0-1 0 0 0,0 1 0 0 0,1-1 0 0 0,-1 1 0 0 0,0 0 0 0 0,1 0 0 0 0,0 0-1 0 0,-1 0 1 0 0,1 1-82 0 0,-43 125 141 0 0,26-71 49 0 0,-21 46-190 0 0,-37 49-434 0 0,-26 29 434 0 0,-49 96-987 0 0,121-217-26 0 0,4 2-1 0 0,2 0 1 0 0,-8 43 1013 0 0,24-75-1082 0 0,1 1 0 0 0,1 0-1 0 0,2 1 1 0 0,2-1 0 0 0,0 1 0 0 0,3 12 1082 0 0,7 23-5707 0 0</inkml:trace>
+</inkml:ink>
+</file>
+
+<file path=ppt/ink/ink114.xml><?xml version="1.0" encoding="utf-8"?>
+<inkml:ink xmlns:inkml="http://www.w3.org/2003/InkML">
+  <inkml:definitions>
+    <inkml:context xml:id="ctx0">
+      <inkml:inkSource xml:id="inkSrc0">
+        <inkml:traceFormat>
+          <inkml:channel name="X" type="integer" min="-2.14748E9" max="2.14748E9" units="cm"/>
+          <inkml:channel name="Y" type="integer" min="-2.14748E9" max="2.14748E9" units="cm"/>
+          <inkml:channel name="F" type="integer" max="32767" units="dev"/>
+          <inkml:channel name="OA" type="integer" max="360" units="deg"/>
+          <inkml:channel name="OE" type="integer" max="90" units="deg"/>
+        </inkml:traceFormat>
+        <inkml:channelProperties>
+          <inkml:channelProperty channel="X" name="resolution" value="1000" units="1/cm"/>
+          <inkml:channelProperty channel="Y" name="resolution" value="1000" units="1/cm"/>
+          <inkml:channelProperty channel="F" name="resolution" value="0" units="1/dev"/>
+          <inkml:channelProperty channel="OA" name="resolution" value="1000" units="1/deg"/>
+          <inkml:channelProperty channel="OE" name="resolution" value="1000" units="1/deg"/>
+        </inkml:channelProperties>
+      </inkml:inkSource>
+      <inkml:timestamp xml:id="ts0" timeString="2020-05-24T04:14:58.229"/>
+    </inkml:context>
+    <inkml:brush xml:id="br0">
+      <inkml:brushProperty name="width" value="0.05" units="cm"/>
+      <inkml:brushProperty name="height" value="0.05" units="cm"/>
+    </inkml:brush>
+  </inkml:definitions>
+  <inkml:trace contextRef="#ctx0" brushRef="#br0">500 11 9266 0 0,'0'-1'23'0'0,"0"1"-1"0"0,-1-1 1 0 0,1 0-1 0 0,-1 1 1 0 0,1-1 0 0 0,-1 1-1 0 0,1-1 1 0 0,-1 0-1 0 0,1 1 1 0 0,-1-1-1 0 0,1 1 1 0 0,-1 0 0 0 0,0-1-1 0 0,1 1 1 0 0,-1 0-1 0 0,0-1 1 0 0,1 1 0 0 0,-1 0-1 0 0,0-1 1 0 0,1 1-1 0 0,-1 0 1 0 0,0 0 0 0 0,0 0-1 0 0,1 0 1 0 0,-1 0-1 0 0,0 0 1 0 0,0 0 0 0 0,1 0-1 0 0,-1 0 1 0 0,0 0-1 0 0,0 0 1 0 0,1 1-1 0 0,-1-1 1 0 0,0 0 0 0 0,1 0-1 0 0,-1 1 1 0 0,0-1-1 0 0,1 0 1 0 0,-1 1 0 0 0,0-1-1 0 0,1 1 1 0 0,-1-1-1 0 0,1 1-22 0 0,-4 3 27 0 0,1-1-1 0 0,0 1 0 0 0,1 1 0 0 0,-1-1 0 0 0,1 0 0 0 0,-2 4-26 0 0,-3 5 138 0 0,-15 23-42 0 0,-2-2 1 0 0,-2 0 0 0 0,-1-1 0 0 0,-2-2-1 0 0,-1-1 1 0 0,-1-1 0 0 0,-29 20-97 0 0,23-21 82 0 0,-79 66 1192 0 0,111-89-1158 0 0,-1 0-1 0 0,1 1 1 0 0,0 0-1 0 0,1 0 1 0 0,-1 0-1 0 0,-2 6-115 0 0,6-12 21 0 0,1 1-1 0 0,-1 0 0 0 0,1 0 1 0 0,-1 0-1 0 0,1 0 0 0 0,-1 1 0 0 0,1-1 1 0 0,0 0-1 0 0,-1 0 0 0 0,1 0 1 0 0,0 0-1 0 0,0 0 0 0 0,0 0 0 0 0,0 0 1 0 0,0 1-1 0 0,0-1 0 0 0,0 0 1 0 0,0 0-1 0 0,1 0 0 0 0,-1 0 0 0 0,0 0 1 0 0,0 0-1 0 0,1 0 0 0 0,-1 0 1 0 0,1 0-1 0 0,-1 0 0 0 0,1 0 0 0 0,0 0 1 0 0,-1 0-1 0 0,1 0 0 0 0,0 0 1 0 0,0 0-1 0 0,-1-1 0 0 0,1 1 0 0 0,0 0 1 0 0,0 0-1 0 0,0-1 0 0 0,0 1 1 0 0,0-1-1 0 0,0 1 0 0 0,0-1 0 0 0,0 1 1 0 0,0-1-1 0 0,0 0 0 0 0,0 1 1 0 0,1-1-1 0 0,-1 0 0 0 0,0 0 0 0 0,1 0-20 0 0,15 2 196 0 0,0 0-1 0 0,1-2 0 0 0,-1 0 0 0 0,1-1 0 0 0,-1-1 0 0 0,0 0 1 0 0,1-1-1 0 0,6-3-195 0 0,8-1 155 0 0,692-152 792 0 0,-580 125-755 0 0,-124 29-391 0 0,-1 0 1 0 0,0-1-1 0 0,0 0 1 0 0,-1-2-1 0 0,0 0 1 0 0,3-3 198 0 0,-21 10-187 0 0,1 1 0 0 0,-1 0 0 0 0,1-1 0 0 0,-1 0 0 0 0,0 1 0 0 0,1-1 0 0 0,-1 1 0 0 0,0-1 0 0 0,1 1-1 0 0,-1-1 1 0 0,0 0 0 0 0,0 1 0 0 0,0-1 0 0 0,1 0 0 0 0,-1 1 0 0 0,0-1 0 0 0,0 0 0 0 0,0 1 0 0 0,0-1 0 0 0,0 0 0 0 0,0 1 0 0 0,0-1 0 0 0,-1 1 0 0 0,1-1 0 0 0,0 0 0 0 0,0 1 0 0 0,0-1 0 0 0,-1 0 0 0 0,1 1 0 0 0,0-1 0 0 0,-1 1 0 0 0,1-1 0 0 0,0 1 0 0 0,-1-1 0 0 0,1 1 0 0 0,-1-1 0 0 0,1 1 0 0 0,-1-1 0 0 0,1 1 0 0 0,-1 0 0 0 0,1-1 0 0 0,-1 1 0 0 0,1 0 0 0 0,-1-1 0 0 0,0 1 0 0 0,1 0 187 0 0,-11-5-6090 0 0</inkml:trace>
+</inkml:ink>
+</file>
+
+<file path=ppt/ink/ink115.xml><?xml version="1.0" encoding="utf-8"?>
+<inkml:ink xmlns:inkml="http://www.w3.org/2003/InkML">
+  <inkml:definitions>
+    <inkml:context xml:id="ctx0">
+      <inkml:inkSource xml:id="inkSrc0">
+        <inkml:traceFormat>
+          <inkml:channel name="X" type="integer" min="-2.14748E9" max="2.14748E9" units="cm"/>
+          <inkml:channel name="Y" type="integer" min="-2.14748E9" max="2.14748E9" units="cm"/>
+          <inkml:channel name="F" type="integer" max="32767" units="dev"/>
+          <inkml:channel name="OA" type="integer" max="360" units="deg"/>
+          <inkml:channel name="OE" type="integer" max="90" units="deg"/>
+        </inkml:traceFormat>
+        <inkml:channelProperties>
+          <inkml:channelProperty channel="X" name="resolution" value="1000" units="1/cm"/>
+          <inkml:channelProperty channel="Y" name="resolution" value="1000" units="1/cm"/>
+          <inkml:channelProperty channel="F" name="resolution" value="0" units="1/dev"/>
+          <inkml:channelProperty channel="OA" name="resolution" value="1000" units="1/deg"/>
+          <inkml:channelProperty channel="OE" name="resolution" value="1000" units="1/deg"/>
+        </inkml:channelProperties>
+      </inkml:inkSource>
+      <inkml:timestamp xml:id="ts0" timeString="2020-05-24T04:14:58.576"/>
+    </inkml:context>
+    <inkml:brush xml:id="br0">
+      <inkml:brushProperty name="width" value="0.05" units="cm"/>
+      <inkml:brushProperty name="height" value="0.05" units="cm"/>
+    </inkml:brush>
+  </inkml:definitions>
+  <inkml:trace contextRef="#ctx0" brushRef="#br0">3 25 11955 0 0,'0'0'101'0'0,"-1"-1"1"0"0,1 0 0 0 0,0 0-1 0 0,-1 0 1 0 0,1 0 0 0 0,0 1-1 0 0,0-1 1 0 0,0 0 0 0 0,0 0 0 0 0,0 0-1 0 0,0 0 1 0 0,0 0 0 0 0,0 0-1 0 0,0 1 1 0 0,0-1 0 0 0,0 0-1 0 0,0 0 1 0 0,1 0 0 0 0,-1 0 0 0 0,0 1-1 0 0,1-1 1 0 0,-1 0 0 0 0,0 0-1 0 0,1 0 1 0 0,-1 1 0 0 0,1-1-1 0 0,0 0-101 0 0,0 1 47 0 0,0-1 0 0 0,0 1 0 0 0,0 0 0 0 0,0 0-1 0 0,0 0 1 0 0,0 0 0 0 0,0 0 0 0 0,0 0-1 0 0,1 0 1 0 0,-1 0 0 0 0,0 0 0 0 0,0 1 0 0 0,0-1-1 0 0,0 0 1 0 0,0 1 0 0 0,0-1 0 0 0,0 1 0 0 0,0 0-47 0 0,8 3 95 0 0,0 2 0 0 0,-1-1 0 0 0,1 1 0 0 0,3 4-95 0 0,1 2 112 0 0,-1 1 0 0 0,0 0-1 0 0,-1 1 1 0 0,0 0-1 0 0,-1 1 1 0 0,-1 0 0 0 0,0 1-1 0 0,-1 0 1 0 0,-1 0-1 0 0,0 1 1 0 0,-2 0 0 0 0,0 0-1 0 0,2 11-111 0 0,5 37 188 0 0,-3-1 0 0 0,-3 1-1 0 0,-2 11-187 0 0,3 36 187 0 0,1-27-133 0 0,33 286-1582 0 0,-40-364 1195 0 0,10 41-2167 0 0,-9-44 1697 0 0,-1 0 0 0 0,1 0 0 0 0,0 0-1 0 0,1-1 1 0 0,-1 1 0 0 0,3 3 803 0 0,13 10-6694 0 0</inkml:trace>
+</inkml:ink>
+</file>
+
+<file path=ppt/ink/ink116.xml><?xml version="1.0" encoding="utf-8"?>
+<inkml:ink xmlns:inkml="http://www.w3.org/2003/InkML">
+  <inkml:definitions>
+    <inkml:context xml:id="ctx0">
+      <inkml:inkSource xml:id="inkSrc0">
+        <inkml:traceFormat>
+          <inkml:channel name="X" type="integer" min="-2.14748E9" max="2.14748E9" units="cm"/>
+          <inkml:channel name="Y" type="integer" min="-2.14748E9" max="2.14748E9" units="cm"/>
+          <inkml:channel name="F" type="integer" max="32767" units="dev"/>
+          <inkml:channel name="OA" type="integer" max="360" units="deg"/>
+          <inkml:channel name="OE" type="integer" max="90" units="deg"/>
+        </inkml:traceFormat>
+        <inkml:channelProperties>
+          <inkml:channelProperty channel="X" name="resolution" value="1000" units="1/cm"/>
+          <inkml:channelProperty channel="Y" name="resolution" value="1000" units="1/cm"/>
+          <inkml:channelProperty channel="F" name="resolution" value="0" units="1/dev"/>
+          <inkml:channelProperty channel="OA" name="resolution" value="1000" units="1/deg"/>
+          <inkml:channelProperty channel="OE" name="resolution" value="1000" units="1/deg"/>
+        </inkml:channelProperties>
+      </inkml:inkSource>
+      <inkml:timestamp xml:id="ts0" timeString="2020-05-24T04:15:03.015"/>
+    </inkml:context>
+    <inkml:brush xml:id="br0">
+      <inkml:brushProperty name="width" value="0.05" units="cm"/>
+      <inkml:brushProperty name="height" value="0.05" units="cm"/>
+    </inkml:brush>
+  </inkml:definitions>
+  <inkml:trace contextRef="#ctx0" brushRef="#br0">38 182 9442 0 0,'-4'4'131'0'0,"1"1"0"0"0,-1 0 0 0 0,1 0 0 0 0,-1 0 0 0 0,2 0 1 0 0,-1 0-1 0 0,0 0 0 0 0,1 1 0 0 0,0 0 0 0 0,0-1 0 0 0,1 1 0 0 0,0 0 0 0 0,0 0 0 0 0,0-1 0 0 0,0 4-131 0 0,1 12 295 0 0,0 1 0 0 0,1 0 0 0 0,3 13-295 0 0,0 3 282 0 0,5 58 314 0 0,3 1 0 0 0,16 50-596 0 0,-17-104 94 0 0,2 1 1 0 0,2-2-1 0 0,1 0 0 0 0,2-1 0 0 0,2-1 0 0 0,18 25-94 0 0,-17-34 66 0 0,-9-13 28 0 0,0 0 1 0 0,-2 0 0 0 0,7 16-95 0 0,-15-46 1074 0 0,-3-3-1119 0 0,-1-56-528 0 0,2 0-1 0 0,4 0 0 0 0,5-20 574 0 0,2-38-690 0 0,-8 93 583 0 0,0-19-314 0 0,2-1-1 0 0,7-21 422 0 0,-9 60-54 0 0,2 0-1 0 0,0 0 0 0 0,0 1 1 0 0,2 0-1 0 0,0 0 1 0 0,1 0-1 0 0,0 1 0 0 0,1 0 1 0 0,9-10 54 0 0,26-30-54 0 0,2 3 1 0 0,29-24 53 0 0,-48 52-967 0 0,0 1 1 0 0,16-8 966 0 0,-22 17-1834 0 0,1 1 1 0 0,1 1-1 0 0,19-7 1834 0 0,-10 9-3526 0 0</inkml:trace>
+</inkml:ink>
+</file>
+
+<file path=ppt/ink/ink117.xml><?xml version="1.0" encoding="utf-8"?>
+<inkml:ink xmlns:inkml="http://www.w3.org/2003/InkML">
+  <inkml:definitions>
+    <inkml:context xml:id="ctx0">
+      <inkml:inkSource xml:id="inkSrc0">
+        <inkml:traceFormat>
+          <inkml:channel name="X" type="integer" min="-2.14748E9" max="2.14748E9" units="cm"/>
+          <inkml:channel name="Y" type="integer" min="-2.14748E9" max="2.14748E9" units="cm"/>
+          <inkml:channel name="F" type="integer" max="32767" units="dev"/>
+          <inkml:channel name="OA" type="integer" max="360" units="deg"/>
+          <inkml:channel name="OE" type="integer" max="90" units="deg"/>
+        </inkml:traceFormat>
+        <inkml:channelProperties>
+          <inkml:channelProperty channel="X" name="resolution" value="1000" units="1/cm"/>
+          <inkml:channelProperty channel="Y" name="resolution" value="1000" units="1/cm"/>
+          <inkml:channelProperty channel="F" name="resolution" value="0" units="1/dev"/>
+          <inkml:channelProperty channel="OA" name="resolution" value="1000" units="1/deg"/>
+          <inkml:channelProperty channel="OE" name="resolution" value="1000" units="1/deg"/>
+        </inkml:channelProperties>
+      </inkml:inkSource>
+      <inkml:timestamp xml:id="ts0" timeString="2020-05-24T04:15:03.455"/>
+    </inkml:context>
+    <inkml:brush xml:id="br0">
+      <inkml:brushProperty name="width" value="0.05" units="cm"/>
+      <inkml:brushProperty name="height" value="0.05" units="cm"/>
+    </inkml:brush>
+  </inkml:definitions>
+  <inkml:trace contextRef="#ctx0" brushRef="#br0">386 1 904 0 0,'-30'29'1814'0'0,"-9"24"-691"0"0,16-20-575 0 0,-12 17 183 0 0,1 2 0 0 0,4 2 0 0 0,1 0 0 0 0,3 2 0 0 0,-18 58-731 0 0,20-42 700 0 0,4 1 0 0 0,3 1 0 0 0,3 0 0 0 0,-2 52-700 0 0,16-119 54 0 0,-3 24 186 0 0,2 0 1 0 0,1 6-241 0 0,0-30 33 0 0,0 0 0 0 0,1 0 0 0 0,0 0 0 0 0,0 0 0 0 0,1 0 0 0 0,0 0 0 0 0,0-1 0 0 0,0 1 0 0 0,1-1 0 0 0,0 1 0 0 0,1-1 0 0 0,1 3-33 0 0,-4-8 17 0 0,0 0 1 0 0,-1 0-1 0 0,1 0 1 0 0,0 0 0 0 0,0 0-1 0 0,0 0 1 0 0,0 0-1 0 0,0-1 1 0 0,0 1 0 0 0,0 0-1 0 0,0-1 1 0 0,1 1-1 0 0,-1-1 1 0 0,0 1-1 0 0,0-1 1 0 0,0 1 0 0 0,1-1-1 0 0,-1 0 1 0 0,0 0-1 0 0,0 1 1 0 0,1-1 0 0 0,-1 0-1 0 0,0 0 1 0 0,1-1-18 0 0,1 1 37 0 0,-1-1 1 0 0,0 0 0 0 0,1 0-1 0 0,-1 0 1 0 0,0 0-1 0 0,0 0 1 0 0,0 0-1 0 0,0-1 1 0 0,0 1-1 0 0,0-1 1 0 0,0 1-1 0 0,1-2-37 0 0,4-4 95 0 0,-1-1 0 0 0,0 0 0 0 0,0 0 0 0 0,-1 0 0 0 0,0-1 0 0 0,0 0-95 0 0,7-17 28 0 0,-2-1 0 0 0,-1 0 0 0 0,0-1 0 0 0,-3 0 0 0 0,0 0 0 0 0,-1 0 0 0 0,-2-1 0 0 0,0-22-28 0 0,-4-44-42 0 0,-4 1 0 0 0,-3-1 42 0 0,1 15-17 0 0,-1 0 855 0 0,35 169-651 0 0,4 0 0 0 0,3-3 0 0 0,5-1 0 0 0,3-1 0 0 0,12 11-187 0 0,-20-44-547 0 0,40 44 547 0 0,5-4-4114 0 0,-75-85-762 0 0,-3-9-548 0 0</inkml:trace>
+</inkml:ink>
+</file>
+
+<file path=ppt/ink/ink118.xml><?xml version="1.0" encoding="utf-8"?>
+<inkml:ink xmlns:inkml="http://www.w3.org/2003/InkML">
+  <inkml:definitions>
+    <inkml:context xml:id="ctx0">
+      <inkml:inkSource xml:id="inkSrc0">
+        <inkml:traceFormat>
+          <inkml:channel name="X" type="integer" min="-2.14748E9" max="2.14748E9" units="cm"/>
+          <inkml:channel name="Y" type="integer" min="-2.14748E9" max="2.14748E9" units="cm"/>
+          <inkml:channel name="F" type="integer" max="32767" units="dev"/>
+          <inkml:channel name="OA" type="integer" max="360" units="deg"/>
+          <inkml:channel name="OE" type="integer" max="90" units="deg"/>
+        </inkml:traceFormat>
+        <inkml:channelProperties>
+          <inkml:channelProperty channel="X" name="resolution" value="1000" units="1/cm"/>
+          <inkml:channelProperty channel="Y" name="resolution" value="1000" units="1/cm"/>
+          <inkml:channelProperty channel="F" name="resolution" value="0" units="1/dev"/>
+          <inkml:channelProperty channel="OA" name="resolution" value="1000" units="1/deg"/>
+          <inkml:channelProperty channel="OE" name="resolution" value="1000" units="1/deg"/>
+        </inkml:channelProperties>
+      </inkml:inkSource>
+      <inkml:timestamp xml:id="ts0" timeString="2020-05-24T04:15:03.785"/>
+    </inkml:context>
+    <inkml:brush xml:id="br0">
+      <inkml:brushProperty name="width" value="0.05" units="cm"/>
+      <inkml:brushProperty name="height" value="0.05" units="cm"/>
+    </inkml:brush>
+  </inkml:definitions>
+  <inkml:trace contextRef="#ctx0" brushRef="#br0">47 66 6913 0 0,'-4'-4'673'0'0,"0"0"-1"0"0,0 0 1 0 0,0 0-1 0 0,0 1 1 0 0,-1 0-1 0 0,0 0 1 0 0,0 0-1 0 0,0 0 0 0 0,-1 0-672 0 0,107 31 3172 0 0,-67-23-3065 0 0,1-2 0 0 0,0-1 1 0 0,-1-1-1 0 0,1-2 0 0 0,9-3-107 0 0,20-4-2903 0 0,0-4-1 0 0,22-7 2904 0 0,-82 18-559 0 0,-1 0-1 0 0,0-1 0 0 0,1 1 0 0 0,-1 0 0 0 0,0-1 1 0 0,0 0-1 0 0,0 0 0 0 0,2-1 560 0 0,2-2-1683 0 0,12-2-3014 0 0</inkml:trace>
+</inkml:ink>
+</file>
+
+<file path=ppt/ink/ink119.xml><?xml version="1.0" encoding="utf-8"?>
+<inkml:ink xmlns:inkml="http://www.w3.org/2003/InkML">
+  <inkml:definitions>
+    <inkml:context xml:id="ctx0">
+      <inkml:inkSource xml:id="inkSrc0">
+        <inkml:traceFormat>
+          <inkml:channel name="X" type="integer" min="-2.14748E9" max="2.14748E9" units="cm"/>
+          <inkml:channel name="Y" type="integer" min="-2.14748E9" max="2.14748E9" units="cm"/>
+          <inkml:channel name="F" type="integer" max="32767" units="dev"/>
+          <inkml:channel name="OA" type="integer" max="360" units="deg"/>
+          <inkml:channel name="OE" type="integer" max="90" units="deg"/>
+        </inkml:traceFormat>
+        <inkml:channelProperties>
+          <inkml:channelProperty channel="X" name="resolution" value="1000" units="1/cm"/>
+          <inkml:channelProperty channel="Y" name="resolution" value="1000" units="1/cm"/>
+          <inkml:channelProperty channel="F" name="resolution" value="0" units="1/dev"/>
+          <inkml:channelProperty channel="OA" name="resolution" value="1000" units="1/deg"/>
+          <inkml:channelProperty channel="OE" name="resolution" value="1000" units="1/deg"/>
+        </inkml:channelProperties>
+      </inkml:inkSource>
+      <inkml:timestamp xml:id="ts0" timeString="2020-05-24T04:15:04.104"/>
+    </inkml:context>
+    <inkml:brush xml:id="br0">
+      <inkml:brushProperty name="width" value="0.05" units="cm"/>
+      <inkml:brushProperty name="height" value="0.05" units="cm"/>
+    </inkml:brush>
+  </inkml:definitions>
+  <inkml:trace contextRef="#ctx0" brushRef="#br0">81 126 6945 0 0,'-3'3'354'0'0,"0"-1"0"0"0,0 1-1 0 0,0 0 1 0 0,0-1 0 0 0,1 1-1 0 0,0 1 1 0 0,-1-1 0 0 0,1 0-1 0 0,0 0 1 0 0,1 1 0 0 0,-2 3-354 0 0,-14 43 1541 0 0,12-31-951 0 0,-3 11-87 0 0,1-1 1 0 0,2 1 0 0 0,1 0-1 0 0,1 1 1 0 0,2-1-1 0 0,1 0 1 0 0,2 7-504 0 0,7 56 989 0 0,15 61-989 0 0,-22-139 17 0 0,10 47 181 0 0,11 32-198 0 0,-15-66-37 0 0,2 0-1 0 0,1-1 1 0 0,1 0-1 0 0,7 11 38 0 0,-14-31-132 0 0,0 0-1 0 0,0 0 0 0 0,0 0 0 0 0,1-1 0 0 0,-1 0 0 0 0,2 0 0 0 0,-1 0 0 0 0,1-1 0 0 0,0 0 0 0 0,0 0 0 0 0,1 0 133 0 0,-6-4-176 0 0,1 0-1 0 0,-1 1 0 0 0,1-1 0 0 0,-1 0 1 0 0,1-1-1 0 0,-1 1 0 0 0,1 0 0 0 0,-1-1 1 0 0,1 1-1 0 0,0-1 0 0 0,-1 0 0 0 0,1 0 1 0 0,0 0-1 0 0,-1 0 0 0 0,1 0 0 0 0,-1 0 1 0 0,1-1-1 0 0,0 0 0 0 0,-1 1 0 0 0,1-1 1 0 0,-1 0-1 0 0,1 0 0 0 0,-1 0 0 0 0,0 0 1 0 0,1-1-1 0 0,-1 1 0 0 0,0-1 0 0 0,0 0 1 0 0,0 1-1 0 0,0-1 0 0 0,0 0 0 0 0,0 0 1 0 0,0 0-1 0 0,-1 0 0 0 0,1 0 0 0 0,-1-1 1 0 0,0 1 176 0 0,16-30-3336 0 0,1-5-2457 0 0</inkml:trace>
+  <inkml:trace contextRef="#ctx0" brushRef="#br0" timeOffset="1">257 48 5217 0 0,'-2'-13'1160'0'0,"2"-1"-159"0"0,0 3-89 0 0,2 4-216 0 0,-2 5-248 0 0,0 4-232 0 0,0-2-168 0 0,1 2-64 0 0,3 1 16 0 0,2 1-8 0 0,1 2-232 0 0,3-1-528 0 0,3 1-528 0 0,2-2-273 0 0,5 1-3760 0 0</inkml:trace>
+</inkml:ink>
+</file>
+
+<file path=ppt/ink/ink12.xml><?xml version="1.0" encoding="utf-8"?>
+<inkml:ink xmlns:inkml="http://www.w3.org/2003/InkML">
+  <inkml:definitions>
+    <inkml:context xml:id="ctx0">
+      <inkml:inkSource xml:id="inkSrc0">
+        <inkml:traceFormat>
+          <inkml:channel name="X" type="integer" min="-2.14748E9" max="2.14748E9" units="cm"/>
+          <inkml:channel name="Y" type="integer" min="-2.14748E9" max="2.14748E9" units="cm"/>
+          <inkml:channel name="F" type="integer" max="32767" units="dev"/>
+          <inkml:channel name="OA" type="integer" max="360" units="deg"/>
+          <inkml:channel name="OE" type="integer" max="90" units="deg"/>
+        </inkml:traceFormat>
+        <inkml:channelProperties>
+          <inkml:channelProperty channel="X" name="resolution" value="1000" units="1/cm"/>
+          <inkml:channelProperty channel="Y" name="resolution" value="1000" units="1/cm"/>
+          <inkml:channelProperty channel="F" name="resolution" value="0" units="1/dev"/>
+          <inkml:channelProperty channel="OA" name="resolution" value="1000" units="1/deg"/>
+          <inkml:channelProperty channel="OE" name="resolution" value="1000" units="1/deg"/>
+        </inkml:channelProperties>
+      </inkml:inkSource>
+      <inkml:timestamp xml:id="ts0" timeString="2020-05-26T11:08:34.554"/>
+    </inkml:context>
+    <inkml:brush xml:id="br0">
+      <inkml:brushProperty name="width" value="0.05" units="cm"/>
+      <inkml:brushProperty name="height" value="0.05" units="cm"/>
+      <inkml:brushProperty name="color" value="#E71224"/>
+    </inkml:brush>
+  </inkml:definitions>
+  <inkml:trace contextRef="#ctx0" brushRef="#br0">20 3 5081 0 0,'-20'-2'1026'0'0,"21"4"-695"0"0,11 3-350 0 0,66 17 456 0 0,0-4 1 0 0,45 4-438 0 0,162 12 769 0 0,-185-24-708 0 0,2 0 297 0 0,0-4-1 0 0,1-5 1 0 0,0-4-1 0 0,20-6-357 0 0,-111 7 94 0 0,141-15 1942 0 0,56 4-2036 0 0,-24 11 693 0 0,-197 9-6654 0 0,5-1 449 0 0</inkml:trace>
+</inkml:ink>
+</file>
+
+<file path=ppt/ink/ink120.xml><?xml version="1.0" encoding="utf-8"?>
+<inkml:ink xmlns:inkml="http://www.w3.org/2003/InkML">
+  <inkml:definitions>
+    <inkml:context xml:id="ctx0">
+      <inkml:inkSource xml:id="inkSrc0">
+        <inkml:traceFormat>
+          <inkml:channel name="X" type="integer" min="-2.14748E9" max="2.14748E9" units="cm"/>
+          <inkml:channel name="Y" type="integer" min="-2.14748E9" max="2.14748E9" units="cm"/>
+          <inkml:channel name="F" type="integer" max="32767" units="dev"/>
+          <inkml:channel name="OA" type="integer" max="360" units="deg"/>
+          <inkml:channel name="OE" type="integer" max="90" units="deg"/>
+        </inkml:traceFormat>
+        <inkml:channelProperties>
+          <inkml:channelProperty channel="X" name="resolution" value="1000" units="1/cm"/>
+          <inkml:channelProperty channel="Y" name="resolution" value="1000" units="1/cm"/>
+          <inkml:channelProperty channel="F" name="resolution" value="0" units="1/dev"/>
+          <inkml:channelProperty channel="OA" name="resolution" value="1000" units="1/deg"/>
+          <inkml:channelProperty channel="OE" name="resolution" value="1000" units="1/deg"/>
+        </inkml:channelProperties>
+      </inkml:inkSource>
+      <inkml:timestamp xml:id="ts0" timeString="2020-05-24T04:15:04.500"/>
+    </inkml:context>
+    <inkml:brush xml:id="br0">
+      <inkml:brushProperty name="width" value="0.05" units="cm"/>
+      <inkml:brushProperty name="height" value="0.05" units="cm"/>
+    </inkml:brush>
+  </inkml:definitions>
+  <inkml:trace contextRef="#ctx0" brushRef="#br0">113 1 4713 0 0,'-16'27'1384'0'0,"1"1"0"0"0,1 1 0 0 0,2 0 0 0 0,-8 27-1384 0 0,11-23 447 0 0,1 0-1 0 0,1 0 0 0 0,2 0 1 0 0,1 1-1 0 0,2 0 0 0 0,2 0 1 0 0,1 10-447 0 0,0-23 95 0 0,2 1 1 0 0,0-1 0 0 0,2 0-1 0 0,0 0 1 0 0,1 0 0 0 0,1-1 0 0 0,1 0-1 0 0,1 0 1 0 0,4 6-96 0 0,-6-14-237 0 0,0 0-1 0 0,1-1 1 0 0,1 0-1 0 0,0 0 1 0 0,0-1-1 0 0,1 0 1 0 0,1 0-1 0 0,-1-1 1 0 0,1-1-1 0 0,1 0 1 0 0,0 0-1 0 0,0-1 1 0 0,0-1-1 0 0,12 5 238 0 0,-22-10-270 0 0,0 0-1 0 0,1 0 1 0 0,-1 0 0 0 0,1 0-1 0 0,-1 0 1 0 0,1 0-1 0 0,0-1 1 0 0,-1 1-1 0 0,1-1 1 0 0,0 0-1 0 0,-1 0 1 0 0,1 0-1 0 0,0 0 1 0 0,-1 0-1 0 0,1-1 1 0 0,0 1 0 0 0,-1-1-1 0 0,1 0 1 0 0,-1 0-1 0 0,1 0 271 0 0,13-9-2812 0 0</inkml:trace>
+  <inkml:trace contextRef="#ctx0" brushRef="#br0" timeOffset="1">416 459 3513 0 0,'-5'10'450'0'0,"0"1"-1"0"0,1-1 1 0 0,0 1 0 0 0,0 0 0 0 0,1 0-1 0 0,0 1 1 0 0,0 10-450 0 0,3-18 129 0 0,-1-1 1 0 0,1 1-1 0 0,0-1 0 0 0,1 1 1 0 0,-1-1-1 0 0,1 1 0 0 0,-1-1 0 0 0,1 1 1 0 0,0-1-1 0 0,0 0 0 0 0,1 1 1 0 0,0 2-130 0 0,0-4 93 0 0,-1-1 0 0 0,1 1 0 0 0,-1 0 0 0 0,1 0 0 0 0,-1-1 0 0 0,1 1 0 0 0,0-1 0 0 0,0 1 0 0 0,0-1 0 0 0,0 0 0 0 0,0 0 0 0 0,0 0 1 0 0,0 0-1 0 0,0 0 0 0 0,0 0 0 0 0,1 0 0 0 0,-1-1 0 0 0,0 1 0 0 0,1-1 0 0 0,1 0-93 0 0,5 1 195 0 0,0-1-1 0 0,0 0 1 0 0,1 0-1 0 0,-1-1 1 0 0,0 0-1 0 0,0-1 1 0 0,0 0 0 0 0,0-1-1 0 0,6-2-194 0 0,-10 3 142 0 0,1 0 1 0 0,0-1-1 0 0,-1 1 0 0 0,0-1 1 0 0,1-1-1 0 0,-1 1 1 0 0,-1-1-1 0 0,1 0 0 0 0,0 0 1 0 0,-1 0-1 0 0,0 0 0 0 0,0-1 1 0 0,0 0-1 0 0,0 0 0 0 0,0-1-142 0 0,-3 4 97 0 0,0-1 0 0 0,0 1-1 0 0,0-1 1 0 0,0 0-1 0 0,0 1 1 0 0,-1-1 0 0 0,1 0-1 0 0,-1 1 1 0 0,0-1-1 0 0,0 0 1 0 0,0 0 0 0 0,0 1-1 0 0,0-1 1 0 0,0 0-1 0 0,-1 0 1 0 0,1 1 0 0 0,-2-4-97 0 0,0 1 114 0 0,0 0 0 0 0,0 1 0 0 0,-1-1 0 0 0,0 0 0 0 0,0 1 0 0 0,0 0 0 0 0,0-1 0 0 0,-1 1 0 0 0,-1-1-114 0 0,-5-5 169 0 0,-1 1 0 0 0,-1 0 0 0 0,1 0 0 0 0,-2 1 1 0 0,1 1-1 0 0,-9-4-169 0 0,13 7 32 0 0,-1 1 0 0 0,1 0 1 0 0,-1 0-1 0 0,0 1 0 0 0,0 0 0 0 0,0 1 1 0 0,0 0-1 0 0,0 0 0 0 0,-8 1-32 0 0,12 0-44 0 0,-1 1 0 0 0,1-1 0 0 0,0 1 0 0 0,0 0 0 0 0,0 0 0 0 0,0 1 0 0 0,0-1 0 0 0,0 1 0 0 0,0 0 0 0 0,0 1-1 0 0,1-1 1 0 0,-1 1 0 0 0,1 0 0 0 0,0 0 0 0 0,0 0 0 0 0,0 0 0 0 0,-3 4 44 0 0,5-5-157 0 0,1 0-1 0 0,0 0 1 0 0,-1 0 0 0 0,1 1-1 0 0,0-1 1 0 0,0 0-1 0 0,0 1 1 0 0,0-1 0 0 0,0 1-1 0 0,1-1 1 0 0,-1 1 0 0 0,1-1-1 0 0,0 1 1 0 0,-1-1 0 0 0,1 1-1 0 0,0-1 1 0 0,1 1-1 0 0,-1-1 1 0 0,0 1 0 0 0,1-1-1 0 0,0 1 158 0 0,0 1-559 0 0,0 0-1 0 0,0 0 1 0 0,1 0-1 0 0,0 0 1 0 0,0-1-1 0 0,0 1 1 0 0,0-1-1 0 0,1 0 1 0 0,-1 1-1 0 0,1-1 1 0 0,0 0-1 0 0,0 0 1 0 0,0 0 559 0 0,18 13-5799 0 0</inkml:trace>
+</inkml:ink>
+</file>
+
+<file path=ppt/ink/ink121.xml><?xml version="1.0" encoding="utf-8"?>
+<inkml:ink xmlns:inkml="http://www.w3.org/2003/InkML">
+  <inkml:definitions>
+    <inkml:context xml:id="ctx0">
+      <inkml:inkSource xml:id="inkSrc0">
+        <inkml:traceFormat>
+          <inkml:channel name="X" type="integer" min="-2.14748E9" max="2.14748E9" units="cm"/>
+          <inkml:channel name="Y" type="integer" min="-2.14748E9" max="2.14748E9" units="cm"/>
+          <inkml:channel name="F" type="integer" max="32767" units="dev"/>
+          <inkml:channel name="OA" type="integer" max="360" units="deg"/>
+          <inkml:channel name="OE" type="integer" max="90" units="deg"/>
+        </inkml:traceFormat>
+        <inkml:channelProperties>
+          <inkml:channelProperty channel="X" name="resolution" value="1000" units="1/cm"/>
+          <inkml:channelProperty channel="Y" name="resolution" value="1000" units="1/cm"/>
+          <inkml:channelProperty channel="F" name="resolution" value="0" units="1/dev"/>
+          <inkml:channelProperty channel="OA" name="resolution" value="1000" units="1/deg"/>
+          <inkml:channelProperty channel="OE" name="resolution" value="1000" units="1/deg"/>
+        </inkml:channelProperties>
+      </inkml:inkSource>
+      <inkml:timestamp xml:id="ts0" timeString="2020-05-24T04:15:04.835"/>
+    </inkml:context>
+    <inkml:brush xml:id="br0">
+      <inkml:brushProperty name="width" value="0.05" units="cm"/>
+      <inkml:brushProperty name="height" value="0.05" units="cm"/>
+    </inkml:brush>
+  </inkml:definitions>
+  <inkml:trace contextRef="#ctx0" brushRef="#br0">90 17 8010 0 0,'-27'-16'4479'0'0,"24"68"-2885"0"0,-2-1-1 0 0,-7 30-1593 0 0,-1 6 606 0 0,-3 55 85 0 0,7 0 1 0 0,5 1-1 0 0,13 106-691 0 0,-5-206 309 0 0,2 0 0 0 0,10 38-309 0 0,-11-63 87 0 0,0-1 0 0 0,1 0 0 0 0,1 0 0 0 0,1 0 0 0 0,0-1 0 0 0,1 0 0 0 0,0-1 0 0 0,5 4-87 0 0,-9-12 42 0 0,1-1 1 0 0,0 1 0 0 0,0-1-1 0 0,0-1 1 0 0,1 1 0 0 0,0-1-1 0 0,0-1 1 0 0,0 1 0 0 0,1-1-1 0 0,0 0 1 0 0,-1-1 0 0 0,1 0-1 0 0,1 0 1 0 0,-1 0 0 0 0,0-1-1 0 0,0-1 1 0 0,1 1 0 0 0,-1-1-1 0 0,1-1 1 0 0,1 0-43 0 0,7 0 69 0 0,1-2 0 0 0,-1 0 0 0 0,0-1 0 0 0,1 0 0 0 0,-1-2-1 0 0,-1 0 1 0 0,1-1 0 0 0,-1 0 0 0 0,5-4-69 0 0,10-4 191 0 0,-1-1 1 0 0,0-1-1 0 0,-1-2 0 0 0,-1-1 0 0 0,0-2-191 0 0,-20 14-715 0 0,-1-1 0 0 0,1 0 0 0 0,-1 0 0 0 0,6-9 715 0 0,-8 9-2151 0 0,1-1-1 0 0,-1 0 0 0 0,-1-1 0 0 0,0 1 0 0 0,0-2 2152 0 0,3-6-6760 0 0</inkml:trace>
+</inkml:ink>
+</file>
+
+<file path=ppt/ink/ink122.xml><?xml version="1.0" encoding="utf-8"?>
+<inkml:ink xmlns:inkml="http://www.w3.org/2003/InkML">
+  <inkml:definitions>
+    <inkml:context xml:id="ctx0">
+      <inkml:inkSource xml:id="inkSrc0">
+        <inkml:traceFormat>
+          <inkml:channel name="X" type="integer" min="-2.14748E9" max="2.14748E9" units="cm"/>
+          <inkml:channel name="Y" type="integer" min="-2.14748E9" max="2.14748E9" units="cm"/>
+          <inkml:channel name="F" type="integer" max="32767" units="dev"/>
+          <inkml:channel name="OA" type="integer" max="360" units="deg"/>
+          <inkml:channel name="OE" type="integer" max="90" units="deg"/>
+        </inkml:traceFormat>
+        <inkml:channelProperties>
+          <inkml:channelProperty channel="X" name="resolution" value="1000" units="1/cm"/>
+          <inkml:channelProperty channel="Y" name="resolution" value="1000" units="1/cm"/>
+          <inkml:channelProperty channel="F" name="resolution" value="0" units="1/dev"/>
+          <inkml:channelProperty channel="OA" name="resolution" value="1000" units="1/deg"/>
+          <inkml:channelProperty channel="OE" name="resolution" value="1000" units="1/deg"/>
+        </inkml:channelProperties>
+      </inkml:inkSource>
+      <inkml:timestamp xml:id="ts0" timeString="2020-05-24T04:15:05.154"/>
+    </inkml:context>
+    <inkml:brush xml:id="br0">
+      <inkml:brushProperty name="width" value="0.05" units="cm"/>
+      <inkml:brushProperty name="height" value="0.05" units="cm"/>
+    </inkml:brush>
+  </inkml:definitions>
+  <inkml:trace contextRef="#ctx0" brushRef="#br0">53 74 6961 0 0,'-8'-21'1809'0'0,"3"4"23"0"0,-5 0-255 0 0,7 6-241 0 0,-3 7-408 0 0,-2 2-384 0 0,5 1-264 0 0,-1 2-160 0 0,0 1-64 0 0,2 2-24 0 0,2 2-72 0 0,4 3-72 0 0,2 4-264 0 0,3 6-528 0 0,6 3-576 0 0,4 1-961 0 0,-14-19-1160 0 0,22 18-2912 0 0</inkml:trace>
+</inkml:ink>
+</file>
+
+<file path=ppt/ink/ink123.xml><?xml version="1.0" encoding="utf-8"?>
+<inkml:ink xmlns:inkml="http://www.w3.org/2003/InkML">
+  <inkml:definitions>
+    <inkml:context xml:id="ctx0">
+      <inkml:inkSource xml:id="inkSrc0">
+        <inkml:traceFormat>
+          <inkml:channel name="X" type="integer" min="-2.14748E9" max="2.14748E9" units="cm"/>
+          <inkml:channel name="Y" type="integer" min="-2.14748E9" max="2.14748E9" units="cm"/>
+          <inkml:channel name="F" type="integer" max="32767" units="dev"/>
+          <inkml:channel name="OA" type="integer" max="360" units="deg"/>
+          <inkml:channel name="OE" type="integer" max="90" units="deg"/>
+        </inkml:traceFormat>
+        <inkml:channelProperties>
+          <inkml:channelProperty channel="X" name="resolution" value="1000" units="1/cm"/>
+          <inkml:channelProperty channel="Y" name="resolution" value="1000" units="1/cm"/>
+          <inkml:channelProperty channel="F" name="resolution" value="0" units="1/dev"/>
+          <inkml:channelProperty channel="OA" name="resolution" value="1000" units="1/deg"/>
+          <inkml:channelProperty channel="OE" name="resolution" value="1000" units="1/deg"/>
+        </inkml:channelProperties>
+      </inkml:inkSource>
+      <inkml:timestamp xml:id="ts0" timeString="2020-05-24T04:15:05.504"/>
+    </inkml:context>
+    <inkml:brush xml:id="br0">
+      <inkml:brushProperty name="width" value="0.05" units="cm"/>
+      <inkml:brushProperty name="height" value="0.05" units="cm"/>
+    </inkml:brush>
+  </inkml:definitions>
+  <inkml:trace contextRef="#ctx0" brushRef="#br0">166 1 5273 0 0,'-19'19'695'0'0,"1"2"0"0"0,0 0 0 0 0,1 1-1 0 0,2 0 1 0 0,0 1 0 0 0,-8 20-695 0 0,15-27 221 0 0,2 0 1 0 0,0 0-1 0 0,1 0 0 0 0,1 1 0 0 0,0-1 1 0 0,1 1-1 0 0,1 0 0 0 0,0 0 0 0 0,2 0 1 0 0,0 0-1 0 0,1 7-221 0 0,0-17 25 0 0,0-1 1 0 0,0 0-1 0 0,1 0 0 0 0,-1 0 0 0 0,1 0 1 0 0,1 0-1 0 0,-1 0 0 0 0,1-1 1 0 0,0 1-1 0 0,1-1 0 0 0,-1 0 1 0 0,1 0-1 0 0,0 0 0 0 0,0 0 1 0 0,1 0-1 0 0,-1-1 0 0 0,1 0 1 0 0,0 0-1 0 0,0 0 0 0 0,3 1-25 0 0,-3-3-273 0 0,-1 1-1 0 0,1-1 0 0 0,-1 0 1 0 0,1 0-1 0 0,0-1 0 0 0,0 0 0 0 0,-1 1 1 0 0,1-2-1 0 0,0 1 0 0 0,0 0 1 0 0,0-1-1 0 0,0 0 0 0 0,0 0 1 0 0,0-1-1 0 0,0 1 0 0 0,0-1 1 0 0,0 0-1 0 0,0-1 0 0 0,0 1 1 0 0,-1-1-1 0 0,1 0 0 0 0,-1 0 1 0 0,1 0-1 0 0,-1 0 0 0 0,0-1 0 0 0,1-1 274 0 0,16-10-2649 0 0</inkml:trace>
+</inkml:ink>
+</file>
+
+<file path=ppt/ink/ink124.xml><?xml version="1.0" encoding="utf-8"?>
+<inkml:ink xmlns:inkml="http://www.w3.org/2003/InkML">
+  <inkml:definitions>
+    <inkml:context xml:id="ctx0">
+      <inkml:inkSource xml:id="inkSrc0">
+        <inkml:traceFormat>
+          <inkml:channel name="X" type="integer" min="-2.14748E9" max="2.14748E9" units="cm"/>
+          <inkml:channel name="Y" type="integer" min="-2.14748E9" max="2.14748E9" units="cm"/>
+          <inkml:channel name="F" type="integer" max="32767" units="dev"/>
+          <inkml:channel name="OA" type="integer" max="360" units="deg"/>
+          <inkml:channel name="OE" type="integer" max="90" units="deg"/>
+        </inkml:traceFormat>
+        <inkml:channelProperties>
+          <inkml:channelProperty channel="X" name="resolution" value="1000" units="1/cm"/>
+          <inkml:channelProperty channel="Y" name="resolution" value="1000" units="1/cm"/>
+          <inkml:channelProperty channel="F" name="resolution" value="0" units="1/dev"/>
+          <inkml:channelProperty channel="OA" name="resolution" value="1000" units="1/deg"/>
+          <inkml:channelProperty channel="OE" name="resolution" value="1000" units="1/deg"/>
+        </inkml:channelProperties>
+      </inkml:inkSource>
+      <inkml:timestamp xml:id="ts0" timeString="2020-05-24T04:15:05.839"/>
+    </inkml:context>
+    <inkml:brush xml:id="br0">
+      <inkml:brushProperty name="width" value="0.05" units="cm"/>
+      <inkml:brushProperty name="height" value="0.05" units="cm"/>
+    </inkml:brush>
+  </inkml:definitions>
+  <inkml:trace contextRef="#ctx0" brushRef="#br0">113 315 2168 0 0,'-1'-3'283'0'0,"0"-3"135"0"0,-1 1 1 0 0,0-1 0 0 0,0 1-1 0 0,-1 0 1 0 0,0 0 0 0 0,0 0-1 0 0,0 0 1 0 0,0 0 0 0 0,-1 0 0 0 0,0 1-1 0 0,0 0 1 0 0,-3-4-419 0 0,6 8 84 0 0,0 0 1 0 0,0 0-1 0 0,0-1 0 0 0,1 1 1 0 0,-1 0-1 0 0,0 0 0 0 0,0 0 0 0 0,0 0 1 0 0,0 0-1 0 0,0 0 0 0 0,1 0 1 0 0,-1 0-1 0 0,0 0 0 0 0,0 1 1 0 0,0-1-1 0 0,0 0 0 0 0,1 1 1 0 0,-1-1-1 0 0,0 0 0 0 0,0 1 1 0 0,1-1-1 0 0,-1 1 0 0 0,0-1 1 0 0,1 1-1 0 0,-1-1 0 0 0,0 1 0 0 0,1-1 1 0 0,-1 1-1 0 0,1 0 0 0 0,-1-1 1 0 0,1 1-1 0 0,-1 0 0 0 0,1 0 1 0 0,-1-1-1 0 0,1 2-84 0 0,-15 28 889 0 0,14-29-812 0 0,-5 14 207 0 0,1 1 0 0 0,0-1-1 0 0,1 1 1 0 0,1-1 0 0 0,1 1 0 0 0,-1 6-284 0 0,3-16 60 0 0,-1 0 0 0 0,1 1 0 0 0,1-1 0 0 0,-1 0 1 0 0,1 1-1 0 0,0-1 0 0 0,0 0 0 0 0,1 0 0 0 0,-1 0 0 0 0,2 0 0 0 0,-1 0 0 0 0,0 0 0 0 0,1 0 0 0 0,0-1 0 0 0,1 1 0 0 0,-1-1 0 0 0,3 2-60 0 0,-4-4 18 0 0,1-1 0 0 0,-1 1-1 0 0,1-1 1 0 0,0 0-1 0 0,-1 0 1 0 0,1-1 0 0 0,0 1-1 0 0,0 0 1 0 0,0-1-1 0 0,0 0 1 0 0,1 0 0 0 0,-1 0-1 0 0,0 0 1 0 0,0 0-1 0 0,1 0 1 0 0,-1-1 0 0 0,1 0-1 0 0,-1 0 1 0 0,3 0-18 0 0,6-1 46 0 0,-1-1 0 0 0,0 0 0 0 0,1-1 0 0 0,-1 0 0 0 0,2-2-46 0 0,31-7 29 0 0,-42 11-30 0 0,-1 1 1 0 0,0 0-1 0 0,0 0 1 0 0,1 0-1 0 0,-1 0 1 0 0,0 0 0 0 0,0 0-1 0 0,1 1 1 0 0,-1-1-1 0 0,0 0 1 0 0,0 0-1 0 0,1 1 1 0 0,-1-1-1 0 0,0 1 1 0 0,0-1-1 0 0,0 1 1 0 0,0 0-1 0 0,0-1 1 0 0,0 1-1 0 0,0 0 1 0 0,0 0-1 0 0,0 0 1 0 0,1 1 8 0 0,0 1-1 0 0,0-1 0 0 0,0 1 0 0 0,-1 0 0 0 0,1-1 0 0 0,-1 1 1 0 0,0 0-1 0 0,1 0 0 0 0,-1 2-7 0 0,1 3 37 0 0,0 1-1 0 0,0 0 1 0 0,-1-1 0 0 0,0 1 0 0 0,-1 0 0 0 0,0 4-37 0 0,-2 10 104 0 0,0 1 0 0 0,-2 0 1 0 0,-1-1-1 0 0,-1 1 0 0 0,0-1 1 0 0,-3 2-105 0 0,1-7-1516 0 0,0 0 1 0 0,-8 12 1515 0 0,16-29-206 0 0,-1 0 0 0 0,0 0 0 0 0,1 0 0 0 0,-1 0 0 0 0,0 0 0 0 0,0 0 0 0 0,0 0 0 0 0,0 0 0 0 0,0 0 0 0 0,0 0 0 0 0,0 0 0 0 0,-1-1 0 0 0,1 1 0 0 0,0 0 0 0 0,0-1 0 0 0,0 1 0 0 0,-1-1-1 0 0,1 1 1 0 0,0-1 0 0 0,-2 0 206 0 0,-5 3-1687 0 0,-3 6-4397 0 0</inkml:trace>
+  <inkml:trace contextRef="#ctx0" brushRef="#br0" timeOffset="1">252 270 6353 0 0,'3'-9'734'0'0,"0"-1"0"0"0,1 1-1 0 0,0-1 1 0 0,0 1 0 0 0,1 0-1 0 0,1 1 1 0 0,-1-1-1 0 0,1 1 1 0 0,1 0 0 0 0,1-1-734 0 0,-2 3 127 0 0,0 1 0 0 0,0 0-1 0 0,1 0 1 0 0,-1 1 0 0 0,1 0 0 0 0,0 0 0 0 0,0 0 0 0 0,1 1 0 0 0,-1 0 0 0 0,1 1 0 0 0,-1-1-1 0 0,1 2 1 0 0,2-1-127 0 0,13-3-267 0 0,0 0-1 0 0,-1-2 1 0 0,0 0-1 0 0,12-7 268 0 0,-19 7-1166 0 0,-1 0-1 0 0,0-1 1 0 0,-1-1-1 0 0,5-3 1167 0 0,10-11-3552 0 0,4 7-2307 0 0</inkml:trace>
+</inkml:ink>
+</file>
+
+<file path=ppt/ink/ink125.xml><?xml version="1.0" encoding="utf-8"?>
+<inkml:ink xmlns:inkml="http://www.w3.org/2003/InkML">
+  <inkml:definitions>
+    <inkml:context xml:id="ctx0">
+      <inkml:inkSource xml:id="inkSrc0">
+        <inkml:traceFormat>
+          <inkml:channel name="X" type="integer" min="-2.14748E9" max="2.14748E9" units="cm"/>
+          <inkml:channel name="Y" type="integer" min="-2.14748E9" max="2.14748E9" units="cm"/>
+          <inkml:channel name="F" type="integer" max="32767" units="dev"/>
+          <inkml:channel name="OA" type="integer" max="360" units="deg"/>
+          <inkml:channel name="OE" type="integer" max="90" units="deg"/>
+        </inkml:traceFormat>
+        <inkml:channelProperties>
+          <inkml:channelProperty channel="X" name="resolution" value="1000" units="1/cm"/>
+          <inkml:channelProperty channel="Y" name="resolution" value="1000" units="1/cm"/>
+          <inkml:channelProperty channel="F" name="resolution" value="0" units="1/dev"/>
+          <inkml:channelProperty channel="OA" name="resolution" value="1000" units="1/deg"/>
+          <inkml:channelProperty channel="OE" name="resolution" value="1000" units="1/deg"/>
+        </inkml:channelProperties>
+      </inkml:inkSource>
+      <inkml:timestamp xml:id="ts0" timeString="2020-05-24T04:15:06.171"/>
+    </inkml:context>
+    <inkml:brush xml:id="br0">
+      <inkml:brushProperty name="width" value="0.05" units="cm"/>
+      <inkml:brushProperty name="height" value="0.05" units="cm"/>
+    </inkml:brush>
+  </inkml:definitions>
+  <inkml:trace contextRef="#ctx0" brushRef="#br0">127 1 2745 0 0,'-3'-1'212'0'0,"0"1"-1"0"0,0 0 1 0 0,-1 0 0 0 0,1 1 0 0 0,0-1 0 0 0,0 1 0 0 0,0-1 0 0 0,0 1 0 0 0,1 0 0 0 0,-1 0 0 0 0,0 0 0 0 0,0 1 0 0 0,0-1 0 0 0,1 1-1 0 0,-1-1 1 0 0,1 1 0 0 0,-1 0 0 0 0,1 0 0 0 0,0 0 0 0 0,0 0 0 0 0,0 0 0 0 0,0 1 0 0 0,0-1 0 0 0,0 1 0 0 0,0-1 0 0 0,1 1 0 0 0,-2 2-212 0 0,-3 8 424 0 0,0 1 0 0 0,1 0 0 0 0,1 0 0 0 0,0 0 1 0 0,0 4-425 0 0,2-11 229 0 0,-6 32 754 0 0,2 1 0 0 0,1 0 0 0 0,2 0 0 0 0,2 15-983 0 0,10 162 2710 0 0,-6-185-2332 0 0,12 171 2007 0 0,11 7-2385 0 0,-24-194 51 0 0,2 1 0 0 0,0-1 0 0 0,3 7-51 0 0,-6-20 4 0 0,0 0 1 0 0,0 1 0 0 0,0-1 0 0 0,0 0-1 0 0,1-1 1 0 0,-1 1 0 0 0,1 0 0 0 0,0 0-1 0 0,0-1 1 0 0,0 1 0 0 0,0-1 0 0 0,1 1-1 0 0,-1-1 1 0 0,0 0 0 0 0,1 0 0 0 0,0 0-1 0 0,-1 0 1 0 0,1-1 0 0 0,0 1 0 0 0,2 0-5 0 0,-2-2 2 0 0,-1 0 1 0 0,0 0-1 0 0,0 0 0 0 0,0 0 1 0 0,0 0-1 0 0,0 0 1 0 0,0-1-1 0 0,0 1 0 0 0,0-1 1 0 0,0 0-1 0 0,0 1 1 0 0,0-1-1 0 0,0 0 0 0 0,0 0 1 0 0,0-1-1 0 0,-1 1 1 0 0,1 0-1 0 0,0 0 0 0 0,-1-1 1 0 0,1 1-1 0 0,-1-1 1 0 0,1 1-1 0 0,-1-1 0 0 0,0 0-2 0 0,7-8-13 0 0,-1 0 0 0 0,-1 0 0 0 0,5-8 13 0 0,-10 16-13 0 0,40-83-813 0 0,2-6-1398 0 0,-36 79 1249 0 0,0 1 0 0 0,1 0 0 0 0,0 0 1 0 0,1 1-1 0 0,0 0 0 0 0,3-3 975 0 0,27-22-5059 0 0,-22 17 1775 0 0</inkml:trace>
+  <inkml:trace contextRef="#ctx0" brushRef="#br0" timeOffset="1">744 953 11554 0 0,'-33'26'4341'0'0,"15"-9"-2722"0"0,0 1 0 0 0,-10 16-1619 0 0,20-25 889 0 0,7-7-791 0 0,-1-1 0 0 0,1 0 0 0 0,-1 1 0 0 0,1-1 0 0 0,-1 0 0 0 0,1 0 1 0 0,-1 0-1 0 0,0 0 0 0 0,0-1 0 0 0,1 1 0 0 0,-1 0 0 0 0,0-1 0 0 0,0 1 0 0 0,-2 0-98 0 0,4-1-79 0 0,-1 0 0 0 0,0 0-1 0 0,1 0 1 0 0,-1 0-1 0 0,1 0 1 0 0,-1 0 0 0 0,1 0-1 0 0,-1-1 1 0 0,0 1-1 0 0,1 0 1 0 0,-1 0 0 0 0,1 0-1 0 0,-1 0 1 0 0,1-1-1 0 0,-1 1 1 0 0,1 0-1 0 0,-1-1 1 0 0,1 1 0 0 0,-1-1 79 0 0,0 1-353 0 0,1-1 0 0 0,0 1 1 0 0,-1-1-1 0 0,1 0 0 0 0,0 1 0 0 0,0-1 1 0 0,-1 0-1 0 0,1 1 0 0 0,0-1 1 0 0,0 0-1 0 0,0 1 0 0 0,0-1 1 0 0,0 0-1 0 0,0 1 0 0 0,0-1 0 0 0,0 0 1 0 0,0 1-1 0 0,0-1 0 0 0,0 0 1 0 0,0 0-1 0 0,1 1 353 0 0,-1 0-81 0 0,0 0 0 0 0,0-1 1 0 0,0 1-1 0 0,0 0 0 0 0,0 0 0 0 0,0 0 0 0 0,0 0 1 0 0,0 0-1 0 0,0 0 0 0 0,0 0 0 0 0,0 0 1 0 0,0-1-1 0 0,0 1 0 0 0,0 0 0 0 0,0 0 0 0 0,0 0 1 0 0,0 0-1 0 0,0 0 0 0 0,0 0 0 0 0,0 0 0 0 0,1 0 1 0 0,-1 0-1 0 0,0 0 0 0 0,0-1 0 0 0,0 1 0 0 0,0 0 1 0 0,0 0-1 0 0,0 0 0 0 0,0 0 0 0 0,0 0 0 0 0,1 0 1 0 0,-1 0-1 0 0,0 0 0 0 0,0 0 0 0 0,0 0 1 0 0,0 0-1 0 0,0 0 0 0 0,0 0 0 0 0,0 0 0 0 0,1 0 1 0 0,-1 0-1 0 0,0 0 0 0 0,0 0 0 0 0,0 0 0 0 0,0 0 1 0 0,0 0-1 0 0,0 0 0 0 0,0 0 0 0 0,0 1 0 0 0,1-1 81 0 0,13 10-6488 0 0</inkml:trace>
+</inkml:ink>
+</file>
+
+<file path=ppt/ink/ink126.xml><?xml version="1.0" encoding="utf-8"?>
+<inkml:ink xmlns:inkml="http://www.w3.org/2003/InkML">
+  <inkml:definitions>
+    <inkml:context xml:id="ctx0">
+      <inkml:inkSource xml:id="inkSrc0">
+        <inkml:traceFormat>
+          <inkml:channel name="X" type="integer" min="-2.14748E9" max="2.14748E9" units="cm"/>
+          <inkml:channel name="Y" type="integer" min="-2.14748E9" max="2.14748E9" units="cm"/>
+          <inkml:channel name="F" type="integer" max="32767" units="dev"/>
+          <inkml:channel name="OA" type="integer" max="360" units="deg"/>
+          <inkml:channel name="OE" type="integer" max="90" units="deg"/>
+        </inkml:traceFormat>
+        <inkml:channelProperties>
+          <inkml:channelProperty channel="X" name="resolution" value="1000" units="1/cm"/>
+          <inkml:channelProperty channel="Y" name="resolution" value="1000" units="1/cm"/>
+          <inkml:channelProperty channel="F" name="resolution" value="0" units="1/dev"/>
+          <inkml:channelProperty channel="OA" name="resolution" value="1000" units="1/deg"/>
+          <inkml:channelProperty channel="OE" name="resolution" value="1000" units="1/deg"/>
+        </inkml:channelProperties>
+      </inkml:inkSource>
+      <inkml:timestamp xml:id="ts0" timeString="2020-05-24T04:15:06.786"/>
+    </inkml:context>
+    <inkml:brush xml:id="br0">
+      <inkml:brushProperty name="width" value="0.05" units="cm"/>
+      <inkml:brushProperty name="height" value="0.05" units="cm"/>
+    </inkml:brush>
+  </inkml:definitions>
+  <inkml:trace contextRef="#ctx0" brushRef="#br0">1 1645 6169 0 0,'47'-14'2234'0'0,"43"-6"-2234"0"0,-4 1 338 0 0,598-167 680 0 0,-29 7-1034 0 0,714-174 1622 0 0,-301 37 419 0 0,-14-41-360 0 0,-772 264-1337 0 0,27-9-10 0 0,-297 97-1650 0 0,-24 6-3554 0 0,3 0 2343 0 0,1 1-3501 0 0</inkml:trace>
+</inkml:ink>
+</file>
+
+<file path=ppt/ink/ink127.xml><?xml version="1.0" encoding="utf-8"?>
+<inkml:ink xmlns:inkml="http://www.w3.org/2003/InkML">
+  <inkml:definitions>
+    <inkml:context xml:id="ctx0">
+      <inkml:inkSource xml:id="inkSrc0">
+        <inkml:traceFormat>
+          <inkml:channel name="X" type="integer" min="-2.14748E9" max="2.14748E9" units="cm"/>
+          <inkml:channel name="Y" type="integer" min="-2.14748E9" max="2.14748E9" units="cm"/>
+          <inkml:channel name="F" type="integer" max="32767" units="dev"/>
+          <inkml:channel name="OA" type="integer" max="360" units="deg"/>
+          <inkml:channel name="OE" type="integer" max="90" units="deg"/>
+        </inkml:traceFormat>
+        <inkml:channelProperties>
+          <inkml:channelProperty channel="X" name="resolution" value="1000" units="1/cm"/>
+          <inkml:channelProperty channel="Y" name="resolution" value="1000" units="1/cm"/>
+          <inkml:channelProperty channel="F" name="resolution" value="0" units="1/dev"/>
+          <inkml:channelProperty channel="OA" name="resolution" value="1000" units="1/deg"/>
+          <inkml:channelProperty channel="OE" name="resolution" value="1000" units="1/deg"/>
+        </inkml:channelProperties>
+      </inkml:inkSource>
+      <inkml:timestamp xml:id="ts0" timeString="2020-05-24T04:15:07.117"/>
+    </inkml:context>
+    <inkml:brush xml:id="br0">
+      <inkml:brushProperty name="width" value="0.05" units="cm"/>
+      <inkml:brushProperty name="height" value="0.05" units="cm"/>
+    </inkml:brush>
+  </inkml:definitions>
+  <inkml:trace contextRef="#ctx0" brushRef="#br0">265 1 7122 0 0,'-19'14'751'0'0,"1"1"1"0"0,1 1-1 0 0,0 1 1 0 0,1 0-1 0 0,1 1 1 0 0,-12 19-752 0 0,-14 24 888 0 0,-15 37-888 0 0,49-85 62 0 0,0 0 0 0 0,1 1 0 0 0,0-1 0 0 0,-2 12-62 0 0,7-21-93 0 0,0-1 0 0 0,0 1 0 0 0,0 0-1 0 0,1 0 1 0 0,-1 0 0 0 0,1-1 0 0 0,0 1 0 0 0,0 0 0 0 0,1 0 0 0 0,-1 0 0 0 0,1 0 0 0 0,0-1 0 0 0,0 1 0 0 0,0 0-1 0 0,0-1 1 0 0,1 1 0 0 0,-1-1 0 0 0,1 1 0 0 0,0-1 0 0 0,1 2 93 0 0,-2-4-233 0 0,0 1 1 0 0,0-1-1 0 0,0 0 0 0 0,1 0 1 0 0,-1 0-1 0 0,0 0 0 0 0,0 0 1 0 0,1 0-1 0 0,-1 0 1 0 0,1-1-1 0 0,-1 1 0 0 0,1-1 1 0 0,-1 1-1 0 0,1-1 0 0 0,0 1 233 0 0,3 1-967 0 0,24 11-3833 0 0</inkml:trace>
+  <inkml:trace contextRef="#ctx0" brushRef="#br0" timeOffset="1">452 23 6233 0 0,'-13'10'1601'0'0,"-4"12"-41"0"0,-4 8-288 0 0,-3 7-175 0 0,-2 6-329 0 0,3-5-560 0 0,-1 3-56 0 0,0 2-64 0 0,-1 2-288 0 0,1 4-905 0 0,-4-6-1471 0 0,7 5-4394 0 0</inkml:trace>
+</inkml:ink>
+</file>
+
+<file path=ppt/ink/ink128.xml><?xml version="1.0" encoding="utf-8"?>
+<inkml:ink xmlns:inkml="http://www.w3.org/2003/InkML">
+  <inkml:definitions>
+    <inkml:context xml:id="ctx0">
+      <inkml:inkSource xml:id="inkSrc0">
+        <inkml:traceFormat>
+          <inkml:channel name="X" type="integer" min="-2.14748E9" max="2.14748E9" units="cm"/>
+          <inkml:channel name="Y" type="integer" min="-2.14748E9" max="2.14748E9" units="cm"/>
+          <inkml:channel name="F" type="integer" max="32767" units="dev"/>
+          <inkml:channel name="OA" type="integer" max="360" units="deg"/>
+          <inkml:channel name="OE" type="integer" max="90" units="deg"/>
+        </inkml:traceFormat>
+        <inkml:channelProperties>
+          <inkml:channelProperty channel="X" name="resolution" value="1000" units="1/cm"/>
+          <inkml:channelProperty channel="Y" name="resolution" value="1000" units="1/cm"/>
+          <inkml:channelProperty channel="F" name="resolution" value="0" units="1/dev"/>
+          <inkml:channelProperty channel="OA" name="resolution" value="1000" units="1/deg"/>
+          <inkml:channelProperty channel="OE" name="resolution" value="1000" units="1/deg"/>
+        </inkml:channelProperties>
+      </inkml:inkSource>
+      <inkml:timestamp xml:id="ts0" timeString="2020-05-24T04:15:11.529"/>
+    </inkml:context>
+    <inkml:brush xml:id="br0">
+      <inkml:brushProperty name="width" value="0.05" units="cm"/>
+      <inkml:brushProperty name="height" value="0.05" units="cm"/>
+    </inkml:brush>
+  </inkml:definitions>
+  <inkml:trace contextRef="#ctx0" brushRef="#br0">83 245 9314 0 0,'-13'1'887'0'0,"1"2"0"0"0,-1 0 0 0 0,1 0 0 0 0,0 1 1 0 0,-9 4-888 0 0,243-113 1879 0 0,57-31-3264 0 0,-208 113-3722 0 0,-66 20 1678 0 0,-1 12-2271 0 0</inkml:trace>
+</inkml:ink>
+</file>
+
+<file path=ppt/ink/ink129.xml><?xml version="1.0" encoding="utf-8"?>
+<inkml:ink xmlns:inkml="http://www.w3.org/2003/InkML">
+  <inkml:definitions>
+    <inkml:context xml:id="ctx0">
+      <inkml:inkSource xml:id="inkSrc0">
+        <inkml:traceFormat>
+          <inkml:channel name="X" type="integer" min="-2.14748E9" max="2.14748E9" units="cm"/>
+          <inkml:channel name="Y" type="integer" min="-2.14748E9" max="2.14748E9" units="cm"/>
+          <inkml:channel name="F" type="integer" max="32767" units="dev"/>
+          <inkml:channel name="OA" type="integer" max="360" units="deg"/>
+          <inkml:channel name="OE" type="integer" max="90" units="deg"/>
+        </inkml:traceFormat>
+        <inkml:channelProperties>
+          <inkml:channelProperty channel="X" name="resolution" value="1000" units="1/cm"/>
+          <inkml:channelProperty channel="Y" name="resolution" value="1000" units="1/cm"/>
+          <inkml:channelProperty channel="F" name="resolution" value="0" units="1/dev"/>
+          <inkml:channelProperty channel="OA" name="resolution" value="1000" units="1/deg"/>
+          <inkml:channelProperty channel="OE" name="resolution" value="1000" units="1/deg"/>
+        </inkml:channelProperties>
+      </inkml:inkSource>
+      <inkml:timestamp xml:id="ts0" timeString="2020-05-24T04:15:11.862"/>
+    </inkml:context>
+    <inkml:brush xml:id="br0">
+      <inkml:brushProperty name="width" value="0.05" units="cm"/>
+      <inkml:brushProperty name="height" value="0.05" units="cm"/>
+    </inkml:brush>
+  </inkml:definitions>
+  <inkml:trace contextRef="#ctx0" brushRef="#br0">42 279 7162 0 0,'-42'19'6830'0'0,"110"-58"-4899"0"0,113-49-1304 0 0,-31 17-1503 0 0,-53 20-2137 0 0,-33 16-2322 0 0,-38 22-463 0 0</inkml:trace>
+</inkml:ink>
+</file>
+
+<file path=ppt/ink/ink13.xml><?xml version="1.0" encoding="utf-8"?>
+<inkml:ink xmlns:inkml="http://www.w3.org/2003/InkML">
+  <inkml:definitions>
+    <inkml:context xml:id="ctx0">
+      <inkml:inkSource xml:id="inkSrc0">
+        <inkml:traceFormat>
+          <inkml:channel name="X" type="integer" min="-2.14748E9" max="2.14748E9" units="cm"/>
+          <inkml:channel name="Y" type="integer" min="-2.14748E9" max="2.14748E9" units="cm"/>
+          <inkml:channel name="F" type="integer" max="32767" units="dev"/>
+          <inkml:channel name="OA" type="integer" max="360" units="deg"/>
+          <inkml:channel name="OE" type="integer" max="90" units="deg"/>
+        </inkml:traceFormat>
+        <inkml:channelProperties>
+          <inkml:channelProperty channel="X" name="resolution" value="1000" units="1/cm"/>
+          <inkml:channelProperty channel="Y" name="resolution" value="1000" units="1/cm"/>
+          <inkml:channelProperty channel="F" name="resolution" value="0" units="1/dev"/>
+          <inkml:channelProperty channel="OA" name="resolution" value="1000" units="1/deg"/>
+          <inkml:channelProperty channel="OE" name="resolution" value="1000" units="1/deg"/>
+        </inkml:channelProperties>
+      </inkml:inkSource>
+      <inkml:timestamp xml:id="ts0" timeString="2020-05-26T11:08:34.920"/>
+    </inkml:context>
+    <inkml:brush xml:id="br0">
+      <inkml:brushProperty name="width" value="0.05" units="cm"/>
+      <inkml:brushProperty name="height" value="0.05" units="cm"/>
+      <inkml:brushProperty name="color" value="#E71224"/>
+    </inkml:brush>
+  </inkml:definitions>
+  <inkml:trace contextRef="#ctx0" brushRef="#br0">0 0 11907 0 0,'3'2'400'0'0,"0"3"-408"0"0,1 1 8 0 0,0 3 0 0 0,-1 1-424 0 0,-1 3-825 0 0,-3 0-815 0 0,1 3-4586 0 0</inkml:trace>
+</inkml:ink>
+</file>
+
+<file path=ppt/ink/ink130.xml><?xml version="1.0" encoding="utf-8"?>
+<inkml:ink xmlns:inkml="http://www.w3.org/2003/InkML">
+  <inkml:definitions>
+    <inkml:context xml:id="ctx0">
+      <inkml:inkSource xml:id="inkSrc0">
+        <inkml:traceFormat>
+          <inkml:channel name="X" type="integer" min="-2.14748E9" max="2.14748E9" units="cm"/>
+          <inkml:channel name="Y" type="integer" min="-2.14748E9" max="2.14748E9" units="cm"/>
+          <inkml:channel name="F" type="integer" max="32767" units="dev"/>
+          <inkml:channel name="OA" type="integer" max="360" units="deg"/>
+          <inkml:channel name="OE" type="integer" max="90" units="deg"/>
+        </inkml:traceFormat>
+        <inkml:channelProperties>
+          <inkml:channelProperty channel="X" name="resolution" value="1000" units="1/cm"/>
+          <inkml:channelProperty channel="Y" name="resolution" value="1000" units="1/cm"/>
+          <inkml:channelProperty channel="F" name="resolution" value="0" units="1/dev"/>
+          <inkml:channelProperty channel="OA" name="resolution" value="1000" units="1/deg"/>
+          <inkml:channelProperty channel="OE" name="resolution" value="1000" units="1/deg"/>
+        </inkml:channelProperties>
+      </inkml:inkSource>
+      <inkml:timestamp xml:id="ts0" timeString="2020-05-24T04:15:22.085"/>
+    </inkml:context>
+    <inkml:brush xml:id="br0">
+      <inkml:brushProperty name="width" value="0.05" units="cm"/>
+      <inkml:brushProperty name="height" value="0.05" units="cm"/>
+    </inkml:brush>
+  </inkml:definitions>
+  <inkml:trace contextRef="#ctx0" brushRef="#br0">700 50 5345 0 0,'-13'8'2109'0'0,"3"-2"669"0"0,15-20-1146 0 0,-4 12-1400 0 0,0 0 1 0 0,0 1-1 0 0,0-1 0 0 0,0 0 1 0 0,-1 0-1 0 0,1 0 0 0 0,0 0 1 0 0,-1 0-1 0 0,0 0 0 0 0,1 0 1 0 0,-1 0-1 0 0,0-1-232 0 0,-1 2 92 0 0,1 0-1 0 0,-1 0 1 0 0,0 0 0 0 0,1 0 0 0 0,-1 0-1 0 0,0 1 1 0 0,0-1 0 0 0,0 0-1 0 0,0 1 1 0 0,0-1 0 0 0,0 1 0 0 0,0-1-1 0 0,0 1 1 0 0,0-1 0 0 0,0 1-1 0 0,0 0 1 0 0,0-1 0 0 0,0 1 0 0 0,0 0-1 0 0,0 0 1 0 0,0 0 0 0 0,0 0 0 0 0,-1 0-1 0 0,1 0 1 0 0,0 0-92 0 0,-36-5 269 0 0,23 3-255 0 0,-1 0 1 0 0,0 0-1 0 0,0 2 0 0 0,0 0 0 0 0,0 0 0 0 0,0 2 0 0 0,-2 0-14 0 0,-10 4-49 0 0,1 2 0 0 0,0 1 0 0 0,0 1 0 0 0,1 1 0 0 0,-22 14 49 0 0,-31 21-137 0 0,-7 11 137 0 0,82-55-6 0 0,-58 41 281 0 0,-28 28-275 0 0,88-70-2 0 0,-1 1 1 0 0,1-1-1 0 0,0 0 1 0 0,0 1-1 0 0,0 0 1 0 0,0-1-1 0 0,0 1 1 0 0,0-1-1 0 0,1 1 1 0 0,-1 0-1 0 0,1 0 1 0 0,-1-1-1 0 0,1 1 1 0 0,-1 0-1 0 0,1 0 1 0 0,0 0-1 0 0,0-1 1 0 0,0 1-1 0 0,0 0 1 0 0,0 0-1 0 0,0 0 1 0 0,1 1 1 0 0,1 6 24 0 0,0 1 0 0 0,1-1 0 0 0,0 0 0 0 0,1 1-24 0 0,3 8 42 0 0,73 237 125 0 0,-78-250-290 0 0,0 0 0 0 0,0 0 0 0 0,0 0-1 0 0,1-1 1 0 0,-1 1 0 0 0,1-1 0 0 0,0 0 0 0 0,1 1 123 0 0,-3-4-207 0 0,0 0 0 0 0,-1 0 0 0 0,1 0 0 0 0,0 0 0 0 0,0-1 0 0 0,0 1 0 0 0,0 0 0 0 0,0-1 1 0 0,1 1-1 0 0,-1-1 0 0 0,0 1 0 0 0,0-1 0 0 0,0 1 0 0 0,0-1 0 0 0,0 0 0 0 0,1 0 0 0 0,-1 0 0 0 0,0 1 0 0 0,0-1 0 0 0,1 0 0 0 0,-1 0 0 0 0,0-1 0 0 0,0 1 0 0 0,0 0 0 0 0,1 0 0 0 0,-1-1 0 0 0,0 1 0 0 0,0 0 0 0 0,0-1 0 0 0,0 1 0 0 0,1-1 0 0 0,-1 0 0 0 0,0 1 0 0 0,0-1 0 0 0,0 0 207 0 0,27-21-5006 0 0,-12 7 777 0 0</inkml:trace>
+</inkml:ink>
+</file>
+
+<file path=ppt/ink/ink131.xml><?xml version="1.0" encoding="utf-8"?>
+<inkml:ink xmlns:inkml="http://www.w3.org/2003/InkML">
+  <inkml:definitions>
+    <inkml:context xml:id="ctx0">
+      <inkml:inkSource xml:id="inkSrc0">
+        <inkml:traceFormat>
+          <inkml:channel name="X" type="integer" min="-2.14748E9" max="2.14748E9" units="cm"/>
+          <inkml:channel name="Y" type="integer" min="-2.14748E9" max="2.14748E9" units="cm"/>
+          <inkml:channel name="F" type="integer" max="32767" units="dev"/>
+          <inkml:channel name="OA" type="integer" max="360" units="deg"/>
+          <inkml:channel name="OE" type="integer" max="90" units="deg"/>
+        </inkml:traceFormat>
+        <inkml:channelProperties>
+          <inkml:channelProperty channel="X" name="resolution" value="1000" units="1/cm"/>
+          <inkml:channelProperty channel="Y" name="resolution" value="1000" units="1/cm"/>
+          <inkml:channelProperty channel="F" name="resolution" value="0" units="1/dev"/>
+          <inkml:channelProperty channel="OA" name="resolution" value="1000" units="1/deg"/>
+          <inkml:channelProperty channel="OE" name="resolution" value="1000" units="1/deg"/>
+        </inkml:channelProperties>
+      </inkml:inkSource>
+      <inkml:timestamp xml:id="ts0" timeString="2020-05-24T04:15:22.421"/>
+    </inkml:context>
+    <inkml:brush xml:id="br0">
+      <inkml:brushProperty name="width" value="0.05" units="cm"/>
+      <inkml:brushProperty name="height" value="0.05" units="cm"/>
+    </inkml:brush>
+  </inkml:definitions>
+  <inkml:trace contextRef="#ctx0" brushRef="#br0">0 0 80 0 0,'0'15'528'0'0,"4"4"-240"0"0,1 3-240 0 0,5-1 8 0 0,1 0 40 0 0,0-5 40 0 0,2 3 56 0 0,0 0 32 0 0,2 0 40 0 0,0-3 32 0 0,0 3-63 0 0,0-2-49 0 0,-2 2-24 0 0,2-1-120 0 0,0 1-288 0 0,4 4-2321 0 0</inkml:trace>
+</inkml:ink>
+</file>
+
+<file path=ppt/ink/ink132.xml><?xml version="1.0" encoding="utf-8"?>
+<inkml:ink xmlns:inkml="http://www.w3.org/2003/InkML">
+  <inkml:definitions>
+    <inkml:context xml:id="ctx0">
+      <inkml:inkSource xml:id="inkSrc0">
+        <inkml:traceFormat>
+          <inkml:channel name="X" type="integer" min="-2.14748E9" max="2.14748E9" units="cm"/>
+          <inkml:channel name="Y" type="integer" min="-2.14748E9" max="2.14748E9" units="cm"/>
+          <inkml:channel name="F" type="integer" max="32767" units="dev"/>
+          <inkml:channel name="OA" type="integer" max="360" units="deg"/>
+          <inkml:channel name="OE" type="integer" max="90" units="deg"/>
+        </inkml:traceFormat>
+        <inkml:channelProperties>
+          <inkml:channelProperty channel="X" name="resolution" value="1000" units="1/cm"/>
+          <inkml:channelProperty channel="Y" name="resolution" value="1000" units="1/cm"/>
+          <inkml:channelProperty channel="F" name="resolution" value="0" units="1/dev"/>
+          <inkml:channelProperty channel="OA" name="resolution" value="1000" units="1/deg"/>
+          <inkml:channelProperty channel="OE" name="resolution" value="1000" units="1/deg"/>
+        </inkml:channelProperties>
+      </inkml:inkSource>
+      <inkml:timestamp xml:id="ts0" timeString="2020-05-24T04:15:22.984"/>
+    </inkml:context>
+    <inkml:brush xml:id="br0">
+      <inkml:brushProperty name="width" value="0.05" units="cm"/>
+      <inkml:brushProperty name="height" value="0.05" units="cm"/>
+    </inkml:brush>
+  </inkml:definitions>
+  <inkml:trace contextRef="#ctx0" brushRef="#br0">113 185 2208 0 0,'-8'-8'484'0'0,"0"-2"0"0"0,0 1 0 0 0,1-1 0 0 0,1 0 0 0 0,0 0 0 0 0,0-1 0 0 0,1 0 0 0 0,-3-9-484 0 0,5 11 727 0 0,-1 0 1 0 0,0 0-1 0 0,0 0 1 0 0,-1 0-1 0 0,0 1 0 0 0,0 0 1 0 0,-1 0-1 0 0,0 0 1 0 0,-3-1-728 0 0,34 74 1728 0 0,5 8-867 0 0,4 0-1 0 0,2-2 1 0 0,8 5-861 0 0,14 25 485 0 0,-11-19 109 0 0,28 34-594 0 0,161 235 1611 0 0,-207-311-763 0 0,-5-52-165 0 0,-15 8-619 0 0,14-6-38 0 0,-2 0-5 0 0,0 1 0 0 0,1 2 0 0 0,0 0 0 0 0,0 1 0 0 0,18-2-21 0 0,-13 4 73 0 0,1 0 0 0 0,7-4-73 0 0,-20 4 26 0 0,-1 0-1 0 0,0-1 1 0 0,3-2-26 0 0,-12 5-700 0 0,1-1 0 0 0,-1 0 1 0 0,0-1-1 0 0,0 1 0 0 0,4-4 700 0 0,-8 6-397 0 0,-1 0-1 0 0,1 0 0 0 0,0 0 1 0 0,0 0-1 0 0,-1 0 1 0 0,1 1-1 0 0,-1-1 1 0 0,1-1-1 0 0,-1 1 0 0 0,1 0 1 0 0,-1 0-1 0 0,0 0 1 0 0,0 0-1 0 0,1 0 0 0 0,-1-1 398 0 0,1-2-1986 0 0,2-1-5684 0 0</inkml:trace>
+</inkml:ink>
+</file>
+
+<file path=ppt/ink/ink133.xml><?xml version="1.0" encoding="utf-8"?>
+<inkml:ink xmlns:inkml="http://www.w3.org/2003/InkML">
+  <inkml:definitions>
+    <inkml:context xml:id="ctx0">
+      <inkml:inkSource xml:id="inkSrc0">
+        <inkml:traceFormat>
+          <inkml:channel name="X" type="integer" min="-2.14748E9" max="2.14748E9" units="cm"/>
+          <inkml:channel name="Y" type="integer" min="-2.14748E9" max="2.14748E9" units="cm"/>
+          <inkml:channel name="F" type="integer" max="32767" units="dev"/>
+          <inkml:channel name="OA" type="integer" max="360" units="deg"/>
+          <inkml:channel name="OE" type="integer" max="90" units="deg"/>
+        </inkml:traceFormat>
+        <inkml:channelProperties>
+          <inkml:channelProperty channel="X" name="resolution" value="1000" units="1/cm"/>
+          <inkml:channelProperty channel="Y" name="resolution" value="1000" units="1/cm"/>
+          <inkml:channelProperty channel="F" name="resolution" value="0" units="1/dev"/>
+          <inkml:channelProperty channel="OA" name="resolution" value="1000" units="1/deg"/>
+          <inkml:channelProperty channel="OE" name="resolution" value="1000" units="1/deg"/>
+        </inkml:channelProperties>
+      </inkml:inkSource>
+      <inkml:timestamp xml:id="ts0" timeString="2020-05-24T04:15:25.586"/>
+    </inkml:context>
+    <inkml:brush xml:id="br0">
+      <inkml:brushProperty name="width" value="0.05" units="cm"/>
+      <inkml:brushProperty name="height" value="0.05" units="cm"/>
+    </inkml:brush>
+  </inkml:definitions>
+  <inkml:trace contextRef="#ctx0" brushRef="#br0">66 304 6081 0 0,'-66'12'4116'0'0,"72"-15"-3755"0"0,-1 0 0 0 0,0 0 1 0 0,0-1-1 0 0,0 0 0 0 0,1-1-361 0 0,7-6 392 0 0,58-40 671 0 0,1 3 1 0 0,32-14-1064 0 0,-40 29 182 0 0,0 3 1 0 0,6 2-183 0 0,18 0-2247 0 0,-68 26-127 0 0,-15 3-2982 0 0,-5 4 454 0 0</inkml:trace>
+</inkml:ink>
+</file>
+
+<file path=ppt/ink/ink134.xml><?xml version="1.0" encoding="utf-8"?>
+<inkml:ink xmlns:inkml="http://www.w3.org/2003/InkML">
+  <inkml:definitions>
+    <inkml:context xml:id="ctx0">
+      <inkml:inkSource xml:id="inkSrc0">
+        <inkml:traceFormat>
+          <inkml:channel name="X" type="integer" min="-2.14748E9" max="2.14748E9" units="cm"/>
+          <inkml:channel name="Y" type="integer" min="-2.14748E9" max="2.14748E9" units="cm"/>
+          <inkml:channel name="F" type="integer" max="32767" units="dev"/>
+          <inkml:channel name="OA" type="integer" max="360" units="deg"/>
+          <inkml:channel name="OE" type="integer" max="90" units="deg"/>
+        </inkml:traceFormat>
+        <inkml:channelProperties>
+          <inkml:channelProperty channel="X" name="resolution" value="1000" units="1/cm"/>
+          <inkml:channelProperty channel="Y" name="resolution" value="1000" units="1/cm"/>
+          <inkml:channelProperty channel="F" name="resolution" value="0" units="1/dev"/>
+          <inkml:channelProperty channel="OA" name="resolution" value="1000" units="1/deg"/>
+          <inkml:channelProperty channel="OE" name="resolution" value="1000" units="1/deg"/>
+        </inkml:channelProperties>
+      </inkml:inkSource>
+      <inkml:timestamp xml:id="ts0" timeString="2020-05-24T04:15:25.915"/>
+    </inkml:context>
+    <inkml:brush xml:id="br0">
+      <inkml:brushProperty name="width" value="0.05" units="cm"/>
+      <inkml:brushProperty name="height" value="0.05" units="cm"/>
+    </inkml:brush>
+  </inkml:definitions>
+  <inkml:trace contextRef="#ctx0" brushRef="#br0">6 53 7146 0 0,'-1'-3'336'0'0,"0"1"0"0"0,0 0 1 0 0,0-1-1 0 0,1 1 0 0 0,-1 0 1 0 0,1-1-1 0 0,0 1 1 0 0,0-1-1 0 0,0 1 0 0 0,0-1 1 0 0,0 1-1 0 0,0-1 0 0 0,1 1 1 0 0,-1-1-1 0 0,1 1-336 0 0,-1 1 41 0 0,1 0 1 0 0,0 0-1 0 0,-1 0 0 0 0,1 0 0 0 0,0 0 1 0 0,-1 1-1 0 0,1-1 0 0 0,0 0 0 0 0,0 1 1 0 0,0-1-1 0 0,0 0 0 0 0,0 1 0 0 0,0-1 1 0 0,0 1-1 0 0,0-1 0 0 0,0 1 0 0 0,0 0 1 0 0,0 0-1 0 0,0-1 0 0 0,0 1 0 0 0,0 0 1 0 0,0 0-1 0 0,0 0 0 0 0,0 0 0 0 0,0 0 1 0 0,0 0-1 0 0,0 0 0 0 0,1 0 0 0 0,-1 1 1 0 0,0-1-1 0 0,0 0 0 0 0,0 1 0 0 0,0-1 1 0 0,0 0-1 0 0,1 1-41 0 0,1 1 65 0 0,1 0 1 0 0,-1-1-1 0 0,1 1 1 0 0,-1 1-1 0 0,0-1 0 0 0,0 0 1 0 0,0 1-1 0 0,0 0 1 0 0,0-1-1 0 0,-1 1 1 0 0,1 0-1 0 0,-1 0 0 0 0,0 1 1 0 0,0-1-1 0 0,0 0 1 0 0,0 1-1 0 0,1 3-65 0 0,4 9 156 0 0,0 2 1 0 0,-2-1-1 0 0,1 5-156 0 0,-3-12 46 0 0,15 68 389 0 0,3 43-435 0 0,7 36-108 0 0,-20-124-540 0 0,1-1 0 0 0,2 0 1 0 0,11 21 647 0 0,-18-44-539 0 0,0 0 0 0 0,1-1 0 0 0,0 0 0 0 0,1 0 0 0 0,0-1 0 0 0,3 3 539 0 0,27 22-5608 0 0,-20-21 812 0 0</inkml:trace>
+</inkml:ink>
+</file>
+
+<file path=ppt/ink/ink135.xml><?xml version="1.0" encoding="utf-8"?>
+<inkml:ink xmlns:inkml="http://www.w3.org/2003/InkML">
+  <inkml:definitions>
+    <inkml:context xml:id="ctx0">
+      <inkml:inkSource xml:id="inkSrc0">
+        <inkml:traceFormat>
+          <inkml:channel name="X" type="integer" min="-2.14748E9" max="2.14748E9" units="cm"/>
+          <inkml:channel name="Y" type="integer" min="-2.14748E9" max="2.14748E9" units="cm"/>
+          <inkml:channel name="F" type="integer" max="32767" units="dev"/>
+          <inkml:channel name="OA" type="integer" max="360" units="deg"/>
+          <inkml:channel name="OE" type="integer" max="90" units="deg"/>
+        </inkml:traceFormat>
+        <inkml:channelProperties>
+          <inkml:channelProperty channel="X" name="resolution" value="1000" units="1/cm"/>
+          <inkml:channelProperty channel="Y" name="resolution" value="1000" units="1/cm"/>
+          <inkml:channelProperty channel="F" name="resolution" value="0" units="1/dev"/>
+          <inkml:channelProperty channel="OA" name="resolution" value="1000" units="1/deg"/>
+          <inkml:channelProperty channel="OE" name="resolution" value="1000" units="1/deg"/>
+        </inkml:channelProperties>
+      </inkml:inkSource>
+      <inkml:timestamp xml:id="ts0" timeString="2020-05-24T04:15:26.232"/>
+    </inkml:context>
+    <inkml:brush xml:id="br0">
+      <inkml:brushProperty name="width" value="0.05" units="cm"/>
+      <inkml:brushProperty name="height" value="0.05" units="cm"/>
+    </inkml:brush>
+  </inkml:definitions>
+  <inkml:trace contextRef="#ctx0" brushRef="#br0">1 1 6281 0 0,'2'0'3111'0'0,"7"6"-1631"0"0,-6-1-1217 0 0,0 0 0 0 0,-1 0 1 0 0,0 1-1 0 0,0-1 1 0 0,-1 1-1 0 0,0-1 0 0 0,0 1 1 0 0,0 0-1 0 0,0 1-263 0 0,-1 57-102 0 0,1-9-993 0 0,2-17-4954 0 0,8 27 6049 0 0,-5-39-3531 0 0</inkml:trace>
+</inkml:ink>
+</file>
+
+<file path=ppt/ink/ink136.xml><?xml version="1.0" encoding="utf-8"?>
+<inkml:ink xmlns:inkml="http://www.w3.org/2003/InkML">
+  <inkml:definitions>
+    <inkml:context xml:id="ctx0">
+      <inkml:inkSource xml:id="inkSrc0">
+        <inkml:traceFormat>
+          <inkml:channel name="X" type="integer" min="-2.14748E9" max="2.14748E9" units="cm"/>
+          <inkml:channel name="Y" type="integer" min="-2.14748E9" max="2.14748E9" units="cm"/>
+          <inkml:channel name="F" type="integer" max="32767" units="dev"/>
+          <inkml:channel name="OA" type="integer" max="360" units="deg"/>
+          <inkml:channel name="OE" type="integer" max="90" units="deg"/>
+        </inkml:traceFormat>
+        <inkml:channelProperties>
+          <inkml:channelProperty channel="X" name="resolution" value="1000" units="1/cm"/>
+          <inkml:channelProperty channel="Y" name="resolution" value="1000" units="1/cm"/>
+          <inkml:channelProperty channel="F" name="resolution" value="0" units="1/dev"/>
+          <inkml:channelProperty channel="OA" name="resolution" value="1000" units="1/deg"/>
+          <inkml:channelProperty channel="OE" name="resolution" value="1000" units="1/deg"/>
+        </inkml:channelProperties>
+      </inkml:inkSource>
+      <inkml:timestamp xml:id="ts0" timeString="2020-05-24T04:15:28.075"/>
+    </inkml:context>
+    <inkml:brush xml:id="br0">
+      <inkml:brushProperty name="width" value="0.05" units="cm"/>
+      <inkml:brushProperty name="height" value="0.05" units="cm"/>
+    </inkml:brush>
+  </inkml:definitions>
+  <inkml:trace contextRef="#ctx0" brushRef="#br0">195 17 7234 0 0,'-9'-5'526'0'0,"7"4"-401"0"0,0-1 0 0 0,-1 1 0 0 0,1 0 0 0 0,-1-1 0 0 0,0 1 0 0 0,1 0 0 0 0,-1 1 0 0 0,0-1 0 0 0,1 0-1 0 0,-1 1 1 0 0,0 0 0 0 0,-1-1-125 0 0,3 3-4 0 0,0 0-1 0 0,1 0 0 0 0,-1 0 0 0 0,1 0 1 0 0,-1 0-1 0 0,1 0 0 0 0,0 0 0 0 0,0 0 1 0 0,0 0-1 0 0,0 1 5 0 0,0 3 1 0 0,-8 33 56 0 0,-2 0 0 0 0,-1-1 0 0 0,-2 0 0 0 0,-2 0 0 0 0,-1-1-57 0 0,-12 32 425 0 0,16-41-91 0 0,7-16-13 0 0,-1 0 0 0 0,2 1-1 0 0,-1-1 1 0 0,2 1-1 0 0,0 0 1 0 0,0 0 0 0 0,1 1-1 0 0,1-1 1 0 0,0 2-321 0 0,1-13 30 0 0,0 0 0 0 0,1 0 0 0 0,-1 0-1 0 0,0 1 1 0 0,1-1 0 0 0,0 0 0 0 0,0 0 0 0 0,-1 0 0 0 0,1 0 0 0 0,0 0 0 0 0,1 0 0 0 0,-1 0 0 0 0,0 0 0 0 0,0-1-1 0 0,1 1 1 0 0,-1 0 0 0 0,1-1 0 0 0,0 1 0 0 0,1 0-30 0 0,0 0 35 0 0,1 0-1 0 0,-1 0 1 0 0,1-1 0 0 0,-1 1-1 0 0,1-1 1 0 0,0 0-1 0 0,-1 0 1 0 0,1 0 0 0 0,0-1-1 0 0,0 1 1 0 0,0-1-35 0 0,13 0 108 0 0,-1-1 1 0 0,0 0-1 0 0,0-1 0 0 0,0-1 1 0 0,1-1-109 0 0,23-6 309 0 0,-1-2 1 0 0,0-1-1 0 0,26-14-309 0 0,111-60 722 0 0,-117 57-558 0 0,-15 8-45 0 0,28-18 396 0 0,26-20-515 0 0,-135 50-9991 0 0,23 4 5909 0 0</inkml:trace>
+</inkml:ink>
+</file>
+
+<file path=ppt/ink/ink137.xml><?xml version="1.0" encoding="utf-8"?>
+<inkml:ink xmlns:inkml="http://www.w3.org/2003/InkML">
+  <inkml:definitions>
+    <inkml:context xml:id="ctx0">
+      <inkml:inkSource xml:id="inkSrc0">
+        <inkml:traceFormat>
+          <inkml:channel name="X" type="integer" min="-2.14748E9" max="2.14748E9" units="cm"/>
+          <inkml:channel name="Y" type="integer" min="-2.14748E9" max="2.14748E9" units="cm"/>
+          <inkml:channel name="F" type="integer" max="32767" units="dev"/>
+          <inkml:channel name="OA" type="integer" max="360" units="deg"/>
+          <inkml:channel name="OE" type="integer" max="90" units="deg"/>
+        </inkml:traceFormat>
+        <inkml:channelProperties>
+          <inkml:channelProperty channel="X" name="resolution" value="1000" units="1/cm"/>
+          <inkml:channelProperty channel="Y" name="resolution" value="1000" units="1/cm"/>
+          <inkml:channelProperty channel="F" name="resolution" value="0" units="1/dev"/>
+          <inkml:channelProperty channel="OA" name="resolution" value="1000" units="1/deg"/>
+          <inkml:channelProperty channel="OE" name="resolution" value="1000" units="1/deg"/>
+        </inkml:channelProperties>
+      </inkml:inkSource>
+      <inkml:timestamp xml:id="ts0" timeString="2020-05-24T04:15:28.406"/>
+    </inkml:context>
+    <inkml:brush xml:id="br0">
+      <inkml:brushProperty name="width" value="0.05" units="cm"/>
+      <inkml:brushProperty name="height" value="0.05" units="cm"/>
+    </inkml:brush>
+  </inkml:definitions>
+  <inkml:trace contextRef="#ctx0" brushRef="#br0">48 1 9586 0 0,'-2'0'109'0'0,"-1"1"1"0"0,1 0-1 0 0,-1 0 1 0 0,1 0-1 0 0,0 0 0 0 0,-1 0 1 0 0,1 0-1 0 0,0 0 0 0 0,0 1 1 0 0,0-1-1 0 0,0 1 1 0 0,0 0-1 0 0,0-1 0 0 0,1 1 1 0 0,-1 0-1 0 0,0 0 1 0 0,1 0-1 0 0,0 0 0 0 0,-1 1 1 0 0,1-1-1 0 0,0 0 0 0 0,0 0 1 0 0,0 1-1 0 0,0-1 1 0 0,1 1-1 0 0,-1-1 0 0 0,1 1 1 0 0,-1-1-1 0 0,1 2-109 0 0,0 7 121 0 0,1-1 1 0 0,0 0-1 0 0,1 1 0 0 0,0-1 0 0 0,1 0 0 0 0,2 8-121 0 0,-1-5 91 0 0,22 74 257 0 0,4-1 1 0 0,37 73-349 0 0,-40-105-207 0 0,3-1 1 0 0,1-1-1 0 0,3-2 1 0 0,35 40 206 0 0,-59-77-906 0 0,1-1 0 0 0,0 0 1 0 0,1-1-1 0 0,0 0 0 0 0,1-1 1 0 0,0-1-1 0 0,10 6 906 0 0,6-1-4426 0 0</inkml:trace>
+</inkml:ink>
+</file>
+
+<file path=ppt/ink/ink138.xml><?xml version="1.0" encoding="utf-8"?>
+<inkml:ink xmlns:inkml="http://www.w3.org/2003/InkML">
+  <inkml:definitions>
+    <inkml:context xml:id="ctx0">
+      <inkml:inkSource xml:id="inkSrc0">
+        <inkml:traceFormat>
+          <inkml:channel name="X" type="integer" min="-2.14748E9" max="2.14748E9" units="cm"/>
+          <inkml:channel name="Y" type="integer" min="-2.14748E9" max="2.14748E9" units="cm"/>
+          <inkml:channel name="F" type="integer" max="32767" units="dev"/>
+          <inkml:channel name="OA" type="integer" max="360" units="deg"/>
+          <inkml:channel name="OE" type="integer" max="90" units="deg"/>
+        </inkml:traceFormat>
+        <inkml:channelProperties>
+          <inkml:channelProperty channel="X" name="resolution" value="1000" units="1/cm"/>
+          <inkml:channelProperty channel="Y" name="resolution" value="1000" units="1/cm"/>
+          <inkml:channelProperty channel="F" name="resolution" value="0" units="1/dev"/>
+          <inkml:channelProperty channel="OA" name="resolution" value="1000" units="1/deg"/>
+          <inkml:channelProperty channel="OE" name="resolution" value="1000" units="1/deg"/>
+        </inkml:channelProperties>
+      </inkml:inkSource>
+      <inkml:timestamp xml:id="ts0" timeString="2020-05-24T04:15:28.738"/>
+    </inkml:context>
+    <inkml:brush xml:id="br0">
+      <inkml:brushProperty name="width" value="0.05" units="cm"/>
+      <inkml:brushProperty name="height" value="0.05" units="cm"/>
+    </inkml:brush>
+  </inkml:definitions>
+  <inkml:trace contextRef="#ctx0" brushRef="#br0">25 1 15323 0 0,'-9'6'576'0'0,"3"8"-280"0"0,-1 11-248 0 0,7 3-8 0 0,-2 9-64 0 0,4-1-320 0 0,3-2-584 0 0,3-3-1000 0 0,3-8-1409 0 0,8-1-4121 0 0</inkml:trace>
+</inkml:ink>
+</file>
+
+<file path=ppt/ink/ink139.xml><?xml version="1.0" encoding="utf-8"?>
+<inkml:ink xmlns:inkml="http://www.w3.org/2003/InkML">
+  <inkml:definitions>
+    <inkml:context xml:id="ctx0">
+      <inkml:inkSource xml:id="inkSrc0">
+        <inkml:traceFormat>
+          <inkml:channel name="X" type="integer" min="-2.14748E9" max="2.14748E9" units="cm"/>
+          <inkml:channel name="Y" type="integer" min="-2.14748E9" max="2.14748E9" units="cm"/>
+          <inkml:channel name="F" type="integer" max="32767" units="dev"/>
+          <inkml:channel name="OA" type="integer" max="360" units="deg"/>
+          <inkml:channel name="OE" type="integer" max="90" units="deg"/>
+        </inkml:traceFormat>
+        <inkml:channelProperties>
+          <inkml:channelProperty channel="X" name="resolution" value="1000" units="1/cm"/>
+          <inkml:channelProperty channel="Y" name="resolution" value="1000" units="1/cm"/>
+          <inkml:channelProperty channel="F" name="resolution" value="0" units="1/dev"/>
+          <inkml:channelProperty channel="OA" name="resolution" value="1000" units="1/deg"/>
+          <inkml:channelProperty channel="OE" name="resolution" value="1000" units="1/deg"/>
+        </inkml:channelProperties>
+      </inkml:inkSource>
+      <inkml:timestamp xml:id="ts0" timeString="2020-05-24T04:15:29.889"/>
+    </inkml:context>
+    <inkml:brush xml:id="br0">
+      <inkml:brushProperty name="width" value="0.05" units="cm"/>
+      <inkml:brushProperty name="height" value="0.05" units="cm"/>
+    </inkml:brush>
+  </inkml:definitions>
+  <inkml:trace contextRef="#ctx0" brushRef="#br0">8 88 7001 0 0,'-2'-9'567'0'0,"0"1"-1"0"0,1-1 0 0 0,0 0 0 0 0,0 0 0 0 0,1-5-566 0 0,0 13 22 0 0,0 0 0 0 0,-1 0 0 0 0,1 0 0 0 0,0 0 0 0 0,1 0 0 0 0,-1-1 0 0 0,0 1 0 0 0,0 0 0 0 0,0 0 0 0 0,1 0 0 0 0,-1 0 0 0 0,0 0 0 0 0,1 0 0 0 0,-1 0 0 0 0,1 0 0 0 0,-1 0 0 0 0,1 0 0 0 0,0 1 0 0 0,-1-1 0 0 0,1 0 0 0 0,0 0 0 0 0,-1 0 0 0 0,1 1 0 0 0,0-1 0 0 0,0 0 0 0 0,0 1 0 0 0,0-1 0 0 0,0 1 1 0 0,0-1-1 0 0,0 1 0 0 0,0-1 0 0 0,0 1 0 0 0,0 0 0 0 0,0-1 0 0 0,0 1 0 0 0,0 0 0 0 0,0 0 0 0 0,0 0 0 0 0,0 0 0 0 0,0 0 0 0 0,0 0 0 0 0,0 0 0 0 0,1 0 0 0 0,-1 0 0 0 0,0 0 0 0 0,0 1 0 0 0,0-1 0 0 0,0 0 0 0 0,0 1 0 0 0,0-1 0 0 0,0 1 0 0 0,0 0-22 0 0,2 0 1 0 0,0 1-1 0 0,0 0 1 0 0,0-1-1 0 0,0 2 1 0 0,0-1-1 0 0,0 0 1 0 0,0 1-1 0 0,-1-1 1 0 0,0 1-1 0 0,1 0 1 0 0,-1-1-1 0 0,0 1 1 0 0,0 0 0 0 0,0 1-1 0 0,-1-1 1 0 0,1 1-1 0 0,5 11 32 0 0,-1 1 1 0 0,0 0 0 0 0,-1 1-33 0 0,4 11 52 0 0,73 194 826 0 0,10-3 0 0 0,29 35-878 0 0,-108-227-498 0 0,-1-4-1446 0 0,1 0 0 0 0,0-1-1 0 0,9 11 1945 0 0,-3-13-4521 0 0</inkml:trace>
+</inkml:ink>
+</file>
+
+<file path=ppt/ink/ink14.xml><?xml version="1.0" encoding="utf-8"?>
+<inkml:ink xmlns:inkml="http://www.w3.org/2003/InkML">
+  <inkml:definitions>
+    <inkml:context xml:id="ctx0">
+      <inkml:inkSource xml:id="inkSrc0">
+        <inkml:traceFormat>
+          <inkml:channel name="X" type="integer" min="-2.14748E9" max="2.14748E9" units="cm"/>
+          <inkml:channel name="Y" type="integer" min="-2.14748E9" max="2.14748E9" units="cm"/>
+          <inkml:channel name="F" type="integer" max="32767" units="dev"/>
+          <inkml:channel name="OA" type="integer" max="360" units="deg"/>
+          <inkml:channel name="OE" type="integer" max="90" units="deg"/>
+        </inkml:traceFormat>
+        <inkml:channelProperties>
+          <inkml:channelProperty channel="X" name="resolution" value="1000" units="1/cm"/>
+          <inkml:channelProperty channel="Y" name="resolution" value="1000" units="1/cm"/>
+          <inkml:channelProperty channel="F" name="resolution" value="0" units="1/dev"/>
+          <inkml:channelProperty channel="OA" name="resolution" value="1000" units="1/deg"/>
+          <inkml:channelProperty channel="OE" name="resolution" value="1000" units="1/deg"/>
+        </inkml:channelProperties>
+      </inkml:inkSource>
+      <inkml:timestamp xml:id="ts0" timeString="2020-05-26T11:08:44.101"/>
+    </inkml:context>
+    <inkml:brush xml:id="br0">
+      <inkml:brushProperty name="width" value="0.05" units="cm"/>
+      <inkml:brushProperty name="height" value="0.05" units="cm"/>
+      <inkml:brushProperty name="color" value="#E71224"/>
+    </inkml:brush>
+  </inkml:definitions>
+  <inkml:trace contextRef="#ctx0" brushRef="#br0">16 594 3073 0 0,'0'0'67'0'0,"0"0"0"0"0,-1-1 0 0 0,1 1 0 0 0,0 0 0 0 0,-1 0 0 0 0,1 0 0 0 0,0-1 1 0 0,-1 1-1 0 0,1 0 0 0 0,-1 0 0 0 0,1 0 0 0 0,0 0 0 0 0,-1 0 0 0 0,1 0 0 0 0,-1 0 1 0 0,1 0-1 0 0,-1 0 0 0 0,1 0 0 0 0,0 0 0 0 0,-1 0 0 0 0,1 0 0 0 0,-1 0 0 0 0,1 0 0 0 0,0 0 1 0 0,-1 1-1 0 0,1-1 0 0 0,-1 0 0 0 0,1 0 0 0 0,0 0 0 0 0,-1 1 0 0 0,1-1 0 0 0,0 0 0 0 0,-1 0 1 0 0,1 1-1 0 0,0-1 0 0 0,0 0 0 0 0,-1 1 0 0 0,1-1 0 0 0,0 0 0 0 0,0 1 0 0 0,-1-1 1 0 0,1 0-1 0 0,0 1 0 0 0,0-1 0 0 0,0 1 0 0 0,0-1 0 0 0,0 0 0 0 0,0 1 0 0 0,-1-1 0 0 0,1 1 1 0 0,0-1-1 0 0,0 1 0 0 0,0-1 0 0 0,0 0 0 0 0,1 1 0 0 0,-1-1 0 0 0,0 1 0 0 0,0-1 1 0 0,0 0-1 0 0,0 1 0 0 0,0-1 0 0 0,0 1 0 0 0,1-1 0 0 0,-1 0 0 0 0,0 1 0 0 0,1-1-67 0 0,0 3 189 0 0,0 0 0 0 0,0-1-1 0 0,0 1 1 0 0,1-1 0 0 0,-1 1 0 0 0,1-1-1 0 0,0 0 1 0 0,0 1 0 0 0,1 0-189 0 0,5 2 139 0 0,0 0 1 0 0,1 0 0 0 0,-1-1 0 0 0,1 0 0 0 0,0 0 0 0 0,0-1 0 0 0,0 0 0 0 0,1-1-1 0 0,7 1-139 0 0,20 2 165 0 0,34 0-165 0 0,-53-4 50 0 0,50 1 73 0 0,-1-3-1 0 0,0-3 1 0 0,0-3-1 0 0,-1-3 1 0 0,0-3-1 0 0,0-2 1 0 0,-2-4-1 0 0,33-14-122 0 0,-58 17 60 0 0,0-1 0 0 0,-2-2-1 0 0,22-14-59 0 0,-43 22 46 0 0,1 0 0 0 0,-2-1-1 0 0,0-1 1 0 0,0 0 0 0 0,-1-1-1 0 0,-1-1 1 0 0,0 0 0 0 0,8-13-46 0 0,-17 22 38 0 0,0-1 0 0 0,-1 1 1 0 0,0-1-1 0 0,0 0 1 0 0,0 0-1 0 0,-1 0 1 0 0,0 0-1 0 0,0-1 1 0 0,-1 1-1 0 0,0 0 0 0 0,0-1 1 0 0,-1 1-1 0 0,0-1 1 0 0,0 1-1 0 0,-1-1 1 0 0,0 1-1 0 0,0-1 0 0 0,0 1 1 0 0,-2-4-39 0 0,-1 0 30 0 0,-1 1 1 0 0,0 0-1 0 0,0 0 1 0 0,0 0-1 0 0,-2 0 1 0 0,1 1-1 0 0,-1 0 1 0 0,0 0-1 0 0,-1 1 1 0 0,0 0-1 0 0,0 0 1 0 0,-6-3-31 0 0,-1 0 142 0 0,0 0 1 0 0,-1 1-1 0 0,0 1 1 0 0,0 1-1 0 0,-1 0 0 0 0,0 1 1 0 0,0 1-1 0 0,-1 0 1 0 0,-15-2-143 0 0,8 4 86 0 0,0 0 1 0 0,0 2 0 0 0,-1 1 0 0 0,1 1-1 0 0,0 1 1 0 0,-21 4-87 0 0,-6 5-90 0 0,1 2 1 0 0,0 2-1 0 0,1 3 0 0 0,1 1 1 0 0,1 3-1 0 0,-29 17 90 0 0,59-28-18 0 0,0 0-1 0 0,1 1 1 0 0,0 0 0 0 0,1 2-1 0 0,0 0 1 0 0,1 0 0 0 0,-13 16 18 0 0,23-23-7 0 0,0 1 1 0 0,0-1-1 0 0,1 1 1 0 0,-1 0-1 0 0,2 0 1 0 0,-1 0-1 0 0,1 1 1 0 0,0-1-1 0 0,0 1 1 0 0,1 0-1 0 0,0 0 0 0 0,0 0 1 0 0,1 0-1 0 0,0 0 1 0 0,0 0-1 0 0,1 0 1 0 0,0 0-1 0 0,1 0 1 0 0,0 0-1 0 0,0 0 1 0 0,1 3 6 0 0,0-4-9 0 0,1 1 0 0 0,0 0 0 0 0,0-1 1 0 0,0 0-1 0 0,1 1 0 0 0,0-1 0 0 0,1-1 0 0 0,-1 1 1 0 0,1-1-1 0 0,1 1 0 0 0,-1-2 0 0 0,1 1 0 0 0,1 0 9 0 0,-3-2 1 0 0,1 0-1 0 0,0-1 0 0 0,0 0 1 0 0,0 0-1 0 0,0 0 0 0 0,0 0 0 0 0,1-1 1 0 0,0 0-1 0 0,-1 0 0 0 0,1-1 1 0 0,0 1-1 0 0,0-1 0 0 0,0 0 0 0 0,0-1 1 0 0,0 0-1 0 0,-1 1 0 0 0,6-2 0 0 0,26-5-27 0 0,26-8 27 0 0,-26 6 33 0 0,21-2-33 0 0,-44 8-37 0 0,-1 1 0 0 0,0 1 0 0 0,1 0-1 0 0,-1 1 1 0 0,0 0 0 0 0,6 2 37 0 0,43 11-28 0 0,19 3 143 0 0,-58-13-87 0 0,0-1 0 0 0,0-1 0 0 0,1-2 0 0 0,9 0-28 0 0,54-9-155 0 0,-59 5 56 0 0,0 1 0 0 0,1 1 1 0 0,-1 1-1 0 0,26 4 99 0 0,-31 0-42 0 0,0-1 1 0 0,0-1-1 0 0,0-1 0 0 0,0-1 0 0 0,0-2 0 0 0,0 0 0 0 0,-1-1 1 0 0,22-6 41 0 0,-33 6 0 0 0,1 1 1 0 0,0 0 0 0 0,0 1-1 0 0,0 0 1 0 0,0 1 0 0 0,0 0-1 0 0,0 1 1 0 0,0 0 0 0 0,0 1-1 0 0,0 0 1 0 0,0 1 0 0 0,0 1-1 0 0,0-1 1 0 0,-1 2 0 0 0,1 0-1 0 0,2 1 0 0 0,-5-1 33 0 0,1 0 0 0 0,0-1-1 0 0,0 0 1 0 0,1-1 0 0 0,-1-1-1 0 0,0 1 1 0 0,1-2 0 0 0,-1 1 0 0 0,1-1-1 0 0,-1-1 1 0 0,4 0-33 0 0,6-3-91 0 0,0 0 0 0 0,-1-1 0 0 0,1-1-1 0 0,-1-1 1 0 0,6-4 91 0 0,-22 11 5 0 0,-1-1 0 0 0,1 0 1 0 0,0 1-1 0 0,0-1 0 0 0,0 1 0 0 0,0 0 0 0 0,0 0 1 0 0,0 0-1 0 0,0 1 0 0 0,0-1 0 0 0,0 1 0 0 0,0-1 0 0 0,0 1 1 0 0,0 0-6 0 0,0 0 28 0 0,0 0 1 0 0,0 0 0 0 0,0-1 0 0 0,0 1 0 0 0,0-1-1 0 0,0 0 1 0 0,0 1 0 0 0,0-2 0 0 0,0 1 0 0 0,0 0 0 0 0,0 0-1 0 0,0-1 1 0 0,0 0 0 0 0,0 0 0 0 0,0 1 0 0 0,1-2-29 0 0,3-2 24 0 0,-1-1 0 0 0,1 1 0 0 0,-1-1-1 0 0,-1 0 1 0 0,2-2-24 0 0,-1 2-38 0 0,0-1 0 0 0,1 1 0 0 0,-1 0-1 0 0,4-1 39 0 0,-7 4-13 0 0,0 1 0 0 0,-1 0 0 0 0,1 0-1 0 0,0 0 1 0 0,0 1 0 0 0,0-1 0 0 0,0 1-1 0 0,0-1 1 0 0,0 1 0 0 0,0 0 0 0 0,0 0-1 0 0,0 1 1 0 0,0-1 0 0 0,0 0 0 0 0,0 1 13 0 0,47 15 33 0 0,-10-3 18 0 0,-31-12-40 0 0,0 1 1 0 0,-1-2-1 0 0,1 1 1 0 0,0-1 0 0 0,0 0-1 0 0,0-1 1 0 0,0 0 0 0 0,6-2-12 0 0,42-15 24 0 0,-50 15-19 0 0,0 1-1 0 0,0 0 1 0 0,0 0 0 0 0,0 1-1 0 0,0 0 1 0 0,1 0 0 0 0,-1 1-1 0 0,1 0 1 0 0,-1 0 0 0 0,0 1-1 0 0,4 0-4 0 0,8 3-28 0 0,1 1-1 0 0,-1 0 0 0 0,8 5 29 0 0,-10-3 33 0 0,1-2-1 0 0,1 0 0 0 0,-1 0 1 0 0,7-1-33 0 0,-20-4 125 0 0,1 0 1 0 0,-1 0-1 0 0,0 0 1 0 0,0-1-1 0 0,1 0 0 0 0,-1 0 1 0 0,0 0-1 0 0,0 0 1 0 0,0-1-1 0 0,0 0-125 0 0,50-26 669 0 0,-42 20-535 0 0,1 1 0 0 0,1 0-1 0 0,0 1-133 0 0,-13 5 39 0 0,47-13 477 0 0,-46 13-513 0 0,1 1 0 0 0,-1-1 0 0 0,0 1 0 0 0,0 0 0 0 0,0 0 0 0 0,1 0-1 0 0,-1 0 1 0 0,0 1 0 0 0,0-1 0 0 0,0 1 0 0 0,0-1 0 0 0,0 1 0 0 0,0 0 0 0 0,3 2-3 0 0,-6-3-171 0 0,0 0-1 0 0,0 0 1 0 0,0 0-1 0 0,0 1 0 0 0,0-1 1 0 0,0 0-1 0 0,1 0 1 0 0,-1 1-1 0 0,0-1 1 0 0,0 0-1 0 0,0 0 1 0 0,0 1-1 0 0,0-1 1 0 0,0 0-1 0 0,0 0 0 0 0,0 1 1 0 0,0-1-1 0 0,0 0 1 0 0,0 0-1 0 0,0 1 1 0 0,0-1-1 0 0,-1 0 1 0 0,1 0-1 0 0,0 0 1 0 0,0 1-1 0 0,0-1 0 0 0,0 0 1 0 0,0 0-1 0 0,0 1 1 0 0,-1-1-1 0 0,1 0 1 0 0,0 0-1 0 0,0 0 1 0 0,0 0-1 0 0,0 1 0 0 0,-1-1 1 0 0,1 0-1 0 0,0 0 172 0 0,-4 7-4699 0 0,4 2-709 0 0</inkml:trace>
+</inkml:ink>
+</file>
+
+<file path=ppt/ink/ink140.xml><?xml version="1.0" encoding="utf-8"?>
+<inkml:ink xmlns:inkml="http://www.w3.org/2003/InkML">
+  <inkml:definitions>
+    <inkml:context xml:id="ctx0">
+      <inkml:inkSource xml:id="inkSrc0">
+        <inkml:traceFormat>
+          <inkml:channel name="X" type="integer" min="-2.14748E9" max="2.14748E9" units="cm"/>
+          <inkml:channel name="Y" type="integer" min="-2.14748E9" max="2.14748E9" units="cm"/>
+          <inkml:channel name="F" type="integer" max="32767" units="dev"/>
+          <inkml:channel name="OA" type="integer" max="360" units="deg"/>
+          <inkml:channel name="OE" type="integer" max="90" units="deg"/>
+        </inkml:traceFormat>
+        <inkml:channelProperties>
+          <inkml:channelProperty channel="X" name="resolution" value="1000" units="1/cm"/>
+          <inkml:channelProperty channel="Y" name="resolution" value="1000" units="1/cm"/>
+          <inkml:channelProperty channel="F" name="resolution" value="0" units="1/dev"/>
+          <inkml:channelProperty channel="OA" name="resolution" value="1000" units="1/deg"/>
+          <inkml:channelProperty channel="OE" name="resolution" value="1000" units="1/deg"/>
+        </inkml:channelProperties>
+      </inkml:inkSource>
+      <inkml:timestamp xml:id="ts0" timeString="2020-05-24T04:15:30.233"/>
+    </inkml:context>
+    <inkml:brush xml:id="br0">
+      <inkml:brushProperty name="width" value="0.05" units="cm"/>
+      <inkml:brushProperty name="height" value="0.05" units="cm"/>
+    </inkml:brush>
+  </inkml:definitions>
+  <inkml:trace contextRef="#ctx0" brushRef="#br0">88 0 7722 0 0,'-16'8'552'0'0,"-1"9"-344"0"0,-2 5-128 0 0,4 6 24 0 0,9 2-8 0 0,1 4 8 0 0,1 1-32 0 0,0 3-224 0 0,2-3-472 0 0,2-1-553 0 0,2-2-391 0 0,0-4-8 0 0,-2-6-977 0 0</inkml:trace>
+</inkml:ink>
+</file>
+
+<file path=ppt/ink/ink141.xml><?xml version="1.0" encoding="utf-8"?>
+<inkml:ink xmlns:inkml="http://www.w3.org/2003/InkML">
+  <inkml:definitions>
+    <inkml:context xml:id="ctx0">
+      <inkml:inkSource xml:id="inkSrc0">
+        <inkml:traceFormat>
+          <inkml:channel name="X" type="integer" min="-2.14748E9" max="2.14748E9" units="cm"/>
+          <inkml:channel name="Y" type="integer" min="-2.14748E9" max="2.14748E9" units="cm"/>
+          <inkml:channel name="F" type="integer" max="32767" units="dev"/>
+          <inkml:channel name="OA" type="integer" max="360" units="deg"/>
+          <inkml:channel name="OE" type="integer" max="90" units="deg"/>
+        </inkml:traceFormat>
+        <inkml:channelProperties>
+          <inkml:channelProperty channel="X" name="resolution" value="1000" units="1/cm"/>
+          <inkml:channelProperty channel="Y" name="resolution" value="1000" units="1/cm"/>
+          <inkml:channelProperty channel="F" name="resolution" value="0" units="1/dev"/>
+          <inkml:channelProperty channel="OA" name="resolution" value="1000" units="1/deg"/>
+          <inkml:channelProperty channel="OE" name="resolution" value="1000" units="1/deg"/>
+        </inkml:channelProperties>
+      </inkml:inkSource>
+      <inkml:timestamp xml:id="ts0" timeString="2020-05-24T04:15:30.621"/>
+    </inkml:context>
+    <inkml:brush xml:id="br0">
+      <inkml:brushProperty name="width" value="0.05" units="cm"/>
+      <inkml:brushProperty name="height" value="0.05" units="cm"/>
+    </inkml:brush>
+  </inkml:definitions>
+  <inkml:trace contextRef="#ctx0" brushRef="#br0">4 138 11771 0 0,'-1'-9'167'0'0,"-1"0"38"0"0,2-1 0 0 0,-1 1 0 0 0,1 0-1 0 0,0-1 1 0 0,1 1 0 0 0,1-2-205 0 0,-2 8 22 0 0,1 1-1 0 0,0-1 0 0 0,0 1 1 0 0,0-1-1 0 0,0 1 0 0 0,0-1 0 0 0,0 1 1 0 0,1 0-1 0 0,-1 0 0 0 0,1 0 1 0 0,0 0-1 0 0,-1 0 0 0 0,1 0 1 0 0,0 0-1 0 0,0 0 0 0 0,0 1 1 0 0,1-1-1 0 0,-1 1 0 0 0,0-1 1 0 0,1 1-1 0 0,-1 0 0 0 0,0 0 1 0 0,1 0-1 0 0,0 0-21 0 0,7-2 1 0 0,1 0 0 0 0,-1 0 0 0 0,1 1 1 0 0,0 1-1 0 0,0-1 0 0 0,0 2 0 0 0,0 0 0 0 0,0 0 1 0 0,0 1-1 0 0,0 0 0 0 0,0 1 0 0 0,0 0 0 0 0,-1 1 1 0 0,1 0-1 0 0,-1 0 0 0 0,0 1 0 0 0,0 1 0 0 0,0 0 1 0 0,0 0-2 0 0,5 4-13 0 0,-2 1 0 0 0,1 0 0 0 0,-1 1 0 0 0,-1 1 0 0 0,0-1 0 0 0,0 2 0 0 0,-1 0 0 0 0,-1 0 0 0 0,0 1 0 0 0,-1 0 0 0 0,0 1 0 0 0,-1 1 13 0 0,5 9 74 0 0,-1 0 1 0 0,-1 1 0 0 0,-1 0 0 0 0,-1 1 0 0 0,4 27-75 0 0,-11-42 62 0 0,0-1 1 0 0,-1 1-1 0 0,-1 0 1 0 0,0 0-1 0 0,0 0 1 0 0,-2 0-1 0 0,1 0 0 0 0,-1-1 1 0 0,-1 1-1 0 0,0 0 1 0 0,-1-1-1 0 0,0 0 1 0 0,-1 0-1 0 0,0 0 1 0 0,-2 3-63 0 0,-6 6 117 0 0,-1-1 1 0 0,-6 7-118 0 0,-14 21 47 0 0,40-53-131 0 0,2 1 0 0 0,-1 1 0 0 0,0-1-1 0 0,1 1 1 0 0,1 0 84 0 0,0 0-34 0 0,9-6 38 0 0,1 2-1 0 0,1 0 0 0 0,0 1 0 0 0,0 1 0 0 0,14-2-3 0 0,-26 6 7 0 0,0 0 0 0 0,0 1 0 0 0,0 1 0 0 0,0-1 0 0 0,1 1 0 0 0,-1 0 0 0 0,0 1-1 0 0,0 0 1 0 0,0 1 0 0 0,0-1 0 0 0,0 1 0 0 0,-1 1 0 0 0,1 0 0 0 0,-1 0 0 0 0,1 0 0 0 0,0 2-7 0 0,-5-4-8 0 0,0 2 0 0 0,0-1 1 0 0,0 0-1 0 0,0 1 0 0 0,0-1 0 0 0,-1 1 0 0 0,0 0 0 0 0,1 0 0 0 0,-1 0 0 0 0,0 0 0 0 0,0 0 1 0 0,0 0-1 0 0,-1 1 0 0 0,1-1 0 0 0,-1 0 0 0 0,0 1 0 0 0,0 1 8 0 0,0 0 8 0 0,0 1 0 0 0,-1 0 0 0 0,1-1 0 0 0,-2 1 0 0 0,1 0 0 0 0,0-1 0 0 0,-1 1-1 0 0,0-1 1 0 0,0 1 0 0 0,-2 4-8 0 0,-3 6 37 0 0,-1-1 0 0 0,0 1 0 0 0,-1-1-1 0 0,-1 0 1 0 0,0-1 0 0 0,-1 0 0 0 0,-2 1-37 0 0,-26 29-71 0 0,-24 20 71 0 0,26-28-1072 0 0,2 2 1 0 0,-4 7 1071 0 0,37-43-270 0 0,0 0 0 0 0,-1-1 0 0 0,1 1 0 0 0,1 0 0 0 0,-1-1 1 0 0,0 1-1 0 0,0 0 0 0 0,1 0 0 0 0,-1 0 0 0 0,1 0 0 0 0,-1 0 0 0 0,1 0 0 0 0,0 0 0 0 0,0 1 270 0 0,0-2-135 0 0,0-1 0 0 0,0 1 1 0 0,0-1-1 0 0,0 0 0 0 0,0 1 0 0 0,1-1 0 0 0,-1 1 0 0 0,0-1 1 0 0,0 0-1 0 0,0 1 0 0 0,0-1 0 0 0,1 0 0 0 0,-1 1 0 0 0,0-1 1 0 0,1 0-1 0 0,-1 1 0 0 0,0-1 0 0 0,0 0 0 0 0,1 0 0 0 0,-1 1 1 0 0,0-1-1 0 0,1 0 0 0 0,-1 0 0 0 0,1 0 0 0 0,-1 1 135 0 0,1-1-173 0 0,1 0 0 0 0,-1 0 0 0 0,0 0 0 0 0,0 0 0 0 0,0 0 0 0 0,0 0 0 0 0,1 0 0 0 0,-1 0 0 0 0,0 0 0 0 0,0-1 0 0 0,0 1-1 0 0,0 0 1 0 0,0-1 0 0 0,1 0 173 0 0,13-7-2635 0 0</inkml:trace>
+</inkml:ink>
+</file>
+
+<file path=ppt/ink/ink142.xml><?xml version="1.0" encoding="utf-8"?>
+<inkml:ink xmlns:inkml="http://www.w3.org/2003/InkML">
+  <inkml:definitions>
+    <inkml:context xml:id="ctx0">
+      <inkml:inkSource xml:id="inkSrc0">
+        <inkml:traceFormat>
+          <inkml:channel name="X" type="integer" min="-2.14748E9" max="2.14748E9" units="cm"/>
+          <inkml:channel name="Y" type="integer" min="-2.14748E9" max="2.14748E9" units="cm"/>
+          <inkml:channel name="F" type="integer" max="32767" units="dev"/>
+          <inkml:channel name="OA" type="integer" max="360" units="deg"/>
+          <inkml:channel name="OE" type="integer" max="90" units="deg"/>
+        </inkml:traceFormat>
+        <inkml:channelProperties>
+          <inkml:channelProperty channel="X" name="resolution" value="1000" units="1/cm"/>
+          <inkml:channelProperty channel="Y" name="resolution" value="1000" units="1/cm"/>
+          <inkml:channelProperty channel="F" name="resolution" value="0" units="1/dev"/>
+          <inkml:channelProperty channel="OA" name="resolution" value="1000" units="1/deg"/>
+          <inkml:channelProperty channel="OE" name="resolution" value="1000" units="1/deg"/>
+        </inkml:channelProperties>
+      </inkml:inkSource>
+      <inkml:timestamp xml:id="ts0" timeString="2020-05-24T04:15:30.955"/>
+    </inkml:context>
+    <inkml:brush xml:id="br0">
+      <inkml:brushProperty name="width" value="0.05" units="cm"/>
+      <inkml:brushProperty name="height" value="0.05" units="cm"/>
+    </inkml:brush>
+  </inkml:definitions>
+  <inkml:trace contextRef="#ctx0" brushRef="#br0">1 0 10810 0 0,'0'8'1473'0'0,"0"3"-665"0"0,1 4-400 0 0,-1 8-80 0 0,4-1 8 0 0,0 8-40 0 0,0 9-56 0 0,-1 4-24 0 0,3 2-128 0 0,3-2-248 0 0,-1-2-616 0 0,1-5-1088 0 0,-5-10-1385 0 0,5 6-4113 0 0</inkml:trace>
+</inkml:ink>
+</file>
+
+<file path=ppt/ink/ink143.xml><?xml version="1.0" encoding="utf-8"?>
 <inkml:ink xmlns:inkml="http://www.w3.org/2003/InkML">
   <inkml:definitions>
     <inkml:context xml:id="ctx0">
@@ -206,7 +1679,7 @@
 </inkml:ink>
 </file>
 
-<file path=ppt/ink/ink101.xml><?xml version="1.0" encoding="utf-8"?>
+<file path=ppt/ink/ink144.xml><?xml version="1.0" encoding="utf-8"?>
 <inkml:ink xmlns:inkml="http://www.w3.org/2003/InkML">
   <inkml:definitions>
     <inkml:context xml:id="ctx0">
@@ -237,7 +1710,7 @@
 </inkml:ink>
 </file>
 
-<file path=ppt/ink/ink102.xml><?xml version="1.0" encoding="utf-8"?>
+<file path=ppt/ink/ink145.xml><?xml version="1.0" encoding="utf-8"?>
 <inkml:ink xmlns:inkml="http://www.w3.org/2003/InkML">
   <inkml:definitions>
     <inkml:context xml:id="ctx0">
@@ -268,7 +1741,7 @@
 </inkml:ink>
 </file>
 
-<file path=ppt/ink/ink103.xml><?xml version="1.0" encoding="utf-8"?>
+<file path=ppt/ink/ink146.xml><?xml version="1.0" encoding="utf-8"?>
 <inkml:ink xmlns:inkml="http://www.w3.org/2003/InkML">
   <inkml:definitions>
     <inkml:context xml:id="ctx0">
@@ -300,7 +1773,7 @@
 </inkml:ink>
 </file>
 
-<file path=ppt/ink/ink104.xml><?xml version="1.0" encoding="utf-8"?>
+<file path=ppt/ink/ink147.xml><?xml version="1.0" encoding="utf-8"?>
 <inkml:ink xmlns:inkml="http://www.w3.org/2003/InkML">
   <inkml:definitions>
     <inkml:context xml:id="ctx0">
@@ -331,7 +1804,1372 @@
 </inkml:ink>
 </file>
 
-<file path=ppt/ink/ink11.xml><?xml version="1.0" encoding="utf-8"?>
+<file path=ppt/ink/ink15.xml><?xml version="1.0" encoding="utf-8"?>
+<inkml:ink xmlns:inkml="http://www.w3.org/2003/InkML">
+  <inkml:definitions>
+    <inkml:context xml:id="ctx0">
+      <inkml:inkSource xml:id="inkSrc0">
+        <inkml:traceFormat>
+          <inkml:channel name="X" type="integer" min="-2.14748E9" max="2.14748E9" units="cm"/>
+          <inkml:channel name="Y" type="integer" min="-2.14748E9" max="2.14748E9" units="cm"/>
+          <inkml:channel name="F" type="integer" max="32767" units="dev"/>
+          <inkml:channel name="OA" type="integer" max="360" units="deg"/>
+          <inkml:channel name="OE" type="integer" max="90" units="deg"/>
+        </inkml:traceFormat>
+        <inkml:channelProperties>
+          <inkml:channelProperty channel="X" name="resolution" value="1000" units="1/cm"/>
+          <inkml:channelProperty channel="Y" name="resolution" value="1000" units="1/cm"/>
+          <inkml:channelProperty channel="F" name="resolution" value="0" units="1/dev"/>
+          <inkml:channelProperty channel="OA" name="resolution" value="1000" units="1/deg"/>
+          <inkml:channelProperty channel="OE" name="resolution" value="1000" units="1/deg"/>
+        </inkml:channelProperties>
+      </inkml:inkSource>
+      <inkml:timestamp xml:id="ts0" timeString="2020-05-26T11:08:44.439"/>
+    </inkml:context>
+    <inkml:brush xml:id="br0">
+      <inkml:brushProperty name="width" value="0.05" units="cm"/>
+      <inkml:brushProperty name="height" value="0.05" units="cm"/>
+      <inkml:brushProperty name="color" value="#E71224"/>
+    </inkml:brush>
+  </inkml:definitions>
+  <inkml:trace contextRef="#ctx0" brushRef="#br0">129 0 4873 0 0,'-2'2'159'0'0,"0"0"-1"0"0,0 0 1 0 0,0 0-1 0 0,0 0 1 0 0,1 0-1 0 0,-1 0 1 0 0,1 1-1 0 0,-1-1 1 0 0,1 0-1 0 0,0 1 1 0 0,0 0-1 0 0,0-1 1 0 0,0 1-159 0 0,-5 12 157 0 0,-33 36 261 0 0,-4 6-374 0 0,39-50-669 0 0,1-1 0 0 0,0 0 0 0 0,0 1 0 0 0,0-1 0 0 0,0 3 625 0 0,3-2-1391 0 0,2-3-1638 0 0</inkml:trace>
+</inkml:ink>
+</file>
+
+<file path=ppt/ink/ink16.xml><?xml version="1.0" encoding="utf-8"?>
+<inkml:ink xmlns:inkml="http://www.w3.org/2003/InkML">
+  <inkml:definitions>
+    <inkml:context xml:id="ctx0">
+      <inkml:inkSource xml:id="inkSrc0">
+        <inkml:traceFormat>
+          <inkml:channel name="X" type="integer" min="-2.14748E9" max="2.14748E9" units="cm"/>
+          <inkml:channel name="Y" type="integer" min="-2.14748E9" max="2.14748E9" units="cm"/>
+          <inkml:channel name="F" type="integer" max="32767" units="dev"/>
+          <inkml:channel name="OA" type="integer" max="360" units="deg"/>
+          <inkml:channel name="OE" type="integer" max="90" units="deg"/>
+        </inkml:traceFormat>
+        <inkml:channelProperties>
+          <inkml:channelProperty channel="X" name="resolution" value="1000" units="1/cm"/>
+          <inkml:channelProperty channel="Y" name="resolution" value="1000" units="1/cm"/>
+          <inkml:channelProperty channel="F" name="resolution" value="0" units="1/dev"/>
+          <inkml:channelProperty channel="OA" name="resolution" value="1000" units="1/deg"/>
+          <inkml:channelProperty channel="OE" name="resolution" value="1000" units="1/deg"/>
+        </inkml:channelProperties>
+      </inkml:inkSource>
+      <inkml:timestamp xml:id="ts0" timeString="2020-05-26T11:08:44.771"/>
+    </inkml:context>
+    <inkml:brush xml:id="br0">
+      <inkml:brushProperty name="width" value="0.05" units="cm"/>
+      <inkml:brushProperty name="height" value="0.05" units="cm"/>
+      <inkml:brushProperty name="color" value="#E71224"/>
+    </inkml:brush>
+  </inkml:definitions>
+  <inkml:trace contextRef="#ctx0" brushRef="#br0">181 0 2369 0 0,'-4'3'426'0'0,"0"1"0"0"0,1-1 0 0 0,0 0 0 0 0,0 1 0 0 0,0-1 0 0 0,0 1 0 0 0,0 0 0 0 0,1 0 0 0 0,-1 3-426 0 0,-7 8 831 0 0,-6 5 238 0 0,-1-1 0 0 0,-10 8-1069 0 0,13-15-622 0 0,1 2 0 0 0,1 0 0 0 0,0 0-1 0 0,1 1 1 0 0,-2 5 622 0 0,9-10-1786 0 0,7-7 766 0 0,-2-4 1006 0 0,0 0-1 0 0,0 1 0 0 0,0-1 1 0 0,0 0-1 0 0,0 1 0 0 0,0-1 1 0 0,0 0-1 0 0,0 0 0 0 0,0 0 1 0 0,-1 0-1 0 0,1 0 0 0 0,0 0 1 0 0,0-1 14 0 0,11-17-462 0 0,-11 10-597 0 0</inkml:trace>
+</inkml:ink>
+</file>
+
+<file path=ppt/ink/ink17.xml><?xml version="1.0" encoding="utf-8"?>
+<inkml:ink xmlns:inkml="http://www.w3.org/2003/InkML">
+  <inkml:definitions>
+    <inkml:context xml:id="ctx0">
+      <inkml:inkSource xml:id="inkSrc0">
+        <inkml:traceFormat>
+          <inkml:channel name="X" type="integer" min="-2.14748E9" max="2.14748E9" units="cm"/>
+          <inkml:channel name="Y" type="integer" min="-2.14748E9" max="2.14748E9" units="cm"/>
+          <inkml:channel name="F" type="integer" max="32767" units="dev"/>
+          <inkml:channel name="OA" type="integer" max="360" units="deg"/>
+          <inkml:channel name="OE" type="integer" max="90" units="deg"/>
+        </inkml:traceFormat>
+        <inkml:channelProperties>
+          <inkml:channelProperty channel="X" name="resolution" value="1000" units="1/cm"/>
+          <inkml:channelProperty channel="Y" name="resolution" value="1000" units="1/cm"/>
+          <inkml:channelProperty channel="F" name="resolution" value="0" units="1/dev"/>
+          <inkml:channelProperty channel="OA" name="resolution" value="1000" units="1/deg"/>
+          <inkml:channelProperty channel="OE" name="resolution" value="1000" units="1/deg"/>
+        </inkml:channelProperties>
+      </inkml:inkSource>
+      <inkml:timestamp xml:id="ts0" timeString="2020-05-26T11:08:47.685"/>
+    </inkml:context>
+    <inkml:brush xml:id="br0">
+      <inkml:brushProperty name="width" value="0.05" units="cm"/>
+      <inkml:brushProperty name="height" value="0.05" units="cm"/>
+      <inkml:brushProperty name="color" value="#E71224"/>
+    </inkml:brush>
+  </inkml:definitions>
+  <inkml:trace contextRef="#ctx0" brushRef="#br0">0 211 3657 0 0,'2'-3'162'0'0,"-1"1"-1"0"0,1-1 1 0 0,-1 1 0 0 0,1-1 0 0 0,0 1 0 0 0,0 0 0 0 0,0 0-1 0 0,0 0 1 0 0,0 0 0 0 0,1 1 0 0 0,-1-1 0 0 0,1 0 0 0 0,-1 1-1 0 0,1 0 1 0 0,-1-1 0 0 0,1 1 0 0 0,0 0 0 0 0,-1 0-1 0 0,3 0-161 0 0,3 1 316 0 0,0-1 1 0 0,0 1-1 0 0,0 1 0 0 0,-1-1 0 0 0,1 1 0 0 0,5 2-316 0 0,-10-3 38 0 0,76 10 824 0 0,0-3 0 0 0,0-4 1 0 0,9-3-863 0 0,236-20 658 0 0,-245 14-217 0 0,260-10 1485 0 0,-33 2 237 0 0,-262 9-1078 0 0,28-7-1085 0 0,-38 5 147 0 0,0 2 0 0 0,0 2 0 0 0,8 0-147 0 0,-16 9-11 0 0,-25-6-116 0 0,0 0-1 0 0,-1 0 1 0 0,1 0-1 0 0,-1 0 0 0 0,1 1 1 0 0,0-1-1 0 0,-1 0 1 0 0,1 1-1 0 0,-1-1 1 0 0,1 0-1 0 0,-1 1 1 0 0,1-1-1 0 0,-1 0 1 0 0,1 1-1 0 0,-1-1 0 0 0,1 1 1 0 0,-1-1-1 0 0,0 1 1 0 0,1-1-1 0 0,-1 1 1 0 0,0 0-1 0 0,1-1 1 0 0,-1 1-1 0 0,0-1 0 0 0,0 1 1 0 0,0-1-1 0 0,1 1 1 0 0,-1 0-1 0 0,0-1 1 0 0,0 1-1 0 0,0 0 1 0 0,0-1-1 0 0,0 1 1 0 0,0 0-1 0 0,0-1 0 0 0,0 1 1 0 0,-1-1-1 0 0,1 1 1 0 0,0 0-1 0 0,0-1 1 0 0,0 1 127 0 0,0-5-5650 0 0,3-16 1898 0 0,12-5 2537 0 0,-9 17 1069 0 0,-1 0 0 0 0,0-1 0 0 0,0 0-1 0 0,-1 1 1 0 0,-1-1 0 0 0,1-1 0 0 0,1-8 146 0 0,-5 18 41 0 0,0 0 1 0 0,0 0 0 0 0,0-1-1 0 0,0 1 1 0 0,0 0-1 0 0,1 0 1 0 0,-1 0-1 0 0,0 0 1 0 0,0 0-1 0 0,0 0 1 0 0,0-1-1 0 0,0 1 1 0 0,0 0 0 0 0,0 0-1 0 0,0 0 1 0 0,0 0-1 0 0,0 0 1 0 0,0-1-1 0 0,0 1 1 0 0,0 0-1 0 0,0 0 1 0 0,-1 0-1 0 0,1 0 1 0 0,0 0-1 0 0,0 0 1 0 0,0-1 0 0 0,0 1-1 0 0,0 0 1 0 0,0 0-1 0 0,0 0 1 0 0,0 0-1 0 0,0 0 1 0 0,0 0-1 0 0,0 0 1 0 0,-1 0-1 0 0,1-1 1 0 0,0 1 0 0 0,0 0-1 0 0,0 0 1 0 0,0 0-1 0 0,0 0 1 0 0,0 0-1 0 0,-1 0 1 0 0,1 0-1 0 0,0 0 1 0 0,0 0-1 0 0,0 0 1 0 0,0 0 0 0 0,0 0-1 0 0,0 0 1 0 0,-1 0-1 0 0,1 0 1 0 0,0 0-42 0 0,-9 6 1504 0 0,-8 10 226 0 0,-7 12-80 0 0,-6 6 408 0 0,2 1-1 0 0,-20 31-2057 0 0,45-60 14 0 0,0 0 0 0 0,0 0 0 0 0,0 0 0 0 0,1 0 0 0 0,0 0-1 0 0,0 0 1 0 0,0 5-14 0 0,2-10-100 0 0,0 0 0 0 0,0 0 0 0 0,0 0 0 0 0,0 0 0 0 0,0 0 0 0 0,0 0 0 0 0,0 0 0 0 0,0 0 0 0 0,0 0 0 0 0,0 0 0 0 0,1 0 0 0 0,-1 0 0 0 0,0 0 0 0 0,1 0 0 0 0,-1 0 0 0 0,1 0 0 0 0,-1 0 0 0 0,1 0 0 0 0,-1 0 0 0 0,1-1 0 0 0,0 1 100 0 0,0 0-247 0 0,0-1 0 0 0,0 1 0 0 0,0-1 0 0 0,1 1 0 0 0,-1-1 0 0 0,0 1 0 0 0,1-1 0 0 0,-1 0 0 0 0,0 0-1 0 0,0 0 1 0 0,1 0 0 0 0,-1 0 0 0 0,0 0 0 0 0,1 0 0 0 0,-1 0 0 0 0,0-1 0 0 0,1 1 0 0 0,-1 0 0 0 0,0-1 0 0 0,0 1 0 0 0,1-1 247 0 0,12-6-1496 0 0,-2-4-353 0 0</inkml:trace>
+</inkml:ink>
+</file>
+
+<file path=ppt/ink/ink18.xml><?xml version="1.0" encoding="utf-8"?>
+<inkml:ink xmlns:inkml="http://www.w3.org/2003/InkML">
+  <inkml:definitions>
+    <inkml:context xml:id="ctx0">
+      <inkml:inkSource xml:id="inkSrc0">
+        <inkml:traceFormat>
+          <inkml:channel name="X" type="integer" min="-2.14748E9" max="2.14748E9" units="cm"/>
+          <inkml:channel name="Y" type="integer" min="-2.14748E9" max="2.14748E9" units="cm"/>
+          <inkml:channel name="F" type="integer" max="32767" units="dev"/>
+          <inkml:channel name="OA" type="integer" max="360" units="deg"/>
+          <inkml:channel name="OE" type="integer" max="90" units="deg"/>
+        </inkml:traceFormat>
+        <inkml:channelProperties>
+          <inkml:channelProperty channel="X" name="resolution" value="1000" units="1/cm"/>
+          <inkml:channelProperty channel="Y" name="resolution" value="1000" units="1/cm"/>
+          <inkml:channelProperty channel="F" name="resolution" value="0" units="1/dev"/>
+          <inkml:channelProperty channel="OA" name="resolution" value="1000" units="1/deg"/>
+          <inkml:channelProperty channel="OE" name="resolution" value="1000" units="1/deg"/>
+        </inkml:channelProperties>
+      </inkml:inkSource>
+      <inkml:timestamp xml:id="ts0" timeString="2020-05-26T11:08:48.021"/>
+    </inkml:context>
+    <inkml:brush xml:id="br0">
+      <inkml:brushProperty name="width" value="0.05" units="cm"/>
+      <inkml:brushProperty name="height" value="0.05" units="cm"/>
+      <inkml:brushProperty name="color" value="#E71224"/>
+    </inkml:brush>
+  </inkml:definitions>
+  <inkml:trace contextRef="#ctx0" brushRef="#br0">179 28 1240 0 0,'1'-16'706'0'0,"-1"16"-557"0"0,0-1 1 0 0,0 1-1 0 0,0-1 0 0 0,0 1 0 0 0,1-1 1 0 0,-1 1-1 0 0,0-1 0 0 0,0 1 0 0 0,0-1 1 0 0,0 0-1 0 0,0 1 0 0 0,0-1 0 0 0,-1 1 1 0 0,1-1-1 0 0,0 1 0 0 0,0-1 0 0 0,0 1 1 0 0,0-1-1 0 0,-1 1 0 0 0,1-1 1 0 0,0 1-1 0 0,-1-1-149 0 0,-16 14 3021 0 0,-19 20-509 0 0,10-9-474 0 0,-18 20-2038 0 0,37-36-171 0 0,0 0 0 0 0,1 0 0 0 0,0 1 0 0 0,1 0 0 0 0,-1 0 0 0 0,2 1 0 0 0,-5 9 171 0 0,5 7-3491 0 0,4-25 3222 0 0,0 0-1 0 0,0 0 1 0 0,0 1-1 0 0,0-1 1 0 0,0 0-1 0 0,1 0 1 0 0,-1 0-1 0 0,0 0 1 0 0,1 0-1 0 0,-1 0 1 0 0,1 0-1 0 0,-1 0 1 0 0,1 0-1 0 0,-1 0 1 0 0,1 0-1 0 0,0 0 1 0 0,-1 0-1 0 0,1 0 1 0 0,0-1-1 0 0,0 1 1 0 0,0 0-1 0 0,0 0 270 0 0,4 2-2176 0 0</inkml:trace>
+</inkml:ink>
+</file>
+
+<file path=ppt/ink/ink19.xml><?xml version="1.0" encoding="utf-8"?>
+<inkml:ink xmlns:inkml="http://www.w3.org/2003/InkML">
+  <inkml:definitions>
+    <inkml:context xml:id="ctx0">
+      <inkml:inkSource xml:id="inkSrc0">
+        <inkml:traceFormat>
+          <inkml:channel name="X" type="integer" min="-2.14748E9" max="2.14748E9" units="cm"/>
+          <inkml:channel name="Y" type="integer" min="-2.14748E9" max="2.14748E9" units="cm"/>
+          <inkml:channel name="F" type="integer" max="32767" units="dev"/>
+          <inkml:channel name="OA" type="integer" max="360" units="deg"/>
+          <inkml:channel name="OE" type="integer" max="90" units="deg"/>
+        </inkml:traceFormat>
+        <inkml:channelProperties>
+          <inkml:channelProperty channel="X" name="resolution" value="1000" units="1/cm"/>
+          <inkml:channelProperty channel="Y" name="resolution" value="1000" units="1/cm"/>
+          <inkml:channelProperty channel="F" name="resolution" value="0" units="1/dev"/>
+          <inkml:channelProperty channel="OA" name="resolution" value="1000" units="1/deg"/>
+          <inkml:channelProperty channel="OE" name="resolution" value="1000" units="1/deg"/>
+        </inkml:channelProperties>
+      </inkml:inkSource>
+      <inkml:timestamp xml:id="ts0" timeString="2020-05-26T11:08:48.751"/>
+    </inkml:context>
+    <inkml:brush xml:id="br0">
+      <inkml:brushProperty name="width" value="0.05" units="cm"/>
+      <inkml:brushProperty name="height" value="0.05" units="cm"/>
+      <inkml:brushProperty name="color" value="#E71224"/>
+    </inkml:brush>
+  </inkml:definitions>
+  <inkml:trace contextRef="#ctx0" brushRef="#br0">54 251 1632 0 0,'-6'8'342'0'0,"1"-1"0"0"0,0 1 0 0 0,0 0 0 0 0,1 0-1 0 0,0 0 1 0 0,0 0 0 0 0,1 1 0 0 0,0-1 0 0 0,1 1-1 0 0,0 0 1 0 0,0 0 0 0 0,1 0 0 0 0,0 0 0 0 0,0 2-342 0 0,1 0 194 0 0,0 0 0 0 0,0 0 0 0 0,2 0 0 0 0,-1 0 1 0 0,1 0-1 0 0,1 0 0 0 0,0-1 0 0 0,0 1 0 0 0,1-1 1 0 0,0 0-1 0 0,4 7-194 0 0,-5-12 63 0 0,0 0 0 0 0,1-1 0 0 0,-1 1-1 0 0,1-1 1 0 0,0 0 0 0 0,0 0 0 0 0,1 0 0 0 0,-1 0 0 0 0,1-1 0 0 0,-1 0 0 0 0,1 0 0 0 0,0 0-1 0 0,2 0-62 0 0,2 1 132 0 0,0 0 0 0 0,1-1-1 0 0,0 0 1 0 0,0-1-1 0 0,0 0 1 0 0,0 0-1 0 0,4-1-131 0 0,12 0 264 0 0,0-2 0 0 0,0 0-1 0 0,0-2 1 0 0,0 0-1 0 0,12-5-263 0 0,-12 1 115 0 0,0 0-1 0 0,0-2 0 0 0,0-1 0 0 0,-2-1 0 0 0,1-1 0 0 0,-1-1 0 0 0,-1-1 0 0 0,0-1 0 0 0,19-18-114 0 0,-27 20 36 0 0,0 0 1 0 0,-1-1-1 0 0,-1-1 0 0 0,0 0 0 0 0,-1 0 0 0 0,-1-2 1 0 0,0 1-1 0 0,-1-1 0 0 0,-1-1 0 0 0,0 0 0 0 0,-2 0 1 0 0,0 0-1 0 0,-1-1 0 0 0,-1-2-36 0 0,-3 14-30 0 0,-1 0 1 0 0,0 0-1 0 0,0 0 0 0 0,-1 0 1 0 0,0-1-1 0 0,0 1 0 0 0,0 0 1 0 0,-1 0-1 0 0,-1 0 0 0 0,1 0 0 0 0,-1 0 1 0 0,0 0-1 0 0,-2-4 30 0 0,1 6-22 0 0,1 0 1 0 0,-1 0-1 0 0,-1 0 0 0 0,1 0 0 0 0,-1 1 0 0 0,0-1 1 0 0,0 1-1 0 0,0 0 0 0 0,0 0 0 0 0,-1 1 1 0 0,1-1-1 0 0,-1 1 0 0 0,0 0 0 0 0,0 1 1 0 0,0-1-1 0 0,-1 1 0 0 0,0-1 22 0 0,-11-2-34 0 0,1 0 1 0 0,-1 1-1 0 0,0 1 1 0 0,-1 0-1 0 0,1 1 1 0 0,-1 1-1 0 0,-2 1 34 0 0,-41 1 283 0 0,-23 6-283 0 0,52-5 91 0 0,-7 2 123 0 0,-1 0 0 0 0,1 3 0 0 0,-31 9-214 0 0,59-13 49 0 0,0 1 0 0 0,0 0 0 0 0,0 0 0 0 0,0 1 0 0 0,1 0 0 0 0,0 1 0 0 0,0 0 0 0 0,1 1 0 0 0,-1 0 0 0 0,1 1 0 0 0,1-1 0 0 0,0 2 0 0 0,0-1 0 0 0,0 1 0 0 0,-1 3-49 0 0,6-6 25 0 0,-1-1 0 0 0,1 1 0 0 0,0 0 0 0 0,1 0 0 0 0,0 0 0 0 0,0 0-1 0 0,0 1 1 0 0,1-1 0 0 0,-1 0 0 0 0,1 1 0 0 0,1-1 0 0 0,0 1 0 0 0,0-1-1 0 0,0 1 1 0 0,0 0 0 0 0,1-1 0 0 0,0 0 0 0 0,1 1 0 0 0,-1-1 0 0 0,1 0 0 0 0,1 0-1 0 0,-1 1 1 0 0,1-2 0 0 0,0 1 0 0 0,0 0 0 0 0,1-1 0 0 0,-1 1 0 0 0,1-1-1 0 0,0 0 1 0 0,1 0 0 0 0,-1-1 0 0 0,1 1 0 0 0,0-1 0 0 0,5 4-25 0 0,11 4 108 0 0,0-1 0 0 0,0-1 0 0 0,1 0 0 0 0,0-2 0 0 0,1-1 0 0 0,15 3-108 0 0,-3-2 121 0 0,0-2-1 0 0,0-1 1 0 0,1-2 0 0 0,4-2-121 0 0,-24-1 88 0 0,0 0-1 0 0,0-2 1 0 0,0 0 0 0 0,0-1 0 0 0,9-3-88 0 0,-18 4 50 0 0,1 0 1 0 0,-1-1-1 0 0,0 0 1 0 0,0 0-1 0 0,-1 0 0 0 0,1-1 1 0 0,-1 0-1 0 0,0-1 1 0 0,0 1-1 0 0,0-1 1 0 0,0-1-1 0 0,4-5-50 0 0,-9 10 38 0 0,1 0 0 0 0,-1-1 0 0 0,0 1 0 0 0,0-1 1 0 0,0 0-1 0 0,0 1 0 0 0,-1-1 0 0 0,1 0 0 0 0,0 0 0 0 0,-1 1 0 0 0,1-1 1 0 0,-1 0-1 0 0,1 0 0 0 0,-1 0 0 0 0,0 0 0 0 0,0 1 0 0 0,0-1 0 0 0,0 0 1 0 0,0 0-1 0 0,0 0 0 0 0,-1 0 0 0 0,1 0 0 0 0,-1 0-38 0 0,0-1 46 0 0,-1 0 0 0 0,1 0-1 0 0,-1 0 1 0 0,0 0 0 0 0,0 1 0 0 0,0-1 0 0 0,0 1-1 0 0,0-1 1 0 0,-1 1 0 0 0,1 0 0 0 0,-1 0-1 0 0,0 0 1 0 0,0 0-46 0 0,-4-3 16 0 0,0 1 0 0 0,0 0 0 0 0,-1 1 0 0 0,1-1 0 0 0,-1 1 0 0 0,0 1 0 0 0,0 0 0 0 0,0 0 0 0 0,0 0 0 0 0,-6 1-16 0 0,5 1-142 0 0,0 0 0 0 0,-1 1 0 0 0,1 0 0 0 0,0 0 0 0 0,0 1 0 0 0,0 1 0 0 0,0 0 0 0 0,1 0 0 0 0,-6 3 142 0 0,10-5-504 0 0,0 2 0 0 0,0-1 0 0 0,0 0 0 0 0,0 1 0 0 0,0 0 0 0 0,0 0 0 0 0,1 0 0 0 0,0 0 0 0 0,0 1 0 0 0,-1-1 0 0 0,2 1 0 0 0,-1 0 0 0 0,0 0 0 0 0,1 0 0 0 0,0 0 0 0 0,0 0 0 0 0,0 0 0 0 0,0 1 0 0 0,0 2 504 0 0,-6 26-4857 0 0,9-10 2019 0 0</inkml:trace>
+</inkml:ink>
+</file>
+
+<file path=ppt/ink/ink2.xml><?xml version="1.0" encoding="utf-8"?>
+<inkml:ink xmlns:inkml="http://www.w3.org/2003/InkML">
+  <inkml:definitions>
+    <inkml:context xml:id="ctx0">
+      <inkml:inkSource xml:id="inkSrc0">
+        <inkml:traceFormat>
+          <inkml:channel name="X" type="integer" min="-2.14748E9" max="2.14748E9" units="cm"/>
+          <inkml:channel name="Y" type="integer" min="-2.14748E9" max="2.14748E9" units="cm"/>
+          <inkml:channel name="F" type="integer" max="32767" units="dev"/>
+          <inkml:channel name="OA" type="integer" max="360" units="deg"/>
+          <inkml:channel name="OE" type="integer" max="90" units="deg"/>
+        </inkml:traceFormat>
+        <inkml:channelProperties>
+          <inkml:channelProperty channel="X" name="resolution" value="1000" units="1/cm"/>
+          <inkml:channelProperty channel="Y" name="resolution" value="1000" units="1/cm"/>
+          <inkml:channelProperty channel="F" name="resolution" value="0" units="1/dev"/>
+          <inkml:channelProperty channel="OA" name="resolution" value="1000" units="1/deg"/>
+          <inkml:channelProperty channel="OE" name="resolution" value="1000" units="1/deg"/>
+        </inkml:channelProperties>
+      </inkml:inkSource>
+      <inkml:timestamp xml:id="ts0" timeString="2020-05-26T11:08:09.665"/>
+    </inkml:context>
+    <inkml:brush xml:id="br0">
+      <inkml:brushProperty name="width" value="0.05" units="cm"/>
+      <inkml:brushProperty name="height" value="0.05" units="cm"/>
+    </inkml:brush>
+  </inkml:definitions>
+  <inkml:trace contextRef="#ctx0" brushRef="#br0">107 34 2905 0 0,'-10'4'2032'0'0,"-1"7"-720"0"0,0 1-55 0 0,0 3-169 0 0,5 1-224 0 0,0 1-440 0 0,-2-1-112 0 0,1 2-72 0 0,-1-1-64 0 0,2-3-144 0 0,-1 0-344 0 0,1-2-600 0 0,2-2-664 0 0,0-2-73 0 0,3 0-4248 0 0</inkml:trace>
+  <inkml:trace contextRef="#ctx0" brushRef="#br0" timeOffset="1">193 1 6057 0 0,'-6'12'1393'0'0,"0"6"-73"0"0,-1 4-248 0 0,-1 2-328 0 0,2 1-296 0 0,0-3-184 0 0,-2 3-112 0 0,-2-2-152 0 0,-1-1-400 0 0,0-1-624 0 0,-1 0-768 0 0,-5-10-377 0 0,5 6-3888 0 0</inkml:trace>
+</inkml:ink>
+</file>
+
+<file path=ppt/ink/ink20.xml><?xml version="1.0" encoding="utf-8"?>
+<inkml:ink xmlns:inkml="http://www.w3.org/2003/InkML">
+  <inkml:definitions>
+    <inkml:context xml:id="ctx0">
+      <inkml:inkSource xml:id="inkSrc0">
+        <inkml:traceFormat>
+          <inkml:channel name="X" type="integer" min="-2.14748E9" max="2.14748E9" units="cm"/>
+          <inkml:channel name="Y" type="integer" min="-2.14748E9" max="2.14748E9" units="cm"/>
+          <inkml:channel name="F" type="integer" max="32767" units="dev"/>
+          <inkml:channel name="OA" type="integer" max="360" units="deg"/>
+          <inkml:channel name="OE" type="integer" max="90" units="deg"/>
+        </inkml:traceFormat>
+        <inkml:channelProperties>
+          <inkml:channelProperty channel="X" name="resolution" value="1000" units="1/cm"/>
+          <inkml:channelProperty channel="Y" name="resolution" value="1000" units="1/cm"/>
+          <inkml:channelProperty channel="F" name="resolution" value="0" units="1/dev"/>
+          <inkml:channelProperty channel="OA" name="resolution" value="1000" units="1/deg"/>
+          <inkml:channelProperty channel="OE" name="resolution" value="1000" units="1/deg"/>
+        </inkml:channelProperties>
+      </inkml:inkSource>
+      <inkml:timestamp xml:id="ts0" timeString="2020-05-26T11:08:49.265"/>
+    </inkml:context>
+    <inkml:brush xml:id="br0">
+      <inkml:brushProperty name="width" value="0.05" units="cm"/>
+      <inkml:brushProperty name="height" value="0.05" units="cm"/>
+      <inkml:brushProperty name="color" value="#E71224"/>
+    </inkml:brush>
+  </inkml:definitions>
+  <inkml:trace contextRef="#ctx0" brushRef="#br0">1 39 8930 0 0,'4'-4'163'0'0,"0"1"0"0"0,0-1 0 0 0,0 1 0 0 0,0 0 0 0 0,0 0 0 0 0,1 1 0 0 0,0-1 0 0 0,-1 1 0 0 0,1 0 0 0 0,0 0 0 0 0,0 0 0 0 0,0 1 0 0 0,1 0 0 0 0,-1 0 0 0 0,0 0 0 0 0,0 1 0 0 0,1-1 0 0 0,3 1-163 0 0,14 1-34 0 0,1 1-1 0 0,0 1 1 0 0,16 4 34 0 0,-4-1 151 0 0,63 8-260 0 0,1-4 0 0 0,0-5 1 0 0,0-5-1 0 0,37-6 109 0 0,31-11 228 0 0,-18 2 570 0 0,64 4-798 0 0,-174 13-67 0 0,-1 2 0 0 0,1 2 1 0 0,16 5 66 0 0,-11-2-44 0 0,0-2 1 0 0,14-1 43 0 0,-39-3-53 0 0,-17-3-42 0 0,-1 1 0 0 0,1 0 0 0 0,-1-1 0 0 0,1 0 1 0 0,-1 0-1 0 0,1 0 0 0 0,0 0 0 0 0,-1 0 1 0 0,1 0-1 0 0,-1-1 0 0 0,1 1 0 0 0,-1-1 0 0 0,1 0 1 0 0,0 0 94 0 0,21-7-1765 0 0,17-7-4869 0 0,-33 11 4205 0 0</inkml:trace>
+</inkml:ink>
+</file>
+
+<file path=ppt/ink/ink21.xml><?xml version="1.0" encoding="utf-8"?>
+<inkml:ink xmlns:inkml="http://www.w3.org/2003/InkML">
+  <inkml:definitions>
+    <inkml:context xml:id="ctx0">
+      <inkml:inkSource xml:id="inkSrc0">
+        <inkml:traceFormat>
+          <inkml:channel name="X" type="integer" min="-2.14748E9" max="2.14748E9" units="cm"/>
+          <inkml:channel name="Y" type="integer" min="-2.14748E9" max="2.14748E9" units="cm"/>
+          <inkml:channel name="F" type="integer" max="32767" units="dev"/>
+          <inkml:channel name="OA" type="integer" max="360" units="deg"/>
+          <inkml:channel name="OE" type="integer" max="90" units="deg"/>
+        </inkml:traceFormat>
+        <inkml:channelProperties>
+          <inkml:channelProperty channel="X" name="resolution" value="1000" units="1/cm"/>
+          <inkml:channelProperty channel="Y" name="resolution" value="1000" units="1/cm"/>
+          <inkml:channelProperty channel="F" name="resolution" value="0" units="1/dev"/>
+          <inkml:channelProperty channel="OA" name="resolution" value="1000" units="1/deg"/>
+          <inkml:channelProperty channel="OE" name="resolution" value="1000" units="1/deg"/>
+        </inkml:channelProperties>
+      </inkml:inkSource>
+      <inkml:timestamp xml:id="ts0" timeString="2020-05-26T11:08:49.721"/>
+    </inkml:context>
+    <inkml:brush xml:id="br0">
+      <inkml:brushProperty name="width" value="0.05" units="cm"/>
+      <inkml:brushProperty name="height" value="0.05" units="cm"/>
+      <inkml:brushProperty name="color" value="#E71224"/>
+    </inkml:brush>
+  </inkml:definitions>
+  <inkml:trace contextRef="#ctx0" brushRef="#br0">188 0 4545 0 0,'-4'1'1112'0'0,"0"1"24"0"0,-1 0-231 0 0,-2 2-201 0 0,-2 1-176 0 0,-3 2-152 0 0,-2 2-120 0 0,0 2-96 0 0,0 0-112 0 0,-2 1-232 0 0,-1 0-352 0 0,0 1-480 0 0,2-2-457 0 0,0 0-87 0 0,2 0 176 0 0,2-1-2225 0 0</inkml:trace>
+  <inkml:trace contextRef="#ctx0" brushRef="#br0" timeOffset="1">204 50 4777 0 0,'1'-2'1528'0'0,"-2"2"89"0"0,1 1-425 0 0,0 0-376 0 0,-1 3-160 0 0,-2 2-192 0 0,-2 2-120 0 0,-4 2-64 0 0,-2 1-55 0 0,-2 0-201 0 0,-4 1-513 0 0,-6 0-967 0 0,-1 0-976 0 0,-1-1-4242 0 0</inkml:trace>
+</inkml:ink>
+</file>
+
+<file path=ppt/ink/ink22.xml><?xml version="1.0" encoding="utf-8"?>
+<inkml:ink xmlns:inkml="http://www.w3.org/2003/InkML">
+  <inkml:definitions>
+    <inkml:context xml:id="ctx0">
+      <inkml:inkSource xml:id="inkSrc0">
+        <inkml:traceFormat>
+          <inkml:channel name="X" type="integer" min="-2.14748E9" max="2.14748E9" units="cm"/>
+          <inkml:channel name="Y" type="integer" min="-2.14748E9" max="2.14748E9" units="cm"/>
+          <inkml:channel name="F" type="integer" max="32767" units="dev"/>
+          <inkml:channel name="OA" type="integer" max="360" units="deg"/>
+          <inkml:channel name="OE" type="integer" max="90" units="deg"/>
+        </inkml:traceFormat>
+        <inkml:channelProperties>
+          <inkml:channelProperty channel="X" name="resolution" value="1000" units="1/cm"/>
+          <inkml:channelProperty channel="Y" name="resolution" value="1000" units="1/cm"/>
+          <inkml:channelProperty channel="F" name="resolution" value="0" units="1/dev"/>
+          <inkml:channelProperty channel="OA" name="resolution" value="1000" units="1/deg"/>
+          <inkml:channelProperty channel="OE" name="resolution" value="1000" units="1/deg"/>
+        </inkml:channelProperties>
+      </inkml:inkSource>
+      <inkml:timestamp xml:id="ts0" timeString="2020-05-26T11:09:02.387"/>
+    </inkml:context>
+    <inkml:brush xml:id="br0">
+      <inkml:brushProperty name="width" value="0.1" units="cm"/>
+      <inkml:brushProperty name="height" value="0.1" units="cm"/>
+      <inkml:brushProperty name="color" value="#004F8B"/>
+    </inkml:brush>
+  </inkml:definitions>
+  <inkml:trace contextRef="#ctx0" brushRef="#br0">27 0 5017 0 0,'-8'32'1412'0'0,"2"-1"0"0"0,1 1-1 0 0,1 6-1411 0 0,1 10 324 0 0,3 0-1 0 0,1-1 0 0 0,4 12-323 0 0,1-34-147 0 0,-2-7-1584 0 0,-3-6-2585 0 0,0-11 296 0 0</inkml:trace>
+</inkml:ink>
+</file>
+
+<file path=ppt/ink/ink23.xml><?xml version="1.0" encoding="utf-8"?>
+<inkml:ink xmlns:inkml="http://www.w3.org/2003/InkML">
+  <inkml:definitions>
+    <inkml:context xml:id="ctx0">
+      <inkml:inkSource xml:id="inkSrc0">
+        <inkml:traceFormat>
+          <inkml:channel name="X" type="integer" min="-2.14748E9" max="2.14748E9" units="cm"/>
+          <inkml:channel name="Y" type="integer" min="-2.14748E9" max="2.14748E9" units="cm"/>
+          <inkml:channel name="F" type="integer" max="32767" units="dev"/>
+          <inkml:channel name="OA" type="integer" max="360" units="deg"/>
+          <inkml:channel name="OE" type="integer" max="90" units="deg"/>
+        </inkml:traceFormat>
+        <inkml:channelProperties>
+          <inkml:channelProperty channel="X" name="resolution" value="1000" units="1/cm"/>
+          <inkml:channelProperty channel="Y" name="resolution" value="1000" units="1/cm"/>
+          <inkml:channelProperty channel="F" name="resolution" value="0" units="1/dev"/>
+          <inkml:channelProperty channel="OA" name="resolution" value="1000" units="1/deg"/>
+          <inkml:channelProperty channel="OE" name="resolution" value="1000" units="1/deg"/>
+        </inkml:channelProperties>
+      </inkml:inkSource>
+      <inkml:timestamp xml:id="ts0" timeString="2020-05-26T11:09:02.732"/>
+    </inkml:context>
+    <inkml:brush xml:id="br0">
+      <inkml:brushProperty name="width" value="0.1" units="cm"/>
+      <inkml:brushProperty name="height" value="0.1" units="cm"/>
+      <inkml:brushProperty name="color" value="#004F8B"/>
+    </inkml:brush>
+  </inkml:definitions>
+  <inkml:trace contextRef="#ctx0" brushRef="#br0">1 500 5217 0 0,'0'1'28'0'0,"11"21"573"0"0,1-1 1 0 0,1 0-1 0 0,0-1 1 0 0,2 0 0 0 0,0-1-602 0 0,-10-14 36 0 0,0 0 0 0 0,1 0 0 0 0,-1 0 0 0 0,1 0 0 0 0,0-1 0 0 0,0 0 0 0 0,0-1 0 0 0,1 1 0 0 0,-1-1 0 0 0,1 0 0 0 0,0-1 0 0 0,0 0 0 0 0,0 0 0 0 0,0 0 0 0 0,0-1 0 0 0,0 0 0 0 0,1 0 0 0 0,-1-1 0 0 0,0 0-36 0 0,8-1 44 0 0,0-1 0 0 0,-1-1 0 0 0,1 0 0 0 0,-1 0-1 0 0,0-2 1 0 0,0 0 0 0 0,0 0 0 0 0,-1-2 0 0 0,0 1 0 0 0,0-2 0 0 0,-1 1 0 0 0,12-10-44 0 0,4-5 109 0 0,-2-1 1 0 0,0-1-1 0 0,-2-1 0 0 0,20-26-109 0 0,-26 28 251 0 0,-1-1 1 0 0,-1 0 0 0 0,-1-1-1 0 0,-1-1 1 0 0,3-12-252 0 0,-10 24 107 0 0,-2-1 0 0 0,0 0-1 0 0,-1 0 1 0 0,0 0 0 0 0,-2 0 0 0 0,1-1-1 0 0,-2 1 1 0 0,0-1 0 0 0,-1 0 0 0 0,-2-13-107 0 0,2 23 14 0 0,-1 0 1 0 0,0 0 0 0 0,-1 1 0 0 0,1-1-1 0 0,-1 1 1 0 0,0-1 0 0 0,0 1 0 0 0,-1 0-1 0 0,0 0 1 0 0,0 0 0 0 0,0 0 0 0 0,0 0-1 0 0,-1 1 1 0 0,0-1 0 0 0,0 1 0 0 0,0 0-1 0 0,0 0 1 0 0,-1 0 0 0 0,0 1-1 0 0,1 0 1 0 0,-1 0 0 0 0,-1 0 0 0 0,1 0-1 0 0,0 1 1 0 0,0 0 0 0 0,-1 0 0 0 0,0 0-1 0 0,1 1 1 0 0,-1 0 0 0 0,0 0 0 0 0,1 0-1 0 0,-1 1 1 0 0,0 0 0 0 0,0 0 0 0 0,0 0-1 0 0,-1 1-14 0 0,-13 1 62 0 0,1 2 0 0 0,-1 0 0 0 0,1 1 0 0 0,0 1 0 0 0,1 1 0 0 0,-1 0 0 0 0,1 2 0 0 0,1 0 0 0 0,-1 1 0 0 0,2 0 0 0 0,-10 9-62 0 0,1 0-303 0 0,1 1 0 0 0,0 1 0 0 0,-18 23 303 0 0,23-21-1223 0 0,0 0-1 0 0,-2 7 1224 0 0,-4 14-2927 0 0,8 4-2989 0 0</inkml:trace>
+</inkml:ink>
+</file>
+
+<file path=ppt/ink/ink24.xml><?xml version="1.0" encoding="utf-8"?>
+<inkml:ink xmlns:inkml="http://www.w3.org/2003/InkML">
+  <inkml:definitions>
+    <inkml:context xml:id="ctx0">
+      <inkml:inkSource xml:id="inkSrc0">
+        <inkml:traceFormat>
+          <inkml:channel name="X" type="integer" min="-2.14748E9" max="2.14748E9" units="cm"/>
+          <inkml:channel name="Y" type="integer" min="-2.14748E9" max="2.14748E9" units="cm"/>
+          <inkml:channel name="F" type="integer" max="32767" units="dev"/>
+          <inkml:channel name="OA" type="integer" max="360" units="deg"/>
+          <inkml:channel name="OE" type="integer" max="90" units="deg"/>
+        </inkml:traceFormat>
+        <inkml:channelProperties>
+          <inkml:channelProperty channel="X" name="resolution" value="1000" units="1/cm"/>
+          <inkml:channelProperty channel="Y" name="resolution" value="1000" units="1/cm"/>
+          <inkml:channelProperty channel="F" name="resolution" value="0" units="1/dev"/>
+          <inkml:channelProperty channel="OA" name="resolution" value="1000" units="1/deg"/>
+          <inkml:channelProperty channel="OE" name="resolution" value="1000" units="1/deg"/>
+        </inkml:channelProperties>
+      </inkml:inkSource>
+      <inkml:timestamp xml:id="ts0" timeString="2020-05-26T11:09:03.167"/>
+    </inkml:context>
+    <inkml:brush xml:id="br0">
+      <inkml:brushProperty name="width" value="0.1" units="cm"/>
+      <inkml:brushProperty name="height" value="0.1" units="cm"/>
+      <inkml:brushProperty name="color" value="#004F8B"/>
+    </inkml:brush>
+  </inkml:definitions>
+  <inkml:trace contextRef="#ctx0" brushRef="#br0">1 99 7082 0 0,'10'-10'477'0'0,"0"1"0"0"0,1 0 0 0 0,0 1 0 0 0,0 0 1 0 0,1 1-1 0 0,0 0 0 0 0,10-4-477 0 0,-9 6 76 0 0,-1 0-1 0 0,1 0 1 0 0,0 2 0 0 0,0-1 0 0 0,0 1-1 0 0,1 1 1 0 0,-1 1 0 0 0,1 0-1 0 0,-1 0 1 0 0,1 2 0 0 0,-1-1-1 0 0,9 3-75 0 0,-20-3-14 0 0,0 0 0 0 0,-1 1-1 0 0,1-1 1 0 0,0 0-1 0 0,0 1 1 0 0,0 0-1 0 0,-1-1 1 0 0,1 1-1 0 0,0 0 1 0 0,-1 0-1 0 0,1 0 1 0 0,0 0-1 0 0,-1 0 1 0 0,1 0 0 0 0,-1 0-1 0 0,0 1 1 0 0,1-1-1 0 0,-1 0 1 0 0,0 1-1 0 0,0-1 1 0 0,0 1-1 0 0,0 0 1 0 0,0 0 14 0 0,0 1-9 0 0,-1-1 1 0 0,1 0-1 0 0,-1 1 1 0 0,0-1-1 0 0,0 0 1 0 0,0 1-1 0 0,0-1 1 0 0,-1 1-1 0 0,1-1 1 0 0,-1 0-1 0 0,1 1 1 0 0,-1-1-1 0 0,0 0 1 0 0,0 0-1 0 0,0 0 1 0 0,0 1 8 0 0,-5 8 0 0 0,-1 0 0 0 0,0-1-1 0 0,0 0 1 0 0,-1 0 0 0 0,0-1 0 0 0,-5 4 0 0 0,-21 17 82 0 0,-1-2 1 0 0,-1-2-1 0 0,-12 6-82 0 0,-3 2 174 0 0,50-33-176 0 0,0-1-1 0 0,0 1 1 0 0,0-1-1 0 0,0 1 0 0 0,1-1 1 0 0,-1 1-1 0 0,0 0 0 0 0,0 0 1 0 0,1-1-1 0 0,-1 1 1 0 0,0 0-1 0 0,1 0 0 0 0,-1-1 1 0 0,1 1-1 0 0,-1 0 1 0 0,1 0-1 0 0,-1 0 0 0 0,1 0 1 0 0,0 0-1 0 0,0 0 0 0 0,-1 0 3 0 0,1 0 5 0 0,1-1-1 0 0,-1 1 0 0 0,0-1 0 0 0,0 1 0 0 0,1-1 0 0 0,-1 1 0 0 0,0-1 0 0 0,1 1 0 0 0,-1-1 0 0 0,1 1 0 0 0,-1-1 0 0 0,1 1 0 0 0,-1-1 0 0 0,1 0 1 0 0,-1 1-1 0 0,1-1 0 0 0,-1 0 0 0 0,1 1 0 0 0,-1-1 0 0 0,1 0 0 0 0,-1 0 0 0 0,1 0 0 0 0,-1 1 0 0 0,1-1-4 0 0,6 1 88 0 0,0 1 1 0 0,0-1-1 0 0,-1 0 0 0 0,1-1 1 0 0,2 1-89 0 0,21-1 490 0 0,-1-1 1 0 0,24-5-491 0 0,3-6-973 0 0,-44 9-690 0 0,-1-1 0 0 0,1-1-1 0 0,4-3 1664 0 0,0-1-6049 0 0</inkml:trace>
+</inkml:ink>
+</file>
+
+<file path=ppt/ink/ink25.xml><?xml version="1.0" encoding="utf-8"?>
+<inkml:ink xmlns:inkml="http://www.w3.org/2003/InkML">
+  <inkml:definitions>
+    <inkml:context xml:id="ctx0">
+      <inkml:inkSource xml:id="inkSrc0">
+        <inkml:traceFormat>
+          <inkml:channel name="X" type="integer" min="-2.14748E9" max="2.14748E9" units="cm"/>
+          <inkml:channel name="Y" type="integer" min="-2.14748E9" max="2.14748E9" units="cm"/>
+          <inkml:channel name="F" type="integer" max="32767" units="dev"/>
+          <inkml:channel name="OA" type="integer" max="360" units="deg"/>
+          <inkml:channel name="OE" type="integer" max="90" units="deg"/>
+        </inkml:traceFormat>
+        <inkml:channelProperties>
+          <inkml:channelProperty channel="X" name="resolution" value="1000" units="1/cm"/>
+          <inkml:channelProperty channel="Y" name="resolution" value="1000" units="1/cm"/>
+          <inkml:channelProperty channel="F" name="resolution" value="0" units="1/dev"/>
+          <inkml:channelProperty channel="OA" name="resolution" value="1000" units="1/deg"/>
+          <inkml:channelProperty channel="OE" name="resolution" value="1000" units="1/deg"/>
+        </inkml:channelProperties>
+      </inkml:inkSource>
+      <inkml:timestamp xml:id="ts0" timeString="2020-05-26T11:09:03.516"/>
+    </inkml:context>
+    <inkml:brush xml:id="br0">
+      <inkml:brushProperty name="width" value="0.1" units="cm"/>
+      <inkml:brushProperty name="height" value="0.1" units="cm"/>
+      <inkml:brushProperty name="color" value="#004F8B"/>
+    </inkml:brush>
+  </inkml:definitions>
+  <inkml:trace contextRef="#ctx0" brushRef="#br0">1 403 5545 0 0,'1'24'784'0'0,"1"1"-1"0"0,1 0 1 0 0,1-1 0 0 0,1 1-1 0 0,1-1 1 0 0,1-1 0 0 0,2 1-1 0 0,8 17-783 0 0,-12-32 52 0 0,0-1 0 0 0,0 1 0 0 0,1-1-1 0 0,0 0 1 0 0,1 0 0 0 0,-1-1-1 0 0,2 0 1 0 0,-1 0 0 0 0,1 0 0 0 0,3 1-52 0 0,-4-3 47 0 0,0-1 1 0 0,0-1-1 0 0,1 1 1 0 0,-1-1-1 0 0,1-1 1 0 0,-1 1 0 0 0,1-1-1 0 0,0-1 1 0 0,0 0-1 0 0,0 0 1 0 0,0 0-1 0 0,0-1 1 0 0,0 0-1 0 0,2 0-47 0 0,7-3 59 0 0,-1 0 0 0 0,1 0 0 0 0,-1-2 0 0 0,0 0-1 0 0,0-1 1 0 0,-1 0 0 0 0,0-1 0 0 0,0-1 0 0 0,0 0 0 0 0,-1-2-1 0 0,0 1 1 0 0,-1-2 0 0 0,1 0-59 0 0,24-23 92 0 0,-2-1 1 0 0,-1-1-1 0 0,22-32-92 0 0,-28 31 179 0 0,-2-1 1 0 0,-1-1-1 0 0,0-4-179 0 0,-16 24 106 0 0,0-1-1 0 0,-2 1 1 0 0,0-2 0 0 0,-1 1-1 0 0,-1-1 1 0 0,-1 0 0 0 0,2-17-106 0 0,-6 30 39 0 0,0 0 0 0 0,-1 1 0 0 0,0-1 0 0 0,-1 0 1 0 0,1 0-1 0 0,-2 0 0 0 0,1 0 0 0 0,-1 1 0 0 0,0-1 1 0 0,-1 0-1 0 0,1 1 0 0 0,-1 0-39 0 0,1 3 7 0 0,0 1 1 0 0,0 0-1 0 0,0 0 1 0 0,0 0-1 0 0,-1 0 1 0 0,1 0-1 0 0,-1 0 1 0 0,0 1-1 0 0,1-1 0 0 0,-1 1 1 0 0,0 0-1 0 0,-1 0 1 0 0,1 0-1 0 0,0 0 1 0 0,0 0-1 0 0,-1 1 1 0 0,1-1-1 0 0,-1 1 1 0 0,0 0-1 0 0,1 0 0 0 0,-1 1 1 0 0,0-1-1 0 0,1 1 1 0 0,-1-1-1 0 0,0 1 1 0 0,0 1-8 0 0,-7-1-19 0 0,-1 2 0 0 0,1 0 0 0 0,-1 0 0 0 0,1 1 0 0 0,0 0 0 0 0,0 1 0 0 0,1 0 0 0 0,-1 1 0 0 0,-6 4 19 0 0,-10 7-117 0 0,0 1-1 0 0,-22 19 118 0 0,29-21-541 0 0,1 2 0 0 0,1 0 0 0 0,1 1 0 0 0,-14 19 541 0 0,21-24-1009 0 0,1 0 0 0 0,0 1 1 0 0,1 0-1 0 0,1 0 0 0 0,0 1 0 0 0,1 0 1 0 0,1 0-1 0 0,-1 3 1009 0 0,-1 20-5333 0 0</inkml:trace>
+</inkml:ink>
+</file>
+
+<file path=ppt/ink/ink26.xml><?xml version="1.0" encoding="utf-8"?>
+<inkml:ink xmlns:inkml="http://www.w3.org/2003/InkML">
+  <inkml:definitions>
+    <inkml:context xml:id="ctx0">
+      <inkml:inkSource xml:id="inkSrc0">
+        <inkml:traceFormat>
+          <inkml:channel name="X" type="integer" min="-2.14748E9" max="2.14748E9" units="cm"/>
+          <inkml:channel name="Y" type="integer" min="-2.14748E9" max="2.14748E9" units="cm"/>
+          <inkml:channel name="F" type="integer" max="32767" units="dev"/>
+          <inkml:channel name="OA" type="integer" max="360" units="deg"/>
+          <inkml:channel name="OE" type="integer" max="90" units="deg"/>
+        </inkml:traceFormat>
+        <inkml:channelProperties>
+          <inkml:channelProperty channel="X" name="resolution" value="1000" units="1/cm"/>
+          <inkml:channelProperty channel="Y" name="resolution" value="1000" units="1/cm"/>
+          <inkml:channelProperty channel="F" name="resolution" value="0" units="1/dev"/>
+          <inkml:channelProperty channel="OA" name="resolution" value="1000" units="1/deg"/>
+          <inkml:channelProperty channel="OE" name="resolution" value="1000" units="1/deg"/>
+        </inkml:channelProperties>
+      </inkml:inkSource>
+      <inkml:timestamp xml:id="ts0" timeString="2020-05-26T11:09:03.972"/>
+    </inkml:context>
+    <inkml:brush xml:id="br0">
+      <inkml:brushProperty name="width" value="0.1" units="cm"/>
+      <inkml:brushProperty name="height" value="0.1" units="cm"/>
+      <inkml:brushProperty name="color" value="#004F8B"/>
+    </inkml:brush>
+  </inkml:definitions>
+  <inkml:trace contextRef="#ctx0" brushRef="#br0">336 8 13331 0 0,'0'0'76'0'0,"0"-1"0"0"0,0 1 0 0 0,1-1 0 0 0,-1 1 0 0 0,0-1 0 0 0,1 1 0 0 0,-1 0 0 0 0,0-1 0 0 0,1 1 0 0 0,-1 0 0 0 0,0-1 0 0 0,1 1 0 0 0,-1 0 0 0 0,1-1 0 0 0,-1 1 0 0 0,1 0 0 0 0,-1 0 0 0 0,1 0 0 0 0,-1-1 0 0 0,0 1 0 0 0,1 0 0 0 0,-1 0 0 0 0,1 0 0 0 0,-1 0 0 0 0,1 0 0 0 0,-1 0 0 0 0,1 0 0 0 0,-1 0 0 0 0,1 0 0 0 0,-1 0 0 0 0,1 0-76 0 0,0 1 50 0 0,0-1 0 0 0,0 1 0 0 0,0 0 0 0 0,0 0 0 0 0,0-1 0 0 0,-1 1 0 0 0,1 0 0 0 0,0 0 0 0 0,-1 0-1 0 0,1 0 1 0 0,0 0 0 0 0,-1 0 0 0 0,1 0 0 0 0,-1 0-50 0 0,2 4 49 0 0,0 0 0 0 0,0 0 0 0 0,0 0-1 0 0,-1 0 1 0 0,1 6-49 0 0,-2-5-4 0 0,0 0 0 0 0,-1-1 0 0 0,1 1 0 0 0,-1 0 0 0 0,-1 0 0 0 0,1 0 0 0 0,-1-1 0 0 0,0 1 0 0 0,0-1 0 0 0,0 1 0 0 0,-1-1 0 0 0,0 0 0 0 0,0 0 0 0 0,0 0 0 0 0,-1 0 0 0 0,0-1 0 0 0,1 1 0 0 0,-2-1 0 0 0,1 0 0 0 0,0 0 0 0 0,-4 2 4 0 0,-14 10-128 0 0,-1-1 1 0 0,0 0-1 0 0,0-2 0 0 0,-7 1 128 0 0,10-3 2 0 0,13-8-60 0 0,4-2-18 0 0,1 0 1 0 0,-1 0-1 0 0,1 0 1 0 0,0 0-1 0 0,-1 1 1 0 0,1-1-1 0 0,0 1 1 0 0,0-1-1 0 0,0 1 0 0 0,0 0 1 0 0,0 0-1 0 0,0 0 1 0 0,1 0-1 0 0,-1 0 1 0 0,0 1 75 0 0,2-2-49 0 0,0-1 1 0 0,0 1-1 0 0,0-1 1 0 0,0 1-1 0 0,1-1 1 0 0,-1 1-1 0 0,0-1 1 0 0,0 1-1 0 0,1-1 1 0 0,-1 0-1 0 0,0 1 1 0 0,1-1-1 0 0,-1 0 1 0 0,1 1-1 0 0,-1-1 1 0 0,0 0-1 0 0,1 1 1 0 0,-1-1-1 0 0,1 0 1 0 0,-1 0-1 0 0,1 0 1 0 0,-1 1-1 0 0,1-1 1 0 0,-1 0-1 0 0,1 0 1 0 0,-1 0-1 0 0,1 0 1 0 0,-1 0-1 0 0,1 0 1 0 0,-1 0-1 0 0,1 0 1 0 0,-1 0 48 0 0,20 2-369 0 0,-18-2 321 0 0,15-1-122 0 0,1 0 1 0 0,14-3 169 0 0,-19 1 46 0 0,0 1 0 0 0,0 1 0 0 0,0 1 0 0 0,1 0 0 0 0,11 1-46 0 0,-22 0 11 0 0,-1 0 1 0 0,1 0-1 0 0,-1 0 0 0 0,0 0 1 0 0,1 1-1 0 0,-1-1 0 0 0,0 0 1 0 0,0 1-1 0 0,0 0 1 0 0,0 0-1 0 0,0-1 0 0 0,0 1 1 0 0,0 0-1 0 0,-1 0 0 0 0,1 1 1 0 0,-1-1-1 0 0,1 0 0 0 0,-1 1 1 0 0,0-1-1 0 0,0 0 0 0 0,0 1 1 0 0,0-1-1 0 0,0 1 0 0 0,-1 0 1 0 0,1 2-12 0 0,1 4 10 0 0,0 1 1 0 0,-1-1-1 0 0,0 1 1 0 0,-1 0-1 0 0,0-1 1 0 0,-1 8-11 0 0,0-13 57 0 0,0-1 1 0 0,0 1-1 0 0,0 0 1 0 0,-1-1 0 0 0,1 1-1 0 0,-1 0 1 0 0,0-1-1 0 0,0 0 1 0 0,0 0-1 0 0,-1 1 1 0 0,1-1-1 0 0,-1-1 1 0 0,0 1-1 0 0,0 0 1 0 0,0-1-1 0 0,0 1 1 0 0,-2 0-58 0 0,-10 8 308 0 0,-1-1 0 0 0,-1-1 1 0 0,-2 1-309 0 0,8-5 47 0 0,-171 91-11 0 0,177-94-43 0 0,0 1-498 0 0,0 0 1 0 0,0 0-1 0 0,-1-1 0 0 0,1 0 0 0 0,-4 1 505 0 0,8-3-245 0 0,0 1 0 0 0,0-1 0 0 0,0 0 0 0 0,0 0 0 0 0,0 0 0 0 0,0 0 0 0 0,0 0 0 0 0,0 0-1 0 0,0 0 1 0 0,0 0 0 0 0,0 0 0 0 0,0 0 0 0 0,0 0 0 0 0,0-1 0 0 0,0 1 0 0 0,0 0 0 0 0,0-1 0 0 0,1 1-1 0 0,-1-1 1 0 0,0 1 0 0 0,0-1 0 0 0,0 1 0 0 0,0-1 0 0 0,1 0 0 0 0,-1 1 0 0 0,0-1 0 0 0,1 0 0 0 0,-1 0-1 0 0,0 0 1 0 0,1 1 0 0 0,-1-1 0 0 0,1 0 0 0 0,-1 0 0 0 0,1 0 245 0 0,-4-12-4229 0 0</inkml:trace>
+</inkml:ink>
+</file>
+
+<file path=ppt/ink/ink27.xml><?xml version="1.0" encoding="utf-8"?>
+<inkml:ink xmlns:inkml="http://www.w3.org/2003/InkML">
+  <inkml:definitions>
+    <inkml:context xml:id="ctx0">
+      <inkml:inkSource xml:id="inkSrc0">
+        <inkml:traceFormat>
+          <inkml:channel name="X" type="integer" min="-2.14748E9" max="2.14748E9" units="cm"/>
+          <inkml:channel name="Y" type="integer" min="-2.14748E9" max="2.14748E9" units="cm"/>
+          <inkml:channel name="F" type="integer" max="32767" units="dev"/>
+          <inkml:channel name="OA" type="integer" max="360" units="deg"/>
+          <inkml:channel name="OE" type="integer" max="90" units="deg"/>
+        </inkml:traceFormat>
+        <inkml:channelProperties>
+          <inkml:channelProperty channel="X" name="resolution" value="1000" units="1/cm"/>
+          <inkml:channelProperty channel="Y" name="resolution" value="1000" units="1/cm"/>
+          <inkml:channelProperty channel="F" name="resolution" value="0" units="1/dev"/>
+          <inkml:channelProperty channel="OA" name="resolution" value="1000" units="1/deg"/>
+          <inkml:channelProperty channel="OE" name="resolution" value="1000" units="1/deg"/>
+        </inkml:channelProperties>
+      </inkml:inkSource>
+      <inkml:timestamp xml:id="ts0" timeString="2020-05-26T11:09:04.318"/>
+    </inkml:context>
+    <inkml:brush xml:id="br0">
+      <inkml:brushProperty name="width" value="0.1" units="cm"/>
+      <inkml:brushProperty name="height" value="0.1" units="cm"/>
+      <inkml:brushProperty name="color" value="#004F8B"/>
+    </inkml:brush>
+  </inkml:definitions>
+  <inkml:trace contextRef="#ctx0" brushRef="#br0">155 398 2705 0 0,'36'87'3323'0'0,"-17"-38"472"0"0,8 12-3795 0 0,-20-46 418 0 0,1-1 0 0 0,1-1 0 0 0,0 0 1 0 0,0 0-1 0 0,1-1 0 0 0,4 4-418 0 0,-7-10 127 0 0,-1 0 0 0 0,1 0 1 0 0,1-1-1 0 0,-1 1 0 0 0,1-2 0 0 0,-1 1 1 0 0,1-1-1 0 0,0 0 0 0 0,1-1 0 0 0,-1 0 1 0 0,1 0-1 0 0,0-1 0 0 0,-1 0 0 0 0,4 0-127 0 0,0-1 110 0 0,1-1-1 0 0,0 0 1 0 0,-1 0-1 0 0,1-1 1 0 0,-1-1 0 0 0,1 0-1 0 0,-1-1 1 0 0,0 0-1 0 0,8-4-109 0 0,7-4 105 0 0,1-2-1 0 0,-1 0 1 0 0,-1-2 0 0 0,-1-2 0 0 0,0 0-1 0 0,-1-1 1 0 0,-1-1 0 0 0,3-5-105 0 0,0-1 160 0 0,-1-1 1 0 0,-1-1 0 0 0,-1-1 0 0 0,-2-1-1 0 0,0 0 1 0 0,9-22-161 0 0,-23 38 74 0 0,-1 0 0 0 0,0-1 0 0 0,0 1 0 0 0,-1-1 0 0 0,-1-1 0 0 0,-1 1 0 0 0,0-1 0 0 0,-1 1 0 0 0,0-1 0 0 0,-1 0 0 0 0,-1 0 0 0 0,0 0 0 0 0,-1 1 0 0 0,-1-1 0 0 0,0 0 0 0 0,-1 1 0 0 0,-2-6-74 0 0,4 14 23 0 0,-2 0-1 0 0,1 0 1 0 0,-1 0 0 0 0,0 1 0 0 0,0-1 0 0 0,0 1 0 0 0,-1 0 0 0 0,0-1 0 0 0,0 2 0 0 0,0-1 0 0 0,0 0 0 0 0,-1 1 0 0 0,0 0 0 0 0,0 0 0 0 0,0 0 0 0 0,-1 1 0 0 0,1 0 0 0 0,-1 0 0 0 0,1 0 0 0 0,-2 0-23 0 0,-3 0 17 0 0,0 0 0 0 0,-1 0 0 0 0,0 1 0 0 0,1 1 0 0 0,-1 0-1 0 0,0 0 1 0 0,0 1 0 0 0,0 0 0 0 0,1 1 0 0 0,-1 0 0 0 0,-6 2-17 0 0,-23 6-5 0 0,0 2 0 0 0,1 1 0 0 0,0 2 0 0 0,1 2 0 0 0,1 1 0 0 0,-4 4 5 0 0,-48 31-1970 0 0,-71 53 1970 0 0,57-30-3901 0 0,3-3-3266 0 0,58-42 1439 0 0</inkml:trace>
+</inkml:ink>
+</file>
+
+<file path=ppt/ink/ink28.xml><?xml version="1.0" encoding="utf-8"?>
+<inkml:ink xmlns:inkml="http://www.w3.org/2003/InkML">
+  <inkml:definitions>
+    <inkml:context xml:id="ctx0">
+      <inkml:inkSource xml:id="inkSrc0">
+        <inkml:traceFormat>
+          <inkml:channel name="X" type="integer" min="-2.14748E9" max="2.14748E9" units="cm"/>
+          <inkml:channel name="Y" type="integer" min="-2.14748E9" max="2.14748E9" units="cm"/>
+          <inkml:channel name="F" type="integer" max="32767" units="dev"/>
+          <inkml:channel name="OA" type="integer" max="360" units="deg"/>
+          <inkml:channel name="OE" type="integer" max="90" units="deg"/>
+        </inkml:traceFormat>
+        <inkml:channelProperties>
+          <inkml:channelProperty channel="X" name="resolution" value="1000" units="1/cm"/>
+          <inkml:channelProperty channel="Y" name="resolution" value="1000" units="1/cm"/>
+          <inkml:channelProperty channel="F" name="resolution" value="0" units="1/dev"/>
+          <inkml:channelProperty channel="OA" name="resolution" value="1000" units="1/deg"/>
+          <inkml:channelProperty channel="OE" name="resolution" value="1000" units="1/deg"/>
+        </inkml:channelProperties>
+      </inkml:inkSource>
+      <inkml:timestamp xml:id="ts0" timeString="2020-05-26T11:09:04.922"/>
+    </inkml:context>
+    <inkml:brush xml:id="br0">
+      <inkml:brushProperty name="width" value="0.1" units="cm"/>
+      <inkml:brushProperty name="height" value="0.1" units="cm"/>
+      <inkml:brushProperty name="color" value="#004F8B"/>
+    </inkml:brush>
+  </inkml:definitions>
+  <inkml:trace contextRef="#ctx0" brushRef="#br0">0 819 4417 0 0,'0'-3'307'0'0,"0"1"0"0"0,1 0-1 0 0,-1-1 1 0 0,1 1 0 0 0,-1 0 0 0 0,1-1 0 0 0,0 1 0 0 0,-1 0-1 0 0,1 0 1 0 0,1 0 0 0 0,-1 0 0 0 0,0-1 0 0 0,0 2 0 0 0,1-1-1 0 0,-1 0 1 0 0,1 0 0 0 0,0 0 0 0 0,-1 1 0 0 0,1-1 0 0 0,1 0-307 0 0,8-7 504 0 0,1 0 1 0 0,1 0-1 0 0,0 1-504 0 0,7-5 408 0 0,345-243 431 0 0,188-124-1830 0 0,-532 366 923 0 0,2 0 1 0 0,0 2-1 0 0,0 0 1 0 0,2 1 67 0 0,-10 5-48 0 0,1 1 1 0 0,-1 1-1 0 0,1 0 1 0 0,0 1-1 0 0,1 1 1 0 0,15-1 47 0 0,-24 3-44 0 0,0 0 0 0 0,-1 0 1 0 0,1 1-1 0 0,0-1 0 0 0,-1 2 0 0 0,1-1 0 0 0,0 1 1 0 0,-1 0-1 0 0,0 1 0 0 0,7 3 44 0 0,-9-4-14 0 0,-1 1 1 0 0,1 0-1 0 0,-1 1 0 0 0,0-1 0 0 0,0 1 1 0 0,0 0-1 0 0,0 0 0 0 0,-1 0 0 0 0,1 0 0 0 0,-1 1 1 0 0,0-1-1 0 0,0 1 0 0 0,-1 0 0 0 0,0 0 1 0 0,2 5 13 0 0,5 19 244 0 0,-1 1 0 0 0,-1 0 0 0 0,-2 0 0 0 0,-2 1 1 0 0,1 28-245 0 0,0-5 423 0 0,4 13-423 0 0,-2-40 84 0 0,1 0 0 0 0,1 0-1 0 0,1 0 1 0 0,1-1 0 0 0,2-1-1 0 0,1 0 1 0 0,0 0 0 0 0,2-1 0 0 0,5 4-84 0 0,-19-26-167 0 0,12 20-130 0 0,-12-22 167 0 0,-1 1 0 0 0,1-1 0 0 0,-1 1 0 0 0,0-1-1 0 0,1 1 1 0 0,-1-1 0 0 0,0 1 0 0 0,1 0 0 0 0,-1-1 0 0 0,0 1 0 0 0,0 0 0 0 0,1-1 0 0 0,-1 1 0 0 0,0 0 0 0 0,0-1-1 0 0,0 1 1 0 0,0 0 0 0 0,0-1 0 0 0,0 1 0 0 0,0 0 0 0 0,0-1 0 0 0,0 1 0 0 0,-1 0 0 0 0,1-1 0 0 0,0 1 0 0 0,0-1-1 0 0,0 1 1 0 0,-1 0 130 0 0,-8-1-4681 0 0,6 3-13 0 0</inkml:trace>
+</inkml:ink>
+</file>
+
+<file path=ppt/ink/ink29.xml><?xml version="1.0" encoding="utf-8"?>
+<inkml:ink xmlns:inkml="http://www.w3.org/2003/InkML">
+  <inkml:definitions>
+    <inkml:context xml:id="ctx0">
+      <inkml:inkSource xml:id="inkSrc0">
+        <inkml:traceFormat>
+          <inkml:channel name="X" type="integer" min="-2.14748E9" max="2.14748E9" units="cm"/>
+          <inkml:channel name="Y" type="integer" min="-2.14748E9" max="2.14748E9" units="cm"/>
+          <inkml:channel name="F" type="integer" max="32767" units="dev"/>
+          <inkml:channel name="OA" type="integer" max="360" units="deg"/>
+          <inkml:channel name="OE" type="integer" max="90" units="deg"/>
+        </inkml:traceFormat>
+        <inkml:channelProperties>
+          <inkml:channelProperty channel="X" name="resolution" value="1000" units="1/cm"/>
+          <inkml:channelProperty channel="Y" name="resolution" value="1000" units="1/cm"/>
+          <inkml:channelProperty channel="F" name="resolution" value="0" units="1/dev"/>
+          <inkml:channelProperty channel="OA" name="resolution" value="1000" units="1/deg"/>
+          <inkml:channelProperty channel="OE" name="resolution" value="1000" units="1/deg"/>
+        </inkml:channelProperties>
+      </inkml:inkSource>
+      <inkml:timestamp xml:id="ts0" timeString="2020-05-26T11:09:05.336"/>
+    </inkml:context>
+    <inkml:brush xml:id="br0">
+      <inkml:brushProperty name="width" value="0.1" units="cm"/>
+      <inkml:brushProperty name="height" value="0.1" units="cm"/>
+      <inkml:brushProperty name="color" value="#004F8B"/>
+    </inkml:brush>
+  </inkml:definitions>
+  <inkml:trace contextRef="#ctx0" brushRef="#br0">1 49 6769 0 0,'13'-8'273'0'0,"0"1"-1"0"0,1 1 0 0 0,-1 1 0 0 0,1-1 0 0 0,1 2 1 0 0,-1 0-1 0 0,1 1 0 0 0,0 1 0 0 0,-1 0 0 0 0,1 1 0 0 0,0 0 1 0 0,0 1-1 0 0,0 1 0 0 0,9 1-272 0 0,29 7 105 0 0,-1 1 0 0 0,0 3 0 0 0,22 10-105 0 0,-43-14 34 0 0,326 117-75 0 0,-58-19-73 0 0,-211-79 375 0 0,1-5 0 0 0,42 4-261 0 0,-7-12 996 0 0,-1-5 0 0 0,2-6 0 0 0,4-5-996 0 0,-111 1 331 0 0,1 1-1 0 0,-1 0 1 0 0,0 2-1 0 0,12 2-330 0 0,-23-3-38 0 0,-1-1 0 0 0,0 1-1 0 0,0 0 1 0 0,1 1-1 0 0,-1 0 1 0 0,-1 0 0 0 0,1 0-1 0 0,0 0 1 0 0,-1 1-1 0 0,0 0 1 0 0,0 0-1 0 0,0 1 1 0 0,0-1 0 0 0,2 4 38 0 0,-6-7-184 0 0,0 0-1 0 0,0 0 1 0 0,0 1 0 0 0,0-1 0 0 0,-1 0 0 0 0,1 1 0 0 0,0-1 0 0 0,-1 1 0 0 0,1-1 0 0 0,0 1 0 0 0,-1-1 0 0 0,0 1 0 0 0,1-1 0 0 0,-1 1 0 0 0,0 0 0 0 0,0-1 0 0 0,0 1 0 0 0,0-1 0 0 0,0 1 0 0 0,0 0 0 0 0,-1-1 0 0 0,1 1 0 0 0,0-1 0 0 0,-1 1 0 0 0,1-1 0 0 0,-1 1-1 0 0,0-1 1 0 0,1 1 0 0 0,-1-1 0 0 0,0 0 0 0 0,-1 2 184 0 0,0-1-476 0 0,0 1 0 0 0,-1-1 0 0 0,1 0 0 0 0,-1 0 0 0 0,0 0 0 0 0,0 0 0 0 0,0 0 0 0 0,0-1-1 0 0,0 1 1 0 0,0-1 0 0 0,0 0 0 0 0,0 0 0 0 0,0 0 0 0 0,-2 0 476 0 0,-14 4-2690 0 0</inkml:trace>
+</inkml:ink>
+</file>
+
+<file path=ppt/ink/ink3.xml><?xml version="1.0" encoding="utf-8"?>
+<inkml:ink xmlns:inkml="http://www.w3.org/2003/InkML">
+  <inkml:definitions>
+    <inkml:context xml:id="ctx0">
+      <inkml:inkSource xml:id="inkSrc0">
+        <inkml:traceFormat>
+          <inkml:channel name="X" type="integer" min="-2.14748E9" max="2.14748E9" units="cm"/>
+          <inkml:channel name="Y" type="integer" min="-2.14748E9" max="2.14748E9" units="cm"/>
+          <inkml:channel name="F" type="integer" max="32767" units="dev"/>
+          <inkml:channel name="OA" type="integer" max="360" units="deg"/>
+          <inkml:channel name="OE" type="integer" max="90" units="deg"/>
+        </inkml:traceFormat>
+        <inkml:channelProperties>
+          <inkml:channelProperty channel="X" name="resolution" value="1000" units="1/cm"/>
+          <inkml:channelProperty channel="Y" name="resolution" value="1000" units="1/cm"/>
+          <inkml:channelProperty channel="F" name="resolution" value="0" units="1/dev"/>
+          <inkml:channelProperty channel="OA" name="resolution" value="1000" units="1/deg"/>
+          <inkml:channelProperty channel="OE" name="resolution" value="1000" units="1/deg"/>
+        </inkml:channelProperties>
+      </inkml:inkSource>
+      <inkml:timestamp xml:id="ts0" timeString="2020-05-26T11:08:11.892"/>
+    </inkml:context>
+    <inkml:brush xml:id="br0">
+      <inkml:brushProperty name="width" value="0.05" units="cm"/>
+      <inkml:brushProperty name="height" value="0.05" units="cm"/>
+    </inkml:brush>
+  </inkml:definitions>
+  <inkml:trace contextRef="#ctx0" brushRef="#br0">40 175 3529 0 0,'-12'-7'1728'0'0,"9"5"-1403"0"0,1 1-1 0 0,-1-1 1 0 0,0 0-1 0 0,0 0 1 0 0,1 0-1 0 0,-1 0 1 0 0,1 0-1 0 0,-1 0 1 0 0,0-3-325 0 0,7 7 87 0 0,0-1 0 0 0,0 1 0 0 0,0-1 0 0 0,0-1 1 0 0,1 1-1 0 0,-1 0 0 0 0,0-1 0 0 0,0 0 0 0 0,2 0-87 0 0,-5 0 51 0 0,112-1 1255 0 0,-1-4 0 0 0,99-19-1306 0 0,-210 24-1 0 0,45-7 158 0 0,-1-1 0 0 0,0-2 0 0 0,0-1 0 0 0,-1-3-1 0 0,0-2 1 0 0,9-7-157 0 0,-47 21 12 0 0,56-24 141 0 0,-57 25-123 0 0,0-1 0 0 0,0 1 1 0 0,0 0-1 0 0,0 1 1 0 0,1-1-1 0 0,-1 1 0 0 0,0 0 1 0 0,0 0-1 0 0,0 0 1 0 0,0 1-1 0 0,4 0-30 0 0,-8 0 40 0 0,1 0 0 0 0,-1 0 0 0 0,1-1 0 0 0,-1 1 0 0 0,0 0 0 0 0,1 0 0 0 0,-1 1 0 0 0,0-1 0 0 0,0 0 0 0 0,0 0 0 0 0,0 0 0 0 0,0 1 0 0 0,0-1 0 0 0,0 1 0 0 0,0-1 0 0 0,-1 1 0 0 0,1-1 0 0 0,-1 1 0 0 0,1-1 0 0 0,-1 1 0 0 0,1-1 0 0 0,-1 1 0 0 0,0 0 0 0 0,0-1 0 0 0,0 1 0 0 0,0 0 0 0 0,0-1 0 0 0,0 1 0 0 0,0 1-40 0 0,-1 5 103 0 0,1 0 1 0 0,-2 1-1 0 0,1-1 0 0 0,-1 0 0 0 0,-1 2-103 0 0,-12 33-1147 0 0,3-15-2590 0 0,11-25 3116 0 0,1-3 534 0 0,0 1-1 0 0,0-1 0 0 0,-1 0 0 0 0,1 0 1 0 0,0 1-1 0 0,0-1 0 0 0,0 0 1 0 0,0 0-1 0 0,0 0 0 0 0,0 1 0 0 0,0-1 1 0 0,0 0-1 0 0,0 0 0 0 0,-1 0 0 0 0,1 1 1 0 0,0-1-1 0 0,0 0 0 0 0,0 0 1 0 0,0 0-1 0 0,-1 0 0 0 0,1 0 0 0 0,0 1 1 0 0,0-1-1 0 0,0 0 0 0 0,0 0 1 0 0,-1 0-1 0 0,1 0 0 0 0,0 0 0 0 0,0 0 1 0 0,-1 0-1 0 0,1 0 0 0 0,0 0 1 0 0,0 0-1 0 0,0 0 0 0 0,-1 0 0 0 0,1 0 1 0 0,0 0-1 0 0,0 0 0 0 0,-1 0 88 0 0,-1 0-1734 0 0,1 3-2338 0 0</inkml:trace>
+</inkml:ink>
+</file>
+
+<file path=ppt/ink/ink30.xml><?xml version="1.0" encoding="utf-8"?>
+<inkml:ink xmlns:inkml="http://www.w3.org/2003/InkML">
+  <inkml:definitions>
+    <inkml:context xml:id="ctx0">
+      <inkml:inkSource xml:id="inkSrc0">
+        <inkml:traceFormat>
+          <inkml:channel name="X" type="integer" min="-2.14748E9" max="2.14748E9" units="cm"/>
+          <inkml:channel name="Y" type="integer" min="-2.14748E9" max="2.14748E9" units="cm"/>
+          <inkml:channel name="F" type="integer" max="32767" units="dev"/>
+          <inkml:channel name="OA" type="integer" max="360" units="deg"/>
+          <inkml:channel name="OE" type="integer" max="90" units="deg"/>
+        </inkml:traceFormat>
+        <inkml:channelProperties>
+          <inkml:channelProperty channel="X" name="resolution" value="1000" units="1/cm"/>
+          <inkml:channelProperty channel="Y" name="resolution" value="1000" units="1/cm"/>
+          <inkml:channelProperty channel="F" name="resolution" value="0" units="1/dev"/>
+          <inkml:channelProperty channel="OA" name="resolution" value="1000" units="1/deg"/>
+          <inkml:channelProperty channel="OE" name="resolution" value="1000" units="1/deg"/>
+        </inkml:channelProperties>
+      </inkml:inkSource>
+      <inkml:timestamp xml:id="ts0" timeString="2020-05-26T11:09:06.453"/>
+    </inkml:context>
+    <inkml:brush xml:id="br0">
+      <inkml:brushProperty name="width" value="0.1" units="cm"/>
+      <inkml:brushProperty name="height" value="0.1" units="cm"/>
+      <inkml:brushProperty name="color" value="#004F8B"/>
+    </inkml:brush>
+  </inkml:definitions>
+  <inkml:trace contextRef="#ctx0" brushRef="#br0">133 60 4217 0 0,'4'-4'406'0'0,"4"-4"647"0"0,-1 0 1 0 0,0-1-1 0 0,-1 0 1 0 0,0 0-1 0 0,1-1-1053 0 0,-7 10 33 0 0,0 0 0 0 0,0 0 1 0 0,0 0-1 0 0,0 0 0 0 0,0 0 0 0 0,-1 0 0 0 0,1 0 0 0 0,0 0 0 0 0,0 0 0 0 0,0 0 1 0 0,0 0-1 0 0,0 0 0 0 0,0 0 0 0 0,0 0 0 0 0,0 0 0 0 0,0 0 0 0 0,0 0 0 0 0,0 0 1 0 0,0 0-1 0 0,0 0 0 0 0,0 0 0 0 0,0 0 0 0 0,-1 0 0 0 0,1 0 0 0 0,0 0 1 0 0,0 0-1 0 0,0 0 0 0 0,0 0 0 0 0,0 0 0 0 0,0 0 0 0 0,0 0 0 0 0,0-1 0 0 0,0 1 1 0 0,0 0-1 0 0,0 0 0 0 0,0 0 0 0 0,0 0 0 0 0,0 0 0 0 0,0 0 0 0 0,0 0 0 0 0,0 0 1 0 0,0 0-1 0 0,0 0 0 0 0,0 0 0 0 0,0 0 0 0 0,0 0 0 0 0,0 0 0 0 0,0 0 1 0 0,0 0-1 0 0,0-1 0 0 0,0 1 0 0 0,0 0 0 0 0,0 0 0 0 0,0 0 0 0 0,0 0 0 0 0,0 0 1 0 0,0 0-1 0 0,0 0 0 0 0,0 0 0 0 0,0 0 0 0 0,0 0-33 0 0,-9 5 316 0 0,-10 8-543 0 0,5-1 180 0 0,-10 8-76 0 0,1 1 1 0 0,-13 15 122 0 0,30-30 5 0 0,1 1 1 0 0,0-1-1 0 0,0 1 0 0 0,1 0 0 0 0,0 0 0 0 0,0 0 1 0 0,0 0-1 0 0,1 1 0 0 0,1 0 0 0 0,-1-1 0 0 0,1 1 1 0 0,-1 5-6 0 0,3-11 13 0 0,0-1 1 0 0,0 1-1 0 0,0-1 1 0 0,0 1-1 0 0,0-1 1 0 0,0 1 0 0 0,1 0-1 0 0,-1-1 1 0 0,0 1-1 0 0,1-1 1 0 0,-1 1-1 0 0,1-1 1 0 0,0 0 0 0 0,-1 1-1 0 0,1-1 1 0 0,0 1-1 0 0,0-1 1 0 0,0 0-1 0 0,0 0 1 0 0,0 1-14 0 0,2 0 39 0 0,-1 0 0 0 0,1 0 0 0 0,0 0 1 0 0,-1 0-1 0 0,1-1 0 0 0,0 1 0 0 0,0-1 0 0 0,0 1 0 0 0,3 0-39 0 0,8 1 123 0 0,0 0 1 0 0,0 0-1 0 0,0-1 0 0 0,5-1-123 0 0,-10 0 6 0 0,68 9 293 0 0,0 4-299 0 0,-22-4 99 0 0,1-2 0 0 0,43 1-99 0 0,-88-9-411 0 0,-1-1 0 0 0,0 0 1 0 0,0 0-1 0 0,0-1 0 0 0,0 0 1 0 0,5-2 410 0 0,-9 1-712 0 0,1 1 0 0 0,0-1 0 0 0,-1 0-1 0 0,1-1 1 0 0,-1 0 0 0 0,0 0 0 0 0,0 0 0 0 0,0 0 0 0 0,2-3 712 0 0,4-6-4509 0 0</inkml:trace>
+</inkml:ink>
+</file>
+
+<file path=ppt/ink/ink31.xml><?xml version="1.0" encoding="utf-8"?>
+<inkml:ink xmlns:inkml="http://www.w3.org/2003/InkML">
+  <inkml:definitions>
+    <inkml:context xml:id="ctx0">
+      <inkml:inkSource xml:id="inkSrc0">
+        <inkml:traceFormat>
+          <inkml:channel name="X" type="integer" min="-2.14748E9" max="2.14748E9" units="cm"/>
+          <inkml:channel name="Y" type="integer" min="-2.14748E9" max="2.14748E9" units="cm"/>
+          <inkml:channel name="F" type="integer" max="32767" units="dev"/>
+          <inkml:channel name="OA" type="integer" max="360" units="deg"/>
+          <inkml:channel name="OE" type="integer" max="90" units="deg"/>
+        </inkml:traceFormat>
+        <inkml:channelProperties>
+          <inkml:channelProperty channel="X" name="resolution" value="1000" units="1/cm"/>
+          <inkml:channelProperty channel="Y" name="resolution" value="1000" units="1/cm"/>
+          <inkml:channelProperty channel="F" name="resolution" value="0" units="1/dev"/>
+          <inkml:channelProperty channel="OA" name="resolution" value="1000" units="1/deg"/>
+          <inkml:channelProperty channel="OE" name="resolution" value="1000" units="1/deg"/>
+        </inkml:channelProperties>
+      </inkml:inkSource>
+      <inkml:timestamp xml:id="ts0" timeString="2020-05-26T11:09:06.820"/>
+    </inkml:context>
+    <inkml:brush xml:id="br0">
+      <inkml:brushProperty name="width" value="0.1" units="cm"/>
+      <inkml:brushProperty name="height" value="0.1" units="cm"/>
+      <inkml:brushProperty name="color" value="#004F8B"/>
+    </inkml:brush>
+  </inkml:definitions>
+  <inkml:trace contextRef="#ctx0" brushRef="#br0">5 0 3873 0 0,'-4'96'2258'0'0,"5"-1"-1"0"0,7 46-2257 0 0,-7-136-157 0 0,0 16-482 0 0,-1-20 530 0 0,1-1 0 0 0,-1 0 0 0 0,0 1 0 0 0,0-1 0 0 0,0 1 0 0 0,0-1 0 0 0,0 0 1 0 0,0 1-1 0 0,0-1 0 0 0,0 1 0 0 0,-1-1 0 0 0,1 0 0 0 0,0 1 0 0 0,0-1 0 0 0,0 1 0 0 0,0-1 0 0 0,0 0 0 0 0,-1 1 0 0 0,1-1 0 0 0,0 0 0 0 0,0 1 0 0 0,-1-1 0 0 0,1 0 0 0 0,0 1 0 0 0,0-1 0 0 0,-1 0 0 0 0,1 0 0 0 0,0 1 0 0 0,-1-1 0 0 0,1 0 1 0 0,0 0-1 0 0,-1 0 0 0 0,1 1 0 0 0,-1-1 0 0 0,1 0 0 0 0,0 0 0 0 0,-1 0 109 0 0,-4-1-3553 0 0</inkml:trace>
+</inkml:ink>
+</file>
+
+<file path=ppt/ink/ink32.xml><?xml version="1.0" encoding="utf-8"?>
+<inkml:ink xmlns:inkml="http://www.w3.org/2003/InkML">
+  <inkml:definitions>
+    <inkml:context xml:id="ctx0">
+      <inkml:inkSource xml:id="inkSrc0">
+        <inkml:traceFormat>
+          <inkml:channel name="X" type="integer" min="-2.14748E9" max="2.14748E9" units="cm"/>
+          <inkml:channel name="Y" type="integer" min="-2.14748E9" max="2.14748E9" units="cm"/>
+          <inkml:channel name="F" type="integer" max="32767" units="dev"/>
+          <inkml:channel name="OA" type="integer" max="360" units="deg"/>
+          <inkml:channel name="OE" type="integer" max="90" units="deg"/>
+        </inkml:traceFormat>
+        <inkml:channelProperties>
+          <inkml:channelProperty channel="X" name="resolution" value="1000" units="1/cm"/>
+          <inkml:channelProperty channel="Y" name="resolution" value="1000" units="1/cm"/>
+          <inkml:channelProperty channel="F" name="resolution" value="0" units="1/dev"/>
+          <inkml:channelProperty channel="OA" name="resolution" value="1000" units="1/deg"/>
+          <inkml:channelProperty channel="OE" name="resolution" value="1000" units="1/deg"/>
+        </inkml:channelProperties>
+      </inkml:inkSource>
+      <inkml:timestamp xml:id="ts0" timeString="2020-05-26T11:09:07.189"/>
+    </inkml:context>
+    <inkml:brush xml:id="br0">
+      <inkml:brushProperty name="width" value="0.1" units="cm"/>
+      <inkml:brushProperty name="height" value="0.1" units="cm"/>
+      <inkml:brushProperty name="color" value="#004F8B"/>
+    </inkml:brush>
+  </inkml:definitions>
+  <inkml:trace contextRef="#ctx0" brushRef="#br0">68 601 4281 0 0,'7'15'356'0'0,"1"1"0"0"0,1-2 0 0 0,0 1-1 0 0,0-1 1 0 0,2-1 0 0 0,0 0 0 0 0,0 0 0 0 0,1-1 0 0 0,1 0 0 0 0,0-1 0 0 0,1-1-356 0 0,8 6 289 0 0,1-1 0 0 0,1-1 0 0 0,0-1 0 0 0,1-1 0 0 0,0-1 0 0 0,15 4-289 0 0,-16-8 162 0 0,1-1 1 0 0,0 0-1 0 0,0-2 0 0 0,1-1 0 0 0,-1-1 0 0 0,1-1 1 0 0,24-2-163 0 0,-17-3 175 0 0,0 0 1 0 0,0-2 0 0 0,-1-2 0 0 0,0-1-1 0 0,28-12-175 0 0,-14 1 128 0 0,0-2 0 0 0,-2-2 0 0 0,-1-2 0 0 0,0-1 0 0 0,-2-3 0 0 0,-2-1 0 0 0,-1-3 0 0 0,4-5-128 0 0,-26 23 94 0 0,0-1-1 0 0,-1-1 1 0 0,-1 0-1 0 0,-1-1 1 0 0,0-1-1 0 0,-2 0 1 0 0,0 0-1 0 0,-1-1 1 0 0,3-12-94 0 0,-9 21 22 0 0,0 0 0 0 0,-1 0 1 0 0,0 0-1 0 0,-1-1 0 0 0,-1 1 1 0 0,0 0-1 0 0,-1-1 1 0 0,0 1-1 0 0,-1-1 0 0 0,0 1 1 0 0,-1-1-1 0 0,0 1 0 0 0,-1 0 1 0 0,0 0-1 0 0,-1 0 1 0 0,-1 0-1 0 0,0 0 0 0 0,-2-2-22 0 0,2 4-39 0 0,-1 2-1 0 0,0-1 1 0 0,0 1-1 0 0,-1 0 0 0 0,0 0 1 0 0,0 0-1 0 0,-1 1 0 0 0,0 1 1 0 0,0-1-1 0 0,0 1 1 0 0,-1 0-1 0 0,-4-1 40 0 0,-1 0-68 0 0,-1 1 1 0 0,0 0-1 0 0,0 0 0 0 0,-1 2 0 0 0,1 0 1 0 0,-1 1-1 0 0,-13-1 68 0 0,-5 2-80 0 0,0 1 0 0 0,0 2-1 0 0,0 1 1 0 0,-1 1 0 0 0,2 3 0 0 0,-1 0-1 0 0,-10 5 81 0 0,-21 10 43 0 0,1 2 0 0 0,1 3 0 0 0,1 2 0 0 0,2 3 0 0 0,1 3 0 0 0,1 3 0 0 0,2 2 0 0 0,2 2 0 0 0,2 3 0 0 0,-16 19-43 0 0,44-40-385 0 0,2 2 0 0 0,-15 20 385 0 0,28-32-922 0 0,0 1-1 0 0,0 1 1 0 0,1-1 0 0 0,1 1-1 0 0,1 0 1 0 0,-3 8 922 0 0,0 15-5843 0 0</inkml:trace>
+</inkml:ink>
+</file>
+
+<file path=ppt/ink/ink33.xml><?xml version="1.0" encoding="utf-8"?>
+<inkml:ink xmlns:inkml="http://www.w3.org/2003/InkML">
+  <inkml:definitions>
+    <inkml:context xml:id="ctx0">
+      <inkml:inkSource xml:id="inkSrc0">
+        <inkml:traceFormat>
+          <inkml:channel name="X" type="integer" min="-2.14748E9" max="2.14748E9" units="cm"/>
+          <inkml:channel name="Y" type="integer" min="-2.14748E9" max="2.14748E9" units="cm"/>
+          <inkml:channel name="F" type="integer" max="32767" units="dev"/>
+          <inkml:channel name="OA" type="integer" max="360" units="deg"/>
+          <inkml:channel name="OE" type="integer" max="90" units="deg"/>
+        </inkml:traceFormat>
+        <inkml:channelProperties>
+          <inkml:channelProperty channel="X" name="resolution" value="1000" units="1/cm"/>
+          <inkml:channelProperty channel="Y" name="resolution" value="1000" units="1/cm"/>
+          <inkml:channelProperty channel="F" name="resolution" value="0" units="1/dev"/>
+          <inkml:channelProperty channel="OA" name="resolution" value="1000" units="1/deg"/>
+          <inkml:channelProperty channel="OE" name="resolution" value="1000" units="1/deg"/>
+        </inkml:channelProperties>
+      </inkml:inkSource>
+      <inkml:timestamp xml:id="ts0" timeString="2020-05-26T11:09:10.817"/>
+    </inkml:context>
+    <inkml:brush xml:id="br0">
+      <inkml:brushProperty name="width" value="0.1" units="cm"/>
+      <inkml:brushProperty name="height" value="0.1" units="cm"/>
+      <inkml:brushProperty name="color" value="#004F8B"/>
+    </inkml:brush>
+  </inkml:definitions>
+  <inkml:trace contextRef="#ctx0" brushRef="#br0">0 172 4665 0 0,'10'-9'165'0'0,"1"0"0"0"0,0 1 0 0 0,0 0 0 0 0,1 1 0 0 0,0 0 0 0 0,3 0-165 0 0,13-6 18 0 0,0 1 1 0 0,9 0-19 0 0,-12 5-63 0 0,1 1 0 0 0,0 2 0 0 0,12-1 63 0 0,-16 3 112 0 0,0-1 1 0 0,0-1-1 0 0,0-1 1 0 0,-1-1-1 0 0,7-3-112 0 0,-13 3 206 0 0,0 0-1 0 0,0 1 1 0 0,1 1-1 0 0,7-2-205 0 0,-19 6 27 0 0,1-1-1 0 0,-1 1 1 0 0,0-1-1 0 0,0 1 1 0 0,1 0-1 0 0,-1 1 1 0 0,0-1-1 0 0,0 1 1 0 0,1 0-1 0 0,-1 0 1 0 0,0 0-1 0 0,0 0 1 0 0,0 1-1 0 0,0 0 1 0 0,0 0-1 0 0,-1 0 1 0 0,1 0-1 0 0,0 0 1 0 0,0 2-27 0 0,7 7 190 0 0,-1 0-1 0 0,0 0 1 0 0,-1 1 0 0 0,-1 0 0 0 0,1 1-190 0 0,-3-3 148 0 0,0-1 0 0 0,1 1 0 0 0,0-1 0 0 0,1 0 0 0 0,0-1 0 0 0,0 0 1 0 0,1 0-1 0 0,6 4-148 0 0,-13-11 52 0 0,0 0 0 0 0,1 0 0 0 0,-1-1 0 0 0,0 1 0 0 0,0 0 0 0 0,1-1 0 0 0,-1 0 0 0 0,0 0 0 0 0,1 1 0 0 0,-1-2 0 0 0,0 1 0 0 0,1 0 0 0 0,-1 0 0 0 0,0-1 0 0 0,1 1 0 0 0,-1-1 0 0 0,0 1 0 0 0,0-1 0 0 0,1 0 1 0 0,-1 0-1 0 0,0 0 0 0 0,1-1-52 0 0,9-5-172 0 0,0-1-1 0 0,-1 1 1 0 0,6-7 172 0 0,0 1-447 0 0,16-13-388 0 0,-24 18 720 0 0,1 0-1 0 0,0 1 1 0 0,0 0-1 0 0,0 1 1 0 0,1 0 0 0 0,0 0-1 0 0,9-2 116 0 0,-18 7 128 0 0,0 1 0 0 0,0 0 0 0 0,0-1 0 0 0,-1 1 1 0 0,1 0-1 0 0,0 0 0 0 0,0 0 0 0 0,0 1 0 0 0,0-1 0 0 0,-1 0 0 0 0,1 1 0 0 0,0-1 0 0 0,0 1 0 0 0,-1 0 1 0 0,1-1-1 0 0,0 1 0 0 0,-1 0 0 0 0,1 1-128 0 0,29 23 989 0 0,-27-21-901 0 0,1 0 1 0 0,-1 0-1 0 0,1 0 0 0 0,0-1 1 0 0,0 1-1 0 0,2 0-88 0 0,0-2-33 0 0,0 0 0 0 0,1-1 0 0 0,-1 0 0 0 0,1 0-1 0 0,-1 0 1 0 0,1-1 0 0 0,-1 0 0 0 0,1-1 0 0 0,-1 1 0 0 0,1-2 0 0 0,-1 1 0 0 0,7-3 33 0 0,42-4-226 0 0,-54 8 220 0 0,10 0 38 0 0,1-1-1 0 0,0 0 0 0 0,-1-1 0 0 0,3 0-31 0 0,-11 1 44 0 0,0-1 0 0 0,0 1 0 0 0,0-1 0 0 0,0 1 0 0 0,0-1 0 0 0,-1 0 0 0 0,1-1 0 0 0,-1 1 0 0 0,1 0 0 0 0,-1-1 0 0 0,0 0 0 0 0,0 0 0 0 0,0 0 0 0 0,1-2-44 0 0,0 1-818 0 0,-7 11 164 0 0,-2 9 496 0 0,12-7 229 0 0,2 7-194 0 0,-5-1 54 0 0,8 21-1160 0 0,2-14-4169 0 0,-8-16 1784 0 0</inkml:trace>
+</inkml:ink>
+</file>
+
+<file path=ppt/ink/ink34.xml><?xml version="1.0" encoding="utf-8"?>
+<inkml:ink xmlns:inkml="http://www.w3.org/2003/InkML">
+  <inkml:definitions>
+    <inkml:context xml:id="ctx0">
+      <inkml:inkSource xml:id="inkSrc0">
+        <inkml:traceFormat>
+          <inkml:channel name="X" type="integer" min="-2.14748E9" max="2.14748E9" units="cm"/>
+          <inkml:channel name="Y" type="integer" min="-2.14748E9" max="2.14748E9" units="cm"/>
+          <inkml:channel name="F" type="integer" max="32767" units="dev"/>
+          <inkml:channel name="OA" type="integer" max="360" units="deg"/>
+          <inkml:channel name="OE" type="integer" max="90" units="deg"/>
+        </inkml:traceFormat>
+        <inkml:channelProperties>
+          <inkml:channelProperty channel="X" name="resolution" value="1000" units="1/cm"/>
+          <inkml:channelProperty channel="Y" name="resolution" value="1000" units="1/cm"/>
+          <inkml:channelProperty channel="F" name="resolution" value="0" units="1/dev"/>
+          <inkml:channelProperty channel="OA" name="resolution" value="1000" units="1/deg"/>
+          <inkml:channelProperty channel="OE" name="resolution" value="1000" units="1/deg"/>
+        </inkml:channelProperties>
+      </inkml:inkSource>
+      <inkml:timestamp xml:id="ts0" timeString="2020-05-26T11:09:11.877"/>
+    </inkml:context>
+    <inkml:brush xml:id="br0">
+      <inkml:brushProperty name="width" value="0.1" units="cm"/>
+      <inkml:brushProperty name="height" value="0.1" units="cm"/>
+      <inkml:brushProperty name="color" value="#004F8B"/>
+    </inkml:brush>
+  </inkml:definitions>
+  <inkml:trace contextRef="#ctx0" brushRef="#br0">0 281 3857 0 0,'1'-2'177'0'0,"0"0"1"0"0,0-1-1 0 0,0 1 0 0 0,1 0 1 0 0,-1 0-1 0 0,0 0 1 0 0,1 1-1 0 0,0-1 1 0 0,-1 0-1 0 0,1 1 0 0 0,0-1 1 0 0,0 1-1 0 0,0-1 1 0 0,0 1-1 0 0,0 0 0 0 0,0 0 1 0 0,0 0-1 0 0,1 0 1 0 0,-1 0-1 0 0,2 0-177 0 0,6-2-45 0 0,1 1 0 0 0,-1 1 0 0 0,1-1 0 0 0,3 2 45 0 0,24-5 123 0 0,27-11-1250 0 0,22-10 1127 0 0,-20 5-472 0 0,11 1 472 0 0,64-19 309 0 0,-67 18-272 0 0,-58 16-227 0 0,1 2 1 0 0,0 0 0 0 0,0 0 0 0 0,0 2 0 0 0,0 1-1 0 0,0 0 1 0 0,0 1 0 0 0,18 3 189 0 0,-25-3-9 0 0,0-1 0 0 0,0 0 0 0 0,0-1 1 0 0,0 0-1 0 0,0 0 0 0 0,-1-1 0 0 0,8-3 9 0 0,-4 2-95 0 0,1 0-1 0 0,0 1 1 0 0,6 0 95 0 0,-15 2 242 0 0,-1 0-1 0 0,1 0 1 0 0,-1 1 0 0 0,1 0 0 0 0,-1 0-1 0 0,1 0 1 0 0,-1 1 0 0 0,0-1 0 0 0,0 1-1 0 0,0 1 1 0 0,2 0-242 0 0,1 2 140 0 0,0-1 0 0 0,1-1 0 0 0,-1 0 0 0 0,1 0 0 0 0,-1 0 0 0 0,1-1 0 0 0,0-1 1 0 0,0 1-1 0 0,0-1 0 0 0,0-1 0 0 0,3 0-140 0 0,1-1-39 0 0,-1 0 0 0 0,1-1-1 0 0,-1-1 1 0 0,0 0 0 0 0,0 0 0 0 0,0-2 0 0 0,10-4 39 0 0,26-14-73 0 0,-21 10-4 0 0,0 1-1 0 0,3 0 78 0 0,-26 11-45 0 0,0 1 0 0 0,-1-1-1 0 0,1 0 1 0 0,0 1 0 0 0,-1 0 0 0 0,1 0 0 0 0,0 0 0 0 0,2 1 45 0 0,9-1 33 0 0,-16-14-4950 0 0,3 13 2239 0 0</inkml:trace>
+</inkml:ink>
+</file>
+
+<file path=ppt/ink/ink35.xml><?xml version="1.0" encoding="utf-8"?>
+<inkml:ink xmlns:inkml="http://www.w3.org/2003/InkML">
+  <inkml:definitions>
+    <inkml:context xml:id="ctx0">
+      <inkml:inkSource xml:id="inkSrc0">
+        <inkml:traceFormat>
+          <inkml:channel name="X" type="integer" min="-2.14748E9" max="2.14748E9" units="cm"/>
+          <inkml:channel name="Y" type="integer" min="-2.14748E9" max="2.14748E9" units="cm"/>
+          <inkml:channel name="F" type="integer" max="32767" units="dev"/>
+          <inkml:channel name="OA" type="integer" max="360" units="deg"/>
+          <inkml:channel name="OE" type="integer" max="90" units="deg"/>
+        </inkml:traceFormat>
+        <inkml:channelProperties>
+          <inkml:channelProperty channel="X" name="resolution" value="1000" units="1/cm"/>
+          <inkml:channelProperty channel="Y" name="resolution" value="1000" units="1/cm"/>
+          <inkml:channelProperty channel="F" name="resolution" value="0" units="1/dev"/>
+          <inkml:channelProperty channel="OA" name="resolution" value="1000" units="1/deg"/>
+          <inkml:channelProperty channel="OE" name="resolution" value="1000" units="1/deg"/>
+        </inkml:channelProperties>
+      </inkml:inkSource>
+      <inkml:timestamp xml:id="ts0" timeString="2020-05-26T11:09:12.219"/>
+    </inkml:context>
+    <inkml:brush xml:id="br0">
+      <inkml:brushProperty name="width" value="0.1" units="cm"/>
+      <inkml:brushProperty name="height" value="0.1" units="cm"/>
+      <inkml:brushProperty name="color" value="#004F8B"/>
+    </inkml:brush>
+  </inkml:definitions>
+  <inkml:trace contextRef="#ctx0" brushRef="#br0">94 19 2433 0 0,'-4'5'248'0'0,"0"2"-96"0"0,-2 4-72 0 0,0 0-32 0 0,-1 1-32 0 0,0-1 40 0 0,-1 1-56 0 0,1 1 32 0 0,0 0-32 0 0,0 0-24 0 0,1-1-16 0 0,0 0-56 0 0,1 0-16 0 0,2-2-96 0 0,-6-6-889 0 0,8 5-383 0 0</inkml:trace>
+  <inkml:trace contextRef="#ctx0" brushRef="#br0" timeOffset="1">139 1 2505 0 0,'-2'31'723'0'0,"-2"1"0"0"0,-1-1 1 0 0,-2 0-1 0 0,-1 0 0 0 0,-1-1 1 0 0,-2 2-724 0 0,-7 23-1381 0 0,8-28-1316 0 0,5-15-62 0 0</inkml:trace>
+</inkml:ink>
+</file>
+
+<file path=ppt/ink/ink36.xml><?xml version="1.0" encoding="utf-8"?>
+<inkml:ink xmlns:inkml="http://www.w3.org/2003/InkML">
+  <inkml:definitions>
+    <inkml:context xml:id="ctx0">
+      <inkml:inkSource xml:id="inkSrc0">
+        <inkml:traceFormat>
+          <inkml:channel name="X" type="integer" min="-2.14748E9" max="2.14748E9" units="cm"/>
+          <inkml:channel name="Y" type="integer" min="-2.14748E9" max="2.14748E9" units="cm"/>
+          <inkml:channel name="F" type="integer" max="32767" units="dev"/>
+          <inkml:channel name="OA" type="integer" max="360" units="deg"/>
+          <inkml:channel name="OE" type="integer" max="90" units="deg"/>
+        </inkml:traceFormat>
+        <inkml:channelProperties>
+          <inkml:channelProperty channel="X" name="resolution" value="1000" units="1/cm"/>
+          <inkml:channelProperty channel="Y" name="resolution" value="1000" units="1/cm"/>
+          <inkml:channelProperty channel="F" name="resolution" value="0" units="1/dev"/>
+          <inkml:channelProperty channel="OA" name="resolution" value="1000" units="1/deg"/>
+          <inkml:channelProperty channel="OE" name="resolution" value="1000" units="1/deg"/>
+        </inkml:channelProperties>
+      </inkml:inkSource>
+      <inkml:timestamp xml:id="ts0" timeString="2020-05-26T11:09:13.257"/>
+    </inkml:context>
+    <inkml:brush xml:id="br0">
+      <inkml:brushProperty name="width" value="0.1" units="cm"/>
+      <inkml:brushProperty name="height" value="0.1" units="cm"/>
+      <inkml:brushProperty name="color" value="#004F8B"/>
+    </inkml:brush>
+  </inkml:definitions>
+  <inkml:trace contextRef="#ctx0" brushRef="#br0">0 261 2377 0 0,'14'-6'557'0'0,"4"-1"73"0"0,-1-2 0 0 0,0 0 0 0 0,0 0 0 0 0,10-10-630 0 0,-20 13-18 0 0,1 0 0 0 0,0 0 0 0 0,-1 1 0 0 0,2 1 0 0 0,-1-1 0 0 0,1 1 0 0 0,-1 0 0 0 0,1 1 0 0 0,0 0-1 0 0,0 1 1 0 0,1 0 0 0 0,-1 0 0 0 0,0 1 0 0 0,1 0 0 0 0,-1 0 0 0 0,1 1 0 0 0,-1 1 0 0 0,1-1-1 0 0,8 3 19 0 0,-7-1 60 0 0,20 5 379 0 0,0-2 1 0 0,5 0-440 0 0,-25-4 129 0 0,0-1 0 0 0,1 0 0 0 0,-1-1 0 0 0,0 0 0 0 0,0-1 0 0 0,0 0 0 0 0,10-4-129 0 0,41-18 405 0 0,-50 18-424 0 0,2 0-1 0 0,-1 1 1 0 0,0 0-1 0 0,1 1 1 0 0,0 0-1 0 0,0 2 1 0 0,0-1-1 0 0,0 2 1 0 0,4 0 19 0 0,-13 1 11 0 0,1 2 0 0 0,0-1 0 0 0,0 1 0 0 0,-1-1 1 0 0,1 2-1 0 0,-1-1 0 0 0,0 1 0 0 0,1-1 0 0 0,-1 1 1 0 0,0 1-1 0 0,-1-1-11 0 0,0 0 9 0 0,0 0 1 0 0,-1-1-1 0 0,1 1 1 0 0,0-1-1 0 0,0 0 1 0 0,1 0-1 0 0,-1 0 0 0 0,0-1 1 0 0,1 1-1 0 0,-1-1 1 0 0,1 0-1 0 0,-1-1 1 0 0,1 1-1 0 0,-1-1 0 0 0,1 0 1 0 0,-1 0-1 0 0,1 0 1 0 0,0 0-1 0 0,1-1-9 0 0,4-3-44 0 0,0-1 1 0 0,0 1-1 0 0,-1-1 0 0 0,0-1 0 0 0,0 0 0 0 0,0 0 0 0 0,-1-1 0 0 0,1 0 1 0 0,-2 0-1 0 0,1-1 0 0 0,3-5 44 0 0,-1 2-128 0 0,1 0 1 0 0,0 1-1 0 0,0 1 1 0 0,1 0-1 0 0,5-3 128 0 0,-15 11 15 0 0,0 0 0 0 0,0 0 0 0 0,-1 0 0 0 0,1 0 0 0 0,0 1 0 0 0,0-1 0 0 0,0 1-1 0 0,0-1 1 0 0,0 1 0 0 0,0 0 0 0 0,0 0 0 0 0,0 0 0 0 0,0 0 0 0 0,0 0 0 0 0,0 0 0 0 0,0 1 0 0 0,0-1 0 0 0,0 0 0 0 0,-1 1 0 0 0,1 0 0 0 0,0-1-1 0 0,0 1 1 0 0,0 0 0 0 0,0 0 0 0 0,-1 0 0 0 0,1 0 0 0 0,-1 0 0 0 0,1 1 0 0 0,-1-1 0 0 0,1 0 0 0 0,-1 1 0 0 0,1 0-15 0 0,5 6 345 0 0,0 2 0 0 0,0-1-1 0 0,-1 0 1 0 0,-1 1 0 0 0,3 6-345 0 0,9 14 335 0 0,-15-26-256 0 0,0-1 1 0 0,1 0 0 0 0,-1 1-1 0 0,1-1 1 0 0,0 0 0 0 0,0 0-1 0 0,0-1 1 0 0,0 1 0 0 0,1 0 0 0 0,-1-1-1 0 0,4 2-79 0 0,-5-4 51 0 0,0 1-1 0 0,0 0 1 0 0,1-1-1 0 0,-1 1 0 0 0,0-1 1 0 0,0 0-1 0 0,1 0 1 0 0,-1 0-1 0 0,0 0 0 0 0,1 0 1 0 0,-1 0-1 0 0,0-1 1 0 0,0 1-1 0 0,1-1 0 0 0,-1 1 1 0 0,0-1-1 0 0,0 0 1 0 0,0 0-1 0 0,0 0 1 0 0,0 0-1 0 0,0 0 0 0 0,0-1-50 0 0,46-29-1711 0 0,-24 13 587 0 0,2 2-1 0 0,0 1 1125 0 0,-19 11 155 0 0,0 1 0 0 0,0 0 0 0 0,0 0 0 0 0,1 1 0 0 0,-1 0 0 0 0,1 0 0 0 0,-1 0 0 0 0,1 1-1 0 0,7 0-154 0 0,-12 1 236 0 0,0 1-1 0 0,0-1 0 0 0,0 1 0 0 0,0 0 0 0 0,0-1 1 0 0,0 2-1 0 0,0-1 0 0 0,0 0 0 0 0,0 0 0 0 0,0 1 1 0 0,0 0-1 0 0,-1-1 0 0 0,2 3-235 0 0,-1-2-196 0 0,0 0 0 0 0,1 0 0 0 0,-1 0 0 0 0,0-1 0 0 0,1 1 0 0 0,-1-1 0 0 0,1 0 0 0 0,1 1 196 0 0,3-1-1585 0 0,0-1 1 0 0,0 1-1 0 0,0-2 0 0 0,7 0 1585 0 0,0 0-1400 0 0,-8 0-663 0 0</inkml:trace>
+</inkml:ink>
+</file>
+
+<file path=ppt/ink/ink37.xml><?xml version="1.0" encoding="utf-8"?>
+<inkml:ink xmlns:inkml="http://www.w3.org/2003/InkML">
+  <inkml:definitions>
+    <inkml:context xml:id="ctx0">
+      <inkml:inkSource xml:id="inkSrc0">
+        <inkml:traceFormat>
+          <inkml:channel name="X" type="integer" min="-2.14748E9" max="2.14748E9" units="cm"/>
+          <inkml:channel name="Y" type="integer" min="-2.14748E9" max="2.14748E9" units="cm"/>
+          <inkml:channel name="F" type="integer" max="32767" units="dev"/>
+          <inkml:channel name="OA" type="integer" max="360" units="deg"/>
+          <inkml:channel name="OE" type="integer" max="90" units="deg"/>
+        </inkml:traceFormat>
+        <inkml:channelProperties>
+          <inkml:channelProperty channel="X" name="resolution" value="1000" units="1/cm"/>
+          <inkml:channelProperty channel="Y" name="resolution" value="1000" units="1/cm"/>
+          <inkml:channelProperty channel="F" name="resolution" value="0" units="1/dev"/>
+          <inkml:channelProperty channel="OA" name="resolution" value="1000" units="1/deg"/>
+          <inkml:channelProperty channel="OE" name="resolution" value="1000" units="1/deg"/>
+        </inkml:channelProperties>
+      </inkml:inkSource>
+      <inkml:timestamp xml:id="ts0" timeString="2020-05-26T11:09:13.601"/>
+    </inkml:context>
+    <inkml:brush xml:id="br0">
+      <inkml:brushProperty name="width" value="0.1" units="cm"/>
+      <inkml:brushProperty name="height" value="0.1" units="cm"/>
+      <inkml:brushProperty name="color" value="#004F8B"/>
+    </inkml:brush>
+  </inkml:definitions>
+  <inkml:trace contextRef="#ctx0" brushRef="#br0">135 1 8426 0 0,'-10'21'616'0'0,"1"6"104"0"0,-4 7-128 0 0,1 4-160 0 0,-1-2-112 0 0,0-3-224 0 0,-1 1-400 0 0,1-3-720 0 0,0-1-904 0 0,0-2-345 0 0,2 0-3392 0 0</inkml:trace>
+</inkml:ink>
+</file>
+
+<file path=ppt/ink/ink38.xml><?xml version="1.0" encoding="utf-8"?>
+<inkml:ink xmlns:inkml="http://www.w3.org/2003/InkML">
+  <inkml:definitions>
+    <inkml:context xml:id="ctx0">
+      <inkml:inkSource xml:id="inkSrc0">
+        <inkml:traceFormat>
+          <inkml:channel name="X" type="integer" min="-2.14748E9" max="2.14748E9" units="cm"/>
+          <inkml:channel name="Y" type="integer" min="-2.14748E9" max="2.14748E9" units="cm"/>
+          <inkml:channel name="F" type="integer" max="32767" units="dev"/>
+          <inkml:channel name="OA" type="integer" max="360" units="deg"/>
+          <inkml:channel name="OE" type="integer" max="90" units="deg"/>
+        </inkml:traceFormat>
+        <inkml:channelProperties>
+          <inkml:channelProperty channel="X" name="resolution" value="1000" units="1/cm"/>
+          <inkml:channelProperty channel="Y" name="resolution" value="1000" units="1/cm"/>
+          <inkml:channelProperty channel="F" name="resolution" value="0" units="1/dev"/>
+          <inkml:channelProperty channel="OA" name="resolution" value="1000" units="1/deg"/>
+          <inkml:channelProperty channel="OE" name="resolution" value="1000" units="1/deg"/>
+        </inkml:channelProperties>
+      </inkml:inkSource>
+      <inkml:timestamp xml:id="ts0" timeString="2020-05-26T11:09:15.506"/>
+    </inkml:context>
+    <inkml:brush xml:id="br0">
+      <inkml:brushProperty name="width" value="0.1" units="cm"/>
+      <inkml:brushProperty name="height" value="0.1" units="cm"/>
+      <inkml:brushProperty name="color" value="#004F8B"/>
+    </inkml:brush>
+  </inkml:definitions>
+  <inkml:trace contextRef="#ctx0" brushRef="#br0">98 762 3025 0 0,'4'3'292'0'0,"1"1"0"0"0,-1 0 0 0 0,0 0-1 0 0,0 0 1 0 0,-1 0 0 0 0,3 4-292 0 0,-3-3 22 0 0,0-1 0 0 0,1 0 0 0 0,-1 0 0 0 0,1-1 0 0 0,0 1 0 0 0,0-1 0 0 0,0 1 0 0 0,2 0-22 0 0,26 11-20 0 0,0-1 1 0 0,1-2 0 0 0,1-1-1 0 0,-1-2 1 0 0,2-1 0 0 0,16 1 19 0 0,0-1 7 0 0,0-3 0 0 0,1-2 0 0 0,-1-3 0 0 0,0-1 0 0 0,16-5-7 0 0,70-12 134 0 0,47-15-134 0 0,-132 22 72 0 0,-1-2 1 0 0,1-3-1 0 0,20-10-72 0 0,-52 18 10 0 0,-1-1 0 0 0,1 0-1 0 0,-2-2 1 0 0,1 0 0 0 0,-2-1-1 0 0,0-1 1 0 0,0-1-1 0 0,-1 0 1 0 0,14-17-10 0 0,-22 19 48 0 0,1 0 0 0 0,-2-1 1 0 0,0 0-1 0 0,0 0 0 0 0,-1 0 0 0 0,-1-1 0 0 0,0 0 0 0 0,-1 0 0 0 0,2-12-48 0 0,1-15 230 0 0,-1 1-1 0 0,-1-38-229 0 0,-5 66-6 0 0,0 0-1 0 0,-1 1 1 0 0,0-1-1 0 0,-1 0 1 0 0,0 1-1 0 0,-1 0 0 0 0,0-1 1 0 0,-1 1-1 0 0,0 0 1 0 0,-1 1-1 0 0,-3-7 7 0 0,0 4 96 0 0,-1-1 1 0 0,0 1-1 0 0,-1 1 0 0 0,0 0 0 0 0,-1 0 0 0 0,-1 1 0 0 0,0 0 0 0 0,-3-1-96 0 0,-3-2 105 0 0,-1 2 0 0 0,0 0 0 0 0,-1 1 0 0 0,0 0 0 0 0,-1 2-1 0 0,0 1 1 0 0,0 0 0 0 0,-1 2 0 0 0,0 0 0 0 0,0 2 0 0 0,-1 0-1 0 0,0 1-104 0 0,-37 0 25 0 0,1 3-1 0 0,-38 6-24 0 0,-118 19 23 0 0,157-16 83 0 0,1 3-1 0 0,0 2 1 0 0,1 3-1 0 0,1 2 0 0 0,-26 13-105 0 0,30-7-17 0 0,1 1 0 0 0,1 3-1 0 0,-21 17 18 0 0,52-34-50 0 0,0 1 0 0 0,1 1 0 0 0,1 1-1 0 0,0 0 1 0 0,-2 4 50 0 0,14-13-98 0 0,-1 0 0 0 0,1 0 0 0 0,0 0 0 0 0,0 1-1 0 0,1-1 1 0 0,0 1 0 0 0,0 0 0 0 0,1 0 0 0 0,0 0 0 0 0,0 1 0 0 0,1-1 0 0 0,-1 0 0 0 0,2 1-1 0 0,-1-1 1 0 0,1 1 0 0 0,0-1 0 0 0,0 1 98 0 0,5 28-374 0 0,2 0 0 0 0,1-1-1 0 0,2 0 1 0 0,10 24 374 0 0,-7-21-173 0 0,-11-30 153 0 0,1 1 0 0 0,1-1 0 0 0,-1 0 0 0 0,1 0 0 0 0,1 0 0 0 0,0-1 0 0 0,0 1 0 0 0,0-1-1 0 0,3 2 21 0 0,-4-5 57 0 0,1 1-1 0 0,-1-2 1 0 0,1 1-1 0 0,0-1 0 0 0,0 1 1 0 0,1-1-1 0 0,-1-1 0 0 0,0 1 1 0 0,1-1-1 0 0,0 0 0 0 0,0 0 1 0 0,-1-1-1 0 0,1 1 1 0 0,2-1-57 0 0,45 7 286 0 0,0-1 0 0 0,1-4 1 0 0,-1-1-1 0 0,5-3-286 0 0,4 0 281 0 0,-46 2-248 0 0,0 0-1 0 0,0-2 1 0 0,0 0-1 0 0,0 0 0 0 0,0-2 1 0 0,0 0-1 0 0,12-4-32 0 0,-16 0 2 0 0,-10 7-91 0 0,-1-1 0 0 0,0 0 0 0 0,0 0 0 0 0,1 1 0 0 0,-1-1 1 0 0,0 1-1 0 0,1 0 0 0 0,-1-1 0 0 0,0 1 0 0 0,1 0 0 0 0,-1 0 0 0 0,0-1 0 0 0,1 1 1 0 0,-1 0-1 0 0,1 0 0 0 0,-1 1 0 0 0,1-1 0 0 0,-1 0 0 0 0,1 1 89 0 0,11 1-1815 0 0,-7 0-2051 0 0</inkml:trace>
+</inkml:ink>
+</file>
+
+<file path=ppt/ink/ink39.xml><?xml version="1.0" encoding="utf-8"?>
+<inkml:ink xmlns:inkml="http://www.w3.org/2003/InkML">
+  <inkml:definitions>
+    <inkml:context xml:id="ctx0">
+      <inkml:inkSource xml:id="inkSrc0">
+        <inkml:traceFormat>
+          <inkml:channel name="X" type="integer" min="-2.14748E9" max="2.14748E9" units="cm"/>
+          <inkml:channel name="Y" type="integer" min="-2.14748E9" max="2.14748E9" units="cm"/>
+          <inkml:channel name="F" type="integer" max="32767" units="dev"/>
+          <inkml:channel name="OA" type="integer" max="360" units="deg"/>
+          <inkml:channel name="OE" type="integer" max="90" units="deg"/>
+        </inkml:traceFormat>
+        <inkml:channelProperties>
+          <inkml:channelProperty channel="X" name="resolution" value="1000" units="1/cm"/>
+          <inkml:channelProperty channel="Y" name="resolution" value="1000" units="1/cm"/>
+          <inkml:channelProperty channel="F" name="resolution" value="0" units="1/dev"/>
+          <inkml:channelProperty channel="OA" name="resolution" value="1000" units="1/deg"/>
+          <inkml:channelProperty channel="OE" name="resolution" value="1000" units="1/deg"/>
+        </inkml:channelProperties>
+      </inkml:inkSource>
+      <inkml:timestamp xml:id="ts0" timeString="2020-05-26T11:09:16.173"/>
+    </inkml:context>
+    <inkml:brush xml:id="br0">
+      <inkml:brushProperty name="width" value="0.1" units="cm"/>
+      <inkml:brushProperty name="height" value="0.1" units="cm"/>
+      <inkml:brushProperty name="color" value="#004F8B"/>
+    </inkml:brush>
+  </inkml:definitions>
+  <inkml:trace contextRef="#ctx0" brushRef="#br0">1 211 3593 0 0,'25'-13'180'0'0,"1"1"0"0"0,1 1 0 0 0,0 1 0 0 0,1 2 0 0 0,7-1-180 0 0,47-8 101 0 0,14 2-101 0 0,-82 13-39 0 0,122-17-329 0 0,1 5-1 0 0,36 5 369 0 0,-130 9 113 0 0,1-1-1 0 0,-1-2 1 0 0,0-3-1 0 0,0-1 0 0 0,0-2 1 0 0,35-12-113 0 0,-18 6-92 0 0,-25 7-772 0 0,-38 6-74 0 0,4 4-1653 0 0</inkml:trace>
+</inkml:ink>
+</file>
+
+<file path=ppt/ink/ink4.xml><?xml version="1.0" encoding="utf-8"?>
+<inkml:ink xmlns:inkml="http://www.w3.org/2003/InkML">
+  <inkml:definitions>
+    <inkml:context xml:id="ctx0">
+      <inkml:inkSource xml:id="inkSrc0">
+        <inkml:traceFormat>
+          <inkml:channel name="X" type="integer" min="-2.14748E9" max="2.14748E9" units="cm"/>
+          <inkml:channel name="Y" type="integer" min="-2.14748E9" max="2.14748E9" units="cm"/>
+          <inkml:channel name="F" type="integer" max="32767" units="dev"/>
+          <inkml:channel name="OA" type="integer" max="360" units="deg"/>
+          <inkml:channel name="OE" type="integer" max="90" units="deg"/>
+        </inkml:traceFormat>
+        <inkml:channelProperties>
+          <inkml:channelProperty channel="X" name="resolution" value="1000" units="1/cm"/>
+          <inkml:channelProperty channel="Y" name="resolution" value="1000" units="1/cm"/>
+          <inkml:channelProperty channel="F" name="resolution" value="0" units="1/dev"/>
+          <inkml:channelProperty channel="OA" name="resolution" value="1000" units="1/deg"/>
+          <inkml:channelProperty channel="OE" name="resolution" value="1000" units="1/deg"/>
+        </inkml:channelProperties>
+      </inkml:inkSource>
+      <inkml:timestamp xml:id="ts0" timeString="2020-05-26T11:08:12.267"/>
+    </inkml:context>
+    <inkml:brush xml:id="br0">
+      <inkml:brushProperty name="width" value="0.05" units="cm"/>
+      <inkml:brushProperty name="height" value="0.05" units="cm"/>
+    </inkml:brush>
+  </inkml:definitions>
+  <inkml:trace contextRef="#ctx0" brushRef="#br0">103 0 6009 0 0,'-4'4'680'0'0,"-3"6"81"0"0,0 2-185 0 0,1 5-160 0 0,-1 1-80 0 0,-1 4-120 0 0,0 1-80 0 0,0 0-128 0 0,0 0-216 0 0,1-5-352 0 0,-2 0-344 0 0,1-1-49 0 0,0-3-47 0 0,1 0-4257 0 0</inkml:trace>
+</inkml:ink>
+</file>
+
+<file path=ppt/ink/ink40.xml><?xml version="1.0" encoding="utf-8"?>
+<inkml:ink xmlns:inkml="http://www.w3.org/2003/InkML">
+  <inkml:definitions>
+    <inkml:context xml:id="ctx0">
+      <inkml:inkSource xml:id="inkSrc0">
+        <inkml:traceFormat>
+          <inkml:channel name="X" type="integer" min="-2.14748E9" max="2.14748E9" units="cm"/>
+          <inkml:channel name="Y" type="integer" min="-2.14748E9" max="2.14748E9" units="cm"/>
+          <inkml:channel name="F" type="integer" max="32767" units="dev"/>
+          <inkml:channel name="OA" type="integer" max="360" units="deg"/>
+          <inkml:channel name="OE" type="integer" max="90" units="deg"/>
+        </inkml:traceFormat>
+        <inkml:channelProperties>
+          <inkml:channelProperty channel="X" name="resolution" value="1000" units="1/cm"/>
+          <inkml:channelProperty channel="Y" name="resolution" value="1000" units="1/cm"/>
+          <inkml:channelProperty channel="F" name="resolution" value="0" units="1/dev"/>
+          <inkml:channelProperty channel="OA" name="resolution" value="1000" units="1/deg"/>
+          <inkml:channelProperty channel="OE" name="resolution" value="1000" units="1/deg"/>
+        </inkml:channelProperties>
+      </inkml:inkSource>
+      <inkml:timestamp xml:id="ts0" timeString="2020-05-26T11:09:16.517"/>
+    </inkml:context>
+    <inkml:brush xml:id="br0">
+      <inkml:brushProperty name="width" value="0.1" units="cm"/>
+      <inkml:brushProperty name="height" value="0.1" units="cm"/>
+      <inkml:brushProperty name="color" value="#004F8B"/>
+    </inkml:brush>
+  </inkml:definitions>
+  <inkml:trace contextRef="#ctx0" brushRef="#br0">36 0 2793 0 0,'-3'27'980'0'0,"-20"35"-1188"0"0,23-62 182 0 0,0 0 1 0 0,0 0 0 0 0,0 0-1 0 0,0 0 1 0 0,0 1-1 0 0,-1-1 1 0 0,1 0 0 0 0,0 0-1 0 0,0 0 1 0 0,0 0-1 0 0,0 1 1 0 0,0-1-1 0 0,0 0 1 0 0,0 0 0 0 0,0 0-1 0 0,-1 0 1 0 0,1 0-1 0 0,0 0 1 0 0,0 0 0 0 0,0 0-1 0 0,0 1 1 0 0,-1-1-1 0 0,1 0 1 0 0,0 0 0 0 0,0 0-1 0 0,0 0 1 0 0,0 0-1 0 0,-1 0 1 0 0,1 0 0 0 0,0 0-1 0 0,0 0 1 0 0,0 0-1 0 0,0 0 1 0 0,-1 0 0 0 0,1 0-1 0 0,0 0 1 0 0,0 0-1 0 0,0 0 1 0 0,0 0 0 0 0,-1 0-1 0 0,1 0 26 0 0,-2-1-552 0 0,0 3-1411 0 0</inkml:trace>
+</inkml:ink>
+</file>
+
+<file path=ppt/ink/ink41.xml><?xml version="1.0" encoding="utf-8"?>
+<inkml:ink xmlns:inkml="http://www.w3.org/2003/InkML">
+  <inkml:definitions>
+    <inkml:context xml:id="ctx0">
+      <inkml:inkSource xml:id="inkSrc0">
+        <inkml:traceFormat>
+          <inkml:channel name="X" type="integer" min="-2.14748E9" max="2.14748E9" units="cm"/>
+          <inkml:channel name="Y" type="integer" min="-2.14748E9" max="2.14748E9" units="cm"/>
+          <inkml:channel name="F" type="integer" max="32767" units="dev"/>
+          <inkml:channel name="OA" type="integer" max="360" units="deg"/>
+          <inkml:channel name="OE" type="integer" max="90" units="deg"/>
+        </inkml:traceFormat>
+        <inkml:channelProperties>
+          <inkml:channelProperty channel="X" name="resolution" value="1000" units="1/cm"/>
+          <inkml:channelProperty channel="Y" name="resolution" value="1000" units="1/cm"/>
+          <inkml:channelProperty channel="F" name="resolution" value="0" units="1/dev"/>
+          <inkml:channelProperty channel="OA" name="resolution" value="1000" units="1/deg"/>
+          <inkml:channelProperty channel="OE" name="resolution" value="1000" units="1/deg"/>
+        </inkml:channelProperties>
+      </inkml:inkSource>
+      <inkml:timestamp xml:id="ts0" timeString="2020-05-26T11:09:16.853"/>
+    </inkml:context>
+    <inkml:brush xml:id="br0">
+      <inkml:brushProperty name="width" value="0.1" units="cm"/>
+      <inkml:brushProperty name="height" value="0.1" units="cm"/>
+      <inkml:brushProperty name="color" value="#004F8B"/>
+    </inkml:brush>
+  </inkml:definitions>
+  <inkml:trace contextRef="#ctx0" brushRef="#br0">87 0 2256 0 0,'-4'5'135'0'0,"-1"1"-1"0"0,1-1 0 0 0,-1 1 0 0 0,2 0 0 0 0,-1 0 0 0 0,1 0 0 0 0,0 0 0 0 0,0 1-134 0 0,-14 24 54 0 0,13-25-67 0 0,3-4-11 0 0,0 0 0 0 0,0-1 1 0 0,0 1-1 0 0,0 0 1 0 0,0 0-1 0 0,0-1 0 0 0,-1 1 1 0 0,1-1-1 0 0,0 0 0 0 0,-1 1 1 0 0,1-1-1 0 0,-1 0 0 0 0,0 0 1 0 0,1 1-1 0 0,-1-1 1 0 0,0-1-1 0 0,0 1 0 0 0,0 0 1 0 0,-1 0 23 0 0,2-1-1045 0 0,2 2-823 0 0</inkml:trace>
+</inkml:ink>
+</file>
+
+<file path=ppt/ink/ink42.xml><?xml version="1.0" encoding="utf-8"?>
+<inkml:ink xmlns:inkml="http://www.w3.org/2003/InkML">
+  <inkml:definitions>
+    <inkml:context xml:id="ctx0">
+      <inkml:inkSource xml:id="inkSrc0">
+        <inkml:traceFormat>
+          <inkml:channel name="X" type="integer" min="-2.14748E9" max="2.14748E9" units="cm"/>
+          <inkml:channel name="Y" type="integer" min="-2.14748E9" max="2.14748E9" units="cm"/>
+          <inkml:channel name="F" type="integer" max="32767" units="dev"/>
+          <inkml:channel name="OA" type="integer" max="360" units="deg"/>
+          <inkml:channel name="OE" type="integer" max="90" units="deg"/>
+        </inkml:traceFormat>
+        <inkml:channelProperties>
+          <inkml:channelProperty channel="X" name="resolution" value="1000" units="1/cm"/>
+          <inkml:channelProperty channel="Y" name="resolution" value="1000" units="1/cm"/>
+          <inkml:channelProperty channel="F" name="resolution" value="0" units="1/dev"/>
+          <inkml:channelProperty channel="OA" name="resolution" value="1000" units="1/deg"/>
+          <inkml:channelProperty channel="OE" name="resolution" value="1000" units="1/deg"/>
+        </inkml:channelProperties>
+      </inkml:inkSource>
+      <inkml:timestamp xml:id="ts0" timeString="2020-05-26T11:09:20.903"/>
+    </inkml:context>
+    <inkml:brush xml:id="br0">
+      <inkml:brushProperty name="width" value="0.1" units="cm"/>
+      <inkml:brushProperty name="height" value="0.1" units="cm"/>
+      <inkml:brushProperty name="color" value="#004F8B"/>
+    </inkml:brush>
+  </inkml:definitions>
+  <inkml:trace contextRef="#ctx0" brushRef="#br0">214 15 1536 0 0,'5'-12'669'0'0,"-7"9"-402"0"0,-10 16-204 0 0,0-1 231 0 0,-16 14 119 0 0,1 2 0 0 0,1 1 0 0 0,2 1 0 0 0,1 1 1 0 0,1 1-1 0 0,-2 7-413 0 0,10-17-489 0 0,9-20-560 0 0,7-15-116 0 0,1 3 443 0 0,2-1-1153 0 0</inkml:trace>
+</inkml:ink>
+</file>
+
+<file path=ppt/ink/ink43.xml><?xml version="1.0" encoding="utf-8"?>
+<inkml:ink xmlns:inkml="http://www.w3.org/2003/InkML">
+  <inkml:definitions>
+    <inkml:context xml:id="ctx0">
+      <inkml:inkSource xml:id="inkSrc0">
+        <inkml:traceFormat>
+          <inkml:channel name="X" type="integer" min="-2.14748E9" max="2.14748E9" units="cm"/>
+          <inkml:channel name="Y" type="integer" min="-2.14748E9" max="2.14748E9" units="cm"/>
+          <inkml:channel name="F" type="integer" max="32767" units="dev"/>
+          <inkml:channel name="OA" type="integer" max="360" units="deg"/>
+          <inkml:channel name="OE" type="integer" max="90" units="deg"/>
+        </inkml:traceFormat>
+        <inkml:channelProperties>
+          <inkml:channelProperty channel="X" name="resolution" value="1000" units="1/cm"/>
+          <inkml:channelProperty channel="Y" name="resolution" value="1000" units="1/cm"/>
+          <inkml:channelProperty channel="F" name="resolution" value="0" units="1/dev"/>
+          <inkml:channelProperty channel="OA" name="resolution" value="1000" units="1/deg"/>
+          <inkml:channelProperty channel="OE" name="resolution" value="1000" units="1/deg"/>
+        </inkml:channelProperties>
+      </inkml:inkSource>
+      <inkml:timestamp xml:id="ts0" timeString="2020-05-26T11:09:21.581"/>
+    </inkml:context>
+    <inkml:brush xml:id="br0">
+      <inkml:brushProperty name="width" value="0.1" units="cm"/>
+      <inkml:brushProperty name="height" value="0.1" units="cm"/>
+      <inkml:brushProperty name="color" value="#004F8B"/>
+    </inkml:brush>
+  </inkml:definitions>
+  <inkml:trace contextRef="#ctx0" brushRef="#br0">0 234 1784 0 0,'8'2'248'0'0,"0"3"-48"0"0,2 1-39 0 0,0 0-1 0 0,-1 3-16 0 0,0-1-24 0 0,1-1 0 0 0,2-1-32 0 0,1-1-80 0 0,0-3-120 0 0,1-2-112 0 0,0-1-48 0 0,0-1-25 0 0,0-2 33 0 0,-3-3-64 0 0,3 2-1200 0 0</inkml:trace>
+</inkml:ink>
+</file>
+
+<file path=ppt/ink/ink44.xml><?xml version="1.0" encoding="utf-8"?>
+<inkml:ink xmlns:inkml="http://www.w3.org/2003/InkML">
+  <inkml:definitions>
+    <inkml:context xml:id="ctx0">
+      <inkml:inkSource xml:id="inkSrc0">
+        <inkml:traceFormat>
+          <inkml:channel name="X" type="integer" min="-2.14748E9" max="2.14748E9" units="cm"/>
+          <inkml:channel name="Y" type="integer" min="-2.14748E9" max="2.14748E9" units="cm"/>
+          <inkml:channel name="F" type="integer" max="32767" units="dev"/>
+          <inkml:channel name="OA" type="integer" max="360" units="deg"/>
+          <inkml:channel name="OE" type="integer" max="90" units="deg"/>
+        </inkml:traceFormat>
+        <inkml:channelProperties>
+          <inkml:channelProperty channel="X" name="resolution" value="1000" units="1/cm"/>
+          <inkml:channelProperty channel="Y" name="resolution" value="1000" units="1/cm"/>
+          <inkml:channelProperty channel="F" name="resolution" value="0" units="1/dev"/>
+          <inkml:channelProperty channel="OA" name="resolution" value="1000" units="1/deg"/>
+          <inkml:channelProperty channel="OE" name="resolution" value="1000" units="1/deg"/>
+        </inkml:channelProperties>
+      </inkml:inkSource>
+      <inkml:timestamp xml:id="ts0" timeString="2020-05-24T04:17:19.965"/>
+    </inkml:context>
+    <inkml:brush xml:id="br0">
+      <inkml:brushProperty name="width" value="0.05" units="cm"/>
+      <inkml:brushProperty name="height" value="0.05" units="cm"/>
+    </inkml:brush>
+  </inkml:definitions>
+  <inkml:trace contextRef="#ctx0" brushRef="#br0">66 727 8370 0 0,'1'-3'53'0'0,"-1"1"0"0"0,1-1 0 0 0,0 0 0 0 0,0 1 0 0 0,0-1 0 0 0,1 1 0 0 0,-1-1-1 0 0,1 1 1 0 0,-1-1 0 0 0,1 1 0 0 0,0 0 0 0 0,-1 0 0 0 0,1 0 0 0 0,1 0 0 0 0,-1 0 0 0 0,0 0 0 0 0,0 1 0 0 0,1-1 0 0 0,-1 1 0 0 0,1 0 0 0 0,0-1-53 0 0,-1 1 36 0 0,1 1 0 0 0,0-1-1 0 0,0 1 1 0 0,0 0 0 0 0,-1 0 0 0 0,1 0 0 0 0,0 0 0 0 0,0 1-1 0 0,0-1 1 0 0,-1 1 0 0 0,1-1 0 0 0,0 1 0 0 0,-1 0-1 0 0,1 0 1 0 0,0 0 0 0 0,-1 1 0 0 0,0-1 0 0 0,1 0 0 0 0,-1 1-1 0 0,0 0 1 0 0,2 1-36 0 0,0 0 30 0 0,-1 0 1 0 0,0 0-1 0 0,0 1 0 0 0,0 0 1 0 0,-1-1-1 0 0,1 1 0 0 0,-1 0 0 0 0,0 0 1 0 0,0 0-1 0 0,0 0 0 0 0,-1 1 1 0 0,1-1-1 0 0,-1 0 0 0 0,0 1 0 0 0,0-1 1 0 0,0 1-1 0 0,-1-1 0 0 0,0 4-30 0 0,1 13 308 0 0,-2-1-1 0 0,0 1 0 0 0,-3 11-307 0 0,2-17 126 0 0,-48 297 3078 0 0,11-80-2257 0 0,28-155 6 0 0,-44 302-4568 0 0,22-129 124 0 0,32-243 3504 0 0,0 2-4 0 0,0 0 0 0 0,0 1 0 0 0,1 0 0 0 0,0-1-1 0 0,1 7-8 0 0,0-14 10 0 0,-1-1 0 0 0,0 1-1 0 0,0 0 1 0 0,1-1 0 0 0,-1 1-1 0 0,1 0 1 0 0,0-1 0 0 0,-1 1-1 0 0,1-1 1 0 0,0 1-1 0 0,0-1 1 0 0,0 1 0 0 0,0-1-1 0 0,0 0 1 0 0,0 1 0 0 0,0-1-1 0 0,1 0 1 0 0,-1 0 0 0 0,0 0-1 0 0,1 0 1 0 0,-1 0 0 0 0,1 0-1 0 0,-1 0 1 0 0,1-1 0 0 0,-1 1-1 0 0,1 0 1 0 0,0-1 0 0 0,-1 1-1 0 0,1-1 1 0 0,0 0 0 0 0,-1 0-1 0 0,1 1 1 0 0,0-1-10 0 0,26-1 37 0 0,0-1 0 0 0,0-1-1 0 0,-1-2 1 0 0,1 0 0 0 0,-1-2-37 0 0,13-2 1 0 0,717-128 1514 0 0,-321 79 3524 0 0,625-55-5420 0 0,-723 79 49 0 0,1036-89-476 0 0,4 56 1182 0 0,-567 57-480 0 0,570-15-71 0 0,-170-17 476 0 0,129 16 97 0 0,-436-9-289 0 0,-497 13-125 0 0,-276 19 49 0 0,-39 2-671 0 0,59-11 640 0 0,-150 13-7 0 0,-1-1 1 0 0,1 0 0 0 0,0 0 0 0 0,0 0 0 0 0,-1 0-1 0 0,1-1 1 0 0,0 1 0 0 0,-1 0 0 0 0,1 0 0 0 0,0 0-1 0 0,-1-1 1 0 0,1 1 0 0 0,0 0 0 0 0,-1 0 0 0 0,1-1-1 0 0,0 1 1 0 0,-1-1 0 0 0,1 1 0 0 0,-1-1 0 0 0,1 1-1 0 0,-1-1 1 0 0,1 1 0 0 0,-1-1 0 0 0,1 1 0 0 0,-1-1-1 0 0,1 1 1 0 0,-1-1 0 0 0,0 0 0 0 0,1 0 6 0 0,-1 0-6 0 0,-1 0 1 0 0,1 0 0 0 0,0 0 0 0 0,0 0-1 0 0,-1 0 1 0 0,1 0 0 0 0,-1 0 0 0 0,1 0-1 0 0,-1 0 1 0 0,1 0 0 0 0,-1 0 0 0 0,0 0-1 0 0,1 0 1 0 0,-1 1 0 0 0,0-1 0 0 0,0 0-1 0 0,0 0 6 0 0,-7-6 0 0 0,-1 0 0 0 0,0 0 0 0 0,-6-3 0 0 0,13 9 7 0 0,-1-1 25 0 0,1 1-1 0 0,-1-1 1 0 0,1 0-1 0 0,0 1 1 0 0,-1-1 0 0 0,1 0-1 0 0,0 0 1 0 0,0 0 0 0 0,0 0-1 0 0,0-1-31 0 0,2 1 14 0 0,0 1 0 0 0,-1-1 0 0 0,1 1 0 0 0,0 0-1 0 0,0-1 1 0 0,0 1 0 0 0,0-1 0 0 0,0 1 0 0 0,0-1 0 0 0,0 1-1 0 0,0 0 1 0 0,1-1 0 0 0,-1 1 0 0 0,1-1 0 0 0,-1 1 0 0 0,1 0-1 0 0,-1 0 1 0 0,1-1 0 0 0,0 1 0 0 0,-1 0 0 0 0,2-1-14 0 0,6-10 5 0 0,0 1 1 0 0,1-1-1 0 0,1 1 0 0 0,0 1 1 0 0,0 0-1 0 0,8-5-5 0 0,14-15-27 0 0,34-34-154 0 0,-10 10-514 0 0,40-51 695 0 0,-79 85-57 0 0,-2-1 0 0 0,0-1 0 0 0,-2 0 0 0 0,0 0 0 0 0,-2-2 0 0 0,0 1 0 0 0,3-14 57 0 0,-3 2-15 0 0,-1 0 1 0 0,-2 0-1 0 0,3-35 15 0 0,-10 60 4 0 0,-2 0-1 0 0,0 1 0 0 0,0-1 1 0 0,-1 1-1 0 0,0 0 1 0 0,0-1-1 0 0,-3-6-3 0 0,-7-28 1 0 0,5-3 68 0 0,1-31-69 0 0,-4-32 68 0 0,6 80-85 0 0,-2 0 0 0 0,0 1 0 0 0,-2-1 0 0 0,-2 1 0 0 0,-7-16 17 0 0,13 37-81 0 0,0-1 0 0 0,0 1 0 0 0,-1 1 0 0 0,0-1 0 0 0,-1 1 1 0 0,1 0-1 0 0,-1 0 0 0 0,-1 0 0 0 0,1 1 0 0 0,-1 0 0 0 0,0 0 1 0 0,-1 1-1 0 0,1 0 0 0 0,-1 0 0 0 0,0 1 0 0 0,0 0 0 0 0,-1 0 1 0 0,1 1-1 0 0,-1 0 0 0 0,-8-2 81 0 0,-7 1-44 0 0,0 1 0 0 0,0 1 1 0 0,0 1-1 0 0,0 1 0 0 0,-11 2 44 0 0,-122 18 65 0 0,93-10-53 0 0,-213 25 347 0 0,-166-5-359 0 0,-506-10 217 0 0,150-4-164 0 0,-1431-8 68 0 0,1852-11-38 0 0,-1662 28 355 0 0,896 21 667 0 0,838-31-660 0 0,-884 78 846 0 0,401 11-3571 0 0,767-101 1680 0 0,-21 4-3202 0 0,0 1-1 0 0,-19 7 3803 0 0,22-1-6300 0 0</inkml:trace>
+</inkml:ink>
+</file>
+
+<file path=ppt/ink/ink45.xml><?xml version="1.0" encoding="utf-8"?>
+<inkml:ink xmlns:inkml="http://www.w3.org/2003/InkML">
+  <inkml:definitions>
+    <inkml:context xml:id="ctx0">
+      <inkml:inkSource xml:id="inkSrc0">
+        <inkml:traceFormat>
+          <inkml:channel name="X" type="integer" min="-2.14748E9" max="2.14748E9" units="cm"/>
+          <inkml:channel name="Y" type="integer" min="-2.14748E9" max="2.14748E9" units="cm"/>
+          <inkml:channel name="F" type="integer" max="32767" units="dev"/>
+          <inkml:channel name="OA" type="integer" max="360" units="deg"/>
+          <inkml:channel name="OE" type="integer" max="90" units="deg"/>
+        </inkml:traceFormat>
+        <inkml:channelProperties>
+          <inkml:channelProperty channel="X" name="resolution" value="1000" units="1/cm"/>
+          <inkml:channelProperty channel="Y" name="resolution" value="1000" units="1/cm"/>
+          <inkml:channelProperty channel="F" name="resolution" value="0" units="1/dev"/>
+          <inkml:channelProperty channel="OA" name="resolution" value="1000" units="1/deg"/>
+          <inkml:channelProperty channel="OE" name="resolution" value="1000" units="1/deg"/>
+        </inkml:channelProperties>
+      </inkml:inkSource>
+      <inkml:timestamp xml:id="ts0" timeString="2020-05-24T04:17:21.985"/>
+    </inkml:context>
+    <inkml:brush xml:id="br0">
+      <inkml:brushProperty name="width" value="0.05" units="cm"/>
+      <inkml:brushProperty name="height" value="0.05" units="cm"/>
+    </inkml:brush>
+  </inkml:definitions>
+  <inkml:trace contextRef="#ctx0" brushRef="#br0">1 228 8450 0 0,'0'-3'16'0'0,"-1"-1"1"0"0,1 1-1 0 0,0-1 1 0 0,0 1-1 0 0,1-1 0 0 0,-1 1 1 0 0,1 0-1 0 0,0-1 1 0 0,-1 1-1 0 0,2-1 1 0 0,-1 1-1 0 0,0 0 0 0 0,1 0 1 0 0,-1 0-1 0 0,2-2-16 0 0,0 2-1 0 0,0 0 0 0 0,0 0 0 0 0,1 0 0 0 0,-1 0 0 0 0,1 0 0 0 0,-1 1 0 0 0,1 0 0 0 0,0 0-1 0 0,0 0 1 0 0,0 0 0 0 0,0 1 0 0 0,2-1 1 0 0,102-33 384 0 0,1 5 0 0 0,2 5-1 0 0,0 5 1 0 0,1 5 0 0 0,1 5 0 0 0,14 4-384 0 0,127 6 581 0 0,-1 10 0 0 0,45 17-581 0 0,748 126 350 0 0,-716-99-364 0 0,874 186 940 0 0,-810-132 717 0 0,-310-84-326 0 0,-79-22-1258 0 0,0-1 1 0 0,0 1-1 0 0,0-1 0 0 0,0 0 1 0 0,1-1-1 0 0,-1 1 0 0 0,0-1 0 0 0,0 0 1 0 0,4-1-60 0 0,-7 0-152 0 0,-1 1-1 0 0,1-1 1 0 0,0 0 0 0 0,0 1 0 0 0,-1-1 0 0 0,1 0 0 0 0,0 0 0 0 0,-1-1-1 0 0,1 1 1 0 0,-1 0 0 0 0,0 0 0 0 0,1-1 0 0 0,-1 1 0 0 0,0-1 0 0 0,0 1 0 0 0,0-1-1 0 0,0 1 1 0 0,0-1 0 0 0,0 0 0 0 0,0 1 0 0 0,-1-1 0 0 0,1 0 0 0 0,-1 0-1 0 0,1 0 1 0 0,-1 0 0 0 0,1 1 0 0 0,-1-3 152 0 0,1-5-312 0 0,0 0 0 0 0,0 0 0 0 0,-1-1 0 0 0,0 1 0 0 0,0 0 0 0 0,-1 0 0 0 0,-1 0 1 0 0,1 0-1 0 0,-1 0 0 0 0,-1 0 0 0 0,0 0 0 0 0,0 0 0 0 0,-1 1 0 0 0,0 0 0 0 0,0-1 0 0 0,-6-6 312 0 0,3 5 294 0 0,0 0 0 0 0,-1 1 0 0 0,0 0 0 0 0,0 1 1 0 0,-1-1-1 0 0,0 2 0 0 0,-1-1 0 0 0,0 1 0 0 0,0 1 0 0 0,0 0 0 0 0,-1 0 0 0 0,-8-3-294 0 0,26 15 93 0 0,-1 1-1 0 0,1-1 0 0 0,-1 1 0 0 0,2 3-92 0 0,17 19 224 0 0,-2-8-125 0 0,1 0 0 0 0,2-1 0 0 0,-1-2 0 0 0,2 0 0 0 0,0-2 1 0 0,2-1-1 0 0,-1-2 0 0 0,1 0 0 0 0,1-2 0 0 0,1-1 1 0 0,-1-2-1 0 0,1 0 0 0 0,0-3 0 0 0,1 0 0 0 0,0-2 1 0 0,25-1-100 0 0,-48-3 112 0 0,3 1 29 0 0,-13 0-119 0 0,1 0 1 0 0,0 0-1 0 0,0 0 0 0 0,0 0 1 0 0,0 0-1 0 0,0 0 1 0 0,0 0-1 0 0,0 0 0 0 0,0 0 1 0 0,0 1-1 0 0,0-1 0 0 0,0 0 1 0 0,0 0-1 0 0,-1 0 1 0 0,1 0-1 0 0,0 0 0 0 0,0 0 1 0 0,0 0-1 0 0,0 0 1 0 0,0 0-1 0 0,0 0 0 0 0,0 0 1 0 0,0 0-1 0 0,0 0 1 0 0,0 1-1 0 0,0-1 0 0 0,0 0 1 0 0,0 0-1 0 0,0 0 1 0 0,0 0-1 0 0,0 0 0 0 0,0 0 1 0 0,0 0-1 0 0,0 0 0 0 0,0 0 1 0 0,0 0-1 0 0,0 1 1 0 0,0-1-1 0 0,0 0 0 0 0,0 0 1 0 0,0 0-1 0 0,0 0 1 0 0,0 0-1 0 0,0 0 0 0 0,0 0 1 0 0,0 0-1 0 0,0 0 1 0 0,1 0-1 0 0,-1 0 0 0 0,0 0 1 0 0,0 0-1 0 0,0 1 0 0 0,0-1 1 0 0,0 0-1 0 0,0 0 1 0 0,0 0-1 0 0,0 0 0 0 0,0 0 1 0 0,0 0-1 0 0,0 0 1 0 0,0 0-23 0 0,-43 36 97 0 0,2 2 1 0 0,1 2-1 0 0,-22 31-97 0 0,-15 14 64 0 0,45-48 29 0 0,23-26 4 0 0,0 0-1 0 0,0-1 1 0 0,-1 0-1 0 0,0 0 1 0 0,-1-1-1 0 0,0-1 1 0 0,0 0-1 0 0,-1 0-96 0 0,11-7 55 0 0,-1-1-1 0 0,1 1 0 0 0,0-1 1 0 0,-1 1-1 0 0,1-1 0 0 0,0 1 1 0 0,-1-1-1 0 0,1 0 0 0 0,-1 0 1 0 0,1 0-1 0 0,-1 0 0 0 0,1 0 1 0 0,-1 0-1 0 0,1 0 1 0 0,0 0-1 0 0,-1 0 0 0 0,1-1 1 0 0,-1 1-1 0 0,1-1 0 0 0,0 1 1 0 0,-1-1-1 0 0,0 0-54 0 0,0 0 76 0 0,-1-1-1 0 0,1 0 1 0 0,0 0 0 0 0,0 0-1 0 0,0 0 1 0 0,0 0 0 0 0,0 0-1 0 0,1 0 1 0 0,-1-1-1 0 0,1 1 1 0 0,-1-2-76 0 0,-3-5 160 0 0,2 0 1 0 0,-1 0-1 0 0,1-1 0 0 0,0 0 1 0 0,1 1-1 0 0,0-4-160 0 0,-1-10 50 0 0,1 0-1 0 0,1 0 0 0 0,1 0 1 0 0,1 0-1 0 0,1-1 0 0 0,1 1 1 0 0,1 1-1 0 0,1-1 1 0 0,1 0-1 0 0,5-12-49 0 0,-1 10-518 0 0,1 0 0 0 0,2 1 0 0 0,0 0 0 0 0,1 1 0 0 0,12-14 518 0 0,0 4-1144 0 0,-13 17-224 0 0,0-2 0 0 0,0 1 0 0 0,-2-1 0 0 0,4-10 1368 0 0,5-31-5295 0 0</inkml:trace>
+</inkml:ink>
+</file>
+
+<file path=ppt/ink/ink46.xml><?xml version="1.0" encoding="utf-8"?>
+<inkml:ink xmlns:inkml="http://www.w3.org/2003/InkML">
+  <inkml:definitions>
+    <inkml:context xml:id="ctx0">
+      <inkml:inkSource xml:id="inkSrc0">
+        <inkml:traceFormat>
+          <inkml:channel name="X" type="integer" min="-2.14748E9" max="2.14748E9" units="cm"/>
+          <inkml:channel name="Y" type="integer" min="-2.14748E9" max="2.14748E9" units="cm"/>
+          <inkml:channel name="F" type="integer" max="32767" units="dev"/>
+          <inkml:channel name="OA" type="integer" max="360" units="deg"/>
+          <inkml:channel name="OE" type="integer" max="90" units="deg"/>
+        </inkml:traceFormat>
+        <inkml:channelProperties>
+          <inkml:channelProperty channel="X" name="resolution" value="1000" units="1/cm"/>
+          <inkml:channelProperty channel="Y" name="resolution" value="1000" units="1/cm"/>
+          <inkml:channelProperty channel="F" name="resolution" value="0" units="1/dev"/>
+          <inkml:channelProperty channel="OA" name="resolution" value="1000" units="1/deg"/>
+          <inkml:channelProperty channel="OE" name="resolution" value="1000" units="1/deg"/>
+        </inkml:channelProperties>
+      </inkml:inkSource>
+      <inkml:timestamp xml:id="ts0" timeString="2020-05-24T04:17:23.979"/>
+    </inkml:context>
+    <inkml:brush xml:id="br0">
+      <inkml:brushProperty name="width" value="0.05" units="cm"/>
+      <inkml:brushProperty name="height" value="0.05" units="cm"/>
+    </inkml:brush>
+  </inkml:definitions>
+  <inkml:trace contextRef="#ctx0" brushRef="#br0">230 37 8394 0 0,'5'-24'1032'0'0,"-2"11"-273"0"0,-6 25 41 0 0,-82 258 4071 0 0,44-149-2873 0 0,-25 125-1998 0 0,49-149 279 0 0,4 0 0 0 0,5 1-1 0 0,4-1 1 0 0,4 1-1 0 0,4 0 1 0 0,4 0-1 0 0,5-1 1 0 0,18 63-279 0 0,-19-110-392 0 0,2-1 0 0 0,3 0 1 0 0,1-2-1 0 0,14 23 392 0 0,-32-70-44 0 0,0 1 1 0 0,0-1-1 0 0,0 0 1 0 0,0 0-1 0 0,0 0 1 0 0,0 1-1 0 0,0-1 1 0 0,0 0-1 0 0,0 0 1 0 0,0 1-1 0 0,0-1 1 0 0,0 0-1 0 0,0 0 1 0 0,0 0-1 0 0,1 1 0 0 0,-1-1 1 0 0,0 0-1 0 0,0 0 1 0 0,0 0-1 0 0,0 1 1 0 0,0-1-1 0 0,0 0 1 0 0,1 0-1 0 0,-1 0 1 0 0,0 0-1 0 0,0 0 1 0 0,0 1-1 0 0,1-1 1 0 0,-1 0-1 0 0,0 0 1 0 0,0 0-1 0 0,0 0 0 0 0,1 0 1 0 0,-1 0-1 0 0,0 0 1 0 0,0 0-1 0 0,0 0 1 0 0,1 0-1 0 0,-1 0 1 0 0,0 0-1 0 0,0 0 1 0 0,1 0-1 0 0,-1 0 1 0 0,0 0-1 0 0,0 0 44 0 0,-2-15-3414 0 0,-5-8-771 0 0,6-3-2949 0 0</inkml:trace>
+</inkml:ink>
+</file>
+
+<file path=ppt/ink/ink47.xml><?xml version="1.0" encoding="utf-8"?>
+<inkml:ink xmlns:inkml="http://www.w3.org/2003/InkML">
+  <inkml:definitions>
+    <inkml:context xml:id="ctx0">
+      <inkml:inkSource xml:id="inkSrc0">
+        <inkml:traceFormat>
+          <inkml:channel name="X" type="integer" min="-2.14748E9" max="2.14748E9" units="cm"/>
+          <inkml:channel name="Y" type="integer" min="-2.14748E9" max="2.14748E9" units="cm"/>
+          <inkml:channel name="F" type="integer" max="32767" units="dev"/>
+          <inkml:channel name="OA" type="integer" max="360" units="deg"/>
+          <inkml:channel name="OE" type="integer" max="90" units="deg"/>
+        </inkml:traceFormat>
+        <inkml:channelProperties>
+          <inkml:channelProperty channel="X" name="resolution" value="1000" units="1/cm"/>
+          <inkml:channelProperty channel="Y" name="resolution" value="1000" units="1/cm"/>
+          <inkml:channelProperty channel="F" name="resolution" value="0" units="1/dev"/>
+          <inkml:channelProperty channel="OA" name="resolution" value="1000" units="1/deg"/>
+          <inkml:channelProperty channel="OE" name="resolution" value="1000" units="1/deg"/>
+        </inkml:channelProperties>
+      </inkml:inkSource>
+      <inkml:timestamp xml:id="ts0" timeString="2020-05-24T04:17:34.178"/>
+    </inkml:context>
+    <inkml:brush xml:id="br0">
+      <inkml:brushProperty name="width" value="0.05" units="cm"/>
+      <inkml:brushProperty name="height" value="0.05" units="cm"/>
+    </inkml:brush>
+  </inkml:definitions>
+  <inkml:trace contextRef="#ctx0" brushRef="#br0">25 138 16940 0 0,'-14'-41'1296'0'0,"7"9"-1248"0"0,3-1-16 0 0,14 18-80 0 0,5 11-216 0 0,7 1-584 0 0,2 1-1065 0 0,5-1-1455 0 0,0-1-3706 0 0</inkml:trace>
+</inkml:ink>
+</file>
+
+<file path=ppt/ink/ink48.xml><?xml version="1.0" encoding="utf-8"?>
+<inkml:ink xmlns:inkml="http://www.w3.org/2003/InkML">
+  <inkml:definitions>
+    <inkml:context xml:id="ctx0">
+      <inkml:inkSource xml:id="inkSrc0">
+        <inkml:traceFormat>
+          <inkml:channel name="X" type="integer" min="-2.14748E9" max="2.14748E9" units="cm"/>
+          <inkml:channel name="Y" type="integer" min="-2.14748E9" max="2.14748E9" units="cm"/>
+          <inkml:channel name="F" type="integer" max="32767" units="dev"/>
+          <inkml:channel name="OA" type="integer" max="360" units="deg"/>
+          <inkml:channel name="OE" type="integer" max="90" units="deg"/>
+        </inkml:traceFormat>
+        <inkml:channelProperties>
+          <inkml:channelProperty channel="X" name="resolution" value="1000" units="1/cm"/>
+          <inkml:channelProperty channel="Y" name="resolution" value="1000" units="1/cm"/>
+          <inkml:channelProperty channel="F" name="resolution" value="0" units="1/dev"/>
+          <inkml:channelProperty channel="OA" name="resolution" value="1000" units="1/deg"/>
+          <inkml:channelProperty channel="OE" name="resolution" value="1000" units="1/deg"/>
+        </inkml:channelProperties>
+      </inkml:inkSource>
+      <inkml:timestamp xml:id="ts0" timeString="2020-05-24T04:17:34.506"/>
+    </inkml:context>
+    <inkml:brush xml:id="br0">
+      <inkml:brushProperty name="width" value="0.05" units="cm"/>
+      <inkml:brushProperty name="height" value="0.05" units="cm"/>
+    </inkml:brush>
+  </inkml:definitions>
+  <inkml:trace contextRef="#ctx0" brushRef="#br0">81 105 23701 0 0,'-29'-46'-184'0'0,"7"15"-912"0"0,1 4-1097 0 0,13 27-2216 0 0,12 15-5257 0 0</inkml:trace>
+</inkml:ink>
+</file>
+
+<file path=ppt/ink/ink49.xml><?xml version="1.0" encoding="utf-8"?>
+<inkml:ink xmlns:inkml="http://www.w3.org/2003/InkML">
+  <inkml:definitions>
+    <inkml:context xml:id="ctx0">
+      <inkml:inkSource xml:id="inkSrc0">
+        <inkml:traceFormat>
+          <inkml:channel name="X" type="integer" min="-2.14748E9" max="2.14748E9" units="cm"/>
+          <inkml:channel name="Y" type="integer" min="-2.14748E9" max="2.14748E9" units="cm"/>
+          <inkml:channel name="F" type="integer" max="32767" units="dev"/>
+          <inkml:channel name="OA" type="integer" max="360" units="deg"/>
+          <inkml:channel name="OE" type="integer" max="90" units="deg"/>
+        </inkml:traceFormat>
+        <inkml:channelProperties>
+          <inkml:channelProperty channel="X" name="resolution" value="1000" units="1/cm"/>
+          <inkml:channelProperty channel="Y" name="resolution" value="1000" units="1/cm"/>
+          <inkml:channelProperty channel="F" name="resolution" value="0" units="1/dev"/>
+          <inkml:channelProperty channel="OA" name="resolution" value="1000" units="1/deg"/>
+          <inkml:channelProperty channel="OE" name="resolution" value="1000" units="1/deg"/>
+        </inkml:channelProperties>
+      </inkml:inkSource>
+      <inkml:timestamp xml:id="ts0" timeString="2020-05-24T04:17:35.770"/>
+    </inkml:context>
+    <inkml:brush xml:id="br0">
+      <inkml:brushProperty name="width" value="0.05" units="cm"/>
+      <inkml:brushProperty name="height" value="0.05" units="cm"/>
+    </inkml:brush>
+  </inkml:definitions>
+  <inkml:trace contextRef="#ctx0" brushRef="#br0">49 238 13947 0 0,'-48'-69'1375'0'0,"48"69"-1378"0"0,0-1 0 0 0,0 1 0 0 0,0-1 0 0 0,0 1 0 0 0,0-1 0 0 0,0 1-1 0 0,0-1 1 0 0,1 1 0 0 0,-1 0 0 0 0,0-1 0 0 0,0 1 0 0 0,0-1 0 0 0,1 1 0 0 0,-1 0 0 0 0,0-1 0 0 0,1 1 0 0 0,-1-1 0 0 0,0 1 0 0 0,1 0 0 0 0,-1 0 0 0 0,0-1-1 0 0,1 1 1 0 0,-1 0 0 0 0,1 0 0 0 0,-1-1 0 0 0,1 1 0 0 0,-1 0 0 0 0,1 0 0 0 0,-1 0 0 0 0,0 0 0 0 0,1 0 0 0 0,-1 0 0 0 0,1 0 0 0 0,-1 0 0 0 0,1 0-1 0 0,-1 0 1 0 0,1 0 0 0 0,-1 0 3 0 0,29-5-153 0 0,-23 4 139 0 0,107-17 31 0 0,192-29 297 0 0,22 12-314 0 0,121 13 1258 0 0,-60 5 5 0 0,-333 10-1113 0 0,10 0 114 0 0,-136 13-2912 0 0,27 1-6952 0 0,-16 7 9600 0 0,23-5-6048 0 0</inkml:trace>
+</inkml:ink>
+</file>
+
+<file path=ppt/ink/ink5.xml><?xml version="1.0" encoding="utf-8"?>
+<inkml:ink xmlns:inkml="http://www.w3.org/2003/InkML">
+  <inkml:definitions>
+    <inkml:context xml:id="ctx0">
+      <inkml:inkSource xml:id="inkSrc0">
+        <inkml:traceFormat>
+          <inkml:channel name="X" type="integer" min="-2.14748E9" max="2.14748E9" units="cm"/>
+          <inkml:channel name="Y" type="integer" min="-2.14748E9" max="2.14748E9" units="cm"/>
+          <inkml:channel name="F" type="integer" max="32767" units="dev"/>
+          <inkml:channel name="OA" type="integer" max="360" units="deg"/>
+          <inkml:channel name="OE" type="integer" max="90" units="deg"/>
+        </inkml:traceFormat>
+        <inkml:channelProperties>
+          <inkml:channelProperty channel="X" name="resolution" value="1000" units="1/cm"/>
+          <inkml:channelProperty channel="Y" name="resolution" value="1000" units="1/cm"/>
+          <inkml:channelProperty channel="F" name="resolution" value="0" units="1/dev"/>
+          <inkml:channelProperty channel="OA" name="resolution" value="1000" units="1/deg"/>
+          <inkml:channelProperty channel="OE" name="resolution" value="1000" units="1/deg"/>
+        </inkml:channelProperties>
+      </inkml:inkSource>
+      <inkml:timestamp xml:id="ts0" timeString="2020-05-26T11:08:12.599"/>
+    </inkml:context>
+    <inkml:brush xml:id="br0">
+      <inkml:brushProperty name="width" value="0.05" units="cm"/>
+      <inkml:brushProperty name="height" value="0.05" units="cm"/>
+    </inkml:brush>
+  </inkml:definitions>
+  <inkml:trace contextRef="#ctx0" brushRef="#br0">103 1 6233 0 0,'-5'0'480'0'0,"0"1"-95"0"0,-2 3-297 0 0,0 4-48 0 0,-2 2 0 0 0,-3 5-120 0 0,-1 2-257 0 0,-2 4-159 0 0,1 3-136 0 0,-1 2-4585 0 0</inkml:trace>
+</inkml:ink>
+</file>
+
+<file path=ppt/ink/ink50.xml><?xml version="1.0" encoding="utf-8"?>
+<inkml:ink xmlns:inkml="http://www.w3.org/2003/InkML">
+  <inkml:definitions>
+    <inkml:context xml:id="ctx0">
+      <inkml:inkSource xml:id="inkSrc0">
+        <inkml:traceFormat>
+          <inkml:channel name="X" type="integer" min="-2.14748E9" max="2.14748E9" units="cm"/>
+          <inkml:channel name="Y" type="integer" min="-2.14748E9" max="2.14748E9" units="cm"/>
+          <inkml:channel name="F" type="integer" max="32767" units="dev"/>
+          <inkml:channel name="OA" type="integer" max="360" units="deg"/>
+          <inkml:channel name="OE" type="integer" max="90" units="deg"/>
+        </inkml:traceFormat>
+        <inkml:channelProperties>
+          <inkml:channelProperty channel="X" name="resolution" value="1000" units="1/cm"/>
+          <inkml:channelProperty channel="Y" name="resolution" value="1000" units="1/cm"/>
+          <inkml:channelProperty channel="F" name="resolution" value="0" units="1/dev"/>
+          <inkml:channelProperty channel="OA" name="resolution" value="1000" units="1/deg"/>
+          <inkml:channelProperty channel="OE" name="resolution" value="1000" units="1/deg"/>
+        </inkml:channelProperties>
+      </inkml:inkSource>
+      <inkml:timestamp xml:id="ts0" timeString="2020-05-24T04:17:36.735"/>
+    </inkml:context>
+    <inkml:brush xml:id="br0">
+      <inkml:brushProperty name="width" value="0.05" units="cm"/>
+      <inkml:brushProperty name="height" value="0.05" units="cm"/>
+    </inkml:brush>
+  </inkml:definitions>
+  <inkml:trace contextRef="#ctx0" brushRef="#br0">1 18 5441 0 0,'1'-1'145'0'0,"0"-1"0"0"0,1 1 0 0 0,-1-1 0 0 0,1 1-1 0 0,0-1 1 0 0,-1 1 0 0 0,1 0 0 0 0,0 0 0 0 0,0 0 0 0 0,0 0 0 0 0,0 1 0 0 0,0-1-1 0 0,0 0 1 0 0,0 1 0 0 0,0-1 0 0 0,0 1 0 0 0,0 0 0 0 0,0-1 0 0 0,0 1-1 0 0,1 0-144 0 0,47 2 752 0 0,-40-1-615 0 0,119 14 761 0 0,-102-15-784 0 0,-21-1-2437 0 0,-4 1-3362 0 0,-2 1 3462 0 0</inkml:trace>
+</inkml:ink>
+</file>
+
+<file path=ppt/ink/ink51.xml><?xml version="1.0" encoding="utf-8"?>
+<inkml:ink xmlns:inkml="http://www.w3.org/2003/InkML">
+  <inkml:definitions>
+    <inkml:context xml:id="ctx0">
+      <inkml:inkSource xml:id="inkSrc0">
+        <inkml:traceFormat>
+          <inkml:channel name="X" type="integer" min="-2.14748E9" max="2.14748E9" units="cm"/>
+          <inkml:channel name="Y" type="integer" min="-2.14748E9" max="2.14748E9" units="cm"/>
+          <inkml:channel name="F" type="integer" max="32767" units="dev"/>
+          <inkml:channel name="OA" type="integer" max="360" units="deg"/>
+          <inkml:channel name="OE" type="integer" max="90" units="deg"/>
+        </inkml:traceFormat>
+        <inkml:channelProperties>
+          <inkml:channelProperty channel="X" name="resolution" value="1000" units="1/cm"/>
+          <inkml:channelProperty channel="Y" name="resolution" value="1000" units="1/cm"/>
+          <inkml:channelProperty channel="F" name="resolution" value="0" units="1/dev"/>
+          <inkml:channelProperty channel="OA" name="resolution" value="1000" units="1/deg"/>
+          <inkml:channelProperty channel="OE" name="resolution" value="1000" units="1/deg"/>
+        </inkml:channelProperties>
+      </inkml:inkSource>
+      <inkml:timestamp xml:id="ts0" timeString="2020-05-24T04:17:37.191"/>
+    </inkml:context>
+    <inkml:brush xml:id="br0">
+      <inkml:brushProperty name="width" value="0.05" units="cm"/>
+      <inkml:brushProperty name="height" value="0.05" units="cm"/>
+    </inkml:brush>
+  </inkml:definitions>
+  <inkml:trace contextRef="#ctx0" brushRef="#br0">24 11 3545 0 0,'-1'-1'145'0'0,"1"0"1"0"0,-1 1-1 0 0,1-1 1 0 0,0 1-1 0 0,-1-1 1 0 0,1 0-1 0 0,-1 1 1 0 0,1-1-1 0 0,-1 1 1 0 0,1-1-1 0 0,-1 1 1 0 0,0 0-1 0 0,1-1 1 0 0,-1 1-1 0 0,0 0 1 0 0,1-1-1 0 0,-1 1 1 0 0,0 0-1 0 0,1 0 1 0 0,-1-1-1 0 0,0 1 1 0 0,0 0-146 0 0,0 0 107 0 0,1 1 1 0 0,0-1 0 0 0,-1 1 0 0 0,1-1 0 0 0,-1 1 0 0 0,1-1 0 0 0,0 1-1 0 0,-1-1 1 0 0,1 1 0 0 0,0-1 0 0 0,0 1 0 0 0,-1-1 0 0 0,1 1 0 0 0,0-1 0 0 0,0 1-1 0 0,0 0 1 0 0,0-1 0 0 0,0 1 0 0 0,0-1 0 0 0,0 1 0 0 0,0 0 0 0 0,0-1-1 0 0,0 1 1 0 0,0-1 0 0 0,0 1 0 0 0,0 0-108 0 0,1 53 2939 0 0,-4 25-2939 0 0,1 33 731 0 0,21 134 364 0 0,-8-138 645 0 0,-2 98-1740 0 0,-9-196-56 0 0,-8 152 778 0 0,0-93-2900 0 0,7-61-630 0 0,3-2-4062 0 0</inkml:trace>
+</inkml:ink>
+</file>
+
+<file path=ppt/ink/ink52.xml><?xml version="1.0" encoding="utf-8"?>
+<inkml:ink xmlns:inkml="http://www.w3.org/2003/InkML">
+  <inkml:definitions>
+    <inkml:context xml:id="ctx0">
+      <inkml:inkSource xml:id="inkSrc0">
+        <inkml:traceFormat>
+          <inkml:channel name="X" type="integer" min="-2.14748E9" max="2.14748E9" units="cm"/>
+          <inkml:channel name="Y" type="integer" min="-2.14748E9" max="2.14748E9" units="cm"/>
+          <inkml:channel name="F" type="integer" max="32767" units="dev"/>
+          <inkml:channel name="OA" type="integer" max="360" units="deg"/>
+          <inkml:channel name="OE" type="integer" max="90" units="deg"/>
+        </inkml:traceFormat>
+        <inkml:channelProperties>
+          <inkml:channelProperty channel="X" name="resolution" value="1000" units="1/cm"/>
+          <inkml:channelProperty channel="Y" name="resolution" value="1000" units="1/cm"/>
+          <inkml:channelProperty channel="F" name="resolution" value="0" units="1/dev"/>
+          <inkml:channelProperty channel="OA" name="resolution" value="1000" units="1/deg"/>
+          <inkml:channelProperty channel="OE" name="resolution" value="1000" units="1/deg"/>
+        </inkml:channelProperties>
+      </inkml:inkSource>
+      <inkml:timestamp xml:id="ts0" timeString="2020-05-24T04:17:39.335"/>
+    </inkml:context>
+    <inkml:brush xml:id="br0">
+      <inkml:brushProperty name="width" value="0.05" units="cm"/>
+      <inkml:brushProperty name="height" value="0.05" units="cm"/>
+    </inkml:brush>
+  </inkml:definitions>
+  <inkml:trace contextRef="#ctx0" brushRef="#br0">54 182 1656 0 0,'-5'4'268'0'0,"0"1"-1"0"0,1 0 0 0 0,-1 0 0 0 0,1 0 0 0 0,0 0 0 0 0,1 1 0 0 0,-1 0 1 0 0,1 0-1 0 0,0 0 0 0 0,1 0 0 0 0,-1 0 0 0 0,1 0 0 0 0,0 1 1 0 0,1-1-1 0 0,0 1 0 0 0,0-1 0 0 0,0 1 0 0 0,1-1 0 0 0,-1 1 1 0 0,2 0-1 0 0,-1 2-267 0 0,2 3 439 0 0,-1 0 1 0 0,1 0 0 0 0,1 0 0 0 0,0-1-1 0 0,1 1 1 0 0,0-1 0 0 0,1 0 0 0 0,0 0-1 0 0,1 0 1 0 0,0-1 0 0 0,5 6-440 0 0,-8-11 60 0 0,1 0 0 0 0,0-1 1 0 0,0 1-1 0 0,0-1 0 0 0,0 0 1 0 0,1 0-1 0 0,0-1 0 0 0,0 1 0 0 0,0-1 1 0 0,0 0-1 0 0,0 0 0 0 0,0-1 1 0 0,1 0-1 0 0,0 0 0 0 0,-1 0 0 0 0,1 0 1 0 0,0-1-1 0 0,0 0 0 0 0,0 0 1 0 0,2-1-61 0 0,0 0 61 0 0,0 0 0 0 0,0-1 0 0 0,0-1 1 0 0,0 1-1 0 0,-1-1 0 0 0,1 0 0 0 0,-1-1 1 0 0,1 0-1 0 0,-1 0 0 0 0,0 0 0 0 0,0-1 1 0 0,-1 0-1 0 0,1-1 0 0 0,-1 1 0 0 0,2-3-61 0 0,6-5 91 0 0,0-1 0 0 0,-1-1 0 0 0,0-1 0 0 0,-1 0 0 0 0,-1 0 0 0 0,-1-1 0 0 0,5-9-91 0 0,-7 11 125 0 0,-1-1-1 0 0,0 0 1 0 0,-1 1-1 0 0,-1-2 1 0 0,-1 1-1 0 0,0-1 1 0 0,-1 1 0 0 0,0-1-1 0 0,-1-3-124 0 0,-2 11 94 0 0,0 1 1 0 0,-1-1-1 0 0,0 0 0 0 0,0 1 0 0 0,0-1 0 0 0,-1 1 1 0 0,0-1-1 0 0,-1 1 0 0 0,1 0 0 0 0,-1 0 1 0 0,-1 0-1 0 0,0 0 0 0 0,1 1 0 0 0,-2-1 0 0 0,1 1 1 0 0,-1 0-1 0 0,0 1 0 0 0,0-1 0 0 0,-1 1 1 0 0,0 0-1 0 0,0 0 0 0 0,0 0 0 0 0,-5-2-94 0 0,3 2 41 0 0,0 1-1 0 0,0 0 1 0 0,-1 0-1 0 0,1 1 0 0 0,-1 0 1 0 0,0 0-1 0 0,1 1 1 0 0,-1 1-1 0 0,0-1 1 0 0,-1 1-1 0 0,1 1 0 0 0,0 0 1 0 0,0 0-1 0 0,0 1 1 0 0,0 0-1 0 0,0 0 1 0 0,0 1-1 0 0,0 0 0 0 0,-8 4-40 0 0,9-3-13 0 0,0 2 0 0 0,1-1 0 0 0,0 1 0 0 0,0 0-1 0 0,0 0 1 0 0,0 1 0 0 0,1 0 0 0 0,0 0 0 0 0,0 0-1 0 0,1 1 1 0 0,-1 0 0 0 0,2 0 0 0 0,-1 0 0 0 0,1 1-1 0 0,0-1 1 0 0,0 1 0 0 0,1 0 0 0 0,0 1-1 0 0,-1 4 14 0 0,0 0-400 0 0,1 1-1 0 0,1-1 0 0 0,0 1 0 0 0,0-1 1 0 0,1 12 400 0 0,1-14-944 0 0,1 0 0 0 0,0 0 1 0 0,0 0-1 0 0,1 0 1 0 0,1-1-1 0 0,3 10 944 0 0,-4-13-1179 0 0,1-1 0 0 0,0 1 0 0 0,1-1 0 0 0,-1 0 0 0 0,5 5 1179 0 0,8 8-5102 0 0</inkml:trace>
+</inkml:ink>
+</file>
+
+<file path=ppt/ink/ink53.xml><?xml version="1.0" encoding="utf-8"?>
+<inkml:ink xmlns:inkml="http://www.w3.org/2003/InkML">
+  <inkml:definitions>
+    <inkml:context xml:id="ctx0">
+      <inkml:inkSource xml:id="inkSrc0">
+        <inkml:traceFormat>
+          <inkml:channel name="X" type="integer" min="-2.14748E9" max="2.14748E9" units="cm"/>
+          <inkml:channel name="Y" type="integer" min="-2.14748E9" max="2.14748E9" units="cm"/>
+          <inkml:channel name="F" type="integer" max="32767" units="dev"/>
+          <inkml:channel name="OA" type="integer" max="360" units="deg"/>
+          <inkml:channel name="OE" type="integer" max="90" units="deg"/>
+        </inkml:traceFormat>
+        <inkml:channelProperties>
+          <inkml:channelProperty channel="X" name="resolution" value="1000" units="1/cm"/>
+          <inkml:channelProperty channel="Y" name="resolution" value="1000" units="1/cm"/>
+          <inkml:channelProperty channel="F" name="resolution" value="0" units="1/dev"/>
+          <inkml:channelProperty channel="OA" name="resolution" value="1000" units="1/deg"/>
+          <inkml:channelProperty channel="OE" name="resolution" value="1000" units="1/deg"/>
+        </inkml:channelProperties>
+      </inkml:inkSource>
+      <inkml:timestamp xml:id="ts0" timeString="2020-05-24T04:17:40.287"/>
+    </inkml:context>
+    <inkml:brush xml:id="br0">
+      <inkml:brushProperty name="width" value="0.05" units="cm"/>
+      <inkml:brushProperty name="height" value="0.05" units="cm"/>
+    </inkml:brush>
+  </inkml:definitions>
+  <inkml:trace contextRef="#ctx0" brushRef="#br0">27 1 2793 0 0,'0'0'21'0'0,"0"0"0"0"0,0 0 1 0 0,-1 0-1 0 0,1 0 0 0 0,0 0 1 0 0,0 0-1 0 0,0 0 0 0 0,-1 0 1 0 0,1 0-1 0 0,0 0 1 0 0,0 1-1 0 0,-1-1 0 0 0,1 0 1 0 0,0 0-1 0 0,0 0 0 0 0,0 0 1 0 0,0 1-1 0 0,-1-1 0 0 0,1 0 1 0 0,0 0-1 0 0,0 0 1 0 0,0 1-1 0 0,0-1 0 0 0,0 0 1 0 0,0 0-1 0 0,0 0 0 0 0,-1 1 1 0 0,1-1-1 0 0,0 0 0 0 0,0 0 1 0 0,0 1-1 0 0,0-1 1 0 0,0 0-1 0 0,0 0 0 0 0,0 1 1 0 0,0-1-1 0 0,0 0 0 0 0,0 0-21 0 0,-1 14 259 0 0,1-12-197 0 0,-4 45 1389 0 0,-8 120 5966 0 0,7 8-7417 0 0,16 353 3453 0 0,-3-172-6496 0 0,0-226-5138 0 0,-5-100 3519 0 0</inkml:trace>
+</inkml:ink>
+</file>
+
+<file path=ppt/ink/ink54.xml><?xml version="1.0" encoding="utf-8"?>
 <inkml:ink xmlns:inkml="http://www.w3.org/2003/InkML">
   <inkml:definitions>
     <inkml:context xml:id="ctx0">
@@ -362,7 +3200,7 @@
 </inkml:ink>
 </file>
 
-<file path=ppt/ink/ink12.xml><?xml version="1.0" encoding="utf-8"?>
+<file path=ppt/ink/ink55.xml><?xml version="1.0" encoding="utf-8"?>
 <inkml:ink xmlns:inkml="http://www.w3.org/2003/InkML">
   <inkml:definitions>
     <inkml:context xml:id="ctx0">
@@ -393,7 +3231,7 @@
 </inkml:ink>
 </file>
 
-<file path=ppt/ink/ink13.xml><?xml version="1.0" encoding="utf-8"?>
+<file path=ppt/ink/ink56.xml><?xml version="1.0" encoding="utf-8"?>
 <inkml:ink xmlns:inkml="http://www.w3.org/2003/InkML">
   <inkml:definitions>
     <inkml:context xml:id="ctx0">
@@ -425,7 +3263,7 @@
 </inkml:ink>
 </file>
 
-<file path=ppt/ink/ink14.xml><?xml version="1.0" encoding="utf-8"?>
+<file path=ppt/ink/ink57.xml><?xml version="1.0" encoding="utf-8"?>
 <inkml:ink xmlns:inkml="http://www.w3.org/2003/InkML">
   <inkml:definitions>
     <inkml:context xml:id="ctx0">
@@ -456,7 +3294,7 @@
 </inkml:ink>
 </file>
 
-<file path=ppt/ink/ink15.xml><?xml version="1.0" encoding="utf-8"?>
+<file path=ppt/ink/ink58.xml><?xml version="1.0" encoding="utf-8"?>
 <inkml:ink xmlns:inkml="http://www.w3.org/2003/InkML">
   <inkml:definitions>
     <inkml:context xml:id="ctx0">
@@ -487,7 +3325,7 @@
 </inkml:ink>
 </file>
 
-<file path=ppt/ink/ink16.xml><?xml version="1.0" encoding="utf-8"?>
+<file path=ppt/ink/ink59.xml><?xml version="1.0" encoding="utf-8"?>
 <inkml:ink xmlns:inkml="http://www.w3.org/2003/InkML">
   <inkml:definitions>
     <inkml:context xml:id="ctx0">
@@ -518,7 +3356,38 @@
 </inkml:ink>
 </file>
 
-<file path=ppt/ink/ink17.xml><?xml version="1.0" encoding="utf-8"?>
+<file path=ppt/ink/ink6.xml><?xml version="1.0" encoding="utf-8"?>
+<inkml:ink xmlns:inkml="http://www.w3.org/2003/InkML">
+  <inkml:definitions>
+    <inkml:context xml:id="ctx0">
+      <inkml:inkSource xml:id="inkSrc0">
+        <inkml:traceFormat>
+          <inkml:channel name="X" type="integer" min="-2.14748E9" max="2.14748E9" units="cm"/>
+          <inkml:channel name="Y" type="integer" min="-2.14748E9" max="2.14748E9" units="cm"/>
+          <inkml:channel name="F" type="integer" max="32767" units="dev"/>
+          <inkml:channel name="OA" type="integer" max="360" units="deg"/>
+          <inkml:channel name="OE" type="integer" max="90" units="deg"/>
+        </inkml:traceFormat>
+        <inkml:channelProperties>
+          <inkml:channelProperty channel="X" name="resolution" value="1000" units="1/cm"/>
+          <inkml:channelProperty channel="Y" name="resolution" value="1000" units="1/cm"/>
+          <inkml:channelProperty channel="F" name="resolution" value="0" units="1/dev"/>
+          <inkml:channelProperty channel="OA" name="resolution" value="1000" units="1/deg"/>
+          <inkml:channelProperty channel="OE" name="resolution" value="1000" units="1/deg"/>
+        </inkml:channelProperties>
+      </inkml:inkSource>
+      <inkml:timestamp xml:id="ts0" timeString="2020-05-26T11:08:13.787"/>
+    </inkml:context>
+    <inkml:brush xml:id="br0">
+      <inkml:brushProperty name="width" value="0.05" units="cm"/>
+      <inkml:brushProperty name="height" value="0.05" units="cm"/>
+    </inkml:brush>
+  </inkml:definitions>
+  <inkml:trace contextRef="#ctx0" brushRef="#br0">0 469 5337 0 0,'1'-4'93'0'0,"0"0"-1"0"0,0 0 1 0 0,0-1-1 0 0,0 1 1 0 0,1 0 0 0 0,0 0-1 0 0,0 0 1 0 0,0 1-1 0 0,0-2-92 0 0,-1 5 3 0 0,-1-1 0 0 0,1 0 0 0 0,0 0 0 0 0,0 1 0 0 0,-1-1 0 0 0,1 0 0 0 0,0 1 0 0 0,0-1 0 0 0,0 1 0 0 0,0-1 0 0 0,-1 1 0 0 0,1-1 0 0 0,0 1 0 0 0,0 0 0 0 0,0-1 0 0 0,0 1-1 0 0,0 0 1 0 0,0 0 0 0 0,0 0 0 0 0,0 0 0 0 0,0 0 0 0 0,0 0 0 0 0,0 0 0 0 0,0 0 0 0 0,0 0 0 0 0,0 0 0 0 0,0 1 0 0 0,0-1 0 0 0,0 0 0 0 0,0 1 0 0 0,0-1 0 0 0,0 1 0 0 0,0-1 0 0 0,0 1 0 0 0,0-1-1 0 0,-1 1 1 0 0,1-1 0 0 0,0 1 0 0 0,0 0-3 0 0,13 10-25 0 0,1-2 0 0 0,-1 0 0 0 0,5 2 25 0 0,-12-8 54 0 0,-1-1 0 0 0,1 1 0 0 0,0-1 1 0 0,0-1-1 0 0,-1 1 0 0 0,1-1 0 0 0,1 0 0 0 0,-1-1 0 0 0,3 1-54 0 0,10-3 91 0 0,1 0 0 0 0,-1-1 0 0 0,0-1 0 0 0,0-1 0 0 0,8-4-91 0 0,-6 2-22 0 0,0 2 0 0 0,0 0 0 0 0,1 1 0 0 0,7 1 22 0 0,17 1 107 0 0,-1-1 1 0 0,1-2-1 0 0,-1-3 0 0 0,0-1 0 0 0,34-12-107 0 0,-21-2 200 0 0,-25 10-255 0 0,1 1 1 0 0,0 1-1 0 0,5 1 55 0 0,-29 8 26 0 0,-1 0 0 0 0,1 1-1 0 0,-1 0 1 0 0,1 1 0 0 0,0 0-1 0 0,-1 1 1 0 0,1 0 0 0 0,-1 0-1 0 0,1 1 1 0 0,-1 1 0 0 0,0 0-1 0 0,10 4-25 0 0,17 9 412 0 0,-6-1 117 0 0,1-2-1 0 0,3-1-528 0 0,-22-8 125 0 0,-1-1-1 0 0,1-1 1 0 0,-1 0-1 0 0,1 0 1 0 0,-1-2-1 0 0,1 1 1 0 0,7-2-125 0 0,2-2 241 0 0,0 0 0 0 0,11-5-241 0 0,-16 4 18 0 0,0 0 0 0 0,1 1-1 0 0,-1 1 1 0 0,3 1-18 0 0,-14 1-11 0 0,0 0 0 0 0,0 1 0 0 0,0-1-1 0 0,-1 1 1 0 0,1 1 0 0 0,0-1 0 0 0,0 1 0 0 0,-1 0 0 0 0,1 0 0 0 0,-1 1 0 0 0,0-1 0 0 0,1 1-1 0 0,-1 1 1 0 0,1 0 11 0 0,2 2 8 0 0,0-1-1 0 0,0 1 1 0 0,0-1-1 0 0,1-1 1 0 0,0 0-1 0 0,0 0 1 0 0,0-1-1 0 0,0 0 0 0 0,1-1 1 0 0,-1 1-1 0 0,1-2 1 0 0,-1 0-1 0 0,1 0 1 0 0,0 0-1 0 0,-1-1 1 0 0,1-1-1 0 0,0 0 1 0 0,0 0-1 0 0,-1-1 1 0 0,2 0-8 0 0,32-10 71 0 0,-28 7-38 0 0,0 1-1 0 0,1 1 1 0 0,13-2-33 0 0,-25 5 10 0 0,1 0 0 0 0,-1 0 0 0 0,0 0 0 0 0,0 0 1 0 0,1 1-1 0 0,-1-1 0 0 0,0 1 0 0 0,0 0 0 0 0,0 1 1 0 0,1-1-1 0 0,-1 1 0 0 0,-1-1 0 0 0,1 1 0 0 0,0 0 1 0 0,0 1-1 0 0,0-1-10 0 0,17 15 106 0 0,-6-5-68 0 0,0-1 0 0 0,0-1 1 0 0,11 5-39 0 0,-19-12-4 0 0,-1 0-1 0 0,1 0 1 0 0,-1-1 0 0 0,1 0 0 0 0,0 0 0 0 0,0-1 0 0 0,0 0 0 0 0,0 0 0 0 0,0-1 0 0 0,0 0 0 0 0,4 0 4 0 0,18-4 380 0 0,-1 0 1 0 0,1-2-1 0 0,1-2-380 0 0,-9 2 284 0 0,0 1 0 0 0,0 1 0 0 0,0 1 0 0 0,1 1 0 0 0,-1 1-1 0 0,12 0-283 0 0,4 5 236 0 0,-3-1 129 0 0,31-1-365 0 0,-53-2 13 0 0,0-2 0 0 0,0 1-1 0 0,1-1 1 0 0,-1-1 0 0 0,0 0 0 0 0,-1-1 0 0 0,2-1-13 0 0,34-17 49 0 0,-1-2 0 0 0,-2-1 0 0 0,25-21-49 0 0,-67 44 35 0 0,0 1 0 0 0,1-1 0 0 0,-1 0 0 0 0,0 0 0 0 0,-1 0 0 0 0,1 0 0 0 0,0 0 0 0 0,0 0 0 0 0,-1-1 0 0 0,0 1 0 0 0,1 0 0 0 0,-1-1 0 0 0,0 1 0 0 0,0-1 0 0 0,0 0 0 0 0,-1 1 0 0 0,1-2-35 0 0,0-1 8 0 0,0 0-1 0 0,-1 0 0 0 0,0-1 1 0 0,0 1-1 0 0,0 0 0 0 0,-1 0 1 0 0,0 0-1 0 0,0-1 0 0 0,0 0-6 0 0,-2-5-71 0 0,-1 1 0 0 0,0-1 0 0 0,-1 1 1 0 0,1 0-1 0 0,-2 0 0 0 0,0 1 1 0 0,0 0-1 0 0,-5-6 70 0 0,-1 2-39 0 0,-1 1 0 0 0,0 0-1 0 0,-1 1 1 0 0,0 0 0 0 0,-1 1 0 0 0,0 1 0 0 0,0 0-1 0 0,-1 1 1 0 0,0 1 0 0 0,-1 1 0 0 0,0 0 0 0 0,0 1-1 0 0,-1 0 40 0 0,-18-3 13 0 0,-1 1 0 0 0,0 3 0 0 0,0 0 0 0 0,0 3-1 0 0,-29 2-12 0 0,21 2 4 0 0,1 1 0 0 0,0 3 0 0 0,0 1 0 0 0,-6 4-4 0 0,27-5-39 0 0,0 0-1 0 0,0 2 1 0 0,1 1-1 0 0,0 0 1 0 0,1 1-1 0 0,0 2 1 0 0,0 0-1 0 0,-6 7 40 0 0,17-11 48 0 0,1-1 0 0 0,0 2-1 0 0,1-1 1 0 0,0 1 0 0 0,0 0-1 0 0,1 1 1 0 0,0 0 0 0 0,1 0-1 0 0,1 0 1 0 0,-1 1 0 0 0,2 0-1 0 0,-1 1-47 0 0,4-8 16 0 0,-1-1 0 0 0,1 1 0 0 0,0 0 0 0 0,0-1 0 0 0,1 1 0 0 0,-1 0 0 0 0,1 0 0 0 0,0-1 0 0 0,0 1 0 0 0,1 0 0 0 0,0 0-1 0 0,-1-1 1 0 0,2 1 0 0 0,-1-1 0 0 0,0 1 0 0 0,1-1 0 0 0,0 1 0 0 0,0-1 0 0 0,0 0 0 0 0,1 0 0 0 0,-1 0 0 0 0,1 0 0 0 0,0 0 0 0 0,0 0 0 0 0,0-1-1 0 0,1 0 1 0 0,-1 1 0 0 0,1-1 0 0 0,0-1 0 0 0,0 1 0 0 0,0 0 0 0 0,0-1 0 0 0,0 0-16 0 0,1 1 19 0 0,1-1 0 0 0,-1 0 0 0 0,1-1 0 0 0,-1 1 0 0 0,1-1 1 0 0,-1 0-1 0 0,1-1 0 0 0,0 1 0 0 0,0-1 0 0 0,-1 0 0 0 0,1-1 0 0 0,0 1 0 0 0,-1-1 0 0 0,1 0 0 0 0,-1 0 1 0 0,3-2-20 0 0,15-4 42 0 0,-1-1 1 0 0,1-2 0 0 0,8-5-43 0 0,26-11 22 0 0,-31 17 16 0 0,0 1 0 0 0,7 1-38 0 0,4-1-4179 0 0,-34 8 2339 0 0,-3 0-1326 0 0,-3 2-2435 0 0</inkml:trace>
+</inkml:ink>
+</file>
+
+<file path=ppt/ink/ink60.xml><?xml version="1.0" encoding="utf-8"?>
 <inkml:ink xmlns:inkml="http://www.w3.org/2003/InkML">
   <inkml:definitions>
     <inkml:context xml:id="ctx0">
@@ -549,7 +3418,7 @@
 </inkml:ink>
 </file>
 
-<file path=ppt/ink/ink18.xml><?xml version="1.0" encoding="utf-8"?>
+<file path=ppt/ink/ink61.xml><?xml version="1.0" encoding="utf-8"?>
 <inkml:ink xmlns:inkml="http://www.w3.org/2003/InkML">
   <inkml:definitions>
     <inkml:context xml:id="ctx0">
@@ -580,7 +3449,7 @@
 </inkml:ink>
 </file>
 
-<file path=ppt/ink/ink19.xml><?xml version="1.0" encoding="utf-8"?>
+<file path=ppt/ink/ink62.xml><?xml version="1.0" encoding="utf-8"?>
 <inkml:ink xmlns:inkml="http://www.w3.org/2003/InkML">
   <inkml:definitions>
     <inkml:context xml:id="ctx0">
@@ -611,38 +3480,7 @@
 </inkml:ink>
 </file>
 
-<file path=ppt/ink/ink2.xml><?xml version="1.0" encoding="utf-8"?>
-<inkml:ink xmlns:inkml="http://www.w3.org/2003/InkML">
-  <inkml:definitions>
-    <inkml:context xml:id="ctx0">
-      <inkml:inkSource xml:id="inkSrc0">
-        <inkml:traceFormat>
-          <inkml:channel name="X" type="integer" min="-2.14748E9" max="2.14748E9" units="cm"/>
-          <inkml:channel name="Y" type="integer" min="-2.14748E9" max="2.14748E9" units="cm"/>
-          <inkml:channel name="F" type="integer" max="32767" units="dev"/>
-          <inkml:channel name="OA" type="integer" max="360" units="deg"/>
-          <inkml:channel name="OE" type="integer" max="90" units="deg"/>
-        </inkml:traceFormat>
-        <inkml:channelProperties>
-          <inkml:channelProperty channel="X" name="resolution" value="1000" units="1/cm"/>
-          <inkml:channelProperty channel="Y" name="resolution" value="1000" units="1/cm"/>
-          <inkml:channelProperty channel="F" name="resolution" value="0" units="1/dev"/>
-          <inkml:channelProperty channel="OA" name="resolution" value="1000" units="1/deg"/>
-          <inkml:channelProperty channel="OE" name="resolution" value="1000" units="1/deg"/>
-        </inkml:channelProperties>
-      </inkml:inkSource>
-      <inkml:timestamp xml:id="ts0" timeString="2020-05-24T04:17:21.985"/>
-    </inkml:context>
-    <inkml:brush xml:id="br0">
-      <inkml:brushProperty name="width" value="0.05" units="cm"/>
-      <inkml:brushProperty name="height" value="0.05" units="cm"/>
-    </inkml:brush>
-  </inkml:definitions>
-  <inkml:trace contextRef="#ctx0" brushRef="#br0">1 228 8450 0 0,'0'-3'16'0'0,"-1"-1"1"0"0,1 1-1 0 0,0-1 1 0 0,0 1-1 0 0,1-1 0 0 0,-1 1 1 0 0,1 0-1 0 0,0-1 1 0 0,-1 1-1 0 0,2-1 1 0 0,-1 1-1 0 0,0 0 0 0 0,1 0 1 0 0,-1 0-1 0 0,2-2-16 0 0,0 2-1 0 0,0 0 0 0 0,0 0 0 0 0,1 0 0 0 0,-1 0 0 0 0,1 0 0 0 0,-1 1 0 0 0,1 0 0 0 0,0 0-1 0 0,0 0 1 0 0,0 0 0 0 0,0 1 0 0 0,2-1 1 0 0,102-33 384 0 0,1 5 0 0 0,2 5-1 0 0,0 5 1 0 0,1 5 0 0 0,1 5 0 0 0,14 4-384 0 0,127 6 581 0 0,-1 10 0 0 0,45 17-581 0 0,748 126 350 0 0,-716-99-364 0 0,874 186 940 0 0,-810-132 717 0 0,-310-84-326 0 0,-79-22-1258 0 0,0-1 1 0 0,0 1-1 0 0,0-1 0 0 0,0 0 1 0 0,1-1-1 0 0,-1 1 0 0 0,0-1 0 0 0,0 0 1 0 0,4-1-60 0 0,-7 0-152 0 0,-1 1-1 0 0,1-1 1 0 0,0 0 0 0 0,0 1 0 0 0,-1-1 0 0 0,1 0 0 0 0,0 0 0 0 0,-1-1-1 0 0,1 1 1 0 0,-1 0 0 0 0,0 0 0 0 0,1-1 0 0 0,-1 1 0 0 0,0-1 0 0 0,0 1 0 0 0,0-1-1 0 0,0 1 1 0 0,0-1 0 0 0,0 0 0 0 0,0 1 0 0 0,-1-1 0 0 0,1 0 0 0 0,-1 0-1 0 0,1 0 1 0 0,-1 0 0 0 0,1 1 0 0 0,-1-3 152 0 0,1-5-312 0 0,0 0 0 0 0,0 0 0 0 0,-1-1 0 0 0,0 1 0 0 0,0 0 0 0 0,-1 0 0 0 0,-1 0 1 0 0,1 0-1 0 0,-1 0 0 0 0,-1 0 0 0 0,0 0 0 0 0,0 0 0 0 0,-1 1 0 0 0,0 0 0 0 0,0-1 0 0 0,-6-6 312 0 0,3 5 294 0 0,0 0 0 0 0,-1 1 0 0 0,0 0 0 0 0,0 1 1 0 0,-1-1-1 0 0,0 2 0 0 0,-1-1 0 0 0,0 1 0 0 0,0 1 0 0 0,0 0 0 0 0,-1 0 0 0 0,-8-3-294 0 0,26 15 93 0 0,-1 1-1 0 0,1-1 0 0 0,-1 1 0 0 0,2 3-92 0 0,17 19 224 0 0,-2-8-125 0 0,1 0 0 0 0,2-1 0 0 0,-1-2 0 0 0,2 0 0 0 0,0-2 1 0 0,2-1-1 0 0,-1-2 0 0 0,1 0 0 0 0,1-2 0 0 0,1-1 1 0 0,-1-2-1 0 0,1 0 0 0 0,0-3 0 0 0,1 0 0 0 0,0-2 1 0 0,25-1-100 0 0,-48-3 112 0 0,3 1 29 0 0,-13 0-119 0 0,1 0 1 0 0,0 0-1 0 0,0 0 0 0 0,0 0 1 0 0,0 0-1 0 0,0 0 1 0 0,0 0-1 0 0,0 0 0 0 0,0 0 1 0 0,0 1-1 0 0,0-1 0 0 0,0 0 1 0 0,0 0-1 0 0,-1 0 1 0 0,1 0-1 0 0,0 0 0 0 0,0 0 1 0 0,0 0-1 0 0,0 0 1 0 0,0 0-1 0 0,0 0 0 0 0,0 0 1 0 0,0 0-1 0 0,0 0 1 0 0,0 1-1 0 0,0-1 0 0 0,0 0 1 0 0,0 0-1 0 0,0 0 1 0 0,0 0-1 0 0,0 0 0 0 0,0 0 1 0 0,0 0-1 0 0,0 0 0 0 0,0 0 1 0 0,0 0-1 0 0,0 1 1 0 0,0-1-1 0 0,0 0 0 0 0,0 0 1 0 0,0 0-1 0 0,0 0 1 0 0,0 0-1 0 0,0 0 0 0 0,0 0 1 0 0,0 0-1 0 0,0 0 1 0 0,1 0-1 0 0,-1 0 0 0 0,0 0 1 0 0,0 0-1 0 0,0 1 0 0 0,0-1 1 0 0,0 0-1 0 0,0 0 1 0 0,0 0-1 0 0,0 0 0 0 0,0 0 1 0 0,0 0-1 0 0,0 0 1 0 0,0 0-23 0 0,-43 36 97 0 0,2 2 1 0 0,1 2-1 0 0,-22 31-97 0 0,-15 14 64 0 0,45-48 29 0 0,23-26 4 0 0,0 0-1 0 0,0-1 1 0 0,-1 0-1 0 0,0 0 1 0 0,-1-1-1 0 0,0-1 1 0 0,0 0-1 0 0,-1 0-96 0 0,11-7 55 0 0,-1-1-1 0 0,1 1 0 0 0,0-1 1 0 0,-1 1-1 0 0,1-1 0 0 0,0 1 1 0 0,-1-1-1 0 0,1 0 0 0 0,-1 0 1 0 0,1 0-1 0 0,-1 0 0 0 0,1 0 1 0 0,-1 0-1 0 0,1 0 1 0 0,0 0-1 0 0,-1 0 0 0 0,1-1 1 0 0,-1 1-1 0 0,1-1 0 0 0,0 1 1 0 0,-1-1-1 0 0,0 0-54 0 0,0 0 76 0 0,-1-1-1 0 0,1 0 1 0 0,0 0 0 0 0,0 0-1 0 0,0 0 1 0 0,0 0 0 0 0,0 0-1 0 0,1 0 1 0 0,-1-1-1 0 0,1 1 1 0 0,-1-2-76 0 0,-3-5 160 0 0,2 0 1 0 0,-1 0-1 0 0,1-1 0 0 0,0 0 1 0 0,1 1-1 0 0,0-4-160 0 0,-1-10 50 0 0,1 0-1 0 0,1 0 0 0 0,1 0 1 0 0,1 0-1 0 0,1-1 0 0 0,1 1 1 0 0,1 1-1 0 0,1-1 1 0 0,1 0-1 0 0,5-12-49 0 0,-1 10-518 0 0,1 0 0 0 0,2 1 0 0 0,0 0 0 0 0,1 1 0 0 0,12-14 518 0 0,0 4-1144 0 0,-13 17-224 0 0,0-2 0 0 0,0 1 0 0 0,-2-1 0 0 0,4-10 1368 0 0,5-31-5295 0 0</inkml:trace>
-</inkml:ink>
-</file>
-
-<file path=ppt/ink/ink20.xml><?xml version="1.0" encoding="utf-8"?>
+<file path=ppt/ink/ink63.xml><?xml version="1.0" encoding="utf-8"?>
 <inkml:ink xmlns:inkml="http://www.w3.org/2003/InkML">
   <inkml:definitions>
     <inkml:context xml:id="ctx0">
@@ -673,7 +3511,7 @@
 </inkml:ink>
 </file>
 
-<file path=ppt/ink/ink21.xml><?xml version="1.0" encoding="utf-8"?>
+<file path=ppt/ink/ink64.xml><?xml version="1.0" encoding="utf-8"?>
 <inkml:ink xmlns:inkml="http://www.w3.org/2003/InkML">
   <inkml:definitions>
     <inkml:context xml:id="ctx0">
@@ -704,7 +3542,7 @@
 </inkml:ink>
 </file>
 
-<file path=ppt/ink/ink22.xml><?xml version="1.0" encoding="utf-8"?>
+<file path=ppt/ink/ink65.xml><?xml version="1.0" encoding="utf-8"?>
 <inkml:ink xmlns:inkml="http://www.w3.org/2003/InkML">
   <inkml:definitions>
     <inkml:context xml:id="ctx0">
@@ -735,7 +3573,7 @@
 </inkml:ink>
 </file>
 
-<file path=ppt/ink/ink23.xml><?xml version="1.0" encoding="utf-8"?>
+<file path=ppt/ink/ink66.xml><?xml version="1.0" encoding="utf-8"?>
 <inkml:ink xmlns:inkml="http://www.w3.org/2003/InkML">
   <inkml:definitions>
     <inkml:context xml:id="ctx0">
@@ -766,7 +3604,7 @@
 </inkml:ink>
 </file>
 
-<file path=ppt/ink/ink24.xml><?xml version="1.0" encoding="utf-8"?>
+<file path=ppt/ink/ink67.xml><?xml version="1.0" encoding="utf-8"?>
 <inkml:ink xmlns:inkml="http://www.w3.org/2003/InkML">
   <inkml:definitions>
     <inkml:context xml:id="ctx0">
@@ -797,7 +3635,7 @@
 </inkml:ink>
 </file>
 
-<file path=ppt/ink/ink25.xml><?xml version="1.0" encoding="utf-8"?>
+<file path=ppt/ink/ink68.xml><?xml version="1.0" encoding="utf-8"?>
 <inkml:ink xmlns:inkml="http://www.w3.org/2003/InkML">
   <inkml:definitions>
     <inkml:context xml:id="ctx0">
@@ -828,7 +3666,7 @@
 </inkml:ink>
 </file>
 
-<file path=ppt/ink/ink26.xml><?xml version="1.0" encoding="utf-8"?>
+<file path=ppt/ink/ink69.xml><?xml version="1.0" encoding="utf-8"?>
 <inkml:ink xmlns:inkml="http://www.w3.org/2003/InkML">
   <inkml:definitions>
     <inkml:context xml:id="ctx0">
@@ -859,7 +3697,38 @@
 </inkml:ink>
 </file>
 
-<file path=ppt/ink/ink27.xml><?xml version="1.0" encoding="utf-8"?>
+<file path=ppt/ink/ink7.xml><?xml version="1.0" encoding="utf-8"?>
+<inkml:ink xmlns:inkml="http://www.w3.org/2003/InkML">
+  <inkml:definitions>
+    <inkml:context xml:id="ctx0">
+      <inkml:inkSource xml:id="inkSrc0">
+        <inkml:traceFormat>
+          <inkml:channel name="X" type="integer" min="-2.14748E9" max="2.14748E9" units="cm"/>
+          <inkml:channel name="Y" type="integer" min="-2.14748E9" max="2.14748E9" units="cm"/>
+          <inkml:channel name="F" type="integer" max="32767" units="dev"/>
+          <inkml:channel name="OA" type="integer" max="360" units="deg"/>
+          <inkml:channel name="OE" type="integer" max="90" units="deg"/>
+        </inkml:traceFormat>
+        <inkml:channelProperties>
+          <inkml:channelProperty channel="X" name="resolution" value="1000" units="1/cm"/>
+          <inkml:channelProperty channel="Y" name="resolution" value="1000" units="1/cm"/>
+          <inkml:channelProperty channel="F" name="resolution" value="0" units="1/dev"/>
+          <inkml:channelProperty channel="OA" name="resolution" value="1000" units="1/deg"/>
+          <inkml:channelProperty channel="OE" name="resolution" value="1000" units="1/deg"/>
+        </inkml:channelProperties>
+      </inkml:inkSource>
+      <inkml:timestamp xml:id="ts0" timeString="2020-05-26T11:08:14.489"/>
+    </inkml:context>
+    <inkml:brush xml:id="br0">
+      <inkml:brushProperty name="width" value="0.05" units="cm"/>
+      <inkml:brushProperty name="height" value="0.05" units="cm"/>
+    </inkml:brush>
+  </inkml:definitions>
+  <inkml:trace contextRef="#ctx0" brushRef="#br0">1 1 5201 0 0,'39'0'631'0'0,"1"2"-1"0"0,-1 1 1 0 0,26 7-631 0 0,116 31 566 0 0,3-1 147 0 0,-110-28 313 0 0,1-5 0 0 0,0-2 0 0 0,1-4 0 0 0,-1-3 0 0 0,0-3 0 0 0,0-4 0 0 0,48-13-1026 0 0,-68 10 180 0 0,0 3 1 0 0,1 2-1 0 0,0 2 0 0 0,0 3 1 0 0,8 2-181 0 0,-61 0 1 0 0,72 8 26 0 0,-67-7 9 0 0,0 1 0 0 0,-1-1 0 0 0,1 2-1 0 0,0-1 1 0 0,-1 1 0 0 0,0 1-1 0 0,1-1 1 0 0,1 2-36 0 0,-9-4-238 0 0,0-1 1 0 0,0 0-1 0 0,0 1 0 0 0,0-1 0 0 0,0 0 0 0 0,0 1 0 0 0,0-1 1 0 0,0 0-1 0 0,-1 1 0 0 0,1-1 0 0 0,0 0 0 0 0,0 1 1 0 0,0-1-1 0 0,0 0 0 0 0,0 0 0 0 0,-1 1 0 0 0,1-1 0 0 0,0 0 1 0 0,0 0-1 0 0,-1 1 0 0 0,1-1 0 0 0,0 0 0 0 0,0 0 0 0 0,-1 1 1 0 0,1-1-1 0 0,0 0 0 0 0,0 0 0 0 0,-1 0 0 0 0,1 0 1 0 0,0 1-1 0 0,-1-1 0 0 0,1 0 0 0 0,0 0 0 0 0,-1 0 0 0 0,1 0 1 0 0,0 0-1 0 0,-1 0 238 0 0,-2 1-1455 0 0,0 2-4181 0 0</inkml:trace>
+</inkml:ink>
+</file>
+
+<file path=ppt/ink/ink70.xml><?xml version="1.0" encoding="utf-8"?>
 <inkml:ink xmlns:inkml="http://www.w3.org/2003/InkML">
   <inkml:definitions>
     <inkml:context xml:id="ctx0">
@@ -890,7 +3759,7 @@
 </inkml:ink>
 </file>
 
-<file path=ppt/ink/ink28.xml><?xml version="1.0" encoding="utf-8"?>
+<file path=ppt/ink/ink71.xml><?xml version="1.0" encoding="utf-8"?>
 <inkml:ink xmlns:inkml="http://www.w3.org/2003/InkML">
   <inkml:definitions>
     <inkml:context xml:id="ctx0">
@@ -921,7 +3790,7 @@
 </inkml:ink>
 </file>
 
-<file path=ppt/ink/ink29.xml><?xml version="1.0" encoding="utf-8"?>
+<file path=ppt/ink/ink72.xml><?xml version="1.0" encoding="utf-8"?>
 <inkml:ink xmlns:inkml="http://www.w3.org/2003/InkML">
   <inkml:definitions>
     <inkml:context xml:id="ctx0">
@@ -952,38 +3821,7 @@
 </inkml:ink>
 </file>
 
-<file path=ppt/ink/ink3.xml><?xml version="1.0" encoding="utf-8"?>
-<inkml:ink xmlns:inkml="http://www.w3.org/2003/InkML">
-  <inkml:definitions>
-    <inkml:context xml:id="ctx0">
-      <inkml:inkSource xml:id="inkSrc0">
-        <inkml:traceFormat>
-          <inkml:channel name="X" type="integer" min="-2.14748E9" max="2.14748E9" units="cm"/>
-          <inkml:channel name="Y" type="integer" min="-2.14748E9" max="2.14748E9" units="cm"/>
-          <inkml:channel name="F" type="integer" max="32767" units="dev"/>
-          <inkml:channel name="OA" type="integer" max="360" units="deg"/>
-          <inkml:channel name="OE" type="integer" max="90" units="deg"/>
-        </inkml:traceFormat>
-        <inkml:channelProperties>
-          <inkml:channelProperty channel="X" name="resolution" value="1000" units="1/cm"/>
-          <inkml:channelProperty channel="Y" name="resolution" value="1000" units="1/cm"/>
-          <inkml:channelProperty channel="F" name="resolution" value="0" units="1/dev"/>
-          <inkml:channelProperty channel="OA" name="resolution" value="1000" units="1/deg"/>
-          <inkml:channelProperty channel="OE" name="resolution" value="1000" units="1/deg"/>
-        </inkml:channelProperties>
-      </inkml:inkSource>
-      <inkml:timestamp xml:id="ts0" timeString="2020-05-24T04:17:23.979"/>
-    </inkml:context>
-    <inkml:brush xml:id="br0">
-      <inkml:brushProperty name="width" value="0.05" units="cm"/>
-      <inkml:brushProperty name="height" value="0.05" units="cm"/>
-    </inkml:brush>
-  </inkml:definitions>
-  <inkml:trace contextRef="#ctx0" brushRef="#br0">230 37 8394 0 0,'5'-24'1032'0'0,"-2"11"-273"0"0,-6 25 41 0 0,-82 258 4071 0 0,44-149-2873 0 0,-25 125-1998 0 0,49-149 279 0 0,4 0 0 0 0,5 1-1 0 0,4-1 1 0 0,4 1-1 0 0,4 0 1 0 0,4 0-1 0 0,5-1 1 0 0,18 63-279 0 0,-19-110-392 0 0,2-1 0 0 0,3 0 1 0 0,1-2-1 0 0,14 23 392 0 0,-32-70-44 0 0,0 1 1 0 0,0-1-1 0 0,0 0 1 0 0,0 0-1 0 0,0 0 1 0 0,0 1-1 0 0,0-1 1 0 0,0 0-1 0 0,0 0 1 0 0,0 1-1 0 0,0-1 1 0 0,0 0-1 0 0,0 0 1 0 0,0 0-1 0 0,1 1 0 0 0,-1-1 1 0 0,0 0-1 0 0,0 0 1 0 0,0 0-1 0 0,0 1 1 0 0,0-1-1 0 0,0 0 1 0 0,1 0-1 0 0,-1 0 1 0 0,0 0-1 0 0,0 0 1 0 0,0 1-1 0 0,1-1 1 0 0,-1 0-1 0 0,0 0 1 0 0,0 0-1 0 0,0 0 0 0 0,1 0 1 0 0,-1 0-1 0 0,0 0 1 0 0,0 0-1 0 0,0 0 1 0 0,1 0-1 0 0,-1 0 1 0 0,0 0-1 0 0,0 0 1 0 0,1 0-1 0 0,-1 0 1 0 0,0 0-1 0 0,0 0 44 0 0,-2-15-3414 0 0,-5-8-771 0 0,6-3-2949 0 0</inkml:trace>
-</inkml:ink>
-</file>
-
-<file path=ppt/ink/ink30.xml><?xml version="1.0" encoding="utf-8"?>
+<file path=ppt/ink/ink73.xml><?xml version="1.0" encoding="utf-8"?>
 <inkml:ink xmlns:inkml="http://www.w3.org/2003/InkML">
   <inkml:definitions>
     <inkml:context xml:id="ctx0">
@@ -1014,7 +3852,7 @@
 </inkml:ink>
 </file>
 
-<file path=ppt/ink/ink31.xml><?xml version="1.0" encoding="utf-8"?>
+<file path=ppt/ink/ink74.xml><?xml version="1.0" encoding="utf-8"?>
 <inkml:ink xmlns:inkml="http://www.w3.org/2003/InkML">
   <inkml:definitions>
     <inkml:context xml:id="ctx0">
@@ -1045,7 +3883,7 @@
 </inkml:ink>
 </file>
 
-<file path=ppt/ink/ink32.xml><?xml version="1.0" encoding="utf-8"?>
+<file path=ppt/ink/ink75.xml><?xml version="1.0" encoding="utf-8"?>
 <inkml:ink xmlns:inkml="http://www.w3.org/2003/InkML">
   <inkml:definitions>
     <inkml:context xml:id="ctx0">
@@ -1077,7 +3915,7 @@
 </inkml:ink>
 </file>
 
-<file path=ppt/ink/ink33.xml><?xml version="1.0" encoding="utf-8"?>
+<file path=ppt/ink/ink76.xml><?xml version="1.0" encoding="utf-8"?>
 <inkml:ink xmlns:inkml="http://www.w3.org/2003/InkML">
   <inkml:definitions>
     <inkml:context xml:id="ctx0">
@@ -1108,7 +3946,7 @@
 </inkml:ink>
 </file>
 
-<file path=ppt/ink/ink34.xml><?xml version="1.0" encoding="utf-8"?>
+<file path=ppt/ink/ink77.xml><?xml version="1.0" encoding="utf-8"?>
 <inkml:ink xmlns:inkml="http://www.w3.org/2003/InkML">
   <inkml:definitions>
     <inkml:context xml:id="ctx0">
@@ -1139,7 +3977,7 @@
 </inkml:ink>
 </file>
 
-<file path=ppt/ink/ink35.xml><?xml version="1.0" encoding="utf-8"?>
+<file path=ppt/ink/ink78.xml><?xml version="1.0" encoding="utf-8"?>
 <inkml:ink xmlns:inkml="http://www.w3.org/2003/InkML">
   <inkml:definitions>
     <inkml:context xml:id="ctx0">
@@ -1170,7 +4008,7 @@
 </inkml:ink>
 </file>
 
-<file path=ppt/ink/ink36.xml><?xml version="1.0" encoding="utf-8"?>
+<file path=ppt/ink/ink79.xml><?xml version="1.0" encoding="utf-8"?>
 <inkml:ink xmlns:inkml="http://www.w3.org/2003/InkML">
   <inkml:definitions>
     <inkml:context xml:id="ctx0">
@@ -1201,7 +4039,39 @@
 </inkml:ink>
 </file>
 
-<file path=ppt/ink/ink37.xml><?xml version="1.0" encoding="utf-8"?>
+<file path=ppt/ink/ink8.xml><?xml version="1.0" encoding="utf-8"?>
+<inkml:ink xmlns:inkml="http://www.w3.org/2003/InkML">
+  <inkml:definitions>
+    <inkml:context xml:id="ctx0">
+      <inkml:inkSource xml:id="inkSrc0">
+        <inkml:traceFormat>
+          <inkml:channel name="X" type="integer" min="-2.14748E9" max="2.14748E9" units="cm"/>
+          <inkml:channel name="Y" type="integer" min="-2.14748E9" max="2.14748E9" units="cm"/>
+          <inkml:channel name="F" type="integer" max="32767" units="dev"/>
+          <inkml:channel name="OA" type="integer" max="360" units="deg"/>
+          <inkml:channel name="OE" type="integer" max="90" units="deg"/>
+        </inkml:traceFormat>
+        <inkml:channelProperties>
+          <inkml:channelProperty channel="X" name="resolution" value="1000" units="1/cm"/>
+          <inkml:channelProperty channel="Y" name="resolution" value="1000" units="1/cm"/>
+          <inkml:channelProperty channel="F" name="resolution" value="0" units="1/dev"/>
+          <inkml:channelProperty channel="OA" name="resolution" value="1000" units="1/deg"/>
+          <inkml:channelProperty channel="OE" name="resolution" value="1000" units="1/deg"/>
+        </inkml:channelProperties>
+      </inkml:inkSource>
+      <inkml:timestamp xml:id="ts0" timeString="2020-05-26T11:08:14.848"/>
+    </inkml:context>
+    <inkml:brush xml:id="br0">
+      <inkml:brushProperty name="width" value="0.05" units="cm"/>
+      <inkml:brushProperty name="height" value="0.05" units="cm"/>
+    </inkml:brush>
+  </inkml:definitions>
+  <inkml:trace contextRef="#ctx0" brushRef="#br0">167 1 4425 0 0,'-1'4'1800'0'0,"-3"6"-743"0"0,-1 4-81 0 0,-3 6-96 0 0,-2 4-144 0 0,-1 1-360 0 0,-3 2-72 0 0,-1 1-72 0 0,1-3-64 0 0,-3-3-160 0 0,1-1-320 0 0,2-6-440 0 0,0-1-448 0 0,3-2-160 0 0,3-3 55 0 0,3-3-4256 0 0</inkml:trace>
+  <inkml:trace contextRef="#ctx0" brushRef="#br0" timeOffset="1">220 32 4753 0 0,'-3'10'432'0'0,"0"0"-128"0"0,-2 5-80 0 0,0 1-16 0 0,-1 0-64 0 0,-1 2-24 0 0,-1 1-16 0 0,-1 0-112 0 0,0 0-200 0 0,0 0-168 0 0,2-3-4745 0 0</inkml:trace>
+</inkml:ink>
+</file>
+
+<file path=ppt/ink/ink80.xml><?xml version="1.0" encoding="utf-8"?>
 <inkml:ink xmlns:inkml="http://www.w3.org/2003/InkML">
   <inkml:definitions>
     <inkml:context xml:id="ctx0">
@@ -1232,7 +4102,7 @@
 </inkml:ink>
 </file>
 
-<file path=ppt/ink/ink38.xml><?xml version="1.0" encoding="utf-8"?>
+<file path=ppt/ink/ink81.xml><?xml version="1.0" encoding="utf-8"?>
 <inkml:ink xmlns:inkml="http://www.w3.org/2003/InkML">
   <inkml:definitions>
     <inkml:context xml:id="ctx0">
@@ -1263,7 +4133,7 @@
 </inkml:ink>
 </file>
 
-<file path=ppt/ink/ink39.xml><?xml version="1.0" encoding="utf-8"?>
+<file path=ppt/ink/ink82.xml><?xml version="1.0" encoding="utf-8"?>
 <inkml:ink xmlns:inkml="http://www.w3.org/2003/InkML">
   <inkml:definitions>
     <inkml:context xml:id="ctx0">
@@ -1294,38 +4164,7 @@
 </inkml:ink>
 </file>
 
-<file path=ppt/ink/ink4.xml><?xml version="1.0" encoding="utf-8"?>
-<inkml:ink xmlns:inkml="http://www.w3.org/2003/InkML">
-  <inkml:definitions>
-    <inkml:context xml:id="ctx0">
-      <inkml:inkSource xml:id="inkSrc0">
-        <inkml:traceFormat>
-          <inkml:channel name="X" type="integer" min="-2.14748E9" max="2.14748E9" units="cm"/>
-          <inkml:channel name="Y" type="integer" min="-2.14748E9" max="2.14748E9" units="cm"/>
-          <inkml:channel name="F" type="integer" max="32767" units="dev"/>
-          <inkml:channel name="OA" type="integer" max="360" units="deg"/>
-          <inkml:channel name="OE" type="integer" max="90" units="deg"/>
-        </inkml:traceFormat>
-        <inkml:channelProperties>
-          <inkml:channelProperty channel="X" name="resolution" value="1000" units="1/cm"/>
-          <inkml:channelProperty channel="Y" name="resolution" value="1000" units="1/cm"/>
-          <inkml:channelProperty channel="F" name="resolution" value="0" units="1/dev"/>
-          <inkml:channelProperty channel="OA" name="resolution" value="1000" units="1/deg"/>
-          <inkml:channelProperty channel="OE" name="resolution" value="1000" units="1/deg"/>
-        </inkml:channelProperties>
-      </inkml:inkSource>
-      <inkml:timestamp xml:id="ts0" timeString="2020-05-24T04:17:34.178"/>
-    </inkml:context>
-    <inkml:brush xml:id="br0">
-      <inkml:brushProperty name="width" value="0.05" units="cm"/>
-      <inkml:brushProperty name="height" value="0.05" units="cm"/>
-    </inkml:brush>
-  </inkml:definitions>
-  <inkml:trace contextRef="#ctx0" brushRef="#br0">25 138 16940 0 0,'-14'-41'1296'0'0,"7"9"-1248"0"0,3-1-16 0 0,14 18-80 0 0,5 11-216 0 0,7 1-584 0 0,2 1-1065 0 0,5-1-1455 0 0,0-1-3706 0 0</inkml:trace>
-</inkml:ink>
-</file>
-
-<file path=ppt/ink/ink40.xml><?xml version="1.0" encoding="utf-8"?>
+<file path=ppt/ink/ink83.xml><?xml version="1.0" encoding="utf-8"?>
 <inkml:ink xmlns:inkml="http://www.w3.org/2003/InkML">
   <inkml:definitions>
     <inkml:context xml:id="ctx0">
@@ -1356,7 +4195,7 @@
 </inkml:ink>
 </file>
 
-<file path=ppt/ink/ink41.xml><?xml version="1.0" encoding="utf-8"?>
+<file path=ppt/ink/ink84.xml><?xml version="1.0" encoding="utf-8"?>
 <inkml:ink xmlns:inkml="http://www.w3.org/2003/InkML">
   <inkml:definitions>
     <inkml:context xml:id="ctx0">
@@ -1387,7 +4226,7 @@
 </inkml:ink>
 </file>
 
-<file path=ppt/ink/ink42.xml><?xml version="1.0" encoding="utf-8"?>
+<file path=ppt/ink/ink85.xml><?xml version="1.0" encoding="utf-8"?>
 <inkml:ink xmlns:inkml="http://www.w3.org/2003/InkML">
   <inkml:definitions>
     <inkml:context xml:id="ctx0">
@@ -1418,7 +4257,7 @@
 </inkml:ink>
 </file>
 
-<file path=ppt/ink/ink43.xml><?xml version="1.0" encoding="utf-8"?>
+<file path=ppt/ink/ink86.xml><?xml version="1.0" encoding="utf-8"?>
 <inkml:ink xmlns:inkml="http://www.w3.org/2003/InkML">
   <inkml:definitions>
     <inkml:context xml:id="ctx0">
@@ -1449,7 +4288,7 @@
 </inkml:ink>
 </file>
 
-<file path=ppt/ink/ink44.xml><?xml version="1.0" encoding="utf-8"?>
+<file path=ppt/ink/ink87.xml><?xml version="1.0" encoding="utf-8"?>
 <inkml:ink xmlns:inkml="http://www.w3.org/2003/InkML">
   <inkml:definitions>
     <inkml:context xml:id="ctx0">
@@ -1480,7 +4319,7 @@
 </inkml:ink>
 </file>
 
-<file path=ppt/ink/ink45.xml><?xml version="1.0" encoding="utf-8"?>
+<file path=ppt/ink/ink88.xml><?xml version="1.0" encoding="utf-8"?>
 <inkml:ink xmlns:inkml="http://www.w3.org/2003/InkML">
   <inkml:definitions>
     <inkml:context xml:id="ctx0">
@@ -1511,7 +4350,7 @@
 </inkml:ink>
 </file>
 
-<file path=ppt/ink/ink46.xml><?xml version="1.0" encoding="utf-8"?>
+<file path=ppt/ink/ink89.xml><?xml version="1.0" encoding="utf-8"?>
 <inkml:ink xmlns:inkml="http://www.w3.org/2003/InkML">
   <inkml:definitions>
     <inkml:context xml:id="ctx0">
@@ -1542,7 +4381,39 @@
 </inkml:ink>
 </file>
 
-<file path=ppt/ink/ink47.xml><?xml version="1.0" encoding="utf-8"?>
+<file path=ppt/ink/ink9.xml><?xml version="1.0" encoding="utf-8"?>
+<inkml:ink xmlns:inkml="http://www.w3.org/2003/InkML">
+  <inkml:definitions>
+    <inkml:context xml:id="ctx0">
+      <inkml:inkSource xml:id="inkSrc0">
+        <inkml:traceFormat>
+          <inkml:channel name="X" type="integer" min="-2.14748E9" max="2.14748E9" units="cm"/>
+          <inkml:channel name="Y" type="integer" min="-2.14748E9" max="2.14748E9" units="cm"/>
+          <inkml:channel name="F" type="integer" max="32767" units="dev"/>
+          <inkml:channel name="OA" type="integer" max="360" units="deg"/>
+          <inkml:channel name="OE" type="integer" max="90" units="deg"/>
+        </inkml:traceFormat>
+        <inkml:channelProperties>
+          <inkml:channelProperty channel="X" name="resolution" value="1000" units="1/cm"/>
+          <inkml:channelProperty channel="Y" name="resolution" value="1000" units="1/cm"/>
+          <inkml:channelProperty channel="F" name="resolution" value="0" units="1/dev"/>
+          <inkml:channelProperty channel="OA" name="resolution" value="1000" units="1/deg"/>
+          <inkml:channelProperty channel="OE" name="resolution" value="1000" units="1/deg"/>
+        </inkml:channelProperties>
+      </inkml:inkSource>
+      <inkml:timestamp xml:id="ts0" timeString="2020-05-26T11:08:32.637"/>
+    </inkml:context>
+    <inkml:brush xml:id="br0">
+      <inkml:brushProperty name="width" value="0.05" units="cm"/>
+      <inkml:brushProperty name="height" value="0.05" units="cm"/>
+      <inkml:brushProperty name="color" value="#E71224"/>
+    </inkml:brush>
+  </inkml:definitions>
+  <inkml:trace contextRef="#ctx0" brushRef="#br0">9 360 4561 0 0,'0'0'50'0'0,"0"-1"0"0"0,-1 1 0 0 0,1 0 1 0 0,0 0-1 0 0,0 0 0 0 0,0 0 0 0 0,0 0 0 0 0,0 0 0 0 0,0-1 0 0 0,0 1 0 0 0,0 0 1 0 0,-1 0-1 0 0,1 0 0 0 0,0 0 0 0 0,0 0 0 0 0,0 0 0 0 0,0 0 0 0 0,0 0 1 0 0,0 0-1 0 0,-1 0 0 0 0,1 0 0 0 0,0 0 0 0 0,0 0 0 0 0,0 0 0 0 0,0 0 1 0 0,0 0-1 0 0,-1 0 0 0 0,1 0 0 0 0,0 0 0 0 0,0 0 0 0 0,0 0 0 0 0,0 0 0 0 0,-1 0 1 0 0,1 0-1 0 0,0 0 0 0 0,0 0 0 0 0,0 0 0 0 0,0 0 0 0 0,0 0 0 0 0,0 0 1 0 0,-1 0-1 0 0,1 0 0 0 0,0 0 0 0 0,0 0 0 0 0,0 1 0 0 0,0-1 0 0 0,0 0 1 0 0,0 0-1 0 0,0 0 0 0 0,0 0 0 0 0,-1 0 0 0 0,1 0 0 0 0,0 1 0 0 0,0-1-50 0 0,-2 13 680 0 0,3 6-826 0 0,0-11 443 0 0,0-3-226 0 0,0-1 0 0 0,0 1 0 0 0,0-1 0 0 0,0 0 0 0 0,1 0 0 0 0,0 0 0 0 0,0 0 0 0 0,0 0 0 0 0,0 0 0 0 0,1 0 0 0 0,-1-1 0 0 0,1 1 0 0 0,0-1 0 0 0,0 0 0 0 0,0 0 0 0 0,2 1-71 0 0,1 0 118 0 0,0 1 0 0 0,1-1 0 0 0,0-1-1 0 0,0 1 1 0 0,0-1 0 0 0,0 0-1 0 0,0-1 1 0 0,0 0 0 0 0,3 1-118 0 0,13 1 232 0 0,0-1 0 0 0,0-1 0 0 0,1-1 0 0 0,-1-1-1 0 0,20-2-231 0 0,-1-2 231 0 0,-1-1-1 0 0,0-2 0 0 0,0-2 1 0 0,-1-2-1 0 0,33-13-230 0 0,-56 17 61 0 0,0 0 0 0 0,0-1 0 0 0,-1-1 0 0 0,0 0 0 0 0,-1-1-1 0 0,0-1 1 0 0,0 0 0 0 0,-1-1 0 0 0,-1-1 0 0 0,0 0 0 0 0,-1-1 0 0 0,0 0 0 0 0,-1-1 0 0 0,2-5-61 0 0,-9 14 44 0 0,-1 0 1 0 0,0-1-1 0 0,0 1 0 0 0,-1 0 1 0 0,0-1-1 0 0,0 0 0 0 0,0 1 1 0 0,-1-1-1 0 0,0 0 0 0 0,0 0 1 0 0,-1 0-1 0 0,0 0 1 0 0,0 0-1 0 0,0 1 0 0 0,-1-1 1 0 0,0 0-1 0 0,-1 0 0 0 0,0-3-44 0 0,-1 3 34 0 0,0 0 0 0 0,-1 0 0 0 0,1 0 0 0 0,-1 0 0 0 0,0 0 0 0 0,-1 1 0 0 0,0 0 0 0 0,0 0 0 0 0,0 0 0 0 0,-1 0 0 0 0,0 1 0 0 0,0 0 0 0 0,0 0 0 0 0,0 1 0 0 0,-1 0-1 0 0,-1-1-33 0 0,-6-2 3 0 0,-1 0 0 0 0,0 1-1 0 0,0 1 1 0 0,0 0-1 0 0,-1 1 1 0 0,0 1-1 0 0,0 0 1 0 0,0 1-1 0 0,0 1 1 0 0,0 0-1 0 0,0 1 1 0 0,-1 1-1 0 0,-13 3-2 0 0,6 0-18 0 0,-1 0 0 0 0,1 3 0 0 0,0 0 1 0 0,1 1-1 0 0,0 1 0 0 0,0 1 0 0 0,1 1 0 0 0,-15 10 18 0 0,-8 7-135 0 0,-36 31 135 0 0,69-50-29 0 0,0 1 1 0 0,1 1-1 0 0,1 0 1 0 0,0 0-1 0 0,0 1 0 0 0,1 0 1 0 0,1 1-1 0 0,0 0 1 0 0,0 0 28 0 0,7-11-9 0 0,0 0-1 0 0,0 1 1 0 0,0-1 0 0 0,0 0 0 0 0,0 1 0 0 0,1-1 0 0 0,-1 1-1 0 0,1-1 1 0 0,-1 1 0 0 0,1-1 0 0 0,0 1 0 0 0,0-1 0 0 0,0 1-1 0 0,1 0 10 0 0,-1-1 11 0 0,1-1 0 0 0,0 1 0 0 0,-1-1-1 0 0,1 0 1 0 0,0 1 0 0 0,0-1 0 0 0,0 0-1 0 0,0 1 1 0 0,0-1 0 0 0,0 0 0 0 0,1 0-1 0 0,-1 0 1 0 0,0 0 0 0 0,0 0 0 0 0,1 0-1 0 0,-1-1 1 0 0,1 1 0 0 0,-1 0 0 0 0,1-1-1 0 0,-1 1 1 0 0,2 0-11 0 0,2 1 31 0 0,0 1-1 0 0,0 0 1 0 0,-1 0 0 0 0,1 1 0 0 0,-1-1-1 0 0,0 1 1 0 0,0 0 0 0 0,0 0-1 0 0,0 0 1 0 0,-1 1 0 0 0,1-1 0 0 0,0 4-31 0 0,1-2 5 0 0,0 1 0 0 0,0-1 0 0 0,1 0 1 0 0,0 0-1 0 0,0 0-5 0 0,-3-4 9 0 0,-1 0-1 0 0,1 0 1 0 0,0-1 0 0 0,-1 1 0 0 0,1-1-1 0 0,0 0 1 0 0,0 0 0 0 0,0 0-1 0 0,0 0 1 0 0,0 0 0 0 0,0-1-1 0 0,0 1 1 0 0,0-1 0 0 0,0 0 0 0 0,3 0-9 0 0,6-1 28 0 0,-1-1 0 0 0,0 0 0 0 0,1 0 0 0 0,-1-2 0 0 0,0 1 1 0 0,4-3-29 0 0,-7 2-19 0 0,1 1 0 0 0,-1 0 0 0 0,1 0 0 0 0,-1 1 0 0 0,1 1 0 0 0,0-1 0 0 0,0 1 0 0 0,0 1 0 0 0,0-1 0 0 0,0 1 0 0 0,4 1 19 0 0,26 7-48 0 0,-27-4 54 0 0,1-2 0 0 0,-1 0 0 0 0,1 0 0 0 0,0-1 0 0 0,0 0 0 0 0,-1-1 0 0 0,1-1 0 0 0,0 0 0 0 0,4-1-6 0 0,7-5 50 0 0,1-1-1 0 0,-1 0 0 0 0,2-3-49 0 0,-4 1-34 0 0,0 2-1 0 0,1 1 0 0 0,14-3 35 0 0,-31 10-16 0 0,-1-1-1 0 0,1 1 0 0 0,0 1 1 0 0,0-1-1 0 0,0 1 1 0 0,0 0-1 0 0,-1 1 0 0 0,1-1 1 0 0,0 1-1 0 0,-1 0 1 0 0,1 0-1 0 0,-1 1 0 0 0,0 0 1 0 0,0 0-1 0 0,1 0 17 0 0,-1 1 15 0 0,1-1 0 0 0,0 0-1 0 0,0 0 1 0 0,1 0-1 0 0,-1-1 1 0 0,1 0 0 0 0,-1-1-1 0 0,1 1 1 0 0,-1-1 0 0 0,1 0-1 0 0,0-1 1 0 0,1 1-15 0 0,1-3 42 0 0,0 1 0 0 0,1-2-1 0 0,-1 1 1 0 0,-1-1 0 0 0,5-2-42 0 0,-4 2 1 0 0,1-1 0 0 0,0 2 0 0 0,0-1 0 0 0,4 0-1 0 0,-13 4-6 0 0,0-1 0 0 0,0 0-1 0 0,0 0 1 0 0,1 0 0 0 0,-1 1-1 0 0,0-1 1 0 0,0 0 0 0 0,0 1 0 0 0,0-1-1 0 0,0 1 1 0 0,0-1 0 0 0,0 1-1 0 0,0 0 1 0 0,0 0 0 0 0,0-1 0 0 0,0 1-1 0 0,0 0 1 0 0,-1 0 0 0 0,1 0-1 0 0,0 0 1 0 0,-1 0 0 0 0,1 0 0 0 0,0 0-1 0 0,-1 0 1 0 0,1 0 0 0 0,-1 0-1 0 0,0 0 1 0 0,1 1 6 0 0,12 38-36 0 0,-10-25 2 0 0,-1-11 30 0 0,-1 0 1 0 0,1 1 0 0 0,0-1-1 0 0,0 0 1 0 0,0 0 0 0 0,0-1 0 0 0,1 1-1 0 0,0 0 1 0 0,-1-1 0 0 0,1 0 0 0 0,1 1-1 0 0,-1-1 1 0 0,0-1 0 0 0,1 1 0 0 0,0 0 3 0 0,-2-2 8 0 0,0 0 0 0 0,0 0 0 0 0,0 0 0 0 0,0 0 0 0 0,0-1 0 0 0,1 1 0 0 0,-1-1 0 0 0,0 1 0 0 0,1-1 0 0 0,-1 0 1 0 0,0 0-1 0 0,0 0 0 0 0,1 0 0 0 0,-1 0 0 0 0,0-1 0 0 0,1 1 0 0 0,-1-1 0 0 0,0 1 0 0 0,0-1 0 0 0,0 0 0 0 0,1 0 0 0 0,-1 0 0 0 0,0 0 1 0 0,0 0-1 0 0,0 0 0 0 0,-1-1 0 0 0,1 1 0 0 0,0-1 0 0 0,1 0-8 0 0,3-4-8 0 0,0 1 1 0 0,0 0-1 0 0,1 1 1 0 0,-1-1-1 0 0,1 1 1 0 0,5-2 7 0 0,-9 5-27 0 0,1 0 1 0 0,-1 0-1 0 0,0 1 1 0 0,1-1-1 0 0,-1 1 1 0 0,0 0-1 0 0,1-1 1 0 0,-1 1-1 0 0,0 1 0 0 0,1-1 1 0 0,-1 0-1 0 0,0 1 1 0 0,1 0-1 0 0,-1 0 1 0 0,0 0-1 0 0,0 0 1 0 0,1 1 26 0 0,4 0-32 0 0,0 1 0 0 0,-1-1 1 0 0,1-1-1 0 0,0 0 0 0 0,0 0 1 0 0,0 0-1 0 0,0-1 0 0 0,0 0 1 0 0,0 0-1 0 0,3-1 32 0 0,9 0-103 0 0,-8 1 165 0 0,1 0 0 0 0,0 2 1 0 0,-1 0-1 0 0,3 1-62 0 0,-7-1 6 0 0,-1-1-1 0 0,1 0 1 0 0,0 0-1 0 0,0 0 1 0 0,0-1-1 0 0,0 0 1 0 0,0 0 0 0 0,-1-1-1 0 0,1 0 1 0 0,0 0-1 0 0,0-1 1 0 0,0-1-6 0 0,37-18-21 0 0,-34 15-21 0 0,-1 0 0 0 0,1 2 0 0 0,0-1 0 0 0,2 0 42 0 0,-9 4-16 0 0,0 1 1 0 0,0-1 0 0 0,0 0-1 0 0,0 1 1 0 0,0 0 0 0 0,0 0-1 0 0,0 0 1 0 0,0 0 0 0 0,0 1-1 0 0,-1-1 1 0 0,1 1-1 0 0,0 0 1 0 0,0 0 0 0 0,2 2 15 0 0,1-1 2 0 0,-1 0 1 0 0,0-1 0 0 0,1 1 0 0 0,-1-1 0 0 0,1-1-1 0 0,-1 1 1 0 0,1-1 0 0 0,0 0 0 0 0,-1-1 0 0 0,1 0 0 0 0,-1 0-1 0 0,1 0 1 0 0,-1-1 0 0 0,0 1 0 0 0,0-1 0 0 0,5-3-3 0 0,2 1-51 0 0,1 0 0 0 0,-1 1 0 0 0,4 0 51 0 0,-11 3 8 0 0,0 0 1 0 0,-1 0 0 0 0,1 1 0 0 0,0 0-1 0 0,-1 0 1 0 0,1 0 0 0 0,-1 1 0 0 0,1 0-1 0 0,-1 0 1 0 0,1 0 0 0 0,-1 1-1 0 0,0-1 1 0 0,0 1 0 0 0,3 3-9 0 0,-4-3 16 0 0,1 0 0 0 0,-1 0-1 0 0,1-1 1 0 0,0 1 0 0 0,0-1 0 0 0,0 0 0 0 0,1 0 0 0 0,-1-1 0 0 0,0 0 0 0 0,1 0-1 0 0,-1 0 1 0 0,0 0 0 0 0,1-1 0 0 0,-1 0 0 0 0,1 0 0 0 0,5-1-16 0 0,42-13 99 0 0,-37 9-103 0 0,0 1-1 0 0,1 0 0 0 0,6 0 5 0 0,-16 4 11 0 0,0 0 0 0 0,-1 0 0 0 0,1 0-1 0 0,0 1 1 0 0,-1 0 0 0 0,1 0 0 0 0,-1 0-1 0 0,0 1 1 0 0,1 0 0 0 0,4 2-11 0 0,-8-2 13 0 0,0-1-1 0 0,1 0 1 0 0,-1 0 0 0 0,0 0-1 0 0,1-1 1 0 0,-1 1-1 0 0,1-1 1 0 0,-1 0 0 0 0,1 0-1 0 0,-1 0 1 0 0,1 0-1 0 0,-1 0 1 0 0,4-2-13 0 0,1 0 89 0 0,0-1 0 0 0,0 0 0 0 0,-1 0 0 0 0,6-4-89 0 0,-5 3 44 0 0,0 0 1 0 0,0 1 0 0 0,1 0-1 0 0,-1 0 1 0 0,3 0-45 0 0,-4 2 259 0 0,-4 1-1261 0 0,-11-2-3151 0 0,-6-1-2582 0 0,10 5 3164 0 0</inkml:trace>
+</inkml:ink>
+</file>
+
+<file path=ppt/ink/ink90.xml><?xml version="1.0" encoding="utf-8"?>
 <inkml:ink xmlns:inkml="http://www.w3.org/2003/InkML">
   <inkml:definitions>
     <inkml:context xml:id="ctx0">
@@ -1573,7 +4444,7 @@
 </inkml:ink>
 </file>
 
-<file path=ppt/ink/ink48.xml><?xml version="1.0" encoding="utf-8"?>
+<file path=ppt/ink/ink91.xml><?xml version="1.0" encoding="utf-8"?>
 <inkml:ink xmlns:inkml="http://www.w3.org/2003/InkML">
   <inkml:definitions>
     <inkml:context xml:id="ctx0">
@@ -1604,7 +4475,7 @@
 </inkml:ink>
 </file>
 
-<file path=ppt/ink/ink49.xml><?xml version="1.0" encoding="utf-8"?>
+<file path=ppt/ink/ink92.xml><?xml version="1.0" encoding="utf-8"?>
 <inkml:ink xmlns:inkml="http://www.w3.org/2003/InkML">
   <inkml:definitions>
     <inkml:context xml:id="ctx0">
@@ -1635,38 +4506,7 @@
 </inkml:ink>
 </file>
 
-<file path=ppt/ink/ink5.xml><?xml version="1.0" encoding="utf-8"?>
-<inkml:ink xmlns:inkml="http://www.w3.org/2003/InkML">
-  <inkml:definitions>
-    <inkml:context xml:id="ctx0">
-      <inkml:inkSource xml:id="inkSrc0">
-        <inkml:traceFormat>
-          <inkml:channel name="X" type="integer" min="-2.14748E9" max="2.14748E9" units="cm"/>
-          <inkml:channel name="Y" type="integer" min="-2.14748E9" max="2.14748E9" units="cm"/>
-          <inkml:channel name="F" type="integer" max="32767" units="dev"/>
-          <inkml:channel name="OA" type="integer" max="360" units="deg"/>
-          <inkml:channel name="OE" type="integer" max="90" units="deg"/>
-        </inkml:traceFormat>
-        <inkml:channelProperties>
-          <inkml:channelProperty channel="X" name="resolution" value="1000" units="1/cm"/>
-          <inkml:channelProperty channel="Y" name="resolution" value="1000" units="1/cm"/>
-          <inkml:channelProperty channel="F" name="resolution" value="0" units="1/dev"/>
-          <inkml:channelProperty channel="OA" name="resolution" value="1000" units="1/deg"/>
-          <inkml:channelProperty channel="OE" name="resolution" value="1000" units="1/deg"/>
-        </inkml:channelProperties>
-      </inkml:inkSource>
-      <inkml:timestamp xml:id="ts0" timeString="2020-05-24T04:17:34.506"/>
-    </inkml:context>
-    <inkml:brush xml:id="br0">
-      <inkml:brushProperty name="width" value="0.05" units="cm"/>
-      <inkml:brushProperty name="height" value="0.05" units="cm"/>
-    </inkml:brush>
-  </inkml:definitions>
-  <inkml:trace contextRef="#ctx0" brushRef="#br0">81 105 23701 0 0,'-29'-46'-184'0'0,"7"15"-912"0"0,1 4-1097 0 0,13 27-2216 0 0,12 15-5257 0 0</inkml:trace>
-</inkml:ink>
-</file>
-
-<file path=ppt/ink/ink50.xml><?xml version="1.0" encoding="utf-8"?>
+<file path=ppt/ink/ink93.xml><?xml version="1.0" encoding="utf-8"?>
 <inkml:ink xmlns:inkml="http://www.w3.org/2003/InkML">
   <inkml:definitions>
     <inkml:context xml:id="ctx0">
@@ -1697,7 +4537,7 @@
 </inkml:ink>
 </file>
 
-<file path=ppt/ink/ink51.xml><?xml version="1.0" encoding="utf-8"?>
+<file path=ppt/ink/ink94.xml><?xml version="1.0" encoding="utf-8"?>
 <inkml:ink xmlns:inkml="http://www.w3.org/2003/InkML">
   <inkml:definitions>
     <inkml:context xml:id="ctx0">
@@ -1728,7 +4568,7 @@
 </inkml:ink>
 </file>
 
-<file path=ppt/ink/ink52.xml><?xml version="1.0" encoding="utf-8"?>
+<file path=ppt/ink/ink95.xml><?xml version="1.0" encoding="utf-8"?>
 <inkml:ink xmlns:inkml="http://www.w3.org/2003/InkML">
   <inkml:definitions>
     <inkml:context xml:id="ctx0">
@@ -1759,7 +4599,7 @@
 </inkml:ink>
 </file>
 
-<file path=ppt/ink/ink53.xml><?xml version="1.0" encoding="utf-8"?>
+<file path=ppt/ink/ink96.xml><?xml version="1.0" encoding="utf-8"?>
 <inkml:ink xmlns:inkml="http://www.w3.org/2003/InkML">
   <inkml:definitions>
     <inkml:context xml:id="ctx0">
@@ -1790,7 +4630,7 @@
 </inkml:ink>
 </file>
 
-<file path=ppt/ink/ink54.xml><?xml version="1.0" encoding="utf-8"?>
+<file path=ppt/ink/ink97.xml><?xml version="1.0" encoding="utf-8"?>
 <inkml:ink xmlns:inkml="http://www.w3.org/2003/InkML">
   <inkml:definitions>
     <inkml:context xml:id="ctx0">
@@ -1821,7 +4661,7 @@
 </inkml:ink>
 </file>
 
-<file path=ppt/ink/ink55.xml><?xml version="1.0" encoding="utf-8"?>
+<file path=ppt/ink/ink98.xml><?xml version="1.0" encoding="utf-8"?>
 <inkml:ink xmlns:inkml="http://www.w3.org/2003/InkML">
   <inkml:definitions>
     <inkml:context xml:id="ctx0">
@@ -1852,7 +4692,7 @@
 </inkml:ink>
 </file>
 
-<file path=ppt/ink/ink56.xml><?xml version="1.0" encoding="utf-8"?>
+<file path=ppt/ink/ink99.xml><?xml version="1.0" encoding="utf-8"?>
 <inkml:ink xmlns:inkml="http://www.w3.org/2003/InkML">
   <inkml:definitions>
     <inkml:context xml:id="ctx0">
@@ -1880,1468 +4720,6 @@
     </inkml:brush>
   </inkml:definitions>
   <inkml:trace contextRef="#ctx0" brushRef="#br0">4414 10 9530 0 0,'-5'-1'223'0'0,"1"-1"0"0"0,-1 0 0 0 0,0 1 0 0 0,1 0 0 0 0,-1 0-1 0 0,0 1 1 0 0,0-1 0 0 0,0 1 0 0 0,1 0 0 0 0,-1 0 0 0 0,0 0 0 0 0,0 1 0 0 0,0 0 0 0 0,1 0 0 0 0,-1 0 0 0 0,0 0-1 0 0,1 1 1 0 0,-2 1-223 0 0,-14 5 382 0 0,2 2-1 0 0,0 0 0 0 0,-15 10-381 0 0,5-2 296 0 0,-574 366 1950 0 0,14 28-2246 0 0,225-150 342 0 0,-377 282 465 0 0,460-330-274 0 0,-354 277 545 0 0,28 33 105 0 0,280-229-489 0 0,320-291-707 0 0,2 0 9 0 0,0-1-1 0 0,0 1 0 0 0,0 0 1 0 0,1 0-1 0 0,-3 3 5 0 0,5-6-37 0 0,0 1 0 0 0,0-1 0 0 0,1 0 0 0 0,-1 1 0 0 0,1-1-1 0 0,-1 0 1 0 0,1 1 0 0 0,-1-1 0 0 0,1 1 0 0 0,0-1 0 0 0,0 1 0 0 0,0-1 0 0 0,0 1-1 0 0,0-1 1 0 0,0 1 0 0 0,0-1 0 0 0,0 1 0 0 0,1-1 0 0 0,-1 1 0 0 0,0-1 0 0 0,1 0 0 0 0,0 1 36 0 0,0 3-2241 0 0,-2-4-11 0 0,-7-10-2100 0 0,-10-18-2423 0 0,12 9 1396 0 0</inkml:trace>
-</inkml:ink>
-</file>
-
-<file path=ppt/ink/ink57.xml><?xml version="1.0" encoding="utf-8"?>
-<inkml:ink xmlns:inkml="http://www.w3.org/2003/InkML">
-  <inkml:definitions>
-    <inkml:context xml:id="ctx0">
-      <inkml:inkSource xml:id="inkSrc0">
-        <inkml:traceFormat>
-          <inkml:channel name="X" type="integer" min="-2.14748E9" max="2.14748E9" units="cm"/>
-          <inkml:channel name="Y" type="integer" min="-2.14748E9" max="2.14748E9" units="cm"/>
-          <inkml:channel name="F" type="integer" max="32767" units="dev"/>
-          <inkml:channel name="OA" type="integer" max="360" units="deg"/>
-          <inkml:channel name="OE" type="integer" max="90" units="deg"/>
-        </inkml:traceFormat>
-        <inkml:channelProperties>
-          <inkml:channelProperty channel="X" name="resolution" value="1000" units="1/cm"/>
-          <inkml:channelProperty channel="Y" name="resolution" value="1000" units="1/cm"/>
-          <inkml:channelProperty channel="F" name="resolution" value="0" units="1/dev"/>
-          <inkml:channelProperty channel="OA" name="resolution" value="1000" units="1/deg"/>
-          <inkml:channelProperty channel="OE" name="resolution" value="1000" units="1/deg"/>
-        </inkml:channelProperties>
-      </inkml:inkSource>
-      <inkml:timestamp xml:id="ts0" timeString="2020-05-24T04:14:43.922"/>
-    </inkml:context>
-    <inkml:brush xml:id="br0">
-      <inkml:brushProperty name="width" value="0.05" units="cm"/>
-      <inkml:brushProperty name="height" value="0.05" units="cm"/>
-    </inkml:brush>
-  </inkml:definitions>
-  <inkml:trace contextRef="#ctx0" brushRef="#br0">487 3 9002 0 0,'3'-3'2088'0'0,"-2"11"-1352"0"0,-6 13-381 0 0,-18 29 3 0 0,-2 0-1 0 0,-3-2 0 0 0,-20 27-357 0 0,-30 51 638 0 0,-80 192 1207 0 0,65-100-563 0 0,86-201-1153 0 0,3-8-41 0 0,0 0 0 0 0,0 0 0 0 0,1 1 1 0 0,0-1-1 0 0,1 1 0 0 0,0-1 1 0 0,0 1-1 0 0,1 0 0 0 0,0 3-88 0 0,1-12 20 0 0,0-1-1 0 0,1 1 1 0 0,-1 0-1 0 0,0-1 1 0 0,0 1-1 0 0,0 0 1 0 0,0-1-1 0 0,1 1 0 0 0,-1-1 1 0 0,0 1-1 0 0,1 0 1 0 0,-1-1-1 0 0,0 1 1 0 0,1-1-1 0 0,-1 1 1 0 0,1-1-1 0 0,-1 1 1 0 0,1-1-1 0 0,-1 0 1 0 0,1 1-1 0 0,-1-1 1 0 0,1 1-1 0 0,-1-1 1 0 0,1 0-1 0 0,0 0 1 0 0,-1 1-1 0 0,1-1 1 0 0,0 0-1 0 0,-1 0 1 0 0,1 0-1 0 0,0 1 0 0 0,-1-1 1 0 0,1 0-1 0 0,0 0 1 0 0,-1 0-1 0 0,1 0 1 0 0,0 0-1 0 0,-1-1 1 0 0,1 1-1 0 0,0 0-19 0 0,30-9 480 0 0,-25 7-399 0 0,31-11 162 0 0,-6 1-157 0 0,0 1 1 0 0,1 1-1 0 0,1 2 1 0 0,-1 2-1 0 0,1 0 1 0 0,22 1-87 0 0,-3 5 20 0 0,52 8-20 0 0,127 29 197 0 0,-126-17-4362 0 0,93 4 4165 0 0,-169-23-2184 0 0,-1-2 0 0 0,0-1 0 0 0,16-3 2184 0 0,29-4-6918 0 0</inkml:trace>
-</inkml:ink>
-</file>
-
-<file path=ppt/ink/ink58.xml><?xml version="1.0" encoding="utf-8"?>
-<inkml:ink xmlns:inkml="http://www.w3.org/2003/InkML">
-  <inkml:definitions>
-    <inkml:context xml:id="ctx0">
-      <inkml:inkSource xml:id="inkSrc0">
-        <inkml:traceFormat>
-          <inkml:channel name="X" type="integer" min="-2.14748E9" max="2.14748E9" units="cm"/>
-          <inkml:channel name="Y" type="integer" min="-2.14748E9" max="2.14748E9" units="cm"/>
-          <inkml:channel name="F" type="integer" max="32767" units="dev"/>
-          <inkml:channel name="OA" type="integer" max="360" units="deg"/>
-          <inkml:channel name="OE" type="integer" max="90" units="deg"/>
-        </inkml:traceFormat>
-        <inkml:channelProperties>
-          <inkml:channelProperty channel="X" name="resolution" value="1000" units="1/cm"/>
-          <inkml:channelProperty channel="Y" name="resolution" value="1000" units="1/cm"/>
-          <inkml:channelProperty channel="F" name="resolution" value="0" units="1/dev"/>
-          <inkml:channelProperty channel="OA" name="resolution" value="1000" units="1/deg"/>
-          <inkml:channelProperty channel="OE" name="resolution" value="1000" units="1/deg"/>
-        </inkml:channelProperties>
-      </inkml:inkSource>
-      <inkml:timestamp xml:id="ts0" timeString="2020-05-24T04:14:44.672"/>
-    </inkml:context>
-    <inkml:brush xml:id="br0">
-      <inkml:brushProperty name="width" value="0.05" units="cm"/>
-      <inkml:brushProperty name="height" value="0.05" units="cm"/>
-    </inkml:brush>
-  </inkml:definitions>
-  <inkml:trace contextRef="#ctx0" brushRef="#br0">56 0 9210 0 0,'-3'2'159'0'0,"0"-1"1"0"0,-1 1-1 0 0,1-1 0 0 0,0 1 0 0 0,0 0 1 0 0,1 0-1 0 0,-1 0 0 0 0,0 1 1 0 0,1-1-1 0 0,-1 1 0 0 0,1-1 0 0 0,0 1 1 0 0,0 0-1 0 0,0 0 0 0 0,0 0 1 0 0,0 0-1 0 0,1 0 0 0 0,-1 0 0 0 0,1 1 1 0 0,0-1-1 0 0,0 0 0 0 0,0 1 0 0 0,0-1 1 0 0,1 4-160 0 0,-2 9 309 0 0,1 0 0 0 0,0 0-1 0 0,1 0 1 0 0,3 14-309 0 0,-3-30 8 0 0,6 58 322 0 0,2 0 0 0 0,3-1-1 0 0,3 0 1 0 0,2-1-1 0 0,16 36-329 0 0,-2-21 271 0 0,2-1 0 0 0,4-2-1 0 0,3-2 1 0 0,4 1-271 0 0,23 27 381 0 0,5-2 0 0 0,34 29-381 0 0,26 17 686 0 0,12-1-686 0 0,-3-15 474 0 0,5-7 0 0 0,9-3-474 0 0,315 198 1113 0 0,119 86-90 0 0,-381-235-520 0 0,41 53-503 0 0,-236-203 35 0 0,2 0 10 0 0,-2 0 1 0 0,1 2-1 0 0,-2-1 1 0 0,0 1 0 0 0,0 1-1 0 0,5 9-45 0 0,-16-23 19 0 0,0 1 0 0 0,0-1 0 0 0,1 0 0 0 0,-1 0 0 0 0,0 1 0 0 0,0-1 0 0 0,0 0 0 0 0,0 1 0 0 0,0-1 0 0 0,0 0 0 0 0,0 0 0 0 0,0 1 0 0 0,1-1 0 0 0,-1 0 0 0 0,0 1 0 0 0,0-1 0 0 0,0 0 0 0 0,-1 1 0 0 0,1-1 0 0 0,0 0 0 0 0,0 0 0 0 0,0 1 0 0 0,0-1 0 0 0,0 0 0 0 0,0 1 0 0 0,0-1 0 0 0,0 0 0 0 0,-1 0 0 0 0,1 1 0 0 0,0-1 0 0 0,0 0 0 0 0,0 0 0 0 0,0 0 0 0 0,-1 1 0 0 0,1-1 0 0 0,0 0 0 0 0,0 0 0 0 0,-1 0 0 0 0,1 1 0 0 0,0-1 0 0 0,0 0 0 0 0,-1 0-19 0 0,1 1 268 0 0,9 1-291 0 0,-4-1 47 0 0,0 0 0 0 0,0-1-1 0 0,0 0 1 0 0,0 0 0 0 0,0 0 0 0 0,0 0 0 0 0,0-1 0 0 0,0 0-1 0 0,0 0 1 0 0,0-1 0 0 0,-1 1 0 0 0,1-1 0 0 0,0 0 0 0 0,-1 0-1 0 0,3-1-23 0 0,-4-3-271 0 0,0 1-1 0 0,0 0 0 0 0,0-1 0 0 0,0 1 1 0 0,-1-1-1 0 0,0 0 0 0 0,0 1 0 0 0,-1-1 1 0 0,0 0-1 0 0,0 0 0 0 0,0-1 272 0 0,2-10-779 0 0,-2 15 691 0 0,11-54-3376 0 0,-2-1-4047 0 0,-7 33 1569 0 0</inkml:trace>
-</inkml:ink>
-</file>
-
-<file path=ppt/ink/ink59.xml><?xml version="1.0" encoding="utf-8"?>
-<inkml:ink xmlns:inkml="http://www.w3.org/2003/InkML">
-  <inkml:definitions>
-    <inkml:context xml:id="ctx0">
-      <inkml:inkSource xml:id="inkSrc0">
-        <inkml:traceFormat>
-          <inkml:channel name="X" type="integer" min="-2.14748E9" max="2.14748E9" units="cm"/>
-          <inkml:channel name="Y" type="integer" min="-2.14748E9" max="2.14748E9" units="cm"/>
-          <inkml:channel name="F" type="integer" max="32767" units="dev"/>
-          <inkml:channel name="OA" type="integer" max="360" units="deg"/>
-          <inkml:channel name="OE" type="integer" max="90" units="deg"/>
-        </inkml:traceFormat>
-        <inkml:channelProperties>
-          <inkml:channelProperty channel="X" name="resolution" value="1000" units="1/cm"/>
-          <inkml:channelProperty channel="Y" name="resolution" value="1000" units="1/cm"/>
-          <inkml:channelProperty channel="F" name="resolution" value="0" units="1/dev"/>
-          <inkml:channelProperty channel="OA" name="resolution" value="1000" units="1/deg"/>
-          <inkml:channelProperty channel="OE" name="resolution" value="1000" units="1/deg"/>
-        </inkml:channelProperties>
-      </inkml:inkSource>
-      <inkml:timestamp xml:id="ts0" timeString="2020-05-24T04:14:45.086"/>
-    </inkml:context>
-    <inkml:brush xml:id="br0">
-      <inkml:brushProperty name="width" value="0.05" units="cm"/>
-      <inkml:brushProperty name="height" value="0.05" units="cm"/>
-    </inkml:brush>
-  </inkml:definitions>
-  <inkml:trace contextRef="#ctx0" brushRef="#br0">274 0 7810 0 0,'-2'1'180'0'0,"0"-1"1"0"0,1 1 0 0 0,-1 0 0 0 0,0-1 0 0 0,1 1 0 0 0,-1 0-1 0 0,1 0 1 0 0,-1 0 0 0 0,1 0 0 0 0,0 0 0 0 0,-1 0-1 0 0,1 1 1 0 0,0-1 0 0 0,0 0 0 0 0,0 1 0 0 0,0-1-1 0 0,0 0 1 0 0,0 1 0 0 0,0 0 0 0 0,0-1 0 0 0,1 1 0 0 0,-1-1-1 0 0,0 1 1 0 0,1 0 0 0 0,0-1 0 0 0,-1 2-181 0 0,1 0 104 0 0,1-1-1 0 0,-1 1 1 0 0,1 0 0 0 0,0 0 0 0 0,-1 0-1 0 0,1-1 1 0 0,0 1 0 0 0,1 0 0 0 0,-1-1-1 0 0,0 1 1 0 0,1-1 0 0 0,-1 1 0 0 0,1-1-1 0 0,0 0 1 0 0,0 0 0 0 0,0 1-104 0 0,21 22 291 0 0,1-1-1 0 0,1-1 1 0 0,1-2 0 0 0,9 6-291 0 0,115 72 180 0 0,-2-3 702 0 0,-145-93-833 0 0,5 2 103 0 0,-1 1 1 0 0,0 0 0 0 0,0 0-1 0 0,2 3-152 0 0,-7-7 72 0 0,-1-1 0 0 0,0 1-1 0 0,1-1 1 0 0,-1 1 0 0 0,0 0-1 0 0,0 0 1 0 0,0 0 0 0 0,0-1-1 0 0,-1 1 1 0 0,1 0 0 0 0,0 0-1 0 0,-1 0 1 0 0,1 0 0 0 0,-1 0-1 0 0,0 0 1 0 0,0 0 0 0 0,0 1-1 0 0,0-1 1 0 0,0 0 0 0 0,0 0-1 0 0,0 0 1 0 0,-1 1-72 0 0,-5 12 223 0 0,0 1 0 0 0,-1-1 0 0 0,0 0 0 0 0,-2-1 0 0 0,1 0 1 0 0,-2 0-1 0 0,0-1 0 0 0,0 0 0 0 0,-8 6-223 0 0,-12 10 209 0 0,-1 0 0 0 0,-2-2 0 0 0,-7 3-209 0 0,-274 189-1207 0 0,210-146-1622 0 0,35-30-2725 0 0,33-21-1994 0 0</inkml:trace>
-</inkml:ink>
-</file>
-
-<file path=ppt/ink/ink6.xml><?xml version="1.0" encoding="utf-8"?>
-<inkml:ink xmlns:inkml="http://www.w3.org/2003/InkML">
-  <inkml:definitions>
-    <inkml:context xml:id="ctx0">
-      <inkml:inkSource xml:id="inkSrc0">
-        <inkml:traceFormat>
-          <inkml:channel name="X" type="integer" min="-2.14748E9" max="2.14748E9" units="cm"/>
-          <inkml:channel name="Y" type="integer" min="-2.14748E9" max="2.14748E9" units="cm"/>
-          <inkml:channel name="F" type="integer" max="32767" units="dev"/>
-          <inkml:channel name="OA" type="integer" max="360" units="deg"/>
-          <inkml:channel name="OE" type="integer" max="90" units="deg"/>
-        </inkml:traceFormat>
-        <inkml:channelProperties>
-          <inkml:channelProperty channel="X" name="resolution" value="1000" units="1/cm"/>
-          <inkml:channelProperty channel="Y" name="resolution" value="1000" units="1/cm"/>
-          <inkml:channelProperty channel="F" name="resolution" value="0" units="1/dev"/>
-          <inkml:channelProperty channel="OA" name="resolution" value="1000" units="1/deg"/>
-          <inkml:channelProperty channel="OE" name="resolution" value="1000" units="1/deg"/>
-        </inkml:channelProperties>
-      </inkml:inkSource>
-      <inkml:timestamp xml:id="ts0" timeString="2020-05-24T04:17:35.770"/>
-    </inkml:context>
-    <inkml:brush xml:id="br0">
-      <inkml:brushProperty name="width" value="0.05" units="cm"/>
-      <inkml:brushProperty name="height" value="0.05" units="cm"/>
-    </inkml:brush>
-  </inkml:definitions>
-  <inkml:trace contextRef="#ctx0" brushRef="#br0">49 238 13947 0 0,'-48'-69'1375'0'0,"48"69"-1378"0"0,0-1 0 0 0,0 1 0 0 0,0-1 0 0 0,0 1 0 0 0,0-1 0 0 0,0 1-1 0 0,0-1 1 0 0,1 1 0 0 0,-1 0 0 0 0,0-1 0 0 0,0 1 0 0 0,0-1 0 0 0,1 1 0 0 0,-1 0 0 0 0,0-1 0 0 0,1 1 0 0 0,-1-1 0 0 0,0 1 0 0 0,1 0 0 0 0,-1 0 0 0 0,0-1-1 0 0,1 1 1 0 0,-1 0 0 0 0,1 0 0 0 0,-1-1 0 0 0,1 1 0 0 0,-1 0 0 0 0,1 0 0 0 0,-1 0 0 0 0,0 0 0 0 0,1 0 0 0 0,-1 0 0 0 0,1 0 0 0 0,-1 0 0 0 0,1 0-1 0 0,-1 0 1 0 0,1 0 0 0 0,-1 0 3 0 0,29-5-153 0 0,-23 4 139 0 0,107-17 31 0 0,192-29 297 0 0,22 12-314 0 0,121 13 1258 0 0,-60 5 5 0 0,-333 10-1113 0 0,10 0 114 0 0,-136 13-2912 0 0,27 1-6952 0 0,-16 7 9600 0 0,23-5-6048 0 0</inkml:trace>
-</inkml:ink>
-</file>
-
-<file path=ppt/ink/ink60.xml><?xml version="1.0" encoding="utf-8"?>
-<inkml:ink xmlns:inkml="http://www.w3.org/2003/InkML">
-  <inkml:definitions>
-    <inkml:context xml:id="ctx0">
-      <inkml:inkSource xml:id="inkSrc0">
-        <inkml:traceFormat>
-          <inkml:channel name="X" type="integer" min="-2.14748E9" max="2.14748E9" units="cm"/>
-          <inkml:channel name="Y" type="integer" min="-2.14748E9" max="2.14748E9" units="cm"/>
-          <inkml:channel name="F" type="integer" max="32767" units="dev"/>
-          <inkml:channel name="OA" type="integer" max="360" units="deg"/>
-          <inkml:channel name="OE" type="integer" max="90" units="deg"/>
-        </inkml:traceFormat>
-        <inkml:channelProperties>
-          <inkml:channelProperty channel="X" name="resolution" value="1000" units="1/cm"/>
-          <inkml:channelProperty channel="Y" name="resolution" value="1000" units="1/cm"/>
-          <inkml:channelProperty channel="F" name="resolution" value="0" units="1/dev"/>
-          <inkml:channelProperty channel="OA" name="resolution" value="1000" units="1/deg"/>
-          <inkml:channelProperty channel="OE" name="resolution" value="1000" units="1/deg"/>
-        </inkml:channelProperties>
-      </inkml:inkSource>
-      <inkml:timestamp xml:id="ts0" timeString="2020-05-24T04:14:45.734"/>
-    </inkml:context>
-    <inkml:brush xml:id="br0">
-      <inkml:brushProperty name="width" value="0.05" units="cm"/>
-      <inkml:brushProperty name="height" value="0.05" units="cm"/>
-    </inkml:brush>
-  </inkml:definitions>
-  <inkml:trace contextRef="#ctx0" brushRef="#br0">3170 52 6737 0 0,'0'-5'409'0'0,"-1"1"-1"0"0,0-1 0 0 0,0 0 1 0 0,0 1-1 0 0,-1-1 0 0 0,0 1 0 0 0,1 0 1 0 0,-3-3-409 0 0,4 6 66 0 0,-1 1 1 0 0,1-1 0 0 0,-1 0 0 0 0,1 1 0 0 0,-1-1 0 0 0,1 1-1 0 0,-1-1 1 0 0,0 1 0 0 0,1-1 0 0 0,-1 1 0 0 0,1 0-1 0 0,-1-1 1 0 0,0 1 0 0 0,0 0 0 0 0,1-1 0 0 0,-1 1-1 0 0,0 0 1 0 0,0 0 0 0 0,1 0 0 0 0,-1 0 0 0 0,0 0 0 0 0,0 0-67 0 0,-1 0 79 0 0,1 0 1 0 0,-1 1 0 0 0,0-1-1 0 0,0 1 1 0 0,1-1 0 0 0,-1 1-1 0 0,0 0 1 0 0,1 0 0 0 0,-1 0-1 0 0,1 0 1 0 0,-1 0 0 0 0,1 0-1 0 0,-2 1-79 0 0,-14 15 158 0 0,0 1 1 0 0,1 1-1 0 0,1 0 0 0 0,1 1 0 0 0,-1 3-158 0 0,-18 25 107 0 0,-47 59 9 0 0,-571 795 2414 0 0,247-355-1384 0 0,-109 162-595 0 0,-80 224-149 0 0,555-873-390 0 0,-109 183 29 0 0,-148 223-22 0 0,221-366 44 0 0,32-44-4 0 0,2 1 0 0 0,3 2 0 0 0,-5 13-59 0 0,40-68-44 0 0,0 0-65 0 0,0 1-1 0 0,0-1 1 0 0,0 0 0 0 0,0 0 0 0 0,-1 0 0 0 0,0-1 0 0 0,-3 4 109 0 0,6-7-113 0 0,0 0 0 0 0,-1 1 1 0 0,1-1-1 0 0,0 0 0 0 0,-1 0 1 0 0,1 0-1 0 0,0 0 0 0 0,-1 0 1 0 0,1 0-1 0 0,0 0 0 0 0,0 0 1 0 0,-1 0-1 0 0,1 0 0 0 0,0 0 1 0 0,-1 0-1 0 0,1 0 0 0 0,0 0 1 0 0,-1 0-1 0 0,1 0 0 0 0,0-1 1 0 0,0 1-1 0 0,-1 0 0 0 0,1 0 1 0 0,0 0-1 0 0,-1 0 0 0 0,1 0 1 0 0,0-1-1 0 0,0 1 0 0 0,0 0 1 0 0,-1 0-1 0 0,1-1 0 0 0,0 1 1 0 0,0 0-1 0 0,0 0 0 0 0,-1-1 1 0 0,1 1-1 0 0,0 0 0 0 0,0 0 1 0 0,0-1-1 0 0,0 1 0 0 0,0 0 1 0 0,0-1-1 0 0,0 1 0 0 0,0 0 1 0 0,0-1-1 0 0,0 1 0 0 0,0 0 1 0 0,0 0-1 0 0,0-1 0 0 0,0 1 113 0 0,-1-18-3611 0 0,4 0 893 0 0,3-4-2223 0 0</inkml:trace>
-</inkml:ink>
-</file>
-
-<file path=ppt/ink/ink61.xml><?xml version="1.0" encoding="utf-8"?>
-<inkml:ink xmlns:inkml="http://www.w3.org/2003/InkML">
-  <inkml:definitions>
-    <inkml:context xml:id="ctx0">
-      <inkml:inkSource xml:id="inkSrc0">
-        <inkml:traceFormat>
-          <inkml:channel name="X" type="integer" min="-2.14748E9" max="2.14748E9" units="cm"/>
-          <inkml:channel name="Y" type="integer" min="-2.14748E9" max="2.14748E9" units="cm"/>
-          <inkml:channel name="F" type="integer" max="32767" units="dev"/>
-          <inkml:channel name="OA" type="integer" max="360" units="deg"/>
-          <inkml:channel name="OE" type="integer" max="90" units="deg"/>
-        </inkml:traceFormat>
-        <inkml:channelProperties>
-          <inkml:channelProperty channel="X" name="resolution" value="1000" units="1/cm"/>
-          <inkml:channelProperty channel="Y" name="resolution" value="1000" units="1/cm"/>
-          <inkml:channelProperty channel="F" name="resolution" value="0" units="1/dev"/>
-          <inkml:channelProperty channel="OA" name="resolution" value="1000" units="1/deg"/>
-          <inkml:channelProperty channel="OE" name="resolution" value="1000" units="1/deg"/>
-        </inkml:channelProperties>
-      </inkml:inkSource>
-      <inkml:timestamp xml:id="ts0" timeString="2020-05-24T04:14:46.087"/>
-    </inkml:context>
-    <inkml:brush xml:id="br0">
-      <inkml:brushProperty name="width" value="0.05" units="cm"/>
-      <inkml:brushProperty name="height" value="0.05" units="cm"/>
-    </inkml:brush>
-  </inkml:definitions>
-  <inkml:trace contextRef="#ctx0" brushRef="#br0">177 56 6209 0 0,'0'-4'391'0'0,"-1"-3"391"0"0,-1 1 0 0 0,1 0 0 0 0,-1 0 1 0 0,0-1-1 0 0,-1-2-782 0 0,2 8 106 0 0,1 1-1 0 0,0-1 1 0 0,-1 0 0 0 0,1 1-1 0 0,-1-1 1 0 0,1 1 0 0 0,-1-1-1 0 0,1 0 1 0 0,-1 1 0 0 0,1-1 0 0 0,-1 1-1 0 0,1 0 1 0 0,-1-1 0 0 0,0 1-1 0 0,1-1 1 0 0,-1 1 0 0 0,0 0 0 0 0,1-1-1 0 0,-1 1 1 0 0,0 0-106 0 0,0 0 78 0 0,0 0 0 0 0,0 0 0 0 0,0 0 0 0 0,0 0 0 0 0,0 1 0 0 0,0-1 0 0 0,1 0 0 0 0,-1 1 0 0 0,0-1 0 0 0,0 1 0 0 0,0-1 0 0 0,0 1 0 0 0,1-1 0 0 0,-1 1 0 0 0,0-1-1 0 0,0 1 1 0 0,1 0 0 0 0,-1-1 0 0 0,0 1 0 0 0,0 1-78 0 0,-4 5 140 0 0,-1 0 0 0 0,1 1 0 0 0,1-1 0 0 0,-1 1 0 0 0,2 0-1 0 0,-1 1 1 0 0,1-1 0 0 0,-3 9-140 0 0,-2 17 284 0 0,-4 24-284 0 0,6-26 123 0 0,-24 134 1740 0 0,-7 169-1863 0 0,36-319 128 0 0,0 1 0 0 0,1-1 0 0 0,1 1 0 0 0,1 0 0 0 0,0-1 0 0 0,2 0 0 0 0,0 4-128 0 0,-1-12 39 0 0,-1-1 0 0 0,1 1 0 0 0,1-1-1 0 0,-1 0 1 0 0,1 0 0 0 0,0 0 0 0 0,1-1 0 0 0,0 0 0 0 0,0 0 0 0 0,0 0-1 0 0,1 0 1 0 0,-1-1 0 0 0,1 0 0 0 0,1 0 0 0 0,-1 0 0 0 0,2 0-39 0 0,11 5 64 0 0,1-1 0 0 0,0 0 1 0 0,0-1-1 0 0,1-2 0 0 0,0 0 0 0 0,0-1 1 0 0,1-1-1 0 0,20 1-64 0 0,29-1 190 0 0,0-2-1 0 0,4-4-189 0 0,191-1-199 0 0,-89 10-2993 0 0,-147-7 412 0 0,1 0 0 0 0,0-2-1 0 0,17-3 2781 0 0,4-1-6612 0 0</inkml:trace>
-</inkml:ink>
-</file>
-
-<file path=ppt/ink/ink62.xml><?xml version="1.0" encoding="utf-8"?>
-<inkml:ink xmlns:inkml="http://www.w3.org/2003/InkML">
-  <inkml:definitions>
-    <inkml:context xml:id="ctx0">
-      <inkml:inkSource xml:id="inkSrc0">
-        <inkml:traceFormat>
-          <inkml:channel name="X" type="integer" min="-2.14748E9" max="2.14748E9" units="cm"/>
-          <inkml:channel name="Y" type="integer" min="-2.14748E9" max="2.14748E9" units="cm"/>
-          <inkml:channel name="F" type="integer" max="32767" units="dev"/>
-          <inkml:channel name="OA" type="integer" max="360" units="deg"/>
-          <inkml:channel name="OE" type="integer" max="90" units="deg"/>
-        </inkml:traceFormat>
-        <inkml:channelProperties>
-          <inkml:channelProperty channel="X" name="resolution" value="1000" units="1/cm"/>
-          <inkml:channelProperty channel="Y" name="resolution" value="1000" units="1/cm"/>
-          <inkml:channelProperty channel="F" name="resolution" value="0" units="1/dev"/>
-          <inkml:channelProperty channel="OA" name="resolution" value="1000" units="1/deg"/>
-          <inkml:channelProperty channel="OE" name="resolution" value="1000" units="1/deg"/>
-        </inkml:channelProperties>
-      </inkml:inkSource>
-      <inkml:timestamp xml:id="ts0" timeString="2020-05-24T04:14:46.890"/>
-    </inkml:context>
-    <inkml:brush xml:id="br0">
-      <inkml:brushProperty name="width" value="0.05" units="cm"/>
-      <inkml:brushProperty name="height" value="0.05" units="cm"/>
-    </inkml:brush>
-  </inkml:definitions>
-  <inkml:trace contextRef="#ctx0" brushRef="#br0">53 183 5865 0 0,'-28'-98'3520'0'0,"4"13"657"0"0,31 118-17 0 0,9 59-3382 0 0,-5-28-201 0 0,77 368 447 0 0,19-5 0 0 0,19-5 0 0 0,60 105-1024 0 0,217 534 370 0 0,-234-563-616 0 0,-126-344-570 0 0,-8 1 1 0 0,1 47 815 0 0,-34-192-54 0 0,1 11-290 0 0,0 1 1 0 0,-2-1 0 0 0,0 20 343 0 0,-1-40-40 0 0,0-1 1 0 0,0 0 0 0 0,0 1 0 0 0,0-1-1 0 0,0 0 1 0 0,0 1 0 0 0,-1-1 0 0 0,1 0-1 0 0,0 1 1 0 0,0-1 0 0 0,0 0 0 0 0,0 0 0 0 0,0 1-1 0 0,0-1 1 0 0,-1 0 0 0 0,1 1 0 0 0,0-1-1 0 0,0 0 1 0 0,0 0 0 0 0,-1 1 0 0 0,1-1-1 0 0,0 0 1 0 0,0 0 0 0 0,-1 0 0 0 0,1 1-1 0 0,0-1 1 0 0,0 0 0 0 0,-1 0 0 0 0,1 0 0 0 0,0 0-1 0 0,-1 0 1 0 0,1 0 0 0 0,0 1 0 0 0,-1-1-1 0 0,1 0 1 0 0,0 0 0 0 0,0 0 0 0 0,-1 0-1 0 0,1 0 1 0 0,0 0 0 0 0,-1 0 0 0 0,1 0 0 0 0,-1-1 39 0 0,-17-8-1183 0 0,-16-20-443 0 0,1-14 233 0 0,1-2-1 0 0,2-2 1 0 0,2 0-1 0 0,-11-30 1394 0 0,-35-58-1310 0 0,55 103 1111 0 0,-2 0 1 0 0,-1 2 0 0 0,-5-4 198 0 0,19 25 132 0 0,-1 0 0 0 0,0 0 0 0 0,0 1 0 0 0,-1 0 1 0 0,0 0-1 0 0,0 1 0 0 0,-1 1 0 0 0,0 0 0 0 0,0 0 0 0 0,-1 1 1 0 0,-3-1-133 0 0,10 4 230 0 0,0 1 1 0 0,0 0 0 0 0,0 0 0 0 0,0 1-1 0 0,0-1 1 0 0,0 1 0 0 0,0 0-1 0 0,-1 0 1 0 0,1 1 0 0 0,0 0 0 0 0,-1 0-231 0 0,4-1 95 0 0,1 1 0 0 0,-1-1 1 0 0,1 1-1 0 0,0-1 1 0 0,-1 1-1 0 0,1-1 1 0 0,0 1-1 0 0,-1 0 0 0 0,1 0 1 0 0,0 0-1 0 0,0 0 1 0 0,0-1-1 0 0,-1 2 0 0 0,1-1 1 0 0,0 0-1 0 0,1 0 1 0 0,-1 0-1 0 0,0 0 1 0 0,0 1-1 0 0,0-1 0 0 0,1 0 1 0 0,-1 1-1 0 0,1-1 1 0 0,-1 0-1 0 0,1 1 1 0 0,-1-1-1 0 0,1 1 0 0 0,0-1 1 0 0,0 1-1 0 0,0-1 1 0 0,0 1-1 0 0,0-1 0 0 0,0 1 1 0 0,0-1-1 0 0,0 1 1 0 0,0-1-1 0 0,1 0 1 0 0,-1 2-96 0 0,12 35 733 0 0,1 0 1 0 0,1-1 0 0 0,16 28-734 0 0,8 17 340 0 0,-5-5 162 0 0,11 14-502 0 0,-26-58 118 0 0,2 0 1 0 0,1-2 0 0 0,21 25-119 0 0,-38-50 58 0 0,1-1-1 0 0,0 0 1 0 0,1 0-1 0 0,-1 0 1 0 0,1 0 0 0 0,0-1-1 0 0,0 0 1 0 0,1 0-1 0 0,-1 0 1 0 0,1-1 0 0 0,0 0-1 0 0,0-1 1 0 0,0 1-1 0 0,0-1 1 0 0,0-1 0 0 0,0 1-1 0 0,0-1 1 0 0,1-1-1 0 0,-1 1 1 0 0,1-1 0 0 0,-1 0-1 0 0,0-1 1 0 0,1 0-1 0 0,-1 0 1 0 0,0 0 0 0 0,0-1-1 0 0,0 0 1 0 0,0-1-1 0 0,0 1 1 0 0,0-1 0 0 0,2-2-58 0 0,10-5 131 0 0,1-2 1 0 0,-2 0-1 0 0,1-1 0 0 0,-2-1 1 0 0,0-1-1 0 0,0 0 1 0 0,-2-1-1 0 0,0-1 1 0 0,-1 0-1 0 0,2-3-131 0 0,23-39-756 0 0,-3-1 0 0 0,17-38 756 0 0,-15 26-5091 0 0,29-39 5091 0 0,13-22-7503 0 0,-69 119 5230 0 0,1 1 1 0 0,0 0-1 0 0,7-5 2273 0 0</inkml:trace>
-</inkml:ink>
-</file>
-
-<file path=ppt/ink/ink63.xml><?xml version="1.0" encoding="utf-8"?>
-<inkml:ink xmlns:inkml="http://www.w3.org/2003/InkML">
-  <inkml:definitions>
-    <inkml:context xml:id="ctx0">
-      <inkml:inkSource xml:id="inkSrc0">
-        <inkml:traceFormat>
-          <inkml:channel name="X" type="integer" min="-2.14748E9" max="2.14748E9" units="cm"/>
-          <inkml:channel name="Y" type="integer" min="-2.14748E9" max="2.14748E9" units="cm"/>
-          <inkml:channel name="F" type="integer" max="32767" units="dev"/>
-          <inkml:channel name="OA" type="integer" max="360" units="deg"/>
-          <inkml:channel name="OE" type="integer" max="90" units="deg"/>
-        </inkml:traceFormat>
-        <inkml:channelProperties>
-          <inkml:channelProperty channel="X" name="resolution" value="1000" units="1/cm"/>
-          <inkml:channelProperty channel="Y" name="resolution" value="1000" units="1/cm"/>
-          <inkml:channelProperty channel="F" name="resolution" value="0" units="1/dev"/>
-          <inkml:channelProperty channel="OA" name="resolution" value="1000" units="1/deg"/>
-          <inkml:channelProperty channel="OE" name="resolution" value="1000" units="1/deg"/>
-        </inkml:channelProperties>
-      </inkml:inkSource>
-      <inkml:timestamp xml:id="ts0" timeString="2020-05-24T04:14:47.686"/>
-    </inkml:context>
-    <inkml:brush xml:id="br0">
-      <inkml:brushProperty name="width" value="0.05" units="cm"/>
-      <inkml:brushProperty name="height" value="0.05" units="cm"/>
-    </inkml:brush>
-  </inkml:definitions>
-  <inkml:trace contextRef="#ctx0" brushRef="#br0">8 11 12475 0 0,'-7'-9'569'0'0,"7"7"-181"0"0,18 10-2 0 0,28 20-46 0 0,6 11-108 0 0,-2 3 1 0 0,-1 2 0 0 0,39 46-233 0 0,119 158 200 0 0,-172-204-122 0 0,491 595 128 0 0,-297-383-125 0 0,113 89-81 0 0,84 33 489 0 0,164 93-489 0 0,-267-239-2003 0 0,112 49 2003 0 0,357 181-3236 0 0,-333-199 2378 0 0,427 254 4335 0 0,-503-262-2039 0 0,-351-233-1358 0 0,-23-16-75 0 0,-4-2-19 0 0,0 0-1 0 0,0-1 1 0 0,0 0 0 0 0,0 0-1 0 0,1 0 1 0 0,-1-1-1 0 0,2 0 15 0 0,-17-10-375 0 0,0-1 0 0 0,1-1 0 0 0,-6-8 375 0 0,11 14-193 0 0,-4-7-780 0 0,0 0 1 0 0,0 0 0 0 0,1-1 0 0 0,0 0 0 0 0,1 0 0 0 0,0-1 0 0 0,1 1 0 0 0,0-4 972 0 0,4-4-5329 0 0</inkml:trace>
-</inkml:ink>
-</file>
-
-<file path=ppt/ink/ink64.xml><?xml version="1.0" encoding="utf-8"?>
-<inkml:ink xmlns:inkml="http://www.w3.org/2003/InkML">
-  <inkml:definitions>
-    <inkml:context xml:id="ctx0">
-      <inkml:inkSource xml:id="inkSrc0">
-        <inkml:traceFormat>
-          <inkml:channel name="X" type="integer" min="-2.14748E9" max="2.14748E9" units="cm"/>
-          <inkml:channel name="Y" type="integer" min="-2.14748E9" max="2.14748E9" units="cm"/>
-          <inkml:channel name="F" type="integer" max="32767" units="dev"/>
-          <inkml:channel name="OA" type="integer" max="360" units="deg"/>
-          <inkml:channel name="OE" type="integer" max="90" units="deg"/>
-        </inkml:traceFormat>
-        <inkml:channelProperties>
-          <inkml:channelProperty channel="X" name="resolution" value="1000" units="1/cm"/>
-          <inkml:channelProperty channel="Y" name="resolution" value="1000" units="1/cm"/>
-          <inkml:channelProperty channel="F" name="resolution" value="0" units="1/dev"/>
-          <inkml:channelProperty channel="OA" name="resolution" value="1000" units="1/deg"/>
-          <inkml:channelProperty channel="OE" name="resolution" value="1000" units="1/deg"/>
-        </inkml:channelProperties>
-      </inkml:inkSource>
-      <inkml:timestamp xml:id="ts0" timeString="2020-05-24T04:14:48.022"/>
-    </inkml:context>
-    <inkml:brush xml:id="br0">
-      <inkml:brushProperty name="width" value="0.05" units="cm"/>
-      <inkml:brushProperty name="height" value="0.05" units="cm"/>
-    </inkml:brush>
-  </inkml:definitions>
-  <inkml:trace contextRef="#ctx0" brushRef="#br0">777 0 7994 0 0,'-10'5'255'0'0,"0"-1"0"0"0,1 2 1 0 0,-8 4-256 0 0,14-8 10 0 0,1 0-1 0 0,-1 0 1 0 0,0 0 0 0 0,1 1 0 0 0,-1-1 0 0 0,1 1-1 0 0,0-1 1 0 0,0 1 0 0 0,0 0 0 0 0,0 0 0 0 0,1 0-1 0 0,-1 0 1 0 0,0 2-10 0 0,2-4 0 0 0,-1 1-1 0 0,1-1 0 0 0,0 1 1 0 0,0-1-1 0 0,0 1 0 0 0,0-1 1 0 0,0 1-1 0 0,1-1 0 0 0,-1 1 0 0 0,0-1 1 0 0,1 1-1 0 0,-1-1 0 0 0,1 0 1 0 0,-1 1-1 0 0,1-1 0 0 0,0 0 1 0 0,-1 1-1 0 0,1-1 0 0 0,0 0 1 0 0,1 1 0 0 0,22 23-26 0 0,-16-17 27 0 0,28 24 902 0 0,1-2 0 0 0,2-1 0 0 0,41 22-903 0 0,-25-16 451 0 0,-17-10-96 0 0,7 4 1042 0 0,-1 2 1 0 0,26 24-1398 0 0,-69-54 100 0 0,0 0-1 0 0,0 0 0 0 0,-1 0 1 0 0,1 0-1 0 0,0 0 0 0 0,-1 0 1 0 0,1 0-1 0 0,0 0 0 0 0,-1 0 1 0 0,1 0-1 0 0,-1 0 0 0 0,0 1 1 0 0,1-1-1 0 0,-1 0 0 0 0,0 0 1 0 0,0 0-1 0 0,0 1 0 0 0,0-1 1 0 0,0 0-1 0 0,0 0 0 0 0,0 1 1 0 0,0-1-1 0 0,0 0 1 0 0,-1 0-1 0 0,1 0 0 0 0,0 1 1 0 0,-1-1-1 0 0,1 0 0 0 0,-1 0 1 0 0,1 0-1 0 0,-1 0 0 0 0,0 0-99 0 0,-3 6 203 0 0,-1 0-1 0 0,0-1 0 0 0,0 0 0 0 0,-6 6-202 0 0,2-2 174 0 0,-62 66 263 0 0,-4-4-1 0 0,-16 10-436 0 0,-172 123-12 0 0,165-138-1582 0 0,-2-5 0 0 0,-21 6 1594 0 0,-103 43-7467 0 0,118-62 140 0 0</inkml:trace>
-</inkml:ink>
-</file>
-
-<file path=ppt/ink/ink65.xml><?xml version="1.0" encoding="utf-8"?>
-<inkml:ink xmlns:inkml="http://www.w3.org/2003/InkML">
-  <inkml:definitions>
-    <inkml:context xml:id="ctx0">
-      <inkml:inkSource xml:id="inkSrc0">
-        <inkml:traceFormat>
-          <inkml:channel name="X" type="integer" min="-2.14748E9" max="2.14748E9" units="cm"/>
-          <inkml:channel name="Y" type="integer" min="-2.14748E9" max="2.14748E9" units="cm"/>
-          <inkml:channel name="F" type="integer" max="32767" units="dev"/>
-          <inkml:channel name="OA" type="integer" max="360" units="deg"/>
-          <inkml:channel name="OE" type="integer" max="90" units="deg"/>
-        </inkml:traceFormat>
-        <inkml:channelProperties>
-          <inkml:channelProperty channel="X" name="resolution" value="1000" units="1/cm"/>
-          <inkml:channelProperty channel="Y" name="resolution" value="1000" units="1/cm"/>
-          <inkml:channelProperty channel="F" name="resolution" value="0" units="1/dev"/>
-          <inkml:channelProperty channel="OA" name="resolution" value="1000" units="1/deg"/>
-          <inkml:channelProperty channel="OE" name="resolution" value="1000" units="1/deg"/>
-        </inkml:channelProperties>
-      </inkml:inkSource>
-      <inkml:timestamp xml:id="ts0" timeString="2020-05-24T04:14:51.601"/>
-    </inkml:context>
-    <inkml:brush xml:id="br0">
-      <inkml:brushProperty name="width" value="0.05" units="cm"/>
-      <inkml:brushProperty name="height" value="0.05" units="cm"/>
-    </inkml:brush>
-  </inkml:definitions>
-  <inkml:trace contextRef="#ctx0" brushRef="#br0">474 76 15059 0 0,'-7'-16'876'0'0,"-10"-19"98"0"0,16 33-893 0 0,0 0 0 0 0,-1 0 0 0 0,1 0 0 0 0,0 0 0 0 0,-1 0 0 0 0,1 0-1 0 0,-1 0 1 0 0,0 1 0 0 0,1-1 0 0 0,-1 1 0 0 0,0-1 0 0 0,-2 0-81 0 0,3 2 63 0 0,0 0 0 0 0,0 0-1 0 0,1 0 1 0 0,-1 0 0 0 0,0 0 0 0 0,0 0 0 0 0,0 0 0 0 0,0 0 0 0 0,0 0-1 0 0,0 0 1 0 0,0 1 0 0 0,1-1 0 0 0,-1 0 0 0 0,0 1 0 0 0,0-1 0 0 0,0 0-1 0 0,1 1 1 0 0,-1-1 0 0 0,0 1 0 0 0,0-1 0 0 0,1 1 0 0 0,-1 0 0 0 0,0-1-1 0 0,1 1 1 0 0,-1 0-63 0 0,-16 21 530 0 0,14-18-431 0 0,-25 40 173 0 0,3 2 0 0 0,1 1-1 0 0,-1 8-271 0 0,1-3 81 0 0,-66 164-195 0 0,-1 3-3780 0 0,48-133-1159 0 0,7 4-3093 0 0</inkml:trace>
-</inkml:ink>
-</file>
-
-<file path=ppt/ink/ink66.xml><?xml version="1.0" encoding="utf-8"?>
-<inkml:ink xmlns:inkml="http://www.w3.org/2003/InkML">
-  <inkml:definitions>
-    <inkml:context xml:id="ctx0">
-      <inkml:inkSource xml:id="inkSrc0">
-        <inkml:traceFormat>
-          <inkml:channel name="X" type="integer" min="-2.14748E9" max="2.14748E9" units="cm"/>
-          <inkml:channel name="Y" type="integer" min="-2.14748E9" max="2.14748E9" units="cm"/>
-          <inkml:channel name="F" type="integer" max="32767" units="dev"/>
-          <inkml:channel name="OA" type="integer" max="360" units="deg"/>
-          <inkml:channel name="OE" type="integer" max="90" units="deg"/>
-        </inkml:traceFormat>
-        <inkml:channelProperties>
-          <inkml:channelProperty channel="X" name="resolution" value="1000" units="1/cm"/>
-          <inkml:channelProperty channel="Y" name="resolution" value="1000" units="1/cm"/>
-          <inkml:channelProperty channel="F" name="resolution" value="0" units="1/dev"/>
-          <inkml:channelProperty channel="OA" name="resolution" value="1000" units="1/deg"/>
-          <inkml:channelProperty channel="OE" name="resolution" value="1000" units="1/deg"/>
-        </inkml:channelProperties>
-      </inkml:inkSource>
-      <inkml:timestamp xml:id="ts0" timeString="2020-05-24T04:14:52.094"/>
-    </inkml:context>
-    <inkml:brush xml:id="br0">
-      <inkml:brushProperty name="width" value="0.05" units="cm"/>
-      <inkml:brushProperty name="height" value="0.05" units="cm"/>
-    </inkml:brush>
-  </inkml:definitions>
-  <inkml:trace contextRef="#ctx0" brushRef="#br0">339 1 18332 0 0,'-67'30'-456'0'0,"9"3"-1049"0"0,-8 16-471 0 0,19-4 96 0 0,10 4-129 0 0,1-8-775 0 0,8 4-4018 0 0</inkml:trace>
-</inkml:ink>
-</file>
-
-<file path=ppt/ink/ink67.xml><?xml version="1.0" encoding="utf-8"?>
-<inkml:ink xmlns:inkml="http://www.w3.org/2003/InkML">
-  <inkml:definitions>
-    <inkml:context xml:id="ctx0">
-      <inkml:inkSource xml:id="inkSrc0">
-        <inkml:traceFormat>
-          <inkml:channel name="X" type="integer" min="-2.14748E9" max="2.14748E9" units="cm"/>
-          <inkml:channel name="Y" type="integer" min="-2.14748E9" max="2.14748E9" units="cm"/>
-          <inkml:channel name="F" type="integer" max="32767" units="dev"/>
-          <inkml:channel name="OA" type="integer" max="360" units="deg"/>
-          <inkml:channel name="OE" type="integer" max="90" units="deg"/>
-        </inkml:traceFormat>
-        <inkml:channelProperties>
-          <inkml:channelProperty channel="X" name="resolution" value="1000" units="1/cm"/>
-          <inkml:channelProperty channel="Y" name="resolution" value="1000" units="1/cm"/>
-          <inkml:channelProperty channel="F" name="resolution" value="0" units="1/dev"/>
-          <inkml:channelProperty channel="OA" name="resolution" value="1000" units="1/deg"/>
-          <inkml:channelProperty channel="OE" name="resolution" value="1000" units="1/deg"/>
-        </inkml:channelProperties>
-      </inkml:inkSource>
-      <inkml:timestamp xml:id="ts0" timeString="2020-05-24T04:14:52.567"/>
-    </inkml:context>
-    <inkml:brush xml:id="br0">
-      <inkml:brushProperty name="width" value="0.05" units="cm"/>
-      <inkml:brushProperty name="height" value="0.05" units="cm"/>
-    </inkml:brush>
-  </inkml:definitions>
-  <inkml:trace contextRef="#ctx0" brushRef="#br0">747 0 13267 0 0,'-51'32'3489'0'0,"-5"7"-3545"0"0,-17 18-112 0 0,4 4-49 0 0,5-1 217 0 0,-3 0 48 0 0,-2 4-200 0 0,-1 3-616 0 0,-1 2-984 0 0,0 1-1497 0 0,-15-16-1512 0 0</inkml:trace>
-</inkml:ink>
-</file>
-
-<file path=ppt/ink/ink68.xml><?xml version="1.0" encoding="utf-8"?>
-<inkml:ink xmlns:inkml="http://www.w3.org/2003/InkML">
-  <inkml:definitions>
-    <inkml:context xml:id="ctx0">
-      <inkml:inkSource xml:id="inkSrc0">
-        <inkml:traceFormat>
-          <inkml:channel name="X" type="integer" min="-2.14748E9" max="2.14748E9" units="cm"/>
-          <inkml:channel name="Y" type="integer" min="-2.14748E9" max="2.14748E9" units="cm"/>
-          <inkml:channel name="F" type="integer" max="32767" units="dev"/>
-          <inkml:channel name="OA" type="integer" max="360" units="deg"/>
-          <inkml:channel name="OE" type="integer" max="90" units="deg"/>
-        </inkml:traceFormat>
-        <inkml:channelProperties>
-          <inkml:channelProperty channel="X" name="resolution" value="1000" units="1/cm"/>
-          <inkml:channelProperty channel="Y" name="resolution" value="1000" units="1/cm"/>
-          <inkml:channelProperty channel="F" name="resolution" value="0" units="1/dev"/>
-          <inkml:channelProperty channel="OA" name="resolution" value="1000" units="1/deg"/>
-          <inkml:channelProperty channel="OE" name="resolution" value="1000" units="1/deg"/>
-        </inkml:channelProperties>
-      </inkml:inkSource>
-      <inkml:timestamp xml:id="ts0" timeString="2020-05-24T04:14:54.361"/>
-    </inkml:context>
-    <inkml:brush xml:id="br0">
-      <inkml:brushProperty name="width" value="0.05" units="cm"/>
-      <inkml:brushProperty name="height" value="0.05" units="cm"/>
-    </inkml:brush>
-  </inkml:definitions>
-  <inkml:trace contextRef="#ctx0" brushRef="#br0">900 40 11018 0 0,'-8'-38'818'0'0,"8"38"-813"0"0,0 0 0 0 0,0 0 0 0 0,0 0-1 0 0,0-1 1 0 0,0 1 0 0 0,-1 0 0 0 0,1 0 0 0 0,0 0 0 0 0,0 0 0 0 0,0 0 0 0 0,0 0 0 0 0,0 0 0 0 0,0 0 0 0 0,0 0-1 0 0,0 0 1 0 0,0-1 0 0 0,0 1 0 0 0,0 0 0 0 0,-1 0 0 0 0,1 0 0 0 0,0 0 0 0 0,0 0 0 0 0,0 0 0 0 0,0 0-1 0 0,0 0 1 0 0,0 0 0 0 0,0 0 0 0 0,-1 0 0 0 0,1 0 0 0 0,0 0 0 0 0,0 0 0 0 0,0 0 0 0 0,0 0 0 0 0,0 0-1 0 0,0 0 1 0 0,0 0 0 0 0,-1 0 0 0 0,1 0 0 0 0,0 0 0 0 0,0 0 0 0 0,0 0 0 0 0,0 0 0 0 0,0 0 0 0 0,0 1 0 0 0,0-1-1 0 0,0 0 1 0 0,0 0 0 0 0,-1 0 0 0 0,1 0-5 0 0,-7 7 277 0 0,-10 16 245 0 0,13-17-385 0 0,-170 231 1902 0 0,-17 24 454 0 0,109-140-441 0 0,-11 32-2052 0 0,-14 51 591 0 0,-36 109-87 0 0,137-299-486 0 0,4-10-22 0 0,0 0 1 0 0,0 0 0 0 0,0 0-1 0 0,1 0 1 0 0,-1 0-1 0 0,1 1 1 0 0,0-1-1 0 0,1 0 1 0 0,-1 1 0 0 0,1-1-1 0 0,-1 1 4 0 0,1-5-1 0 0,0 1 0 0 0,1-1 0 0 0,-1 1-1 0 0,0 0 1 0 0,0-1 0 0 0,0 1 0 0 0,0 0 0 0 0,1-1 0 0 0,-1 1 0 0 0,0-1-1 0 0,1 1 1 0 0,-1 0 0 0 0,0-1 0 0 0,1 1 0 0 0,-1-1 0 0 0,1 1-1 0 0,-1-1 1 0 0,1 0 0 0 0,-1 1 0 0 0,1-1 0 0 0,-1 1 0 0 0,1-1-1 0 0,-1 0 1 0 0,1 1 0 0 0,0-1 0 0 0,-1 0 0 0 0,1 0 0 0 0,-1 0 0 0 0,1 1-1 0 0,0-1 1 0 0,-1 0 0 0 0,1 0 0 0 0,0 0 0 0 0,-1 0 0 0 0,1 0-1 0 0,0 0 1 0 0,-1 0 0 0 0,1 0 0 0 0,0 0 0 0 0,-1-1 0 0 0,1 1-1 0 0,-1 0 1 0 0,1 0 0 0 0,0 0 0 0 0,-1-1 0 0 0,1 1 0 0 0,-1 0-1 0 0,1-1 1 0 0,0 1 1 0 0,3-2 14 0 0,1-1 0 0 0,-1 1-1 0 0,0 0 1 0 0,1-1 0 0 0,-1 0-1 0 0,0-1-13 0 0,27-26 41 0 0,-2-3-1 0 0,-1 0 0 0 0,-1-2 1 0 0,5-12-41 0 0,12-14 17 0 0,152-195-64 0 0,37-51 59 0 0,-129 158 59 0 0,4-21-71 0 0,-97 154 15 0 0,-4 4 5 0 0,1 1 0 0 0,-1-1 0 0 0,-1 0 0 0 0,0-1 0 0 0,-1 0 0 0 0,-1 0 0 0 0,0 0 0 0 0,0 0 0 0 0,-1-3-20 0 0,-2 15 11 0 0,-1 0 1 0 0,0 0-1 0 0,0 0 1 0 0,0-1-1 0 0,0 1 1 0 0,0 0-1 0 0,0 0 1 0 0,0 0-1 0 0,0 0 1 0 0,-1 0-1 0 0,1 0 0 0 0,0 0 1 0 0,-1 0-1 0 0,1 0 1 0 0,0 0-1 0 0,-1 0 1 0 0,1 0-1 0 0,-1 0 1 0 0,0 1-1 0 0,1-1 1 0 0,-1 0-1 0 0,0 0 1 0 0,1 0-1 0 0,-1 1 1 0 0,0-1-1 0 0,0 0 0 0 0,0 1 1 0 0,0-1-1 0 0,1 1 1 0 0,-1-1-1 0 0,0 1 1 0 0,0-1-1 0 0,0 1 1 0 0,0 0-1 0 0,0-1 1 0 0,0 1-1 0 0,0 0 1 0 0,0 0-1 0 0,-1 0 1 0 0,0 0-12 0 0,-1 0 11 0 0,-1 0 1 0 0,0 0 0 0 0,1 1 0 0 0,-1-1 0 0 0,1 1 0 0 0,-1 0 0 0 0,0 0 0 0 0,1 1 0 0 0,0-1-1 0 0,-1 1 1 0 0,0 0-12 0 0,-20 15 5 0 0,2 0-1 0 0,-1 1 1 0 0,2 1-1 0 0,1 1 1 0 0,-6 8-5 0 0,-11 10 53 0 0,-322 333 946 0 0,220-215-528 0 0,-53 85-471 0 0,186-233 1 0 0,-4 5-6 0 0,0 0-1 0 0,0 1 1 0 0,2 1-1 0 0,0-1 1 0 0,0 1-1 0 0,0 5 6 0 0,8-20-6 0 0,0 1 0 0 0,-1 0 0 0 0,1-1 0 0 0,0 1 0 0 0,0 0 0 0 0,0-1 0 0 0,0 1 0 0 0,0 0 0 0 0,0 0 0 0 0,0-1 0 0 0,0 1 0 0 0,0 0 0 0 0,0-1 0 0 0,0 1 0 0 0,0 0 0 0 0,0-1 0 0 0,0 1 0 0 0,1 0 0 0 0,-1-1 0 0 0,0 1 0 0 0,1 0 0 0 0,-1-1 0 0 0,0 1 0 0 0,1 0 1 0 0,-1-1-1 0 0,1 1 0 0 0,-1-1 0 0 0,1 1 0 0 0,-1-1 0 0 0,1 1 0 0 0,-1-1 0 0 0,1 0 0 0 0,-1 1 0 0 0,1-1 0 0 0,0 0 0 0 0,-1 1 0 0 0,1-1 0 0 0,0 0 0 0 0,-1 1 0 0 0,1-1 0 0 0,0 0 0 0 0,-1 0 0 0 0,1 0 0 0 0,0 0 0 0 0,-1 0 0 0 0,1 0 0 0 0,0 0 0 0 0,0 0 0 0 0,-1 0 0 0 0,1 0 0 0 0,0 0 0 0 0,-1 0 0 0 0,1-1 0 0 0,0 1 6 0 0,3-1-18 0 0,0 1 0 0 0,0-1-1 0 0,0 0 1 0 0,0 0 0 0 0,0 0 0 0 0,0-1 0 0 0,0 0-1 0 0,-1 1 1 0 0,2-2 18 0 0,10-10-5 0 0,-1-1 0 0 0,0-1 0 0 0,0 0 0 0 0,-2-1 0 0 0,10-15 5 0 0,1-1-13 0 0,389-505-882 0 0,-215 311 601 0 0,-188 214 513 0 0,-17 19 33 0 0,-19 18-33 0 0,-31 56 210 0 0,-18 38-429 0 0,-15 22 303 0 0,-14 4 52 0 0,22-32 421 0 0,-48 91-776 0 0,127-198 10 0 0,1-1-7 0 0,0-1 1 0 0,1 1-1 0 0,0-1 0 0 0,0 1 0 0 0,0 0 0 0 0,0 2-3 0 0,5-9-5 0 0,-1 1 0 0 0,1-1 0 0 0,-1 1-1 0 0,0-1 1 0 0,0 0 0 0 0,0 0 0 0 0,0 0 0 0 0,1-1 5 0 0,91-130 123 0 0,-18 23-118 0 0,12-6 3 0 0,173-247 35 0 0,-242 327-23 0 0,-46 63 57 0 0,-21 49 20 0 0,-29 63-97 0 0,31-54 63 0 0,-70 131 454 0 0,1 23-517 0 0,109-225 13 0 0,-18 46 36 0 0,21-54-46 0 0,1 1-1 0 0,1-1 0 0 0,-1 1 0 0 0,1 0 0 0 0,1-1 0 0 0,-1 1 1 0 0,1 6-3 0 0,0-12-1 0 0,0 0 0 0 0,0 0 0 0 0,0-1 0 0 0,0 1 0 0 0,0 0 0 0 0,0-1 0 0 0,0 1 0 0 0,1 0 0 0 0,-1-1 0 0 0,0 1 0 0 0,0 0 0 0 0,0-1 0 0 0,1 1 0 0 0,-1-1 0 0 0,0 1 0 0 0,1 0 0 0 0,-1-1 0 0 0,1 1 0 0 0,-1-1 0 0 0,1 1 0 0 0,-1-1 0 0 0,1 1 0 0 0,-1-1 0 0 0,1 1 0 0 0,-1-1 0 0 0,1 0 0 0 0,0 1 0 0 0,-1-1 1 0 0,1 0 1 0 0,0 0 0 0 0,1 0 1 0 0,-1 0-1 0 0,0 0 0 0 0,0 0 1 0 0,0 0-1 0 0,0-1 0 0 0,0 1 0 0 0,0 0 1 0 0,0 0-1 0 0,0-1 0 0 0,0 1 1 0 0,0-1-1 0 0,0 1 0 0 0,0-1 0 0 0,0 0-1 0 0,6-3 25 0 0,-1-1-1 0 0,0 0 1 0 0,0 0-1 0 0,2-3-24 0 0,18-22 43 0 0,-1 0-1 0 0,-2-2 1 0 0,17-31-43 0 0,-4 9 10 0 0,135-212 8 0 0,107-153 30 0 0,-269 407-40 0 0,-4 7 1 0 0,0-1 0 0 0,-1-1-1 0 0,0 1 1 0 0,0-1 0 0 0,0 1-1 0 0,-1-1 1 0 0,0 0 0 0 0,1-4-9 0 0,-4 11 2 0 0,0 0-1 0 0,0-1 1 0 0,1 1 0 0 0,-1-1 0 0 0,0 1-1 0 0,0 0 1 0 0,0-1 0 0 0,0 1 0 0 0,0-1 0 0 0,0 1-1 0 0,0 0 1 0 0,0-1 0 0 0,0 1 0 0 0,0-1-1 0 0,0 1 1 0 0,0 0 0 0 0,-1-1 0 0 0,1 1 0 0 0,0 0-1 0 0,0-1 1 0 0,0 1 0 0 0,0-1 0 0 0,-1 1 0 0 0,1 0-1 0 0,0-1 1 0 0,0 1 0 0 0,-1 0 0 0 0,1 0-1 0 0,0-1 1 0 0,-1 1 0 0 0,1 0 0 0 0,0 0 0 0 0,-1-1-1 0 0,1 1-1 0 0,-15 2 12 0 0,-14 13-19 0 0,-7 13 31 0 0,2 2 1 0 0,1 1-1 0 0,-22 27-24 0 0,-83 112 86 0 0,94-114-72 0 0,-206 284 105 0 0,223-301-99 0 0,2 2 1 0 0,2 0-1 0 0,2 2 0 0 0,1 1 1 0 0,0 9-21 0 0,19-50-2 0 0,0 0 0 0 0,0 0 1 0 0,0 0-1 0 0,1 0 1 0 0,-1 0-1 0 0,1 0 1 0 0,0 0-1 0 0,0 4 2 0 0,0-7-1 0 0,0 0 0 0 0,0 0 0 0 0,0 1 0 0 0,0-1 0 0 0,0 0 0 0 0,0 0 0 0 0,0 1 0 0 0,0-1 0 0 0,1 0 0 0 0,-1 0 0 0 0,0 1 0 0 0,0-1 0 0 0,0 0 0 0 0,0 0 0 0 0,0 1 1 0 0,1-1-1 0 0,-1 0 0 0 0,0 0 0 0 0,0 0 0 0 0,0 0 0 0 0,1 1 0 0 0,-1-1 0 0 0,0 0 0 0 0,0 0 0 0 0,1 0 0 0 0,-1 0 0 0 0,0 0 0 0 0,0 0 0 0 0,1 1 0 0 0,-1-1 0 0 0,0 0 0 0 0,1 0 1 0 0,13-8-31 0 0,7-17-16 0 0,4-23-251 0 0,-14 26-117 0 0,15-30-1584 0 0,9-17-6339 0 0,-14 35-483 0 0</inkml:trace>
-</inkml:ink>
-</file>
-
-<file path=ppt/ink/ink69.xml><?xml version="1.0" encoding="utf-8"?>
-<inkml:ink xmlns:inkml="http://www.w3.org/2003/InkML">
-  <inkml:definitions>
-    <inkml:context xml:id="ctx0">
-      <inkml:inkSource xml:id="inkSrc0">
-        <inkml:traceFormat>
-          <inkml:channel name="X" type="integer" min="-2.14748E9" max="2.14748E9" units="cm"/>
-          <inkml:channel name="Y" type="integer" min="-2.14748E9" max="2.14748E9" units="cm"/>
-          <inkml:channel name="F" type="integer" max="32767" units="dev"/>
-          <inkml:channel name="OA" type="integer" max="360" units="deg"/>
-          <inkml:channel name="OE" type="integer" max="90" units="deg"/>
-        </inkml:traceFormat>
-        <inkml:channelProperties>
-          <inkml:channelProperty channel="X" name="resolution" value="1000" units="1/cm"/>
-          <inkml:channelProperty channel="Y" name="resolution" value="1000" units="1/cm"/>
-          <inkml:channelProperty channel="F" name="resolution" value="0" units="1/dev"/>
-          <inkml:channelProperty channel="OA" name="resolution" value="1000" units="1/deg"/>
-          <inkml:channelProperty channel="OE" name="resolution" value="1000" units="1/deg"/>
-        </inkml:channelProperties>
-      </inkml:inkSource>
-      <inkml:timestamp xml:id="ts0" timeString="2020-05-24T04:14:56.287"/>
-    </inkml:context>
-    <inkml:brush xml:id="br0">
-      <inkml:brushProperty name="width" value="0.05" units="cm"/>
-      <inkml:brushProperty name="height" value="0.05" units="cm"/>
-    </inkml:brush>
-  </inkml:definitions>
-  <inkml:trace contextRef="#ctx0" brushRef="#br0">0 268 9402 0 0,'12'-19'216'0'0,"0"1"0"0"0,2 0 1 0 0,0 1-1 0 0,0 1 0 0 0,2 0 0 0 0,0 1 1 0 0,1 0-1 0 0,0 2 0 0 0,1 0 0 0 0,1 1 1 0 0,8-4-217 0 0,-3 3 23 0 0,0 1 1 0 0,1 2 0 0 0,0 0-1 0 0,0 2 1 0 0,1 0-1 0 0,0 2 1 0 0,1 1 0 0 0,-1 1-1 0 0,5 1-23 0 0,-25 3 4 0 0,1-1-1 0 0,-1 1 1 0 0,1 1-1 0 0,-1-1 0 0 0,0 1 1 0 0,0 0-1 0 0,1 1 1 0 0,-1-1-1 0 0,0 1 1 0 0,0 0-1 0 0,0 1 1 0 0,-1-1-1 0 0,1 1 0 0 0,0 1 1 0 0,-1-1-1 0 0,0 1-3 0 0,1 1 84 0 0,0 0-1 0 0,-1 1 0 0 0,0 0 0 0 0,0 0 1 0 0,-1 0-1 0 0,0 0 0 0 0,0 1 0 0 0,0-1 1 0 0,-1 1-1 0 0,0 0 0 0 0,0 0 1 0 0,0 1-1 0 0,-1 0-83 0 0,3 8 106 0 0,-1 1 1 0 0,-1 0 0 0 0,0 0-1 0 0,-2 0 1 0 0,1 0-1 0 0,-2 0 1 0 0,0 0-1 0 0,-2 0 1 0 0,0 0 0 0 0,0 0-1 0 0,-2 0 1 0 0,-2 9-107 0 0,-2-2 91 0 0,-1-1 0 0 0,-1-1 1 0 0,-1 0-1 0 0,-1 0 1 0 0,-1-1-1 0 0,-1-1 0 0 0,0 0 1 0 0,-9 8-92 0 0,-20 20 354 0 0,-1-3 0 0 0,-2-1 0 0 0,-41 29-354 0 0,85-72 2 0 0,-10 10 118 0 0,12-7-44 0 0,8-3-39 0 0,11-5-5 0 0,1 0 0 0 0,-1-1 1 0 0,0 0-1 0 0,15-8-32 0 0,30-8-18 0 0,8 2-9 0 0,1 3 0 0 0,0 4 0 0 0,1 3 0 0 0,0 2 0 0 0,0 5 1 0 0,20 3 26 0 0,-71 0-39 0 0,0 2 0 0 0,0 0 1 0 0,-1 2-1 0 0,9 2 39 0 0,-25-5 19 0 0,0 0 0 0 0,0 0 0 0 0,0 0-1 0 0,0 1 1 0 0,0 0 0 0 0,-1 0 0 0 0,1 0 0 0 0,-1 1-1 0 0,0 0 1 0 0,0 0 0 0 0,0 0 0 0 0,-1 1 0 0 0,1-1-1 0 0,-1 1 1 0 0,0 0 0 0 0,-1 1 0 0 0,4 4-19 0 0,-6-7 54 0 0,0 0 0 0 0,0 0-1 0 0,0 0 1 0 0,0 0 0 0 0,0 0 0 0 0,-1 0 0 0 0,0 1 0 0 0,1-1 0 0 0,-1 0 0 0 0,0 0-1 0 0,-1 0 1 0 0,1 1 0 0 0,0-1 0 0 0,-1 0 0 0 0,0 1-54 0 0,-1 2 102 0 0,0 0 1 0 0,-1 0-1 0 0,1 0 1 0 0,-1 0-1 0 0,-1 0 1 0 0,1-1 0 0 0,-4 4-103 0 0,-5 6 243 0 0,-2 0 1 0 0,0-1 0 0 0,0-1-1 0 0,-12 8-243 0 0,-17 12 337 0 0,-2-3-1 0 0,-1-2 0 0 0,-30 13-336 0 0,-151 64 445 0 0,225-104-441 0 0,-77 31-777 0 0,-36 8 773 0 0,-17-4-3324 0 0,119-34 2483 0 0,1 0-1 0 0,-1-1 1 0 0,0-1 0 0 0,1 0-1 0 0,-1 0 1 0 0,0-2-1 0 0,-12-2 842 0 0,-5 1-2066 0 0,16 2-361 0 0,1 0-1 0 0,0 2 1 0 0,-11 1 2427 0 0</inkml:trace>
-</inkml:ink>
-</file>
-
-<file path=ppt/ink/ink7.xml><?xml version="1.0" encoding="utf-8"?>
-<inkml:ink xmlns:inkml="http://www.w3.org/2003/InkML">
-  <inkml:definitions>
-    <inkml:context xml:id="ctx0">
-      <inkml:inkSource xml:id="inkSrc0">
-        <inkml:traceFormat>
-          <inkml:channel name="X" type="integer" min="-2.14748E9" max="2.14748E9" units="cm"/>
-          <inkml:channel name="Y" type="integer" min="-2.14748E9" max="2.14748E9" units="cm"/>
-          <inkml:channel name="F" type="integer" max="32767" units="dev"/>
-          <inkml:channel name="OA" type="integer" max="360" units="deg"/>
-          <inkml:channel name="OE" type="integer" max="90" units="deg"/>
-        </inkml:traceFormat>
-        <inkml:channelProperties>
-          <inkml:channelProperty channel="X" name="resolution" value="1000" units="1/cm"/>
-          <inkml:channelProperty channel="Y" name="resolution" value="1000" units="1/cm"/>
-          <inkml:channelProperty channel="F" name="resolution" value="0" units="1/dev"/>
-          <inkml:channelProperty channel="OA" name="resolution" value="1000" units="1/deg"/>
-          <inkml:channelProperty channel="OE" name="resolution" value="1000" units="1/deg"/>
-        </inkml:channelProperties>
-      </inkml:inkSource>
-      <inkml:timestamp xml:id="ts0" timeString="2020-05-24T04:17:36.735"/>
-    </inkml:context>
-    <inkml:brush xml:id="br0">
-      <inkml:brushProperty name="width" value="0.05" units="cm"/>
-      <inkml:brushProperty name="height" value="0.05" units="cm"/>
-    </inkml:brush>
-  </inkml:definitions>
-  <inkml:trace contextRef="#ctx0" brushRef="#br0">1 18 5441 0 0,'1'-1'145'0'0,"0"-1"0"0"0,1 1 0 0 0,-1-1 0 0 0,1 1-1 0 0,0-1 1 0 0,-1 1 0 0 0,1 0 0 0 0,0 0 0 0 0,0 0 0 0 0,0 0 0 0 0,0 1 0 0 0,0-1-1 0 0,0 0 1 0 0,0 1 0 0 0,0-1 0 0 0,0 1 0 0 0,0 0 0 0 0,0-1 0 0 0,0 1-1 0 0,1 0-144 0 0,47 2 752 0 0,-40-1-615 0 0,119 14 761 0 0,-102-15-784 0 0,-21-1-2437 0 0,-4 1-3362 0 0,-2 1 3462 0 0</inkml:trace>
-</inkml:ink>
-</file>
-
-<file path=ppt/ink/ink70.xml><?xml version="1.0" encoding="utf-8"?>
-<inkml:ink xmlns:inkml="http://www.w3.org/2003/InkML">
-  <inkml:definitions>
-    <inkml:context xml:id="ctx0">
-      <inkml:inkSource xml:id="inkSrc0">
-        <inkml:traceFormat>
-          <inkml:channel name="X" type="integer" min="-2.14748E9" max="2.14748E9" units="cm"/>
-          <inkml:channel name="Y" type="integer" min="-2.14748E9" max="2.14748E9" units="cm"/>
-          <inkml:channel name="F" type="integer" max="32767" units="dev"/>
-          <inkml:channel name="OA" type="integer" max="360" units="deg"/>
-          <inkml:channel name="OE" type="integer" max="90" units="deg"/>
-        </inkml:traceFormat>
-        <inkml:channelProperties>
-          <inkml:channelProperty channel="X" name="resolution" value="1000" units="1/cm"/>
-          <inkml:channelProperty channel="Y" name="resolution" value="1000" units="1/cm"/>
-          <inkml:channelProperty channel="F" name="resolution" value="0" units="1/dev"/>
-          <inkml:channelProperty channel="OA" name="resolution" value="1000" units="1/deg"/>
-          <inkml:channelProperty channel="OE" name="resolution" value="1000" units="1/deg"/>
-        </inkml:channelProperties>
-      </inkml:inkSource>
-      <inkml:timestamp xml:id="ts0" timeString="2020-05-24T04:14:57.006"/>
-    </inkml:context>
-    <inkml:brush xml:id="br0">
-      <inkml:brushProperty name="width" value="0.05" units="cm"/>
-      <inkml:brushProperty name="height" value="0.05" units="cm"/>
-    </inkml:brush>
-  </inkml:definitions>
-  <inkml:trace contextRef="#ctx0" brushRef="#br0">658 3 14547 0 0,'-3'-1'82'0'0,"0"0"0"0"0,0 1 0 0 0,-1 0 0 0 0,1 0 0 0 0,0 0 0 0 0,0 0 0 0 0,0 0-1 0 0,-1 1 1 0 0,1-1 0 0 0,0 1 0 0 0,0 0 0 0 0,0 0 0 0 0,0 0 0 0 0,0 0 0 0 0,0 1 0 0 0,0-1 0 0 0,0 1 0 0 0,1 0 0 0 0,-1 0-1 0 0,1 0 1 0 0,-1 0 0 0 0,1 0 0 0 0,-1 0 0 0 0,1 1 0 0 0,0-1 0 0 0,0 1 0 0 0,1-1 0 0 0,-1 1 0 0 0,0 0 0 0 0,1 0 0 0 0,0 0-1 0 0,-1 0 1 0 0,1 1-82 0 0,-43 125 141 0 0,26-71 49 0 0,-21 46-190 0 0,-37 49-434 0 0,-26 29 434 0 0,-49 96-987 0 0,121-217-26 0 0,4 2-1 0 0,2 0 1 0 0,-8 43 1013 0 0,24-75-1082 0 0,1 1 0 0 0,1 0-1 0 0,2 1 1 0 0,2-1 0 0 0,0 1 0 0 0,3 12 1082 0 0,7 23-5707 0 0</inkml:trace>
-</inkml:ink>
-</file>
-
-<file path=ppt/ink/ink71.xml><?xml version="1.0" encoding="utf-8"?>
-<inkml:ink xmlns:inkml="http://www.w3.org/2003/InkML">
-  <inkml:definitions>
-    <inkml:context xml:id="ctx0">
-      <inkml:inkSource xml:id="inkSrc0">
-        <inkml:traceFormat>
-          <inkml:channel name="X" type="integer" min="-2.14748E9" max="2.14748E9" units="cm"/>
-          <inkml:channel name="Y" type="integer" min="-2.14748E9" max="2.14748E9" units="cm"/>
-          <inkml:channel name="F" type="integer" max="32767" units="dev"/>
-          <inkml:channel name="OA" type="integer" max="360" units="deg"/>
-          <inkml:channel name="OE" type="integer" max="90" units="deg"/>
-        </inkml:traceFormat>
-        <inkml:channelProperties>
-          <inkml:channelProperty channel="X" name="resolution" value="1000" units="1/cm"/>
-          <inkml:channelProperty channel="Y" name="resolution" value="1000" units="1/cm"/>
-          <inkml:channelProperty channel="F" name="resolution" value="0" units="1/dev"/>
-          <inkml:channelProperty channel="OA" name="resolution" value="1000" units="1/deg"/>
-          <inkml:channelProperty channel="OE" name="resolution" value="1000" units="1/deg"/>
-        </inkml:channelProperties>
-      </inkml:inkSource>
-      <inkml:timestamp xml:id="ts0" timeString="2020-05-24T04:14:58.229"/>
-    </inkml:context>
-    <inkml:brush xml:id="br0">
-      <inkml:brushProperty name="width" value="0.05" units="cm"/>
-      <inkml:brushProperty name="height" value="0.05" units="cm"/>
-    </inkml:brush>
-  </inkml:definitions>
-  <inkml:trace contextRef="#ctx0" brushRef="#br0">500 11 9266 0 0,'0'-1'23'0'0,"0"1"-1"0"0,-1-1 1 0 0,1 0-1 0 0,-1 1 1 0 0,1-1 0 0 0,-1 1-1 0 0,1-1 1 0 0,-1 0-1 0 0,1 1 1 0 0,-1-1-1 0 0,1 1 1 0 0,-1 0 0 0 0,0-1-1 0 0,1 1 1 0 0,-1 0-1 0 0,0-1 1 0 0,1 1 0 0 0,-1 0-1 0 0,0-1 1 0 0,1 1-1 0 0,-1 0 1 0 0,0 0 0 0 0,0 0-1 0 0,1 0 1 0 0,-1 0-1 0 0,0 0 1 0 0,0 0 0 0 0,1 0-1 0 0,-1 0 1 0 0,0 0-1 0 0,0 0 1 0 0,1 1-1 0 0,-1-1 1 0 0,0 0 0 0 0,1 0-1 0 0,-1 1 1 0 0,0-1-1 0 0,1 0 1 0 0,-1 1 0 0 0,0-1-1 0 0,1 1 1 0 0,-1-1-1 0 0,1 1-22 0 0,-4 3 27 0 0,1-1-1 0 0,0 1 0 0 0,1 1 0 0 0,-1-1 0 0 0,1 0 0 0 0,-2 4-26 0 0,-3 5 138 0 0,-15 23-42 0 0,-2-2 1 0 0,-2 0 0 0 0,-1-1 0 0 0,-2-2-1 0 0,-1-1 1 0 0,-1-1 0 0 0,-29 20-97 0 0,23-21 82 0 0,-79 66 1192 0 0,111-89-1158 0 0,-1 0-1 0 0,1 1 1 0 0,0 0-1 0 0,1 0 1 0 0,-1 0-1 0 0,-2 6-115 0 0,6-12 21 0 0,1 1-1 0 0,-1 0 0 0 0,1 0 1 0 0,-1 0-1 0 0,1 0 0 0 0,-1 1 0 0 0,1-1 1 0 0,0 0-1 0 0,-1 0 0 0 0,1 0 1 0 0,0 0-1 0 0,0 0 0 0 0,0 0 0 0 0,0 0 1 0 0,0 1-1 0 0,0-1 0 0 0,0 0 1 0 0,0 0-1 0 0,1 0 0 0 0,-1 0 0 0 0,0 0 1 0 0,0 0-1 0 0,1 0 0 0 0,-1 0 1 0 0,1 0-1 0 0,-1 0 0 0 0,1 0 0 0 0,0 0 1 0 0,-1 0-1 0 0,1 0 0 0 0,0 0 1 0 0,0 0-1 0 0,-1-1 0 0 0,1 1 0 0 0,0 0 1 0 0,0 0-1 0 0,0-1 0 0 0,0 1 1 0 0,0-1-1 0 0,0 1 0 0 0,0-1 0 0 0,0 1 1 0 0,0-1-1 0 0,0 0 0 0 0,0 1 1 0 0,1-1-1 0 0,-1 0 0 0 0,0 0 0 0 0,1 0-20 0 0,15 2 196 0 0,0 0-1 0 0,1-2 0 0 0,-1 0 0 0 0,1-1 0 0 0,-1-1 0 0 0,0 0 1 0 0,1-1-1 0 0,6-3-195 0 0,8-1 155 0 0,692-152 792 0 0,-580 125-755 0 0,-124 29-391 0 0,-1 0 1 0 0,0-1-1 0 0,0 0 1 0 0,-1-2-1 0 0,0 0 1 0 0,3-3 198 0 0,-21 10-187 0 0,1 1 0 0 0,-1 0 0 0 0,1-1 0 0 0,-1 0 0 0 0,0 1 0 0 0,1-1 0 0 0,-1 1 0 0 0,0-1 0 0 0,1 1-1 0 0,-1-1 1 0 0,0 0 0 0 0,0 1 0 0 0,0-1 0 0 0,1 0 0 0 0,-1 1 0 0 0,0-1 0 0 0,0 0 0 0 0,0 1 0 0 0,0-1 0 0 0,0 0 0 0 0,0 1 0 0 0,0-1 0 0 0,-1 1 0 0 0,1-1 0 0 0,0 0 0 0 0,0 1 0 0 0,0-1 0 0 0,-1 0 0 0 0,1 1 0 0 0,0-1 0 0 0,-1 1 0 0 0,1-1 0 0 0,0 1 0 0 0,-1-1 0 0 0,1 1 0 0 0,-1-1 0 0 0,1 1 0 0 0,-1-1 0 0 0,1 1 0 0 0,-1 0 0 0 0,1-1 0 0 0,-1 1 0 0 0,1 0 0 0 0,-1-1 0 0 0,0 1 0 0 0,1 0 187 0 0,-11-5-6090 0 0</inkml:trace>
-</inkml:ink>
-</file>
-
-<file path=ppt/ink/ink72.xml><?xml version="1.0" encoding="utf-8"?>
-<inkml:ink xmlns:inkml="http://www.w3.org/2003/InkML">
-  <inkml:definitions>
-    <inkml:context xml:id="ctx0">
-      <inkml:inkSource xml:id="inkSrc0">
-        <inkml:traceFormat>
-          <inkml:channel name="X" type="integer" min="-2.14748E9" max="2.14748E9" units="cm"/>
-          <inkml:channel name="Y" type="integer" min="-2.14748E9" max="2.14748E9" units="cm"/>
-          <inkml:channel name="F" type="integer" max="32767" units="dev"/>
-          <inkml:channel name="OA" type="integer" max="360" units="deg"/>
-          <inkml:channel name="OE" type="integer" max="90" units="deg"/>
-        </inkml:traceFormat>
-        <inkml:channelProperties>
-          <inkml:channelProperty channel="X" name="resolution" value="1000" units="1/cm"/>
-          <inkml:channelProperty channel="Y" name="resolution" value="1000" units="1/cm"/>
-          <inkml:channelProperty channel="F" name="resolution" value="0" units="1/dev"/>
-          <inkml:channelProperty channel="OA" name="resolution" value="1000" units="1/deg"/>
-          <inkml:channelProperty channel="OE" name="resolution" value="1000" units="1/deg"/>
-        </inkml:channelProperties>
-      </inkml:inkSource>
-      <inkml:timestamp xml:id="ts0" timeString="2020-05-24T04:14:58.576"/>
-    </inkml:context>
-    <inkml:brush xml:id="br0">
-      <inkml:brushProperty name="width" value="0.05" units="cm"/>
-      <inkml:brushProperty name="height" value="0.05" units="cm"/>
-    </inkml:brush>
-  </inkml:definitions>
-  <inkml:trace contextRef="#ctx0" brushRef="#br0">3 25 11955 0 0,'0'0'101'0'0,"-1"-1"1"0"0,1 0 0 0 0,0 0-1 0 0,-1 0 1 0 0,1 0 0 0 0,0 1-1 0 0,0-1 1 0 0,0 0 0 0 0,0 0 0 0 0,0 0-1 0 0,0 0 1 0 0,0 0 0 0 0,0 0-1 0 0,0 1 1 0 0,0-1 0 0 0,0 0-1 0 0,0 0 1 0 0,1 0 0 0 0,-1 0 0 0 0,0 1-1 0 0,1-1 1 0 0,-1 0 0 0 0,0 0-1 0 0,1 0 1 0 0,-1 1 0 0 0,1-1-1 0 0,0 0-101 0 0,0 1 47 0 0,0-1 0 0 0,0 1 0 0 0,0 0 0 0 0,0 0-1 0 0,0 0 1 0 0,0 0 0 0 0,0 0 0 0 0,0 0-1 0 0,1 0 1 0 0,-1 0 0 0 0,0 0 0 0 0,0 1 0 0 0,0-1-1 0 0,0 0 1 0 0,0 1 0 0 0,0-1 0 0 0,0 1 0 0 0,0 0-47 0 0,8 3 95 0 0,0 2 0 0 0,-1-1 0 0 0,1 1 0 0 0,3 4-95 0 0,1 2 112 0 0,-1 1 0 0 0,0 0-1 0 0,-1 1 1 0 0,0 0-1 0 0,-1 1 1 0 0,-1 0 0 0 0,0 1-1 0 0,-1 0 1 0 0,-1 0-1 0 0,0 1 1 0 0,-2 0 0 0 0,0 0-1 0 0,2 11-111 0 0,5 37 188 0 0,-3-1 0 0 0,-3 1-1 0 0,-2 11-187 0 0,3 36 187 0 0,1-27-133 0 0,33 286-1582 0 0,-40-364 1195 0 0,10 41-2167 0 0,-9-44 1697 0 0,-1 0 0 0 0,1 0 0 0 0,0 0-1 0 0,1-1 1 0 0,-1 1 0 0 0,3 3 803 0 0,13 10-6694 0 0</inkml:trace>
-</inkml:ink>
-</file>
-
-<file path=ppt/ink/ink73.xml><?xml version="1.0" encoding="utf-8"?>
-<inkml:ink xmlns:inkml="http://www.w3.org/2003/InkML">
-  <inkml:definitions>
-    <inkml:context xml:id="ctx0">
-      <inkml:inkSource xml:id="inkSrc0">
-        <inkml:traceFormat>
-          <inkml:channel name="X" type="integer" min="-2.14748E9" max="2.14748E9" units="cm"/>
-          <inkml:channel name="Y" type="integer" min="-2.14748E9" max="2.14748E9" units="cm"/>
-          <inkml:channel name="F" type="integer" max="32767" units="dev"/>
-          <inkml:channel name="OA" type="integer" max="360" units="deg"/>
-          <inkml:channel name="OE" type="integer" max="90" units="deg"/>
-        </inkml:traceFormat>
-        <inkml:channelProperties>
-          <inkml:channelProperty channel="X" name="resolution" value="1000" units="1/cm"/>
-          <inkml:channelProperty channel="Y" name="resolution" value="1000" units="1/cm"/>
-          <inkml:channelProperty channel="F" name="resolution" value="0" units="1/dev"/>
-          <inkml:channelProperty channel="OA" name="resolution" value="1000" units="1/deg"/>
-          <inkml:channelProperty channel="OE" name="resolution" value="1000" units="1/deg"/>
-        </inkml:channelProperties>
-      </inkml:inkSource>
-      <inkml:timestamp xml:id="ts0" timeString="2020-05-24T04:15:03.015"/>
-    </inkml:context>
-    <inkml:brush xml:id="br0">
-      <inkml:brushProperty name="width" value="0.05" units="cm"/>
-      <inkml:brushProperty name="height" value="0.05" units="cm"/>
-    </inkml:brush>
-  </inkml:definitions>
-  <inkml:trace contextRef="#ctx0" brushRef="#br0">38 182 9442 0 0,'-4'4'131'0'0,"1"1"0"0"0,-1 0 0 0 0,1 0 0 0 0,-1 0 0 0 0,2 0 1 0 0,-1 0-1 0 0,0 0 0 0 0,1 1 0 0 0,0 0 0 0 0,0-1 0 0 0,1 1 0 0 0,0 0 0 0 0,0 0 0 0 0,0-1 0 0 0,0 4-131 0 0,1 12 295 0 0,0 1 0 0 0,1 0 0 0 0,3 13-295 0 0,0 3 282 0 0,5 58 314 0 0,3 1 0 0 0,16 50-596 0 0,-17-104 94 0 0,2 1 1 0 0,2-2-1 0 0,1 0 0 0 0,2-1 0 0 0,2-1 0 0 0,18 25-94 0 0,-17-34 66 0 0,-9-13 28 0 0,0 0 1 0 0,-2 0 0 0 0,7 16-95 0 0,-15-46 1074 0 0,-3-3-1119 0 0,-1-56-528 0 0,2 0-1 0 0,4 0 0 0 0,5-20 574 0 0,2-38-690 0 0,-8 93 583 0 0,0-19-314 0 0,2-1-1 0 0,7-21 422 0 0,-9 60-54 0 0,2 0-1 0 0,0 0 0 0 0,0 1 1 0 0,2 0-1 0 0,0 0 1 0 0,1 0-1 0 0,0 1 0 0 0,1 0 1 0 0,9-10 54 0 0,26-30-54 0 0,2 3 1 0 0,29-24 53 0 0,-48 52-967 0 0,0 1 1 0 0,16-8 966 0 0,-22 17-1834 0 0,1 1 1 0 0,1 1-1 0 0,19-7 1834 0 0,-10 9-3526 0 0</inkml:trace>
-</inkml:ink>
-</file>
-
-<file path=ppt/ink/ink74.xml><?xml version="1.0" encoding="utf-8"?>
-<inkml:ink xmlns:inkml="http://www.w3.org/2003/InkML">
-  <inkml:definitions>
-    <inkml:context xml:id="ctx0">
-      <inkml:inkSource xml:id="inkSrc0">
-        <inkml:traceFormat>
-          <inkml:channel name="X" type="integer" min="-2.14748E9" max="2.14748E9" units="cm"/>
-          <inkml:channel name="Y" type="integer" min="-2.14748E9" max="2.14748E9" units="cm"/>
-          <inkml:channel name="F" type="integer" max="32767" units="dev"/>
-          <inkml:channel name="OA" type="integer" max="360" units="deg"/>
-          <inkml:channel name="OE" type="integer" max="90" units="deg"/>
-        </inkml:traceFormat>
-        <inkml:channelProperties>
-          <inkml:channelProperty channel="X" name="resolution" value="1000" units="1/cm"/>
-          <inkml:channelProperty channel="Y" name="resolution" value="1000" units="1/cm"/>
-          <inkml:channelProperty channel="F" name="resolution" value="0" units="1/dev"/>
-          <inkml:channelProperty channel="OA" name="resolution" value="1000" units="1/deg"/>
-          <inkml:channelProperty channel="OE" name="resolution" value="1000" units="1/deg"/>
-        </inkml:channelProperties>
-      </inkml:inkSource>
-      <inkml:timestamp xml:id="ts0" timeString="2020-05-24T04:15:03.455"/>
-    </inkml:context>
-    <inkml:brush xml:id="br0">
-      <inkml:brushProperty name="width" value="0.05" units="cm"/>
-      <inkml:brushProperty name="height" value="0.05" units="cm"/>
-    </inkml:brush>
-  </inkml:definitions>
-  <inkml:trace contextRef="#ctx0" brushRef="#br0">386 1 904 0 0,'-30'29'1814'0'0,"-9"24"-691"0"0,16-20-575 0 0,-12 17 183 0 0,1 2 0 0 0,4 2 0 0 0,1 0 0 0 0,3 2 0 0 0,-18 58-731 0 0,20-42 700 0 0,4 1 0 0 0,3 1 0 0 0,3 0 0 0 0,-2 52-700 0 0,16-119 54 0 0,-3 24 186 0 0,2 0 1 0 0,1 6-241 0 0,0-30 33 0 0,0 0 0 0 0,1 0 0 0 0,0 0 0 0 0,0 0 0 0 0,1 0 0 0 0,0 0 0 0 0,0-1 0 0 0,0 1 0 0 0,1-1 0 0 0,0 1 0 0 0,1-1 0 0 0,1 3-33 0 0,-4-8 17 0 0,0 0 1 0 0,-1 0-1 0 0,1 0 1 0 0,0 0 0 0 0,0 0-1 0 0,0 0 1 0 0,0 0-1 0 0,0-1 1 0 0,0 1 0 0 0,0 0-1 0 0,0-1 1 0 0,1 1-1 0 0,-1-1 1 0 0,0 1-1 0 0,0-1 1 0 0,0 1 0 0 0,1-1-1 0 0,-1 0 1 0 0,0 0-1 0 0,0 1 1 0 0,1-1 0 0 0,-1 0-1 0 0,0 0 1 0 0,1-1-18 0 0,1 1 37 0 0,-1-1 1 0 0,0 0 0 0 0,1 0-1 0 0,-1 0 1 0 0,0 0-1 0 0,0 0 1 0 0,0 0-1 0 0,0-1 1 0 0,0 1-1 0 0,0-1 1 0 0,0 1-1 0 0,1-2-37 0 0,4-4 95 0 0,-1-1 0 0 0,0 0 0 0 0,0 0 0 0 0,-1 0 0 0 0,0-1 0 0 0,0 0-95 0 0,7-17 28 0 0,-2-1 0 0 0,-1 0 0 0 0,0-1 0 0 0,-3 0 0 0 0,0 0 0 0 0,-1 0 0 0 0,-2-1 0 0 0,0-22-28 0 0,-4-44-42 0 0,-4 1 0 0 0,-3-1 42 0 0,1 15-17 0 0,-1 0 855 0 0,35 169-651 0 0,4 0 0 0 0,3-3 0 0 0,5-1 0 0 0,3-1 0 0 0,12 11-187 0 0,-20-44-547 0 0,40 44 547 0 0,5-4-4114 0 0,-75-85-762 0 0,-3-9-548 0 0</inkml:trace>
-</inkml:ink>
-</file>
-
-<file path=ppt/ink/ink75.xml><?xml version="1.0" encoding="utf-8"?>
-<inkml:ink xmlns:inkml="http://www.w3.org/2003/InkML">
-  <inkml:definitions>
-    <inkml:context xml:id="ctx0">
-      <inkml:inkSource xml:id="inkSrc0">
-        <inkml:traceFormat>
-          <inkml:channel name="X" type="integer" min="-2.14748E9" max="2.14748E9" units="cm"/>
-          <inkml:channel name="Y" type="integer" min="-2.14748E9" max="2.14748E9" units="cm"/>
-          <inkml:channel name="F" type="integer" max="32767" units="dev"/>
-          <inkml:channel name="OA" type="integer" max="360" units="deg"/>
-          <inkml:channel name="OE" type="integer" max="90" units="deg"/>
-        </inkml:traceFormat>
-        <inkml:channelProperties>
-          <inkml:channelProperty channel="X" name="resolution" value="1000" units="1/cm"/>
-          <inkml:channelProperty channel="Y" name="resolution" value="1000" units="1/cm"/>
-          <inkml:channelProperty channel="F" name="resolution" value="0" units="1/dev"/>
-          <inkml:channelProperty channel="OA" name="resolution" value="1000" units="1/deg"/>
-          <inkml:channelProperty channel="OE" name="resolution" value="1000" units="1/deg"/>
-        </inkml:channelProperties>
-      </inkml:inkSource>
-      <inkml:timestamp xml:id="ts0" timeString="2020-05-24T04:15:03.785"/>
-    </inkml:context>
-    <inkml:brush xml:id="br0">
-      <inkml:brushProperty name="width" value="0.05" units="cm"/>
-      <inkml:brushProperty name="height" value="0.05" units="cm"/>
-    </inkml:brush>
-  </inkml:definitions>
-  <inkml:trace contextRef="#ctx0" brushRef="#br0">47 66 6913 0 0,'-4'-4'673'0'0,"0"0"-1"0"0,0 0 1 0 0,0 0-1 0 0,0 1 1 0 0,-1 0-1 0 0,0 0 1 0 0,0 0-1 0 0,0 0 0 0 0,-1 0-672 0 0,107 31 3172 0 0,-67-23-3065 0 0,1-2 0 0 0,0-1 1 0 0,-1-1-1 0 0,1-2 0 0 0,9-3-107 0 0,20-4-2903 0 0,0-4-1 0 0,22-7 2904 0 0,-82 18-559 0 0,-1 0-1 0 0,0-1 0 0 0,1 1 0 0 0,-1 0 0 0 0,0-1 1 0 0,0 0-1 0 0,0 0 0 0 0,2-1 560 0 0,2-2-1683 0 0,12-2-3014 0 0</inkml:trace>
-</inkml:ink>
-</file>
-
-<file path=ppt/ink/ink76.xml><?xml version="1.0" encoding="utf-8"?>
-<inkml:ink xmlns:inkml="http://www.w3.org/2003/InkML">
-  <inkml:definitions>
-    <inkml:context xml:id="ctx0">
-      <inkml:inkSource xml:id="inkSrc0">
-        <inkml:traceFormat>
-          <inkml:channel name="X" type="integer" min="-2.14748E9" max="2.14748E9" units="cm"/>
-          <inkml:channel name="Y" type="integer" min="-2.14748E9" max="2.14748E9" units="cm"/>
-          <inkml:channel name="F" type="integer" max="32767" units="dev"/>
-          <inkml:channel name="OA" type="integer" max="360" units="deg"/>
-          <inkml:channel name="OE" type="integer" max="90" units="deg"/>
-        </inkml:traceFormat>
-        <inkml:channelProperties>
-          <inkml:channelProperty channel="X" name="resolution" value="1000" units="1/cm"/>
-          <inkml:channelProperty channel="Y" name="resolution" value="1000" units="1/cm"/>
-          <inkml:channelProperty channel="F" name="resolution" value="0" units="1/dev"/>
-          <inkml:channelProperty channel="OA" name="resolution" value="1000" units="1/deg"/>
-          <inkml:channelProperty channel="OE" name="resolution" value="1000" units="1/deg"/>
-        </inkml:channelProperties>
-      </inkml:inkSource>
-      <inkml:timestamp xml:id="ts0" timeString="2020-05-24T04:15:04.104"/>
-    </inkml:context>
-    <inkml:brush xml:id="br0">
-      <inkml:brushProperty name="width" value="0.05" units="cm"/>
-      <inkml:brushProperty name="height" value="0.05" units="cm"/>
-    </inkml:brush>
-  </inkml:definitions>
-  <inkml:trace contextRef="#ctx0" brushRef="#br0">81 126 6945 0 0,'-3'3'354'0'0,"0"-1"0"0"0,0 1-1 0 0,0 0 1 0 0,0-1 0 0 0,1 1-1 0 0,0 1 1 0 0,-1-1 0 0 0,1 0-1 0 0,0 0 1 0 0,1 1 0 0 0,-2 3-354 0 0,-14 43 1541 0 0,12-31-951 0 0,-3 11-87 0 0,1-1 1 0 0,2 1 0 0 0,1 0-1 0 0,1 1 1 0 0,2-1-1 0 0,1 0 1 0 0,2 7-504 0 0,7 56 989 0 0,15 61-989 0 0,-22-139 17 0 0,10 47 181 0 0,11 32-198 0 0,-15-66-37 0 0,2 0-1 0 0,1-1 1 0 0,1 0-1 0 0,7 11 38 0 0,-14-31-132 0 0,0 0-1 0 0,0 0 0 0 0,0 0 0 0 0,1-1 0 0 0,-1 0 0 0 0,2 0 0 0 0,-1 0 0 0 0,1-1 0 0 0,0 0 0 0 0,0 0 0 0 0,1 0 133 0 0,-6-4-176 0 0,1 0-1 0 0,-1 1 0 0 0,1-1 0 0 0,-1 0 1 0 0,1-1-1 0 0,-1 1 0 0 0,1 0 0 0 0,-1-1 1 0 0,1 1-1 0 0,0-1 0 0 0,-1 0 0 0 0,1 0 1 0 0,0 0-1 0 0,-1 0 0 0 0,1 0 0 0 0,-1 0 1 0 0,1-1-1 0 0,0 0 0 0 0,-1 1 0 0 0,1-1 1 0 0,-1 0-1 0 0,1 0 0 0 0,-1 0 0 0 0,0 0 1 0 0,1-1-1 0 0,-1 1 0 0 0,0-1 0 0 0,0 0 1 0 0,0 1-1 0 0,0-1 0 0 0,0 0 0 0 0,0 0 1 0 0,0 0-1 0 0,-1 0 0 0 0,1 0 0 0 0,-1-1 1 0 0,0 1 176 0 0,16-30-3336 0 0,1-5-2457 0 0</inkml:trace>
-  <inkml:trace contextRef="#ctx0" brushRef="#br0" timeOffset="1">257 48 5217 0 0,'-2'-13'1160'0'0,"2"-1"-159"0"0,0 3-89 0 0,2 4-216 0 0,-2 5-248 0 0,0 4-232 0 0,0-2-168 0 0,1 2-64 0 0,3 1 16 0 0,2 1-8 0 0,1 2-232 0 0,3-1-528 0 0,3 1-528 0 0,2-2-273 0 0,5 1-3760 0 0</inkml:trace>
-</inkml:ink>
-</file>
-
-<file path=ppt/ink/ink77.xml><?xml version="1.0" encoding="utf-8"?>
-<inkml:ink xmlns:inkml="http://www.w3.org/2003/InkML">
-  <inkml:definitions>
-    <inkml:context xml:id="ctx0">
-      <inkml:inkSource xml:id="inkSrc0">
-        <inkml:traceFormat>
-          <inkml:channel name="X" type="integer" min="-2.14748E9" max="2.14748E9" units="cm"/>
-          <inkml:channel name="Y" type="integer" min="-2.14748E9" max="2.14748E9" units="cm"/>
-          <inkml:channel name="F" type="integer" max="32767" units="dev"/>
-          <inkml:channel name="OA" type="integer" max="360" units="deg"/>
-          <inkml:channel name="OE" type="integer" max="90" units="deg"/>
-        </inkml:traceFormat>
-        <inkml:channelProperties>
-          <inkml:channelProperty channel="X" name="resolution" value="1000" units="1/cm"/>
-          <inkml:channelProperty channel="Y" name="resolution" value="1000" units="1/cm"/>
-          <inkml:channelProperty channel="F" name="resolution" value="0" units="1/dev"/>
-          <inkml:channelProperty channel="OA" name="resolution" value="1000" units="1/deg"/>
-          <inkml:channelProperty channel="OE" name="resolution" value="1000" units="1/deg"/>
-        </inkml:channelProperties>
-      </inkml:inkSource>
-      <inkml:timestamp xml:id="ts0" timeString="2020-05-24T04:15:04.500"/>
-    </inkml:context>
-    <inkml:brush xml:id="br0">
-      <inkml:brushProperty name="width" value="0.05" units="cm"/>
-      <inkml:brushProperty name="height" value="0.05" units="cm"/>
-    </inkml:brush>
-  </inkml:definitions>
-  <inkml:trace contextRef="#ctx0" brushRef="#br0">113 1 4713 0 0,'-16'27'1384'0'0,"1"1"0"0"0,1 1 0 0 0,2 0 0 0 0,-8 27-1384 0 0,11-23 447 0 0,1 0-1 0 0,1 0 0 0 0,2 0 1 0 0,1 1-1 0 0,2 0 0 0 0,2 0 1 0 0,1 10-447 0 0,0-23 95 0 0,2 1 1 0 0,0-1 0 0 0,2 0-1 0 0,0 0 1 0 0,1 0 0 0 0,1-1 0 0 0,1 0-1 0 0,1 0 1 0 0,4 6-96 0 0,-6-14-237 0 0,0 0-1 0 0,1-1 1 0 0,1 0-1 0 0,0 0 1 0 0,0-1-1 0 0,1 0 1 0 0,1 0-1 0 0,-1-1 1 0 0,1-1-1 0 0,1 0 1 0 0,0 0-1 0 0,0-1 1 0 0,0-1-1 0 0,12 5 238 0 0,-22-10-270 0 0,0 0-1 0 0,1 0 1 0 0,-1 0 0 0 0,1 0-1 0 0,-1 0 1 0 0,1 0-1 0 0,0-1 1 0 0,-1 1-1 0 0,1-1 1 0 0,0 0-1 0 0,-1 0 1 0 0,1 0-1 0 0,0 0 1 0 0,-1 0-1 0 0,1-1 1 0 0,0 1 0 0 0,-1-1-1 0 0,1 0 1 0 0,-1 0-1 0 0,1 0 271 0 0,13-9-2812 0 0</inkml:trace>
-  <inkml:trace contextRef="#ctx0" brushRef="#br0" timeOffset="1">416 459 3513 0 0,'-5'10'450'0'0,"0"1"-1"0"0,1-1 1 0 0,0 1 0 0 0,0 0 0 0 0,1 0-1 0 0,0 1 1 0 0,0 10-450 0 0,3-18 129 0 0,-1-1 1 0 0,1 1-1 0 0,0-1 0 0 0,1 1 1 0 0,-1-1-1 0 0,1 1 0 0 0,-1-1 0 0 0,1 1 1 0 0,0-1-1 0 0,0 0 0 0 0,1 1 1 0 0,0 2-130 0 0,0-4 93 0 0,-1-1 0 0 0,1 1 0 0 0,-1 0 0 0 0,1 0 0 0 0,-1-1 0 0 0,1 1 0 0 0,0-1 0 0 0,0 1 0 0 0,0-1 0 0 0,0 0 0 0 0,0 0 0 0 0,0 0 1 0 0,0 0-1 0 0,0 0 0 0 0,0 0 0 0 0,1 0 0 0 0,-1-1 0 0 0,0 1 0 0 0,1-1 0 0 0,1 0-93 0 0,5 1 195 0 0,0-1-1 0 0,0 0 1 0 0,1 0-1 0 0,-1-1 1 0 0,0 0-1 0 0,0-1 1 0 0,0 0 0 0 0,0-1-1 0 0,6-2-194 0 0,-10 3 142 0 0,1 0 1 0 0,0-1-1 0 0,-1 1 0 0 0,0-1 1 0 0,1-1-1 0 0,-1 1 1 0 0,-1-1-1 0 0,1 0 0 0 0,0 0 1 0 0,-1 0-1 0 0,0 0 0 0 0,0-1 1 0 0,0 0-1 0 0,0 0 0 0 0,0-1-142 0 0,-3 4 97 0 0,0-1 0 0 0,0 1-1 0 0,0-1 1 0 0,0 0-1 0 0,0 1 1 0 0,-1-1 0 0 0,1 0-1 0 0,-1 1 1 0 0,0-1-1 0 0,0 0 1 0 0,0 0 0 0 0,0 1-1 0 0,0-1 1 0 0,0 0-1 0 0,-1 0 1 0 0,1 1 0 0 0,-2-4-97 0 0,0 1 114 0 0,0 0 0 0 0,0 1 0 0 0,-1-1 0 0 0,0 0 0 0 0,0 1 0 0 0,0 0 0 0 0,0-1 0 0 0,-1 1 0 0 0,-1-1-114 0 0,-5-5 169 0 0,-1 1 0 0 0,-1 0 0 0 0,1 0 0 0 0,-2 1 1 0 0,1 1-1 0 0,-9-4-169 0 0,13 7 32 0 0,-1 1 0 0 0,1 0 1 0 0,-1 0-1 0 0,0 1 0 0 0,0 0 0 0 0,0 1 1 0 0,0 0-1 0 0,0 0 0 0 0,-8 1-32 0 0,12 0-44 0 0,-1 1 0 0 0,1-1 0 0 0,0 1 0 0 0,0 0 0 0 0,0 0 0 0 0,0 1 0 0 0,0-1 0 0 0,0 1 0 0 0,0 0 0 0 0,0 1-1 0 0,1-1 1 0 0,-1 1 0 0 0,1 0 0 0 0,0 0 0 0 0,0 0 0 0 0,0 0 0 0 0,-3 4 44 0 0,5-5-157 0 0,1 0-1 0 0,0 0 1 0 0,-1 0 0 0 0,1 1-1 0 0,0-1 1 0 0,0 0-1 0 0,0 1 1 0 0,0-1 0 0 0,0 1-1 0 0,1-1 1 0 0,-1 1 0 0 0,1-1-1 0 0,0 1 1 0 0,-1-1 0 0 0,1 1-1 0 0,0-1 1 0 0,1 1-1 0 0,-1-1 1 0 0,0 1 0 0 0,1-1-1 0 0,0 1 158 0 0,0 1-559 0 0,0 0-1 0 0,0 0 1 0 0,1 0-1 0 0,0 0 1 0 0,0-1-1 0 0,0 1 1 0 0,0-1-1 0 0,1 0 1 0 0,-1 1-1 0 0,1-1 1 0 0,0 0-1 0 0,0 0 1 0 0,0 0 559 0 0,18 13-5799 0 0</inkml:trace>
-</inkml:ink>
-</file>
-
-<file path=ppt/ink/ink78.xml><?xml version="1.0" encoding="utf-8"?>
-<inkml:ink xmlns:inkml="http://www.w3.org/2003/InkML">
-  <inkml:definitions>
-    <inkml:context xml:id="ctx0">
-      <inkml:inkSource xml:id="inkSrc0">
-        <inkml:traceFormat>
-          <inkml:channel name="X" type="integer" min="-2.14748E9" max="2.14748E9" units="cm"/>
-          <inkml:channel name="Y" type="integer" min="-2.14748E9" max="2.14748E9" units="cm"/>
-          <inkml:channel name="F" type="integer" max="32767" units="dev"/>
-          <inkml:channel name="OA" type="integer" max="360" units="deg"/>
-          <inkml:channel name="OE" type="integer" max="90" units="deg"/>
-        </inkml:traceFormat>
-        <inkml:channelProperties>
-          <inkml:channelProperty channel="X" name="resolution" value="1000" units="1/cm"/>
-          <inkml:channelProperty channel="Y" name="resolution" value="1000" units="1/cm"/>
-          <inkml:channelProperty channel="F" name="resolution" value="0" units="1/dev"/>
-          <inkml:channelProperty channel="OA" name="resolution" value="1000" units="1/deg"/>
-          <inkml:channelProperty channel="OE" name="resolution" value="1000" units="1/deg"/>
-        </inkml:channelProperties>
-      </inkml:inkSource>
-      <inkml:timestamp xml:id="ts0" timeString="2020-05-24T04:15:04.835"/>
-    </inkml:context>
-    <inkml:brush xml:id="br0">
-      <inkml:brushProperty name="width" value="0.05" units="cm"/>
-      <inkml:brushProperty name="height" value="0.05" units="cm"/>
-    </inkml:brush>
-  </inkml:definitions>
-  <inkml:trace contextRef="#ctx0" brushRef="#br0">90 17 8010 0 0,'-27'-16'4479'0'0,"24"68"-2885"0"0,-2-1-1 0 0,-7 30-1593 0 0,-1 6 606 0 0,-3 55 85 0 0,7 0 1 0 0,5 1-1 0 0,13 106-691 0 0,-5-206 309 0 0,2 0 0 0 0,10 38-309 0 0,-11-63 87 0 0,0-1 0 0 0,1 0 0 0 0,1 0 0 0 0,1 0 0 0 0,0-1 0 0 0,1 0 0 0 0,0-1 0 0 0,5 4-87 0 0,-9-12 42 0 0,1-1 1 0 0,0 1 0 0 0,0-1-1 0 0,0-1 1 0 0,1 1 0 0 0,0-1-1 0 0,0-1 1 0 0,0 1 0 0 0,1-1-1 0 0,0 0 1 0 0,-1-1 0 0 0,1 0-1 0 0,1 0 1 0 0,-1 0 0 0 0,0-1-1 0 0,0-1 1 0 0,1 1 0 0 0,-1-1-1 0 0,1-1 1 0 0,1 0-43 0 0,7 0 69 0 0,1-2 0 0 0,-1 0 0 0 0,0-1 0 0 0,1 0 0 0 0,-1-2-1 0 0,-1 0 1 0 0,1-1 0 0 0,-1 0 0 0 0,5-4-69 0 0,10-4 191 0 0,-1-1 1 0 0,0-1-1 0 0,-1-2 0 0 0,-1-1 0 0 0,0-2-191 0 0,-20 14-715 0 0,-1-1 0 0 0,1 0 0 0 0,-1 0 0 0 0,6-9 715 0 0,-8 9-2151 0 0,1-1-1 0 0,-1 0 0 0 0,-1-1 0 0 0,0 1 0 0 0,0-2 2152 0 0,3-6-6760 0 0</inkml:trace>
-</inkml:ink>
-</file>
-
-<file path=ppt/ink/ink79.xml><?xml version="1.0" encoding="utf-8"?>
-<inkml:ink xmlns:inkml="http://www.w3.org/2003/InkML">
-  <inkml:definitions>
-    <inkml:context xml:id="ctx0">
-      <inkml:inkSource xml:id="inkSrc0">
-        <inkml:traceFormat>
-          <inkml:channel name="X" type="integer" min="-2.14748E9" max="2.14748E9" units="cm"/>
-          <inkml:channel name="Y" type="integer" min="-2.14748E9" max="2.14748E9" units="cm"/>
-          <inkml:channel name="F" type="integer" max="32767" units="dev"/>
-          <inkml:channel name="OA" type="integer" max="360" units="deg"/>
-          <inkml:channel name="OE" type="integer" max="90" units="deg"/>
-        </inkml:traceFormat>
-        <inkml:channelProperties>
-          <inkml:channelProperty channel="X" name="resolution" value="1000" units="1/cm"/>
-          <inkml:channelProperty channel="Y" name="resolution" value="1000" units="1/cm"/>
-          <inkml:channelProperty channel="F" name="resolution" value="0" units="1/dev"/>
-          <inkml:channelProperty channel="OA" name="resolution" value="1000" units="1/deg"/>
-          <inkml:channelProperty channel="OE" name="resolution" value="1000" units="1/deg"/>
-        </inkml:channelProperties>
-      </inkml:inkSource>
-      <inkml:timestamp xml:id="ts0" timeString="2020-05-24T04:15:05.154"/>
-    </inkml:context>
-    <inkml:brush xml:id="br0">
-      <inkml:brushProperty name="width" value="0.05" units="cm"/>
-      <inkml:brushProperty name="height" value="0.05" units="cm"/>
-    </inkml:brush>
-  </inkml:definitions>
-  <inkml:trace contextRef="#ctx0" brushRef="#br0">53 74 6961 0 0,'-8'-21'1809'0'0,"3"4"23"0"0,-5 0-255 0 0,7 6-241 0 0,-3 7-408 0 0,-2 2-384 0 0,5 1-264 0 0,-1 2-160 0 0,0 1-64 0 0,2 2-24 0 0,2 2-72 0 0,4 3-72 0 0,2 4-264 0 0,3 6-528 0 0,6 3-576 0 0,4 1-961 0 0,-14-19-1160 0 0,22 18-2912 0 0</inkml:trace>
-</inkml:ink>
-</file>
-
-<file path=ppt/ink/ink8.xml><?xml version="1.0" encoding="utf-8"?>
-<inkml:ink xmlns:inkml="http://www.w3.org/2003/InkML">
-  <inkml:definitions>
-    <inkml:context xml:id="ctx0">
-      <inkml:inkSource xml:id="inkSrc0">
-        <inkml:traceFormat>
-          <inkml:channel name="X" type="integer" min="-2.14748E9" max="2.14748E9" units="cm"/>
-          <inkml:channel name="Y" type="integer" min="-2.14748E9" max="2.14748E9" units="cm"/>
-          <inkml:channel name="F" type="integer" max="32767" units="dev"/>
-          <inkml:channel name="OA" type="integer" max="360" units="deg"/>
-          <inkml:channel name="OE" type="integer" max="90" units="deg"/>
-        </inkml:traceFormat>
-        <inkml:channelProperties>
-          <inkml:channelProperty channel="X" name="resolution" value="1000" units="1/cm"/>
-          <inkml:channelProperty channel="Y" name="resolution" value="1000" units="1/cm"/>
-          <inkml:channelProperty channel="F" name="resolution" value="0" units="1/dev"/>
-          <inkml:channelProperty channel="OA" name="resolution" value="1000" units="1/deg"/>
-          <inkml:channelProperty channel="OE" name="resolution" value="1000" units="1/deg"/>
-        </inkml:channelProperties>
-      </inkml:inkSource>
-      <inkml:timestamp xml:id="ts0" timeString="2020-05-24T04:17:37.191"/>
-    </inkml:context>
-    <inkml:brush xml:id="br0">
-      <inkml:brushProperty name="width" value="0.05" units="cm"/>
-      <inkml:brushProperty name="height" value="0.05" units="cm"/>
-    </inkml:brush>
-  </inkml:definitions>
-  <inkml:trace contextRef="#ctx0" brushRef="#br0">24 11 3545 0 0,'-1'-1'145'0'0,"1"0"1"0"0,-1 1-1 0 0,1-1 1 0 0,0 1-1 0 0,-1-1 1 0 0,1 0-1 0 0,-1 1 1 0 0,1-1-1 0 0,-1 1 1 0 0,1-1-1 0 0,-1 1 1 0 0,0 0-1 0 0,1-1 1 0 0,-1 1-1 0 0,0 0 1 0 0,1-1-1 0 0,-1 1 1 0 0,0 0-1 0 0,1 0 1 0 0,-1-1-1 0 0,0 1 1 0 0,0 0-146 0 0,0 0 107 0 0,1 1 1 0 0,0-1 0 0 0,-1 1 0 0 0,1-1 0 0 0,-1 1 0 0 0,1-1 0 0 0,0 1-1 0 0,-1-1 1 0 0,1 1 0 0 0,0-1 0 0 0,0 1 0 0 0,-1-1 0 0 0,1 1 0 0 0,0-1 0 0 0,0 1-1 0 0,0 0 1 0 0,0-1 0 0 0,0 1 0 0 0,0-1 0 0 0,0 1 0 0 0,0 0 0 0 0,0-1-1 0 0,0 1 1 0 0,0-1 0 0 0,0 1 0 0 0,0 0-108 0 0,1 53 2939 0 0,-4 25-2939 0 0,1 33 731 0 0,21 134 364 0 0,-8-138 645 0 0,-2 98-1740 0 0,-9-196-56 0 0,-8 152 778 0 0,0-93-2900 0 0,7-61-630 0 0,3-2-4062 0 0</inkml:trace>
-</inkml:ink>
-</file>
-
-<file path=ppt/ink/ink80.xml><?xml version="1.0" encoding="utf-8"?>
-<inkml:ink xmlns:inkml="http://www.w3.org/2003/InkML">
-  <inkml:definitions>
-    <inkml:context xml:id="ctx0">
-      <inkml:inkSource xml:id="inkSrc0">
-        <inkml:traceFormat>
-          <inkml:channel name="X" type="integer" min="-2.14748E9" max="2.14748E9" units="cm"/>
-          <inkml:channel name="Y" type="integer" min="-2.14748E9" max="2.14748E9" units="cm"/>
-          <inkml:channel name="F" type="integer" max="32767" units="dev"/>
-          <inkml:channel name="OA" type="integer" max="360" units="deg"/>
-          <inkml:channel name="OE" type="integer" max="90" units="deg"/>
-        </inkml:traceFormat>
-        <inkml:channelProperties>
-          <inkml:channelProperty channel="X" name="resolution" value="1000" units="1/cm"/>
-          <inkml:channelProperty channel="Y" name="resolution" value="1000" units="1/cm"/>
-          <inkml:channelProperty channel="F" name="resolution" value="0" units="1/dev"/>
-          <inkml:channelProperty channel="OA" name="resolution" value="1000" units="1/deg"/>
-          <inkml:channelProperty channel="OE" name="resolution" value="1000" units="1/deg"/>
-        </inkml:channelProperties>
-      </inkml:inkSource>
-      <inkml:timestamp xml:id="ts0" timeString="2020-05-24T04:15:05.504"/>
-    </inkml:context>
-    <inkml:brush xml:id="br0">
-      <inkml:brushProperty name="width" value="0.05" units="cm"/>
-      <inkml:brushProperty name="height" value="0.05" units="cm"/>
-    </inkml:brush>
-  </inkml:definitions>
-  <inkml:trace contextRef="#ctx0" brushRef="#br0">166 1 5273 0 0,'-19'19'695'0'0,"1"2"0"0"0,0 0 0 0 0,1 1-1 0 0,2 0 1 0 0,0 1 0 0 0,-8 20-695 0 0,15-27 221 0 0,2 0 1 0 0,0 0-1 0 0,1 0 0 0 0,1 1 0 0 0,0-1 1 0 0,1 1-1 0 0,1 0 0 0 0,0 0 0 0 0,2 0 1 0 0,0 0-1 0 0,1 7-221 0 0,0-17 25 0 0,0-1 1 0 0,0 0-1 0 0,1 0 0 0 0,-1 0 0 0 0,1 0 1 0 0,1 0-1 0 0,-1 0 0 0 0,1-1 1 0 0,0 1-1 0 0,1-1 0 0 0,-1 0 1 0 0,1 0-1 0 0,0 0 0 0 0,0 0 1 0 0,1 0-1 0 0,-1-1 0 0 0,1 0 1 0 0,0 0-1 0 0,0 0 0 0 0,3 1-25 0 0,-3-3-273 0 0,-1 1-1 0 0,1-1 0 0 0,-1 0 1 0 0,1 0-1 0 0,0-1 0 0 0,0 0 0 0 0,-1 1 1 0 0,1-2-1 0 0,0 1 0 0 0,0 0 1 0 0,0-1-1 0 0,0 0 0 0 0,0 0 1 0 0,0-1-1 0 0,0 1 0 0 0,0-1 1 0 0,0 0-1 0 0,0-1 0 0 0,0 1 1 0 0,-1-1-1 0 0,1 0 0 0 0,-1 0 1 0 0,1 0-1 0 0,-1 0 0 0 0,0-1 0 0 0,1-1 274 0 0,16-10-2649 0 0</inkml:trace>
-</inkml:ink>
-</file>
-
-<file path=ppt/ink/ink81.xml><?xml version="1.0" encoding="utf-8"?>
-<inkml:ink xmlns:inkml="http://www.w3.org/2003/InkML">
-  <inkml:definitions>
-    <inkml:context xml:id="ctx0">
-      <inkml:inkSource xml:id="inkSrc0">
-        <inkml:traceFormat>
-          <inkml:channel name="X" type="integer" min="-2.14748E9" max="2.14748E9" units="cm"/>
-          <inkml:channel name="Y" type="integer" min="-2.14748E9" max="2.14748E9" units="cm"/>
-          <inkml:channel name="F" type="integer" max="32767" units="dev"/>
-          <inkml:channel name="OA" type="integer" max="360" units="deg"/>
-          <inkml:channel name="OE" type="integer" max="90" units="deg"/>
-        </inkml:traceFormat>
-        <inkml:channelProperties>
-          <inkml:channelProperty channel="X" name="resolution" value="1000" units="1/cm"/>
-          <inkml:channelProperty channel="Y" name="resolution" value="1000" units="1/cm"/>
-          <inkml:channelProperty channel="F" name="resolution" value="0" units="1/dev"/>
-          <inkml:channelProperty channel="OA" name="resolution" value="1000" units="1/deg"/>
-          <inkml:channelProperty channel="OE" name="resolution" value="1000" units="1/deg"/>
-        </inkml:channelProperties>
-      </inkml:inkSource>
-      <inkml:timestamp xml:id="ts0" timeString="2020-05-24T04:15:05.839"/>
-    </inkml:context>
-    <inkml:brush xml:id="br0">
-      <inkml:brushProperty name="width" value="0.05" units="cm"/>
-      <inkml:brushProperty name="height" value="0.05" units="cm"/>
-    </inkml:brush>
-  </inkml:definitions>
-  <inkml:trace contextRef="#ctx0" brushRef="#br0">113 315 2168 0 0,'-1'-3'283'0'0,"0"-3"135"0"0,-1 1 1 0 0,0-1 0 0 0,0 1-1 0 0,-1 0 1 0 0,0 0 0 0 0,0 0-1 0 0,0 0 1 0 0,0 0 0 0 0,-1 0 0 0 0,0 1-1 0 0,0 0 1 0 0,-3-4-419 0 0,6 8 84 0 0,0 0 1 0 0,0 0-1 0 0,0-1 0 0 0,1 1 1 0 0,-1 0-1 0 0,0 0 0 0 0,0 0 0 0 0,0 0 1 0 0,0 0-1 0 0,0 0 0 0 0,1 0 1 0 0,-1 0-1 0 0,0 0 0 0 0,0 1 1 0 0,0-1-1 0 0,0 0 0 0 0,1 1 1 0 0,-1-1-1 0 0,0 0 0 0 0,0 1 1 0 0,1-1-1 0 0,-1 1 0 0 0,0-1 1 0 0,1 1-1 0 0,-1-1 0 0 0,0 1 0 0 0,1-1 1 0 0,-1 1-1 0 0,1 0 0 0 0,-1-1 1 0 0,1 1-1 0 0,-1 0 0 0 0,1 0 1 0 0,-1-1-1 0 0,1 2-84 0 0,-15 28 889 0 0,14-29-812 0 0,-5 14 207 0 0,1 1 0 0 0,0-1-1 0 0,1 1 1 0 0,1-1 0 0 0,1 1 0 0 0,-1 6-284 0 0,3-16 60 0 0,-1 0 0 0 0,1 1 0 0 0,1-1 0 0 0,-1 0 1 0 0,1 1-1 0 0,0-1 0 0 0,0 0 0 0 0,1 0 0 0 0,-1 0 0 0 0,2 0 0 0 0,-1 0 0 0 0,0 0 0 0 0,1 0 0 0 0,0-1 0 0 0,1 1 0 0 0,-1-1 0 0 0,3 2-60 0 0,-4-4 18 0 0,1-1 0 0 0,-1 1-1 0 0,1-1 1 0 0,0 0-1 0 0,-1 0 1 0 0,1-1 0 0 0,0 1-1 0 0,0 0 1 0 0,0-1-1 0 0,0 0 1 0 0,1 0 0 0 0,-1 0-1 0 0,0 0 1 0 0,0 0-1 0 0,1 0 1 0 0,-1-1 0 0 0,1 0-1 0 0,-1 0 1 0 0,3 0-18 0 0,6-1 46 0 0,-1-1 0 0 0,0 0 0 0 0,1-1 0 0 0,-1 0 0 0 0,2-2-46 0 0,31-7 29 0 0,-42 11-30 0 0,-1 1 1 0 0,0 0-1 0 0,0 0 1 0 0,1 0-1 0 0,-1 0 1 0 0,0 0 0 0 0,0 0-1 0 0,1 1 1 0 0,-1-1-1 0 0,0 0 1 0 0,0 0-1 0 0,1 1 1 0 0,-1-1-1 0 0,0 1 1 0 0,0-1-1 0 0,0 1 1 0 0,0 0-1 0 0,0-1 1 0 0,0 1-1 0 0,0 0 1 0 0,0 0-1 0 0,0 0 1 0 0,1 1 8 0 0,0 1-1 0 0,0-1 0 0 0,0 1 0 0 0,-1 0 0 0 0,1-1 0 0 0,-1 1 1 0 0,0 0-1 0 0,1 0 0 0 0,-1 2-7 0 0,1 3 37 0 0,0 1-1 0 0,0 0 1 0 0,-1-1 0 0 0,0 1 0 0 0,-1 0 0 0 0,0 4-37 0 0,-2 10 104 0 0,0 1 0 0 0,-2 0 1 0 0,-1-1-1 0 0,-1 1 0 0 0,0-1 1 0 0,-3 2-105 0 0,1-7-1516 0 0,0 0 1 0 0,-8 12 1515 0 0,16-29-206 0 0,-1 0 0 0 0,0 0 0 0 0,1 0 0 0 0,-1 0 0 0 0,0 0 0 0 0,0 0 0 0 0,0 0 0 0 0,0 0 0 0 0,0 0 0 0 0,0 0 0 0 0,0 0 0 0 0,-1-1 0 0 0,1 1 0 0 0,0 0 0 0 0,0-1 0 0 0,0 1 0 0 0,-1-1-1 0 0,1 1 1 0 0,0-1 0 0 0,-2 0 206 0 0,-5 3-1687 0 0,-3 6-4397 0 0</inkml:trace>
-  <inkml:trace contextRef="#ctx0" brushRef="#br0" timeOffset="1">252 270 6353 0 0,'3'-9'734'0'0,"0"-1"0"0"0,1 1-1 0 0,0-1 1 0 0,0 1 0 0 0,1 0-1 0 0,1 1 1 0 0,-1-1-1 0 0,1 1 1 0 0,1 0 0 0 0,1-1-734 0 0,-2 3 127 0 0,0 1 0 0 0,0 0-1 0 0,1 0 1 0 0,-1 1 0 0 0,1 0 0 0 0,0 0 0 0 0,0 0 0 0 0,1 1 0 0 0,-1 0 0 0 0,1 1 0 0 0,-1-1-1 0 0,1 2 1 0 0,2-1-127 0 0,13-3-267 0 0,0 0-1 0 0,-1-2 1 0 0,0 0-1 0 0,12-7 268 0 0,-19 7-1166 0 0,-1 0-1 0 0,0-1 1 0 0,-1-1-1 0 0,5-3 1167 0 0,10-11-3552 0 0,4 7-2307 0 0</inkml:trace>
-</inkml:ink>
-</file>
-
-<file path=ppt/ink/ink82.xml><?xml version="1.0" encoding="utf-8"?>
-<inkml:ink xmlns:inkml="http://www.w3.org/2003/InkML">
-  <inkml:definitions>
-    <inkml:context xml:id="ctx0">
-      <inkml:inkSource xml:id="inkSrc0">
-        <inkml:traceFormat>
-          <inkml:channel name="X" type="integer" min="-2.14748E9" max="2.14748E9" units="cm"/>
-          <inkml:channel name="Y" type="integer" min="-2.14748E9" max="2.14748E9" units="cm"/>
-          <inkml:channel name="F" type="integer" max="32767" units="dev"/>
-          <inkml:channel name="OA" type="integer" max="360" units="deg"/>
-          <inkml:channel name="OE" type="integer" max="90" units="deg"/>
-        </inkml:traceFormat>
-        <inkml:channelProperties>
-          <inkml:channelProperty channel="X" name="resolution" value="1000" units="1/cm"/>
-          <inkml:channelProperty channel="Y" name="resolution" value="1000" units="1/cm"/>
-          <inkml:channelProperty channel="F" name="resolution" value="0" units="1/dev"/>
-          <inkml:channelProperty channel="OA" name="resolution" value="1000" units="1/deg"/>
-          <inkml:channelProperty channel="OE" name="resolution" value="1000" units="1/deg"/>
-        </inkml:channelProperties>
-      </inkml:inkSource>
-      <inkml:timestamp xml:id="ts0" timeString="2020-05-24T04:15:06.171"/>
-    </inkml:context>
-    <inkml:brush xml:id="br0">
-      <inkml:brushProperty name="width" value="0.05" units="cm"/>
-      <inkml:brushProperty name="height" value="0.05" units="cm"/>
-    </inkml:brush>
-  </inkml:definitions>
-  <inkml:trace contextRef="#ctx0" brushRef="#br0">127 1 2745 0 0,'-3'-1'212'0'0,"0"1"-1"0"0,0 0 1 0 0,-1 0 0 0 0,1 1 0 0 0,0-1 0 0 0,0 1 0 0 0,0-1 0 0 0,0 1 0 0 0,1 0 0 0 0,-1 0 0 0 0,0 0 0 0 0,0 1 0 0 0,0-1 0 0 0,1 1-1 0 0,-1-1 1 0 0,1 1 0 0 0,-1 0 0 0 0,1 0 0 0 0,0 0 0 0 0,0 0 0 0 0,0 0 0 0 0,0 1 0 0 0,0-1 0 0 0,0 1 0 0 0,0-1 0 0 0,1 1 0 0 0,-2 2-212 0 0,-3 8 424 0 0,0 1 0 0 0,1 0 0 0 0,1 0 0 0 0,0 0 1 0 0,0 4-425 0 0,2-11 229 0 0,-6 32 754 0 0,2 1 0 0 0,1 0 0 0 0,2 0 0 0 0,2 15-983 0 0,10 162 2710 0 0,-6-185-2332 0 0,12 171 2007 0 0,11 7-2385 0 0,-24-194 51 0 0,2 1 0 0 0,0-1 0 0 0,3 7-51 0 0,-6-20 4 0 0,0 0 1 0 0,0 1 0 0 0,0-1 0 0 0,0 0-1 0 0,1-1 1 0 0,-1 1 0 0 0,1 0 0 0 0,0 0-1 0 0,0-1 1 0 0,0 1 0 0 0,0-1 0 0 0,1 1-1 0 0,-1-1 1 0 0,0 0 0 0 0,1 0 0 0 0,0 0-1 0 0,-1 0 1 0 0,1-1 0 0 0,0 1 0 0 0,2 0-5 0 0,-2-2 2 0 0,-1 0 1 0 0,0 0-1 0 0,0 0 0 0 0,0 0 1 0 0,0 0-1 0 0,0 0 1 0 0,0-1-1 0 0,0 1 0 0 0,0-1 1 0 0,0 0-1 0 0,0 1 1 0 0,0-1-1 0 0,0 0 0 0 0,0 0 1 0 0,0-1-1 0 0,-1 1 1 0 0,1 0-1 0 0,0 0 0 0 0,-1-1 1 0 0,1 1-1 0 0,-1-1 1 0 0,1 1-1 0 0,-1-1 0 0 0,0 0-2 0 0,7-8-13 0 0,-1 0 0 0 0,-1 0 0 0 0,5-8 13 0 0,-10 16-13 0 0,40-83-813 0 0,2-6-1398 0 0,-36 79 1249 0 0,0 1 0 0 0,1 0 0 0 0,0 0 1 0 0,1 1-1 0 0,0 0 0 0 0,3-3 975 0 0,27-22-5059 0 0,-22 17 1775 0 0</inkml:trace>
-  <inkml:trace contextRef="#ctx0" brushRef="#br0" timeOffset="1">744 953 11554 0 0,'-33'26'4341'0'0,"15"-9"-2722"0"0,0 1 0 0 0,-10 16-1619 0 0,20-25 889 0 0,7-7-791 0 0,-1-1 0 0 0,1 0 0 0 0,-1 1 0 0 0,1-1 0 0 0,-1 0 0 0 0,1 0 1 0 0,-1 0-1 0 0,0 0 0 0 0,0-1 0 0 0,1 1 0 0 0,-1 0 0 0 0,0-1 0 0 0,0 1 0 0 0,-2 0-98 0 0,4-1-79 0 0,-1 0 0 0 0,0 0-1 0 0,1 0 1 0 0,-1 0-1 0 0,1 0 1 0 0,-1 0 0 0 0,1 0-1 0 0,-1-1 1 0 0,0 1-1 0 0,1 0 1 0 0,-1 0 0 0 0,1 0-1 0 0,-1 0 1 0 0,1-1-1 0 0,-1 1 1 0 0,1 0-1 0 0,-1-1 1 0 0,1 1 0 0 0,-1-1 79 0 0,0 1-353 0 0,1-1 0 0 0,0 1 1 0 0,-1-1-1 0 0,1 0 0 0 0,0 1 0 0 0,0-1 1 0 0,-1 0-1 0 0,1 1 0 0 0,0-1 1 0 0,0 0-1 0 0,0 1 0 0 0,0-1 1 0 0,0 0-1 0 0,0 1 0 0 0,0-1 0 0 0,0 0 1 0 0,0 1-1 0 0,0-1 0 0 0,0 0 1 0 0,0 0-1 0 0,1 1 353 0 0,-1 0-81 0 0,0 0 0 0 0,0-1 1 0 0,0 1-1 0 0,0 0 0 0 0,0 0 0 0 0,0 0 0 0 0,0 0 1 0 0,0 0-1 0 0,0 0 0 0 0,0 0 0 0 0,0 0 1 0 0,0-1-1 0 0,0 1 0 0 0,0 0 0 0 0,0 0 0 0 0,0 0 1 0 0,0 0-1 0 0,0 0 0 0 0,0 0 0 0 0,0 0 0 0 0,1 0 1 0 0,-1 0-1 0 0,0 0 0 0 0,0-1 0 0 0,0 1 0 0 0,0 0 1 0 0,0 0-1 0 0,0 0 0 0 0,0 0 0 0 0,0 0 0 0 0,1 0 1 0 0,-1 0-1 0 0,0 0 0 0 0,0 0 0 0 0,0 0 1 0 0,0 0-1 0 0,0 0 0 0 0,0 0 0 0 0,0 0 0 0 0,1 0 1 0 0,-1 0-1 0 0,0 0 0 0 0,0 0 0 0 0,0 0 0 0 0,0 0 1 0 0,0 0-1 0 0,0 0 0 0 0,0 0 0 0 0,0 1 0 0 0,1-1 81 0 0,13 10-6488 0 0</inkml:trace>
-</inkml:ink>
-</file>
-
-<file path=ppt/ink/ink83.xml><?xml version="1.0" encoding="utf-8"?>
-<inkml:ink xmlns:inkml="http://www.w3.org/2003/InkML">
-  <inkml:definitions>
-    <inkml:context xml:id="ctx0">
-      <inkml:inkSource xml:id="inkSrc0">
-        <inkml:traceFormat>
-          <inkml:channel name="X" type="integer" min="-2.14748E9" max="2.14748E9" units="cm"/>
-          <inkml:channel name="Y" type="integer" min="-2.14748E9" max="2.14748E9" units="cm"/>
-          <inkml:channel name="F" type="integer" max="32767" units="dev"/>
-          <inkml:channel name="OA" type="integer" max="360" units="deg"/>
-          <inkml:channel name="OE" type="integer" max="90" units="deg"/>
-        </inkml:traceFormat>
-        <inkml:channelProperties>
-          <inkml:channelProperty channel="X" name="resolution" value="1000" units="1/cm"/>
-          <inkml:channelProperty channel="Y" name="resolution" value="1000" units="1/cm"/>
-          <inkml:channelProperty channel="F" name="resolution" value="0" units="1/dev"/>
-          <inkml:channelProperty channel="OA" name="resolution" value="1000" units="1/deg"/>
-          <inkml:channelProperty channel="OE" name="resolution" value="1000" units="1/deg"/>
-        </inkml:channelProperties>
-      </inkml:inkSource>
-      <inkml:timestamp xml:id="ts0" timeString="2020-05-24T04:15:06.786"/>
-    </inkml:context>
-    <inkml:brush xml:id="br0">
-      <inkml:brushProperty name="width" value="0.05" units="cm"/>
-      <inkml:brushProperty name="height" value="0.05" units="cm"/>
-    </inkml:brush>
-  </inkml:definitions>
-  <inkml:trace contextRef="#ctx0" brushRef="#br0">1 1645 6169 0 0,'47'-14'2234'0'0,"43"-6"-2234"0"0,-4 1 338 0 0,598-167 680 0 0,-29 7-1034 0 0,714-174 1622 0 0,-301 37 419 0 0,-14-41-360 0 0,-772 264-1337 0 0,27-9-10 0 0,-297 97-1650 0 0,-24 6-3554 0 0,3 0 2343 0 0,1 1-3501 0 0</inkml:trace>
-</inkml:ink>
-</file>
-
-<file path=ppt/ink/ink84.xml><?xml version="1.0" encoding="utf-8"?>
-<inkml:ink xmlns:inkml="http://www.w3.org/2003/InkML">
-  <inkml:definitions>
-    <inkml:context xml:id="ctx0">
-      <inkml:inkSource xml:id="inkSrc0">
-        <inkml:traceFormat>
-          <inkml:channel name="X" type="integer" min="-2.14748E9" max="2.14748E9" units="cm"/>
-          <inkml:channel name="Y" type="integer" min="-2.14748E9" max="2.14748E9" units="cm"/>
-          <inkml:channel name="F" type="integer" max="32767" units="dev"/>
-          <inkml:channel name="OA" type="integer" max="360" units="deg"/>
-          <inkml:channel name="OE" type="integer" max="90" units="deg"/>
-        </inkml:traceFormat>
-        <inkml:channelProperties>
-          <inkml:channelProperty channel="X" name="resolution" value="1000" units="1/cm"/>
-          <inkml:channelProperty channel="Y" name="resolution" value="1000" units="1/cm"/>
-          <inkml:channelProperty channel="F" name="resolution" value="0" units="1/dev"/>
-          <inkml:channelProperty channel="OA" name="resolution" value="1000" units="1/deg"/>
-          <inkml:channelProperty channel="OE" name="resolution" value="1000" units="1/deg"/>
-        </inkml:channelProperties>
-      </inkml:inkSource>
-      <inkml:timestamp xml:id="ts0" timeString="2020-05-24T04:15:07.117"/>
-    </inkml:context>
-    <inkml:brush xml:id="br0">
-      <inkml:brushProperty name="width" value="0.05" units="cm"/>
-      <inkml:brushProperty name="height" value="0.05" units="cm"/>
-    </inkml:brush>
-  </inkml:definitions>
-  <inkml:trace contextRef="#ctx0" brushRef="#br0">265 1 7122 0 0,'-19'14'751'0'0,"1"1"1"0"0,1 1-1 0 0,0 1 1 0 0,1 0-1 0 0,1 1 1 0 0,-12 19-752 0 0,-14 24 888 0 0,-15 37-888 0 0,49-85 62 0 0,0 0 0 0 0,1 1 0 0 0,0-1 0 0 0,-2 12-62 0 0,7-21-93 0 0,0-1 0 0 0,0 1 0 0 0,0 0-1 0 0,1 0 1 0 0,-1 0 0 0 0,1-1 0 0 0,0 1 0 0 0,0 0 0 0 0,1 0 0 0 0,-1 0 0 0 0,1 0 0 0 0,0-1 0 0 0,0 1 0 0 0,0 0-1 0 0,0-1 1 0 0,1 1 0 0 0,-1-1 0 0 0,1 1 0 0 0,0-1 0 0 0,1 2 93 0 0,-2-4-233 0 0,0 1 1 0 0,0-1-1 0 0,0 0 0 0 0,1 0 1 0 0,-1 0-1 0 0,0 0 0 0 0,0 0 1 0 0,1 0-1 0 0,-1 0 1 0 0,1-1-1 0 0,-1 1 0 0 0,1-1 1 0 0,-1 1-1 0 0,1-1 0 0 0,0 1 233 0 0,3 1-967 0 0,24 11-3833 0 0</inkml:trace>
-  <inkml:trace contextRef="#ctx0" brushRef="#br0" timeOffset="1">452 23 6233 0 0,'-13'10'1601'0'0,"-4"12"-41"0"0,-4 8-288 0 0,-3 7-175 0 0,-2 6-329 0 0,3-5-560 0 0,-1 3-56 0 0,0 2-64 0 0,-1 2-288 0 0,1 4-905 0 0,-4-6-1471 0 0,7 5-4394 0 0</inkml:trace>
-</inkml:ink>
-</file>
-
-<file path=ppt/ink/ink85.xml><?xml version="1.0" encoding="utf-8"?>
-<inkml:ink xmlns:inkml="http://www.w3.org/2003/InkML">
-  <inkml:definitions>
-    <inkml:context xml:id="ctx0">
-      <inkml:inkSource xml:id="inkSrc0">
-        <inkml:traceFormat>
-          <inkml:channel name="X" type="integer" min="-2.14748E9" max="2.14748E9" units="cm"/>
-          <inkml:channel name="Y" type="integer" min="-2.14748E9" max="2.14748E9" units="cm"/>
-          <inkml:channel name="F" type="integer" max="32767" units="dev"/>
-          <inkml:channel name="OA" type="integer" max="360" units="deg"/>
-          <inkml:channel name="OE" type="integer" max="90" units="deg"/>
-        </inkml:traceFormat>
-        <inkml:channelProperties>
-          <inkml:channelProperty channel="X" name="resolution" value="1000" units="1/cm"/>
-          <inkml:channelProperty channel="Y" name="resolution" value="1000" units="1/cm"/>
-          <inkml:channelProperty channel="F" name="resolution" value="0" units="1/dev"/>
-          <inkml:channelProperty channel="OA" name="resolution" value="1000" units="1/deg"/>
-          <inkml:channelProperty channel="OE" name="resolution" value="1000" units="1/deg"/>
-        </inkml:channelProperties>
-      </inkml:inkSource>
-      <inkml:timestamp xml:id="ts0" timeString="2020-05-24T04:15:11.529"/>
-    </inkml:context>
-    <inkml:brush xml:id="br0">
-      <inkml:brushProperty name="width" value="0.05" units="cm"/>
-      <inkml:brushProperty name="height" value="0.05" units="cm"/>
-    </inkml:brush>
-  </inkml:definitions>
-  <inkml:trace contextRef="#ctx0" brushRef="#br0">83 245 9314 0 0,'-13'1'887'0'0,"1"2"0"0"0,-1 0 0 0 0,1 0 0 0 0,0 1 1 0 0,-9 4-888 0 0,243-113 1879 0 0,57-31-3264 0 0,-208 113-3722 0 0,-66 20 1678 0 0,-1 12-2271 0 0</inkml:trace>
-</inkml:ink>
-</file>
-
-<file path=ppt/ink/ink86.xml><?xml version="1.0" encoding="utf-8"?>
-<inkml:ink xmlns:inkml="http://www.w3.org/2003/InkML">
-  <inkml:definitions>
-    <inkml:context xml:id="ctx0">
-      <inkml:inkSource xml:id="inkSrc0">
-        <inkml:traceFormat>
-          <inkml:channel name="X" type="integer" min="-2.14748E9" max="2.14748E9" units="cm"/>
-          <inkml:channel name="Y" type="integer" min="-2.14748E9" max="2.14748E9" units="cm"/>
-          <inkml:channel name="F" type="integer" max="32767" units="dev"/>
-          <inkml:channel name="OA" type="integer" max="360" units="deg"/>
-          <inkml:channel name="OE" type="integer" max="90" units="deg"/>
-        </inkml:traceFormat>
-        <inkml:channelProperties>
-          <inkml:channelProperty channel="X" name="resolution" value="1000" units="1/cm"/>
-          <inkml:channelProperty channel="Y" name="resolution" value="1000" units="1/cm"/>
-          <inkml:channelProperty channel="F" name="resolution" value="0" units="1/dev"/>
-          <inkml:channelProperty channel="OA" name="resolution" value="1000" units="1/deg"/>
-          <inkml:channelProperty channel="OE" name="resolution" value="1000" units="1/deg"/>
-        </inkml:channelProperties>
-      </inkml:inkSource>
-      <inkml:timestamp xml:id="ts0" timeString="2020-05-24T04:15:11.862"/>
-    </inkml:context>
-    <inkml:brush xml:id="br0">
-      <inkml:brushProperty name="width" value="0.05" units="cm"/>
-      <inkml:brushProperty name="height" value="0.05" units="cm"/>
-    </inkml:brush>
-  </inkml:definitions>
-  <inkml:trace contextRef="#ctx0" brushRef="#br0">42 279 7162 0 0,'-42'19'6830'0'0,"110"-58"-4899"0"0,113-49-1304 0 0,-31 17-1503 0 0,-53 20-2137 0 0,-33 16-2322 0 0,-38 22-463 0 0</inkml:trace>
-</inkml:ink>
-</file>
-
-<file path=ppt/ink/ink87.xml><?xml version="1.0" encoding="utf-8"?>
-<inkml:ink xmlns:inkml="http://www.w3.org/2003/InkML">
-  <inkml:definitions>
-    <inkml:context xml:id="ctx0">
-      <inkml:inkSource xml:id="inkSrc0">
-        <inkml:traceFormat>
-          <inkml:channel name="X" type="integer" min="-2.14748E9" max="2.14748E9" units="cm"/>
-          <inkml:channel name="Y" type="integer" min="-2.14748E9" max="2.14748E9" units="cm"/>
-          <inkml:channel name="F" type="integer" max="32767" units="dev"/>
-          <inkml:channel name="OA" type="integer" max="360" units="deg"/>
-          <inkml:channel name="OE" type="integer" max="90" units="deg"/>
-        </inkml:traceFormat>
-        <inkml:channelProperties>
-          <inkml:channelProperty channel="X" name="resolution" value="1000" units="1/cm"/>
-          <inkml:channelProperty channel="Y" name="resolution" value="1000" units="1/cm"/>
-          <inkml:channelProperty channel="F" name="resolution" value="0" units="1/dev"/>
-          <inkml:channelProperty channel="OA" name="resolution" value="1000" units="1/deg"/>
-          <inkml:channelProperty channel="OE" name="resolution" value="1000" units="1/deg"/>
-        </inkml:channelProperties>
-      </inkml:inkSource>
-      <inkml:timestamp xml:id="ts0" timeString="2020-05-24T04:15:22.085"/>
-    </inkml:context>
-    <inkml:brush xml:id="br0">
-      <inkml:brushProperty name="width" value="0.05" units="cm"/>
-      <inkml:brushProperty name="height" value="0.05" units="cm"/>
-    </inkml:brush>
-  </inkml:definitions>
-  <inkml:trace contextRef="#ctx0" brushRef="#br0">700 50 5345 0 0,'-13'8'2109'0'0,"3"-2"669"0"0,15-20-1146 0 0,-4 12-1400 0 0,0 0 1 0 0,0 1-1 0 0,0-1 0 0 0,0 0 1 0 0,-1 0-1 0 0,1 0 0 0 0,0 0 1 0 0,-1 0-1 0 0,0 0 0 0 0,1 0 1 0 0,-1 0-1 0 0,0-1-232 0 0,-1 2 92 0 0,1 0-1 0 0,-1 0 1 0 0,0 0 0 0 0,1 0 0 0 0,-1 0-1 0 0,0 1 1 0 0,0-1 0 0 0,0 0-1 0 0,0 1 1 0 0,0-1 0 0 0,0 1 0 0 0,0-1-1 0 0,0 1 1 0 0,0-1 0 0 0,0 1-1 0 0,0 0 1 0 0,0-1 0 0 0,0 1 0 0 0,0 0-1 0 0,0 0 1 0 0,0 0 0 0 0,0 0 0 0 0,-1 0-1 0 0,1 0 1 0 0,0 0-92 0 0,-36-5 269 0 0,23 3-255 0 0,-1 0 1 0 0,0 0-1 0 0,0 2 0 0 0,0 0 0 0 0,0 0 0 0 0,0 2 0 0 0,-2 0-14 0 0,-10 4-49 0 0,1 2 0 0 0,0 1 0 0 0,0 1 0 0 0,1 1 0 0 0,-22 14 49 0 0,-31 21-137 0 0,-7 11 137 0 0,82-55-6 0 0,-58 41 281 0 0,-28 28-275 0 0,88-70-2 0 0,-1 1 1 0 0,1-1-1 0 0,0 0 1 0 0,0 1-1 0 0,0 0 1 0 0,0-1-1 0 0,0 1 1 0 0,0-1-1 0 0,1 1 1 0 0,-1 0-1 0 0,1 0 1 0 0,-1-1-1 0 0,1 1 1 0 0,-1 0-1 0 0,1 0 1 0 0,0 0-1 0 0,0-1 1 0 0,0 1-1 0 0,0 0 1 0 0,0 0-1 0 0,0 0 1 0 0,1 1 1 0 0,1 6 24 0 0,0 1 0 0 0,1-1 0 0 0,0 0 0 0 0,1 1-24 0 0,3 8 42 0 0,73 237 125 0 0,-78-250-290 0 0,0 0 0 0 0,0 0 0 0 0,0 0-1 0 0,1-1 1 0 0,-1 1 0 0 0,1-1 0 0 0,0 0 0 0 0,1 1 123 0 0,-3-4-207 0 0,0 0 0 0 0,-1 0 0 0 0,1 0 0 0 0,0 0 0 0 0,0-1 0 0 0,0 1 0 0 0,0 0 0 0 0,0-1 1 0 0,1 1-1 0 0,-1-1 0 0 0,0 1 0 0 0,0-1 0 0 0,0 1 0 0 0,0-1 0 0 0,0 0 0 0 0,1 0 0 0 0,-1 0 0 0 0,0 1 0 0 0,0-1 0 0 0,1 0 0 0 0,-1 0 0 0 0,0-1 0 0 0,0 1 0 0 0,0 0 0 0 0,1 0 0 0 0,-1-1 0 0 0,0 1 0 0 0,0 0 0 0 0,0-1 0 0 0,0 1 0 0 0,1-1 0 0 0,-1 0 0 0 0,0 1 0 0 0,0-1 0 0 0,0 0 207 0 0,27-21-5006 0 0,-12 7 777 0 0</inkml:trace>
-</inkml:ink>
-</file>
-
-<file path=ppt/ink/ink88.xml><?xml version="1.0" encoding="utf-8"?>
-<inkml:ink xmlns:inkml="http://www.w3.org/2003/InkML">
-  <inkml:definitions>
-    <inkml:context xml:id="ctx0">
-      <inkml:inkSource xml:id="inkSrc0">
-        <inkml:traceFormat>
-          <inkml:channel name="X" type="integer" min="-2.14748E9" max="2.14748E9" units="cm"/>
-          <inkml:channel name="Y" type="integer" min="-2.14748E9" max="2.14748E9" units="cm"/>
-          <inkml:channel name="F" type="integer" max="32767" units="dev"/>
-          <inkml:channel name="OA" type="integer" max="360" units="deg"/>
-          <inkml:channel name="OE" type="integer" max="90" units="deg"/>
-        </inkml:traceFormat>
-        <inkml:channelProperties>
-          <inkml:channelProperty channel="X" name="resolution" value="1000" units="1/cm"/>
-          <inkml:channelProperty channel="Y" name="resolution" value="1000" units="1/cm"/>
-          <inkml:channelProperty channel="F" name="resolution" value="0" units="1/dev"/>
-          <inkml:channelProperty channel="OA" name="resolution" value="1000" units="1/deg"/>
-          <inkml:channelProperty channel="OE" name="resolution" value="1000" units="1/deg"/>
-        </inkml:channelProperties>
-      </inkml:inkSource>
-      <inkml:timestamp xml:id="ts0" timeString="2020-05-24T04:15:22.421"/>
-    </inkml:context>
-    <inkml:brush xml:id="br0">
-      <inkml:brushProperty name="width" value="0.05" units="cm"/>
-      <inkml:brushProperty name="height" value="0.05" units="cm"/>
-    </inkml:brush>
-  </inkml:definitions>
-  <inkml:trace contextRef="#ctx0" brushRef="#br0">0 0 80 0 0,'0'15'528'0'0,"4"4"-240"0"0,1 3-240 0 0,5-1 8 0 0,1 0 40 0 0,0-5 40 0 0,2 3 56 0 0,0 0 32 0 0,2 0 40 0 0,0-3 32 0 0,0 3-63 0 0,0-2-49 0 0,-2 2-24 0 0,2-1-120 0 0,0 1-288 0 0,4 4-2321 0 0</inkml:trace>
-</inkml:ink>
-</file>
-
-<file path=ppt/ink/ink89.xml><?xml version="1.0" encoding="utf-8"?>
-<inkml:ink xmlns:inkml="http://www.w3.org/2003/InkML">
-  <inkml:definitions>
-    <inkml:context xml:id="ctx0">
-      <inkml:inkSource xml:id="inkSrc0">
-        <inkml:traceFormat>
-          <inkml:channel name="X" type="integer" min="-2.14748E9" max="2.14748E9" units="cm"/>
-          <inkml:channel name="Y" type="integer" min="-2.14748E9" max="2.14748E9" units="cm"/>
-          <inkml:channel name="F" type="integer" max="32767" units="dev"/>
-          <inkml:channel name="OA" type="integer" max="360" units="deg"/>
-          <inkml:channel name="OE" type="integer" max="90" units="deg"/>
-        </inkml:traceFormat>
-        <inkml:channelProperties>
-          <inkml:channelProperty channel="X" name="resolution" value="1000" units="1/cm"/>
-          <inkml:channelProperty channel="Y" name="resolution" value="1000" units="1/cm"/>
-          <inkml:channelProperty channel="F" name="resolution" value="0" units="1/dev"/>
-          <inkml:channelProperty channel="OA" name="resolution" value="1000" units="1/deg"/>
-          <inkml:channelProperty channel="OE" name="resolution" value="1000" units="1/deg"/>
-        </inkml:channelProperties>
-      </inkml:inkSource>
-      <inkml:timestamp xml:id="ts0" timeString="2020-05-24T04:15:22.984"/>
-    </inkml:context>
-    <inkml:brush xml:id="br0">
-      <inkml:brushProperty name="width" value="0.05" units="cm"/>
-      <inkml:brushProperty name="height" value="0.05" units="cm"/>
-    </inkml:brush>
-  </inkml:definitions>
-  <inkml:trace contextRef="#ctx0" brushRef="#br0">113 185 2208 0 0,'-8'-8'484'0'0,"0"-2"0"0"0,0 1 0 0 0,1-1 0 0 0,1 0 0 0 0,0 0 0 0 0,0-1 0 0 0,1 0 0 0 0,-3-9-484 0 0,5 11 727 0 0,-1 0 1 0 0,0 0-1 0 0,0 0 1 0 0,-1 0-1 0 0,0 1 0 0 0,0 0 1 0 0,-1 0-1 0 0,0 0 1 0 0,-3-1-728 0 0,34 74 1728 0 0,5 8-867 0 0,4 0-1 0 0,2-2 1 0 0,8 5-861 0 0,14 25 485 0 0,-11-19 109 0 0,28 34-594 0 0,161 235 1611 0 0,-207-311-763 0 0,-5-52-165 0 0,-15 8-619 0 0,14-6-38 0 0,-2 0-5 0 0,0 1 0 0 0,1 2 0 0 0,0 0 0 0 0,0 1 0 0 0,18-2-21 0 0,-13 4 73 0 0,1 0 0 0 0,7-4-73 0 0,-20 4 26 0 0,-1 0-1 0 0,0-1 1 0 0,3-2-26 0 0,-12 5-700 0 0,1-1 0 0 0,-1 0 1 0 0,0-1-1 0 0,0 1 0 0 0,4-4 700 0 0,-8 6-397 0 0,-1 0-1 0 0,1 0 0 0 0,0 0 1 0 0,0 0-1 0 0,-1 0 1 0 0,1 1-1 0 0,-1-1 1 0 0,1-1-1 0 0,-1 1 0 0 0,1 0 1 0 0,-1 0-1 0 0,0 0 1 0 0,0 0-1 0 0,1 0 0 0 0,-1-1 398 0 0,1-2-1986 0 0,2-1-5684 0 0</inkml:trace>
-</inkml:ink>
-</file>
-
-<file path=ppt/ink/ink9.xml><?xml version="1.0" encoding="utf-8"?>
-<inkml:ink xmlns:inkml="http://www.w3.org/2003/InkML">
-  <inkml:definitions>
-    <inkml:context xml:id="ctx0">
-      <inkml:inkSource xml:id="inkSrc0">
-        <inkml:traceFormat>
-          <inkml:channel name="X" type="integer" min="-2.14748E9" max="2.14748E9" units="cm"/>
-          <inkml:channel name="Y" type="integer" min="-2.14748E9" max="2.14748E9" units="cm"/>
-          <inkml:channel name="F" type="integer" max="32767" units="dev"/>
-          <inkml:channel name="OA" type="integer" max="360" units="deg"/>
-          <inkml:channel name="OE" type="integer" max="90" units="deg"/>
-        </inkml:traceFormat>
-        <inkml:channelProperties>
-          <inkml:channelProperty channel="X" name="resolution" value="1000" units="1/cm"/>
-          <inkml:channelProperty channel="Y" name="resolution" value="1000" units="1/cm"/>
-          <inkml:channelProperty channel="F" name="resolution" value="0" units="1/dev"/>
-          <inkml:channelProperty channel="OA" name="resolution" value="1000" units="1/deg"/>
-          <inkml:channelProperty channel="OE" name="resolution" value="1000" units="1/deg"/>
-        </inkml:channelProperties>
-      </inkml:inkSource>
-      <inkml:timestamp xml:id="ts0" timeString="2020-05-24T04:17:39.335"/>
-    </inkml:context>
-    <inkml:brush xml:id="br0">
-      <inkml:brushProperty name="width" value="0.05" units="cm"/>
-      <inkml:brushProperty name="height" value="0.05" units="cm"/>
-    </inkml:brush>
-  </inkml:definitions>
-  <inkml:trace contextRef="#ctx0" brushRef="#br0">54 182 1656 0 0,'-5'4'268'0'0,"0"1"-1"0"0,1 0 0 0 0,-1 0 0 0 0,1 0 0 0 0,0 0 0 0 0,1 1 0 0 0,-1 0 1 0 0,1 0-1 0 0,0 0 0 0 0,1 0 0 0 0,-1 0 0 0 0,1 0 0 0 0,0 1 1 0 0,1-1-1 0 0,0 1 0 0 0,0-1 0 0 0,0 1 0 0 0,1-1 0 0 0,-1 1 1 0 0,2 0-1 0 0,-1 2-267 0 0,2 3 439 0 0,-1 0 1 0 0,1 0 0 0 0,1 0 0 0 0,0-1-1 0 0,1 1 1 0 0,0-1 0 0 0,1 0 0 0 0,0 0-1 0 0,1 0 1 0 0,0-1 0 0 0,5 6-440 0 0,-8-11 60 0 0,1 0 0 0 0,0-1 1 0 0,0 1-1 0 0,0-1 0 0 0,0 0 1 0 0,1 0-1 0 0,0-1 0 0 0,0 1 0 0 0,0-1 1 0 0,0 0-1 0 0,0 0 0 0 0,0-1 1 0 0,1 0-1 0 0,0 0 0 0 0,-1 0 0 0 0,1 0 1 0 0,0-1-1 0 0,0 0 0 0 0,0 0 1 0 0,2-1-61 0 0,0 0 61 0 0,0 0 0 0 0,0-1 0 0 0,0-1 1 0 0,0 1-1 0 0,-1-1 0 0 0,1 0 0 0 0,-1-1 1 0 0,1 0-1 0 0,-1 0 0 0 0,0 0 0 0 0,0-1 1 0 0,-1 0-1 0 0,1-1 0 0 0,-1 1 0 0 0,2-3-61 0 0,6-5 91 0 0,0-1 0 0 0,-1-1 0 0 0,0-1 0 0 0,-1 0 0 0 0,-1 0 0 0 0,-1-1 0 0 0,5-9-91 0 0,-7 11 125 0 0,-1-1-1 0 0,0 0 1 0 0,-1 1-1 0 0,-1-2 1 0 0,-1 1-1 0 0,0-1 1 0 0,-1 1 0 0 0,0-1-1 0 0,-1-3-124 0 0,-2 11 94 0 0,0 1 1 0 0,-1-1-1 0 0,0 0 0 0 0,0 1 0 0 0,0-1 0 0 0,-1 1 1 0 0,0-1-1 0 0,-1 1 0 0 0,1 0 0 0 0,-1 0 1 0 0,-1 0-1 0 0,0 0 0 0 0,1 1 0 0 0,-2-1 0 0 0,1 1 1 0 0,-1 0-1 0 0,0 1 0 0 0,0-1 0 0 0,-1 1 1 0 0,0 0-1 0 0,0 0 0 0 0,0 0 0 0 0,-5-2-94 0 0,3 2 41 0 0,0 1-1 0 0,0 0 1 0 0,-1 0-1 0 0,1 1 0 0 0,-1 0 1 0 0,0 0-1 0 0,1 1 1 0 0,-1 1-1 0 0,0-1 1 0 0,-1 1-1 0 0,1 1 0 0 0,0 0 1 0 0,0 0-1 0 0,0 1 1 0 0,0 0-1 0 0,0 0 1 0 0,0 1-1 0 0,0 0 0 0 0,-8 4-40 0 0,9-3-13 0 0,0 2 0 0 0,1-1 0 0 0,0 1 0 0 0,0 0-1 0 0,0 0 1 0 0,0 1 0 0 0,1 0 0 0 0,0 0 0 0 0,0 0-1 0 0,1 1 1 0 0,-1 0 0 0 0,2 0 0 0 0,-1 0 0 0 0,1 1-1 0 0,0-1 1 0 0,0 1 0 0 0,1 0 0 0 0,0 1-1 0 0,-1 4 14 0 0,0 0-400 0 0,1 1-1 0 0,1-1 0 0 0,0 1 0 0 0,0-1 1 0 0,1 12 400 0 0,1-14-944 0 0,1 0 0 0 0,0 0 1 0 0,0 0-1 0 0,1 0 1 0 0,1-1-1 0 0,3 10 944 0 0,-4-13-1179 0 0,1-1 0 0 0,0 1 0 0 0,1-1 0 0 0,-1 0 0 0 0,5 5 1179 0 0,8 8-5102 0 0</inkml:trace>
-</inkml:ink>
-</file>
-
-<file path=ppt/ink/ink90.xml><?xml version="1.0" encoding="utf-8"?>
-<inkml:ink xmlns:inkml="http://www.w3.org/2003/InkML">
-  <inkml:definitions>
-    <inkml:context xml:id="ctx0">
-      <inkml:inkSource xml:id="inkSrc0">
-        <inkml:traceFormat>
-          <inkml:channel name="X" type="integer" min="-2.14748E9" max="2.14748E9" units="cm"/>
-          <inkml:channel name="Y" type="integer" min="-2.14748E9" max="2.14748E9" units="cm"/>
-          <inkml:channel name="F" type="integer" max="32767" units="dev"/>
-          <inkml:channel name="OA" type="integer" max="360" units="deg"/>
-          <inkml:channel name="OE" type="integer" max="90" units="deg"/>
-        </inkml:traceFormat>
-        <inkml:channelProperties>
-          <inkml:channelProperty channel="X" name="resolution" value="1000" units="1/cm"/>
-          <inkml:channelProperty channel="Y" name="resolution" value="1000" units="1/cm"/>
-          <inkml:channelProperty channel="F" name="resolution" value="0" units="1/dev"/>
-          <inkml:channelProperty channel="OA" name="resolution" value="1000" units="1/deg"/>
-          <inkml:channelProperty channel="OE" name="resolution" value="1000" units="1/deg"/>
-        </inkml:channelProperties>
-      </inkml:inkSource>
-      <inkml:timestamp xml:id="ts0" timeString="2020-05-24T04:15:25.586"/>
-    </inkml:context>
-    <inkml:brush xml:id="br0">
-      <inkml:brushProperty name="width" value="0.05" units="cm"/>
-      <inkml:brushProperty name="height" value="0.05" units="cm"/>
-    </inkml:brush>
-  </inkml:definitions>
-  <inkml:trace contextRef="#ctx0" brushRef="#br0">66 304 6081 0 0,'-66'12'4116'0'0,"72"-15"-3755"0"0,-1 0 0 0 0,0 0 1 0 0,0-1-1 0 0,0 0 0 0 0,1-1-361 0 0,7-6 392 0 0,58-40 671 0 0,1 3 1 0 0,32-14-1064 0 0,-40 29 182 0 0,0 3 1 0 0,6 2-183 0 0,18 0-2247 0 0,-68 26-127 0 0,-15 3-2982 0 0,-5 4 454 0 0</inkml:trace>
-</inkml:ink>
-</file>
-
-<file path=ppt/ink/ink91.xml><?xml version="1.0" encoding="utf-8"?>
-<inkml:ink xmlns:inkml="http://www.w3.org/2003/InkML">
-  <inkml:definitions>
-    <inkml:context xml:id="ctx0">
-      <inkml:inkSource xml:id="inkSrc0">
-        <inkml:traceFormat>
-          <inkml:channel name="X" type="integer" min="-2.14748E9" max="2.14748E9" units="cm"/>
-          <inkml:channel name="Y" type="integer" min="-2.14748E9" max="2.14748E9" units="cm"/>
-          <inkml:channel name="F" type="integer" max="32767" units="dev"/>
-          <inkml:channel name="OA" type="integer" max="360" units="deg"/>
-          <inkml:channel name="OE" type="integer" max="90" units="deg"/>
-        </inkml:traceFormat>
-        <inkml:channelProperties>
-          <inkml:channelProperty channel="X" name="resolution" value="1000" units="1/cm"/>
-          <inkml:channelProperty channel="Y" name="resolution" value="1000" units="1/cm"/>
-          <inkml:channelProperty channel="F" name="resolution" value="0" units="1/dev"/>
-          <inkml:channelProperty channel="OA" name="resolution" value="1000" units="1/deg"/>
-          <inkml:channelProperty channel="OE" name="resolution" value="1000" units="1/deg"/>
-        </inkml:channelProperties>
-      </inkml:inkSource>
-      <inkml:timestamp xml:id="ts0" timeString="2020-05-24T04:15:25.915"/>
-    </inkml:context>
-    <inkml:brush xml:id="br0">
-      <inkml:brushProperty name="width" value="0.05" units="cm"/>
-      <inkml:brushProperty name="height" value="0.05" units="cm"/>
-    </inkml:brush>
-  </inkml:definitions>
-  <inkml:trace contextRef="#ctx0" brushRef="#br0">6 53 7146 0 0,'-1'-3'336'0'0,"0"1"0"0"0,0 0 1 0 0,0-1-1 0 0,1 1 0 0 0,-1 0 1 0 0,1-1-1 0 0,0 1 1 0 0,0-1-1 0 0,0 1 0 0 0,0-1 1 0 0,0 1-1 0 0,0-1 0 0 0,1 1 1 0 0,-1-1-1 0 0,1 1-336 0 0,-1 1 41 0 0,1 0 1 0 0,0 0-1 0 0,-1 0 0 0 0,1 0 0 0 0,0 0 1 0 0,-1 1-1 0 0,1-1 0 0 0,0 0 0 0 0,0 1 1 0 0,0-1-1 0 0,0 0 0 0 0,0 1 0 0 0,0-1 1 0 0,0 1-1 0 0,0-1 0 0 0,0 1 0 0 0,0 0 1 0 0,0 0-1 0 0,0-1 0 0 0,0 1 0 0 0,0 0 1 0 0,0 0-1 0 0,0 0 0 0 0,0 0 0 0 0,0 0 1 0 0,0 0-1 0 0,0 0 0 0 0,1 0 0 0 0,-1 1 1 0 0,0-1-1 0 0,0 0 0 0 0,0 1 0 0 0,0-1 1 0 0,0 0-1 0 0,1 1-41 0 0,1 1 65 0 0,1 0 1 0 0,-1-1-1 0 0,1 1 1 0 0,-1 1-1 0 0,0-1 0 0 0,0 0 1 0 0,0 1-1 0 0,0 0 1 0 0,0-1-1 0 0,-1 1 1 0 0,1 0-1 0 0,-1 0 0 0 0,0 1 1 0 0,0-1-1 0 0,0 0 1 0 0,0 1-1 0 0,1 3-65 0 0,4 9 156 0 0,0 2 1 0 0,-2-1-1 0 0,1 5-156 0 0,-3-12 46 0 0,15 68 389 0 0,3 43-435 0 0,7 36-108 0 0,-20-124-540 0 0,1-1 0 0 0,2 0 1 0 0,11 21 647 0 0,-18-44-539 0 0,0 0 0 0 0,1-1 0 0 0,0 0 0 0 0,1 0 0 0 0,0-1 0 0 0,3 3 539 0 0,27 22-5608 0 0,-20-21 812 0 0</inkml:trace>
-</inkml:ink>
-</file>
-
-<file path=ppt/ink/ink92.xml><?xml version="1.0" encoding="utf-8"?>
-<inkml:ink xmlns:inkml="http://www.w3.org/2003/InkML">
-  <inkml:definitions>
-    <inkml:context xml:id="ctx0">
-      <inkml:inkSource xml:id="inkSrc0">
-        <inkml:traceFormat>
-          <inkml:channel name="X" type="integer" min="-2.14748E9" max="2.14748E9" units="cm"/>
-          <inkml:channel name="Y" type="integer" min="-2.14748E9" max="2.14748E9" units="cm"/>
-          <inkml:channel name="F" type="integer" max="32767" units="dev"/>
-          <inkml:channel name="OA" type="integer" max="360" units="deg"/>
-          <inkml:channel name="OE" type="integer" max="90" units="deg"/>
-        </inkml:traceFormat>
-        <inkml:channelProperties>
-          <inkml:channelProperty channel="X" name="resolution" value="1000" units="1/cm"/>
-          <inkml:channelProperty channel="Y" name="resolution" value="1000" units="1/cm"/>
-          <inkml:channelProperty channel="F" name="resolution" value="0" units="1/dev"/>
-          <inkml:channelProperty channel="OA" name="resolution" value="1000" units="1/deg"/>
-          <inkml:channelProperty channel="OE" name="resolution" value="1000" units="1/deg"/>
-        </inkml:channelProperties>
-      </inkml:inkSource>
-      <inkml:timestamp xml:id="ts0" timeString="2020-05-24T04:15:26.232"/>
-    </inkml:context>
-    <inkml:brush xml:id="br0">
-      <inkml:brushProperty name="width" value="0.05" units="cm"/>
-      <inkml:brushProperty name="height" value="0.05" units="cm"/>
-    </inkml:brush>
-  </inkml:definitions>
-  <inkml:trace contextRef="#ctx0" brushRef="#br0">1 1 6281 0 0,'2'0'3111'0'0,"7"6"-1631"0"0,-6-1-1217 0 0,0 0 0 0 0,-1 0 1 0 0,0 1-1 0 0,0-1 1 0 0,-1 1-1 0 0,0-1 0 0 0,0 1 1 0 0,0 0-1 0 0,0 1-263 0 0,-1 57-102 0 0,1-9-993 0 0,2-17-4954 0 0,8 27 6049 0 0,-5-39-3531 0 0</inkml:trace>
-</inkml:ink>
-</file>
-
-<file path=ppt/ink/ink93.xml><?xml version="1.0" encoding="utf-8"?>
-<inkml:ink xmlns:inkml="http://www.w3.org/2003/InkML">
-  <inkml:definitions>
-    <inkml:context xml:id="ctx0">
-      <inkml:inkSource xml:id="inkSrc0">
-        <inkml:traceFormat>
-          <inkml:channel name="X" type="integer" min="-2.14748E9" max="2.14748E9" units="cm"/>
-          <inkml:channel name="Y" type="integer" min="-2.14748E9" max="2.14748E9" units="cm"/>
-          <inkml:channel name="F" type="integer" max="32767" units="dev"/>
-          <inkml:channel name="OA" type="integer" max="360" units="deg"/>
-          <inkml:channel name="OE" type="integer" max="90" units="deg"/>
-        </inkml:traceFormat>
-        <inkml:channelProperties>
-          <inkml:channelProperty channel="X" name="resolution" value="1000" units="1/cm"/>
-          <inkml:channelProperty channel="Y" name="resolution" value="1000" units="1/cm"/>
-          <inkml:channelProperty channel="F" name="resolution" value="0" units="1/dev"/>
-          <inkml:channelProperty channel="OA" name="resolution" value="1000" units="1/deg"/>
-          <inkml:channelProperty channel="OE" name="resolution" value="1000" units="1/deg"/>
-        </inkml:channelProperties>
-      </inkml:inkSource>
-      <inkml:timestamp xml:id="ts0" timeString="2020-05-24T04:15:28.075"/>
-    </inkml:context>
-    <inkml:brush xml:id="br0">
-      <inkml:brushProperty name="width" value="0.05" units="cm"/>
-      <inkml:brushProperty name="height" value="0.05" units="cm"/>
-    </inkml:brush>
-  </inkml:definitions>
-  <inkml:trace contextRef="#ctx0" brushRef="#br0">195 17 7234 0 0,'-9'-5'526'0'0,"7"4"-401"0"0,0-1 0 0 0,-1 1 0 0 0,1 0 0 0 0,-1-1 0 0 0,0 1 0 0 0,1 0 0 0 0,-1 1 0 0 0,0-1 0 0 0,1 0-1 0 0,-1 1 1 0 0,0 0 0 0 0,-1-1-125 0 0,3 3-4 0 0,0 0-1 0 0,1 0 0 0 0,-1 0 0 0 0,1 0 1 0 0,-1 0-1 0 0,1 0 0 0 0,0 0 0 0 0,0 0 1 0 0,0 0-1 0 0,0 1 5 0 0,0 3 1 0 0,-8 33 56 0 0,-2 0 0 0 0,-1-1 0 0 0,-2 0 0 0 0,-2 0 0 0 0,-1-1-57 0 0,-12 32 425 0 0,16-41-91 0 0,7-16-13 0 0,-1 0 0 0 0,2 1-1 0 0,-1-1 1 0 0,2 1-1 0 0,0 0 1 0 0,0 0 0 0 0,1 1-1 0 0,1-1 1 0 0,0 2-321 0 0,1-13 30 0 0,0 0 0 0 0,1 0 0 0 0,-1 0-1 0 0,0 1 1 0 0,1-1 0 0 0,0 0 0 0 0,0 0 0 0 0,-1 0 0 0 0,1 0 0 0 0,0 0 0 0 0,1 0 0 0 0,-1 0 0 0 0,0 0 0 0 0,0-1-1 0 0,1 1 1 0 0,-1 0 0 0 0,1-1 0 0 0,0 1 0 0 0,1 0-30 0 0,0 0 35 0 0,1 0-1 0 0,-1 0 1 0 0,1-1 0 0 0,-1 1-1 0 0,1-1 1 0 0,0 0-1 0 0,-1 0 1 0 0,1 0 0 0 0,0-1-1 0 0,0 1 1 0 0,0-1-35 0 0,13 0 108 0 0,-1-1 1 0 0,0 0-1 0 0,0-1 0 0 0,0-1 1 0 0,1-1-109 0 0,23-6 309 0 0,-1-2 1 0 0,0-1-1 0 0,26-14-309 0 0,111-60 722 0 0,-117 57-558 0 0,-15 8-45 0 0,28-18 396 0 0,26-20-515 0 0,-135 50-9991 0 0,23 4 5909 0 0</inkml:trace>
-</inkml:ink>
-</file>
-
-<file path=ppt/ink/ink94.xml><?xml version="1.0" encoding="utf-8"?>
-<inkml:ink xmlns:inkml="http://www.w3.org/2003/InkML">
-  <inkml:definitions>
-    <inkml:context xml:id="ctx0">
-      <inkml:inkSource xml:id="inkSrc0">
-        <inkml:traceFormat>
-          <inkml:channel name="X" type="integer" min="-2.14748E9" max="2.14748E9" units="cm"/>
-          <inkml:channel name="Y" type="integer" min="-2.14748E9" max="2.14748E9" units="cm"/>
-          <inkml:channel name="F" type="integer" max="32767" units="dev"/>
-          <inkml:channel name="OA" type="integer" max="360" units="deg"/>
-          <inkml:channel name="OE" type="integer" max="90" units="deg"/>
-        </inkml:traceFormat>
-        <inkml:channelProperties>
-          <inkml:channelProperty channel="X" name="resolution" value="1000" units="1/cm"/>
-          <inkml:channelProperty channel="Y" name="resolution" value="1000" units="1/cm"/>
-          <inkml:channelProperty channel="F" name="resolution" value="0" units="1/dev"/>
-          <inkml:channelProperty channel="OA" name="resolution" value="1000" units="1/deg"/>
-          <inkml:channelProperty channel="OE" name="resolution" value="1000" units="1/deg"/>
-        </inkml:channelProperties>
-      </inkml:inkSource>
-      <inkml:timestamp xml:id="ts0" timeString="2020-05-24T04:15:28.406"/>
-    </inkml:context>
-    <inkml:brush xml:id="br0">
-      <inkml:brushProperty name="width" value="0.05" units="cm"/>
-      <inkml:brushProperty name="height" value="0.05" units="cm"/>
-    </inkml:brush>
-  </inkml:definitions>
-  <inkml:trace contextRef="#ctx0" brushRef="#br0">48 1 9586 0 0,'-2'0'109'0'0,"-1"1"1"0"0,1 0-1 0 0,-1 0 1 0 0,1 0-1 0 0,0 0 0 0 0,-1 0 1 0 0,1 0-1 0 0,0 0 0 0 0,0 1 1 0 0,0-1-1 0 0,0 1 1 0 0,0 0-1 0 0,0-1 0 0 0,1 1 1 0 0,-1 0-1 0 0,0 0 1 0 0,1 0-1 0 0,0 0 0 0 0,-1 1 1 0 0,1-1-1 0 0,0 0 0 0 0,0 0 1 0 0,0 1-1 0 0,0-1 1 0 0,1 1-1 0 0,-1-1 0 0 0,1 1 1 0 0,-1-1-1 0 0,1 2-109 0 0,0 7 121 0 0,1-1 1 0 0,0 0-1 0 0,1 1 0 0 0,0-1 0 0 0,1 0 0 0 0,2 8-121 0 0,-1-5 91 0 0,22 74 257 0 0,4-1 1 0 0,37 73-349 0 0,-40-105-207 0 0,3-1 1 0 0,1-1-1 0 0,3-2 1 0 0,35 40 206 0 0,-59-77-906 0 0,1-1 0 0 0,0 0 1 0 0,1-1-1 0 0,0 0 0 0 0,1-1 1 0 0,0-1-1 0 0,10 6 906 0 0,6-1-4426 0 0</inkml:trace>
-</inkml:ink>
-</file>
-
-<file path=ppt/ink/ink95.xml><?xml version="1.0" encoding="utf-8"?>
-<inkml:ink xmlns:inkml="http://www.w3.org/2003/InkML">
-  <inkml:definitions>
-    <inkml:context xml:id="ctx0">
-      <inkml:inkSource xml:id="inkSrc0">
-        <inkml:traceFormat>
-          <inkml:channel name="X" type="integer" min="-2.14748E9" max="2.14748E9" units="cm"/>
-          <inkml:channel name="Y" type="integer" min="-2.14748E9" max="2.14748E9" units="cm"/>
-          <inkml:channel name="F" type="integer" max="32767" units="dev"/>
-          <inkml:channel name="OA" type="integer" max="360" units="deg"/>
-          <inkml:channel name="OE" type="integer" max="90" units="deg"/>
-        </inkml:traceFormat>
-        <inkml:channelProperties>
-          <inkml:channelProperty channel="X" name="resolution" value="1000" units="1/cm"/>
-          <inkml:channelProperty channel="Y" name="resolution" value="1000" units="1/cm"/>
-          <inkml:channelProperty channel="F" name="resolution" value="0" units="1/dev"/>
-          <inkml:channelProperty channel="OA" name="resolution" value="1000" units="1/deg"/>
-          <inkml:channelProperty channel="OE" name="resolution" value="1000" units="1/deg"/>
-        </inkml:channelProperties>
-      </inkml:inkSource>
-      <inkml:timestamp xml:id="ts0" timeString="2020-05-24T04:15:28.738"/>
-    </inkml:context>
-    <inkml:brush xml:id="br0">
-      <inkml:brushProperty name="width" value="0.05" units="cm"/>
-      <inkml:brushProperty name="height" value="0.05" units="cm"/>
-    </inkml:brush>
-  </inkml:definitions>
-  <inkml:trace contextRef="#ctx0" brushRef="#br0">25 1 15323 0 0,'-9'6'576'0'0,"3"8"-280"0"0,-1 11-248 0 0,7 3-8 0 0,-2 9-64 0 0,4-1-320 0 0,3-2-584 0 0,3-3-1000 0 0,3-8-1409 0 0,8-1-4121 0 0</inkml:trace>
-</inkml:ink>
-</file>
-
-<file path=ppt/ink/ink96.xml><?xml version="1.0" encoding="utf-8"?>
-<inkml:ink xmlns:inkml="http://www.w3.org/2003/InkML">
-  <inkml:definitions>
-    <inkml:context xml:id="ctx0">
-      <inkml:inkSource xml:id="inkSrc0">
-        <inkml:traceFormat>
-          <inkml:channel name="X" type="integer" min="-2.14748E9" max="2.14748E9" units="cm"/>
-          <inkml:channel name="Y" type="integer" min="-2.14748E9" max="2.14748E9" units="cm"/>
-          <inkml:channel name="F" type="integer" max="32767" units="dev"/>
-          <inkml:channel name="OA" type="integer" max="360" units="deg"/>
-          <inkml:channel name="OE" type="integer" max="90" units="deg"/>
-        </inkml:traceFormat>
-        <inkml:channelProperties>
-          <inkml:channelProperty channel="X" name="resolution" value="1000" units="1/cm"/>
-          <inkml:channelProperty channel="Y" name="resolution" value="1000" units="1/cm"/>
-          <inkml:channelProperty channel="F" name="resolution" value="0" units="1/dev"/>
-          <inkml:channelProperty channel="OA" name="resolution" value="1000" units="1/deg"/>
-          <inkml:channelProperty channel="OE" name="resolution" value="1000" units="1/deg"/>
-        </inkml:channelProperties>
-      </inkml:inkSource>
-      <inkml:timestamp xml:id="ts0" timeString="2020-05-24T04:15:29.889"/>
-    </inkml:context>
-    <inkml:brush xml:id="br0">
-      <inkml:brushProperty name="width" value="0.05" units="cm"/>
-      <inkml:brushProperty name="height" value="0.05" units="cm"/>
-    </inkml:brush>
-  </inkml:definitions>
-  <inkml:trace contextRef="#ctx0" brushRef="#br0">8 88 7001 0 0,'-2'-9'567'0'0,"0"1"-1"0"0,1-1 0 0 0,0 0 0 0 0,0 0 0 0 0,1-5-566 0 0,0 13 22 0 0,0 0 0 0 0,-1 0 0 0 0,1 0 0 0 0,0 0 0 0 0,1 0 0 0 0,-1-1 0 0 0,0 1 0 0 0,0 0 0 0 0,0 0 0 0 0,1 0 0 0 0,-1 0 0 0 0,0 0 0 0 0,1 0 0 0 0,-1 0 0 0 0,1 0 0 0 0,-1 0 0 0 0,1 0 0 0 0,0 1 0 0 0,-1-1 0 0 0,1 0 0 0 0,0 0 0 0 0,-1 0 0 0 0,1 1 0 0 0,0-1 0 0 0,0 0 0 0 0,0 1 0 0 0,0-1 0 0 0,0 1 1 0 0,0-1-1 0 0,0 1 0 0 0,0-1 0 0 0,0 1 0 0 0,0 0 0 0 0,0-1 0 0 0,0 1 0 0 0,0 0 0 0 0,0 0 0 0 0,0 0 0 0 0,0 0 0 0 0,0 0 0 0 0,0 0 0 0 0,0 0 0 0 0,1 0 0 0 0,-1 0 0 0 0,0 0 0 0 0,0 1 0 0 0,0-1 0 0 0,0 0 0 0 0,0 1 0 0 0,0-1 0 0 0,0 1 0 0 0,0 0-22 0 0,2 0 1 0 0,0 1-1 0 0,0 0 1 0 0,0-1-1 0 0,0 2 1 0 0,0-1-1 0 0,0 0 1 0 0,0 1-1 0 0,-1-1 1 0 0,0 1-1 0 0,1 0 1 0 0,-1-1-1 0 0,0 1 1 0 0,0 0 0 0 0,0 1-1 0 0,-1-1 1 0 0,1 1-1 0 0,5 11 32 0 0,-1 1 1 0 0,0 0 0 0 0,-1 1-33 0 0,4 11 52 0 0,73 194 826 0 0,10-3 0 0 0,29 35-878 0 0,-108-227-498 0 0,-1-4-1446 0 0,1 0 0 0 0,0-1-1 0 0,9 11 1945 0 0,-3-13-4521 0 0</inkml:trace>
-</inkml:ink>
-</file>
-
-<file path=ppt/ink/ink97.xml><?xml version="1.0" encoding="utf-8"?>
-<inkml:ink xmlns:inkml="http://www.w3.org/2003/InkML">
-  <inkml:definitions>
-    <inkml:context xml:id="ctx0">
-      <inkml:inkSource xml:id="inkSrc0">
-        <inkml:traceFormat>
-          <inkml:channel name="X" type="integer" min="-2.14748E9" max="2.14748E9" units="cm"/>
-          <inkml:channel name="Y" type="integer" min="-2.14748E9" max="2.14748E9" units="cm"/>
-          <inkml:channel name="F" type="integer" max="32767" units="dev"/>
-          <inkml:channel name="OA" type="integer" max="360" units="deg"/>
-          <inkml:channel name="OE" type="integer" max="90" units="deg"/>
-        </inkml:traceFormat>
-        <inkml:channelProperties>
-          <inkml:channelProperty channel="X" name="resolution" value="1000" units="1/cm"/>
-          <inkml:channelProperty channel="Y" name="resolution" value="1000" units="1/cm"/>
-          <inkml:channelProperty channel="F" name="resolution" value="0" units="1/dev"/>
-          <inkml:channelProperty channel="OA" name="resolution" value="1000" units="1/deg"/>
-          <inkml:channelProperty channel="OE" name="resolution" value="1000" units="1/deg"/>
-        </inkml:channelProperties>
-      </inkml:inkSource>
-      <inkml:timestamp xml:id="ts0" timeString="2020-05-24T04:15:30.233"/>
-    </inkml:context>
-    <inkml:brush xml:id="br0">
-      <inkml:brushProperty name="width" value="0.05" units="cm"/>
-      <inkml:brushProperty name="height" value="0.05" units="cm"/>
-    </inkml:brush>
-  </inkml:definitions>
-  <inkml:trace contextRef="#ctx0" brushRef="#br0">88 0 7722 0 0,'-16'8'552'0'0,"-1"9"-344"0"0,-2 5-128 0 0,4 6 24 0 0,9 2-8 0 0,1 4 8 0 0,1 1-32 0 0,0 3-224 0 0,2-3-472 0 0,2-1-553 0 0,2-2-391 0 0,0-4-8 0 0,-2-6-977 0 0</inkml:trace>
-</inkml:ink>
-</file>
-
-<file path=ppt/ink/ink98.xml><?xml version="1.0" encoding="utf-8"?>
-<inkml:ink xmlns:inkml="http://www.w3.org/2003/InkML">
-  <inkml:definitions>
-    <inkml:context xml:id="ctx0">
-      <inkml:inkSource xml:id="inkSrc0">
-        <inkml:traceFormat>
-          <inkml:channel name="X" type="integer" min="-2.14748E9" max="2.14748E9" units="cm"/>
-          <inkml:channel name="Y" type="integer" min="-2.14748E9" max="2.14748E9" units="cm"/>
-          <inkml:channel name="F" type="integer" max="32767" units="dev"/>
-          <inkml:channel name="OA" type="integer" max="360" units="deg"/>
-          <inkml:channel name="OE" type="integer" max="90" units="deg"/>
-        </inkml:traceFormat>
-        <inkml:channelProperties>
-          <inkml:channelProperty channel="X" name="resolution" value="1000" units="1/cm"/>
-          <inkml:channelProperty channel="Y" name="resolution" value="1000" units="1/cm"/>
-          <inkml:channelProperty channel="F" name="resolution" value="0" units="1/dev"/>
-          <inkml:channelProperty channel="OA" name="resolution" value="1000" units="1/deg"/>
-          <inkml:channelProperty channel="OE" name="resolution" value="1000" units="1/deg"/>
-        </inkml:channelProperties>
-      </inkml:inkSource>
-      <inkml:timestamp xml:id="ts0" timeString="2020-05-24T04:15:30.621"/>
-    </inkml:context>
-    <inkml:brush xml:id="br0">
-      <inkml:brushProperty name="width" value="0.05" units="cm"/>
-      <inkml:brushProperty name="height" value="0.05" units="cm"/>
-    </inkml:brush>
-  </inkml:definitions>
-  <inkml:trace contextRef="#ctx0" brushRef="#br0">4 138 11771 0 0,'-1'-9'167'0'0,"-1"0"38"0"0,2-1 0 0 0,-1 1 0 0 0,1 0-1 0 0,0-1 1 0 0,1 1 0 0 0,1-2-205 0 0,-2 8 22 0 0,1 1-1 0 0,0-1 0 0 0,0 1 1 0 0,0-1-1 0 0,0 1 0 0 0,0-1 0 0 0,0 1 1 0 0,1 0-1 0 0,-1 0 0 0 0,1 0 1 0 0,0 0-1 0 0,-1 0 0 0 0,1 0 1 0 0,0 0-1 0 0,0 0 0 0 0,0 1 1 0 0,1-1-1 0 0,-1 1 0 0 0,0-1 1 0 0,1 1-1 0 0,-1 0 0 0 0,0 0 1 0 0,1 0-1 0 0,0 0-21 0 0,7-2 1 0 0,1 0 0 0 0,-1 0 0 0 0,1 1 1 0 0,0 1-1 0 0,0-1 0 0 0,0 2 0 0 0,0 0 0 0 0,0 0 1 0 0,0 1-1 0 0,0 0 0 0 0,0 1 0 0 0,0 0 0 0 0,-1 1 1 0 0,1 0-1 0 0,-1 0 0 0 0,0 1 0 0 0,0 1 0 0 0,0 0 1 0 0,0 0-2 0 0,5 4-13 0 0,-2 1 0 0 0,1 0 0 0 0,-1 1 0 0 0,-1 1 0 0 0,0-1 0 0 0,0 2 0 0 0,-1 0 0 0 0,-1 0 0 0 0,0 1 0 0 0,-1 0 0 0 0,0 1 0 0 0,-1 1 13 0 0,5 9 74 0 0,-1 0 1 0 0,-1 1 0 0 0,-1 0 0 0 0,-1 1 0 0 0,4 27-75 0 0,-11-42 62 0 0,0-1 1 0 0,-1 1-1 0 0,-1 0 1 0 0,0 0-1 0 0,0 0 1 0 0,-2 0-1 0 0,1 0 0 0 0,-1-1 1 0 0,-1 1-1 0 0,0 0 1 0 0,-1-1-1 0 0,0 0 1 0 0,-1 0-1 0 0,0 0 1 0 0,-2 3-63 0 0,-6 6 117 0 0,-1-1 1 0 0,-6 7-118 0 0,-14 21 47 0 0,40-53-131 0 0,2 1 0 0 0,-1 1 0 0 0,0-1-1 0 0,1 1 1 0 0,1 0 84 0 0,0 0-34 0 0,9-6 38 0 0,1 2-1 0 0,1 0 0 0 0,0 1 0 0 0,0 1 0 0 0,14-2-3 0 0,-26 6 7 0 0,0 0 0 0 0,0 1 0 0 0,0 1 0 0 0,0-1 0 0 0,1 1 0 0 0,-1 0 0 0 0,0 1-1 0 0,0 0 1 0 0,0 1 0 0 0,0-1 0 0 0,0 1 0 0 0,-1 1 0 0 0,1 0 0 0 0,-1 0 0 0 0,1 0 0 0 0,0 2-7 0 0,-5-4-8 0 0,0 2 0 0 0,0-1 1 0 0,0 0-1 0 0,0 1 0 0 0,0-1 0 0 0,-1 1 0 0 0,0 0 0 0 0,1 0 0 0 0,-1 0 0 0 0,0 0 0 0 0,0 0 1 0 0,0 0-1 0 0,-1 1 0 0 0,1-1 0 0 0,-1 0 0 0 0,0 1 0 0 0,0 1 8 0 0,0 0 8 0 0,0 1 0 0 0,-1 0 0 0 0,1-1 0 0 0,-2 1 0 0 0,1 0 0 0 0,0-1 0 0 0,-1 1-1 0 0,0-1 1 0 0,0 1 0 0 0,-2 4-8 0 0,-3 6 37 0 0,-1-1 0 0 0,0 1 0 0 0,-1-1-1 0 0,-1 0 1 0 0,0-1 0 0 0,-1 0 0 0 0,-2 1-37 0 0,-26 29-71 0 0,-24 20 71 0 0,26-28-1072 0 0,2 2 1 0 0,-4 7 1071 0 0,37-43-270 0 0,0 0 0 0 0,-1-1 0 0 0,1 1 0 0 0,1 0 0 0 0,-1-1 1 0 0,0 1-1 0 0,0 0 0 0 0,1 0 0 0 0,-1 0 0 0 0,1 0 0 0 0,-1 0 0 0 0,1 0 0 0 0,0 0 0 0 0,0 1 270 0 0,0-2-135 0 0,0-1 0 0 0,0 1 1 0 0,0-1-1 0 0,0 0 0 0 0,0 1 0 0 0,1-1 0 0 0,-1 1 0 0 0,0-1 1 0 0,0 0-1 0 0,0 1 0 0 0,0-1 0 0 0,1 0 0 0 0,-1 1 0 0 0,0-1 1 0 0,1 0-1 0 0,-1 1 0 0 0,0-1 0 0 0,0 0 0 0 0,1 0 0 0 0,-1 1 1 0 0,0-1-1 0 0,1 0 0 0 0,-1 0 0 0 0,1 0 0 0 0,-1 1 135 0 0,1-1-173 0 0,1 0 0 0 0,-1 0 0 0 0,0 0 0 0 0,0 0 0 0 0,0 0 0 0 0,0 0 0 0 0,1 0 0 0 0,-1 0 0 0 0,0 0 0 0 0,0-1 0 0 0,0 1-1 0 0,0 0 1 0 0,0-1 0 0 0,1 0 173 0 0,13-7-2635 0 0</inkml:trace>
-</inkml:ink>
-</file>
-
-<file path=ppt/ink/ink99.xml><?xml version="1.0" encoding="utf-8"?>
-<inkml:ink xmlns:inkml="http://www.w3.org/2003/InkML">
-  <inkml:definitions>
-    <inkml:context xml:id="ctx0">
-      <inkml:inkSource xml:id="inkSrc0">
-        <inkml:traceFormat>
-          <inkml:channel name="X" type="integer" min="-2.14748E9" max="2.14748E9" units="cm"/>
-          <inkml:channel name="Y" type="integer" min="-2.14748E9" max="2.14748E9" units="cm"/>
-          <inkml:channel name="F" type="integer" max="32767" units="dev"/>
-          <inkml:channel name="OA" type="integer" max="360" units="deg"/>
-          <inkml:channel name="OE" type="integer" max="90" units="deg"/>
-        </inkml:traceFormat>
-        <inkml:channelProperties>
-          <inkml:channelProperty channel="X" name="resolution" value="1000" units="1/cm"/>
-          <inkml:channelProperty channel="Y" name="resolution" value="1000" units="1/cm"/>
-          <inkml:channelProperty channel="F" name="resolution" value="0" units="1/dev"/>
-          <inkml:channelProperty channel="OA" name="resolution" value="1000" units="1/deg"/>
-          <inkml:channelProperty channel="OE" name="resolution" value="1000" units="1/deg"/>
-        </inkml:channelProperties>
-      </inkml:inkSource>
-      <inkml:timestamp xml:id="ts0" timeString="2020-05-24T04:15:30.955"/>
-    </inkml:context>
-    <inkml:brush xml:id="br0">
-      <inkml:brushProperty name="width" value="0.05" units="cm"/>
-      <inkml:brushProperty name="height" value="0.05" units="cm"/>
-    </inkml:brush>
-  </inkml:definitions>
-  <inkml:trace contextRef="#ctx0" brushRef="#br0">1 0 10810 0 0,'0'8'1473'0'0,"0"3"-665"0"0,1 4-400 0 0,-1 8-80 0 0,4-1 8 0 0,0 8-40 0 0,0 9-56 0 0,-1 4-24 0 0,3 2-128 0 0,3-2-248 0 0,-1-2-616 0 0,1-5-1088 0 0,-5-10-1385 0 0,5 6-4113 0 0</inkml:trace>
 </inkml:ink>
 </file>
 
@@ -3492,7 +4870,7 @@
           <a:p>
             <a:fld id="{773325F4-FF31-4EA4-B727-AA9F1F2F2CD3}" type="datetimeFigureOut">
               <a:rPr lang="ko-KR" altLang="en-US" smtClean="0"/>
-              <a:t>2020-05-24</a:t>
+              <a:t>2020-05-26</a:t>
             </a:fld>
             <a:endParaRPr lang="ko-KR" altLang="en-US"/>
           </a:p>
@@ -3690,7 +5068,7 @@
           <a:p>
             <a:fld id="{773325F4-FF31-4EA4-B727-AA9F1F2F2CD3}" type="datetimeFigureOut">
               <a:rPr lang="ko-KR" altLang="en-US" smtClean="0"/>
-              <a:t>2020-05-24</a:t>
+              <a:t>2020-05-26</a:t>
             </a:fld>
             <a:endParaRPr lang="ko-KR" altLang="en-US"/>
           </a:p>
@@ -3898,7 +5276,7 @@
           <a:p>
             <a:fld id="{773325F4-FF31-4EA4-B727-AA9F1F2F2CD3}" type="datetimeFigureOut">
               <a:rPr lang="ko-KR" altLang="en-US" smtClean="0"/>
-              <a:t>2020-05-24</a:t>
+              <a:t>2020-05-26</a:t>
             </a:fld>
             <a:endParaRPr lang="ko-KR" altLang="en-US"/>
           </a:p>
@@ -4096,7 +5474,7 @@
           <a:p>
             <a:fld id="{773325F4-FF31-4EA4-B727-AA9F1F2F2CD3}" type="datetimeFigureOut">
               <a:rPr lang="ko-KR" altLang="en-US" smtClean="0"/>
-              <a:t>2020-05-24</a:t>
+              <a:t>2020-05-26</a:t>
             </a:fld>
             <a:endParaRPr lang="ko-KR" altLang="en-US"/>
           </a:p>
@@ -4371,7 +5749,7 @@
           <a:p>
             <a:fld id="{773325F4-FF31-4EA4-B727-AA9F1F2F2CD3}" type="datetimeFigureOut">
               <a:rPr lang="ko-KR" altLang="en-US" smtClean="0"/>
-              <a:t>2020-05-24</a:t>
+              <a:t>2020-05-26</a:t>
             </a:fld>
             <a:endParaRPr lang="ko-KR" altLang="en-US"/>
           </a:p>
@@ -4636,7 +6014,7 @@
           <a:p>
             <a:fld id="{773325F4-FF31-4EA4-B727-AA9F1F2F2CD3}" type="datetimeFigureOut">
               <a:rPr lang="ko-KR" altLang="en-US" smtClean="0"/>
-              <a:t>2020-05-24</a:t>
+              <a:t>2020-05-26</a:t>
             </a:fld>
             <a:endParaRPr lang="ko-KR" altLang="en-US"/>
           </a:p>
@@ -5048,7 +6426,7 @@
           <a:p>
             <a:fld id="{773325F4-FF31-4EA4-B727-AA9F1F2F2CD3}" type="datetimeFigureOut">
               <a:rPr lang="ko-KR" altLang="en-US" smtClean="0"/>
-              <a:t>2020-05-24</a:t>
+              <a:t>2020-05-26</a:t>
             </a:fld>
             <a:endParaRPr lang="ko-KR" altLang="en-US"/>
           </a:p>
@@ -5189,7 +6567,7 @@
           <a:p>
             <a:fld id="{773325F4-FF31-4EA4-B727-AA9F1F2F2CD3}" type="datetimeFigureOut">
               <a:rPr lang="ko-KR" altLang="en-US" smtClean="0"/>
-              <a:t>2020-05-24</a:t>
+              <a:t>2020-05-26</a:t>
             </a:fld>
             <a:endParaRPr lang="ko-KR" altLang="en-US"/>
           </a:p>
@@ -5302,7 +6680,7 @@
           <a:p>
             <a:fld id="{773325F4-FF31-4EA4-B727-AA9F1F2F2CD3}" type="datetimeFigureOut">
               <a:rPr lang="ko-KR" altLang="en-US" smtClean="0"/>
-              <a:t>2020-05-24</a:t>
+              <a:t>2020-05-26</a:t>
             </a:fld>
             <a:endParaRPr lang="ko-KR" altLang="en-US"/>
           </a:p>
@@ -5613,7 +6991,7 @@
           <a:p>
             <a:fld id="{773325F4-FF31-4EA4-B727-AA9F1F2F2CD3}" type="datetimeFigureOut">
               <a:rPr lang="ko-KR" altLang="en-US" smtClean="0"/>
-              <a:t>2020-05-24</a:t>
+              <a:t>2020-05-26</a:t>
             </a:fld>
             <a:endParaRPr lang="ko-KR" altLang="en-US"/>
           </a:p>
@@ -5901,7 +7279,7 @@
           <a:p>
             <a:fld id="{773325F4-FF31-4EA4-B727-AA9F1F2F2CD3}" type="datetimeFigureOut">
               <a:rPr lang="ko-KR" altLang="en-US" smtClean="0"/>
-              <a:t>2020-05-24</a:t>
+              <a:t>2020-05-26</a:t>
             </a:fld>
             <a:endParaRPr lang="ko-KR" altLang="en-US"/>
           </a:p>
@@ -6142,7 +7520,7 @@
           <a:p>
             <a:fld id="{773325F4-FF31-4EA4-B727-AA9F1F2F2CD3}" type="datetimeFigureOut">
               <a:rPr lang="ko-KR" altLang="en-US" smtClean="0"/>
-              <a:t>2020-05-24</a:t>
+              <a:t>2020-05-26</a:t>
             </a:fld>
             <a:endParaRPr lang="ko-KR" altLang="en-US"/>
           </a:p>
@@ -7438,6 +8816,2325 @@
           </a:p>
         </p:txBody>
       </p:sp>
+      <p:grpSp>
+        <p:nvGrpSpPr>
+          <p:cNvPr id="5" name="그룹 4">
+            <a:extLst>
+              <a:ext uri="{FF2B5EF4-FFF2-40B4-BE49-F238E27FC236}">
+                <a16:creationId xmlns:a16="http://schemas.microsoft.com/office/drawing/2014/main" id="{BC883CF2-3C58-45D9-82E0-B941EB9F8579}"/>
+              </a:ext>
+            </a:extLst>
+          </p:cNvPr>
+          <p:cNvGrpSpPr/>
+          <p:nvPr/>
+        </p:nvGrpSpPr>
+        <p:grpSpPr>
+          <a:xfrm>
+            <a:off x="2692710" y="1552355"/>
+            <a:ext cx="831240" cy="240120"/>
+            <a:chOff x="2692710" y="1552355"/>
+            <a:chExt cx="831240" cy="240120"/>
+          </a:xfrm>
+        </p:grpSpPr>
+        <mc:AlternateContent xmlns:mc="http://schemas.openxmlformats.org/markup-compatibility/2006">
+          <mc:Choice xmlns:p14="http://schemas.microsoft.com/office/powerpoint/2010/main" Requires="p14">
+            <p:contentPart p14:bwMode="auto" r:id="rId2">
+              <p14:nvContentPartPr>
+                <p14:cNvPr id="2" name="잉크 1">
+                  <a:extLst>
+                    <a:ext uri="{FF2B5EF4-FFF2-40B4-BE49-F238E27FC236}">
+                      <a16:creationId xmlns:a16="http://schemas.microsoft.com/office/drawing/2014/main" id="{95CBA516-E478-4ACE-958E-F4E282262637}"/>
+                    </a:ext>
+                  </a:extLst>
+                </p14:cNvPr>
+                <p14:cNvContentPartPr/>
+                <p14:nvPr/>
+              </p14:nvContentPartPr>
+              <p14:xfrm>
+                <a:off x="2692710" y="1552355"/>
+                <a:ext cx="788400" cy="240120"/>
+              </p14:xfrm>
+            </p:contentPart>
+          </mc:Choice>
+          <mc:Fallback>
+            <p:pic>
+              <p:nvPicPr>
+                <p:cNvPr id="2" name="잉크 1">
+                  <a:extLst>
+                    <a:ext uri="{FF2B5EF4-FFF2-40B4-BE49-F238E27FC236}">
+                      <a16:creationId xmlns:a16="http://schemas.microsoft.com/office/drawing/2014/main" id="{95CBA516-E478-4ACE-958E-F4E282262637}"/>
+                    </a:ext>
+                  </a:extLst>
+                </p:cNvPr>
+                <p:cNvPicPr/>
+                <p:nvPr/>
+              </p:nvPicPr>
+              <p:blipFill>
+                <a:blip r:embed="rId3"/>
+                <a:stretch>
+                  <a:fillRect/>
+                </a:stretch>
+              </p:blipFill>
+              <p:spPr>
+                <a:xfrm>
+                  <a:off x="2683710" y="1543715"/>
+                  <a:ext cx="806040" cy="257760"/>
+                </a:xfrm>
+                <a:prstGeom prst="rect">
+                  <a:avLst/>
+                </a:prstGeom>
+              </p:spPr>
+            </p:pic>
+          </mc:Fallback>
+        </mc:AlternateContent>
+        <mc:AlternateContent xmlns:mc="http://schemas.openxmlformats.org/markup-compatibility/2006">
+          <mc:Choice xmlns:p14="http://schemas.microsoft.com/office/powerpoint/2010/main" Requires="p14">
+            <p:contentPart p14:bwMode="auto" r:id="rId4">
+              <p14:nvContentPartPr>
+                <p14:cNvPr id="4" name="잉크 3">
+                  <a:extLst>
+                    <a:ext uri="{FF2B5EF4-FFF2-40B4-BE49-F238E27FC236}">
+                      <a16:creationId xmlns:a16="http://schemas.microsoft.com/office/drawing/2014/main" id="{F0B158A3-CD08-4CB9-A2F9-D7E6E9959C6C}"/>
+                    </a:ext>
+                  </a:extLst>
+                </p14:cNvPr>
+                <p14:cNvContentPartPr/>
+                <p14:nvPr/>
+              </p14:nvContentPartPr>
+              <p14:xfrm>
+                <a:off x="3454470" y="1679795"/>
+                <a:ext cx="69480" cy="95400"/>
+              </p14:xfrm>
+            </p:contentPart>
+          </mc:Choice>
+          <mc:Fallback>
+            <p:pic>
+              <p:nvPicPr>
+                <p:cNvPr id="4" name="잉크 3">
+                  <a:extLst>
+                    <a:ext uri="{FF2B5EF4-FFF2-40B4-BE49-F238E27FC236}">
+                      <a16:creationId xmlns:a16="http://schemas.microsoft.com/office/drawing/2014/main" id="{F0B158A3-CD08-4CB9-A2F9-D7E6E9959C6C}"/>
+                    </a:ext>
+                  </a:extLst>
+                </p:cNvPr>
+                <p:cNvPicPr/>
+                <p:nvPr/>
+              </p:nvPicPr>
+              <p:blipFill>
+                <a:blip r:embed="rId5"/>
+                <a:stretch>
+                  <a:fillRect/>
+                </a:stretch>
+              </p:blipFill>
+              <p:spPr>
+                <a:xfrm>
+                  <a:off x="3445830" y="1671155"/>
+                  <a:ext cx="87120" cy="113040"/>
+                </a:xfrm>
+                <a:prstGeom prst="rect">
+                  <a:avLst/>
+                </a:prstGeom>
+              </p:spPr>
+            </p:pic>
+          </mc:Fallback>
+        </mc:AlternateContent>
+      </p:grpSp>
+      <p:grpSp>
+        <p:nvGrpSpPr>
+          <p:cNvPr id="12" name="그룹 11">
+            <a:extLst>
+              <a:ext uri="{FF2B5EF4-FFF2-40B4-BE49-F238E27FC236}">
+                <a16:creationId xmlns:a16="http://schemas.microsoft.com/office/drawing/2014/main" id="{1D08C728-B764-47A2-8CBB-E7A9CB08503B}"/>
+              </a:ext>
+            </a:extLst>
+          </p:cNvPr>
+          <p:cNvGrpSpPr/>
+          <p:nvPr/>
+        </p:nvGrpSpPr>
+        <p:grpSpPr>
+          <a:xfrm>
+            <a:off x="2049750" y="1026035"/>
+            <a:ext cx="1577520" cy="199080"/>
+            <a:chOff x="2049750" y="1026035"/>
+            <a:chExt cx="1577520" cy="199080"/>
+          </a:xfrm>
+        </p:grpSpPr>
+        <mc:AlternateContent xmlns:mc="http://schemas.openxmlformats.org/markup-compatibility/2006">
+          <mc:Choice xmlns:p14="http://schemas.microsoft.com/office/powerpoint/2010/main" Requires="p14">
+            <p:contentPart p14:bwMode="auto" r:id="rId6">
+              <p14:nvContentPartPr>
+                <p14:cNvPr id="6" name="잉크 5">
+                  <a:extLst>
+                    <a:ext uri="{FF2B5EF4-FFF2-40B4-BE49-F238E27FC236}">
+                      <a16:creationId xmlns:a16="http://schemas.microsoft.com/office/drawing/2014/main" id="{64B55B7E-F2D1-464A-B0F9-F4390F723BA2}"/>
+                    </a:ext>
+                  </a:extLst>
+                </p14:cNvPr>
+                <p14:cNvContentPartPr/>
+                <p14:nvPr/>
+              </p14:nvContentPartPr>
+              <p14:xfrm>
+                <a:off x="2049750" y="1083995"/>
+                <a:ext cx="345600" cy="64440"/>
+              </p14:xfrm>
+            </p:contentPart>
+          </mc:Choice>
+          <mc:Fallback>
+            <p:pic>
+              <p:nvPicPr>
+                <p:cNvPr id="6" name="잉크 5">
+                  <a:extLst>
+                    <a:ext uri="{FF2B5EF4-FFF2-40B4-BE49-F238E27FC236}">
+                      <a16:creationId xmlns:a16="http://schemas.microsoft.com/office/drawing/2014/main" id="{64B55B7E-F2D1-464A-B0F9-F4390F723BA2}"/>
+                    </a:ext>
+                  </a:extLst>
+                </p:cNvPr>
+                <p:cNvPicPr/>
+                <p:nvPr/>
+              </p:nvPicPr>
+              <p:blipFill>
+                <a:blip r:embed="rId7"/>
+                <a:stretch>
+                  <a:fillRect/>
+                </a:stretch>
+              </p:blipFill>
+              <p:spPr>
+                <a:xfrm>
+                  <a:off x="2041110" y="1075355"/>
+                  <a:ext cx="363240" cy="82080"/>
+                </a:xfrm>
+                <a:prstGeom prst="rect">
+                  <a:avLst/>
+                </a:prstGeom>
+              </p:spPr>
+            </p:pic>
+          </mc:Fallback>
+        </mc:AlternateContent>
+        <mc:AlternateContent xmlns:mc="http://schemas.openxmlformats.org/markup-compatibility/2006">
+          <mc:Choice xmlns:p14="http://schemas.microsoft.com/office/powerpoint/2010/main" Requires="p14">
+            <p:contentPart p14:bwMode="auto" r:id="rId8">
+              <p14:nvContentPartPr>
+                <p14:cNvPr id="7" name="잉크 6">
+                  <a:extLst>
+                    <a:ext uri="{FF2B5EF4-FFF2-40B4-BE49-F238E27FC236}">
+                      <a16:creationId xmlns:a16="http://schemas.microsoft.com/office/drawing/2014/main" id="{27C00AD0-4D7D-40E8-A4D5-54D1F2A40C6E}"/>
+                    </a:ext>
+                  </a:extLst>
+                </p14:cNvPr>
+                <p14:cNvContentPartPr/>
+                <p14:nvPr/>
+              </p14:nvContentPartPr>
+              <p14:xfrm>
+                <a:off x="2366550" y="1126115"/>
+                <a:ext cx="37440" cy="83880"/>
+              </p14:xfrm>
+            </p:contentPart>
+          </mc:Choice>
+          <mc:Fallback>
+            <p:pic>
+              <p:nvPicPr>
+                <p:cNvPr id="7" name="잉크 6">
+                  <a:extLst>
+                    <a:ext uri="{FF2B5EF4-FFF2-40B4-BE49-F238E27FC236}">
+                      <a16:creationId xmlns:a16="http://schemas.microsoft.com/office/drawing/2014/main" id="{27C00AD0-4D7D-40E8-A4D5-54D1F2A40C6E}"/>
+                    </a:ext>
+                  </a:extLst>
+                </p:cNvPr>
+                <p:cNvPicPr/>
+                <p:nvPr/>
+              </p:nvPicPr>
+              <p:blipFill>
+                <a:blip r:embed="rId9"/>
+                <a:stretch>
+                  <a:fillRect/>
+                </a:stretch>
+              </p:blipFill>
+              <p:spPr>
+                <a:xfrm>
+                  <a:off x="2357910" y="1117115"/>
+                  <a:ext cx="55080" cy="101520"/>
+                </a:xfrm>
+                <a:prstGeom prst="rect">
+                  <a:avLst/>
+                </a:prstGeom>
+              </p:spPr>
+            </p:pic>
+          </mc:Fallback>
+        </mc:AlternateContent>
+        <mc:AlternateContent xmlns:mc="http://schemas.openxmlformats.org/markup-compatibility/2006">
+          <mc:Choice xmlns:p14="http://schemas.microsoft.com/office/powerpoint/2010/main" Requires="p14">
+            <p:contentPart p14:bwMode="auto" r:id="rId10">
+              <p14:nvContentPartPr>
+                <p14:cNvPr id="8" name="잉크 7">
+                  <a:extLst>
+                    <a:ext uri="{FF2B5EF4-FFF2-40B4-BE49-F238E27FC236}">
+                      <a16:creationId xmlns:a16="http://schemas.microsoft.com/office/drawing/2014/main" id="{450AAD5B-7FDB-42F7-A35D-F9744C1F5372}"/>
+                    </a:ext>
+                  </a:extLst>
+                </p14:cNvPr>
+                <p14:cNvContentPartPr/>
+                <p14:nvPr/>
+              </p14:nvContentPartPr>
+              <p14:xfrm>
+                <a:off x="2418390" y="1128275"/>
+                <a:ext cx="37440" cy="46080"/>
+              </p14:xfrm>
+            </p:contentPart>
+          </mc:Choice>
+          <mc:Fallback>
+            <p:pic>
+              <p:nvPicPr>
+                <p:cNvPr id="8" name="잉크 7">
+                  <a:extLst>
+                    <a:ext uri="{FF2B5EF4-FFF2-40B4-BE49-F238E27FC236}">
+                      <a16:creationId xmlns:a16="http://schemas.microsoft.com/office/drawing/2014/main" id="{450AAD5B-7FDB-42F7-A35D-F9744C1F5372}"/>
+                    </a:ext>
+                  </a:extLst>
+                </p:cNvPr>
+                <p:cNvPicPr/>
+                <p:nvPr/>
+              </p:nvPicPr>
+              <p:blipFill>
+                <a:blip r:embed="rId11"/>
+                <a:stretch>
+                  <a:fillRect/>
+                </a:stretch>
+              </p:blipFill>
+              <p:spPr>
+                <a:xfrm>
+                  <a:off x="2409750" y="1119635"/>
+                  <a:ext cx="55080" cy="63720"/>
+                </a:xfrm>
+                <a:prstGeom prst="rect">
+                  <a:avLst/>
+                </a:prstGeom>
+              </p:spPr>
+            </p:pic>
+          </mc:Fallback>
+        </mc:AlternateContent>
+        <mc:AlternateContent xmlns:mc="http://schemas.openxmlformats.org/markup-compatibility/2006">
+          <mc:Choice xmlns:p14="http://schemas.microsoft.com/office/powerpoint/2010/main" Requires="p14">
+            <p:contentPart p14:bwMode="auto" r:id="rId12">
+              <p14:nvContentPartPr>
+                <p14:cNvPr id="9" name="잉크 8">
+                  <a:extLst>
+                    <a:ext uri="{FF2B5EF4-FFF2-40B4-BE49-F238E27FC236}">
+                      <a16:creationId xmlns:a16="http://schemas.microsoft.com/office/drawing/2014/main" id="{35504389-753B-416D-B29B-E0A1B2206C70}"/>
+                    </a:ext>
+                  </a:extLst>
+                </p14:cNvPr>
+                <p14:cNvContentPartPr/>
+                <p14:nvPr/>
+              </p14:nvContentPartPr>
+              <p14:xfrm>
+                <a:off x="2538630" y="1026035"/>
+                <a:ext cx="1041480" cy="183960"/>
+              </p14:xfrm>
+            </p:contentPart>
+          </mc:Choice>
+          <mc:Fallback>
+            <p:pic>
+              <p:nvPicPr>
+                <p:cNvPr id="9" name="잉크 8">
+                  <a:extLst>
+                    <a:ext uri="{FF2B5EF4-FFF2-40B4-BE49-F238E27FC236}">
+                      <a16:creationId xmlns:a16="http://schemas.microsoft.com/office/drawing/2014/main" id="{35504389-753B-416D-B29B-E0A1B2206C70}"/>
+                    </a:ext>
+                  </a:extLst>
+                </p:cNvPr>
+                <p:cNvPicPr/>
+                <p:nvPr/>
+              </p:nvPicPr>
+              <p:blipFill>
+                <a:blip r:embed="rId13"/>
+                <a:stretch>
+                  <a:fillRect/>
+                </a:stretch>
+              </p:blipFill>
+              <p:spPr>
+                <a:xfrm>
+                  <a:off x="2529630" y="1017395"/>
+                  <a:ext cx="1059120" cy="201600"/>
+                </a:xfrm>
+                <a:prstGeom prst="rect">
+                  <a:avLst/>
+                </a:prstGeom>
+              </p:spPr>
+            </p:pic>
+          </mc:Fallback>
+        </mc:AlternateContent>
+        <mc:AlternateContent xmlns:mc="http://schemas.openxmlformats.org/markup-compatibility/2006">
+          <mc:Choice xmlns:p14="http://schemas.microsoft.com/office/powerpoint/2010/main" Requires="p14">
+            <p:contentPart p14:bwMode="auto" r:id="rId14">
+              <p14:nvContentPartPr>
+                <p14:cNvPr id="10" name="잉크 9">
+                  <a:extLst>
+                    <a:ext uri="{FF2B5EF4-FFF2-40B4-BE49-F238E27FC236}">
+                      <a16:creationId xmlns:a16="http://schemas.microsoft.com/office/drawing/2014/main" id="{C1E058DB-1A6D-45CA-8B75-88F1B68337BD}"/>
+                    </a:ext>
+                  </a:extLst>
+                </p14:cNvPr>
+                <p14:cNvContentPartPr/>
+                <p14:nvPr/>
+              </p14:nvContentPartPr>
+              <p14:xfrm>
+                <a:off x="2940390" y="1158155"/>
+                <a:ext cx="607320" cy="43920"/>
+              </p14:xfrm>
+            </p:contentPart>
+          </mc:Choice>
+          <mc:Fallback>
+            <p:pic>
+              <p:nvPicPr>
+                <p:cNvPr id="10" name="잉크 9">
+                  <a:extLst>
+                    <a:ext uri="{FF2B5EF4-FFF2-40B4-BE49-F238E27FC236}">
+                      <a16:creationId xmlns:a16="http://schemas.microsoft.com/office/drawing/2014/main" id="{C1E058DB-1A6D-45CA-8B75-88F1B68337BD}"/>
+                    </a:ext>
+                  </a:extLst>
+                </p:cNvPr>
+                <p:cNvPicPr/>
+                <p:nvPr/>
+              </p:nvPicPr>
+              <p:blipFill>
+                <a:blip r:embed="rId15"/>
+                <a:stretch>
+                  <a:fillRect/>
+                </a:stretch>
+              </p:blipFill>
+              <p:spPr>
+                <a:xfrm>
+                  <a:off x="2931750" y="1149515"/>
+                  <a:ext cx="624960" cy="61560"/>
+                </a:xfrm>
+                <a:prstGeom prst="rect">
+                  <a:avLst/>
+                </a:prstGeom>
+              </p:spPr>
+            </p:pic>
+          </mc:Fallback>
+        </mc:AlternateContent>
+        <mc:AlternateContent xmlns:mc="http://schemas.openxmlformats.org/markup-compatibility/2006">
+          <mc:Choice xmlns:p14="http://schemas.microsoft.com/office/powerpoint/2010/main" Requires="p14">
+            <p:contentPart p14:bwMode="auto" r:id="rId16">
+              <p14:nvContentPartPr>
+                <p14:cNvPr id="11" name="잉크 10">
+                  <a:extLst>
+                    <a:ext uri="{FF2B5EF4-FFF2-40B4-BE49-F238E27FC236}">
+                      <a16:creationId xmlns:a16="http://schemas.microsoft.com/office/drawing/2014/main" id="{8CD02F6E-2461-4505-9526-FC04FFAC5F27}"/>
+                    </a:ext>
+                  </a:extLst>
+                </p14:cNvPr>
+                <p14:cNvContentPartPr/>
+                <p14:nvPr/>
+              </p14:nvContentPartPr>
+              <p14:xfrm>
+                <a:off x="3547710" y="1125395"/>
+                <a:ext cx="79560" cy="99720"/>
+              </p14:xfrm>
+            </p:contentPart>
+          </mc:Choice>
+          <mc:Fallback>
+            <p:pic>
+              <p:nvPicPr>
+                <p:cNvPr id="11" name="잉크 10">
+                  <a:extLst>
+                    <a:ext uri="{FF2B5EF4-FFF2-40B4-BE49-F238E27FC236}">
+                      <a16:creationId xmlns:a16="http://schemas.microsoft.com/office/drawing/2014/main" id="{8CD02F6E-2461-4505-9526-FC04FFAC5F27}"/>
+                    </a:ext>
+                  </a:extLst>
+                </p:cNvPr>
+                <p:cNvPicPr/>
+                <p:nvPr/>
+              </p:nvPicPr>
+              <p:blipFill>
+                <a:blip r:embed="rId17"/>
+                <a:stretch>
+                  <a:fillRect/>
+                </a:stretch>
+              </p:blipFill>
+              <p:spPr>
+                <a:xfrm>
+                  <a:off x="3538710" y="1116755"/>
+                  <a:ext cx="97200" cy="117360"/>
+                </a:xfrm>
+                <a:prstGeom prst="rect">
+                  <a:avLst/>
+                </a:prstGeom>
+              </p:spPr>
+            </p:pic>
+          </mc:Fallback>
+        </mc:AlternateContent>
+      </p:grpSp>
+      <p:grpSp>
+        <p:nvGrpSpPr>
+          <p:cNvPr id="19" name="그룹 18">
+            <a:extLst>
+              <a:ext uri="{FF2B5EF4-FFF2-40B4-BE49-F238E27FC236}">
+                <a16:creationId xmlns:a16="http://schemas.microsoft.com/office/drawing/2014/main" id="{74018A12-08E4-43D8-8507-468F9BF966BD}"/>
+              </a:ext>
+            </a:extLst>
+          </p:cNvPr>
+          <p:cNvGrpSpPr/>
+          <p:nvPr/>
+        </p:nvGrpSpPr>
+        <p:grpSpPr>
+          <a:xfrm>
+            <a:off x="1498590" y="1146635"/>
+            <a:ext cx="1497960" cy="208800"/>
+            <a:chOff x="1498590" y="1146635"/>
+            <a:chExt cx="1497960" cy="208800"/>
+          </a:xfrm>
+        </p:grpSpPr>
+        <mc:AlternateContent xmlns:mc="http://schemas.openxmlformats.org/markup-compatibility/2006">
+          <mc:Choice xmlns:p14="http://schemas.microsoft.com/office/powerpoint/2010/main" Requires="p14">
+            <p:contentPart p14:bwMode="auto" r:id="rId18">
+              <p14:nvContentPartPr>
+                <p14:cNvPr id="13" name="잉크 12">
+                  <a:extLst>
+                    <a:ext uri="{FF2B5EF4-FFF2-40B4-BE49-F238E27FC236}">
+                      <a16:creationId xmlns:a16="http://schemas.microsoft.com/office/drawing/2014/main" id="{DB7C5C0B-C4E3-4E35-9A0C-ADD6E4BFCA1A}"/>
+                    </a:ext>
+                  </a:extLst>
+                </p14:cNvPr>
+                <p14:cNvContentPartPr/>
+                <p14:nvPr/>
+              </p14:nvContentPartPr>
+              <p14:xfrm>
+                <a:off x="2078910" y="1146635"/>
+                <a:ext cx="873000" cy="187200"/>
+              </p14:xfrm>
+            </p:contentPart>
+          </mc:Choice>
+          <mc:Fallback>
+            <p:pic>
+              <p:nvPicPr>
+                <p:cNvPr id="13" name="잉크 12">
+                  <a:extLst>
+                    <a:ext uri="{FF2B5EF4-FFF2-40B4-BE49-F238E27FC236}">
+                      <a16:creationId xmlns:a16="http://schemas.microsoft.com/office/drawing/2014/main" id="{DB7C5C0B-C4E3-4E35-9A0C-ADD6E4BFCA1A}"/>
+                    </a:ext>
+                  </a:extLst>
+                </p:cNvPr>
+                <p:cNvPicPr/>
+                <p:nvPr/>
+              </p:nvPicPr>
+              <p:blipFill>
+                <a:blip r:embed="rId19"/>
+                <a:stretch>
+                  <a:fillRect/>
+                </a:stretch>
+              </p:blipFill>
+              <p:spPr>
+                <a:xfrm>
+                  <a:off x="2069910" y="1137635"/>
+                  <a:ext cx="890640" cy="204840"/>
+                </a:xfrm>
+                <a:prstGeom prst="rect">
+                  <a:avLst/>
+                </a:prstGeom>
+              </p:spPr>
+            </p:pic>
+          </mc:Fallback>
+        </mc:AlternateContent>
+        <mc:AlternateContent xmlns:mc="http://schemas.openxmlformats.org/markup-compatibility/2006">
+          <mc:Choice xmlns:p14="http://schemas.microsoft.com/office/powerpoint/2010/main" Requires="p14">
+            <p:contentPart p14:bwMode="auto" r:id="rId20">
+              <p14:nvContentPartPr>
+                <p14:cNvPr id="14" name="잉크 13">
+                  <a:extLst>
+                    <a:ext uri="{FF2B5EF4-FFF2-40B4-BE49-F238E27FC236}">
+                      <a16:creationId xmlns:a16="http://schemas.microsoft.com/office/drawing/2014/main" id="{0516FE97-297D-49CE-A931-A488CB527820}"/>
+                    </a:ext>
+                  </a:extLst>
+                </p14:cNvPr>
+                <p14:cNvContentPartPr/>
+                <p14:nvPr/>
+              </p14:nvContentPartPr>
+              <p14:xfrm>
+                <a:off x="2945430" y="1273715"/>
+                <a:ext cx="33480" cy="70200"/>
+              </p14:xfrm>
+            </p:contentPart>
+          </mc:Choice>
+          <mc:Fallback>
+            <p:pic>
+              <p:nvPicPr>
+                <p:cNvPr id="14" name="잉크 13">
+                  <a:extLst>
+                    <a:ext uri="{FF2B5EF4-FFF2-40B4-BE49-F238E27FC236}">
+                      <a16:creationId xmlns:a16="http://schemas.microsoft.com/office/drawing/2014/main" id="{0516FE97-297D-49CE-A931-A488CB527820}"/>
+                    </a:ext>
+                  </a:extLst>
+                </p:cNvPr>
+                <p:cNvPicPr/>
+                <p:nvPr/>
+              </p:nvPicPr>
+              <p:blipFill>
+                <a:blip r:embed="rId21"/>
+                <a:stretch>
+                  <a:fillRect/>
+                </a:stretch>
+              </p:blipFill>
+              <p:spPr>
+                <a:xfrm>
+                  <a:off x="2936430" y="1264715"/>
+                  <a:ext cx="51120" cy="87840"/>
+                </a:xfrm>
+                <a:prstGeom prst="rect">
+                  <a:avLst/>
+                </a:prstGeom>
+              </p:spPr>
+            </p:pic>
+          </mc:Fallback>
+        </mc:AlternateContent>
+        <mc:AlternateContent xmlns:mc="http://schemas.openxmlformats.org/markup-compatibility/2006">
+          <mc:Choice xmlns:p14="http://schemas.microsoft.com/office/powerpoint/2010/main" Requires="p14">
+            <p:contentPart p14:bwMode="auto" r:id="rId22">
+              <p14:nvContentPartPr>
+                <p14:cNvPr id="15" name="잉크 14">
+                  <a:extLst>
+                    <a:ext uri="{FF2B5EF4-FFF2-40B4-BE49-F238E27FC236}">
+                      <a16:creationId xmlns:a16="http://schemas.microsoft.com/office/drawing/2014/main" id="{B0C34E98-D42A-4B2B-B143-D4C2E20219B5}"/>
+                    </a:ext>
+                  </a:extLst>
+                </p14:cNvPr>
+                <p14:cNvContentPartPr/>
+                <p14:nvPr/>
+              </p14:nvContentPartPr>
+              <p14:xfrm>
+                <a:off x="2956590" y="1299995"/>
+                <a:ext cx="39960" cy="55440"/>
+              </p14:xfrm>
+            </p:contentPart>
+          </mc:Choice>
+          <mc:Fallback>
+            <p:pic>
+              <p:nvPicPr>
+                <p:cNvPr id="15" name="잉크 14">
+                  <a:extLst>
+                    <a:ext uri="{FF2B5EF4-FFF2-40B4-BE49-F238E27FC236}">
+                      <a16:creationId xmlns:a16="http://schemas.microsoft.com/office/drawing/2014/main" id="{B0C34E98-D42A-4B2B-B143-D4C2E20219B5}"/>
+                    </a:ext>
+                  </a:extLst>
+                </p:cNvPr>
+                <p:cNvPicPr/>
+                <p:nvPr/>
+              </p:nvPicPr>
+              <p:blipFill>
+                <a:blip r:embed="rId23"/>
+                <a:stretch>
+                  <a:fillRect/>
+                </a:stretch>
+              </p:blipFill>
+              <p:spPr>
+                <a:xfrm>
+                  <a:off x="2947590" y="1290995"/>
+                  <a:ext cx="57600" cy="73080"/>
+                </a:xfrm>
+                <a:prstGeom prst="rect">
+                  <a:avLst/>
+                </a:prstGeom>
+              </p:spPr>
+            </p:pic>
+          </mc:Fallback>
+        </mc:AlternateContent>
+        <mc:AlternateContent xmlns:mc="http://schemas.openxmlformats.org/markup-compatibility/2006">
+          <mc:Choice xmlns:p14="http://schemas.microsoft.com/office/powerpoint/2010/main" Requires="p14">
+            <p:contentPart p14:bwMode="auto" r:id="rId24">
+              <p14:nvContentPartPr>
+                <p14:cNvPr id="17" name="잉크 16">
+                  <a:extLst>
+                    <a:ext uri="{FF2B5EF4-FFF2-40B4-BE49-F238E27FC236}">
+                      <a16:creationId xmlns:a16="http://schemas.microsoft.com/office/drawing/2014/main" id="{5C8D1399-DFFA-47F0-89EB-52D2FF2372FB}"/>
+                    </a:ext>
+                  </a:extLst>
+                </p14:cNvPr>
+                <p14:cNvContentPartPr/>
+                <p14:nvPr/>
+              </p14:nvContentPartPr>
+              <p14:xfrm>
+                <a:off x="1498590" y="1274795"/>
+                <a:ext cx="636840" cy="47520"/>
+              </p14:xfrm>
+            </p:contentPart>
+          </mc:Choice>
+          <mc:Fallback>
+            <p:pic>
+              <p:nvPicPr>
+                <p:cNvPr id="17" name="잉크 16">
+                  <a:extLst>
+                    <a:ext uri="{FF2B5EF4-FFF2-40B4-BE49-F238E27FC236}">
+                      <a16:creationId xmlns:a16="http://schemas.microsoft.com/office/drawing/2014/main" id="{5C8D1399-DFFA-47F0-89EB-52D2FF2372FB}"/>
+                    </a:ext>
+                  </a:extLst>
+                </p:cNvPr>
+                <p:cNvPicPr/>
+                <p:nvPr/>
+              </p:nvPicPr>
+              <p:blipFill>
+                <a:blip r:embed="rId25"/>
+                <a:stretch>
+                  <a:fillRect/>
+                </a:stretch>
+              </p:blipFill>
+              <p:spPr>
+                <a:xfrm>
+                  <a:off x="1489590" y="1266155"/>
+                  <a:ext cx="654480" cy="65160"/>
+                </a:xfrm>
+                <a:prstGeom prst="rect">
+                  <a:avLst/>
+                </a:prstGeom>
+              </p:spPr>
+            </p:pic>
+          </mc:Fallback>
+        </mc:AlternateContent>
+        <mc:AlternateContent xmlns:mc="http://schemas.openxmlformats.org/markup-compatibility/2006">
+          <mc:Choice xmlns:p14="http://schemas.microsoft.com/office/powerpoint/2010/main" Requires="p14">
+            <p:contentPart p14:bwMode="auto" r:id="rId26">
+              <p14:nvContentPartPr>
+                <p14:cNvPr id="18" name="잉크 17">
+                  <a:extLst>
+                    <a:ext uri="{FF2B5EF4-FFF2-40B4-BE49-F238E27FC236}">
+                      <a16:creationId xmlns:a16="http://schemas.microsoft.com/office/drawing/2014/main" id="{2E95AB3E-FD14-4E25-8E52-C09C3C89B736}"/>
+                    </a:ext>
+                  </a:extLst>
+                </p14:cNvPr>
+                <p14:cNvContentPartPr/>
+                <p14:nvPr/>
+              </p14:nvContentPartPr>
+              <p14:xfrm>
+                <a:off x="2149830" y="1294955"/>
+                <a:ext cx="7200" cy="27000"/>
+              </p14:xfrm>
+            </p:contentPart>
+          </mc:Choice>
+          <mc:Fallback>
+            <p:pic>
+              <p:nvPicPr>
+                <p:cNvPr id="18" name="잉크 17">
+                  <a:extLst>
+                    <a:ext uri="{FF2B5EF4-FFF2-40B4-BE49-F238E27FC236}">
+                      <a16:creationId xmlns:a16="http://schemas.microsoft.com/office/drawing/2014/main" id="{2E95AB3E-FD14-4E25-8E52-C09C3C89B736}"/>
+                    </a:ext>
+                  </a:extLst>
+                </p:cNvPr>
+                <p:cNvPicPr/>
+                <p:nvPr/>
+              </p:nvPicPr>
+              <p:blipFill>
+                <a:blip r:embed="rId27"/>
+                <a:stretch>
+                  <a:fillRect/>
+                </a:stretch>
+              </p:blipFill>
+              <p:spPr>
+                <a:xfrm>
+                  <a:off x="2140830" y="1285955"/>
+                  <a:ext cx="24840" cy="44640"/>
+                </a:xfrm>
+                <a:prstGeom prst="rect">
+                  <a:avLst/>
+                </a:prstGeom>
+              </p:spPr>
+            </p:pic>
+          </mc:Fallback>
+        </mc:AlternateContent>
+      </p:grpSp>
+      <p:grpSp>
+        <p:nvGrpSpPr>
+          <p:cNvPr id="23" name="그룹 22">
+            <a:extLst>
+              <a:ext uri="{FF2B5EF4-FFF2-40B4-BE49-F238E27FC236}">
+                <a16:creationId xmlns:a16="http://schemas.microsoft.com/office/drawing/2014/main" id="{220C8B2D-660C-4EBD-8EC1-CD238FF5AB88}"/>
+              </a:ext>
+            </a:extLst>
+          </p:cNvPr>
+          <p:cNvGrpSpPr/>
+          <p:nvPr/>
+        </p:nvGrpSpPr>
+        <p:grpSpPr>
+          <a:xfrm>
+            <a:off x="2793992" y="2011767"/>
+            <a:ext cx="1051200" cy="246600"/>
+            <a:chOff x="2793992" y="2011767"/>
+            <a:chExt cx="1051200" cy="246600"/>
+          </a:xfrm>
+        </p:grpSpPr>
+        <mc:AlternateContent xmlns:mc="http://schemas.openxmlformats.org/markup-compatibility/2006">
+          <mc:Choice xmlns:p14="http://schemas.microsoft.com/office/powerpoint/2010/main" Requires="p14">
+            <p:contentPart p14:bwMode="auto" r:id="rId28">
+              <p14:nvContentPartPr>
+                <p14:cNvPr id="20" name="잉크 19">
+                  <a:extLst>
+                    <a:ext uri="{FF2B5EF4-FFF2-40B4-BE49-F238E27FC236}">
+                      <a16:creationId xmlns:a16="http://schemas.microsoft.com/office/drawing/2014/main" id="{3EFB9868-F2C6-4D9E-A790-0261247AC3E8}"/>
+                    </a:ext>
+                  </a:extLst>
+                </p14:cNvPr>
+                <p14:cNvContentPartPr/>
+                <p14:nvPr/>
+              </p14:nvContentPartPr>
+              <p14:xfrm>
+                <a:off x="2793992" y="2011767"/>
+                <a:ext cx="1016280" cy="246600"/>
+              </p14:xfrm>
+            </p:contentPart>
+          </mc:Choice>
+          <mc:Fallback>
+            <p:pic>
+              <p:nvPicPr>
+                <p:cNvPr id="20" name="잉크 19">
+                  <a:extLst>
+                    <a:ext uri="{FF2B5EF4-FFF2-40B4-BE49-F238E27FC236}">
+                      <a16:creationId xmlns:a16="http://schemas.microsoft.com/office/drawing/2014/main" id="{3EFB9868-F2C6-4D9E-A790-0261247AC3E8}"/>
+                    </a:ext>
+                  </a:extLst>
+                </p:cNvPr>
+                <p:cNvPicPr/>
+                <p:nvPr/>
+              </p:nvPicPr>
+              <p:blipFill>
+                <a:blip r:embed="rId29"/>
+                <a:stretch>
+                  <a:fillRect/>
+                </a:stretch>
+              </p:blipFill>
+              <p:spPr>
+                <a:xfrm>
+                  <a:off x="2784992" y="2002767"/>
+                  <a:ext cx="1033920" cy="264240"/>
+                </a:xfrm>
+                <a:prstGeom prst="rect">
+                  <a:avLst/>
+                </a:prstGeom>
+              </p:spPr>
+            </p:pic>
+          </mc:Fallback>
+        </mc:AlternateContent>
+        <mc:AlternateContent xmlns:mc="http://schemas.openxmlformats.org/markup-compatibility/2006">
+          <mc:Choice xmlns:p14="http://schemas.microsoft.com/office/powerpoint/2010/main" Requires="p14">
+            <p:contentPart p14:bwMode="auto" r:id="rId30">
+              <p14:nvContentPartPr>
+                <p14:cNvPr id="21" name="잉크 20">
+                  <a:extLst>
+                    <a:ext uri="{FF2B5EF4-FFF2-40B4-BE49-F238E27FC236}">
+                      <a16:creationId xmlns:a16="http://schemas.microsoft.com/office/drawing/2014/main" id="{9DA8E4B3-04B3-44CD-A9C1-49339AC882E5}"/>
+                    </a:ext>
+                  </a:extLst>
+                </p14:cNvPr>
+                <p14:cNvContentPartPr/>
+                <p14:nvPr/>
+              </p14:nvContentPartPr>
+              <p14:xfrm>
+                <a:off x="3762392" y="2151807"/>
+                <a:ext cx="46440" cy="74880"/>
+              </p14:xfrm>
+            </p:contentPart>
+          </mc:Choice>
+          <mc:Fallback>
+            <p:pic>
+              <p:nvPicPr>
+                <p:cNvPr id="21" name="잉크 20">
+                  <a:extLst>
+                    <a:ext uri="{FF2B5EF4-FFF2-40B4-BE49-F238E27FC236}">
+                      <a16:creationId xmlns:a16="http://schemas.microsoft.com/office/drawing/2014/main" id="{9DA8E4B3-04B3-44CD-A9C1-49339AC882E5}"/>
+                    </a:ext>
+                  </a:extLst>
+                </p:cNvPr>
+                <p:cNvPicPr/>
+                <p:nvPr/>
+              </p:nvPicPr>
+              <p:blipFill>
+                <a:blip r:embed="rId31"/>
+                <a:stretch>
+                  <a:fillRect/>
+                </a:stretch>
+              </p:blipFill>
+              <p:spPr>
+                <a:xfrm>
+                  <a:off x="3753752" y="2142807"/>
+                  <a:ext cx="64080" cy="92520"/>
+                </a:xfrm>
+                <a:prstGeom prst="rect">
+                  <a:avLst/>
+                </a:prstGeom>
+              </p:spPr>
+            </p:pic>
+          </mc:Fallback>
+        </mc:AlternateContent>
+        <mc:AlternateContent xmlns:mc="http://schemas.openxmlformats.org/markup-compatibility/2006">
+          <mc:Choice xmlns:p14="http://schemas.microsoft.com/office/powerpoint/2010/main" Requires="p14">
+            <p:contentPart p14:bwMode="auto" r:id="rId32">
+              <p14:nvContentPartPr>
+                <p14:cNvPr id="22" name="잉크 21">
+                  <a:extLst>
+                    <a:ext uri="{FF2B5EF4-FFF2-40B4-BE49-F238E27FC236}">
+                      <a16:creationId xmlns:a16="http://schemas.microsoft.com/office/drawing/2014/main" id="{AFAD0E50-6845-437E-9B2C-B9466A3DEDA6}"/>
+                    </a:ext>
+                  </a:extLst>
+                </p14:cNvPr>
+                <p14:cNvContentPartPr/>
+                <p14:nvPr/>
+              </p14:nvContentPartPr>
+              <p14:xfrm>
+                <a:off x="3780032" y="2156487"/>
+                <a:ext cx="65160" cy="79920"/>
+              </p14:xfrm>
+            </p:contentPart>
+          </mc:Choice>
+          <mc:Fallback>
+            <p:pic>
+              <p:nvPicPr>
+                <p:cNvPr id="22" name="잉크 21">
+                  <a:extLst>
+                    <a:ext uri="{FF2B5EF4-FFF2-40B4-BE49-F238E27FC236}">
+                      <a16:creationId xmlns:a16="http://schemas.microsoft.com/office/drawing/2014/main" id="{AFAD0E50-6845-437E-9B2C-B9466A3DEDA6}"/>
+                    </a:ext>
+                  </a:extLst>
+                </p:cNvPr>
+                <p:cNvPicPr/>
+                <p:nvPr/>
+              </p:nvPicPr>
+              <p:blipFill>
+                <a:blip r:embed="rId33"/>
+                <a:stretch>
+                  <a:fillRect/>
+                </a:stretch>
+              </p:blipFill>
+              <p:spPr>
+                <a:xfrm>
+                  <a:off x="3771392" y="2147487"/>
+                  <a:ext cx="82800" cy="97560"/>
+                </a:xfrm>
+                <a:prstGeom prst="rect">
+                  <a:avLst/>
+                </a:prstGeom>
+              </p:spPr>
+            </p:pic>
+          </mc:Fallback>
+        </mc:AlternateContent>
+      </p:grpSp>
+      <p:grpSp>
+        <p:nvGrpSpPr>
+          <p:cNvPr id="29" name="그룹 28">
+            <a:extLst>
+              <a:ext uri="{FF2B5EF4-FFF2-40B4-BE49-F238E27FC236}">
+                <a16:creationId xmlns:a16="http://schemas.microsoft.com/office/drawing/2014/main" id="{B3EF04D4-B715-4B17-8CB3-277D879BD987}"/>
+              </a:ext>
+            </a:extLst>
+          </p:cNvPr>
+          <p:cNvGrpSpPr/>
+          <p:nvPr/>
+        </p:nvGrpSpPr>
+        <p:grpSpPr>
+          <a:xfrm>
+            <a:off x="4637912" y="2058207"/>
+            <a:ext cx="2014920" cy="257400"/>
+            <a:chOff x="4637912" y="2058207"/>
+            <a:chExt cx="2014920" cy="257400"/>
+          </a:xfrm>
+        </p:grpSpPr>
+        <mc:AlternateContent xmlns:mc="http://schemas.openxmlformats.org/markup-compatibility/2006">
+          <mc:Choice xmlns:p14="http://schemas.microsoft.com/office/powerpoint/2010/main" Requires="p14">
+            <p:contentPart p14:bwMode="auto" r:id="rId34">
+              <p14:nvContentPartPr>
+                <p14:cNvPr id="24" name="잉크 23">
+                  <a:extLst>
+                    <a:ext uri="{FF2B5EF4-FFF2-40B4-BE49-F238E27FC236}">
+                      <a16:creationId xmlns:a16="http://schemas.microsoft.com/office/drawing/2014/main" id="{40FCE6BC-0293-43BC-AE58-C69500DED49D}"/>
+                    </a:ext>
+                  </a:extLst>
+                </p14:cNvPr>
+                <p14:cNvContentPartPr/>
+                <p14:nvPr/>
+              </p14:nvContentPartPr>
+              <p14:xfrm>
+                <a:off x="4637912" y="2210127"/>
+                <a:ext cx="660960" cy="95040"/>
+              </p14:xfrm>
+            </p:contentPart>
+          </mc:Choice>
+          <mc:Fallback>
+            <p:pic>
+              <p:nvPicPr>
+                <p:cNvPr id="24" name="잉크 23">
+                  <a:extLst>
+                    <a:ext uri="{FF2B5EF4-FFF2-40B4-BE49-F238E27FC236}">
+                      <a16:creationId xmlns:a16="http://schemas.microsoft.com/office/drawing/2014/main" id="{40FCE6BC-0293-43BC-AE58-C69500DED49D}"/>
+                    </a:ext>
+                  </a:extLst>
+                </p:cNvPr>
+                <p:cNvPicPr/>
+                <p:nvPr/>
+              </p:nvPicPr>
+              <p:blipFill>
+                <a:blip r:embed="rId35"/>
+                <a:stretch>
+                  <a:fillRect/>
+                </a:stretch>
+              </p:blipFill>
+              <p:spPr>
+                <a:xfrm>
+                  <a:off x="4628912" y="2201487"/>
+                  <a:ext cx="678600" cy="112680"/>
+                </a:xfrm>
+                <a:prstGeom prst="rect">
+                  <a:avLst/>
+                </a:prstGeom>
+              </p:spPr>
+            </p:pic>
+          </mc:Fallback>
+        </mc:AlternateContent>
+        <mc:AlternateContent xmlns:mc="http://schemas.openxmlformats.org/markup-compatibility/2006">
+          <mc:Choice xmlns:p14="http://schemas.microsoft.com/office/powerpoint/2010/main" Requires="p14">
+            <p:contentPart p14:bwMode="auto" r:id="rId36">
+              <p14:nvContentPartPr>
+                <p14:cNvPr id="25" name="잉크 24">
+                  <a:extLst>
+                    <a:ext uri="{FF2B5EF4-FFF2-40B4-BE49-F238E27FC236}">
+                      <a16:creationId xmlns:a16="http://schemas.microsoft.com/office/drawing/2014/main" id="{7AC2DD13-505A-4D44-BBF2-6AB3EB84AFE1}"/>
+                    </a:ext>
+                  </a:extLst>
+                </p14:cNvPr>
+                <p14:cNvContentPartPr/>
+                <p14:nvPr/>
+              </p14:nvContentPartPr>
+              <p14:xfrm>
+                <a:off x="5269712" y="2226687"/>
+                <a:ext cx="65160" cy="88920"/>
+              </p14:xfrm>
+            </p:contentPart>
+          </mc:Choice>
+          <mc:Fallback>
+            <p:pic>
+              <p:nvPicPr>
+                <p:cNvPr id="25" name="잉크 24">
+                  <a:extLst>
+                    <a:ext uri="{FF2B5EF4-FFF2-40B4-BE49-F238E27FC236}">
+                      <a16:creationId xmlns:a16="http://schemas.microsoft.com/office/drawing/2014/main" id="{7AC2DD13-505A-4D44-BBF2-6AB3EB84AFE1}"/>
+                    </a:ext>
+                  </a:extLst>
+                </p:cNvPr>
+                <p:cNvPicPr/>
+                <p:nvPr/>
+              </p:nvPicPr>
+              <p:blipFill>
+                <a:blip r:embed="rId37"/>
+                <a:stretch>
+                  <a:fillRect/>
+                </a:stretch>
+              </p:blipFill>
+              <p:spPr>
+                <a:xfrm>
+                  <a:off x="5261072" y="2217687"/>
+                  <a:ext cx="82800" cy="106560"/>
+                </a:xfrm>
+                <a:prstGeom prst="rect">
+                  <a:avLst/>
+                </a:prstGeom>
+              </p:spPr>
+            </p:pic>
+          </mc:Fallback>
+        </mc:AlternateContent>
+        <mc:AlternateContent xmlns:mc="http://schemas.openxmlformats.org/markup-compatibility/2006">
+          <mc:Choice xmlns:p14="http://schemas.microsoft.com/office/powerpoint/2010/main" Requires="p14">
+            <p:contentPart p14:bwMode="auto" r:id="rId38">
+              <p14:nvContentPartPr>
+                <p14:cNvPr id="26" name="잉크 25">
+                  <a:extLst>
+                    <a:ext uri="{FF2B5EF4-FFF2-40B4-BE49-F238E27FC236}">
+                      <a16:creationId xmlns:a16="http://schemas.microsoft.com/office/drawing/2014/main" id="{3D399069-39EA-4894-97C8-36EB07A6D57E}"/>
+                    </a:ext>
+                  </a:extLst>
+                </p14:cNvPr>
+                <p14:cNvContentPartPr/>
+                <p14:nvPr/>
+              </p14:nvContentPartPr>
+              <p14:xfrm>
+                <a:off x="5527112" y="2058207"/>
+                <a:ext cx="278640" cy="212400"/>
+              </p14:xfrm>
+            </p:contentPart>
+          </mc:Choice>
+          <mc:Fallback>
+            <p:pic>
+              <p:nvPicPr>
+                <p:cNvPr id="26" name="잉크 25">
+                  <a:extLst>
+                    <a:ext uri="{FF2B5EF4-FFF2-40B4-BE49-F238E27FC236}">
+                      <a16:creationId xmlns:a16="http://schemas.microsoft.com/office/drawing/2014/main" id="{3D399069-39EA-4894-97C8-36EB07A6D57E}"/>
+                    </a:ext>
+                  </a:extLst>
+                </p:cNvPr>
+                <p:cNvPicPr/>
+                <p:nvPr/>
+              </p:nvPicPr>
+              <p:blipFill>
+                <a:blip r:embed="rId39"/>
+                <a:stretch>
+                  <a:fillRect/>
+                </a:stretch>
+              </p:blipFill>
+              <p:spPr>
+                <a:xfrm>
+                  <a:off x="5518472" y="2049567"/>
+                  <a:ext cx="296280" cy="230040"/>
+                </a:xfrm>
+                <a:prstGeom prst="rect">
+                  <a:avLst/>
+                </a:prstGeom>
+              </p:spPr>
+            </p:pic>
+          </mc:Fallback>
+        </mc:AlternateContent>
+        <mc:AlternateContent xmlns:mc="http://schemas.openxmlformats.org/markup-compatibility/2006">
+          <mc:Choice xmlns:p14="http://schemas.microsoft.com/office/powerpoint/2010/main" Requires="p14">
+            <p:contentPart p14:bwMode="auto" r:id="rId40">
+              <p14:nvContentPartPr>
+                <p14:cNvPr id="27" name="잉크 26">
+                  <a:extLst>
+                    <a:ext uri="{FF2B5EF4-FFF2-40B4-BE49-F238E27FC236}">
+                      <a16:creationId xmlns:a16="http://schemas.microsoft.com/office/drawing/2014/main" id="{26385F91-87FB-4324-842B-96A13B9E194E}"/>
+                    </a:ext>
+                  </a:extLst>
+                </p14:cNvPr>
+                <p14:cNvContentPartPr/>
+                <p14:nvPr/>
+              </p14:nvContentPartPr>
+              <p14:xfrm>
+                <a:off x="5968472" y="2225607"/>
+                <a:ext cx="635760" cy="18360"/>
+              </p14:xfrm>
+            </p:contentPart>
+          </mc:Choice>
+          <mc:Fallback>
+            <p:pic>
+              <p:nvPicPr>
+                <p:cNvPr id="27" name="잉크 26">
+                  <a:extLst>
+                    <a:ext uri="{FF2B5EF4-FFF2-40B4-BE49-F238E27FC236}">
+                      <a16:creationId xmlns:a16="http://schemas.microsoft.com/office/drawing/2014/main" id="{26385F91-87FB-4324-842B-96A13B9E194E}"/>
+                    </a:ext>
+                  </a:extLst>
+                </p:cNvPr>
+                <p:cNvPicPr/>
+                <p:nvPr/>
+              </p:nvPicPr>
+              <p:blipFill>
+                <a:blip r:embed="rId41"/>
+                <a:stretch>
+                  <a:fillRect/>
+                </a:stretch>
+              </p:blipFill>
+              <p:spPr>
+                <a:xfrm>
+                  <a:off x="5959832" y="2216607"/>
+                  <a:ext cx="653400" cy="36000"/>
+                </a:xfrm>
+                <a:prstGeom prst="rect">
+                  <a:avLst/>
+                </a:prstGeom>
+              </p:spPr>
+            </p:pic>
+          </mc:Fallback>
+        </mc:AlternateContent>
+        <mc:AlternateContent xmlns:mc="http://schemas.openxmlformats.org/markup-compatibility/2006">
+          <mc:Choice xmlns:p14="http://schemas.microsoft.com/office/powerpoint/2010/main" Requires="p14">
+            <p:contentPart p14:bwMode="auto" r:id="rId42">
+              <p14:nvContentPartPr>
+                <p14:cNvPr id="28" name="잉크 27">
+                  <a:extLst>
+                    <a:ext uri="{FF2B5EF4-FFF2-40B4-BE49-F238E27FC236}">
+                      <a16:creationId xmlns:a16="http://schemas.microsoft.com/office/drawing/2014/main" id="{9C626080-2D0E-4BAF-B752-C0D7933DD462}"/>
+                    </a:ext>
+                  </a:extLst>
+                </p14:cNvPr>
+                <p14:cNvContentPartPr/>
+                <p14:nvPr/>
+              </p14:nvContentPartPr>
+              <p14:xfrm>
+                <a:off x="6579032" y="2207247"/>
+                <a:ext cx="73800" cy="52920"/>
+              </p14:xfrm>
+            </p:contentPart>
+          </mc:Choice>
+          <mc:Fallback>
+            <p:pic>
+              <p:nvPicPr>
+                <p:cNvPr id="28" name="잉크 27">
+                  <a:extLst>
+                    <a:ext uri="{FF2B5EF4-FFF2-40B4-BE49-F238E27FC236}">
+                      <a16:creationId xmlns:a16="http://schemas.microsoft.com/office/drawing/2014/main" id="{9C626080-2D0E-4BAF-B752-C0D7933DD462}"/>
+                    </a:ext>
+                  </a:extLst>
+                </p:cNvPr>
+                <p:cNvPicPr/>
+                <p:nvPr/>
+              </p:nvPicPr>
+              <p:blipFill>
+                <a:blip r:embed="rId43"/>
+                <a:stretch>
+                  <a:fillRect/>
+                </a:stretch>
+              </p:blipFill>
+              <p:spPr>
+                <a:xfrm>
+                  <a:off x="6570392" y="2198247"/>
+                  <a:ext cx="91440" cy="70560"/>
+                </a:xfrm>
+                <a:prstGeom prst="rect">
+                  <a:avLst/>
+                </a:prstGeom>
+              </p:spPr>
+            </p:pic>
+          </mc:Fallback>
+        </mc:AlternateContent>
+      </p:grpSp>
+      <p:grpSp>
+        <p:nvGrpSpPr>
+          <p:cNvPr id="58" name="그룹 57">
+            <a:extLst>
+              <a:ext uri="{FF2B5EF4-FFF2-40B4-BE49-F238E27FC236}">
+                <a16:creationId xmlns:a16="http://schemas.microsoft.com/office/drawing/2014/main" id="{751EC20E-9AE5-4C78-85AC-9BE37A37B196}"/>
+              </a:ext>
+            </a:extLst>
+          </p:cNvPr>
+          <p:cNvGrpSpPr/>
+          <p:nvPr/>
+        </p:nvGrpSpPr>
+        <p:grpSpPr>
+          <a:xfrm>
+            <a:off x="4297352" y="1047327"/>
+            <a:ext cx="1836000" cy="965880"/>
+            <a:chOff x="4297352" y="1047327"/>
+            <a:chExt cx="1836000" cy="965880"/>
+          </a:xfrm>
+        </p:grpSpPr>
+        <mc:AlternateContent xmlns:mc="http://schemas.openxmlformats.org/markup-compatibility/2006">
+          <mc:Choice xmlns:p14="http://schemas.microsoft.com/office/powerpoint/2010/main" Requires="p14">
+            <p:contentPart p14:bwMode="auto" r:id="rId44">
+              <p14:nvContentPartPr>
+                <p14:cNvPr id="30" name="잉크 29">
+                  <a:extLst>
+                    <a:ext uri="{FF2B5EF4-FFF2-40B4-BE49-F238E27FC236}">
+                      <a16:creationId xmlns:a16="http://schemas.microsoft.com/office/drawing/2014/main" id="{C9EBBC36-E516-4B0A-9321-AEB035F7A3CE}"/>
+                    </a:ext>
+                  </a:extLst>
+                </p14:cNvPr>
+                <p14:cNvContentPartPr/>
+                <p14:nvPr/>
+              </p14:nvContentPartPr>
+              <p14:xfrm>
+                <a:off x="4629272" y="1781007"/>
+                <a:ext cx="9720" cy="140760"/>
+              </p14:xfrm>
+            </p:contentPart>
+          </mc:Choice>
+          <mc:Fallback>
+            <p:pic>
+              <p:nvPicPr>
+                <p:cNvPr id="30" name="잉크 29">
+                  <a:extLst>
+                    <a:ext uri="{FF2B5EF4-FFF2-40B4-BE49-F238E27FC236}">
+                      <a16:creationId xmlns:a16="http://schemas.microsoft.com/office/drawing/2014/main" id="{C9EBBC36-E516-4B0A-9321-AEB035F7A3CE}"/>
+                    </a:ext>
+                  </a:extLst>
+                </p:cNvPr>
+                <p:cNvPicPr/>
+                <p:nvPr/>
+              </p:nvPicPr>
+              <p:blipFill>
+                <a:blip r:embed="rId45"/>
+                <a:stretch>
+                  <a:fillRect/>
+                </a:stretch>
+              </p:blipFill>
+              <p:spPr>
+                <a:xfrm>
+                  <a:off x="4611632" y="1763007"/>
+                  <a:ext cx="45360" cy="176400"/>
+                </a:xfrm>
+                <a:prstGeom prst="rect">
+                  <a:avLst/>
+                </a:prstGeom>
+              </p:spPr>
+            </p:pic>
+          </mc:Fallback>
+        </mc:AlternateContent>
+        <mc:AlternateContent xmlns:mc="http://schemas.openxmlformats.org/markup-compatibility/2006">
+          <mc:Choice xmlns:p14="http://schemas.microsoft.com/office/powerpoint/2010/main" Requires="p14">
+            <p:contentPart p14:bwMode="auto" r:id="rId46">
+              <p14:nvContentPartPr>
+                <p14:cNvPr id="31" name="잉크 30">
+                  <a:extLst>
+                    <a:ext uri="{FF2B5EF4-FFF2-40B4-BE49-F238E27FC236}">
+                      <a16:creationId xmlns:a16="http://schemas.microsoft.com/office/drawing/2014/main" id="{B527AAF6-4C5D-41B6-9E47-3BC16EC8E06E}"/>
+                    </a:ext>
+                  </a:extLst>
+                </p14:cNvPr>
+                <p14:cNvContentPartPr/>
+                <p14:nvPr/>
+              </p14:nvContentPartPr>
+              <p14:xfrm>
+                <a:off x="4473752" y="1678767"/>
+                <a:ext cx="243360" cy="245160"/>
+              </p14:xfrm>
+            </p:contentPart>
+          </mc:Choice>
+          <mc:Fallback>
+            <p:pic>
+              <p:nvPicPr>
+                <p:cNvPr id="31" name="잉크 30">
+                  <a:extLst>
+                    <a:ext uri="{FF2B5EF4-FFF2-40B4-BE49-F238E27FC236}">
+                      <a16:creationId xmlns:a16="http://schemas.microsoft.com/office/drawing/2014/main" id="{B527AAF6-4C5D-41B6-9E47-3BC16EC8E06E}"/>
+                    </a:ext>
+                  </a:extLst>
+                </p:cNvPr>
+                <p:cNvPicPr/>
+                <p:nvPr/>
+              </p:nvPicPr>
+              <p:blipFill>
+                <a:blip r:embed="rId47"/>
+                <a:stretch>
+                  <a:fillRect/>
+                </a:stretch>
+              </p:blipFill>
+              <p:spPr>
+                <a:xfrm>
+                  <a:off x="4456112" y="1661127"/>
+                  <a:ext cx="279000" cy="280800"/>
+                </a:xfrm>
+                <a:prstGeom prst="rect">
+                  <a:avLst/>
+                </a:prstGeom>
+              </p:spPr>
+            </p:pic>
+          </mc:Fallback>
+        </mc:AlternateContent>
+        <mc:AlternateContent xmlns:mc="http://schemas.openxmlformats.org/markup-compatibility/2006">
+          <mc:Choice xmlns:p14="http://schemas.microsoft.com/office/powerpoint/2010/main" Requires="p14">
+            <p:contentPart p14:bwMode="auto" r:id="rId48">
+              <p14:nvContentPartPr>
+                <p14:cNvPr id="32" name="잉크 31">
+                  <a:extLst>
+                    <a:ext uri="{FF2B5EF4-FFF2-40B4-BE49-F238E27FC236}">
+                      <a16:creationId xmlns:a16="http://schemas.microsoft.com/office/drawing/2014/main" id="{57971D8C-2E7C-4EAD-A129-610A7184139B}"/>
+                    </a:ext>
+                  </a:extLst>
+                </p14:cNvPr>
+                <p14:cNvContentPartPr/>
+                <p14:nvPr/>
+              </p14:nvContentPartPr>
+              <p14:xfrm>
+                <a:off x="5019152" y="1799727"/>
+                <a:ext cx="117360" cy="117000"/>
+              </p14:xfrm>
+            </p:contentPart>
+          </mc:Choice>
+          <mc:Fallback>
+            <p:pic>
+              <p:nvPicPr>
+                <p:cNvPr id="32" name="잉크 31">
+                  <a:extLst>
+                    <a:ext uri="{FF2B5EF4-FFF2-40B4-BE49-F238E27FC236}">
+                      <a16:creationId xmlns:a16="http://schemas.microsoft.com/office/drawing/2014/main" id="{57971D8C-2E7C-4EAD-A129-610A7184139B}"/>
+                    </a:ext>
+                  </a:extLst>
+                </p:cNvPr>
+                <p:cNvPicPr/>
+                <p:nvPr/>
+              </p:nvPicPr>
+              <p:blipFill>
+                <a:blip r:embed="rId49"/>
+                <a:stretch>
+                  <a:fillRect/>
+                </a:stretch>
+              </p:blipFill>
+              <p:spPr>
+                <a:xfrm>
+                  <a:off x="5001512" y="1781727"/>
+                  <a:ext cx="153000" cy="152640"/>
+                </a:xfrm>
+                <a:prstGeom prst="rect">
+                  <a:avLst/>
+                </a:prstGeom>
+              </p:spPr>
+            </p:pic>
+          </mc:Fallback>
+        </mc:AlternateContent>
+        <mc:AlternateContent xmlns:mc="http://schemas.openxmlformats.org/markup-compatibility/2006">
+          <mc:Choice xmlns:p14="http://schemas.microsoft.com/office/powerpoint/2010/main" Requires="p14">
+            <p:contentPart p14:bwMode="auto" r:id="rId50">
+              <p14:nvContentPartPr>
+                <p14:cNvPr id="33" name="잉크 32">
+                  <a:extLst>
+                    <a:ext uri="{FF2B5EF4-FFF2-40B4-BE49-F238E27FC236}">
+                      <a16:creationId xmlns:a16="http://schemas.microsoft.com/office/drawing/2014/main" id="{2C8799A7-1F47-4E74-9855-8F375E52A99B}"/>
+                    </a:ext>
+                  </a:extLst>
+                </p14:cNvPr>
+                <p14:cNvContentPartPr/>
+                <p14:nvPr/>
+              </p14:nvContentPartPr>
+              <p14:xfrm>
+                <a:off x="4909352" y="1683807"/>
+                <a:ext cx="286560" cy="271800"/>
+              </p14:xfrm>
+            </p:contentPart>
+          </mc:Choice>
+          <mc:Fallback>
+            <p:pic>
+              <p:nvPicPr>
+                <p:cNvPr id="33" name="잉크 32">
+                  <a:extLst>
+                    <a:ext uri="{FF2B5EF4-FFF2-40B4-BE49-F238E27FC236}">
+                      <a16:creationId xmlns:a16="http://schemas.microsoft.com/office/drawing/2014/main" id="{2C8799A7-1F47-4E74-9855-8F375E52A99B}"/>
+                    </a:ext>
+                  </a:extLst>
+                </p:cNvPr>
+                <p:cNvPicPr/>
+                <p:nvPr/>
+              </p:nvPicPr>
+              <p:blipFill>
+                <a:blip r:embed="rId51"/>
+                <a:stretch>
+                  <a:fillRect/>
+                </a:stretch>
+              </p:blipFill>
+              <p:spPr>
+                <a:xfrm>
+                  <a:off x="4891712" y="1665807"/>
+                  <a:ext cx="322200" cy="307440"/>
+                </a:xfrm>
+                <a:prstGeom prst="rect">
+                  <a:avLst/>
+                </a:prstGeom>
+              </p:spPr>
+            </p:pic>
+          </mc:Fallback>
+        </mc:AlternateContent>
+        <mc:AlternateContent xmlns:mc="http://schemas.openxmlformats.org/markup-compatibility/2006">
+          <mc:Choice xmlns:p14="http://schemas.microsoft.com/office/powerpoint/2010/main" Requires="p14">
+            <p:contentPart p14:bwMode="auto" r:id="rId52">
+              <p14:nvContentPartPr>
+                <p14:cNvPr id="34" name="잉크 33">
+                  <a:extLst>
+                    <a:ext uri="{FF2B5EF4-FFF2-40B4-BE49-F238E27FC236}">
+                      <a16:creationId xmlns:a16="http://schemas.microsoft.com/office/drawing/2014/main" id="{CB631F09-8ECA-4772-B12A-CF04F63A2F4E}"/>
+                    </a:ext>
+                  </a:extLst>
+                </p14:cNvPr>
+                <p14:cNvContentPartPr/>
+                <p14:nvPr/>
+              </p14:nvContentPartPr>
+              <p14:xfrm>
+                <a:off x="5604512" y="1651767"/>
+                <a:ext cx="135000" cy="223920"/>
+              </p14:xfrm>
+            </p:contentPart>
+          </mc:Choice>
+          <mc:Fallback>
+            <p:pic>
+              <p:nvPicPr>
+                <p:cNvPr id="34" name="잉크 33">
+                  <a:extLst>
+                    <a:ext uri="{FF2B5EF4-FFF2-40B4-BE49-F238E27FC236}">
+                      <a16:creationId xmlns:a16="http://schemas.microsoft.com/office/drawing/2014/main" id="{CB631F09-8ECA-4772-B12A-CF04F63A2F4E}"/>
+                    </a:ext>
+                  </a:extLst>
+                </p:cNvPr>
+                <p:cNvPicPr/>
+                <p:nvPr/>
+              </p:nvPicPr>
+              <p:blipFill>
+                <a:blip r:embed="rId53"/>
+                <a:stretch>
+                  <a:fillRect/>
+                </a:stretch>
+              </p:blipFill>
+              <p:spPr>
+                <a:xfrm>
+                  <a:off x="5586512" y="1634127"/>
+                  <a:ext cx="170640" cy="259560"/>
+                </a:xfrm>
+                <a:prstGeom prst="rect">
+                  <a:avLst/>
+                </a:prstGeom>
+              </p:spPr>
+            </p:pic>
+          </mc:Fallback>
+        </mc:AlternateContent>
+        <mc:AlternateContent xmlns:mc="http://schemas.openxmlformats.org/markup-compatibility/2006">
+          <mc:Choice xmlns:p14="http://schemas.microsoft.com/office/powerpoint/2010/main" Requires="p14">
+            <p:contentPart p14:bwMode="auto" r:id="rId54">
+              <p14:nvContentPartPr>
+                <p14:cNvPr id="35" name="잉크 34">
+                  <a:extLst>
+                    <a:ext uri="{FF2B5EF4-FFF2-40B4-BE49-F238E27FC236}">
+                      <a16:creationId xmlns:a16="http://schemas.microsoft.com/office/drawing/2014/main" id="{744A6324-E5BA-48E0-8F55-3D0A759946AC}"/>
+                    </a:ext>
+                  </a:extLst>
+                </p14:cNvPr>
+                <p14:cNvContentPartPr/>
+                <p14:nvPr/>
+              </p14:nvContentPartPr>
+              <p14:xfrm>
+                <a:off x="5494352" y="1583727"/>
+                <a:ext cx="361080" cy="271440"/>
+              </p14:xfrm>
+            </p:contentPart>
+          </mc:Choice>
+          <mc:Fallback>
+            <p:pic>
+              <p:nvPicPr>
+                <p:cNvPr id="35" name="잉크 34">
+                  <a:extLst>
+                    <a:ext uri="{FF2B5EF4-FFF2-40B4-BE49-F238E27FC236}">
+                      <a16:creationId xmlns:a16="http://schemas.microsoft.com/office/drawing/2014/main" id="{744A6324-E5BA-48E0-8F55-3D0A759946AC}"/>
+                    </a:ext>
+                  </a:extLst>
+                </p:cNvPr>
+                <p:cNvPicPr/>
+                <p:nvPr/>
+              </p:nvPicPr>
+              <p:blipFill>
+                <a:blip r:embed="rId55"/>
+                <a:stretch>
+                  <a:fillRect/>
+                </a:stretch>
+              </p:blipFill>
+              <p:spPr>
+                <a:xfrm>
+                  <a:off x="5476352" y="1565727"/>
+                  <a:ext cx="396720" cy="307080"/>
+                </a:xfrm>
+                <a:prstGeom prst="rect">
+                  <a:avLst/>
+                </a:prstGeom>
+              </p:spPr>
+            </p:pic>
+          </mc:Fallback>
+        </mc:AlternateContent>
+        <mc:AlternateContent xmlns:mc="http://schemas.openxmlformats.org/markup-compatibility/2006">
+          <mc:Choice xmlns:p14="http://schemas.microsoft.com/office/powerpoint/2010/main" Requires="p14">
+            <p:contentPart p14:bwMode="auto" r:id="rId56">
+              <p14:nvContentPartPr>
+                <p14:cNvPr id="36" name="잉크 35">
+                  <a:extLst>
+                    <a:ext uri="{FF2B5EF4-FFF2-40B4-BE49-F238E27FC236}">
+                      <a16:creationId xmlns:a16="http://schemas.microsoft.com/office/drawing/2014/main" id="{AF810B14-6E08-4370-87B7-4A0B06DB9341}"/>
+                    </a:ext>
+                  </a:extLst>
+                </p14:cNvPr>
+                <p14:cNvContentPartPr/>
+                <p14:nvPr/>
+              </p14:nvContentPartPr>
+              <p14:xfrm>
+                <a:off x="4510112" y="1412007"/>
+                <a:ext cx="569160" cy="294840"/>
+              </p14:xfrm>
+            </p:contentPart>
+          </mc:Choice>
+          <mc:Fallback>
+            <p:pic>
+              <p:nvPicPr>
+                <p:cNvPr id="36" name="잉크 35">
+                  <a:extLst>
+                    <a:ext uri="{FF2B5EF4-FFF2-40B4-BE49-F238E27FC236}">
+                      <a16:creationId xmlns:a16="http://schemas.microsoft.com/office/drawing/2014/main" id="{AF810B14-6E08-4370-87B7-4A0B06DB9341}"/>
+                    </a:ext>
+                  </a:extLst>
+                </p:cNvPr>
+                <p:cNvPicPr/>
+                <p:nvPr/>
+              </p:nvPicPr>
+              <p:blipFill>
+                <a:blip r:embed="rId57"/>
+                <a:stretch>
+                  <a:fillRect/>
+                </a:stretch>
+              </p:blipFill>
+              <p:spPr>
+                <a:xfrm>
+                  <a:off x="4492112" y="1394367"/>
+                  <a:ext cx="604800" cy="330480"/>
+                </a:xfrm>
+                <a:prstGeom prst="rect">
+                  <a:avLst/>
+                </a:prstGeom>
+              </p:spPr>
+            </p:pic>
+          </mc:Fallback>
+        </mc:AlternateContent>
+        <mc:AlternateContent xmlns:mc="http://schemas.openxmlformats.org/markup-compatibility/2006">
+          <mc:Choice xmlns:p14="http://schemas.microsoft.com/office/powerpoint/2010/main" Requires="p14">
+            <p:contentPart p14:bwMode="auto" r:id="rId58">
+              <p14:nvContentPartPr>
+                <p14:cNvPr id="37" name="잉크 36">
+                  <a:extLst>
+                    <a:ext uri="{FF2B5EF4-FFF2-40B4-BE49-F238E27FC236}">
+                      <a16:creationId xmlns:a16="http://schemas.microsoft.com/office/drawing/2014/main" id="{69EDB8F4-3699-4448-9AE8-F84DBA11460F}"/>
+                    </a:ext>
+                  </a:extLst>
+                </p14:cNvPr>
+                <p14:cNvContentPartPr/>
+                <p14:nvPr/>
+              </p14:nvContentPartPr>
+              <p14:xfrm>
+                <a:off x="4991072" y="1392927"/>
+                <a:ext cx="774720" cy="196560"/>
+              </p14:xfrm>
+            </p:contentPart>
+          </mc:Choice>
+          <mc:Fallback>
+            <p:pic>
+              <p:nvPicPr>
+                <p:cNvPr id="37" name="잉크 36">
+                  <a:extLst>
+                    <a:ext uri="{FF2B5EF4-FFF2-40B4-BE49-F238E27FC236}">
+                      <a16:creationId xmlns:a16="http://schemas.microsoft.com/office/drawing/2014/main" id="{69EDB8F4-3699-4448-9AE8-F84DBA11460F}"/>
+                    </a:ext>
+                  </a:extLst>
+                </p:cNvPr>
+                <p:cNvPicPr/>
+                <p:nvPr/>
+              </p:nvPicPr>
+              <p:blipFill>
+                <a:blip r:embed="rId59"/>
+                <a:stretch>
+                  <a:fillRect/>
+                </a:stretch>
+              </p:blipFill>
+              <p:spPr>
+                <a:xfrm>
+                  <a:off x="4973432" y="1374927"/>
+                  <a:ext cx="810360" cy="232200"/>
+                </a:xfrm>
+                <a:prstGeom prst="rect">
+                  <a:avLst/>
+                </a:prstGeom>
+              </p:spPr>
+            </p:pic>
+          </mc:Fallback>
+        </mc:AlternateContent>
+        <mc:AlternateContent xmlns:mc="http://schemas.openxmlformats.org/markup-compatibility/2006">
+          <mc:Choice xmlns:p14="http://schemas.microsoft.com/office/powerpoint/2010/main" Requires="p14">
+            <p:contentPart p14:bwMode="auto" r:id="rId60">
+              <p14:nvContentPartPr>
+                <p14:cNvPr id="39" name="잉크 38">
+                  <a:extLst>
+                    <a:ext uri="{FF2B5EF4-FFF2-40B4-BE49-F238E27FC236}">
+                      <a16:creationId xmlns:a16="http://schemas.microsoft.com/office/drawing/2014/main" id="{3CD7A301-48D8-47DF-9FBE-9F76AEDEDD98}"/>
+                    </a:ext>
+                  </a:extLst>
+                </p14:cNvPr>
+                <p14:cNvContentPartPr/>
+                <p14:nvPr/>
+              </p14:nvContentPartPr>
+              <p14:xfrm>
+                <a:off x="4795232" y="1156407"/>
+                <a:ext cx="231480" cy="114840"/>
+              </p14:xfrm>
+            </p:contentPart>
+          </mc:Choice>
+          <mc:Fallback>
+            <p:pic>
+              <p:nvPicPr>
+                <p:cNvPr id="39" name="잉크 38">
+                  <a:extLst>
+                    <a:ext uri="{FF2B5EF4-FFF2-40B4-BE49-F238E27FC236}">
+                      <a16:creationId xmlns:a16="http://schemas.microsoft.com/office/drawing/2014/main" id="{3CD7A301-48D8-47DF-9FBE-9F76AEDEDD98}"/>
+                    </a:ext>
+                  </a:extLst>
+                </p:cNvPr>
+                <p:cNvPicPr/>
+                <p:nvPr/>
+              </p:nvPicPr>
+              <p:blipFill>
+                <a:blip r:embed="rId61"/>
+                <a:stretch>
+                  <a:fillRect/>
+                </a:stretch>
+              </p:blipFill>
+              <p:spPr>
+                <a:xfrm>
+                  <a:off x="4777592" y="1138767"/>
+                  <a:ext cx="267120" cy="150480"/>
+                </a:xfrm>
+                <a:prstGeom prst="rect">
+                  <a:avLst/>
+                </a:prstGeom>
+              </p:spPr>
+            </p:pic>
+          </mc:Fallback>
+        </mc:AlternateContent>
+        <mc:AlternateContent xmlns:mc="http://schemas.openxmlformats.org/markup-compatibility/2006">
+          <mc:Choice xmlns:p14="http://schemas.microsoft.com/office/powerpoint/2010/main" Requires="p14">
+            <p:contentPart p14:bwMode="auto" r:id="rId62">
+              <p14:nvContentPartPr>
+                <p14:cNvPr id="40" name="잉크 39">
+                  <a:extLst>
+                    <a:ext uri="{FF2B5EF4-FFF2-40B4-BE49-F238E27FC236}">
+                      <a16:creationId xmlns:a16="http://schemas.microsoft.com/office/drawing/2014/main" id="{7239913E-A56C-4079-A435-729A43495847}"/>
+                    </a:ext>
+                  </a:extLst>
+                </p14:cNvPr>
+                <p14:cNvContentPartPr/>
+                <p14:nvPr/>
+              </p14:nvContentPartPr>
+              <p14:xfrm>
+                <a:off x="4921592" y="1178727"/>
+                <a:ext cx="4680" cy="133560"/>
+              </p14:xfrm>
+            </p:contentPart>
+          </mc:Choice>
+          <mc:Fallback>
+            <p:pic>
+              <p:nvPicPr>
+                <p:cNvPr id="40" name="잉크 39">
+                  <a:extLst>
+                    <a:ext uri="{FF2B5EF4-FFF2-40B4-BE49-F238E27FC236}">
+                      <a16:creationId xmlns:a16="http://schemas.microsoft.com/office/drawing/2014/main" id="{7239913E-A56C-4079-A435-729A43495847}"/>
+                    </a:ext>
+                  </a:extLst>
+                </p:cNvPr>
+                <p:cNvPicPr/>
+                <p:nvPr/>
+              </p:nvPicPr>
+              <p:blipFill>
+                <a:blip r:embed="rId63"/>
+                <a:stretch>
+                  <a:fillRect/>
+                </a:stretch>
+              </p:blipFill>
+              <p:spPr>
+                <a:xfrm>
+                  <a:off x="4903592" y="1160727"/>
+                  <a:ext cx="40320" cy="169200"/>
+                </a:xfrm>
+                <a:prstGeom prst="rect">
+                  <a:avLst/>
+                </a:prstGeom>
+              </p:spPr>
+            </p:pic>
+          </mc:Fallback>
+        </mc:AlternateContent>
+        <mc:AlternateContent xmlns:mc="http://schemas.openxmlformats.org/markup-compatibility/2006">
+          <mc:Choice xmlns:p14="http://schemas.microsoft.com/office/powerpoint/2010/main" Requires="p14">
+            <p:contentPart p14:bwMode="auto" r:id="rId64">
+              <p14:nvContentPartPr>
+                <p14:cNvPr id="41" name="잉크 40">
+                  <a:extLst>
+                    <a:ext uri="{FF2B5EF4-FFF2-40B4-BE49-F238E27FC236}">
+                      <a16:creationId xmlns:a16="http://schemas.microsoft.com/office/drawing/2014/main" id="{0D2FE39A-4166-4EB7-BE1B-F600B87BD967}"/>
+                    </a:ext>
+                  </a:extLst>
+                </p14:cNvPr>
+                <p14:cNvContentPartPr/>
+                <p14:nvPr/>
+              </p14:nvContentPartPr>
+              <p14:xfrm>
+                <a:off x="4646552" y="1047327"/>
+                <a:ext cx="489600" cy="318240"/>
+              </p14:xfrm>
+            </p:contentPart>
+          </mc:Choice>
+          <mc:Fallback>
+            <p:pic>
+              <p:nvPicPr>
+                <p:cNvPr id="41" name="잉크 40">
+                  <a:extLst>
+                    <a:ext uri="{FF2B5EF4-FFF2-40B4-BE49-F238E27FC236}">
+                      <a16:creationId xmlns:a16="http://schemas.microsoft.com/office/drawing/2014/main" id="{0D2FE39A-4166-4EB7-BE1B-F600B87BD967}"/>
+                    </a:ext>
+                  </a:extLst>
+                </p:cNvPr>
+                <p:cNvPicPr/>
+                <p:nvPr/>
+              </p:nvPicPr>
+              <p:blipFill>
+                <a:blip r:embed="rId65"/>
+                <a:stretch>
+                  <a:fillRect/>
+                </a:stretch>
+              </p:blipFill>
+              <p:spPr>
+                <a:xfrm>
+                  <a:off x="4628912" y="1029687"/>
+                  <a:ext cx="525240" cy="353880"/>
+                </a:xfrm>
+                <a:prstGeom prst="rect">
+                  <a:avLst/>
+                </a:prstGeom>
+              </p:spPr>
+            </p:pic>
+          </mc:Fallback>
+        </mc:AlternateContent>
+        <mc:AlternateContent xmlns:mc="http://schemas.openxmlformats.org/markup-compatibility/2006">
+          <mc:Choice xmlns:p14="http://schemas.microsoft.com/office/powerpoint/2010/main" Requires="p14">
+            <p:contentPart p14:bwMode="auto" r:id="rId66">
+              <p14:nvContentPartPr>
+                <p14:cNvPr id="43" name="잉크 42">
+                  <a:extLst>
+                    <a:ext uri="{FF2B5EF4-FFF2-40B4-BE49-F238E27FC236}">
+                      <a16:creationId xmlns:a16="http://schemas.microsoft.com/office/drawing/2014/main" id="{319FF843-5BD3-4241-8577-52E0CC139F47}"/>
+                    </a:ext>
+                  </a:extLst>
+                </p14:cNvPr>
+                <p14:cNvContentPartPr/>
+                <p14:nvPr/>
+              </p14:nvContentPartPr>
+              <p14:xfrm>
+                <a:off x="4297352" y="1948047"/>
+                <a:ext cx="503640" cy="65160"/>
+              </p14:xfrm>
+            </p:contentPart>
+          </mc:Choice>
+          <mc:Fallback>
+            <p:pic>
+              <p:nvPicPr>
+                <p:cNvPr id="43" name="잉크 42">
+                  <a:extLst>
+                    <a:ext uri="{FF2B5EF4-FFF2-40B4-BE49-F238E27FC236}">
+                      <a16:creationId xmlns:a16="http://schemas.microsoft.com/office/drawing/2014/main" id="{319FF843-5BD3-4241-8577-52E0CC139F47}"/>
+                    </a:ext>
+                  </a:extLst>
+                </p:cNvPr>
+                <p:cNvPicPr/>
+                <p:nvPr/>
+              </p:nvPicPr>
+              <p:blipFill>
+                <a:blip r:embed="rId67"/>
+                <a:stretch>
+                  <a:fillRect/>
+                </a:stretch>
+              </p:blipFill>
+              <p:spPr>
+                <a:xfrm>
+                  <a:off x="4279352" y="1930047"/>
+                  <a:ext cx="539280" cy="100800"/>
+                </a:xfrm>
+                <a:prstGeom prst="rect">
+                  <a:avLst/>
+                </a:prstGeom>
+              </p:spPr>
+            </p:pic>
+          </mc:Fallback>
+        </mc:AlternateContent>
+        <mc:AlternateContent xmlns:mc="http://schemas.openxmlformats.org/markup-compatibility/2006">
+          <mc:Choice xmlns:p14="http://schemas.microsoft.com/office/powerpoint/2010/main" Requires="p14">
+            <p:contentPart p14:bwMode="auto" r:id="rId68">
+              <p14:nvContentPartPr>
+                <p14:cNvPr id="45" name="잉크 44">
+                  <a:extLst>
+                    <a:ext uri="{FF2B5EF4-FFF2-40B4-BE49-F238E27FC236}">
+                      <a16:creationId xmlns:a16="http://schemas.microsoft.com/office/drawing/2014/main" id="{418777C5-72DF-4C4D-A59C-E9DC1818E9E2}"/>
+                    </a:ext>
+                  </a:extLst>
+                </p14:cNvPr>
+                <p14:cNvContentPartPr/>
+                <p14:nvPr/>
+              </p14:nvContentPartPr>
+              <p14:xfrm>
+                <a:off x="4843112" y="1895487"/>
+                <a:ext cx="522000" cy="101160"/>
+              </p14:xfrm>
+            </p:contentPart>
+          </mc:Choice>
+          <mc:Fallback>
+            <p:pic>
+              <p:nvPicPr>
+                <p:cNvPr id="45" name="잉크 44">
+                  <a:extLst>
+                    <a:ext uri="{FF2B5EF4-FFF2-40B4-BE49-F238E27FC236}">
+                      <a16:creationId xmlns:a16="http://schemas.microsoft.com/office/drawing/2014/main" id="{418777C5-72DF-4C4D-A59C-E9DC1818E9E2}"/>
+                    </a:ext>
+                  </a:extLst>
+                </p:cNvPr>
+                <p:cNvPicPr/>
+                <p:nvPr/>
+              </p:nvPicPr>
+              <p:blipFill>
+                <a:blip r:embed="rId69"/>
+                <a:stretch>
+                  <a:fillRect/>
+                </a:stretch>
+              </p:blipFill>
+              <p:spPr>
+                <a:xfrm>
+                  <a:off x="4825112" y="1877847"/>
+                  <a:ext cx="557640" cy="136800"/>
+                </a:xfrm>
+                <a:prstGeom prst="rect">
+                  <a:avLst/>
+                </a:prstGeom>
+              </p:spPr>
+            </p:pic>
+          </mc:Fallback>
+        </mc:AlternateContent>
+        <mc:AlternateContent xmlns:mc="http://schemas.openxmlformats.org/markup-compatibility/2006">
+          <mc:Choice xmlns:p14="http://schemas.microsoft.com/office/powerpoint/2010/main" Requires="p14">
+            <p:contentPart p14:bwMode="auto" r:id="rId70">
+              <p14:nvContentPartPr>
+                <p14:cNvPr id="46" name="잉크 45">
+                  <a:extLst>
+                    <a:ext uri="{FF2B5EF4-FFF2-40B4-BE49-F238E27FC236}">
+                      <a16:creationId xmlns:a16="http://schemas.microsoft.com/office/drawing/2014/main" id="{4DDA9E0D-CFF9-4707-8860-CCF4EE12784E}"/>
+                    </a:ext>
+                  </a:extLst>
+                </p14:cNvPr>
+                <p14:cNvContentPartPr/>
+                <p14:nvPr/>
+              </p14:nvContentPartPr>
+              <p14:xfrm>
+                <a:off x="5361152" y="1882887"/>
+                <a:ext cx="50400" cy="112680"/>
+              </p14:xfrm>
+            </p:contentPart>
+          </mc:Choice>
+          <mc:Fallback>
+            <p:pic>
+              <p:nvPicPr>
+                <p:cNvPr id="46" name="잉크 45">
+                  <a:extLst>
+                    <a:ext uri="{FF2B5EF4-FFF2-40B4-BE49-F238E27FC236}">
+                      <a16:creationId xmlns:a16="http://schemas.microsoft.com/office/drawing/2014/main" id="{4DDA9E0D-CFF9-4707-8860-CCF4EE12784E}"/>
+                    </a:ext>
+                  </a:extLst>
+                </p:cNvPr>
+                <p:cNvPicPr/>
+                <p:nvPr/>
+              </p:nvPicPr>
+              <p:blipFill>
+                <a:blip r:embed="rId71"/>
+                <a:stretch>
+                  <a:fillRect/>
+                </a:stretch>
+              </p:blipFill>
+              <p:spPr>
+                <a:xfrm>
+                  <a:off x="5343512" y="1865247"/>
+                  <a:ext cx="86040" cy="148320"/>
+                </a:xfrm>
+                <a:prstGeom prst="rect">
+                  <a:avLst/>
+                </a:prstGeom>
+              </p:spPr>
+            </p:pic>
+          </mc:Fallback>
+        </mc:AlternateContent>
+        <mc:AlternateContent xmlns:mc="http://schemas.openxmlformats.org/markup-compatibility/2006">
+          <mc:Choice xmlns:p14="http://schemas.microsoft.com/office/powerpoint/2010/main" Requires="p14">
+            <p:contentPart p14:bwMode="auto" r:id="rId72">
+              <p14:nvContentPartPr>
+                <p14:cNvPr id="47" name="잉크 46">
+                  <a:extLst>
+                    <a:ext uri="{FF2B5EF4-FFF2-40B4-BE49-F238E27FC236}">
+                      <a16:creationId xmlns:a16="http://schemas.microsoft.com/office/drawing/2014/main" id="{6A23148B-D3F7-4966-9372-DC5D318252EA}"/>
+                    </a:ext>
+                  </a:extLst>
+                </p14:cNvPr>
+                <p14:cNvContentPartPr/>
+                <p14:nvPr/>
+              </p14:nvContentPartPr>
+              <p14:xfrm>
+                <a:off x="5513432" y="1808727"/>
+                <a:ext cx="573120" cy="94320"/>
+              </p14:xfrm>
+            </p:contentPart>
+          </mc:Choice>
+          <mc:Fallback>
+            <p:pic>
+              <p:nvPicPr>
+                <p:cNvPr id="47" name="잉크 46">
+                  <a:extLst>
+                    <a:ext uri="{FF2B5EF4-FFF2-40B4-BE49-F238E27FC236}">
+                      <a16:creationId xmlns:a16="http://schemas.microsoft.com/office/drawing/2014/main" id="{6A23148B-D3F7-4966-9372-DC5D318252EA}"/>
+                    </a:ext>
+                  </a:extLst>
+                </p:cNvPr>
+                <p:cNvPicPr/>
+                <p:nvPr/>
+              </p:nvPicPr>
+              <p:blipFill>
+                <a:blip r:embed="rId73"/>
+                <a:stretch>
+                  <a:fillRect/>
+                </a:stretch>
+              </p:blipFill>
+              <p:spPr>
+                <a:xfrm>
+                  <a:off x="5495432" y="1791087"/>
+                  <a:ext cx="608760" cy="129960"/>
+                </a:xfrm>
+                <a:prstGeom prst="rect">
+                  <a:avLst/>
+                </a:prstGeom>
+              </p:spPr>
+            </p:pic>
+          </mc:Fallback>
+        </mc:AlternateContent>
+        <mc:AlternateContent xmlns:mc="http://schemas.openxmlformats.org/markup-compatibility/2006">
+          <mc:Choice xmlns:p14="http://schemas.microsoft.com/office/powerpoint/2010/main" Requires="p14">
+            <p:contentPart p14:bwMode="auto" r:id="rId74">
+              <p14:nvContentPartPr>
+                <p14:cNvPr id="48" name="잉크 47">
+                  <a:extLst>
+                    <a:ext uri="{FF2B5EF4-FFF2-40B4-BE49-F238E27FC236}">
+                      <a16:creationId xmlns:a16="http://schemas.microsoft.com/office/drawing/2014/main" id="{E716E1D9-A0CE-4956-9ECB-C6F6C76B3D45}"/>
+                    </a:ext>
+                  </a:extLst>
+                </p14:cNvPr>
+                <p14:cNvContentPartPr/>
+                <p14:nvPr/>
+              </p14:nvContentPartPr>
+              <p14:xfrm>
+                <a:off x="6084392" y="1818807"/>
+                <a:ext cx="48960" cy="122760"/>
+              </p14:xfrm>
+            </p:contentPart>
+          </mc:Choice>
+          <mc:Fallback>
+            <p:pic>
+              <p:nvPicPr>
+                <p:cNvPr id="48" name="잉크 47">
+                  <a:extLst>
+                    <a:ext uri="{FF2B5EF4-FFF2-40B4-BE49-F238E27FC236}">
+                      <a16:creationId xmlns:a16="http://schemas.microsoft.com/office/drawing/2014/main" id="{E716E1D9-A0CE-4956-9ECB-C6F6C76B3D45}"/>
+                    </a:ext>
+                  </a:extLst>
+                </p:cNvPr>
+                <p:cNvPicPr/>
+                <p:nvPr/>
+              </p:nvPicPr>
+              <p:blipFill>
+                <a:blip r:embed="rId75"/>
+                <a:stretch>
+                  <a:fillRect/>
+                </a:stretch>
+              </p:blipFill>
+              <p:spPr>
+                <a:xfrm>
+                  <a:off x="6066752" y="1801167"/>
+                  <a:ext cx="84600" cy="158400"/>
+                </a:xfrm>
+                <a:prstGeom prst="rect">
+                  <a:avLst/>
+                </a:prstGeom>
+              </p:spPr>
+            </p:pic>
+          </mc:Fallback>
+        </mc:AlternateContent>
+        <mc:AlternateContent xmlns:mc="http://schemas.openxmlformats.org/markup-compatibility/2006">
+          <mc:Choice xmlns:p14="http://schemas.microsoft.com/office/powerpoint/2010/main" Requires="p14">
+            <p:contentPart p14:bwMode="auto" r:id="rId76">
+              <p14:nvContentPartPr>
+                <p14:cNvPr id="50" name="잉크 49">
+                  <a:extLst>
+                    <a:ext uri="{FF2B5EF4-FFF2-40B4-BE49-F238E27FC236}">
+                      <a16:creationId xmlns:a16="http://schemas.microsoft.com/office/drawing/2014/main" id="{683D7F32-EC15-4AE2-A6B7-62F02961E273}"/>
+                    </a:ext>
+                  </a:extLst>
+                </p14:cNvPr>
+                <p14:cNvContentPartPr/>
+                <p14:nvPr/>
+              </p14:nvContentPartPr>
+              <p14:xfrm>
+                <a:off x="4572392" y="1071447"/>
+                <a:ext cx="561600" cy="332280"/>
+              </p14:xfrm>
+            </p:contentPart>
+          </mc:Choice>
+          <mc:Fallback>
+            <p:pic>
+              <p:nvPicPr>
+                <p:cNvPr id="50" name="잉크 49">
+                  <a:extLst>
+                    <a:ext uri="{FF2B5EF4-FFF2-40B4-BE49-F238E27FC236}">
+                      <a16:creationId xmlns:a16="http://schemas.microsoft.com/office/drawing/2014/main" id="{683D7F32-EC15-4AE2-A6B7-62F02961E273}"/>
+                    </a:ext>
+                  </a:extLst>
+                </p:cNvPr>
+                <p:cNvPicPr/>
+                <p:nvPr/>
+              </p:nvPicPr>
+              <p:blipFill>
+                <a:blip r:embed="rId77"/>
+                <a:stretch>
+                  <a:fillRect/>
+                </a:stretch>
+              </p:blipFill>
+              <p:spPr>
+                <a:xfrm>
+                  <a:off x="4554752" y="1053447"/>
+                  <a:ext cx="597240" cy="367920"/>
+                </a:xfrm>
+                <a:prstGeom prst="rect">
+                  <a:avLst/>
+                </a:prstGeom>
+              </p:spPr>
+            </p:pic>
+          </mc:Fallback>
+        </mc:AlternateContent>
+        <mc:AlternateContent xmlns:mc="http://schemas.openxmlformats.org/markup-compatibility/2006">
+          <mc:Choice xmlns:p14="http://schemas.microsoft.com/office/powerpoint/2010/main" Requires="p14">
+            <p:contentPart p14:bwMode="auto" r:id="rId78">
+              <p14:nvContentPartPr>
+                <p14:cNvPr id="51" name="잉크 50">
+                  <a:extLst>
+                    <a:ext uri="{FF2B5EF4-FFF2-40B4-BE49-F238E27FC236}">
+                      <a16:creationId xmlns:a16="http://schemas.microsoft.com/office/drawing/2014/main" id="{DF355274-D1F4-4573-8B5D-C76A38141C86}"/>
+                    </a:ext>
+                  </a:extLst>
+                </p14:cNvPr>
+                <p14:cNvContentPartPr/>
+                <p14:nvPr/>
+              </p14:nvContentPartPr>
+              <p14:xfrm>
+                <a:off x="4708472" y="1328127"/>
+                <a:ext cx="446040" cy="76320"/>
+              </p14:xfrm>
+            </p:contentPart>
+          </mc:Choice>
+          <mc:Fallback>
+            <p:pic>
+              <p:nvPicPr>
+                <p:cNvPr id="51" name="잉크 50">
+                  <a:extLst>
+                    <a:ext uri="{FF2B5EF4-FFF2-40B4-BE49-F238E27FC236}">
+                      <a16:creationId xmlns:a16="http://schemas.microsoft.com/office/drawing/2014/main" id="{DF355274-D1F4-4573-8B5D-C76A38141C86}"/>
+                    </a:ext>
+                  </a:extLst>
+                </p:cNvPr>
+                <p:cNvPicPr/>
+                <p:nvPr/>
+              </p:nvPicPr>
+              <p:blipFill>
+                <a:blip r:embed="rId79"/>
+                <a:stretch>
+                  <a:fillRect/>
+                </a:stretch>
+              </p:blipFill>
+              <p:spPr>
+                <a:xfrm>
+                  <a:off x="4690832" y="1310127"/>
+                  <a:ext cx="481680" cy="111960"/>
+                </a:xfrm>
+                <a:prstGeom prst="rect">
+                  <a:avLst/>
+                </a:prstGeom>
+              </p:spPr>
+            </p:pic>
+          </mc:Fallback>
+        </mc:AlternateContent>
+        <mc:AlternateContent xmlns:mc="http://schemas.openxmlformats.org/markup-compatibility/2006">
+          <mc:Choice xmlns:p14="http://schemas.microsoft.com/office/powerpoint/2010/main" Requires="p14">
+            <p:contentPart p14:bwMode="auto" r:id="rId80">
+              <p14:nvContentPartPr>
+                <p14:cNvPr id="52" name="잉크 51">
+                  <a:extLst>
+                    <a:ext uri="{FF2B5EF4-FFF2-40B4-BE49-F238E27FC236}">
+                      <a16:creationId xmlns:a16="http://schemas.microsoft.com/office/drawing/2014/main" id="{E5F8DD69-984E-4DBE-9046-40A251F6FCCA}"/>
+                    </a:ext>
+                  </a:extLst>
+                </p14:cNvPr>
+                <p14:cNvContentPartPr/>
+                <p14:nvPr/>
+              </p14:nvContentPartPr>
+              <p14:xfrm>
+                <a:off x="5189432" y="1305447"/>
+                <a:ext cx="13320" cy="33480"/>
+              </p14:xfrm>
+            </p:contentPart>
+          </mc:Choice>
+          <mc:Fallback>
+            <p:pic>
+              <p:nvPicPr>
+                <p:cNvPr id="52" name="잉크 51">
+                  <a:extLst>
+                    <a:ext uri="{FF2B5EF4-FFF2-40B4-BE49-F238E27FC236}">
+                      <a16:creationId xmlns:a16="http://schemas.microsoft.com/office/drawing/2014/main" id="{E5F8DD69-984E-4DBE-9046-40A251F6FCCA}"/>
+                    </a:ext>
+                  </a:extLst>
+                </p:cNvPr>
+                <p:cNvPicPr/>
+                <p:nvPr/>
+              </p:nvPicPr>
+              <p:blipFill>
+                <a:blip r:embed="rId81"/>
+                <a:stretch>
+                  <a:fillRect/>
+                </a:stretch>
+              </p:blipFill>
+              <p:spPr>
+                <a:xfrm>
+                  <a:off x="5171432" y="1287447"/>
+                  <a:ext cx="48960" cy="69120"/>
+                </a:xfrm>
+                <a:prstGeom prst="rect">
+                  <a:avLst/>
+                </a:prstGeom>
+              </p:spPr>
+            </p:pic>
+          </mc:Fallback>
+        </mc:AlternateContent>
+        <mc:AlternateContent xmlns:mc="http://schemas.openxmlformats.org/markup-compatibility/2006">
+          <mc:Choice xmlns:p14="http://schemas.microsoft.com/office/powerpoint/2010/main" Requires="p14">
+            <p:contentPart p14:bwMode="auto" r:id="rId82">
+              <p14:nvContentPartPr>
+                <p14:cNvPr id="53" name="잉크 52">
+                  <a:extLst>
+                    <a:ext uri="{FF2B5EF4-FFF2-40B4-BE49-F238E27FC236}">
+                      <a16:creationId xmlns:a16="http://schemas.microsoft.com/office/drawing/2014/main" id="{A96C7378-00C2-4186-86E6-A6AA151E5650}"/>
+                    </a:ext>
+                  </a:extLst>
+                </p14:cNvPr>
+                <p14:cNvContentPartPr/>
+                <p14:nvPr/>
+              </p14:nvContentPartPr>
+              <p14:xfrm>
+                <a:off x="5211392" y="1306167"/>
+                <a:ext cx="31680" cy="43200"/>
+              </p14:xfrm>
+            </p:contentPart>
+          </mc:Choice>
+          <mc:Fallback>
+            <p:pic>
+              <p:nvPicPr>
+                <p:cNvPr id="53" name="잉크 52">
+                  <a:extLst>
+                    <a:ext uri="{FF2B5EF4-FFF2-40B4-BE49-F238E27FC236}">
+                      <a16:creationId xmlns:a16="http://schemas.microsoft.com/office/drawing/2014/main" id="{A96C7378-00C2-4186-86E6-A6AA151E5650}"/>
+                    </a:ext>
+                  </a:extLst>
+                </p:cNvPr>
+                <p:cNvPicPr/>
+                <p:nvPr/>
+              </p:nvPicPr>
+              <p:blipFill>
+                <a:blip r:embed="rId83"/>
+                <a:stretch>
+                  <a:fillRect/>
+                </a:stretch>
+              </p:blipFill>
+              <p:spPr>
+                <a:xfrm>
+                  <a:off x="5193752" y="1288167"/>
+                  <a:ext cx="67320" cy="78840"/>
+                </a:xfrm>
+                <a:prstGeom prst="rect">
+                  <a:avLst/>
+                </a:prstGeom>
+              </p:spPr>
+            </p:pic>
+          </mc:Fallback>
+        </mc:AlternateContent>
+        <mc:AlternateContent xmlns:mc="http://schemas.openxmlformats.org/markup-compatibility/2006">
+          <mc:Choice xmlns:p14="http://schemas.microsoft.com/office/powerpoint/2010/main" Requires="p14">
+            <p:contentPart p14:bwMode="auto" r:id="rId84">
+              <p14:nvContentPartPr>
+                <p14:cNvPr id="55" name="잉크 54">
+                  <a:extLst>
+                    <a:ext uri="{FF2B5EF4-FFF2-40B4-BE49-F238E27FC236}">
+                      <a16:creationId xmlns:a16="http://schemas.microsoft.com/office/drawing/2014/main" id="{72C03DEB-B53B-44BB-AED3-BEBE370A65E1}"/>
+                    </a:ext>
+                  </a:extLst>
+                </p14:cNvPr>
+                <p14:cNvContentPartPr/>
+                <p14:nvPr/>
+              </p14:nvContentPartPr>
+              <p14:xfrm>
+                <a:off x="5279432" y="1143807"/>
+                <a:ext cx="78840" cy="95400"/>
+              </p14:xfrm>
+            </p:contentPart>
+          </mc:Choice>
+          <mc:Fallback>
+            <p:pic>
+              <p:nvPicPr>
+                <p:cNvPr id="55" name="잉크 54">
+                  <a:extLst>
+                    <a:ext uri="{FF2B5EF4-FFF2-40B4-BE49-F238E27FC236}">
+                      <a16:creationId xmlns:a16="http://schemas.microsoft.com/office/drawing/2014/main" id="{72C03DEB-B53B-44BB-AED3-BEBE370A65E1}"/>
+                    </a:ext>
+                  </a:extLst>
+                </p:cNvPr>
+                <p:cNvPicPr/>
+                <p:nvPr/>
+              </p:nvPicPr>
+              <p:blipFill>
+                <a:blip r:embed="rId85"/>
+                <a:stretch>
+                  <a:fillRect/>
+                </a:stretch>
+              </p:blipFill>
+              <p:spPr>
+                <a:xfrm>
+                  <a:off x="5261432" y="1125807"/>
+                  <a:ext cx="114480" cy="131040"/>
+                </a:xfrm>
+                <a:prstGeom prst="rect">
+                  <a:avLst/>
+                </a:prstGeom>
+              </p:spPr>
+            </p:pic>
+          </mc:Fallback>
+        </mc:AlternateContent>
+        <mc:AlternateContent xmlns:mc="http://schemas.openxmlformats.org/markup-compatibility/2006">
+          <mc:Choice xmlns:p14="http://schemas.microsoft.com/office/powerpoint/2010/main" Requires="p14">
+            <p:contentPart p14:bwMode="auto" r:id="rId86">
+              <p14:nvContentPartPr>
+                <p14:cNvPr id="57" name="잉크 56">
+                  <a:extLst>
+                    <a:ext uri="{FF2B5EF4-FFF2-40B4-BE49-F238E27FC236}">
+                      <a16:creationId xmlns:a16="http://schemas.microsoft.com/office/drawing/2014/main" id="{9367C14A-D92F-4DAE-BA5A-5AC7370E9FCF}"/>
+                    </a:ext>
+                  </a:extLst>
+                </p14:cNvPr>
+                <p14:cNvContentPartPr/>
+                <p14:nvPr/>
+              </p14:nvContentPartPr>
+              <p14:xfrm>
+                <a:off x="5315432" y="1278087"/>
+                <a:ext cx="66240" cy="20520"/>
+              </p14:xfrm>
+            </p:contentPart>
+          </mc:Choice>
+          <mc:Fallback>
+            <p:pic>
+              <p:nvPicPr>
+                <p:cNvPr id="57" name="잉크 56">
+                  <a:extLst>
+                    <a:ext uri="{FF2B5EF4-FFF2-40B4-BE49-F238E27FC236}">
+                      <a16:creationId xmlns:a16="http://schemas.microsoft.com/office/drawing/2014/main" id="{9367C14A-D92F-4DAE-BA5A-5AC7370E9FCF}"/>
+                    </a:ext>
+                  </a:extLst>
+                </p:cNvPr>
+                <p:cNvPicPr/>
+                <p:nvPr/>
+              </p:nvPicPr>
+              <p:blipFill>
+                <a:blip r:embed="rId87"/>
+                <a:stretch>
+                  <a:fillRect/>
+                </a:stretch>
+              </p:blipFill>
+              <p:spPr>
+                <a:xfrm>
+                  <a:off x="5297432" y="1260447"/>
+                  <a:ext cx="101880" cy="56160"/>
+                </a:xfrm>
+                <a:prstGeom prst="rect">
+                  <a:avLst/>
+                </a:prstGeom>
+              </p:spPr>
+            </p:pic>
+          </mc:Fallback>
+        </mc:AlternateContent>
+      </p:grpSp>
     </p:spTree>
     <p:extLst>
       <p:ext uri="{BB962C8B-B14F-4D97-AF65-F5344CB8AC3E}">
@@ -8188,8 +11885,8 @@
           </a:p>
         </p:txBody>
       </p:sp>
-      <mc:AlternateContent xmlns:mc="http://schemas.openxmlformats.org/markup-compatibility/2006">
-        <mc:Choice xmlns:p14="http://schemas.microsoft.com/office/powerpoint/2010/main" Requires="p14">
+      <mc:AlternateContent xmlns:mc="http://schemas.openxmlformats.org/markup-compatibility/2006" xmlns:p14="http://schemas.microsoft.com/office/powerpoint/2010/main">
+        <mc:Choice Requires="p14">
           <p:contentPart p14:bwMode="auto" r:id="rId2">
             <p14:nvContentPartPr>
               <p14:cNvPr id="4" name="잉크 3">
@@ -8208,7 +11905,7 @@
             </p14:xfrm>
           </p:contentPart>
         </mc:Choice>
-        <mc:Fallback>
+        <mc:Fallback xmlns="">
           <p:pic>
             <p:nvPicPr>
               <p:cNvPr id="4" name="잉크 3">
@@ -8239,8 +11936,8 @@
           </p:pic>
         </mc:Fallback>
       </mc:AlternateContent>
-      <mc:AlternateContent xmlns:mc="http://schemas.openxmlformats.org/markup-compatibility/2006">
-        <mc:Choice xmlns:p14="http://schemas.microsoft.com/office/powerpoint/2010/main" Requires="p14">
+      <mc:AlternateContent xmlns:mc="http://schemas.openxmlformats.org/markup-compatibility/2006" xmlns:p14="http://schemas.microsoft.com/office/powerpoint/2010/main">
+        <mc:Choice Requires="p14">
           <p:contentPart p14:bwMode="auto" r:id="rId4">
             <p14:nvContentPartPr>
               <p14:cNvPr id="5" name="잉크 4">
@@ -8259,7 +11956,7 @@
             </p14:xfrm>
           </p:contentPart>
         </mc:Choice>
-        <mc:Fallback>
+        <mc:Fallback xmlns="">
           <p:pic>
             <p:nvPicPr>
               <p:cNvPr id="5" name="잉크 4">
@@ -8290,8 +11987,8 @@
           </p:pic>
         </mc:Fallback>
       </mc:AlternateContent>
-      <mc:AlternateContent xmlns:mc="http://schemas.openxmlformats.org/markup-compatibility/2006">
-        <mc:Choice xmlns:p14="http://schemas.microsoft.com/office/powerpoint/2010/main" Requires="p14">
+      <mc:AlternateContent xmlns:mc="http://schemas.openxmlformats.org/markup-compatibility/2006" xmlns:p14="http://schemas.microsoft.com/office/powerpoint/2010/main">
+        <mc:Choice Requires="p14">
           <p:contentPart p14:bwMode="auto" r:id="rId6">
             <p14:nvContentPartPr>
               <p14:cNvPr id="8" name="잉크 7">
@@ -8310,7 +12007,7 @@
             </p14:xfrm>
           </p:contentPart>
         </mc:Choice>
-        <mc:Fallback>
+        <mc:Fallback xmlns="">
           <p:pic>
             <p:nvPicPr>
               <p:cNvPr id="8" name="잉크 7">
@@ -8361,8 +12058,8 @@
             <a:chExt cx="3974760" cy="2236680"/>
           </a:xfrm>
         </p:grpSpPr>
-        <mc:AlternateContent xmlns:mc="http://schemas.openxmlformats.org/markup-compatibility/2006">
-          <mc:Choice xmlns:p14="http://schemas.microsoft.com/office/powerpoint/2010/main" Requires="p14">
+        <mc:AlternateContent xmlns:mc="http://schemas.openxmlformats.org/markup-compatibility/2006" xmlns:p14="http://schemas.microsoft.com/office/powerpoint/2010/main">
+          <mc:Choice Requires="p14">
             <p:contentPart p14:bwMode="auto" r:id="rId8">
               <p14:nvContentPartPr>
                 <p14:cNvPr id="12" name="잉크 11">
@@ -8381,7 +12078,7 @@
               </p14:xfrm>
             </p:contentPart>
           </mc:Choice>
-          <mc:Fallback>
+          <mc:Fallback xmlns="">
             <p:pic>
               <p:nvPicPr>
                 <p:cNvPr id="12" name="잉크 11">
@@ -8412,8 +12109,8 @@
             </p:pic>
           </mc:Fallback>
         </mc:AlternateContent>
-        <mc:AlternateContent xmlns:mc="http://schemas.openxmlformats.org/markup-compatibility/2006">
-          <mc:Choice xmlns:p14="http://schemas.microsoft.com/office/powerpoint/2010/main" Requires="p14">
+        <mc:AlternateContent xmlns:mc="http://schemas.openxmlformats.org/markup-compatibility/2006" xmlns:p14="http://schemas.microsoft.com/office/powerpoint/2010/main">
+          <mc:Choice Requires="p14">
             <p:contentPart p14:bwMode="auto" r:id="rId10">
               <p14:nvContentPartPr>
                 <p14:cNvPr id="13" name="잉크 12">
@@ -8432,7 +12129,7 @@
               </p14:xfrm>
             </p:contentPart>
           </mc:Choice>
-          <mc:Fallback>
+          <mc:Fallback xmlns="">
             <p:pic>
               <p:nvPicPr>
                 <p:cNvPr id="13" name="잉크 12">
@@ -8463,8 +12160,8 @@
             </p:pic>
           </mc:Fallback>
         </mc:AlternateContent>
-        <mc:AlternateContent xmlns:mc="http://schemas.openxmlformats.org/markup-compatibility/2006">
-          <mc:Choice xmlns:p14="http://schemas.microsoft.com/office/powerpoint/2010/main" Requires="p14">
+        <mc:AlternateContent xmlns:mc="http://schemas.openxmlformats.org/markup-compatibility/2006" xmlns:p14="http://schemas.microsoft.com/office/powerpoint/2010/main">
+          <mc:Choice Requires="p14">
             <p:contentPart p14:bwMode="auto" r:id="rId12">
               <p14:nvContentPartPr>
                 <p14:cNvPr id="15" name="잉크 14">
@@ -8483,7 +12180,7 @@
               </p14:xfrm>
             </p:contentPart>
           </mc:Choice>
-          <mc:Fallback>
+          <mc:Fallback xmlns="">
             <p:pic>
               <p:nvPicPr>
                 <p:cNvPr id="15" name="잉크 14">
@@ -8514,8 +12211,8 @@
             </p:pic>
           </mc:Fallback>
         </mc:AlternateContent>
-        <mc:AlternateContent xmlns:mc="http://schemas.openxmlformats.org/markup-compatibility/2006">
-          <mc:Choice xmlns:p14="http://schemas.microsoft.com/office/powerpoint/2010/main" Requires="p14">
+        <mc:AlternateContent xmlns:mc="http://schemas.openxmlformats.org/markup-compatibility/2006" xmlns:p14="http://schemas.microsoft.com/office/powerpoint/2010/main">
+          <mc:Choice Requires="p14">
             <p:contentPart p14:bwMode="auto" r:id="rId14">
               <p14:nvContentPartPr>
                 <p14:cNvPr id="16" name="잉크 15">
@@ -8534,7 +12231,7 @@
               </p14:xfrm>
             </p:contentPart>
           </mc:Choice>
-          <mc:Fallback>
+          <mc:Fallback xmlns="">
             <p:pic>
               <p:nvPicPr>
                 <p:cNvPr id="16" name="잉크 15">
@@ -8565,8 +12262,8 @@
             </p:pic>
           </mc:Fallback>
         </mc:AlternateContent>
-        <mc:AlternateContent xmlns:mc="http://schemas.openxmlformats.org/markup-compatibility/2006">
-          <mc:Choice xmlns:p14="http://schemas.microsoft.com/office/powerpoint/2010/main" Requires="p14">
+        <mc:AlternateContent xmlns:mc="http://schemas.openxmlformats.org/markup-compatibility/2006" xmlns:p14="http://schemas.microsoft.com/office/powerpoint/2010/main">
+          <mc:Choice Requires="p14">
             <p:contentPart p14:bwMode="auto" r:id="rId16">
               <p14:nvContentPartPr>
                 <p14:cNvPr id="17" name="잉크 16">
@@ -8585,7 +12282,7 @@
               </p14:xfrm>
             </p:contentPart>
           </mc:Choice>
-          <mc:Fallback>
+          <mc:Fallback xmlns="">
             <p:pic>
               <p:nvPicPr>
                 <p:cNvPr id="17" name="잉크 16">
@@ -8616,8 +12313,8 @@
             </p:pic>
           </mc:Fallback>
         </mc:AlternateContent>
-        <mc:AlternateContent xmlns:mc="http://schemas.openxmlformats.org/markup-compatibility/2006">
-          <mc:Choice xmlns:p14="http://schemas.microsoft.com/office/powerpoint/2010/main" Requires="p14">
+        <mc:AlternateContent xmlns:mc="http://schemas.openxmlformats.org/markup-compatibility/2006" xmlns:p14="http://schemas.microsoft.com/office/powerpoint/2010/main">
+          <mc:Choice Requires="p14">
             <p:contentPart p14:bwMode="auto" r:id="rId18">
               <p14:nvContentPartPr>
                 <p14:cNvPr id="19" name="잉크 18">
@@ -8636,7 +12333,7 @@
               </p14:xfrm>
             </p:contentPart>
           </mc:Choice>
-          <mc:Fallback>
+          <mc:Fallback xmlns="">
             <p:pic>
               <p:nvPicPr>
                 <p:cNvPr id="19" name="잉크 18">
@@ -8667,8 +12364,8 @@
             </p:pic>
           </mc:Fallback>
         </mc:AlternateContent>
-        <mc:AlternateContent xmlns:mc="http://schemas.openxmlformats.org/markup-compatibility/2006">
-          <mc:Choice xmlns:p14="http://schemas.microsoft.com/office/powerpoint/2010/main" Requires="p14">
+        <mc:AlternateContent xmlns:mc="http://schemas.openxmlformats.org/markup-compatibility/2006" xmlns:p14="http://schemas.microsoft.com/office/powerpoint/2010/main">
+          <mc:Choice Requires="p14">
             <p:contentPart p14:bwMode="auto" r:id="rId20">
               <p14:nvContentPartPr>
                 <p14:cNvPr id="21" name="잉크 20">
@@ -8687,7 +12384,7 @@
               </p14:xfrm>
             </p:contentPart>
           </mc:Choice>
-          <mc:Fallback>
+          <mc:Fallback xmlns="">
             <p:pic>
               <p:nvPicPr>
                 <p:cNvPr id="21" name="잉크 20">
@@ -8718,8 +12415,8 @@
             </p:pic>
           </mc:Fallback>
         </mc:AlternateContent>
-        <mc:AlternateContent xmlns:mc="http://schemas.openxmlformats.org/markup-compatibility/2006">
-          <mc:Choice xmlns:p14="http://schemas.microsoft.com/office/powerpoint/2010/main" Requires="p14">
+        <mc:AlternateContent xmlns:mc="http://schemas.openxmlformats.org/markup-compatibility/2006" xmlns:p14="http://schemas.microsoft.com/office/powerpoint/2010/main">
+          <mc:Choice Requires="p14">
             <p:contentPart p14:bwMode="auto" r:id="rId22">
               <p14:nvContentPartPr>
                 <p14:cNvPr id="23" name="잉크 22">
@@ -8738,7 +12435,7 @@
               </p14:xfrm>
             </p:contentPart>
           </mc:Choice>
-          <mc:Fallback>
+          <mc:Fallback xmlns="">
             <p:pic>
               <p:nvPicPr>
                 <p:cNvPr id="23" name="잉크 22">
@@ -8769,8 +12466,8 @@
             </p:pic>
           </mc:Fallback>
         </mc:AlternateContent>
-        <mc:AlternateContent xmlns:mc="http://schemas.openxmlformats.org/markup-compatibility/2006">
-          <mc:Choice xmlns:p14="http://schemas.microsoft.com/office/powerpoint/2010/main" Requires="p14">
+        <mc:AlternateContent xmlns:mc="http://schemas.openxmlformats.org/markup-compatibility/2006" xmlns:p14="http://schemas.microsoft.com/office/powerpoint/2010/main">
+          <mc:Choice Requires="p14">
             <p:contentPart p14:bwMode="auto" r:id="rId24">
               <p14:nvContentPartPr>
                 <p14:cNvPr id="24" name="잉크 23">
@@ -8789,7 +12486,7 @@
               </p14:xfrm>
             </p:contentPart>
           </mc:Choice>
-          <mc:Fallback>
+          <mc:Fallback xmlns="">
             <p:pic>
               <p:nvPicPr>
                 <p:cNvPr id="24" name="잉크 23">
@@ -8820,8 +12517,8 @@
             </p:pic>
           </mc:Fallback>
         </mc:AlternateContent>
-        <mc:AlternateContent xmlns:mc="http://schemas.openxmlformats.org/markup-compatibility/2006">
-          <mc:Choice xmlns:p14="http://schemas.microsoft.com/office/powerpoint/2010/main" Requires="p14">
+        <mc:AlternateContent xmlns:mc="http://schemas.openxmlformats.org/markup-compatibility/2006" xmlns:p14="http://schemas.microsoft.com/office/powerpoint/2010/main">
+          <mc:Choice Requires="p14">
             <p:contentPart p14:bwMode="auto" r:id="rId26">
               <p14:nvContentPartPr>
                 <p14:cNvPr id="25" name="잉크 24">
@@ -8840,7 +12537,7 @@
               </p14:xfrm>
             </p:contentPart>
           </mc:Choice>
-          <mc:Fallback>
+          <mc:Fallback xmlns="">
             <p:pic>
               <p:nvPicPr>
                 <p:cNvPr id="25" name="잉크 24">
@@ -8871,8 +12568,8 @@
             </p:pic>
           </mc:Fallback>
         </mc:AlternateContent>
-        <mc:AlternateContent xmlns:mc="http://schemas.openxmlformats.org/markup-compatibility/2006">
-          <mc:Choice xmlns:p14="http://schemas.microsoft.com/office/powerpoint/2010/main" Requires="p14">
+        <mc:AlternateContent xmlns:mc="http://schemas.openxmlformats.org/markup-compatibility/2006" xmlns:p14="http://schemas.microsoft.com/office/powerpoint/2010/main">
+          <mc:Choice Requires="p14">
             <p:contentPart p14:bwMode="auto" r:id="rId28">
               <p14:nvContentPartPr>
                 <p14:cNvPr id="27" name="잉크 26">
@@ -8891,7 +12588,7 @@
               </p14:xfrm>
             </p:contentPart>
           </mc:Choice>
-          <mc:Fallback>
+          <mc:Fallback xmlns="">
             <p:pic>
               <p:nvPicPr>
                 <p:cNvPr id="27" name="잉크 26">
@@ -8922,8 +12619,8 @@
             </p:pic>
           </mc:Fallback>
         </mc:AlternateContent>
-        <mc:AlternateContent xmlns:mc="http://schemas.openxmlformats.org/markup-compatibility/2006">
-          <mc:Choice xmlns:p14="http://schemas.microsoft.com/office/powerpoint/2010/main" Requires="p14">
+        <mc:AlternateContent xmlns:mc="http://schemas.openxmlformats.org/markup-compatibility/2006" xmlns:p14="http://schemas.microsoft.com/office/powerpoint/2010/main">
+          <mc:Choice Requires="p14">
             <p:contentPart p14:bwMode="auto" r:id="rId30">
               <p14:nvContentPartPr>
                 <p14:cNvPr id="28" name="잉크 27">
@@ -8942,7 +12639,7 @@
               </p14:xfrm>
             </p:contentPart>
           </mc:Choice>
-          <mc:Fallback>
+          <mc:Fallback xmlns="">
             <p:pic>
               <p:nvPicPr>
                 <p:cNvPr id="28" name="잉크 27">
@@ -8973,8 +12670,8 @@
             </p:pic>
           </mc:Fallback>
         </mc:AlternateContent>
-        <mc:AlternateContent xmlns:mc="http://schemas.openxmlformats.org/markup-compatibility/2006">
-          <mc:Choice xmlns:p14="http://schemas.microsoft.com/office/powerpoint/2010/main" Requires="p14">
+        <mc:AlternateContent xmlns:mc="http://schemas.openxmlformats.org/markup-compatibility/2006" xmlns:p14="http://schemas.microsoft.com/office/powerpoint/2010/main">
+          <mc:Choice Requires="p14">
             <p:contentPart p14:bwMode="auto" r:id="rId32">
               <p14:nvContentPartPr>
                 <p14:cNvPr id="30" name="잉크 29">
@@ -8993,7 +12690,7 @@
               </p14:xfrm>
             </p:contentPart>
           </mc:Choice>
-          <mc:Fallback>
+          <mc:Fallback xmlns="">
             <p:pic>
               <p:nvPicPr>
                 <p:cNvPr id="30" name="잉크 29">
@@ -9024,8 +12721,8 @@
             </p:pic>
           </mc:Fallback>
         </mc:AlternateContent>
-        <mc:AlternateContent xmlns:mc="http://schemas.openxmlformats.org/markup-compatibility/2006">
-          <mc:Choice xmlns:p14="http://schemas.microsoft.com/office/powerpoint/2010/main" Requires="p14">
+        <mc:AlternateContent xmlns:mc="http://schemas.openxmlformats.org/markup-compatibility/2006" xmlns:p14="http://schemas.microsoft.com/office/powerpoint/2010/main">
+          <mc:Choice Requires="p14">
             <p:contentPart p14:bwMode="auto" r:id="rId34">
               <p14:nvContentPartPr>
                 <p14:cNvPr id="31" name="잉크 30">
@@ -9044,7 +12741,7 @@
               </p14:xfrm>
             </p:contentPart>
           </mc:Choice>
-          <mc:Fallback>
+          <mc:Fallback xmlns="">
             <p:pic>
               <p:nvPicPr>
                 <p:cNvPr id="31" name="잉크 30">
@@ -9075,8 +12772,8 @@
             </p:pic>
           </mc:Fallback>
         </mc:AlternateContent>
-        <mc:AlternateContent xmlns:mc="http://schemas.openxmlformats.org/markup-compatibility/2006">
-          <mc:Choice xmlns:p14="http://schemas.microsoft.com/office/powerpoint/2010/main" Requires="p14">
+        <mc:AlternateContent xmlns:mc="http://schemas.openxmlformats.org/markup-compatibility/2006" xmlns:p14="http://schemas.microsoft.com/office/powerpoint/2010/main">
+          <mc:Choice Requires="p14">
             <p:contentPart p14:bwMode="auto" r:id="rId36">
               <p14:nvContentPartPr>
                 <p14:cNvPr id="33" name="잉크 32">
@@ -9095,7 +12792,7 @@
               </p14:xfrm>
             </p:contentPart>
           </mc:Choice>
-          <mc:Fallback>
+          <mc:Fallback xmlns="">
             <p:pic>
               <p:nvPicPr>
                 <p:cNvPr id="33" name="잉크 32">
@@ -9126,8 +12823,8 @@
             </p:pic>
           </mc:Fallback>
         </mc:AlternateContent>
-        <mc:AlternateContent xmlns:mc="http://schemas.openxmlformats.org/markup-compatibility/2006">
-          <mc:Choice xmlns:p14="http://schemas.microsoft.com/office/powerpoint/2010/main" Requires="p14">
+        <mc:AlternateContent xmlns:mc="http://schemas.openxmlformats.org/markup-compatibility/2006" xmlns:p14="http://schemas.microsoft.com/office/powerpoint/2010/main">
+          <mc:Choice Requires="p14">
             <p:contentPart p14:bwMode="auto" r:id="rId38">
               <p14:nvContentPartPr>
                 <p14:cNvPr id="34" name="잉크 33">
@@ -9146,7 +12843,7 @@
               </p14:xfrm>
             </p:contentPart>
           </mc:Choice>
-          <mc:Fallback>
+          <mc:Fallback xmlns="">
             <p:pic>
               <p:nvPicPr>
                 <p:cNvPr id="34" name="잉크 33">
@@ -9177,8 +12874,8 @@
             </p:pic>
           </mc:Fallback>
         </mc:AlternateContent>
-        <mc:AlternateContent xmlns:mc="http://schemas.openxmlformats.org/markup-compatibility/2006">
-          <mc:Choice xmlns:p14="http://schemas.microsoft.com/office/powerpoint/2010/main" Requires="p14">
+        <mc:AlternateContent xmlns:mc="http://schemas.openxmlformats.org/markup-compatibility/2006" xmlns:p14="http://schemas.microsoft.com/office/powerpoint/2010/main">
+          <mc:Choice Requires="p14">
             <p:contentPart p14:bwMode="auto" r:id="rId40">
               <p14:nvContentPartPr>
                 <p14:cNvPr id="35" name="잉크 34">
@@ -9197,7 +12894,7 @@
               </p14:xfrm>
             </p:contentPart>
           </mc:Choice>
-          <mc:Fallback>
+          <mc:Fallback xmlns="">
             <p:pic>
               <p:nvPicPr>
                 <p:cNvPr id="35" name="잉크 34">
@@ -9228,8 +12925,8 @@
             </p:pic>
           </mc:Fallback>
         </mc:AlternateContent>
-        <mc:AlternateContent xmlns:mc="http://schemas.openxmlformats.org/markup-compatibility/2006">
-          <mc:Choice xmlns:p14="http://schemas.microsoft.com/office/powerpoint/2010/main" Requires="p14">
+        <mc:AlternateContent xmlns:mc="http://schemas.openxmlformats.org/markup-compatibility/2006" xmlns:p14="http://schemas.microsoft.com/office/powerpoint/2010/main">
+          <mc:Choice Requires="p14">
             <p:contentPart p14:bwMode="auto" r:id="rId42">
               <p14:nvContentPartPr>
                 <p14:cNvPr id="36" name="잉크 35">
@@ -9248,7 +12945,7 @@
               </p14:xfrm>
             </p:contentPart>
           </mc:Choice>
-          <mc:Fallback>
+          <mc:Fallback xmlns="">
             <p:pic>
               <p:nvPicPr>
                 <p:cNvPr id="36" name="잉크 35">
@@ -9279,8 +12976,8 @@
             </p:pic>
           </mc:Fallback>
         </mc:AlternateContent>
-        <mc:AlternateContent xmlns:mc="http://schemas.openxmlformats.org/markup-compatibility/2006">
-          <mc:Choice xmlns:p14="http://schemas.microsoft.com/office/powerpoint/2010/main" Requires="p14">
+        <mc:AlternateContent xmlns:mc="http://schemas.openxmlformats.org/markup-compatibility/2006" xmlns:p14="http://schemas.microsoft.com/office/powerpoint/2010/main">
+          <mc:Choice Requires="p14">
             <p:contentPart p14:bwMode="auto" r:id="rId44">
               <p14:nvContentPartPr>
                 <p14:cNvPr id="37" name="잉크 36">
@@ -9299,7 +12996,7 @@
               </p14:xfrm>
             </p:contentPart>
           </mc:Choice>
-          <mc:Fallback>
+          <mc:Fallback xmlns="">
             <p:pic>
               <p:nvPicPr>
                 <p:cNvPr id="37" name="잉크 36">
@@ -9330,8 +13027,8 @@
             </p:pic>
           </mc:Fallback>
         </mc:AlternateContent>
-        <mc:AlternateContent xmlns:mc="http://schemas.openxmlformats.org/markup-compatibility/2006">
-          <mc:Choice xmlns:p14="http://schemas.microsoft.com/office/powerpoint/2010/main" Requires="p14">
+        <mc:AlternateContent xmlns:mc="http://schemas.openxmlformats.org/markup-compatibility/2006" xmlns:p14="http://schemas.microsoft.com/office/powerpoint/2010/main">
+          <mc:Choice Requires="p14">
             <p:contentPart p14:bwMode="auto" r:id="rId46">
               <p14:nvContentPartPr>
                 <p14:cNvPr id="39" name="잉크 38">
@@ -9350,7 +13047,7 @@
               </p14:xfrm>
             </p:contentPart>
           </mc:Choice>
-          <mc:Fallback>
+          <mc:Fallback xmlns="">
             <p:pic>
               <p:nvPicPr>
                 <p:cNvPr id="39" name="잉크 38">
@@ -9381,8 +13078,8 @@
             </p:pic>
           </mc:Fallback>
         </mc:AlternateContent>
-        <mc:AlternateContent xmlns:mc="http://schemas.openxmlformats.org/markup-compatibility/2006">
-          <mc:Choice xmlns:p14="http://schemas.microsoft.com/office/powerpoint/2010/main" Requires="p14">
+        <mc:AlternateContent xmlns:mc="http://schemas.openxmlformats.org/markup-compatibility/2006" xmlns:p14="http://schemas.microsoft.com/office/powerpoint/2010/main">
+          <mc:Choice Requires="p14">
             <p:contentPart p14:bwMode="auto" r:id="rId48">
               <p14:nvContentPartPr>
                 <p14:cNvPr id="41" name="잉크 40">
@@ -9401,7 +13098,7 @@
               </p14:xfrm>
             </p:contentPart>
           </mc:Choice>
-          <mc:Fallback>
+          <mc:Fallback xmlns="">
             <p:pic>
               <p:nvPicPr>
                 <p:cNvPr id="41" name="잉크 40">
@@ -9432,8 +13129,8 @@
             </p:pic>
           </mc:Fallback>
         </mc:AlternateContent>
-        <mc:AlternateContent xmlns:mc="http://schemas.openxmlformats.org/markup-compatibility/2006">
-          <mc:Choice xmlns:p14="http://schemas.microsoft.com/office/powerpoint/2010/main" Requires="p14">
+        <mc:AlternateContent xmlns:mc="http://schemas.openxmlformats.org/markup-compatibility/2006" xmlns:p14="http://schemas.microsoft.com/office/powerpoint/2010/main">
+          <mc:Choice Requires="p14">
             <p:contentPart p14:bwMode="auto" r:id="rId50">
               <p14:nvContentPartPr>
                 <p14:cNvPr id="42" name="잉크 41">
@@ -9452,7 +13149,7 @@
               </p14:xfrm>
             </p:contentPart>
           </mc:Choice>
-          <mc:Fallback>
+          <mc:Fallback xmlns="">
             <p:pic>
               <p:nvPicPr>
                 <p:cNvPr id="42" name="잉크 41">
@@ -9483,8 +13180,8 @@
             </p:pic>
           </mc:Fallback>
         </mc:AlternateContent>
-        <mc:AlternateContent xmlns:mc="http://schemas.openxmlformats.org/markup-compatibility/2006">
-          <mc:Choice xmlns:p14="http://schemas.microsoft.com/office/powerpoint/2010/main" Requires="p14">
+        <mc:AlternateContent xmlns:mc="http://schemas.openxmlformats.org/markup-compatibility/2006" xmlns:p14="http://schemas.microsoft.com/office/powerpoint/2010/main">
+          <mc:Choice Requires="p14">
             <p:contentPart p14:bwMode="auto" r:id="rId52">
               <p14:nvContentPartPr>
                 <p14:cNvPr id="43" name="잉크 42">
@@ -9503,7 +13200,7 @@
               </p14:xfrm>
             </p:contentPart>
           </mc:Choice>
-          <mc:Fallback>
+          <mc:Fallback xmlns="">
             <p:pic>
               <p:nvPicPr>
                 <p:cNvPr id="43" name="잉크 42">
@@ -9534,8 +13231,8 @@
             </p:pic>
           </mc:Fallback>
         </mc:AlternateContent>
-        <mc:AlternateContent xmlns:mc="http://schemas.openxmlformats.org/markup-compatibility/2006">
-          <mc:Choice xmlns:p14="http://schemas.microsoft.com/office/powerpoint/2010/main" Requires="p14">
+        <mc:AlternateContent xmlns:mc="http://schemas.openxmlformats.org/markup-compatibility/2006" xmlns:p14="http://schemas.microsoft.com/office/powerpoint/2010/main">
+          <mc:Choice Requires="p14">
             <p:contentPart p14:bwMode="auto" r:id="rId54">
               <p14:nvContentPartPr>
                 <p14:cNvPr id="44" name="잉크 43">
@@ -9554,7 +13251,7 @@
               </p14:xfrm>
             </p:contentPart>
           </mc:Choice>
-          <mc:Fallback>
+          <mc:Fallback xmlns="">
             <p:pic>
               <p:nvPicPr>
                 <p:cNvPr id="44" name="잉크 43">
@@ -9585,8 +13282,8 @@
             </p:pic>
           </mc:Fallback>
         </mc:AlternateContent>
-        <mc:AlternateContent xmlns:mc="http://schemas.openxmlformats.org/markup-compatibility/2006">
-          <mc:Choice xmlns:p14="http://schemas.microsoft.com/office/powerpoint/2010/main" Requires="p14">
+        <mc:AlternateContent xmlns:mc="http://schemas.openxmlformats.org/markup-compatibility/2006" xmlns:p14="http://schemas.microsoft.com/office/powerpoint/2010/main">
+          <mc:Choice Requires="p14">
             <p:contentPart p14:bwMode="auto" r:id="rId56">
               <p14:nvContentPartPr>
                 <p14:cNvPr id="45" name="잉크 44">
@@ -9605,7 +13302,7 @@
               </p14:xfrm>
             </p:contentPart>
           </mc:Choice>
-          <mc:Fallback>
+          <mc:Fallback xmlns="">
             <p:pic>
               <p:nvPicPr>
                 <p:cNvPr id="45" name="잉크 44">
@@ -9636,8 +13333,8 @@
             </p:pic>
           </mc:Fallback>
         </mc:AlternateContent>
-        <mc:AlternateContent xmlns:mc="http://schemas.openxmlformats.org/markup-compatibility/2006">
-          <mc:Choice xmlns:p14="http://schemas.microsoft.com/office/powerpoint/2010/main" Requires="p14">
+        <mc:AlternateContent xmlns:mc="http://schemas.openxmlformats.org/markup-compatibility/2006" xmlns:p14="http://schemas.microsoft.com/office/powerpoint/2010/main">
+          <mc:Choice Requires="p14">
             <p:contentPart p14:bwMode="auto" r:id="rId58">
               <p14:nvContentPartPr>
                 <p14:cNvPr id="46" name="잉크 45">
@@ -9656,7 +13353,7 @@
               </p14:xfrm>
             </p:contentPart>
           </mc:Choice>
-          <mc:Fallback>
+          <mc:Fallback xmlns="">
             <p:pic>
               <p:nvPicPr>
                 <p:cNvPr id="46" name="잉크 45">
@@ -9687,8 +13384,8 @@
             </p:pic>
           </mc:Fallback>
         </mc:AlternateContent>
-        <mc:AlternateContent xmlns:mc="http://schemas.openxmlformats.org/markup-compatibility/2006">
-          <mc:Choice xmlns:p14="http://schemas.microsoft.com/office/powerpoint/2010/main" Requires="p14">
+        <mc:AlternateContent xmlns:mc="http://schemas.openxmlformats.org/markup-compatibility/2006" xmlns:p14="http://schemas.microsoft.com/office/powerpoint/2010/main">
+          <mc:Choice Requires="p14">
             <p:contentPart p14:bwMode="auto" r:id="rId60">
               <p14:nvContentPartPr>
                 <p14:cNvPr id="47" name="잉크 46">
@@ -9707,7 +13404,7 @@
               </p14:xfrm>
             </p:contentPart>
           </mc:Choice>
-          <mc:Fallback>
+          <mc:Fallback xmlns="">
             <p:pic>
               <p:nvPicPr>
                 <p:cNvPr id="47" name="잉크 46">
@@ -9738,8 +13435,8 @@
             </p:pic>
           </mc:Fallback>
         </mc:AlternateContent>
-        <mc:AlternateContent xmlns:mc="http://schemas.openxmlformats.org/markup-compatibility/2006">
-          <mc:Choice xmlns:p14="http://schemas.microsoft.com/office/powerpoint/2010/main" Requires="p14">
+        <mc:AlternateContent xmlns:mc="http://schemas.openxmlformats.org/markup-compatibility/2006" xmlns:p14="http://schemas.microsoft.com/office/powerpoint/2010/main">
+          <mc:Choice Requires="p14">
             <p:contentPart p14:bwMode="auto" r:id="rId62">
               <p14:nvContentPartPr>
                 <p14:cNvPr id="48" name="잉크 47">
@@ -9758,7 +13455,7 @@
               </p14:xfrm>
             </p:contentPart>
           </mc:Choice>
-          <mc:Fallback>
+          <mc:Fallback xmlns="">
             <p:pic>
               <p:nvPicPr>
                 <p:cNvPr id="48" name="잉크 47">
@@ -9789,8 +13486,8 @@
             </p:pic>
           </mc:Fallback>
         </mc:AlternateContent>
-        <mc:AlternateContent xmlns:mc="http://schemas.openxmlformats.org/markup-compatibility/2006">
-          <mc:Choice xmlns:p14="http://schemas.microsoft.com/office/powerpoint/2010/main" Requires="p14">
+        <mc:AlternateContent xmlns:mc="http://schemas.openxmlformats.org/markup-compatibility/2006" xmlns:p14="http://schemas.microsoft.com/office/powerpoint/2010/main">
+          <mc:Choice Requires="p14">
             <p:contentPart p14:bwMode="auto" r:id="rId64">
               <p14:nvContentPartPr>
                 <p14:cNvPr id="49" name="잉크 48">
@@ -9809,7 +13506,7 @@
               </p14:xfrm>
             </p:contentPart>
           </mc:Choice>
-          <mc:Fallback>
+          <mc:Fallback xmlns="">
             <p:pic>
               <p:nvPicPr>
                 <p:cNvPr id="49" name="잉크 48">
@@ -9840,8 +13537,8 @@
             </p:pic>
           </mc:Fallback>
         </mc:AlternateContent>
-        <mc:AlternateContent xmlns:mc="http://schemas.openxmlformats.org/markup-compatibility/2006">
-          <mc:Choice xmlns:p14="http://schemas.microsoft.com/office/powerpoint/2010/main" Requires="p14">
+        <mc:AlternateContent xmlns:mc="http://schemas.openxmlformats.org/markup-compatibility/2006" xmlns:p14="http://schemas.microsoft.com/office/powerpoint/2010/main">
+          <mc:Choice Requires="p14">
             <p:contentPart p14:bwMode="auto" r:id="rId66">
               <p14:nvContentPartPr>
                 <p14:cNvPr id="50" name="잉크 49">
@@ -9860,7 +13557,7 @@
               </p14:xfrm>
             </p:contentPart>
           </mc:Choice>
-          <mc:Fallback>
+          <mc:Fallback xmlns="">
             <p:pic>
               <p:nvPicPr>
                 <p:cNvPr id="50" name="잉크 49">
@@ -9891,8 +13588,8 @@
             </p:pic>
           </mc:Fallback>
         </mc:AlternateContent>
-        <mc:AlternateContent xmlns:mc="http://schemas.openxmlformats.org/markup-compatibility/2006">
-          <mc:Choice xmlns:p14="http://schemas.microsoft.com/office/powerpoint/2010/main" Requires="p14">
+        <mc:AlternateContent xmlns:mc="http://schemas.openxmlformats.org/markup-compatibility/2006" xmlns:p14="http://schemas.microsoft.com/office/powerpoint/2010/main">
+          <mc:Choice Requires="p14">
             <p:contentPart p14:bwMode="auto" r:id="rId68">
               <p14:nvContentPartPr>
                 <p14:cNvPr id="51" name="잉크 50">
@@ -9911,7 +13608,7 @@
               </p14:xfrm>
             </p:contentPart>
           </mc:Choice>
-          <mc:Fallback>
+          <mc:Fallback xmlns="">
             <p:pic>
               <p:nvPicPr>
                 <p:cNvPr id="51" name="잉크 50">
@@ -9942,8 +13639,8 @@
             </p:pic>
           </mc:Fallback>
         </mc:AlternateContent>
-        <mc:AlternateContent xmlns:mc="http://schemas.openxmlformats.org/markup-compatibility/2006">
-          <mc:Choice xmlns:p14="http://schemas.microsoft.com/office/powerpoint/2010/main" Requires="p14">
+        <mc:AlternateContent xmlns:mc="http://schemas.openxmlformats.org/markup-compatibility/2006" xmlns:p14="http://schemas.microsoft.com/office/powerpoint/2010/main">
+          <mc:Choice Requires="p14">
             <p:contentPart p14:bwMode="auto" r:id="rId70">
               <p14:nvContentPartPr>
                 <p14:cNvPr id="52" name="잉크 51">
@@ -9962,7 +13659,7 @@
               </p14:xfrm>
             </p:contentPart>
           </mc:Choice>
-          <mc:Fallback>
+          <mc:Fallback xmlns="">
             <p:pic>
               <p:nvPicPr>
                 <p:cNvPr id="52" name="잉크 51">
@@ -9993,8 +13690,8 @@
             </p:pic>
           </mc:Fallback>
         </mc:AlternateContent>
-        <mc:AlternateContent xmlns:mc="http://schemas.openxmlformats.org/markup-compatibility/2006">
-          <mc:Choice xmlns:p14="http://schemas.microsoft.com/office/powerpoint/2010/main" Requires="p14">
+        <mc:AlternateContent xmlns:mc="http://schemas.openxmlformats.org/markup-compatibility/2006" xmlns:p14="http://schemas.microsoft.com/office/powerpoint/2010/main">
+          <mc:Choice Requires="p14">
             <p:contentPart p14:bwMode="auto" r:id="rId72">
               <p14:nvContentPartPr>
                 <p14:cNvPr id="53" name="잉크 52">
@@ -10013,7 +13710,7 @@
               </p14:xfrm>
             </p:contentPart>
           </mc:Choice>
-          <mc:Fallback>
+          <mc:Fallback xmlns="">
             <p:pic>
               <p:nvPicPr>
                 <p:cNvPr id="53" name="잉크 52">
@@ -10044,8 +13741,8 @@
             </p:pic>
           </mc:Fallback>
         </mc:AlternateContent>
-        <mc:AlternateContent xmlns:mc="http://schemas.openxmlformats.org/markup-compatibility/2006">
-          <mc:Choice xmlns:p14="http://schemas.microsoft.com/office/powerpoint/2010/main" Requires="p14">
+        <mc:AlternateContent xmlns:mc="http://schemas.openxmlformats.org/markup-compatibility/2006" xmlns:p14="http://schemas.microsoft.com/office/powerpoint/2010/main">
+          <mc:Choice Requires="p14">
             <p:contentPart p14:bwMode="auto" r:id="rId74">
               <p14:nvContentPartPr>
                 <p14:cNvPr id="54" name="잉크 53">
@@ -10064,7 +13761,7 @@
               </p14:xfrm>
             </p:contentPart>
           </mc:Choice>
-          <mc:Fallback>
+          <mc:Fallback xmlns="">
             <p:pic>
               <p:nvPicPr>
                 <p:cNvPr id="54" name="잉크 53">
@@ -10095,8 +13792,8 @@
             </p:pic>
           </mc:Fallback>
         </mc:AlternateContent>
-        <mc:AlternateContent xmlns:mc="http://schemas.openxmlformats.org/markup-compatibility/2006">
-          <mc:Choice xmlns:p14="http://schemas.microsoft.com/office/powerpoint/2010/main" Requires="p14">
+        <mc:AlternateContent xmlns:mc="http://schemas.openxmlformats.org/markup-compatibility/2006" xmlns:p14="http://schemas.microsoft.com/office/powerpoint/2010/main">
+          <mc:Choice Requires="p14">
             <p:contentPart p14:bwMode="auto" r:id="rId76">
               <p14:nvContentPartPr>
                 <p14:cNvPr id="55" name="잉크 54">
@@ -10115,7 +13812,7 @@
               </p14:xfrm>
             </p:contentPart>
           </mc:Choice>
-          <mc:Fallback>
+          <mc:Fallback xmlns="">
             <p:pic>
               <p:nvPicPr>
                 <p:cNvPr id="55" name="잉크 54">
@@ -10146,8 +13843,8 @@
             </p:pic>
           </mc:Fallback>
         </mc:AlternateContent>
-        <mc:AlternateContent xmlns:mc="http://schemas.openxmlformats.org/markup-compatibility/2006">
-          <mc:Choice xmlns:p14="http://schemas.microsoft.com/office/powerpoint/2010/main" Requires="p14">
+        <mc:AlternateContent xmlns:mc="http://schemas.openxmlformats.org/markup-compatibility/2006" xmlns:p14="http://schemas.microsoft.com/office/powerpoint/2010/main">
+          <mc:Choice Requires="p14">
             <p:contentPart p14:bwMode="auto" r:id="rId78">
               <p14:nvContentPartPr>
                 <p14:cNvPr id="56" name="잉크 55">
@@ -10166,7 +13863,7 @@
               </p14:xfrm>
             </p:contentPart>
           </mc:Choice>
-          <mc:Fallback>
+          <mc:Fallback xmlns="">
             <p:pic>
               <p:nvPicPr>
                 <p:cNvPr id="56" name="잉크 55">
@@ -10197,8 +13894,8 @@
             </p:pic>
           </mc:Fallback>
         </mc:AlternateContent>
-        <mc:AlternateContent xmlns:mc="http://schemas.openxmlformats.org/markup-compatibility/2006">
-          <mc:Choice xmlns:p14="http://schemas.microsoft.com/office/powerpoint/2010/main" Requires="p14">
+        <mc:AlternateContent xmlns:mc="http://schemas.openxmlformats.org/markup-compatibility/2006" xmlns:p14="http://schemas.microsoft.com/office/powerpoint/2010/main">
+          <mc:Choice Requires="p14">
             <p:contentPart p14:bwMode="auto" r:id="rId80">
               <p14:nvContentPartPr>
                 <p14:cNvPr id="57" name="잉크 56">
@@ -10217,7 +13914,7 @@
               </p14:xfrm>
             </p:contentPart>
           </mc:Choice>
-          <mc:Fallback>
+          <mc:Fallback xmlns="">
             <p:pic>
               <p:nvPicPr>
                 <p:cNvPr id="57" name="잉크 56">
@@ -10248,8 +13945,8 @@
             </p:pic>
           </mc:Fallback>
         </mc:AlternateContent>
-        <mc:AlternateContent xmlns:mc="http://schemas.openxmlformats.org/markup-compatibility/2006">
-          <mc:Choice xmlns:p14="http://schemas.microsoft.com/office/powerpoint/2010/main" Requires="p14">
+        <mc:AlternateContent xmlns:mc="http://schemas.openxmlformats.org/markup-compatibility/2006" xmlns:p14="http://schemas.microsoft.com/office/powerpoint/2010/main">
+          <mc:Choice Requires="p14">
             <p:contentPart p14:bwMode="auto" r:id="rId82">
               <p14:nvContentPartPr>
                 <p14:cNvPr id="58" name="잉크 57">
@@ -10268,7 +13965,7 @@
               </p14:xfrm>
             </p:contentPart>
           </mc:Choice>
-          <mc:Fallback>
+          <mc:Fallback xmlns="">
             <p:pic>
               <p:nvPicPr>
                 <p:cNvPr id="58" name="잉크 57">
@@ -10350,8 +14047,8 @@
             <a:chExt cx="9939240" cy="5684040"/>
           </a:xfrm>
         </p:grpSpPr>
-        <mc:AlternateContent xmlns:mc="http://schemas.openxmlformats.org/markup-compatibility/2006">
-          <mc:Choice xmlns:p14="http://schemas.microsoft.com/office/powerpoint/2010/main" Requires="p14">
+        <mc:AlternateContent xmlns:mc="http://schemas.openxmlformats.org/markup-compatibility/2006" xmlns:p14="http://schemas.microsoft.com/office/powerpoint/2010/main">
+          <mc:Choice Requires="p14">
             <p:contentPart p14:bwMode="auto" r:id="rId2">
               <p14:nvContentPartPr>
                 <p14:cNvPr id="7" name="잉크 6">
@@ -10370,7 +14067,7 @@
               </p14:xfrm>
             </p:contentPart>
           </mc:Choice>
-          <mc:Fallback>
+          <mc:Fallback xmlns="">
             <p:pic>
               <p:nvPicPr>
                 <p:cNvPr id="7" name="잉크 6">
@@ -10401,8 +14098,8 @@
             </p:pic>
           </mc:Fallback>
         </mc:AlternateContent>
-        <mc:AlternateContent xmlns:mc="http://schemas.openxmlformats.org/markup-compatibility/2006">
-          <mc:Choice xmlns:p14="http://schemas.microsoft.com/office/powerpoint/2010/main" Requires="p14">
+        <mc:AlternateContent xmlns:mc="http://schemas.openxmlformats.org/markup-compatibility/2006" xmlns:p14="http://schemas.microsoft.com/office/powerpoint/2010/main">
+          <mc:Choice Requires="p14">
             <p:contentPart p14:bwMode="auto" r:id="rId4">
               <p14:nvContentPartPr>
                 <p14:cNvPr id="8" name="잉크 7">
@@ -10421,7 +14118,7 @@
               </p14:xfrm>
             </p:contentPart>
           </mc:Choice>
-          <mc:Fallback>
+          <mc:Fallback xmlns="">
             <p:pic>
               <p:nvPicPr>
                 <p:cNvPr id="8" name="잉크 7">
@@ -10452,8 +14149,8 @@
             </p:pic>
           </mc:Fallback>
         </mc:AlternateContent>
-        <mc:AlternateContent xmlns:mc="http://schemas.openxmlformats.org/markup-compatibility/2006">
-          <mc:Choice xmlns:p14="http://schemas.microsoft.com/office/powerpoint/2010/main" Requires="p14">
+        <mc:AlternateContent xmlns:mc="http://schemas.openxmlformats.org/markup-compatibility/2006" xmlns:p14="http://schemas.microsoft.com/office/powerpoint/2010/main">
+          <mc:Choice Requires="p14">
             <p:contentPart p14:bwMode="auto" r:id="rId6">
               <p14:nvContentPartPr>
                 <p14:cNvPr id="10" name="잉크 9">
@@ -10472,7 +14169,7 @@
               </p14:xfrm>
             </p:contentPart>
           </mc:Choice>
-          <mc:Fallback>
+          <mc:Fallback xmlns="">
             <p:pic>
               <p:nvPicPr>
                 <p:cNvPr id="10" name="잉크 9">
@@ -10503,8 +14200,8 @@
             </p:pic>
           </mc:Fallback>
         </mc:AlternateContent>
-        <mc:AlternateContent xmlns:mc="http://schemas.openxmlformats.org/markup-compatibility/2006">
-          <mc:Choice xmlns:p14="http://schemas.microsoft.com/office/powerpoint/2010/main" Requires="p14">
+        <mc:AlternateContent xmlns:mc="http://schemas.openxmlformats.org/markup-compatibility/2006" xmlns:p14="http://schemas.microsoft.com/office/powerpoint/2010/main">
+          <mc:Choice Requires="p14">
             <p:contentPart p14:bwMode="auto" r:id="rId8">
               <p14:nvContentPartPr>
                 <p14:cNvPr id="11" name="잉크 10">
@@ -10523,7 +14220,7 @@
               </p14:xfrm>
             </p:contentPart>
           </mc:Choice>
-          <mc:Fallback>
+          <mc:Fallback xmlns="">
             <p:pic>
               <p:nvPicPr>
                 <p:cNvPr id="11" name="잉크 10">
@@ -10554,8 +14251,8 @@
             </p:pic>
           </mc:Fallback>
         </mc:AlternateContent>
-        <mc:AlternateContent xmlns:mc="http://schemas.openxmlformats.org/markup-compatibility/2006">
-          <mc:Choice xmlns:p14="http://schemas.microsoft.com/office/powerpoint/2010/main" Requires="p14">
+        <mc:AlternateContent xmlns:mc="http://schemas.openxmlformats.org/markup-compatibility/2006" xmlns:p14="http://schemas.microsoft.com/office/powerpoint/2010/main">
+          <mc:Choice Requires="p14">
             <p:contentPart p14:bwMode="auto" r:id="rId10">
               <p14:nvContentPartPr>
                 <p14:cNvPr id="12" name="잉크 11">
@@ -10574,7 +14271,7 @@
               </p14:xfrm>
             </p:contentPart>
           </mc:Choice>
-          <mc:Fallback>
+          <mc:Fallback xmlns="">
             <p:pic>
               <p:nvPicPr>
                 <p:cNvPr id="12" name="잉크 11">
@@ -10605,8 +14302,8 @@
             </p:pic>
           </mc:Fallback>
         </mc:AlternateContent>
-        <mc:AlternateContent xmlns:mc="http://schemas.openxmlformats.org/markup-compatibility/2006">
-          <mc:Choice xmlns:p14="http://schemas.microsoft.com/office/powerpoint/2010/main" Requires="p14">
+        <mc:AlternateContent xmlns:mc="http://schemas.openxmlformats.org/markup-compatibility/2006" xmlns:p14="http://schemas.microsoft.com/office/powerpoint/2010/main">
+          <mc:Choice Requires="p14">
             <p:contentPart p14:bwMode="auto" r:id="rId12">
               <p14:nvContentPartPr>
                 <p14:cNvPr id="13" name="잉크 12">
@@ -10625,7 +14322,7 @@
               </p14:xfrm>
             </p:contentPart>
           </mc:Choice>
-          <mc:Fallback>
+          <mc:Fallback xmlns="">
             <p:pic>
               <p:nvPicPr>
                 <p:cNvPr id="13" name="잉크 12">
@@ -10656,8 +14353,8 @@
             </p:pic>
           </mc:Fallback>
         </mc:AlternateContent>
-        <mc:AlternateContent xmlns:mc="http://schemas.openxmlformats.org/markup-compatibility/2006">
-          <mc:Choice xmlns:p14="http://schemas.microsoft.com/office/powerpoint/2010/main" Requires="p14">
+        <mc:AlternateContent xmlns:mc="http://schemas.openxmlformats.org/markup-compatibility/2006" xmlns:p14="http://schemas.microsoft.com/office/powerpoint/2010/main">
+          <mc:Choice Requires="p14">
             <p:contentPart p14:bwMode="auto" r:id="rId14">
               <p14:nvContentPartPr>
                 <p14:cNvPr id="14" name="잉크 13">
@@ -10676,7 +14373,7 @@
               </p14:xfrm>
             </p:contentPart>
           </mc:Choice>
-          <mc:Fallback>
+          <mc:Fallback xmlns="">
             <p:pic>
               <p:nvPicPr>
                 <p:cNvPr id="14" name="잉크 13">
@@ -10707,8 +14404,8 @@
             </p:pic>
           </mc:Fallback>
         </mc:AlternateContent>
-        <mc:AlternateContent xmlns:mc="http://schemas.openxmlformats.org/markup-compatibility/2006">
-          <mc:Choice xmlns:p14="http://schemas.microsoft.com/office/powerpoint/2010/main" Requires="p14">
+        <mc:AlternateContent xmlns:mc="http://schemas.openxmlformats.org/markup-compatibility/2006" xmlns:p14="http://schemas.microsoft.com/office/powerpoint/2010/main">
+          <mc:Choice Requires="p14">
             <p:contentPart p14:bwMode="auto" r:id="rId16">
               <p14:nvContentPartPr>
                 <p14:cNvPr id="15" name="잉크 14">
@@ -10727,7 +14424,7 @@
               </p14:xfrm>
             </p:contentPart>
           </mc:Choice>
-          <mc:Fallback>
+          <mc:Fallback xmlns="">
             <p:pic>
               <p:nvPicPr>
                 <p:cNvPr id="15" name="잉크 14">
@@ -10758,8 +14455,8 @@
             </p:pic>
           </mc:Fallback>
         </mc:AlternateContent>
-        <mc:AlternateContent xmlns:mc="http://schemas.openxmlformats.org/markup-compatibility/2006">
-          <mc:Choice xmlns:p14="http://schemas.microsoft.com/office/powerpoint/2010/main" Requires="p14">
+        <mc:AlternateContent xmlns:mc="http://schemas.openxmlformats.org/markup-compatibility/2006" xmlns:p14="http://schemas.microsoft.com/office/powerpoint/2010/main">
+          <mc:Choice Requires="p14">
             <p:contentPart p14:bwMode="auto" r:id="rId18">
               <p14:nvContentPartPr>
                 <p14:cNvPr id="16" name="잉크 15">
@@ -10778,7 +14475,7 @@
               </p14:xfrm>
             </p:contentPart>
           </mc:Choice>
-          <mc:Fallback>
+          <mc:Fallback xmlns="">
             <p:pic>
               <p:nvPicPr>
                 <p:cNvPr id="16" name="잉크 15">
@@ -10809,8 +14506,8 @@
             </p:pic>
           </mc:Fallback>
         </mc:AlternateContent>
-        <mc:AlternateContent xmlns:mc="http://schemas.openxmlformats.org/markup-compatibility/2006">
-          <mc:Choice xmlns:p14="http://schemas.microsoft.com/office/powerpoint/2010/main" Requires="p14">
+        <mc:AlternateContent xmlns:mc="http://schemas.openxmlformats.org/markup-compatibility/2006" xmlns:p14="http://schemas.microsoft.com/office/powerpoint/2010/main">
+          <mc:Choice Requires="p14">
             <p:contentPart p14:bwMode="auto" r:id="rId20">
               <p14:nvContentPartPr>
                 <p14:cNvPr id="17" name="잉크 16">
@@ -10829,7 +14526,7 @@
               </p14:xfrm>
             </p:contentPart>
           </mc:Choice>
-          <mc:Fallback>
+          <mc:Fallback xmlns="">
             <p:pic>
               <p:nvPicPr>
                 <p:cNvPr id="17" name="잉크 16">
@@ -10860,8 +14557,8 @@
             </p:pic>
           </mc:Fallback>
         </mc:AlternateContent>
-        <mc:AlternateContent xmlns:mc="http://schemas.openxmlformats.org/markup-compatibility/2006">
-          <mc:Choice xmlns:p14="http://schemas.microsoft.com/office/powerpoint/2010/main" Requires="p14">
+        <mc:AlternateContent xmlns:mc="http://schemas.openxmlformats.org/markup-compatibility/2006" xmlns:p14="http://schemas.microsoft.com/office/powerpoint/2010/main">
+          <mc:Choice Requires="p14">
             <p:contentPart p14:bwMode="auto" r:id="rId22">
               <p14:nvContentPartPr>
                 <p14:cNvPr id="18" name="잉크 17">
@@ -10880,7 +14577,7 @@
               </p14:xfrm>
             </p:contentPart>
           </mc:Choice>
-          <mc:Fallback>
+          <mc:Fallback xmlns="">
             <p:pic>
               <p:nvPicPr>
                 <p:cNvPr id="18" name="잉크 17">
@@ -10911,8 +14608,8 @@
             </p:pic>
           </mc:Fallback>
         </mc:AlternateContent>
-        <mc:AlternateContent xmlns:mc="http://schemas.openxmlformats.org/markup-compatibility/2006">
-          <mc:Choice xmlns:p14="http://schemas.microsoft.com/office/powerpoint/2010/main" Requires="p14">
+        <mc:AlternateContent xmlns:mc="http://schemas.openxmlformats.org/markup-compatibility/2006" xmlns:p14="http://schemas.microsoft.com/office/powerpoint/2010/main">
+          <mc:Choice Requires="p14">
             <p:contentPart p14:bwMode="auto" r:id="rId24">
               <p14:nvContentPartPr>
                 <p14:cNvPr id="19" name="잉크 18">
@@ -10931,7 +14628,7 @@
               </p14:xfrm>
             </p:contentPart>
           </mc:Choice>
-          <mc:Fallback>
+          <mc:Fallback xmlns="">
             <p:pic>
               <p:nvPicPr>
                 <p:cNvPr id="19" name="잉크 18">
@@ -10962,8 +14659,8 @@
             </p:pic>
           </mc:Fallback>
         </mc:AlternateContent>
-        <mc:AlternateContent xmlns:mc="http://schemas.openxmlformats.org/markup-compatibility/2006">
-          <mc:Choice xmlns:p14="http://schemas.microsoft.com/office/powerpoint/2010/main" Requires="p14">
+        <mc:AlternateContent xmlns:mc="http://schemas.openxmlformats.org/markup-compatibility/2006" xmlns:p14="http://schemas.microsoft.com/office/powerpoint/2010/main">
+          <mc:Choice Requires="p14">
             <p:contentPart p14:bwMode="auto" r:id="rId26">
               <p14:nvContentPartPr>
                 <p14:cNvPr id="20" name="잉크 19">
@@ -10982,7 +14679,7 @@
               </p14:xfrm>
             </p:contentPart>
           </mc:Choice>
-          <mc:Fallback>
+          <mc:Fallback xmlns="">
             <p:pic>
               <p:nvPicPr>
                 <p:cNvPr id="20" name="잉크 19">
@@ -11013,8 +14710,8 @@
             </p:pic>
           </mc:Fallback>
         </mc:AlternateContent>
-        <mc:AlternateContent xmlns:mc="http://schemas.openxmlformats.org/markup-compatibility/2006">
-          <mc:Choice xmlns:p14="http://schemas.microsoft.com/office/powerpoint/2010/main" Requires="p14">
+        <mc:AlternateContent xmlns:mc="http://schemas.openxmlformats.org/markup-compatibility/2006" xmlns:p14="http://schemas.microsoft.com/office/powerpoint/2010/main">
+          <mc:Choice Requires="p14">
             <p:contentPart p14:bwMode="auto" r:id="rId28">
               <p14:nvContentPartPr>
                 <p14:cNvPr id="21" name="잉크 20">
@@ -11033,7 +14730,7 @@
               </p14:xfrm>
             </p:contentPart>
           </mc:Choice>
-          <mc:Fallback>
+          <mc:Fallback xmlns="">
             <p:pic>
               <p:nvPicPr>
                 <p:cNvPr id="21" name="잉크 20">
@@ -11064,8 +14761,8 @@
             </p:pic>
           </mc:Fallback>
         </mc:AlternateContent>
-        <mc:AlternateContent xmlns:mc="http://schemas.openxmlformats.org/markup-compatibility/2006">
-          <mc:Choice xmlns:p14="http://schemas.microsoft.com/office/powerpoint/2010/main" Requires="p14">
+        <mc:AlternateContent xmlns:mc="http://schemas.openxmlformats.org/markup-compatibility/2006" xmlns:p14="http://schemas.microsoft.com/office/powerpoint/2010/main">
+          <mc:Choice Requires="p14">
             <p:contentPart p14:bwMode="auto" r:id="rId30">
               <p14:nvContentPartPr>
                 <p14:cNvPr id="27" name="잉크 26">
@@ -11084,7 +14781,7 @@
               </p14:xfrm>
             </p:contentPart>
           </mc:Choice>
-          <mc:Fallback>
+          <mc:Fallback xmlns="">
             <p:pic>
               <p:nvPicPr>
                 <p:cNvPr id="27" name="잉크 26">
@@ -11115,8 +14812,8 @@
             </p:pic>
           </mc:Fallback>
         </mc:AlternateContent>
-        <mc:AlternateContent xmlns:mc="http://schemas.openxmlformats.org/markup-compatibility/2006">
-          <mc:Choice xmlns:p14="http://schemas.microsoft.com/office/powerpoint/2010/main" Requires="p14">
+        <mc:AlternateContent xmlns:mc="http://schemas.openxmlformats.org/markup-compatibility/2006" xmlns:p14="http://schemas.microsoft.com/office/powerpoint/2010/main">
+          <mc:Choice Requires="p14">
             <p:contentPart p14:bwMode="auto" r:id="rId32">
               <p14:nvContentPartPr>
                 <p14:cNvPr id="28" name="잉크 27">
@@ -11135,7 +14832,7 @@
               </p14:xfrm>
             </p:contentPart>
           </mc:Choice>
-          <mc:Fallback>
+          <mc:Fallback xmlns="">
             <p:pic>
               <p:nvPicPr>
                 <p:cNvPr id="28" name="잉크 27">
@@ -11166,8 +14863,8 @@
             </p:pic>
           </mc:Fallback>
         </mc:AlternateContent>
-        <mc:AlternateContent xmlns:mc="http://schemas.openxmlformats.org/markup-compatibility/2006">
-          <mc:Choice xmlns:p14="http://schemas.microsoft.com/office/powerpoint/2010/main" Requires="p14">
+        <mc:AlternateContent xmlns:mc="http://schemas.openxmlformats.org/markup-compatibility/2006" xmlns:p14="http://schemas.microsoft.com/office/powerpoint/2010/main">
+          <mc:Choice Requires="p14">
             <p:contentPart p14:bwMode="auto" r:id="rId34">
               <p14:nvContentPartPr>
                 <p14:cNvPr id="29" name="잉크 28">
@@ -11186,7 +14883,7 @@
               </p14:xfrm>
             </p:contentPart>
           </mc:Choice>
-          <mc:Fallback>
+          <mc:Fallback xmlns="">
             <p:pic>
               <p:nvPicPr>
                 <p:cNvPr id="29" name="잉크 28">
@@ -11217,8 +14914,8 @@
             </p:pic>
           </mc:Fallback>
         </mc:AlternateContent>
-        <mc:AlternateContent xmlns:mc="http://schemas.openxmlformats.org/markup-compatibility/2006">
-          <mc:Choice xmlns:p14="http://schemas.microsoft.com/office/powerpoint/2010/main" Requires="p14">
+        <mc:AlternateContent xmlns:mc="http://schemas.openxmlformats.org/markup-compatibility/2006" xmlns:p14="http://schemas.microsoft.com/office/powerpoint/2010/main">
+          <mc:Choice Requires="p14">
             <p:contentPart p14:bwMode="auto" r:id="rId36">
               <p14:nvContentPartPr>
                 <p14:cNvPr id="30" name="잉크 29">
@@ -11237,7 +14934,7 @@
               </p14:xfrm>
             </p:contentPart>
           </mc:Choice>
-          <mc:Fallback>
+          <mc:Fallback xmlns="">
             <p:pic>
               <p:nvPicPr>
                 <p:cNvPr id="30" name="잉크 29">
@@ -11268,8 +14965,8 @@
             </p:pic>
           </mc:Fallback>
         </mc:AlternateContent>
-        <mc:AlternateContent xmlns:mc="http://schemas.openxmlformats.org/markup-compatibility/2006">
-          <mc:Choice xmlns:p14="http://schemas.microsoft.com/office/powerpoint/2010/main" Requires="p14">
+        <mc:AlternateContent xmlns:mc="http://schemas.openxmlformats.org/markup-compatibility/2006" xmlns:p14="http://schemas.microsoft.com/office/powerpoint/2010/main">
+          <mc:Choice Requires="p14">
             <p:contentPart p14:bwMode="auto" r:id="rId38">
               <p14:nvContentPartPr>
                 <p14:cNvPr id="31" name="잉크 30">
@@ -11288,7 +14985,7 @@
               </p14:xfrm>
             </p:contentPart>
           </mc:Choice>
-          <mc:Fallback>
+          <mc:Fallback xmlns="">
             <p:pic>
               <p:nvPicPr>
                 <p:cNvPr id="31" name="잉크 30">
@@ -11319,8 +15016,8 @@
             </p:pic>
           </mc:Fallback>
         </mc:AlternateContent>
-        <mc:AlternateContent xmlns:mc="http://schemas.openxmlformats.org/markup-compatibility/2006">
-          <mc:Choice xmlns:p14="http://schemas.microsoft.com/office/powerpoint/2010/main" Requires="p14">
+        <mc:AlternateContent xmlns:mc="http://schemas.openxmlformats.org/markup-compatibility/2006" xmlns:p14="http://schemas.microsoft.com/office/powerpoint/2010/main">
+          <mc:Choice Requires="p14">
             <p:contentPart p14:bwMode="auto" r:id="rId40">
               <p14:nvContentPartPr>
                 <p14:cNvPr id="32" name="잉크 31">
@@ -11339,7 +15036,7 @@
               </p14:xfrm>
             </p:contentPart>
           </mc:Choice>
-          <mc:Fallback>
+          <mc:Fallback xmlns="">
             <p:pic>
               <p:nvPicPr>
                 <p:cNvPr id="32" name="잉크 31">
@@ -11370,8 +15067,8 @@
             </p:pic>
           </mc:Fallback>
         </mc:AlternateContent>
-        <mc:AlternateContent xmlns:mc="http://schemas.openxmlformats.org/markup-compatibility/2006">
-          <mc:Choice xmlns:p14="http://schemas.microsoft.com/office/powerpoint/2010/main" Requires="p14">
+        <mc:AlternateContent xmlns:mc="http://schemas.openxmlformats.org/markup-compatibility/2006" xmlns:p14="http://schemas.microsoft.com/office/powerpoint/2010/main">
+          <mc:Choice Requires="p14">
             <p:contentPart p14:bwMode="auto" r:id="rId42">
               <p14:nvContentPartPr>
                 <p14:cNvPr id="33" name="잉크 32">
@@ -11390,7 +15087,7 @@
               </p14:xfrm>
             </p:contentPart>
           </mc:Choice>
-          <mc:Fallback>
+          <mc:Fallback xmlns="">
             <p:pic>
               <p:nvPicPr>
                 <p:cNvPr id="33" name="잉크 32">
@@ -11421,8 +15118,8 @@
             </p:pic>
           </mc:Fallback>
         </mc:AlternateContent>
-        <mc:AlternateContent xmlns:mc="http://schemas.openxmlformats.org/markup-compatibility/2006">
-          <mc:Choice xmlns:p14="http://schemas.microsoft.com/office/powerpoint/2010/main" Requires="p14">
+        <mc:AlternateContent xmlns:mc="http://schemas.openxmlformats.org/markup-compatibility/2006" xmlns:p14="http://schemas.microsoft.com/office/powerpoint/2010/main">
+          <mc:Choice Requires="p14">
             <p:contentPart p14:bwMode="auto" r:id="rId44">
               <p14:nvContentPartPr>
                 <p14:cNvPr id="34" name="잉크 33">
@@ -11441,7 +15138,7 @@
               </p14:xfrm>
             </p:contentPart>
           </mc:Choice>
-          <mc:Fallback>
+          <mc:Fallback xmlns="">
             <p:pic>
               <p:nvPicPr>
                 <p:cNvPr id="34" name="잉크 33">
@@ -11472,8 +15169,8 @@
             </p:pic>
           </mc:Fallback>
         </mc:AlternateContent>
-        <mc:AlternateContent xmlns:mc="http://schemas.openxmlformats.org/markup-compatibility/2006">
-          <mc:Choice xmlns:p14="http://schemas.microsoft.com/office/powerpoint/2010/main" Requires="p14">
+        <mc:AlternateContent xmlns:mc="http://schemas.openxmlformats.org/markup-compatibility/2006" xmlns:p14="http://schemas.microsoft.com/office/powerpoint/2010/main">
+          <mc:Choice Requires="p14">
             <p:contentPart p14:bwMode="auto" r:id="rId46">
               <p14:nvContentPartPr>
                 <p14:cNvPr id="35" name="잉크 34">
@@ -11492,7 +15189,7 @@
               </p14:xfrm>
             </p:contentPart>
           </mc:Choice>
-          <mc:Fallback>
+          <mc:Fallback xmlns="">
             <p:pic>
               <p:nvPicPr>
                 <p:cNvPr id="35" name="잉크 34">
@@ -11523,8 +15220,8 @@
             </p:pic>
           </mc:Fallback>
         </mc:AlternateContent>
-        <mc:AlternateContent xmlns:mc="http://schemas.openxmlformats.org/markup-compatibility/2006">
-          <mc:Choice xmlns:p14="http://schemas.microsoft.com/office/powerpoint/2010/main" Requires="p14">
+        <mc:AlternateContent xmlns:mc="http://schemas.openxmlformats.org/markup-compatibility/2006" xmlns:p14="http://schemas.microsoft.com/office/powerpoint/2010/main">
+          <mc:Choice Requires="p14">
             <p:contentPart p14:bwMode="auto" r:id="rId48">
               <p14:nvContentPartPr>
                 <p14:cNvPr id="37" name="잉크 36">
@@ -11543,7 +15240,7 @@
               </p14:xfrm>
             </p:contentPart>
           </mc:Choice>
-          <mc:Fallback>
+          <mc:Fallback xmlns="">
             <p:pic>
               <p:nvPicPr>
                 <p:cNvPr id="37" name="잉크 36">
@@ -11574,8 +15271,8 @@
             </p:pic>
           </mc:Fallback>
         </mc:AlternateContent>
-        <mc:AlternateContent xmlns:mc="http://schemas.openxmlformats.org/markup-compatibility/2006">
-          <mc:Choice xmlns:p14="http://schemas.microsoft.com/office/powerpoint/2010/main" Requires="p14">
+        <mc:AlternateContent xmlns:mc="http://schemas.openxmlformats.org/markup-compatibility/2006" xmlns:p14="http://schemas.microsoft.com/office/powerpoint/2010/main">
+          <mc:Choice Requires="p14">
             <p:contentPart p14:bwMode="auto" r:id="rId50">
               <p14:nvContentPartPr>
                 <p14:cNvPr id="38" name="잉크 37">
@@ -11594,7 +15291,7 @@
               </p14:xfrm>
             </p:contentPart>
           </mc:Choice>
-          <mc:Fallback>
+          <mc:Fallback xmlns="">
             <p:pic>
               <p:nvPicPr>
                 <p:cNvPr id="38" name="잉크 37">
@@ -11625,8 +15322,8 @@
             </p:pic>
           </mc:Fallback>
         </mc:AlternateContent>
-        <mc:AlternateContent xmlns:mc="http://schemas.openxmlformats.org/markup-compatibility/2006">
-          <mc:Choice xmlns:p14="http://schemas.microsoft.com/office/powerpoint/2010/main" Requires="p14">
+        <mc:AlternateContent xmlns:mc="http://schemas.openxmlformats.org/markup-compatibility/2006" xmlns:p14="http://schemas.microsoft.com/office/powerpoint/2010/main">
+          <mc:Choice Requires="p14">
             <p:contentPart p14:bwMode="auto" r:id="rId52">
               <p14:nvContentPartPr>
                 <p14:cNvPr id="39" name="잉크 38">
@@ -11645,7 +15342,7 @@
               </p14:xfrm>
             </p:contentPart>
           </mc:Choice>
-          <mc:Fallback>
+          <mc:Fallback xmlns="">
             <p:pic>
               <p:nvPicPr>
                 <p:cNvPr id="39" name="잉크 38">
@@ -11676,8 +15373,8 @@
             </p:pic>
           </mc:Fallback>
         </mc:AlternateContent>
-        <mc:AlternateContent xmlns:mc="http://schemas.openxmlformats.org/markup-compatibility/2006">
-          <mc:Choice xmlns:p14="http://schemas.microsoft.com/office/powerpoint/2010/main" Requires="p14">
+        <mc:AlternateContent xmlns:mc="http://schemas.openxmlformats.org/markup-compatibility/2006" xmlns:p14="http://schemas.microsoft.com/office/powerpoint/2010/main">
+          <mc:Choice Requires="p14">
             <p:contentPart p14:bwMode="auto" r:id="rId54">
               <p14:nvContentPartPr>
                 <p14:cNvPr id="40" name="잉크 39">
@@ -11696,7 +15393,7 @@
               </p14:xfrm>
             </p:contentPart>
           </mc:Choice>
-          <mc:Fallback>
+          <mc:Fallback xmlns="">
             <p:pic>
               <p:nvPicPr>
                 <p:cNvPr id="40" name="잉크 39">
@@ -11727,8 +15424,8 @@
             </p:pic>
           </mc:Fallback>
         </mc:AlternateContent>
-        <mc:AlternateContent xmlns:mc="http://schemas.openxmlformats.org/markup-compatibility/2006">
-          <mc:Choice xmlns:p14="http://schemas.microsoft.com/office/powerpoint/2010/main" Requires="p14">
+        <mc:AlternateContent xmlns:mc="http://schemas.openxmlformats.org/markup-compatibility/2006" xmlns:p14="http://schemas.microsoft.com/office/powerpoint/2010/main">
+          <mc:Choice Requires="p14">
             <p:contentPart p14:bwMode="auto" r:id="rId56">
               <p14:nvContentPartPr>
                 <p14:cNvPr id="42" name="잉크 41">
@@ -11747,7 +15444,7 @@
               </p14:xfrm>
             </p:contentPart>
           </mc:Choice>
-          <mc:Fallback>
+          <mc:Fallback xmlns="">
             <p:pic>
               <p:nvPicPr>
                 <p:cNvPr id="42" name="잉크 41">
@@ -11778,8 +15475,8 @@
             </p:pic>
           </mc:Fallback>
         </mc:AlternateContent>
-        <mc:AlternateContent xmlns:mc="http://schemas.openxmlformats.org/markup-compatibility/2006">
-          <mc:Choice xmlns:p14="http://schemas.microsoft.com/office/powerpoint/2010/main" Requires="p14">
+        <mc:AlternateContent xmlns:mc="http://schemas.openxmlformats.org/markup-compatibility/2006" xmlns:p14="http://schemas.microsoft.com/office/powerpoint/2010/main">
+          <mc:Choice Requires="p14">
             <p:contentPart p14:bwMode="auto" r:id="rId58">
               <p14:nvContentPartPr>
                 <p14:cNvPr id="43" name="잉크 42">
@@ -11798,7 +15495,7 @@
               </p14:xfrm>
             </p:contentPart>
           </mc:Choice>
-          <mc:Fallback>
+          <mc:Fallback xmlns="">
             <p:pic>
               <p:nvPicPr>
                 <p:cNvPr id="43" name="잉크 42">
@@ -11829,8 +15526,8 @@
             </p:pic>
           </mc:Fallback>
         </mc:AlternateContent>
-        <mc:AlternateContent xmlns:mc="http://schemas.openxmlformats.org/markup-compatibility/2006">
-          <mc:Choice xmlns:p14="http://schemas.microsoft.com/office/powerpoint/2010/main" Requires="p14">
+        <mc:AlternateContent xmlns:mc="http://schemas.openxmlformats.org/markup-compatibility/2006" xmlns:p14="http://schemas.microsoft.com/office/powerpoint/2010/main">
+          <mc:Choice Requires="p14">
             <p:contentPart p14:bwMode="auto" r:id="rId60">
               <p14:nvContentPartPr>
                 <p14:cNvPr id="45" name="잉크 44">
@@ -11849,7 +15546,7 @@
               </p14:xfrm>
             </p:contentPart>
           </mc:Choice>
-          <mc:Fallback>
+          <mc:Fallback xmlns="">
             <p:pic>
               <p:nvPicPr>
                 <p:cNvPr id="45" name="잉크 44">
@@ -11880,8 +15577,8 @@
             </p:pic>
           </mc:Fallback>
         </mc:AlternateContent>
-        <mc:AlternateContent xmlns:mc="http://schemas.openxmlformats.org/markup-compatibility/2006">
-          <mc:Choice xmlns:p14="http://schemas.microsoft.com/office/powerpoint/2010/main" Requires="p14">
+        <mc:AlternateContent xmlns:mc="http://schemas.openxmlformats.org/markup-compatibility/2006" xmlns:p14="http://schemas.microsoft.com/office/powerpoint/2010/main">
+          <mc:Choice Requires="p14">
             <p:contentPart p14:bwMode="auto" r:id="rId62">
               <p14:nvContentPartPr>
                 <p14:cNvPr id="46" name="잉크 45">
@@ -11900,7 +15597,7 @@
               </p14:xfrm>
             </p:contentPart>
           </mc:Choice>
-          <mc:Fallback>
+          <mc:Fallback xmlns="">
             <p:pic>
               <p:nvPicPr>
                 <p:cNvPr id="46" name="잉크 45">
@@ -11931,8 +15628,8 @@
             </p:pic>
           </mc:Fallback>
         </mc:AlternateContent>
-        <mc:AlternateContent xmlns:mc="http://schemas.openxmlformats.org/markup-compatibility/2006">
-          <mc:Choice xmlns:p14="http://schemas.microsoft.com/office/powerpoint/2010/main" Requires="p14">
+        <mc:AlternateContent xmlns:mc="http://schemas.openxmlformats.org/markup-compatibility/2006" xmlns:p14="http://schemas.microsoft.com/office/powerpoint/2010/main">
+          <mc:Choice Requires="p14">
             <p:contentPart p14:bwMode="auto" r:id="rId64">
               <p14:nvContentPartPr>
                 <p14:cNvPr id="48" name="잉크 47">
@@ -11951,7 +15648,7 @@
               </p14:xfrm>
             </p:contentPart>
           </mc:Choice>
-          <mc:Fallback>
+          <mc:Fallback xmlns="">
             <p:pic>
               <p:nvPicPr>
                 <p:cNvPr id="48" name="잉크 47">
@@ -11982,8 +15679,8 @@
             </p:pic>
           </mc:Fallback>
         </mc:AlternateContent>
-        <mc:AlternateContent xmlns:mc="http://schemas.openxmlformats.org/markup-compatibility/2006">
-          <mc:Choice xmlns:p14="http://schemas.microsoft.com/office/powerpoint/2010/main" Requires="p14">
+        <mc:AlternateContent xmlns:mc="http://schemas.openxmlformats.org/markup-compatibility/2006" xmlns:p14="http://schemas.microsoft.com/office/powerpoint/2010/main">
+          <mc:Choice Requires="p14">
             <p:contentPart p14:bwMode="auto" r:id="rId66">
               <p14:nvContentPartPr>
                 <p14:cNvPr id="49" name="잉크 48">
@@ -12002,7 +15699,7 @@
               </p14:xfrm>
             </p:contentPart>
           </mc:Choice>
-          <mc:Fallback>
+          <mc:Fallback xmlns="">
             <p:pic>
               <p:nvPicPr>
                 <p:cNvPr id="49" name="잉크 48">
@@ -12033,8 +15730,8 @@
             </p:pic>
           </mc:Fallback>
         </mc:AlternateContent>
-        <mc:AlternateContent xmlns:mc="http://schemas.openxmlformats.org/markup-compatibility/2006">
-          <mc:Choice xmlns:p14="http://schemas.microsoft.com/office/powerpoint/2010/main" Requires="p14">
+        <mc:AlternateContent xmlns:mc="http://schemas.openxmlformats.org/markup-compatibility/2006" xmlns:p14="http://schemas.microsoft.com/office/powerpoint/2010/main">
+          <mc:Choice Requires="p14">
             <p:contentPart p14:bwMode="auto" r:id="rId68">
               <p14:nvContentPartPr>
                 <p14:cNvPr id="50" name="잉크 49">
@@ -12053,7 +15750,7 @@
               </p14:xfrm>
             </p:contentPart>
           </mc:Choice>
-          <mc:Fallback>
+          <mc:Fallback xmlns="">
             <p:pic>
               <p:nvPicPr>
                 <p:cNvPr id="50" name="잉크 49">
@@ -12084,8 +15781,8 @@
             </p:pic>
           </mc:Fallback>
         </mc:AlternateContent>
-        <mc:AlternateContent xmlns:mc="http://schemas.openxmlformats.org/markup-compatibility/2006">
-          <mc:Choice xmlns:p14="http://schemas.microsoft.com/office/powerpoint/2010/main" Requires="p14">
+        <mc:AlternateContent xmlns:mc="http://schemas.openxmlformats.org/markup-compatibility/2006" xmlns:p14="http://schemas.microsoft.com/office/powerpoint/2010/main">
+          <mc:Choice Requires="p14">
             <p:contentPart p14:bwMode="auto" r:id="rId70">
               <p14:nvContentPartPr>
                 <p14:cNvPr id="51" name="잉크 50">
@@ -12104,7 +15801,7 @@
               </p14:xfrm>
             </p:contentPart>
           </mc:Choice>
-          <mc:Fallback>
+          <mc:Fallback xmlns="">
             <p:pic>
               <p:nvPicPr>
                 <p:cNvPr id="51" name="잉크 50">
@@ -12135,8 +15832,8 @@
             </p:pic>
           </mc:Fallback>
         </mc:AlternateContent>
-        <mc:AlternateContent xmlns:mc="http://schemas.openxmlformats.org/markup-compatibility/2006">
-          <mc:Choice xmlns:p14="http://schemas.microsoft.com/office/powerpoint/2010/main" Requires="p14">
+        <mc:AlternateContent xmlns:mc="http://schemas.openxmlformats.org/markup-compatibility/2006" xmlns:p14="http://schemas.microsoft.com/office/powerpoint/2010/main">
+          <mc:Choice Requires="p14">
             <p:contentPart p14:bwMode="auto" r:id="rId72">
               <p14:nvContentPartPr>
                 <p14:cNvPr id="52" name="잉크 51">
@@ -12155,7 +15852,7 @@
               </p14:xfrm>
             </p:contentPart>
           </mc:Choice>
-          <mc:Fallback>
+          <mc:Fallback xmlns="">
             <p:pic>
               <p:nvPicPr>
                 <p:cNvPr id="52" name="잉크 51">
@@ -12186,8 +15883,8 @@
             </p:pic>
           </mc:Fallback>
         </mc:AlternateContent>
-        <mc:AlternateContent xmlns:mc="http://schemas.openxmlformats.org/markup-compatibility/2006">
-          <mc:Choice xmlns:p14="http://schemas.microsoft.com/office/powerpoint/2010/main" Requires="p14">
+        <mc:AlternateContent xmlns:mc="http://schemas.openxmlformats.org/markup-compatibility/2006" xmlns:p14="http://schemas.microsoft.com/office/powerpoint/2010/main">
+          <mc:Choice Requires="p14">
             <p:contentPart p14:bwMode="auto" r:id="rId74">
               <p14:nvContentPartPr>
                 <p14:cNvPr id="53" name="잉크 52">
@@ -12206,7 +15903,7 @@
               </p14:xfrm>
             </p:contentPart>
           </mc:Choice>
-          <mc:Fallback>
+          <mc:Fallback xmlns="">
             <p:pic>
               <p:nvPicPr>
                 <p:cNvPr id="53" name="잉크 52">
@@ -12237,8 +15934,8 @@
             </p:pic>
           </mc:Fallback>
         </mc:AlternateContent>
-        <mc:AlternateContent xmlns:mc="http://schemas.openxmlformats.org/markup-compatibility/2006">
-          <mc:Choice xmlns:p14="http://schemas.microsoft.com/office/powerpoint/2010/main" Requires="p14">
+        <mc:AlternateContent xmlns:mc="http://schemas.openxmlformats.org/markup-compatibility/2006" xmlns:p14="http://schemas.microsoft.com/office/powerpoint/2010/main">
+          <mc:Choice Requires="p14">
             <p:contentPart p14:bwMode="auto" r:id="rId76">
               <p14:nvContentPartPr>
                 <p14:cNvPr id="54" name="잉크 53">
@@ -12257,7 +15954,7 @@
               </p14:xfrm>
             </p:contentPart>
           </mc:Choice>
-          <mc:Fallback>
+          <mc:Fallback xmlns="">
             <p:pic>
               <p:nvPicPr>
                 <p:cNvPr id="54" name="잉크 53">
@@ -12288,8 +15985,8 @@
             </p:pic>
           </mc:Fallback>
         </mc:AlternateContent>
-        <mc:AlternateContent xmlns:mc="http://schemas.openxmlformats.org/markup-compatibility/2006">
-          <mc:Choice xmlns:p14="http://schemas.microsoft.com/office/powerpoint/2010/main" Requires="p14">
+        <mc:AlternateContent xmlns:mc="http://schemas.openxmlformats.org/markup-compatibility/2006" xmlns:p14="http://schemas.microsoft.com/office/powerpoint/2010/main">
+          <mc:Choice Requires="p14">
             <p:contentPart p14:bwMode="auto" r:id="rId78">
               <p14:nvContentPartPr>
                 <p14:cNvPr id="55" name="잉크 54">
@@ -12308,7 +16005,7 @@
               </p14:xfrm>
             </p:contentPart>
           </mc:Choice>
-          <mc:Fallback>
+          <mc:Fallback xmlns="">
             <p:pic>
               <p:nvPicPr>
                 <p:cNvPr id="55" name="잉크 54">
@@ -12339,8 +16036,8 @@
             </p:pic>
           </mc:Fallback>
         </mc:AlternateContent>
-        <mc:AlternateContent xmlns:mc="http://schemas.openxmlformats.org/markup-compatibility/2006">
-          <mc:Choice xmlns:p14="http://schemas.microsoft.com/office/powerpoint/2010/main" Requires="p14">
+        <mc:AlternateContent xmlns:mc="http://schemas.openxmlformats.org/markup-compatibility/2006" xmlns:p14="http://schemas.microsoft.com/office/powerpoint/2010/main">
+          <mc:Choice Requires="p14">
             <p:contentPart p14:bwMode="auto" r:id="rId80">
               <p14:nvContentPartPr>
                 <p14:cNvPr id="56" name="잉크 55">
@@ -12359,7 +16056,7 @@
               </p14:xfrm>
             </p:contentPart>
           </mc:Choice>
-          <mc:Fallback>
+          <mc:Fallback xmlns="">
             <p:pic>
               <p:nvPicPr>
                 <p:cNvPr id="56" name="잉크 55">
@@ -12390,8 +16087,8 @@
             </p:pic>
           </mc:Fallback>
         </mc:AlternateContent>
-        <mc:AlternateContent xmlns:mc="http://schemas.openxmlformats.org/markup-compatibility/2006">
-          <mc:Choice xmlns:p14="http://schemas.microsoft.com/office/powerpoint/2010/main" Requires="p14">
+        <mc:AlternateContent xmlns:mc="http://schemas.openxmlformats.org/markup-compatibility/2006" xmlns:p14="http://schemas.microsoft.com/office/powerpoint/2010/main">
+          <mc:Choice Requires="p14">
             <p:contentPart p14:bwMode="auto" r:id="rId82">
               <p14:nvContentPartPr>
                 <p14:cNvPr id="57" name="잉크 56">
@@ -12410,7 +16107,7 @@
               </p14:xfrm>
             </p:contentPart>
           </mc:Choice>
-          <mc:Fallback>
+          <mc:Fallback xmlns="">
             <p:pic>
               <p:nvPicPr>
                 <p:cNvPr id="57" name="잉크 56">
@@ -12441,8 +16138,8 @@
             </p:pic>
           </mc:Fallback>
         </mc:AlternateContent>
-        <mc:AlternateContent xmlns:mc="http://schemas.openxmlformats.org/markup-compatibility/2006">
-          <mc:Choice xmlns:p14="http://schemas.microsoft.com/office/powerpoint/2010/main" Requires="p14">
+        <mc:AlternateContent xmlns:mc="http://schemas.openxmlformats.org/markup-compatibility/2006" xmlns:p14="http://schemas.microsoft.com/office/powerpoint/2010/main">
+          <mc:Choice Requires="p14">
             <p:contentPart p14:bwMode="auto" r:id="rId84">
               <p14:nvContentPartPr>
                 <p14:cNvPr id="58" name="잉크 57">
@@ -12461,7 +16158,7 @@
               </p14:xfrm>
             </p:contentPart>
           </mc:Choice>
-          <mc:Fallback>
+          <mc:Fallback xmlns="">
             <p:pic>
               <p:nvPicPr>
                 <p:cNvPr id="58" name="잉크 57">
@@ -12492,8 +16189,8 @@
             </p:pic>
           </mc:Fallback>
         </mc:AlternateContent>
-        <mc:AlternateContent xmlns:mc="http://schemas.openxmlformats.org/markup-compatibility/2006">
-          <mc:Choice xmlns:p14="http://schemas.microsoft.com/office/powerpoint/2010/main" Requires="p14">
+        <mc:AlternateContent xmlns:mc="http://schemas.openxmlformats.org/markup-compatibility/2006" xmlns:p14="http://schemas.microsoft.com/office/powerpoint/2010/main">
+          <mc:Choice Requires="p14">
             <p:contentPart p14:bwMode="auto" r:id="rId86">
               <p14:nvContentPartPr>
                 <p14:cNvPr id="59" name="잉크 58">
@@ -12512,7 +16209,7 @@
               </p14:xfrm>
             </p:contentPart>
           </mc:Choice>
-          <mc:Fallback>
+          <mc:Fallback xmlns="">
             <p:pic>
               <p:nvPicPr>
                 <p:cNvPr id="59" name="잉크 58">
@@ -12543,8 +16240,8 @@
             </p:pic>
           </mc:Fallback>
         </mc:AlternateContent>
-        <mc:AlternateContent xmlns:mc="http://schemas.openxmlformats.org/markup-compatibility/2006">
-          <mc:Choice xmlns:p14="http://schemas.microsoft.com/office/powerpoint/2010/main" Requires="p14">
+        <mc:AlternateContent xmlns:mc="http://schemas.openxmlformats.org/markup-compatibility/2006" xmlns:p14="http://schemas.microsoft.com/office/powerpoint/2010/main">
+          <mc:Choice Requires="p14">
             <p:contentPart p14:bwMode="auto" r:id="rId88">
               <p14:nvContentPartPr>
                 <p14:cNvPr id="61" name="잉크 60">
@@ -12563,7 +16260,7 @@
               </p14:xfrm>
             </p:contentPart>
           </mc:Choice>
-          <mc:Fallback>
+          <mc:Fallback xmlns="">
             <p:pic>
               <p:nvPicPr>
                 <p:cNvPr id="61" name="잉크 60">
@@ -12594,8 +16291,8 @@
             </p:pic>
           </mc:Fallback>
         </mc:AlternateContent>
-        <mc:AlternateContent xmlns:mc="http://schemas.openxmlformats.org/markup-compatibility/2006">
-          <mc:Choice xmlns:p14="http://schemas.microsoft.com/office/powerpoint/2010/main" Requires="p14">
+        <mc:AlternateContent xmlns:mc="http://schemas.openxmlformats.org/markup-compatibility/2006" xmlns:p14="http://schemas.microsoft.com/office/powerpoint/2010/main">
+          <mc:Choice Requires="p14">
             <p:contentPart p14:bwMode="auto" r:id="rId90">
               <p14:nvContentPartPr>
                 <p14:cNvPr id="62" name="잉크 61">
@@ -12614,7 +16311,7 @@
               </p14:xfrm>
             </p:contentPart>
           </mc:Choice>
-          <mc:Fallback>
+          <mc:Fallback xmlns="">
             <p:pic>
               <p:nvPicPr>
                 <p:cNvPr id="62" name="잉크 61">
@@ -12645,8 +16342,8 @@
             </p:pic>
           </mc:Fallback>
         </mc:AlternateContent>
-        <mc:AlternateContent xmlns:mc="http://schemas.openxmlformats.org/markup-compatibility/2006">
-          <mc:Choice xmlns:p14="http://schemas.microsoft.com/office/powerpoint/2010/main" Requires="p14">
+        <mc:AlternateContent xmlns:mc="http://schemas.openxmlformats.org/markup-compatibility/2006" xmlns:p14="http://schemas.microsoft.com/office/powerpoint/2010/main">
+          <mc:Choice Requires="p14">
             <p:contentPart p14:bwMode="auto" r:id="rId92">
               <p14:nvContentPartPr>
                 <p14:cNvPr id="68" name="잉크 67">
@@ -12665,7 +16362,7 @@
               </p14:xfrm>
             </p:contentPart>
           </mc:Choice>
-          <mc:Fallback>
+          <mc:Fallback xmlns="">
             <p:pic>
               <p:nvPicPr>
                 <p:cNvPr id="68" name="잉크 67">
@@ -12696,8 +16393,8 @@
             </p:pic>
           </mc:Fallback>
         </mc:AlternateContent>
-        <mc:AlternateContent xmlns:mc="http://schemas.openxmlformats.org/markup-compatibility/2006">
-          <mc:Choice xmlns:p14="http://schemas.microsoft.com/office/powerpoint/2010/main" Requires="p14">
+        <mc:AlternateContent xmlns:mc="http://schemas.openxmlformats.org/markup-compatibility/2006" xmlns:p14="http://schemas.microsoft.com/office/powerpoint/2010/main">
+          <mc:Choice Requires="p14">
             <p:contentPart p14:bwMode="auto" r:id="rId94">
               <p14:nvContentPartPr>
                 <p14:cNvPr id="69" name="잉크 68">
@@ -12716,7 +16413,7 @@
               </p14:xfrm>
             </p:contentPart>
           </mc:Choice>
-          <mc:Fallback>
+          <mc:Fallback xmlns="">
             <p:pic>
               <p:nvPicPr>
                 <p:cNvPr id="69" name="잉크 68">
@@ -12747,8 +16444,8 @@
             </p:pic>
           </mc:Fallback>
         </mc:AlternateContent>
-        <mc:AlternateContent xmlns:mc="http://schemas.openxmlformats.org/markup-compatibility/2006">
-          <mc:Choice xmlns:p14="http://schemas.microsoft.com/office/powerpoint/2010/main" Requires="p14">
+        <mc:AlternateContent xmlns:mc="http://schemas.openxmlformats.org/markup-compatibility/2006" xmlns:p14="http://schemas.microsoft.com/office/powerpoint/2010/main">
+          <mc:Choice Requires="p14">
             <p:contentPart p14:bwMode="auto" r:id="rId96">
               <p14:nvContentPartPr>
                 <p14:cNvPr id="70" name="잉크 69">
@@ -12767,7 +16464,7 @@
               </p14:xfrm>
             </p:contentPart>
           </mc:Choice>
-          <mc:Fallback>
+          <mc:Fallback xmlns="">
             <p:pic>
               <p:nvPicPr>
                 <p:cNvPr id="70" name="잉크 69">
@@ -12798,8 +16495,8 @@
             </p:pic>
           </mc:Fallback>
         </mc:AlternateContent>
-        <mc:AlternateContent xmlns:mc="http://schemas.openxmlformats.org/markup-compatibility/2006">
-          <mc:Choice xmlns:p14="http://schemas.microsoft.com/office/powerpoint/2010/main" Requires="p14">
+        <mc:AlternateContent xmlns:mc="http://schemas.openxmlformats.org/markup-compatibility/2006" xmlns:p14="http://schemas.microsoft.com/office/powerpoint/2010/main">
+          <mc:Choice Requires="p14">
             <p:contentPart p14:bwMode="auto" r:id="rId98">
               <p14:nvContentPartPr>
                 <p14:cNvPr id="72" name="잉크 71">
@@ -12818,7 +16515,7 @@
               </p14:xfrm>
             </p:contentPart>
           </mc:Choice>
-          <mc:Fallback>
+          <mc:Fallback xmlns="">
             <p:pic>
               <p:nvPicPr>
                 <p:cNvPr id="72" name="잉크 71">
@@ -12849,8 +16546,8 @@
             </p:pic>
           </mc:Fallback>
         </mc:AlternateContent>
-        <mc:AlternateContent xmlns:mc="http://schemas.openxmlformats.org/markup-compatibility/2006">
-          <mc:Choice xmlns:p14="http://schemas.microsoft.com/office/powerpoint/2010/main" Requires="p14">
+        <mc:AlternateContent xmlns:mc="http://schemas.openxmlformats.org/markup-compatibility/2006" xmlns:p14="http://schemas.microsoft.com/office/powerpoint/2010/main">
+          <mc:Choice Requires="p14">
             <p:contentPart p14:bwMode="auto" r:id="rId100">
               <p14:nvContentPartPr>
                 <p14:cNvPr id="73" name="잉크 72">
@@ -12869,7 +16566,7 @@
               </p14:xfrm>
             </p:contentPart>
           </mc:Choice>
-          <mc:Fallback>
+          <mc:Fallback xmlns="">
             <p:pic>
               <p:nvPicPr>
                 <p:cNvPr id="73" name="잉크 72">
@@ -12900,8 +16597,8 @@
             </p:pic>
           </mc:Fallback>
         </mc:AlternateContent>
-        <mc:AlternateContent xmlns:mc="http://schemas.openxmlformats.org/markup-compatibility/2006">
-          <mc:Choice xmlns:p14="http://schemas.microsoft.com/office/powerpoint/2010/main" Requires="p14">
+        <mc:AlternateContent xmlns:mc="http://schemas.openxmlformats.org/markup-compatibility/2006" xmlns:p14="http://schemas.microsoft.com/office/powerpoint/2010/main">
+          <mc:Choice Requires="p14">
             <p:contentPart p14:bwMode="auto" r:id="rId102">
               <p14:nvContentPartPr>
                 <p14:cNvPr id="74" name="잉크 73">
@@ -12920,7 +16617,7 @@
               </p14:xfrm>
             </p:contentPart>
           </mc:Choice>
-          <mc:Fallback>
+          <mc:Fallback xmlns="">
             <p:pic>
               <p:nvPicPr>
                 <p:cNvPr id="74" name="잉크 73">
@@ -12951,8 +16648,8 @@
             </p:pic>
           </mc:Fallback>
         </mc:AlternateContent>
-        <mc:AlternateContent xmlns:mc="http://schemas.openxmlformats.org/markup-compatibility/2006">
-          <mc:Choice xmlns:p14="http://schemas.microsoft.com/office/powerpoint/2010/main" Requires="p14">
+        <mc:AlternateContent xmlns:mc="http://schemas.openxmlformats.org/markup-compatibility/2006" xmlns:p14="http://schemas.microsoft.com/office/powerpoint/2010/main">
+          <mc:Choice Requires="p14">
             <p:contentPart p14:bwMode="auto" r:id="rId104">
               <p14:nvContentPartPr>
                 <p14:cNvPr id="76" name="잉크 75">
@@ -12971,7 +16668,7 @@
               </p14:xfrm>
             </p:contentPart>
           </mc:Choice>
-          <mc:Fallback>
+          <mc:Fallback xmlns="">
             <p:pic>
               <p:nvPicPr>
                 <p:cNvPr id="76" name="잉크 75">
@@ -13002,8 +16699,8 @@
             </p:pic>
           </mc:Fallback>
         </mc:AlternateContent>
-        <mc:AlternateContent xmlns:mc="http://schemas.openxmlformats.org/markup-compatibility/2006">
-          <mc:Choice xmlns:p14="http://schemas.microsoft.com/office/powerpoint/2010/main" Requires="p14">
+        <mc:AlternateContent xmlns:mc="http://schemas.openxmlformats.org/markup-compatibility/2006" xmlns:p14="http://schemas.microsoft.com/office/powerpoint/2010/main">
+          <mc:Choice Requires="p14">
             <p:contentPart p14:bwMode="auto" r:id="rId106">
               <p14:nvContentPartPr>
                 <p14:cNvPr id="77" name="잉크 76">
@@ -13022,7 +16719,7 @@
               </p14:xfrm>
             </p:contentPart>
           </mc:Choice>
-          <mc:Fallback>
+          <mc:Fallback xmlns="">
             <p:pic>
               <p:nvPicPr>
                 <p:cNvPr id="77" name="잉크 76">
@@ -13053,8 +16750,8 @@
             </p:pic>
           </mc:Fallback>
         </mc:AlternateContent>
-        <mc:AlternateContent xmlns:mc="http://schemas.openxmlformats.org/markup-compatibility/2006">
-          <mc:Choice xmlns:p14="http://schemas.microsoft.com/office/powerpoint/2010/main" Requires="p14">
+        <mc:AlternateContent xmlns:mc="http://schemas.openxmlformats.org/markup-compatibility/2006" xmlns:p14="http://schemas.microsoft.com/office/powerpoint/2010/main">
+          <mc:Choice Requires="p14">
             <p:contentPart p14:bwMode="auto" r:id="rId108">
               <p14:nvContentPartPr>
                 <p14:cNvPr id="78" name="잉크 77">
@@ -13073,7 +16770,7 @@
               </p14:xfrm>
             </p:contentPart>
           </mc:Choice>
-          <mc:Fallback>
+          <mc:Fallback xmlns="">
             <p:pic>
               <p:nvPicPr>
                 <p:cNvPr id="78" name="잉크 77">
@@ -13104,8 +16801,8 @@
             </p:pic>
           </mc:Fallback>
         </mc:AlternateContent>
-        <mc:AlternateContent xmlns:mc="http://schemas.openxmlformats.org/markup-compatibility/2006">
-          <mc:Choice xmlns:p14="http://schemas.microsoft.com/office/powerpoint/2010/main" Requires="p14">
+        <mc:AlternateContent xmlns:mc="http://schemas.openxmlformats.org/markup-compatibility/2006" xmlns:p14="http://schemas.microsoft.com/office/powerpoint/2010/main">
+          <mc:Choice Requires="p14">
             <p:contentPart p14:bwMode="auto" r:id="rId110">
               <p14:nvContentPartPr>
                 <p14:cNvPr id="80" name="잉크 79">
@@ -13124,7 +16821,7 @@
               </p14:xfrm>
             </p:contentPart>
           </mc:Choice>
-          <mc:Fallback>
+          <mc:Fallback xmlns="">
             <p:pic>
               <p:nvPicPr>
                 <p:cNvPr id="80" name="잉크 79">
@@ -13155,8 +16852,8 @@
             </p:pic>
           </mc:Fallback>
         </mc:AlternateContent>
-        <mc:AlternateContent xmlns:mc="http://schemas.openxmlformats.org/markup-compatibility/2006">
-          <mc:Choice xmlns:p14="http://schemas.microsoft.com/office/powerpoint/2010/main" Requires="p14">
+        <mc:AlternateContent xmlns:mc="http://schemas.openxmlformats.org/markup-compatibility/2006" xmlns:p14="http://schemas.microsoft.com/office/powerpoint/2010/main">
+          <mc:Choice Requires="p14">
             <p:contentPart p14:bwMode="auto" r:id="rId112">
               <p14:nvContentPartPr>
                 <p14:cNvPr id="81" name="잉크 80">
@@ -13175,7 +16872,7 @@
               </p14:xfrm>
             </p:contentPart>
           </mc:Choice>
-          <mc:Fallback>
+          <mc:Fallback xmlns="">
             <p:pic>
               <p:nvPicPr>
                 <p:cNvPr id="81" name="잉크 80">
@@ -13206,8 +16903,8 @@
             </p:pic>
           </mc:Fallback>
         </mc:AlternateContent>
-        <mc:AlternateContent xmlns:mc="http://schemas.openxmlformats.org/markup-compatibility/2006">
-          <mc:Choice xmlns:p14="http://schemas.microsoft.com/office/powerpoint/2010/main" Requires="p14">
+        <mc:AlternateContent xmlns:mc="http://schemas.openxmlformats.org/markup-compatibility/2006" xmlns:p14="http://schemas.microsoft.com/office/powerpoint/2010/main">
+          <mc:Choice Requires="p14">
             <p:contentPart p14:bwMode="auto" r:id="rId114">
               <p14:nvContentPartPr>
                 <p14:cNvPr id="82" name="잉크 81">
@@ -13226,7 +16923,7 @@
               </p14:xfrm>
             </p:contentPart>
           </mc:Choice>
-          <mc:Fallback>
+          <mc:Fallback xmlns="">
             <p:pic>
               <p:nvPicPr>
                 <p:cNvPr id="82" name="잉크 81">
@@ -13257,8 +16954,8 @@
             </p:pic>
           </mc:Fallback>
         </mc:AlternateContent>
-        <mc:AlternateContent xmlns:mc="http://schemas.openxmlformats.org/markup-compatibility/2006">
-          <mc:Choice xmlns:p14="http://schemas.microsoft.com/office/powerpoint/2010/main" Requires="p14">
+        <mc:AlternateContent xmlns:mc="http://schemas.openxmlformats.org/markup-compatibility/2006" xmlns:p14="http://schemas.microsoft.com/office/powerpoint/2010/main">
+          <mc:Choice Requires="p14">
             <p:contentPart p14:bwMode="auto" r:id="rId116">
               <p14:nvContentPartPr>
                 <p14:cNvPr id="83" name="잉크 82">
@@ -13277,7 +16974,7 @@
               </p14:xfrm>
             </p:contentPart>
           </mc:Choice>
-          <mc:Fallback>
+          <mc:Fallback xmlns="">
             <p:pic>
               <p:nvPicPr>
                 <p:cNvPr id="83" name="잉크 82">
@@ -13308,8 +17005,8 @@
             </p:pic>
           </mc:Fallback>
         </mc:AlternateContent>
-        <mc:AlternateContent xmlns:mc="http://schemas.openxmlformats.org/markup-compatibility/2006">
-          <mc:Choice xmlns:p14="http://schemas.microsoft.com/office/powerpoint/2010/main" Requires="p14">
+        <mc:AlternateContent xmlns:mc="http://schemas.openxmlformats.org/markup-compatibility/2006" xmlns:p14="http://schemas.microsoft.com/office/powerpoint/2010/main">
+          <mc:Choice Requires="p14">
             <p:contentPart p14:bwMode="auto" r:id="rId118">
               <p14:nvContentPartPr>
                 <p14:cNvPr id="85" name="잉크 84">
@@ -13328,7 +17025,7 @@
               </p14:xfrm>
             </p:contentPart>
           </mc:Choice>
-          <mc:Fallback>
+          <mc:Fallback xmlns="">
             <p:pic>
               <p:nvPicPr>
                 <p:cNvPr id="85" name="잉크 84">
@@ -13359,8 +17056,8 @@
             </p:pic>
           </mc:Fallback>
         </mc:AlternateContent>
-        <mc:AlternateContent xmlns:mc="http://schemas.openxmlformats.org/markup-compatibility/2006">
-          <mc:Choice xmlns:p14="http://schemas.microsoft.com/office/powerpoint/2010/main" Requires="p14">
+        <mc:AlternateContent xmlns:mc="http://schemas.openxmlformats.org/markup-compatibility/2006" xmlns:p14="http://schemas.microsoft.com/office/powerpoint/2010/main">
+          <mc:Choice Requires="p14">
             <p:contentPart p14:bwMode="auto" r:id="rId120">
               <p14:nvContentPartPr>
                 <p14:cNvPr id="86" name="잉크 85">
@@ -13379,7 +17076,7 @@
               </p14:xfrm>
             </p:contentPart>
           </mc:Choice>
-          <mc:Fallback>
+          <mc:Fallback xmlns="">
             <p:pic>
               <p:nvPicPr>
                 <p:cNvPr id="86" name="잉크 85">
@@ -13410,8 +17107,8 @@
             </p:pic>
           </mc:Fallback>
         </mc:AlternateContent>
-        <mc:AlternateContent xmlns:mc="http://schemas.openxmlformats.org/markup-compatibility/2006">
-          <mc:Choice xmlns:p14="http://schemas.microsoft.com/office/powerpoint/2010/main" Requires="p14">
+        <mc:AlternateContent xmlns:mc="http://schemas.openxmlformats.org/markup-compatibility/2006" xmlns:p14="http://schemas.microsoft.com/office/powerpoint/2010/main">
+          <mc:Choice Requires="p14">
             <p:contentPart p14:bwMode="auto" r:id="rId122">
               <p14:nvContentPartPr>
                 <p14:cNvPr id="87" name="잉크 86">
@@ -13430,7 +17127,7 @@
               </p14:xfrm>
             </p:contentPart>
           </mc:Choice>
-          <mc:Fallback>
+          <mc:Fallback xmlns="">
             <p:pic>
               <p:nvPicPr>
                 <p:cNvPr id="87" name="잉크 86">
@@ -13461,8 +17158,8 @@
             </p:pic>
           </mc:Fallback>
         </mc:AlternateContent>
-        <mc:AlternateContent xmlns:mc="http://schemas.openxmlformats.org/markup-compatibility/2006">
-          <mc:Choice xmlns:p14="http://schemas.microsoft.com/office/powerpoint/2010/main" Requires="p14">
+        <mc:AlternateContent xmlns:mc="http://schemas.openxmlformats.org/markup-compatibility/2006" xmlns:p14="http://schemas.microsoft.com/office/powerpoint/2010/main">
+          <mc:Choice Requires="p14">
             <p:contentPart p14:bwMode="auto" r:id="rId124">
               <p14:nvContentPartPr>
                 <p14:cNvPr id="88" name="잉크 87">
@@ -13481,7 +17178,7 @@
               </p14:xfrm>
             </p:contentPart>
           </mc:Choice>
-          <mc:Fallback>
+          <mc:Fallback xmlns="">
             <p:pic>
               <p:nvPicPr>
                 <p:cNvPr id="88" name="잉크 87">
@@ -13512,8 +17209,8 @@
             </p:pic>
           </mc:Fallback>
         </mc:AlternateContent>
-        <mc:AlternateContent xmlns:mc="http://schemas.openxmlformats.org/markup-compatibility/2006">
-          <mc:Choice xmlns:p14="http://schemas.microsoft.com/office/powerpoint/2010/main" Requires="p14">
+        <mc:AlternateContent xmlns:mc="http://schemas.openxmlformats.org/markup-compatibility/2006" xmlns:p14="http://schemas.microsoft.com/office/powerpoint/2010/main">
+          <mc:Choice Requires="p14">
             <p:contentPart p14:bwMode="auto" r:id="rId126">
               <p14:nvContentPartPr>
                 <p14:cNvPr id="89" name="잉크 88">
@@ -13532,7 +17229,7 @@
               </p14:xfrm>
             </p:contentPart>
           </mc:Choice>
-          <mc:Fallback>
+          <mc:Fallback xmlns="">
             <p:pic>
               <p:nvPicPr>
                 <p:cNvPr id="89" name="잉크 88">
